--- a/doc/GIot_Session(win7).pptx
+++ b/doc/GIot_Session(win7).pptx
@@ -5,23 +5,23 @@
     <p:sldMasterId id="2147483648" r:id="rId1"/>
   </p:sldMasterIdLst>
   <p:notesMasterIdLst>
-    <p:notesMasterId r:id="rId56"/>
+    <p:notesMasterId r:id="rId57"/>
   </p:notesMasterIdLst>
   <p:sldIdLst>
     <p:sldId id="256" r:id="rId2"/>
     <p:sldId id="257" r:id="rId3"/>
     <p:sldId id="264" r:id="rId4"/>
     <p:sldId id="317" r:id="rId5"/>
-    <p:sldId id="312" r:id="rId6"/>
-    <p:sldId id="310" r:id="rId7"/>
-    <p:sldId id="260" r:id="rId8"/>
-    <p:sldId id="315" r:id="rId9"/>
-    <p:sldId id="313" r:id="rId10"/>
-    <p:sldId id="314" r:id="rId11"/>
-    <p:sldId id="309" r:id="rId12"/>
-    <p:sldId id="311" r:id="rId13"/>
-    <p:sldId id="274" r:id="rId14"/>
-    <p:sldId id="276" r:id="rId15"/>
+    <p:sldId id="276" r:id="rId6"/>
+    <p:sldId id="312" r:id="rId7"/>
+    <p:sldId id="310" r:id="rId8"/>
+    <p:sldId id="260" r:id="rId9"/>
+    <p:sldId id="315" r:id="rId10"/>
+    <p:sldId id="313" r:id="rId11"/>
+    <p:sldId id="314" r:id="rId12"/>
+    <p:sldId id="309" r:id="rId13"/>
+    <p:sldId id="311" r:id="rId14"/>
+    <p:sldId id="274" r:id="rId15"/>
     <p:sldId id="316" r:id="rId16"/>
     <p:sldId id="277" r:id="rId17"/>
     <p:sldId id="278" r:id="rId18"/>
@@ -52,16 +52,17 @@
     <p:sldId id="299" r:id="rId43"/>
     <p:sldId id="300" r:id="rId44"/>
     <p:sldId id="303" r:id="rId45"/>
-    <p:sldId id="325" r:id="rId46"/>
-    <p:sldId id="319" r:id="rId47"/>
+    <p:sldId id="319" r:id="rId46"/>
+    <p:sldId id="325" r:id="rId47"/>
     <p:sldId id="324" r:id="rId48"/>
-    <p:sldId id="327" r:id="rId49"/>
-    <p:sldId id="304" r:id="rId50"/>
-    <p:sldId id="328" r:id="rId51"/>
-    <p:sldId id="337" r:id="rId52"/>
-    <p:sldId id="335" r:id="rId53"/>
-    <p:sldId id="326" r:id="rId54"/>
-    <p:sldId id="305" r:id="rId55"/>
+    <p:sldId id="328" r:id="rId49"/>
+    <p:sldId id="338" r:id="rId50"/>
+    <p:sldId id="327" r:id="rId51"/>
+    <p:sldId id="304" r:id="rId52"/>
+    <p:sldId id="337" r:id="rId53"/>
+    <p:sldId id="335" r:id="rId54"/>
+    <p:sldId id="326" r:id="rId55"/>
+    <p:sldId id="305" r:id="rId56"/>
   </p:sldIdLst>
   <p:sldSz cx="9144000" cy="6858000" type="screen4x3"/>
   <p:notesSz cx="6858000" cy="9144000"/>
@@ -365,7 +366,7 @@
   </p:defaultTextStyle>
   <p:extLst>
     <p:ext uri="{EFAFB233-063F-42B5-8137-9DF3F51BA10A}">
-      <p15:sldGuideLst xmlns:p15="http://schemas.microsoft.com/office/powerpoint/2012/main" xmlns=""/>
+      <p15:sldGuideLst xmlns="" xmlns:p15="http://schemas.microsoft.com/office/powerpoint/2012/main"/>
     </p:ext>
   </p:extLst>
 </p:presentation>
@@ -3662,7 +3663,7 @@
           </a:ln>
           <a:extLst>
             <a:ext uri="{C572A759-6A51-4108-AA02-DFA0A04FC94B}">
-              <ma14:wrappingTextBoxFlag xmlns:ma14="http://schemas.microsoft.com/office/mac/drawingml/2011/main" xmlns="" val="1"/>
+              <ma14:wrappingTextBoxFlag xmlns="" xmlns:ma14="http://schemas.microsoft.com/office/mac/drawingml/2011/main" val="1"/>
             </a:ext>
           </a:extLst>
         </p:spPr>
@@ -3707,7 +3708,7 @@
           </a:ln>
           <a:extLst>
             <a:ext uri="{C572A759-6A51-4108-AA02-DFA0A04FC94B}">
-              <ma14:wrappingTextBoxFlag xmlns:ma14="http://schemas.microsoft.com/office/mac/drawingml/2011/main" xmlns="" val="1"/>
+              <ma14:wrappingTextBoxFlag xmlns="" xmlns:ma14="http://schemas.microsoft.com/office/mac/drawingml/2011/main" val="1"/>
             </a:ext>
           </a:extLst>
         </p:spPr>
@@ -5352,7 +5353,7 @@
           </a:ln>
           <a:extLst>
             <a:ext uri="{C572A759-6A51-4108-AA02-DFA0A04FC94B}">
-              <ma14:wrappingTextBoxFlag xmlns:ma14="http://schemas.microsoft.com/office/mac/drawingml/2011/main" xmlns="" val="1"/>
+              <ma14:wrappingTextBoxFlag xmlns="" xmlns:ma14="http://schemas.microsoft.com/office/mac/drawingml/2011/main" val="1"/>
             </a:ext>
           </a:extLst>
         </p:spPr>
@@ -5397,7 +5398,7 @@
           </a:ln>
           <a:extLst>
             <a:ext uri="{C572A759-6A51-4108-AA02-DFA0A04FC94B}">
-              <ma14:wrappingTextBoxFlag xmlns:ma14="http://schemas.microsoft.com/office/mac/drawingml/2011/main" xmlns="" val="1"/>
+              <ma14:wrappingTextBoxFlag xmlns="" xmlns:ma14="http://schemas.microsoft.com/office/mac/drawingml/2011/main" val="1"/>
             </a:ext>
           </a:extLst>
         </p:spPr>
@@ -5459,7 +5460,7 @@
           </a:ln>
           <a:extLst>
             <a:ext uri="{C572A759-6A51-4108-AA02-DFA0A04FC94B}">
-              <ma14:wrappingTextBoxFlag xmlns:ma14="http://schemas.microsoft.com/office/mac/drawingml/2011/main" xmlns="" val="1"/>
+              <ma14:wrappingTextBoxFlag xmlns="" xmlns:ma14="http://schemas.microsoft.com/office/mac/drawingml/2011/main" val="1"/>
             </a:ext>
           </a:extLst>
         </p:spPr>
@@ -5498,7 +5499,7 @@
           </a:ln>
           <a:extLst>
             <a:ext uri="{C572A759-6A51-4108-AA02-DFA0A04FC94B}">
-              <ma14:wrappingTextBoxFlag xmlns:ma14="http://schemas.microsoft.com/office/mac/drawingml/2011/main" xmlns="" val="1"/>
+              <ma14:wrappingTextBoxFlag xmlns="" xmlns:ma14="http://schemas.microsoft.com/office/mac/drawingml/2011/main" val="1"/>
             </a:ext>
           </a:extLst>
         </p:spPr>
@@ -6549,7 +6550,7 @@
           </a:ln>
           <a:extLst>
             <a:ext uri="{C572A759-6A51-4108-AA02-DFA0A04FC94B}">
-              <ma14:wrappingTextBoxFlag xmlns:ma14="http://schemas.microsoft.com/office/mac/drawingml/2011/main" xmlns="" val="1"/>
+              <ma14:wrappingTextBoxFlag xmlns="" xmlns:ma14="http://schemas.microsoft.com/office/mac/drawingml/2011/main" val="1"/>
             </a:ext>
           </a:extLst>
         </p:spPr>
@@ -6592,6 +6593,332 @@
 </file>
 
 <file path=ppt/slides/slide10.xml><?xml version="1.0" encoding="utf-8"?>
+<p:sld xmlns:a="http://schemas.openxmlformats.org/drawingml/2006/main" xmlns:r="http://schemas.openxmlformats.org/officeDocument/2006/relationships" xmlns:p="http://schemas.openxmlformats.org/presentationml/2006/main">
+  <p:cSld>
+    <p:spTree>
+      <p:nvGrpSpPr>
+        <p:cNvPr id="1" name=""/>
+        <p:cNvGrpSpPr/>
+        <p:nvPr/>
+      </p:nvGrpSpPr>
+      <p:grpSpPr>
+        <a:xfrm>
+          <a:off x="0" y="0"/>
+          <a:ext cx="0" cy="0"/>
+          <a:chOff x="0" y="0"/>
+          <a:chExt cx="0" cy="0"/>
+        </a:xfrm>
+      </p:grpSpPr>
+      <p:sp>
+        <p:nvSpPr>
+          <p:cNvPr id="262" name="Shape 262"/>
+          <p:cNvSpPr>
+            <a:spLocks noGrp="1"/>
+          </p:cNvSpPr>
+          <p:nvPr>
+            <p:ph type="title"/>
+          </p:nvPr>
+        </p:nvSpPr>
+        <p:spPr>
+          <a:xfrm>
+            <a:off x="531812" y="88900"/>
+            <a:ext cx="7772401" cy="899915"/>
+          </a:xfrm>
+          <a:prstGeom prst="rect">
+            <a:avLst/>
+          </a:prstGeom>
+        </p:spPr>
+        <p:txBody>
+          <a:bodyPr anchor="ctr"/>
+          <a:lstStyle>
+            <a:lvl1pPr algn="ctr" defTabSz="877822">
+              <a:defRPr b="0" cap="none">
+                <a:solidFill>
+                  <a:srgbClr val="FFFFFF"/>
+                </a:solidFill>
+              </a:defRPr>
+            </a:lvl1pPr>
+          </a:lstStyle>
+          <a:p>
+            <a:r>
+              <a:rPr dirty="0" smtClean="0"/>
+              <a:t>簡單模組定義</a:t>
+            </a:r>
+            <a:endParaRPr dirty="0"/>
+          </a:p>
+        </p:txBody>
+      </p:sp>
+      <p:sp>
+        <p:nvSpPr>
+          <p:cNvPr id="263" name="Shape 263"/>
+          <p:cNvSpPr>
+            <a:spLocks noGrp="1"/>
+          </p:cNvSpPr>
+          <p:nvPr>
+            <p:ph type="body" idx="1"/>
+          </p:nvPr>
+        </p:nvSpPr>
+        <p:spPr>
+          <a:xfrm>
+            <a:off x="685798" y="1331959"/>
+            <a:ext cx="7772404" cy="4573295"/>
+          </a:xfrm>
+          <a:prstGeom prst="rect">
+            <a:avLst/>
+          </a:prstGeom>
+        </p:spPr>
+        <p:txBody>
+          <a:bodyPr>
+            <a:normAutofit lnSpcReduction="10000"/>
+          </a:bodyPr>
+          <a:lstStyle/>
+          <a:p>
+            <a:pPr defTabSz="694944">
+              <a:lnSpc>
+                <a:spcPct val="115000"/>
+              </a:lnSpc>
+              <a:spcBef>
+                <a:spcPts val="1200"/>
+              </a:spcBef>
+              <a:defRPr>
+                <a:solidFill>
+                  <a:srgbClr val="585858"/>
+                </a:solidFill>
+                <a:latin typeface="Arial"/>
+                <a:ea typeface="Arial"/>
+                <a:cs typeface="Arial"/>
+                <a:sym typeface="Arial"/>
+              </a:defRPr>
+            </a:pPr>
+            <a:r>
+              <a:rPr dirty="0"/>
+              <a:t>node.js 遵照CommonJS 的慣例, 用 require 以及 exports 來作檔案和模組之間的溝通</a:t>
+            </a:r>
+          </a:p>
+          <a:p>
+            <a:pPr defTabSz="694944">
+              <a:lnSpc>
+                <a:spcPct val="115000"/>
+              </a:lnSpc>
+              <a:spcBef>
+                <a:spcPts val="1200"/>
+              </a:spcBef>
+              <a:defRPr sz="1300">
+                <a:solidFill>
+                  <a:srgbClr val="585858"/>
+                </a:solidFill>
+                <a:latin typeface="Arial"/>
+                <a:ea typeface="Arial"/>
+                <a:cs typeface="Arial"/>
+                <a:sym typeface="Arial"/>
+              </a:defRPr>
+            </a:pPr>
+            <a:endParaRPr dirty="0"/>
+          </a:p>
+          <a:p>
+            <a:pPr defTabSz="694944">
+              <a:lnSpc>
+                <a:spcPct val="115000"/>
+              </a:lnSpc>
+              <a:spcBef>
+                <a:spcPts val="1200"/>
+              </a:spcBef>
+              <a:defRPr sz="1600">
+                <a:solidFill>
+                  <a:srgbClr val="585858"/>
+                </a:solidFill>
+                <a:latin typeface="Arial"/>
+                <a:ea typeface="Arial"/>
+                <a:cs typeface="Arial"/>
+                <a:sym typeface="Arial"/>
+              </a:defRPr>
+            </a:pPr>
+            <a:r>
+              <a:rPr dirty="0"/>
+              <a:t>var PI = Math.PI;</a:t>
+            </a:r>
+          </a:p>
+          <a:p>
+            <a:pPr defTabSz="694944">
+              <a:lnSpc>
+                <a:spcPct val="115000"/>
+              </a:lnSpc>
+              <a:spcBef>
+                <a:spcPts val="1200"/>
+              </a:spcBef>
+              <a:defRPr sz="1600">
+                <a:solidFill>
+                  <a:srgbClr val="585858"/>
+                </a:solidFill>
+                <a:latin typeface="Arial"/>
+                <a:ea typeface="Arial"/>
+                <a:cs typeface="Arial"/>
+                <a:sym typeface="Arial"/>
+              </a:defRPr>
+            </a:pPr>
+            <a:r>
+              <a:rPr dirty="0"/>
+              <a:t>exports.area = function (r) {</a:t>
+            </a:r>
+          </a:p>
+          <a:p>
+            <a:pPr defTabSz="694944">
+              <a:lnSpc>
+                <a:spcPct val="115000"/>
+              </a:lnSpc>
+              <a:spcBef>
+                <a:spcPts val="1200"/>
+              </a:spcBef>
+              <a:defRPr sz="1600">
+                <a:solidFill>
+                  <a:srgbClr val="585858"/>
+                </a:solidFill>
+                <a:latin typeface="Arial"/>
+                <a:ea typeface="Arial"/>
+                <a:cs typeface="Arial"/>
+                <a:sym typeface="Arial"/>
+              </a:defRPr>
+            </a:pPr>
+            <a:r>
+              <a:rPr dirty="0"/>
+              <a:t>    return PI * r * r;</a:t>
+            </a:r>
+          </a:p>
+          <a:p>
+            <a:pPr defTabSz="694944">
+              <a:lnSpc>
+                <a:spcPct val="115000"/>
+              </a:lnSpc>
+              <a:spcBef>
+                <a:spcPts val="1200"/>
+              </a:spcBef>
+              <a:defRPr sz="1600">
+                <a:solidFill>
+                  <a:srgbClr val="585858"/>
+                </a:solidFill>
+                <a:latin typeface="Arial"/>
+                <a:ea typeface="Arial"/>
+                <a:cs typeface="Arial"/>
+                <a:sym typeface="Arial"/>
+              </a:defRPr>
+            </a:pPr>
+            <a:r>
+              <a:rPr dirty="0"/>
+              <a:t>};</a:t>
+            </a:r>
+          </a:p>
+          <a:p>
+            <a:pPr defTabSz="694944">
+              <a:lnSpc>
+                <a:spcPct val="115000"/>
+              </a:lnSpc>
+              <a:spcBef>
+                <a:spcPts val="1200"/>
+              </a:spcBef>
+              <a:defRPr sz="1600">
+                <a:solidFill>
+                  <a:srgbClr val="585858"/>
+                </a:solidFill>
+                <a:latin typeface="Arial"/>
+                <a:ea typeface="Arial"/>
+                <a:cs typeface="Arial"/>
+                <a:sym typeface="Arial"/>
+              </a:defRPr>
+            </a:pPr>
+            <a:r>
+              <a:rPr dirty="0"/>
+              <a:t>exports.circumference = function (r) {</a:t>
+            </a:r>
+          </a:p>
+          <a:p>
+            <a:pPr defTabSz="694944">
+              <a:lnSpc>
+                <a:spcPct val="115000"/>
+              </a:lnSpc>
+              <a:spcBef>
+                <a:spcPts val="1200"/>
+              </a:spcBef>
+              <a:defRPr sz="1600">
+                <a:solidFill>
+                  <a:srgbClr val="585858"/>
+                </a:solidFill>
+                <a:latin typeface="Arial"/>
+                <a:ea typeface="Arial"/>
+                <a:cs typeface="Arial"/>
+                <a:sym typeface="Arial"/>
+              </a:defRPr>
+            </a:pPr>
+            <a:r>
+              <a:rPr dirty="0"/>
+              <a:t>    return 2 * PI * r;</a:t>
+            </a:r>
+          </a:p>
+          <a:p>
+            <a:pPr defTabSz="694944">
+              <a:lnSpc>
+                <a:spcPct val="115000"/>
+              </a:lnSpc>
+              <a:spcBef>
+                <a:spcPts val="1200"/>
+              </a:spcBef>
+              <a:defRPr sz="1600">
+                <a:solidFill>
+                  <a:srgbClr val="585858"/>
+                </a:solidFill>
+                <a:latin typeface="Arial"/>
+                <a:ea typeface="Arial"/>
+                <a:cs typeface="Arial"/>
+                <a:sym typeface="Arial"/>
+              </a:defRPr>
+            </a:pPr>
+            <a:r>
+              <a:rPr dirty="0"/>
+              <a:t>};</a:t>
+            </a:r>
+            <a:endParaRPr sz="1300" dirty="0"/>
+          </a:p>
+          <a:p>
+            <a:pPr defTabSz="694944">
+              <a:lnSpc>
+                <a:spcPct val="115000"/>
+              </a:lnSpc>
+              <a:spcBef>
+                <a:spcPts val="1200"/>
+              </a:spcBef>
+              <a:defRPr>
+                <a:solidFill>
+                  <a:srgbClr val="585858"/>
+                </a:solidFill>
+                <a:latin typeface="Arial"/>
+                <a:ea typeface="Arial"/>
+                <a:cs typeface="Arial"/>
+                <a:sym typeface="Arial"/>
+              </a:defRPr>
+            </a:pPr>
+            <a:r>
+              <a:rPr dirty="0"/>
+              <a:t>將這個文件存為circle.js</a:t>
+            </a:r>
+          </a:p>
+        </p:txBody>
+      </p:sp>
+    </p:spTree>
+  </p:cSld>
+  <p:clrMapOvr>
+    <a:masterClrMapping/>
+  </p:clrMapOvr>
+  <p:transition spd="slow"/>
+  <p:timing>
+    <p:tnLst>
+      <p:par>
+        <p:cTn id="1" dur="indefinite" restart="never" nodeType="tmRoot"/>
+      </p:par>
+    </p:tnLst>
+  </p:timing>
+</p:sld>
+</file>
+
+<file path=ppt/slides/slide11.xml><?xml version="1.0" encoding="utf-8"?>
 <p:sld xmlns:a="http://schemas.openxmlformats.org/drawingml/2006/main" xmlns:r="http://schemas.openxmlformats.org/officeDocument/2006/relationships" xmlns:p="http://schemas.openxmlformats.org/presentationml/2006/main">
   <p:cSld>
     <p:spTree>
@@ -6760,7 +7087,7 @@
           </a:ln>
           <a:extLst>
             <a:ext uri="{C572A759-6A51-4108-AA02-DFA0A04FC94B}">
-              <ma14:wrappingTextBoxFlag xmlns:ma14="http://schemas.microsoft.com/office/mac/drawingml/2011/main" xmlns="" val="1"/>
+              <ma14:wrappingTextBoxFlag xmlns="" xmlns:ma14="http://schemas.microsoft.com/office/mac/drawingml/2011/main" val="1"/>
             </a:ext>
           </a:extLst>
         </p:spPr>
@@ -6835,7 +7162,7 @@
 </p:sld>
 </file>
 
-<file path=ppt/slides/slide11.xml><?xml version="1.0" encoding="utf-8"?>
+<file path=ppt/slides/slide12.xml><?xml version="1.0" encoding="utf-8"?>
 <p:sld xmlns:a="http://schemas.openxmlformats.org/drawingml/2006/main" xmlns:r="http://schemas.openxmlformats.org/officeDocument/2006/relationships" xmlns:p="http://schemas.openxmlformats.org/presentationml/2006/main">
   <p:cSld>
     <p:spTree>
@@ -7224,7 +7551,7 @@
           </a:ln>
           <a:extLst>
             <a:ext uri="{C572A759-6A51-4108-AA02-DFA0A04FC94B}">
-              <ma14:wrappingTextBoxFlag xmlns:ma14="http://schemas.microsoft.com/office/mac/drawingml/2011/main" xmlns="" val="1"/>
+              <ma14:wrappingTextBoxFlag xmlns="" xmlns:ma14="http://schemas.microsoft.com/office/mac/drawingml/2011/main" val="1"/>
             </a:ext>
           </a:extLst>
         </p:spPr>
@@ -7306,7 +7633,7 @@
 </p:sld>
 </file>
 
-<file path=ppt/slides/slide12.xml><?xml version="1.0" encoding="utf-8"?>
+<file path=ppt/slides/slide13.xml><?xml version="1.0" encoding="utf-8"?>
 <p:sld xmlns:a="http://schemas.openxmlformats.org/drawingml/2006/main" xmlns:r="http://schemas.openxmlformats.org/officeDocument/2006/relationships" xmlns:p="http://schemas.openxmlformats.org/presentationml/2006/main">
   <p:cSld>
     <p:spTree>
@@ -7441,7 +7768,7 @@
           </a:ln>
           <a:extLst>
             <a:ext uri="{C572A759-6A51-4108-AA02-DFA0A04FC94B}">
-              <ma14:wrappingTextBoxFlag xmlns:ma14="http://schemas.microsoft.com/office/mac/drawingml/2011/main" xmlns="" val="1"/>
+              <ma14:wrappingTextBoxFlag xmlns="" xmlns:ma14="http://schemas.microsoft.com/office/mac/drawingml/2011/main" val="1"/>
             </a:ext>
           </a:extLst>
         </p:spPr>
@@ -7513,7 +7840,7 @@
 </p:sld>
 </file>
 
-<file path=ppt/slides/slide13.xml><?xml version="1.0" encoding="utf-8"?>
+<file path=ppt/slides/slide14.xml><?xml version="1.0" encoding="utf-8"?>
 <p:sld xmlns:a="http://schemas.openxmlformats.org/drawingml/2006/main" xmlns:r="http://schemas.openxmlformats.org/officeDocument/2006/relationships" xmlns:p="http://schemas.openxmlformats.org/presentationml/2006/main">
   <p:cSld>
     <p:spTree>
@@ -7661,7 +7988,7 @@
           </a:ln>
           <a:extLst>
             <a:ext uri="{C572A759-6A51-4108-AA02-DFA0A04FC94B}">
-              <ma14:wrappingTextBoxFlag xmlns:ma14="http://schemas.microsoft.com/office/mac/drawingml/2011/main" xmlns="" val="1"/>
+              <ma14:wrappingTextBoxFlag xmlns="" xmlns:ma14="http://schemas.microsoft.com/office/mac/drawingml/2011/main" val="1"/>
             </a:ext>
           </a:extLst>
         </p:spPr>
@@ -7684,297 +8011,6 @@
               <a:rPr dirty="0"/>
               <a:t>開發框架</a:t>
             </a:r>
-          </a:p>
-        </p:txBody>
-      </p:sp>
-    </p:spTree>
-  </p:cSld>
-  <p:clrMapOvr>
-    <a:masterClrMapping/>
-  </p:clrMapOvr>
-  <p:transition spd="slow"/>
-  <p:timing>
-    <p:tnLst>
-      <p:par>
-        <p:cTn id="1" dur="indefinite" restart="never" nodeType="tmRoot"/>
-      </p:par>
-    </p:tnLst>
-  </p:timing>
-</p:sld>
-</file>
-
-<file path=ppt/slides/slide14.xml><?xml version="1.0" encoding="utf-8"?>
-<p:sld xmlns:a="http://schemas.openxmlformats.org/drawingml/2006/main" xmlns:r="http://schemas.openxmlformats.org/officeDocument/2006/relationships" xmlns:p="http://schemas.openxmlformats.org/presentationml/2006/main">
-  <p:cSld>
-    <p:spTree>
-      <p:nvGrpSpPr>
-        <p:cNvPr id="1" name=""/>
-        <p:cNvGrpSpPr/>
-        <p:nvPr/>
-      </p:nvGrpSpPr>
-      <p:grpSpPr>
-        <a:xfrm>
-          <a:off x="0" y="0"/>
-          <a:ext cx="0" cy="0"/>
-          <a:chOff x="0" y="0"/>
-          <a:chExt cx="0" cy="0"/>
-        </a:xfrm>
-      </p:grpSpPr>
-      <p:sp>
-        <p:nvSpPr>
-          <p:cNvPr id="339" name="Shape 339"/>
-          <p:cNvSpPr>
-            <a:spLocks noGrp="1"/>
-          </p:cNvSpPr>
-          <p:nvPr>
-            <p:ph type="title"/>
-          </p:nvPr>
-        </p:nvSpPr>
-        <p:spPr>
-          <a:xfrm>
-            <a:off x="685798" y="139700"/>
-            <a:ext cx="7772404" cy="899915"/>
-          </a:xfrm>
-          <a:prstGeom prst="rect">
-            <a:avLst/>
-          </a:prstGeom>
-        </p:spPr>
-        <p:txBody>
-          <a:bodyPr anchor="ctr"/>
-          <a:lstStyle>
-            <a:lvl1pPr algn="ctr" defTabSz="877822">
-              <a:defRPr b="0" cap="none">
-                <a:solidFill>
-                  <a:srgbClr val="FFFFFF"/>
-                </a:solidFill>
-              </a:defRPr>
-            </a:lvl1pPr>
-          </a:lstStyle>
-          <a:p>
-            <a:r>
-              <a:rPr lang="zh-TW" altLang="en-US" dirty="0" smtClean="0"/>
-              <a:t>基本網頁</a:t>
-            </a:r>
-            <a:endParaRPr dirty="0"/>
-          </a:p>
-        </p:txBody>
-      </p:sp>
-      <p:sp>
-        <p:nvSpPr>
-          <p:cNvPr id="340" name="Shape 340"/>
-          <p:cNvSpPr>
-            <a:spLocks noGrp="1"/>
-          </p:cNvSpPr>
-          <p:nvPr>
-            <p:ph type="body" idx="1"/>
-          </p:nvPr>
-        </p:nvSpPr>
-        <p:spPr>
-          <a:xfrm>
-            <a:off x="531812" y="1007165"/>
-            <a:ext cx="7772401" cy="5063189"/>
-          </a:xfrm>
-          <a:prstGeom prst="rect">
-            <a:avLst/>
-          </a:prstGeom>
-        </p:spPr>
-        <p:txBody>
-          <a:bodyPr anchor="t">
-            <a:normAutofit/>
-          </a:bodyPr>
-          <a:lstStyle/>
-          <a:p>
-            <a:r>
-              <a:rPr lang="en-US" altLang="zh-TW" sz="1600" b="0" dirty="0" smtClean="0"/>
-              <a:t>&lt;html&gt;</a:t>
-            </a:r>
-          </a:p>
-          <a:p>
-            <a:r>
-              <a:rPr lang="zh-TW" altLang="en-US" sz="1600" b="0" dirty="0" smtClean="0"/>
-              <a:t>　</a:t>
-            </a:r>
-            <a:r>
-              <a:rPr lang="en-US" altLang="zh-TW" sz="1600" b="0" dirty="0" smtClean="0"/>
-              <a:t>&lt;head&gt;</a:t>
-            </a:r>
-          </a:p>
-          <a:p>
-            <a:r>
-              <a:rPr lang="zh-TW" altLang="en-US" sz="1600" b="0" dirty="0" smtClean="0"/>
-              <a:t>　</a:t>
-            </a:r>
-            <a:r>
-              <a:rPr lang="en-US" altLang="zh-TW" sz="1600" b="0" dirty="0" smtClean="0"/>
-              <a:t>&lt;title&gt;</a:t>
-            </a:r>
-            <a:r>
-              <a:rPr lang="zh-TW" altLang="en-US" sz="1600" b="0" dirty="0" smtClean="0"/>
-              <a:t>我的第一個網頁</a:t>
-            </a:r>
-            <a:r>
-              <a:rPr lang="en-US" altLang="zh-TW" sz="1600" b="0" dirty="0" smtClean="0"/>
-              <a:t>&lt;/title&gt; </a:t>
-            </a:r>
-          </a:p>
-          <a:p>
-            <a:r>
-              <a:rPr lang="zh-TW" altLang="en-US" sz="1600" b="0" dirty="0" smtClean="0"/>
-              <a:t>　</a:t>
-            </a:r>
-            <a:r>
-              <a:rPr lang="en-US" altLang="zh-TW" sz="1600" b="0" dirty="0" smtClean="0"/>
-              <a:t>&lt;/head&gt;</a:t>
-            </a:r>
-          </a:p>
-          <a:p>
-            <a:r>
-              <a:rPr lang="zh-TW" altLang="en-US" sz="1600" b="0" dirty="0" smtClean="0"/>
-              <a:t>　</a:t>
-            </a:r>
-            <a:r>
-              <a:rPr lang="en-US" altLang="zh-TW" sz="1600" b="0" dirty="0" smtClean="0"/>
-              <a:t>&lt;body&gt;</a:t>
-            </a:r>
-          </a:p>
-          <a:p>
-            <a:r>
-              <a:rPr lang="zh-TW" altLang="en-US" sz="1600" b="0" dirty="0" smtClean="0"/>
-              <a:t>                </a:t>
-            </a:r>
-            <a:r>
-              <a:rPr lang="en-US" altLang="zh-TW" sz="1600" b="0" dirty="0" smtClean="0"/>
-              <a:t>&lt;h1&gt;</a:t>
-            </a:r>
-            <a:r>
-              <a:rPr lang="zh-TW" altLang="en-US" sz="1600" b="0" dirty="0" smtClean="0"/>
-              <a:t>歡迎光臨</a:t>
-            </a:r>
-            <a:r>
-              <a:rPr lang="en-US" altLang="zh-TW" sz="1600" b="0" dirty="0" smtClean="0"/>
-              <a:t>&lt;/h1&gt;</a:t>
-            </a:r>
-          </a:p>
-          <a:p>
-            <a:r>
-              <a:rPr lang="zh-TW" altLang="en-US" sz="1600" b="0" dirty="0" smtClean="0"/>
-              <a:t>               </a:t>
-            </a:r>
-            <a:r>
-              <a:rPr lang="en-US" altLang="zh-TW" sz="1600" b="0" dirty="0" smtClean="0"/>
-              <a:t>&lt;p id="demo"&gt;&lt;/p&gt;</a:t>
-            </a:r>
-          </a:p>
-          <a:p>
-            <a:r>
-              <a:rPr lang="zh-TW" altLang="en-US" sz="1600" b="0" dirty="0" smtClean="0"/>
-              <a:t>    </a:t>
-            </a:r>
-            <a:r>
-              <a:rPr lang="en-US" altLang="zh-TW" sz="1600" b="0" dirty="0" smtClean="0"/>
-              <a:t>&lt;/body&gt; </a:t>
-            </a:r>
-          </a:p>
-          <a:p>
-            <a:r>
-              <a:rPr lang="en-US" altLang="zh-TW" sz="1600" b="0" dirty="0" smtClean="0"/>
-              <a:t>&lt;/html&gt;</a:t>
-            </a:r>
-          </a:p>
-          <a:p>
-            <a:endParaRPr lang="en-US" altLang="zh-TW" sz="1600" b="0" dirty="0" smtClean="0"/>
-          </a:p>
-          <a:p>
-            <a:r>
-              <a:rPr lang="en-US" altLang="zh-TW" sz="1600" dirty="0" smtClean="0">
-                <a:hlinkClick r:id="rId2" tooltip="CSS: CSS (Cascading Style Sheets) is a declarative language that controls how webpages look in the browser."/>
-              </a:rPr>
-              <a:t>CSS</a:t>
-            </a:r>
-            <a:r>
-              <a:rPr lang="zh-TW" altLang="en-US" sz="1600" b="0" dirty="0" smtClean="0"/>
-              <a:t> </a:t>
-            </a:r>
-            <a:r>
-              <a:rPr lang="en-US" altLang="zh-TW" sz="1600" b="0" dirty="0" smtClean="0"/>
-              <a:t>(</a:t>
-            </a:r>
-            <a:r>
-              <a:rPr lang="zh-TW" altLang="en-US" sz="1600" b="0" dirty="0" smtClean="0"/>
-              <a:t>階層式樣式表</a:t>
-            </a:r>
-            <a:r>
-              <a:rPr lang="en-US" altLang="zh-TW" sz="1600" b="0" dirty="0" smtClean="0"/>
-              <a:t>) </a:t>
-            </a:r>
-            <a:r>
-              <a:rPr lang="zh-TW" altLang="en-US" sz="1600" b="0" dirty="0" smtClean="0"/>
-              <a:t>是一種指定文檔如何呈現給使用者的語言</a:t>
-            </a:r>
-            <a:r>
-              <a:rPr lang="en-US" altLang="zh-TW" sz="1600" b="0" dirty="0" smtClean="0"/>
-              <a:t>——</a:t>
-            </a:r>
-            <a:r>
-              <a:rPr lang="zh-TW" altLang="en-US" sz="1600" b="0" dirty="0" smtClean="0"/>
-              <a:t>它們如何地被樣式化，佈局，等等。。</a:t>
-            </a:r>
-            <a:endParaRPr lang="en-US" altLang="zh-TW" sz="1600" b="0" dirty="0" smtClean="0"/>
-          </a:p>
-          <a:p>
-            <a:endParaRPr lang="en-US" altLang="zh-TW" sz="1600" b="0" dirty="0" smtClean="0"/>
-          </a:p>
-          <a:p>
-            <a:r>
-              <a:rPr lang="en-US" altLang="zh-TW" sz="1600" b="0" dirty="0" smtClean="0"/>
-              <a:t>JavaScript </a:t>
-            </a:r>
-            <a:r>
-              <a:rPr lang="zh-TW" altLang="en-US" sz="1600" b="0" dirty="0" smtClean="0"/>
-              <a:t>是屬於網路的腳本語言！</a:t>
-            </a:r>
-          </a:p>
-          <a:p>
-            <a:endParaRPr lang="zh-TW" altLang="en-US" sz="1600" b="0" dirty="0" smtClean="0"/>
-          </a:p>
-          <a:p>
-            <a:r>
-              <a:rPr lang="en-US" altLang="zh-TW" sz="1600" b="0" dirty="0" smtClean="0"/>
-              <a:t>JavaScript </a:t>
-            </a:r>
-            <a:r>
-              <a:rPr lang="zh-TW" altLang="en-US" sz="1600" b="0" dirty="0" smtClean="0"/>
-              <a:t>被數百萬計的網頁用來改進設計、驗證表單、檢測瀏覽器、創建</a:t>
-            </a:r>
-            <a:r>
-              <a:rPr lang="en-US" altLang="zh-TW" sz="1600" b="0" dirty="0" smtClean="0"/>
-              <a:t>cookies</a:t>
-            </a:r>
-            <a:r>
-              <a:rPr lang="zh-TW" altLang="en-US" sz="1600" b="0" dirty="0" smtClean="0"/>
-              <a:t>，以及更多的應用。</a:t>
-            </a:r>
-            <a:endParaRPr lang="en-US" altLang="zh-TW" sz="1600" b="0" dirty="0" smtClean="0"/>
-          </a:p>
-          <a:p>
-            <a:pPr>
-              <a:lnSpc>
-                <a:spcPct val="115000"/>
-              </a:lnSpc>
-              <a:spcBef>
-                <a:spcPts val="1600"/>
-              </a:spcBef>
-              <a:defRPr sz="3300" b="0">
-                <a:solidFill>
-                  <a:srgbClr val="585858"/>
-                </a:solidFill>
-                <a:latin typeface="Arial"/>
-                <a:ea typeface="Arial"/>
-                <a:cs typeface="Arial"/>
-                <a:sym typeface="Arial"/>
-              </a:defRPr>
-            </a:pPr>
-            <a:endParaRPr dirty="0"/>
           </a:p>
         </p:txBody>
       </p:sp>
@@ -8664,7 +8700,7 @@
           </a:ln>
           <a:extLst>
             <a:ext uri="{C572A759-6A51-4108-AA02-DFA0A04FC94B}">
-              <ma14:wrappingTextBoxFlag xmlns:ma14="http://schemas.microsoft.com/office/mac/drawingml/2011/main" xmlns="" val="1"/>
+              <ma14:wrappingTextBoxFlag xmlns="" xmlns:ma14="http://schemas.microsoft.com/office/mac/drawingml/2011/main" val="1"/>
             </a:ext>
           </a:extLst>
         </p:spPr>
@@ -8936,7 +8972,7 @@
           </a:ln>
           <a:extLst>
             <a:ext uri="{C572A759-6A51-4108-AA02-DFA0A04FC94B}">
-              <ma14:wrappingTextBoxFlag xmlns:ma14="http://schemas.microsoft.com/office/mac/drawingml/2011/main" xmlns="" val="1"/>
+              <ma14:wrappingTextBoxFlag xmlns="" xmlns:ma14="http://schemas.microsoft.com/office/mac/drawingml/2011/main" val="1"/>
             </a:ext>
           </a:extLst>
         </p:spPr>
@@ -9090,7 +9126,7 @@
           </a:ln>
           <a:extLst>
             <a:ext uri="{C572A759-6A51-4108-AA02-DFA0A04FC94B}">
-              <ma14:wrappingTextBoxFlag xmlns:ma14="http://schemas.microsoft.com/office/mac/drawingml/2011/main" xmlns="" val="1"/>
+              <ma14:wrappingTextBoxFlag xmlns="" xmlns:ma14="http://schemas.microsoft.com/office/mac/drawingml/2011/main" val="1"/>
             </a:ext>
           </a:extLst>
         </p:spPr>
@@ -9398,7 +9434,7 @@
           </a:ln>
           <a:extLst>
             <a:ext uri="{C572A759-6A51-4108-AA02-DFA0A04FC94B}">
-              <ma14:wrappingTextBoxFlag xmlns:ma14="http://schemas.microsoft.com/office/mac/drawingml/2011/main" xmlns="" val="1"/>
+              <ma14:wrappingTextBoxFlag xmlns="" xmlns:ma14="http://schemas.microsoft.com/office/mac/drawingml/2011/main" val="1"/>
             </a:ext>
           </a:extLst>
         </p:spPr>
@@ -9707,7 +9743,7 @@
           </a:ln>
           <a:extLst>
             <a:ext uri="{C572A759-6A51-4108-AA02-DFA0A04FC94B}">
-              <ma14:wrappingTextBoxFlag xmlns:ma14="http://schemas.microsoft.com/office/mac/drawingml/2011/main" xmlns="" val="1"/>
+              <ma14:wrappingTextBoxFlag xmlns="" xmlns:ma14="http://schemas.microsoft.com/office/mac/drawingml/2011/main" val="1"/>
             </a:ext>
           </a:extLst>
         </p:spPr>
@@ -9742,7 +9778,7 @@
     </p:spTree>
     <p:extLst>
       <p:ext uri="{BB962C8B-B14F-4D97-AF65-F5344CB8AC3E}">
-        <p14:creationId xmlns:p14="http://schemas.microsoft.com/office/powerpoint/2010/main" xmlns="" val="1354035441"/>
+        <p14:creationId xmlns="" xmlns:p14="http://schemas.microsoft.com/office/powerpoint/2010/main" val="1354035441"/>
       </p:ext>
     </p:extLst>
   </p:cSld>
@@ -10372,7 +10408,7 @@
           </a:ln>
           <a:extLst>
             <a:ext uri="{C572A759-6A51-4108-AA02-DFA0A04FC94B}">
-              <ma14:wrappingTextBoxFlag xmlns:ma14="http://schemas.microsoft.com/office/mac/drawingml/2011/main" xmlns="" val="1"/>
+              <ma14:wrappingTextBoxFlag xmlns="" xmlns:ma14="http://schemas.microsoft.com/office/mac/drawingml/2011/main" val="1"/>
             </a:ext>
           </a:extLst>
         </p:spPr>
@@ -10407,7 +10443,7 @@
     </p:spTree>
     <p:extLst>
       <p:ext uri="{BB962C8B-B14F-4D97-AF65-F5344CB8AC3E}">
-        <p14:creationId xmlns:p14="http://schemas.microsoft.com/office/powerpoint/2010/main" xmlns="" val="1211296966"/>
+        <p14:creationId xmlns="" xmlns:p14="http://schemas.microsoft.com/office/powerpoint/2010/main" val="1211296966"/>
       </p:ext>
     </p:extLst>
   </p:cSld>
@@ -10989,7 +11025,7 @@
           </a:ln>
           <a:extLst>
             <a:ext uri="{C572A759-6A51-4108-AA02-DFA0A04FC94B}">
-              <ma14:wrappingTextBoxFlag xmlns:ma14="http://schemas.microsoft.com/office/mac/drawingml/2011/main" xmlns="" val="1"/>
+              <ma14:wrappingTextBoxFlag xmlns="" xmlns:ma14="http://schemas.microsoft.com/office/mac/drawingml/2011/main" val="1"/>
             </a:ext>
           </a:extLst>
         </p:spPr>
@@ -11211,7 +11247,7 @@
           </a:prstGeom>
           <a:extLst>
             <a:ext uri="{C572A759-6A51-4108-AA02-DFA0A04FC94B}">
-              <ma14:wrappingTextBoxFlag xmlns:ma14="http://schemas.microsoft.com/office/mac/drawingml/2011/main" xmlns="" val="1"/>
+              <ma14:wrappingTextBoxFlag xmlns="" xmlns:ma14="http://schemas.microsoft.com/office/mac/drawingml/2011/main" val="1"/>
             </a:ext>
           </a:extLst>
         </p:spPr>
@@ -11432,7 +11468,7 @@
           </a:prstGeom>
           <a:extLst>
             <a:ext uri="{C572A759-6A51-4108-AA02-DFA0A04FC94B}">
-              <ma14:wrappingTextBoxFlag xmlns:ma14="http://schemas.microsoft.com/office/mac/drawingml/2011/main" xmlns="" val="1"/>
+              <ma14:wrappingTextBoxFlag xmlns="" xmlns:ma14="http://schemas.microsoft.com/office/mac/drawingml/2011/main" val="1"/>
             </a:ext>
           </a:extLst>
         </p:spPr>
@@ -11554,7 +11590,7 @@
             <a:effectLst/>
             <a:extLst>
               <a:ext uri="{C572A759-6A51-4108-AA02-DFA0A04FC94B}">
-                <ma14:wrappingTextBoxFlag xmlns:ma14="http://schemas.microsoft.com/office/mac/drawingml/2011/main" xmlns="" val="1"/>
+                <ma14:wrappingTextBoxFlag xmlns="" xmlns:ma14="http://schemas.microsoft.com/office/mac/drawingml/2011/main" val="1"/>
               </a:ext>
             </a:extLst>
           </p:spPr>
@@ -11751,7 +11787,7 @@
             <a:effectLst/>
             <a:extLst>
               <a:ext uri="{C572A759-6A51-4108-AA02-DFA0A04FC94B}">
-                <ma14:wrappingTextBoxFlag xmlns:ma14="http://schemas.microsoft.com/office/mac/drawingml/2011/main" xmlns="" val="1"/>
+                <ma14:wrappingTextBoxFlag xmlns="" xmlns:ma14="http://schemas.microsoft.com/office/mac/drawingml/2011/main" val="1"/>
               </a:ext>
             </a:extLst>
           </p:spPr>
@@ -11826,10 +11862,10 @@
         </p:nvGrpSpPr>
         <p:grpSpPr>
           <a:xfrm>
-            <a:off x="7329122" y="2143348"/>
-            <a:ext cx="1137678" cy="1076293"/>
-            <a:chOff x="0" y="-1"/>
-            <a:chExt cx="1137676" cy="1076292"/>
+            <a:off x="7329121" y="2143347"/>
+            <a:ext cx="1137680" cy="1076294"/>
+            <a:chOff x="-1" y="-2"/>
+            <a:chExt cx="1137678" cy="1076293"/>
           </a:xfrm>
         </p:grpSpPr>
         <p:sp>
@@ -11901,8 +11937,8 @@
           </p:nvSpPr>
           <p:spPr>
             <a:xfrm>
-              <a:off x="-1" y="356673"/>
-              <a:ext cx="1137678" cy="362943"/>
+              <a:off x="-1" y="345786"/>
+              <a:ext cx="1137678" cy="384717"/>
             </a:xfrm>
             <a:prstGeom prst="rect">
               <a:avLst/>
@@ -11915,7 +11951,7 @@
             <a:effectLst/>
             <a:extLst>
               <a:ext uri="{C572A759-6A51-4108-AA02-DFA0A04FC94B}">
-                <ma14:wrappingTextBoxFlag xmlns:ma14="http://schemas.microsoft.com/office/mac/drawingml/2011/main" xmlns="" val="1"/>
+                <ma14:wrappingTextBoxFlag xmlns="" xmlns:ma14="http://schemas.microsoft.com/office/mac/drawingml/2011/main" val="1"/>
               </a:ext>
             </a:extLst>
           </p:spPr>
@@ -11934,8 +11970,16 @@
                 </a:defRPr>
               </a:pPr>
               <a:r>
+                <a:rPr dirty="0">
+                  <a:solidFill>
+                    <a:srgbClr val="FF0000"/>
+                  </a:solidFill>
+                </a:rPr>
+                <a:t>index</a:t>
+              </a:r>
+              <a:r>
                 <a:rPr dirty="0"/>
-                <a:t>index.</a:t>
+                <a:t>.</a:t>
               </a:r>
               <a:r>
                 <a:rPr dirty="0">
@@ -11970,7 +12014,7 @@
           </a:ln>
           <a:extLst>
             <a:ext uri="{C572A759-6A51-4108-AA02-DFA0A04FC94B}">
-              <ma14:wrappingTextBoxFlag xmlns:ma14="http://schemas.microsoft.com/office/mac/drawingml/2011/main" xmlns="" val="1"/>
+              <ma14:wrappingTextBoxFlag xmlns="" xmlns:ma14="http://schemas.microsoft.com/office/mac/drawingml/2011/main" val="1"/>
             </a:ext>
           </a:extLst>
         </p:spPr>
@@ -12015,7 +12059,7 @@
           </a:ln>
           <a:extLst>
             <a:ext uri="{C572A759-6A51-4108-AA02-DFA0A04FC94B}">
-              <ma14:wrappingTextBoxFlag xmlns:ma14="http://schemas.microsoft.com/office/mac/drawingml/2011/main" xmlns="" val="1"/>
+              <ma14:wrappingTextBoxFlag xmlns="" xmlns:ma14="http://schemas.microsoft.com/office/mac/drawingml/2011/main" val="1"/>
             </a:ext>
           </a:extLst>
         </p:spPr>
@@ -12049,7 +12093,7 @@
         </p:nvSpPr>
         <p:spPr>
           <a:xfrm>
-            <a:off x="4174435" y="1131548"/>
+            <a:off x="3684104" y="1237565"/>
             <a:ext cx="4678017" cy="830993"/>
           </a:xfrm>
           <a:prstGeom prst="rect">
@@ -12060,7 +12104,7 @@
           </a:ln>
           <a:extLst>
             <a:ext uri="{C572A759-6A51-4108-AA02-DFA0A04FC94B}">
-              <ma14:wrappingTextBoxFlag xmlns:ma14="http://schemas.microsoft.com/office/mac/drawingml/2011/main" xmlns="" val="1"/>
+              <ma14:wrappingTextBoxFlag xmlns="" xmlns:ma14="http://schemas.microsoft.com/office/mac/drawingml/2011/main" val="1"/>
             </a:ext>
           </a:extLst>
         </p:spPr>
@@ -12080,7 +12124,19 @@
             </a:pPr>
             <a:r>
               <a:rPr sz="1600" dirty="0"/>
-              <a:t>router.get('/', function(req, res){</a:t>
+              <a:t>router</a:t>
+            </a:r>
+            <a:r>
+              <a:rPr sz="1600" b="1" dirty="0">
+                <a:solidFill>
+                  <a:srgbClr val="FF0000"/>
+                </a:solidFill>
+              </a:rPr>
+              <a:t>.get</a:t>
+            </a:r>
+            <a:r>
+              <a:rPr sz="1600" dirty="0"/>
+              <a:t>('/', function(req, res){</a:t>
             </a:r>
           </a:p>
           <a:p>
@@ -12106,7 +12162,23 @@
             </a:r>
             <a:r>
               <a:rPr sz="1600" dirty="0"/>
-              <a:t>', { title: 'Express' });</a:t>
+              <a:t>', { title: </a:t>
+            </a:r>
+            <a:r>
+              <a:rPr sz="1600" dirty="0" smtClean="0"/>
+              <a:t>'</a:t>
+            </a:r>
+            <a:r>
+              <a:rPr lang="zh-TW" altLang="en-US" sz="1600" dirty="0" smtClean="0"/>
+              <a:t>首頁</a:t>
+            </a:r>
+            <a:r>
+              <a:rPr sz="1600" dirty="0" smtClean="0"/>
+              <a:t>' </a:t>
+            </a:r>
+            <a:r>
+              <a:rPr sz="1600" dirty="0"/>
+              <a:t>});</a:t>
             </a:r>
           </a:p>
           <a:p>
@@ -12222,7 +12294,7 @@
             <a:effectLst/>
             <a:extLst>
               <a:ext uri="{C572A759-6A51-4108-AA02-DFA0A04FC94B}">
-                <ma14:wrappingTextBoxFlag xmlns:ma14="http://schemas.microsoft.com/office/mac/drawingml/2011/main" xmlns="" val="1"/>
+                <ma14:wrappingTextBoxFlag xmlns="" xmlns:ma14="http://schemas.microsoft.com/office/mac/drawingml/2011/main" val="1"/>
               </a:ext>
             </a:extLst>
           </p:spPr>
@@ -12358,7 +12430,7 @@
             <a:effectLst/>
             <a:extLst>
               <a:ext uri="{C572A759-6A51-4108-AA02-DFA0A04FC94B}">
-                <ma14:wrappingTextBoxFlag xmlns:ma14="http://schemas.microsoft.com/office/mac/drawingml/2011/main" xmlns="" val="1"/>
+                <ma14:wrappingTextBoxFlag xmlns="" xmlns:ma14="http://schemas.microsoft.com/office/mac/drawingml/2011/main" val="1"/>
               </a:ext>
             </a:extLst>
           </p:spPr>
@@ -12381,8 +12453,16 @@
             </a:lstStyle>
             <a:p>
               <a:r>
+                <a:rPr lang="en-US" altLang="zh-TW" sz="2000" dirty="0" smtClean="0">
+                  <a:solidFill>
+                    <a:srgbClr val="FF0000"/>
+                  </a:solidFill>
+                </a:rPr>
+                <a:t>finalList</a:t>
+              </a:r>
+              <a:r>
                 <a:rPr lang="en-US" altLang="zh-TW" sz="2000" dirty="0" smtClean="0"/>
-                <a:t>finalList.ejs</a:t>
+                <a:t>.ejs</a:t>
               </a:r>
             </a:p>
             <a:p>
@@ -12482,7 +12562,7 @@
           </a:ln>
           <a:extLst>
             <a:ext uri="{C572A759-6A51-4108-AA02-DFA0A04FC94B}">
-              <ma14:wrappingTextBoxFlag xmlns:ma14="http://schemas.microsoft.com/office/mac/drawingml/2011/main" xmlns="" val="1"/>
+              <ma14:wrappingTextBoxFlag xmlns="" xmlns:ma14="http://schemas.microsoft.com/office/mac/drawingml/2011/main" val="1"/>
             </a:ext>
           </a:extLst>
         </p:spPr>
@@ -12527,7 +12607,7 @@
           </a:ln>
           <a:extLst>
             <a:ext uri="{C572A759-6A51-4108-AA02-DFA0A04FC94B}">
-              <ma14:wrappingTextBoxFlag xmlns:ma14="http://schemas.microsoft.com/office/mac/drawingml/2011/main" xmlns="" val="1"/>
+              <ma14:wrappingTextBoxFlag xmlns="" xmlns:ma14="http://schemas.microsoft.com/office/mac/drawingml/2011/main" val="1"/>
             </a:ext>
           </a:extLst>
         </p:spPr>
@@ -12562,7 +12642,7 @@
         <p:spPr>
           <a:xfrm>
             <a:off x="3509454" y="4525607"/>
-            <a:ext cx="3030634" cy="738660"/>
+            <a:ext cx="4168766" cy="830993"/>
           </a:xfrm>
           <a:prstGeom prst="rect">
             <a:avLst/>
@@ -12572,7 +12652,7 @@
           </a:ln>
           <a:extLst>
             <a:ext uri="{C572A759-6A51-4108-AA02-DFA0A04FC94B}">
-              <ma14:wrappingTextBoxFlag xmlns:ma14="http://schemas.microsoft.com/office/mac/drawingml/2011/main" xmlns="" val="1"/>
+              <ma14:wrappingTextBoxFlag xmlns="" xmlns:ma14="http://schemas.microsoft.com/office/mac/drawingml/2011/main" val="1"/>
             </a:ext>
           </a:extLst>
         </p:spPr>
@@ -12591,8 +12671,24 @@
               </a:defRPr>
             </a:pPr>
             <a:r>
-              <a:rPr dirty="0"/>
-              <a:t>router.get('/', function(req, res, next) {</a:t>
+              <a:rPr sz="1600" dirty="0" err="1"/>
+              <a:t>router.get</a:t>
+            </a:r>
+            <a:r>
+              <a:rPr sz="1600" dirty="0" smtClean="0"/>
+              <a:t>('/</a:t>
+            </a:r>
+            <a:r>
+              <a:rPr lang="en-US" sz="1600" dirty="0" err="1" smtClean="0"/>
+              <a:t>finalList</a:t>
+            </a:r>
+            <a:r>
+              <a:rPr sz="1600" dirty="0" smtClean="0"/>
+              <a:t>', </a:t>
+            </a:r>
+            <a:r>
+              <a:rPr sz="1600" dirty="0"/>
+              <a:t>function(req, res, next) {</a:t>
             </a:r>
           </a:p>
           <a:p>
@@ -12605,9 +12701,58 @@
               </a:defRPr>
             </a:pPr>
             <a:r>
-              <a:rPr dirty="0"/>
-              <a:t>  res.send('respond with a resource');</a:t>
-            </a:r>
+              <a:rPr sz="1600" dirty="0"/>
+              <a:t>  </a:t>
+            </a:r>
+            <a:r>
+              <a:rPr lang="en-US" altLang="zh-TW" sz="1600" dirty="0" err="1" smtClean="0"/>
+              <a:t>res.render</a:t>
+            </a:r>
+            <a:r>
+              <a:rPr lang="en-US" altLang="zh-TW" sz="1600" dirty="0" smtClean="0">
+                <a:solidFill>
+                  <a:srgbClr val="FF0000"/>
+                </a:solidFill>
+              </a:rPr>
+              <a:t>(‘”</a:t>
+            </a:r>
+            <a:r>
+              <a:rPr lang="en-US" altLang="zh-TW" sz="1600" dirty="0" err="1" smtClean="0">
+                <a:solidFill>
+                  <a:srgbClr val="FF0000"/>
+                </a:solidFill>
+              </a:rPr>
+              <a:t>finalList</a:t>
+            </a:r>
+            <a:r>
+              <a:rPr lang="en-US" altLang="zh-TW" sz="1600" dirty="0" smtClean="0">
+                <a:solidFill>
+                  <a:srgbClr val="FF0000"/>
+                </a:solidFill>
+              </a:rPr>
+              <a:t>”</a:t>
+            </a:r>
+            <a:r>
+              <a:rPr lang="en-US" altLang="zh-TW" sz="1600" dirty="0" smtClean="0"/>
+              <a:t>, </a:t>
+            </a:r>
+            <a:r>
+              <a:rPr lang="en-US" altLang="zh-TW" sz="1600" dirty="0" smtClean="0"/>
+              <a:t>{ title: '</a:t>
+            </a:r>
+            <a:r>
+              <a:rPr lang="zh-TW" altLang="en-US" sz="1600" dirty="0" smtClean="0"/>
+              <a:t>首頁</a:t>
+            </a:r>
+            <a:r>
+              <a:rPr lang="en-US" altLang="zh-TW" sz="1600" dirty="0" smtClean="0"/>
+              <a:t>' </a:t>
+            </a:r>
+            <a:r>
+              <a:rPr lang="en-US" altLang="zh-TW" sz="1600" dirty="0" smtClean="0"/>
+              <a:t>});</a:t>
+            </a:r>
+            <a:endParaRPr sz="1600" dirty="0"/>
           </a:p>
           <a:p>
             <a:pPr>
@@ -12619,7 +12764,7 @@
               </a:defRPr>
             </a:pPr>
             <a:r>
-              <a:rPr dirty="0"/>
+              <a:rPr sz="1600" dirty="0"/>
               <a:t>});</a:t>
             </a:r>
           </a:p>
@@ -12644,7 +12789,7 @@
           </a:ln>
           <a:extLst>
             <a:ext uri="{C572A759-6A51-4108-AA02-DFA0A04FC94B}">
-              <ma14:wrappingTextBoxFlag xmlns:ma14="http://schemas.microsoft.com/office/mac/drawingml/2011/main" xmlns="" val="1"/>
+              <ma14:wrappingTextBoxFlag xmlns="" xmlns:ma14="http://schemas.microsoft.com/office/mac/drawingml/2011/main" val="1"/>
             </a:ext>
           </a:extLst>
         </p:spPr>
@@ -12824,7 +12969,7 @@
             <a:effectLst/>
             <a:extLst>
               <a:ext uri="{C572A759-6A51-4108-AA02-DFA0A04FC94B}">
-                <ma14:wrappingTextBoxFlag xmlns:ma14="http://schemas.microsoft.com/office/mac/drawingml/2011/main" xmlns="" val="1"/>
+                <ma14:wrappingTextBoxFlag xmlns="" xmlns:ma14="http://schemas.microsoft.com/office/mac/drawingml/2011/main" val="1"/>
               </a:ext>
             </a:extLst>
           </p:spPr>
@@ -12908,7 +13053,7 @@
           </a:ln>
           <a:extLst>
             <a:ext uri="{C572A759-6A51-4108-AA02-DFA0A04FC94B}">
-              <ma14:wrappingTextBoxFlag xmlns:ma14="http://schemas.microsoft.com/office/mac/drawingml/2011/main" xmlns="" val="1"/>
+              <ma14:wrappingTextBoxFlag xmlns="" xmlns:ma14="http://schemas.microsoft.com/office/mac/drawingml/2011/main" val="1"/>
             </a:ext>
           </a:extLst>
         </p:spPr>
@@ -13224,7 +13369,7 @@
           </a:ln>
           <a:extLst>
             <a:ext uri="{C572A759-6A51-4108-AA02-DFA0A04FC94B}">
-              <ma14:wrappingTextBoxFlag xmlns:ma14="http://schemas.microsoft.com/office/mac/drawingml/2011/main" xmlns="" val="1"/>
+              <ma14:wrappingTextBoxFlag xmlns="" xmlns:ma14="http://schemas.microsoft.com/office/mac/drawingml/2011/main" val="1"/>
             </a:ext>
           </a:extLst>
         </p:spPr>
@@ -13301,7 +13446,7 @@
           </a:ln>
           <a:extLst>
             <a:ext uri="{C572A759-6A51-4108-AA02-DFA0A04FC94B}">
-              <ma14:wrappingTextBoxFlag xmlns:ma14="http://schemas.microsoft.com/office/mac/drawingml/2011/main" xmlns="" val="1"/>
+              <ma14:wrappingTextBoxFlag xmlns="" xmlns:ma14="http://schemas.microsoft.com/office/mac/drawingml/2011/main" val="1"/>
             </a:ext>
           </a:extLst>
         </p:spPr>
@@ -14378,7 +14523,7 @@
           </a:ln>
           <a:extLst>
             <a:ext uri="{C572A759-6A51-4108-AA02-DFA0A04FC94B}">
-              <ma14:wrappingTextBoxFlag xmlns:ma14="http://schemas.microsoft.com/office/mac/drawingml/2011/main" xmlns="" val="1"/>
+              <ma14:wrappingTextBoxFlag xmlns="" xmlns:ma14="http://schemas.microsoft.com/office/mac/drawingml/2011/main" val="1"/>
             </a:ext>
           </a:extLst>
         </p:spPr>
@@ -15965,7 +16110,7 @@
             <a:effectLst/>
             <a:extLst>
               <a:ext uri="{C572A759-6A51-4108-AA02-DFA0A04FC94B}">
-                <ma14:wrappingTextBoxFlag xmlns:ma14="http://schemas.microsoft.com/office/mac/drawingml/2011/main" xmlns="" val="1"/>
+                <ma14:wrappingTextBoxFlag xmlns="" xmlns:ma14="http://schemas.microsoft.com/office/mac/drawingml/2011/main" val="1"/>
               </a:ext>
             </a:extLst>
           </p:spPr>
@@ -17144,7 +17289,7 @@
             <a:effectLst/>
             <a:extLst>
               <a:ext uri="{C572A759-6A51-4108-AA02-DFA0A04FC94B}">
-                <ma14:wrappingTextBoxFlag xmlns:ma14="http://schemas.microsoft.com/office/mac/drawingml/2011/main" xmlns="" val="1"/>
+                <ma14:wrappingTextBoxFlag xmlns="" xmlns:ma14="http://schemas.microsoft.com/office/mac/drawingml/2011/main" val="1"/>
               </a:ext>
             </a:extLst>
           </p:spPr>
@@ -18228,7 +18373,7 @@
             <a:effectLst/>
             <a:extLst>
               <a:ext uri="{C572A759-6A51-4108-AA02-DFA0A04FC94B}">
-                <ma14:wrappingTextBoxFlag xmlns:ma14="http://schemas.microsoft.com/office/mac/drawingml/2011/main" xmlns="" val="1"/>
+                <ma14:wrappingTextBoxFlag xmlns="" xmlns:ma14="http://schemas.microsoft.com/office/mac/drawingml/2011/main" val="1"/>
               </a:ext>
             </a:extLst>
           </p:spPr>
@@ -18570,7 +18715,7 @@
               <a:effectLst/>
               <a:extLst>
                 <a:ext uri="{C572A759-6A51-4108-AA02-DFA0A04FC94B}">
-                  <ma14:wrappingTextBoxFlag xmlns:ma14="http://schemas.microsoft.com/office/mac/drawingml/2011/main" xmlns="" val="1"/>
+                  <ma14:wrappingTextBoxFlag xmlns="" xmlns:ma14="http://schemas.microsoft.com/office/mac/drawingml/2011/main" val="1"/>
                 </a:ext>
               </a:extLst>
             </p:spPr>
@@ -18702,7 +18847,7 @@
             <a:effectLst/>
             <a:extLst>
               <a:ext uri="{C572A759-6A51-4108-AA02-DFA0A04FC94B}">
-                <ma14:wrappingTextBoxFlag xmlns:ma14="http://schemas.microsoft.com/office/mac/drawingml/2011/main" xmlns="" val="1"/>
+                <ma14:wrappingTextBoxFlag xmlns="" xmlns:ma14="http://schemas.microsoft.com/office/mac/drawingml/2011/main" val="1"/>
               </a:ext>
             </a:extLst>
           </p:spPr>
@@ -18894,7 +19039,7 @@
             <a:effectLst/>
             <a:extLst>
               <a:ext uri="{C572A759-6A51-4108-AA02-DFA0A04FC94B}">
-                <ma14:wrappingTextBoxFlag xmlns:ma14="http://schemas.microsoft.com/office/mac/drawingml/2011/main" xmlns="" val="1"/>
+                <ma14:wrappingTextBoxFlag xmlns="" xmlns:ma14="http://schemas.microsoft.com/office/mac/drawingml/2011/main" val="1"/>
               </a:ext>
             </a:extLst>
           </p:spPr>
@@ -19025,7 +19170,7 @@
             <a:effectLst/>
             <a:extLst>
               <a:ext uri="{C572A759-6A51-4108-AA02-DFA0A04FC94B}">
-                <ma14:wrappingTextBoxFlag xmlns:ma14="http://schemas.microsoft.com/office/mac/drawingml/2011/main" xmlns="" val="1"/>
+                <ma14:wrappingTextBoxFlag xmlns="" xmlns:ma14="http://schemas.microsoft.com/office/mac/drawingml/2011/main" val="1"/>
               </a:ext>
             </a:extLst>
           </p:spPr>
@@ -19997,7 +20142,7 @@
       </p:grpSpPr>
       <p:sp>
         <p:nvSpPr>
-          <p:cNvPr id="497" name="Shape 497"/>
+          <p:cNvPr id="494" name="Shape 494"/>
           <p:cNvSpPr>
             <a:spLocks noGrp="1"/>
           </p:cNvSpPr>
@@ -20007,7 +20152,7 @@
         </p:nvSpPr>
         <p:spPr>
           <a:xfrm>
-            <a:off x="685798" y="0"/>
+            <a:off x="685798" y="266699"/>
             <a:ext cx="7772404" cy="899915"/>
           </a:xfrm>
           <a:prstGeom prst="rect">
@@ -20027,8 +20172,8 @@
           </a:lstStyle>
           <a:p>
             <a:r>
-              <a:rPr lang="zh-TW" altLang="en-US" dirty="0" smtClean="0"/>
-              <a:t>自定義模組功能說明</a:t>
+              <a:rPr lang="en-US" dirty="0" smtClean="0"/>
+              <a:t>Bootstrap template</a:t>
             </a:r>
             <a:endParaRPr dirty="0"/>
           </a:p>
@@ -20036,7 +20181,7 @@
       </p:sp>
       <p:sp>
         <p:nvSpPr>
-          <p:cNvPr id="498" name="Shape 498"/>
+          <p:cNvPr id="495" name="Shape 495"/>
           <p:cNvSpPr>
             <a:spLocks noGrp="1"/>
           </p:cNvSpPr>
@@ -20059,297 +20204,488 @@
           </a:bodyPr>
           <a:lstStyle/>
           <a:p>
-            <a:r>
-              <a:rPr lang="en-US" altLang="zh-TW" dirty="0" smtClean="0"/>
-              <a:t>models / event.js </a:t>
-            </a:r>
-            <a:r>
-              <a:rPr lang="zh-TW" altLang="en-US" dirty="0" smtClean="0"/>
-              <a:t>資料庫</a:t>
-            </a:r>
-            <a:r>
-              <a:rPr lang="en-US" altLang="zh-TW" dirty="0" smtClean="0"/>
-              <a:t>(event)</a:t>
-            </a:r>
-            <a:r>
-              <a:rPr lang="zh-TW" altLang="en-US" dirty="0" smtClean="0"/>
-              <a:t>操作工具模組</a:t>
-            </a:r>
-            <a:endParaRPr lang="en-US" altLang="zh-TW" dirty="0" smtClean="0"/>
-          </a:p>
-          <a:p>
-            <a:r>
-              <a:rPr lang="zh-TW" altLang="en-US" b="0" dirty="0" smtClean="0"/>
-              <a:t>常用功能</a:t>
-            </a:r>
-            <a:endParaRPr lang="en-US" altLang="zh-TW" b="0" dirty="0" smtClean="0"/>
-          </a:p>
-          <a:p>
-            <a:r>
-              <a:rPr lang="en-US" altLang="zh-TW" b="0" dirty="0" err="1" smtClean="0"/>
-              <a:t>saveEventMsg</a:t>
-            </a:r>
-            <a:r>
-              <a:rPr lang="zh-TW" altLang="en-US" b="0" dirty="0" smtClean="0"/>
-              <a:t>        </a:t>
-            </a:r>
-            <a:r>
-              <a:rPr lang="en-US" altLang="zh-TW" b="0" dirty="0" smtClean="0"/>
-              <a:t>:</a:t>
-            </a:r>
-            <a:r>
-              <a:rPr lang="zh-TW" altLang="en-US" b="0" dirty="0" smtClean="0"/>
-              <a:t>  將解析完成資料存到資料庫中</a:t>
-            </a:r>
-            <a:endParaRPr lang="en-US" altLang="zh-TW" b="0" dirty="0" smtClean="0"/>
-          </a:p>
-          <a:p>
-            <a:r>
-              <a:rPr lang="en-US" altLang="zh-TW" b="0" dirty="0" err="1" smtClean="0"/>
-              <a:t>findByMac</a:t>
-            </a:r>
-            <a:r>
-              <a:rPr lang="zh-TW" altLang="en-US" b="0" dirty="0" smtClean="0"/>
-              <a:t>             </a:t>
-            </a:r>
-            <a:r>
-              <a:rPr lang="en-US" altLang="zh-TW" b="0" dirty="0" smtClean="0"/>
-              <a:t>:</a:t>
-            </a:r>
-            <a:r>
-              <a:rPr lang="zh-TW" altLang="en-US" b="0" dirty="0" smtClean="0"/>
-              <a:t>  透過 關鍵字</a:t>
-            </a:r>
-            <a:r>
-              <a:rPr lang="en-US" altLang="zh-TW" b="0" dirty="0" err="1" smtClean="0"/>
-              <a:t>macAddr</a:t>
-            </a:r>
-            <a:r>
-              <a:rPr lang="zh-TW" altLang="en-US" b="0" dirty="0" smtClean="0"/>
-              <a:t>查詢所有資料</a:t>
-            </a:r>
-            <a:endParaRPr lang="en-US" altLang="zh-TW" b="0" dirty="0" smtClean="0"/>
-          </a:p>
-          <a:p>
-            <a:r>
-              <a:rPr lang="en-US" altLang="zh-TW" b="0" dirty="0" err="1" smtClean="0"/>
-              <a:t>findEventsByDate</a:t>
-            </a:r>
-            <a:r>
-              <a:rPr lang="en-US" altLang="zh-TW" b="0" dirty="0" smtClean="0"/>
-              <a:t>  :</a:t>
-            </a:r>
-            <a:r>
-              <a:rPr lang="zh-TW" altLang="en-US" b="0" dirty="0" smtClean="0"/>
-              <a:t>  透過 關鍵字 </a:t>
-            </a:r>
-            <a:r>
-              <a:rPr lang="en-US" altLang="zh-TW" b="0" dirty="0" smtClean="0"/>
-              <a:t>date, </a:t>
-            </a:r>
-            <a:r>
-              <a:rPr lang="en-US" altLang="zh-TW" b="0" dirty="0" err="1" smtClean="0"/>
-              <a:t>mac</a:t>
-            </a:r>
-            <a:r>
-              <a:rPr lang="en-US" altLang="zh-TW" b="0" dirty="0" smtClean="0"/>
-              <a:t>, date option</a:t>
-            </a:r>
-            <a:r>
-              <a:rPr lang="zh-TW" altLang="en-US" b="0" dirty="0" smtClean="0"/>
-              <a:t>查詢指定範圍內</a:t>
-            </a:r>
-            <a:r>
-              <a:rPr lang="en-US" altLang="zh-TW" b="0" dirty="0" smtClean="0"/>
-              <a:t/>
-            </a:r>
-            <a:br>
-              <a:rPr lang="en-US" altLang="zh-TW" b="0" dirty="0" smtClean="0"/>
-            </a:br>
-            <a:r>
-              <a:rPr lang="zh-TW" altLang="en-US" b="0" dirty="0" smtClean="0"/>
-              <a:t>                                  上報資料</a:t>
-            </a:r>
-            <a:endParaRPr lang="en-US" altLang="zh-TW" b="0" dirty="0" smtClean="0"/>
-          </a:p>
-          <a:p>
-            <a:r>
-              <a:rPr lang="en-US" altLang="zh-TW" dirty="0" smtClean="0"/>
-              <a:t>models/util.js </a:t>
-            </a:r>
-            <a:r>
-              <a:rPr lang="zh-TW" altLang="en-US" dirty="0" smtClean="0"/>
-              <a:t>自訂義輔助工具集合</a:t>
-            </a:r>
-            <a:endParaRPr lang="en-US" altLang="zh-TW" dirty="0" smtClean="0"/>
-          </a:p>
-          <a:p>
-            <a:r>
-              <a:rPr lang="en-US" altLang="zh-TW" b="0" dirty="0" smtClean="0"/>
-              <a:t>init</a:t>
-            </a:r>
-            <a:r>
-              <a:rPr lang="zh-TW" altLang="en-US" b="0" dirty="0" smtClean="0"/>
-              <a:t>                           </a:t>
-            </a:r>
-            <a:r>
-              <a:rPr lang="en-US" altLang="zh-TW" b="0" dirty="0" smtClean="0"/>
-              <a:t>:</a:t>
-            </a:r>
-            <a:r>
-              <a:rPr lang="zh-TW" altLang="en-US" b="0" dirty="0" smtClean="0"/>
-              <a:t>  會先從</a:t>
-            </a:r>
-            <a:r>
-              <a:rPr lang="en-US" altLang="zh-TW" b="0" dirty="0" smtClean="0"/>
-              <a:t>map </a:t>
-            </a:r>
-            <a:r>
-              <a:rPr lang="zh-TW" altLang="en-US" b="0" dirty="0" smtClean="0"/>
-              <a:t>資料庫取得 </a:t>
-            </a:r>
-            <a:r>
-              <a:rPr lang="en-US" altLang="zh-TW" b="0" dirty="0" smtClean="0"/>
-              <a:t>map</a:t>
-            </a:r>
-            <a:r>
-              <a:rPr lang="zh-TW" altLang="en-US" b="0" dirty="0" smtClean="0"/>
-              <a:t>資料</a:t>
-            </a:r>
-            <a:endParaRPr lang="en-US" altLang="zh-TW" b="0" dirty="0" smtClean="0"/>
-          </a:p>
-          <a:p>
-            <a:r>
-              <a:rPr lang="en-US" altLang="zh-TW" b="0" dirty="0" err="1" smtClean="0"/>
-              <a:t>saveSetting</a:t>
-            </a:r>
-            <a:r>
-              <a:rPr lang="en-US" altLang="zh-TW" b="0" dirty="0" smtClean="0"/>
-              <a:t>              :  </a:t>
-            </a:r>
-            <a:r>
-              <a:rPr lang="zh-TW" altLang="en-US" b="0" dirty="0" smtClean="0"/>
-              <a:t>儲存設定</a:t>
-            </a:r>
-            <a:r>
-              <a:rPr lang="zh-TW" altLang="en-US" b="0" dirty="0" smtClean="0"/>
-              <a:t>值</a:t>
-            </a:r>
-            <a:r>
-              <a:rPr lang="en-US" altLang="zh-TW" b="0" dirty="0" smtClean="0"/>
-              <a:t/>
-            </a:r>
-            <a:br>
-              <a:rPr lang="en-US" altLang="zh-TW" b="0" dirty="0" smtClean="0"/>
-            </a:br>
-            <a:r>
-              <a:rPr lang="en-US" altLang="zh-TW" b="0" dirty="0" err="1" smtClean="0"/>
-              <a:t>getSetting</a:t>
-            </a:r>
-            <a:r>
-              <a:rPr lang="zh-TW" altLang="en-US" b="0" dirty="0" smtClean="0"/>
-              <a:t>                </a:t>
-            </a:r>
-            <a:r>
-              <a:rPr lang="en-US" altLang="zh-TW" b="0" dirty="0" smtClean="0"/>
-              <a:t>:</a:t>
-            </a:r>
-            <a:r>
-              <a:rPr lang="zh-TW" altLang="en-US" b="0" dirty="0" smtClean="0"/>
-              <a:t>  取得目前設定值</a:t>
-            </a:r>
-            <a:endParaRPr lang="en-US" altLang="zh-TW" b="0" dirty="0" smtClean="0"/>
-          </a:p>
-          <a:p>
-            <a:r>
-              <a:rPr lang="en-US" altLang="zh-TW" b="0" dirty="0" err="1" smtClean="0"/>
-              <a:t>parseMsgd</a:t>
-            </a:r>
-            <a:r>
-              <a:rPr lang="zh-TW" altLang="en-US" b="0" dirty="0" smtClean="0"/>
-              <a:t>               </a:t>
-            </a:r>
-            <a:r>
-              <a:rPr lang="en-US" altLang="zh-TW" b="0" dirty="0" smtClean="0"/>
-              <a:t>:</a:t>
-            </a:r>
-            <a:r>
-              <a:rPr lang="zh-TW" altLang="en-US" b="0" dirty="0" smtClean="0"/>
-              <a:t>  將訂閱到的資料透過 </a:t>
-            </a:r>
-            <a:r>
-              <a:rPr lang="en-US" altLang="zh-TW" b="0" dirty="0" smtClean="0"/>
-              <a:t>map</a:t>
-            </a:r>
-            <a:r>
-              <a:rPr lang="zh-TW" altLang="en-US" b="0" dirty="0" smtClean="0"/>
-              <a:t>定義的資料解析</a:t>
-            </a:r>
-            <a:endParaRPr lang="en-US" altLang="zh-TW" b="0" dirty="0" smtClean="0"/>
-          </a:p>
-          <a:p>
-            <a:r>
-              <a:rPr lang="en-US" altLang="zh-TW" b="0" dirty="0" err="1" smtClean="0"/>
-              <a:t>sendLineMessage</a:t>
-            </a:r>
-            <a:r>
-              <a:rPr lang="zh-TW" altLang="en-US" b="0" dirty="0" smtClean="0"/>
-              <a:t>    </a:t>
-            </a:r>
-            <a:r>
-              <a:rPr lang="en-US" altLang="zh-TW" b="0" dirty="0" smtClean="0"/>
-              <a:t>:</a:t>
-            </a:r>
-            <a:r>
-              <a:rPr lang="zh-TW" altLang="en-US" b="0" dirty="0" smtClean="0"/>
-              <a:t>  將要發送的通知透過</a:t>
-            </a:r>
-            <a:r>
-              <a:rPr lang="en-US" altLang="zh-TW" b="0" dirty="0" err="1" smtClean="0"/>
-              <a:t>linebot</a:t>
-            </a:r>
-            <a:r>
-              <a:rPr lang="zh-TW" altLang="en-US" b="0" dirty="0" smtClean="0"/>
-              <a:t>發送</a:t>
-            </a:r>
-            <a:endParaRPr lang="en-US" altLang="zh-TW" b="0" dirty="0" smtClean="0"/>
-          </a:p>
-          <a:p>
-            <a:r>
-              <a:rPr lang="en-US" altLang="zh-TW" b="0" dirty="0" err="1" smtClean="0"/>
-              <a:t>getTabledata</a:t>
-            </a:r>
-            <a:r>
-              <a:rPr lang="en-US" altLang="zh-TW" b="0" dirty="0" smtClean="0"/>
-              <a:t>            :  </a:t>
-            </a:r>
-            <a:r>
-              <a:rPr lang="zh-TW" altLang="en-US" b="0" dirty="0" smtClean="0"/>
-              <a:t>將查詢到的</a:t>
-            </a:r>
-            <a:r>
-              <a:rPr lang="en-US" altLang="zh-TW" b="0" dirty="0" smtClean="0"/>
-              <a:t>event</a:t>
-            </a:r>
-            <a:r>
-              <a:rPr lang="zh-TW" altLang="en-US" b="0" dirty="0" smtClean="0"/>
-              <a:t> 陣列轉成</a:t>
-            </a:r>
-            <a:r>
-              <a:rPr lang="en-US" altLang="zh-TW" b="0" dirty="0" smtClean="0"/>
-              <a:t>data table</a:t>
-            </a:r>
-            <a:r>
-              <a:rPr lang="zh-TW" altLang="en-US" b="0" dirty="0" smtClean="0"/>
-              <a:t>顯示用的陣列</a:t>
-            </a:r>
-            <a:endParaRPr lang="en-US" altLang="zh-TW" b="0" dirty="0" smtClean="0"/>
-          </a:p>
-          <a:p>
-            <a:endParaRPr lang="en-US" altLang="zh-TW" b="0" dirty="0" smtClean="0"/>
-          </a:p>
-          <a:p>
-            <a:endParaRPr lang="en-US" altLang="zh-TW" b="0" dirty="0"/>
+            <a:pPr defTabSz="232196">
+              <a:lnSpc>
+                <a:spcPct val="115000"/>
+              </a:lnSpc>
+              <a:spcBef>
+                <a:spcPts val="300"/>
+              </a:spcBef>
+              <a:defRPr sz="1400">
+                <a:solidFill>
+                  <a:srgbClr val="585858"/>
+                </a:solidFill>
+                <a:latin typeface="Arial"/>
+                <a:ea typeface="Arial"/>
+                <a:cs typeface="Arial"/>
+                <a:sym typeface="Arial"/>
+              </a:defRPr>
+            </a:pPr>
+            <a:r>
+              <a:rPr lang="en-US" altLang="zh-TW" sz="1800" dirty="0" smtClean="0">
+                <a:sym typeface="Arial"/>
+              </a:rPr>
+              <a:t>AdminLTE </a:t>
+            </a:r>
+          </a:p>
+          <a:p>
+            <a:pPr defTabSz="232196">
+              <a:lnSpc>
+                <a:spcPct val="115000"/>
+              </a:lnSpc>
+              <a:spcBef>
+                <a:spcPts val="300"/>
+              </a:spcBef>
+              <a:defRPr sz="1400">
+                <a:solidFill>
+                  <a:srgbClr val="585858"/>
+                </a:solidFill>
+                <a:latin typeface="Arial"/>
+                <a:ea typeface="Arial"/>
+                <a:cs typeface="Arial"/>
+                <a:sym typeface="Arial"/>
+              </a:defRPr>
+            </a:pPr>
+            <a:r>
+              <a:rPr lang="en-US" altLang="zh-TW" sz="1800" b="0" dirty="0" smtClean="0">
+                <a:sym typeface="Arial"/>
+                <a:hlinkClick r:id="rId2"/>
+              </a:rPr>
+              <a:t>https://github.com/almasaeed2010/AdminLTE</a:t>
+            </a:r>
+            <a:endParaRPr lang="en-US" altLang="zh-TW" sz="1800" b="0" dirty="0" smtClean="0">
+              <a:sym typeface="Arial"/>
+            </a:endParaRPr>
+          </a:p>
+          <a:p>
+            <a:pPr defTabSz="232196">
+              <a:lnSpc>
+                <a:spcPct val="115000"/>
+              </a:lnSpc>
+              <a:spcBef>
+                <a:spcPts val="300"/>
+              </a:spcBef>
+              <a:defRPr sz="1400">
+                <a:solidFill>
+                  <a:srgbClr val="585858"/>
+                </a:solidFill>
+                <a:latin typeface="Arial"/>
+                <a:ea typeface="Arial"/>
+                <a:cs typeface="Arial"/>
+                <a:sym typeface="Arial"/>
+              </a:defRPr>
+            </a:pPr>
+            <a:r>
+              <a:rPr lang="en-US" altLang="zh-TW" sz="1800" dirty="0" smtClean="0">
+                <a:sym typeface="Arial"/>
+              </a:rPr>
+              <a:t>Bootstrap-Admin-Theme</a:t>
+            </a:r>
+          </a:p>
+          <a:p>
+            <a:pPr defTabSz="232196">
+              <a:lnSpc>
+                <a:spcPct val="115000"/>
+              </a:lnSpc>
+              <a:spcBef>
+                <a:spcPts val="300"/>
+              </a:spcBef>
+              <a:defRPr sz="1400">
+                <a:solidFill>
+                  <a:srgbClr val="585858"/>
+                </a:solidFill>
+                <a:latin typeface="Arial"/>
+                <a:ea typeface="Arial"/>
+                <a:cs typeface="Arial"/>
+                <a:sym typeface="Arial"/>
+              </a:defRPr>
+            </a:pPr>
+            <a:r>
+              <a:rPr lang="en-US" altLang="zh-TW" sz="1800" b="0" dirty="0" smtClean="0">
+                <a:sym typeface="Arial"/>
+                <a:hlinkClick r:id="rId3"/>
+              </a:rPr>
+              <a:t>https://github.com/VinceG/Bootstrap-Admin-Theme</a:t>
+            </a:r>
+            <a:endParaRPr lang="en-US" altLang="zh-TW" sz="1800" b="0" dirty="0" smtClean="0">
+              <a:sym typeface="Arial"/>
+            </a:endParaRPr>
+          </a:p>
+          <a:p>
+            <a:pPr defTabSz="232196">
+              <a:lnSpc>
+                <a:spcPct val="115000"/>
+              </a:lnSpc>
+              <a:spcBef>
+                <a:spcPts val="300"/>
+              </a:spcBef>
+              <a:defRPr sz="1400">
+                <a:solidFill>
+                  <a:srgbClr val="585858"/>
+                </a:solidFill>
+                <a:latin typeface="Arial"/>
+                <a:ea typeface="Arial"/>
+                <a:cs typeface="Arial"/>
+                <a:sym typeface="Arial"/>
+              </a:defRPr>
+            </a:pPr>
+            <a:r>
+              <a:rPr lang="en-US" altLang="zh-TW" sz="1800" dirty="0" smtClean="0">
+                <a:sym typeface="Arial"/>
+              </a:rPr>
+              <a:t>Binary admin</a:t>
+            </a:r>
+          </a:p>
+          <a:p>
+            <a:pPr defTabSz="232196">
+              <a:lnSpc>
+                <a:spcPct val="115000"/>
+              </a:lnSpc>
+              <a:spcBef>
+                <a:spcPts val="300"/>
+              </a:spcBef>
+              <a:defRPr sz="1400">
+                <a:solidFill>
+                  <a:srgbClr val="585858"/>
+                </a:solidFill>
+                <a:latin typeface="Arial"/>
+                <a:ea typeface="Arial"/>
+                <a:cs typeface="Arial"/>
+                <a:sym typeface="Arial"/>
+              </a:defRPr>
+            </a:pPr>
+            <a:r>
+              <a:rPr lang="en-US" altLang="zh-TW" sz="1800" b="0" dirty="0" smtClean="0">
+                <a:sym typeface="Arial"/>
+                <a:hlinkClick r:id="rId4"/>
+              </a:rPr>
+              <a:t>http://binarycart.com/</a:t>
+            </a:r>
+            <a:endParaRPr lang="en-US" altLang="zh-TW" sz="1800" b="0" dirty="0" smtClean="0">
+              <a:sym typeface="Arial"/>
+            </a:endParaRPr>
+          </a:p>
+          <a:p>
+            <a:pPr defTabSz="232196">
+              <a:lnSpc>
+                <a:spcPct val="115000"/>
+              </a:lnSpc>
+              <a:spcBef>
+                <a:spcPts val="300"/>
+              </a:spcBef>
+              <a:defRPr sz="1400">
+                <a:solidFill>
+                  <a:srgbClr val="585858"/>
+                </a:solidFill>
+                <a:latin typeface="Arial"/>
+                <a:ea typeface="Arial"/>
+                <a:cs typeface="Arial"/>
+                <a:sym typeface="Arial"/>
+              </a:defRPr>
+            </a:pPr>
+            <a:r>
+              <a:rPr lang="en-US" altLang="zh-TW" sz="1800" dirty="0" smtClean="0">
+                <a:sym typeface="Arial"/>
+              </a:rPr>
+              <a:t>Butterfly</a:t>
+            </a:r>
+          </a:p>
+          <a:p>
+            <a:pPr defTabSz="232196">
+              <a:lnSpc>
+                <a:spcPct val="115000"/>
+              </a:lnSpc>
+              <a:spcBef>
+                <a:spcPts val="300"/>
+              </a:spcBef>
+              <a:defRPr sz="1400">
+                <a:solidFill>
+                  <a:srgbClr val="585858"/>
+                </a:solidFill>
+                <a:latin typeface="Arial"/>
+                <a:ea typeface="Arial"/>
+                <a:cs typeface="Arial"/>
+                <a:sym typeface="Arial"/>
+              </a:defRPr>
+            </a:pPr>
+            <a:r>
+              <a:rPr lang="en-US" altLang="zh-TW" sz="1800" b="0" dirty="0" smtClean="0">
+                <a:sym typeface="Arial"/>
+                <a:hlinkClick r:id="rId5"/>
+              </a:rPr>
+              <a:t>https://bootstrapmade.com/butterfly-free-bootstrap-theme/</a:t>
+            </a:r>
+            <a:endParaRPr lang="en-US" altLang="zh-TW" sz="1800" b="0" dirty="0" smtClean="0">
+              <a:sym typeface="Arial"/>
+            </a:endParaRPr>
+          </a:p>
+          <a:p>
+            <a:pPr defTabSz="232196">
+              <a:lnSpc>
+                <a:spcPct val="115000"/>
+              </a:lnSpc>
+              <a:spcBef>
+                <a:spcPts val="300"/>
+              </a:spcBef>
+              <a:defRPr sz="1400">
+                <a:solidFill>
+                  <a:srgbClr val="585858"/>
+                </a:solidFill>
+                <a:latin typeface="Arial"/>
+                <a:ea typeface="Arial"/>
+                <a:cs typeface="Arial"/>
+                <a:sym typeface="Arial"/>
+              </a:defRPr>
+            </a:pPr>
+            <a:r>
+              <a:rPr lang="en-US" altLang="zh-TW" sz="1800" dirty="0" smtClean="0">
+                <a:sym typeface="Arial"/>
+              </a:rPr>
+              <a:t>SB Admin</a:t>
+            </a:r>
+          </a:p>
+          <a:p>
+            <a:pPr defTabSz="232196">
+              <a:lnSpc>
+                <a:spcPct val="115000"/>
+              </a:lnSpc>
+              <a:spcBef>
+                <a:spcPts val="300"/>
+              </a:spcBef>
+              <a:defRPr sz="1400">
+                <a:solidFill>
+                  <a:srgbClr val="585858"/>
+                </a:solidFill>
+                <a:latin typeface="Arial"/>
+                <a:ea typeface="Arial"/>
+                <a:cs typeface="Arial"/>
+                <a:sym typeface="Arial"/>
+              </a:defRPr>
+            </a:pPr>
+            <a:r>
+              <a:rPr lang="en-US" altLang="zh-TW" sz="1800" b="0" dirty="0" smtClean="0">
+                <a:sym typeface="Arial"/>
+                <a:hlinkClick r:id="rId6"/>
+              </a:rPr>
+              <a:t>https://startbootstrap.com/template-overviews/sb-admin/</a:t>
+            </a:r>
+            <a:endParaRPr lang="en-US" altLang="zh-TW" sz="1800" b="0" dirty="0" smtClean="0">
+              <a:sym typeface="Arial"/>
+            </a:endParaRPr>
+          </a:p>
+          <a:p>
+            <a:pPr defTabSz="232196">
+              <a:lnSpc>
+                <a:spcPct val="115000"/>
+              </a:lnSpc>
+              <a:spcBef>
+                <a:spcPts val="300"/>
+              </a:spcBef>
+              <a:defRPr sz="1400">
+                <a:solidFill>
+                  <a:srgbClr val="585858"/>
+                </a:solidFill>
+                <a:latin typeface="Arial"/>
+                <a:ea typeface="Arial"/>
+                <a:cs typeface="Arial"/>
+                <a:sym typeface="Arial"/>
+              </a:defRPr>
+            </a:pPr>
+            <a:r>
+              <a:rPr lang="en-US" altLang="zh-TW" sz="1800" dirty="0" smtClean="0">
+                <a:sym typeface="Arial"/>
+              </a:rPr>
+              <a:t>SB Admin 2</a:t>
+            </a:r>
+          </a:p>
+          <a:p>
+            <a:pPr defTabSz="232196">
+              <a:lnSpc>
+                <a:spcPct val="115000"/>
+              </a:lnSpc>
+              <a:spcBef>
+                <a:spcPts val="300"/>
+              </a:spcBef>
+              <a:defRPr sz="1400">
+                <a:solidFill>
+                  <a:srgbClr val="585858"/>
+                </a:solidFill>
+                <a:latin typeface="Arial"/>
+                <a:ea typeface="Arial"/>
+                <a:cs typeface="Arial"/>
+                <a:sym typeface="Arial"/>
+              </a:defRPr>
+            </a:pPr>
+            <a:r>
+              <a:rPr lang="en-US" altLang="zh-TW" sz="1800" b="0" dirty="0" smtClean="0">
+                <a:solidFill>
+                  <a:schemeClr val="accent6"/>
+                </a:solidFill>
+                <a:sym typeface="Arial"/>
+                <a:hlinkClick r:id="rId7"/>
+              </a:rPr>
+              <a:t>http://startbootstrap.com/template-overviews/sb-admin-2/</a:t>
+            </a:r>
+            <a:endParaRPr lang="en-US" altLang="zh-TW" sz="1800" b="0" dirty="0" smtClean="0">
+              <a:solidFill>
+                <a:schemeClr val="accent6"/>
+              </a:solidFill>
+              <a:sym typeface="Arial"/>
+            </a:endParaRPr>
+          </a:p>
+          <a:p>
+            <a:pPr defTabSz="232196">
+              <a:lnSpc>
+                <a:spcPct val="115000"/>
+              </a:lnSpc>
+              <a:spcBef>
+                <a:spcPts val="300"/>
+              </a:spcBef>
+              <a:defRPr sz="1400">
+                <a:solidFill>
+                  <a:srgbClr val="585858"/>
+                </a:solidFill>
+                <a:latin typeface="Arial"/>
+                <a:ea typeface="Arial"/>
+                <a:cs typeface="Arial"/>
+                <a:sym typeface="Arial"/>
+              </a:defRPr>
+            </a:pPr>
+            <a:endParaRPr lang="en-US" altLang="zh-TW" sz="1800" b="0" dirty="0" smtClean="0">
+              <a:sym typeface="Arial"/>
+            </a:endParaRPr>
+          </a:p>
+          <a:p>
+            <a:pPr defTabSz="232196">
+              <a:lnSpc>
+                <a:spcPct val="115000"/>
+              </a:lnSpc>
+              <a:spcBef>
+                <a:spcPts val="300"/>
+              </a:spcBef>
+              <a:defRPr sz="1400">
+                <a:solidFill>
+                  <a:srgbClr val="585858"/>
+                </a:solidFill>
+                <a:latin typeface="Arial"/>
+                <a:ea typeface="Arial"/>
+                <a:cs typeface="Arial"/>
+                <a:sym typeface="Arial"/>
+              </a:defRPr>
+            </a:pPr>
+            <a:endParaRPr lang="en-US" altLang="zh-TW" sz="1800" dirty="0" smtClean="0">
+              <a:sym typeface="Arial"/>
+            </a:endParaRPr>
+          </a:p>
+          <a:p>
+            <a:pPr defTabSz="232196">
+              <a:lnSpc>
+                <a:spcPct val="115000"/>
+              </a:lnSpc>
+              <a:spcBef>
+                <a:spcPts val="300"/>
+              </a:spcBef>
+              <a:defRPr sz="1400">
+                <a:solidFill>
+                  <a:srgbClr val="585858"/>
+                </a:solidFill>
+                <a:latin typeface="Arial"/>
+                <a:ea typeface="Arial"/>
+                <a:cs typeface="Arial"/>
+                <a:sym typeface="Arial"/>
+              </a:defRPr>
+            </a:pPr>
+            <a:endParaRPr lang="en-US" altLang="zh-TW" sz="1800" dirty="0" smtClean="0">
+              <a:sym typeface="Arial"/>
+            </a:endParaRPr>
+          </a:p>
+          <a:p>
+            <a:pPr defTabSz="232196">
+              <a:lnSpc>
+                <a:spcPct val="115000"/>
+              </a:lnSpc>
+              <a:spcBef>
+                <a:spcPts val="300"/>
+              </a:spcBef>
+              <a:defRPr sz="1400">
+                <a:solidFill>
+                  <a:srgbClr val="585858"/>
+                </a:solidFill>
+                <a:latin typeface="Arial"/>
+                <a:ea typeface="Arial"/>
+                <a:cs typeface="Arial"/>
+                <a:sym typeface="Arial"/>
+              </a:defRPr>
+            </a:pPr>
+            <a:endParaRPr lang="en-US" altLang="zh-TW" sz="1800" dirty="0" smtClean="0">
+              <a:sym typeface="Arial"/>
+            </a:endParaRPr>
+          </a:p>
+          <a:p>
+            <a:pPr defTabSz="232196">
+              <a:lnSpc>
+                <a:spcPct val="115000"/>
+              </a:lnSpc>
+              <a:spcBef>
+                <a:spcPts val="300"/>
+              </a:spcBef>
+              <a:defRPr sz="1400">
+                <a:solidFill>
+                  <a:srgbClr val="585858"/>
+                </a:solidFill>
+                <a:latin typeface="Arial"/>
+                <a:ea typeface="Arial"/>
+                <a:cs typeface="Arial"/>
+                <a:sym typeface="Arial"/>
+              </a:defRPr>
+            </a:pPr>
+            <a:endParaRPr lang="en-US" altLang="zh-TW" sz="1800" dirty="0" smtClean="0">
+              <a:sym typeface="Arial"/>
+            </a:endParaRPr>
+          </a:p>
+          <a:p>
+            <a:pPr defTabSz="232196">
+              <a:lnSpc>
+                <a:spcPct val="115000"/>
+              </a:lnSpc>
+              <a:spcBef>
+                <a:spcPts val="300"/>
+              </a:spcBef>
+              <a:defRPr sz="1400">
+                <a:solidFill>
+                  <a:srgbClr val="585858"/>
+                </a:solidFill>
+                <a:latin typeface="Arial"/>
+                <a:ea typeface="Arial"/>
+                <a:cs typeface="Arial"/>
+                <a:sym typeface="Arial"/>
+              </a:defRPr>
+            </a:pPr>
+            <a:endParaRPr lang="en-US" altLang="zh-TW" sz="1800" dirty="0" smtClean="0">
+              <a:sym typeface="Arial"/>
+            </a:endParaRPr>
+          </a:p>
+          <a:p>
+            <a:pPr defTabSz="232196">
+              <a:lnSpc>
+                <a:spcPct val="115000"/>
+              </a:lnSpc>
+              <a:spcBef>
+                <a:spcPts val="300"/>
+              </a:spcBef>
+              <a:defRPr sz="1400">
+                <a:solidFill>
+                  <a:srgbClr val="585858"/>
+                </a:solidFill>
+                <a:latin typeface="Arial"/>
+                <a:ea typeface="Arial"/>
+                <a:cs typeface="Arial"/>
+                <a:sym typeface="Arial"/>
+              </a:defRPr>
+            </a:pPr>
+            <a:endParaRPr lang="en-US" altLang="zh-TW" sz="1800" dirty="0" smtClean="0">
+              <a:sym typeface="Arial"/>
+            </a:endParaRPr>
           </a:p>
         </p:txBody>
       </p:sp>
@@ -20388,7 +20724,7 @@
       </p:grpSpPr>
       <p:sp>
         <p:nvSpPr>
-          <p:cNvPr id="494" name="Shape 494"/>
+          <p:cNvPr id="497" name="Shape 497"/>
           <p:cNvSpPr>
             <a:spLocks noGrp="1"/>
           </p:cNvSpPr>
@@ -20398,7 +20734,7 @@
         </p:nvSpPr>
         <p:spPr>
           <a:xfrm>
-            <a:off x="685798" y="266699"/>
+            <a:off x="685798" y="0"/>
             <a:ext cx="7772404" cy="899915"/>
           </a:xfrm>
           <a:prstGeom prst="rect">
@@ -20418,8 +20754,8 @@
           </a:lstStyle>
           <a:p>
             <a:r>
-              <a:rPr lang="en-US" dirty="0" smtClean="0"/>
-              <a:t>Bootstrap template</a:t>
+              <a:rPr lang="zh-TW" altLang="en-US" dirty="0" smtClean="0"/>
+              <a:t>自定義模組功能說明</a:t>
             </a:r>
             <a:endParaRPr dirty="0"/>
           </a:p>
@@ -20427,7 +20763,7 @@
       </p:sp>
       <p:sp>
         <p:nvSpPr>
-          <p:cNvPr id="495" name="Shape 495"/>
+          <p:cNvPr id="498" name="Shape 498"/>
           <p:cNvSpPr>
             <a:spLocks noGrp="1"/>
           </p:cNvSpPr>
@@ -20450,488 +20786,293 @@
           </a:bodyPr>
           <a:lstStyle/>
           <a:p>
-            <a:pPr defTabSz="232196">
-              <a:lnSpc>
-                <a:spcPct val="115000"/>
-              </a:lnSpc>
-              <a:spcBef>
-                <a:spcPts val="300"/>
-              </a:spcBef>
-              <a:defRPr sz="1400">
-                <a:solidFill>
-                  <a:srgbClr val="585858"/>
-                </a:solidFill>
-                <a:latin typeface="Arial"/>
-                <a:ea typeface="Arial"/>
-                <a:cs typeface="Arial"/>
-                <a:sym typeface="Arial"/>
-              </a:defRPr>
-            </a:pPr>
-            <a:r>
-              <a:rPr lang="en-US" altLang="zh-TW" sz="1800" dirty="0" smtClean="0">
-                <a:sym typeface="Arial"/>
-              </a:rPr>
-              <a:t>AdminLTE </a:t>
-            </a:r>
-          </a:p>
-          <a:p>
-            <a:pPr defTabSz="232196">
-              <a:lnSpc>
-                <a:spcPct val="115000"/>
-              </a:lnSpc>
-              <a:spcBef>
-                <a:spcPts val="300"/>
-              </a:spcBef>
-              <a:defRPr sz="1400">
-                <a:solidFill>
-                  <a:srgbClr val="585858"/>
-                </a:solidFill>
-                <a:latin typeface="Arial"/>
-                <a:ea typeface="Arial"/>
-                <a:cs typeface="Arial"/>
-                <a:sym typeface="Arial"/>
-              </a:defRPr>
-            </a:pPr>
-            <a:r>
-              <a:rPr lang="en-US" altLang="zh-TW" sz="1800" b="0" dirty="0" smtClean="0">
-                <a:sym typeface="Arial"/>
-                <a:hlinkClick r:id="rId2"/>
-              </a:rPr>
-              <a:t>https://github.com/almasaeed2010/AdminLTE</a:t>
-            </a:r>
-            <a:endParaRPr lang="en-US" altLang="zh-TW" sz="1800" b="0" dirty="0" smtClean="0">
-              <a:sym typeface="Arial"/>
-            </a:endParaRPr>
-          </a:p>
-          <a:p>
-            <a:pPr defTabSz="232196">
-              <a:lnSpc>
-                <a:spcPct val="115000"/>
-              </a:lnSpc>
-              <a:spcBef>
-                <a:spcPts val="300"/>
-              </a:spcBef>
-              <a:defRPr sz="1400">
-                <a:solidFill>
-                  <a:srgbClr val="585858"/>
-                </a:solidFill>
-                <a:latin typeface="Arial"/>
-                <a:ea typeface="Arial"/>
-                <a:cs typeface="Arial"/>
-                <a:sym typeface="Arial"/>
-              </a:defRPr>
-            </a:pPr>
-            <a:r>
-              <a:rPr lang="en-US" altLang="zh-TW" sz="1800" dirty="0" smtClean="0">
-                <a:sym typeface="Arial"/>
-              </a:rPr>
-              <a:t>Bootstrap-Admin-Theme</a:t>
-            </a:r>
-          </a:p>
-          <a:p>
-            <a:pPr defTabSz="232196">
-              <a:lnSpc>
-                <a:spcPct val="115000"/>
-              </a:lnSpc>
-              <a:spcBef>
-                <a:spcPts val="300"/>
-              </a:spcBef>
-              <a:defRPr sz="1400">
-                <a:solidFill>
-                  <a:srgbClr val="585858"/>
-                </a:solidFill>
-                <a:latin typeface="Arial"/>
-                <a:ea typeface="Arial"/>
-                <a:cs typeface="Arial"/>
-                <a:sym typeface="Arial"/>
-              </a:defRPr>
-            </a:pPr>
-            <a:r>
-              <a:rPr lang="en-US" altLang="zh-TW" sz="1800" b="0" dirty="0" smtClean="0">
-                <a:sym typeface="Arial"/>
-                <a:hlinkClick r:id="rId3"/>
-              </a:rPr>
-              <a:t>https://github.com/VinceG/Bootstrap-Admin-Theme</a:t>
-            </a:r>
-            <a:endParaRPr lang="en-US" altLang="zh-TW" sz="1800" b="0" dirty="0" smtClean="0">
-              <a:sym typeface="Arial"/>
-            </a:endParaRPr>
-          </a:p>
-          <a:p>
-            <a:pPr defTabSz="232196">
-              <a:lnSpc>
-                <a:spcPct val="115000"/>
-              </a:lnSpc>
-              <a:spcBef>
-                <a:spcPts val="300"/>
-              </a:spcBef>
-              <a:defRPr sz="1400">
-                <a:solidFill>
-                  <a:srgbClr val="585858"/>
-                </a:solidFill>
-                <a:latin typeface="Arial"/>
-                <a:ea typeface="Arial"/>
-                <a:cs typeface="Arial"/>
-                <a:sym typeface="Arial"/>
-              </a:defRPr>
-            </a:pPr>
-            <a:r>
-              <a:rPr lang="en-US" altLang="zh-TW" sz="1800" dirty="0" smtClean="0">
-                <a:sym typeface="Arial"/>
-              </a:rPr>
-              <a:t>Binary admin</a:t>
-            </a:r>
-          </a:p>
-          <a:p>
-            <a:pPr defTabSz="232196">
-              <a:lnSpc>
-                <a:spcPct val="115000"/>
-              </a:lnSpc>
-              <a:spcBef>
-                <a:spcPts val="300"/>
-              </a:spcBef>
-              <a:defRPr sz="1400">
-                <a:solidFill>
-                  <a:srgbClr val="585858"/>
-                </a:solidFill>
-                <a:latin typeface="Arial"/>
-                <a:ea typeface="Arial"/>
-                <a:cs typeface="Arial"/>
-                <a:sym typeface="Arial"/>
-              </a:defRPr>
-            </a:pPr>
-            <a:r>
-              <a:rPr lang="en-US" altLang="zh-TW" sz="1800" b="0" dirty="0" smtClean="0">
-                <a:sym typeface="Arial"/>
-                <a:hlinkClick r:id="rId4"/>
-              </a:rPr>
-              <a:t>http://binarycart.com/</a:t>
-            </a:r>
-            <a:endParaRPr lang="en-US" altLang="zh-TW" sz="1800" b="0" dirty="0" smtClean="0">
-              <a:sym typeface="Arial"/>
-            </a:endParaRPr>
-          </a:p>
-          <a:p>
-            <a:pPr defTabSz="232196">
-              <a:lnSpc>
-                <a:spcPct val="115000"/>
-              </a:lnSpc>
-              <a:spcBef>
-                <a:spcPts val="300"/>
-              </a:spcBef>
-              <a:defRPr sz="1400">
-                <a:solidFill>
-                  <a:srgbClr val="585858"/>
-                </a:solidFill>
-                <a:latin typeface="Arial"/>
-                <a:ea typeface="Arial"/>
-                <a:cs typeface="Arial"/>
-                <a:sym typeface="Arial"/>
-              </a:defRPr>
-            </a:pPr>
-            <a:r>
-              <a:rPr lang="en-US" altLang="zh-TW" sz="1800" dirty="0" smtClean="0">
-                <a:sym typeface="Arial"/>
-              </a:rPr>
-              <a:t>Butterfly</a:t>
-            </a:r>
-          </a:p>
-          <a:p>
-            <a:pPr defTabSz="232196">
-              <a:lnSpc>
-                <a:spcPct val="115000"/>
-              </a:lnSpc>
-              <a:spcBef>
-                <a:spcPts val="300"/>
-              </a:spcBef>
-              <a:defRPr sz="1400">
-                <a:solidFill>
-                  <a:srgbClr val="585858"/>
-                </a:solidFill>
-                <a:latin typeface="Arial"/>
-                <a:ea typeface="Arial"/>
-                <a:cs typeface="Arial"/>
-                <a:sym typeface="Arial"/>
-              </a:defRPr>
-            </a:pPr>
-            <a:r>
-              <a:rPr lang="en-US" altLang="zh-TW" sz="1800" b="0" dirty="0" smtClean="0">
-                <a:sym typeface="Arial"/>
-                <a:hlinkClick r:id="rId5"/>
-              </a:rPr>
-              <a:t>https://bootstrapmade.com/butterfly-free-bootstrap-theme/</a:t>
-            </a:r>
-            <a:endParaRPr lang="en-US" altLang="zh-TW" sz="1800" b="0" dirty="0" smtClean="0">
-              <a:sym typeface="Arial"/>
-            </a:endParaRPr>
-          </a:p>
-          <a:p>
-            <a:pPr defTabSz="232196">
-              <a:lnSpc>
-                <a:spcPct val="115000"/>
-              </a:lnSpc>
-              <a:spcBef>
-                <a:spcPts val="300"/>
-              </a:spcBef>
-              <a:defRPr sz="1400">
-                <a:solidFill>
-                  <a:srgbClr val="585858"/>
-                </a:solidFill>
-                <a:latin typeface="Arial"/>
-                <a:ea typeface="Arial"/>
-                <a:cs typeface="Arial"/>
-                <a:sym typeface="Arial"/>
-              </a:defRPr>
-            </a:pPr>
-            <a:r>
-              <a:rPr lang="en-US" altLang="zh-TW" sz="1800" dirty="0" smtClean="0">
-                <a:sym typeface="Arial"/>
-              </a:rPr>
-              <a:t>SB Admin</a:t>
-            </a:r>
-          </a:p>
-          <a:p>
-            <a:pPr defTabSz="232196">
-              <a:lnSpc>
-                <a:spcPct val="115000"/>
-              </a:lnSpc>
-              <a:spcBef>
-                <a:spcPts val="300"/>
-              </a:spcBef>
-              <a:defRPr sz="1400">
-                <a:solidFill>
-                  <a:srgbClr val="585858"/>
-                </a:solidFill>
-                <a:latin typeface="Arial"/>
-                <a:ea typeface="Arial"/>
-                <a:cs typeface="Arial"/>
-                <a:sym typeface="Arial"/>
-              </a:defRPr>
-            </a:pPr>
-            <a:r>
-              <a:rPr lang="en-US" altLang="zh-TW" sz="1800" b="0" dirty="0" smtClean="0">
-                <a:sym typeface="Arial"/>
-                <a:hlinkClick r:id="rId6"/>
-              </a:rPr>
-              <a:t>https://startbootstrap.com/template-overviews/sb-admin/</a:t>
-            </a:r>
-            <a:endParaRPr lang="en-US" altLang="zh-TW" sz="1800" b="0" dirty="0" smtClean="0">
-              <a:sym typeface="Arial"/>
-            </a:endParaRPr>
-          </a:p>
-          <a:p>
-            <a:pPr defTabSz="232196">
-              <a:lnSpc>
-                <a:spcPct val="115000"/>
-              </a:lnSpc>
-              <a:spcBef>
-                <a:spcPts val="300"/>
-              </a:spcBef>
-              <a:defRPr sz="1400">
-                <a:solidFill>
-                  <a:srgbClr val="585858"/>
-                </a:solidFill>
-                <a:latin typeface="Arial"/>
-                <a:ea typeface="Arial"/>
-                <a:cs typeface="Arial"/>
-                <a:sym typeface="Arial"/>
-              </a:defRPr>
-            </a:pPr>
-            <a:r>
-              <a:rPr lang="en-US" altLang="zh-TW" sz="1800" dirty="0" smtClean="0">
-                <a:sym typeface="Arial"/>
-              </a:rPr>
-              <a:t>SB Admin 2</a:t>
-            </a:r>
-          </a:p>
-          <a:p>
-            <a:pPr defTabSz="232196">
-              <a:lnSpc>
-                <a:spcPct val="115000"/>
-              </a:lnSpc>
-              <a:spcBef>
-                <a:spcPts val="300"/>
-              </a:spcBef>
-              <a:defRPr sz="1400">
-                <a:solidFill>
-                  <a:srgbClr val="585858"/>
-                </a:solidFill>
-                <a:latin typeface="Arial"/>
-                <a:ea typeface="Arial"/>
-                <a:cs typeface="Arial"/>
-                <a:sym typeface="Arial"/>
-              </a:defRPr>
-            </a:pPr>
-            <a:r>
-              <a:rPr lang="en-US" altLang="zh-TW" sz="1800" b="0" dirty="0" smtClean="0">
-                <a:solidFill>
-                  <a:schemeClr val="accent6"/>
-                </a:solidFill>
-                <a:sym typeface="Arial"/>
-                <a:hlinkClick r:id="rId7"/>
-              </a:rPr>
-              <a:t>http://startbootstrap.com/template-overviews/sb-admin-2/</a:t>
-            </a:r>
-            <a:endParaRPr lang="en-US" altLang="zh-TW" sz="1800" b="0" dirty="0" smtClean="0">
-              <a:solidFill>
-                <a:schemeClr val="accent6"/>
-              </a:solidFill>
-              <a:sym typeface="Arial"/>
-            </a:endParaRPr>
-          </a:p>
-          <a:p>
-            <a:pPr defTabSz="232196">
-              <a:lnSpc>
-                <a:spcPct val="115000"/>
-              </a:lnSpc>
-              <a:spcBef>
-                <a:spcPts val="300"/>
-              </a:spcBef>
-              <a:defRPr sz="1400">
-                <a:solidFill>
-                  <a:srgbClr val="585858"/>
-                </a:solidFill>
-                <a:latin typeface="Arial"/>
-                <a:ea typeface="Arial"/>
-                <a:cs typeface="Arial"/>
-                <a:sym typeface="Arial"/>
-              </a:defRPr>
-            </a:pPr>
-            <a:endParaRPr lang="en-US" altLang="zh-TW" sz="1800" b="0" dirty="0" smtClean="0">
-              <a:sym typeface="Arial"/>
-            </a:endParaRPr>
-          </a:p>
-          <a:p>
-            <a:pPr defTabSz="232196">
-              <a:lnSpc>
-                <a:spcPct val="115000"/>
-              </a:lnSpc>
-              <a:spcBef>
-                <a:spcPts val="300"/>
-              </a:spcBef>
-              <a:defRPr sz="1400">
-                <a:solidFill>
-                  <a:srgbClr val="585858"/>
-                </a:solidFill>
-                <a:latin typeface="Arial"/>
-                <a:ea typeface="Arial"/>
-                <a:cs typeface="Arial"/>
-                <a:sym typeface="Arial"/>
-              </a:defRPr>
-            </a:pPr>
-            <a:endParaRPr lang="en-US" altLang="zh-TW" sz="1800" dirty="0" smtClean="0">
-              <a:sym typeface="Arial"/>
-            </a:endParaRPr>
-          </a:p>
-          <a:p>
-            <a:pPr defTabSz="232196">
-              <a:lnSpc>
-                <a:spcPct val="115000"/>
-              </a:lnSpc>
-              <a:spcBef>
-                <a:spcPts val="300"/>
-              </a:spcBef>
-              <a:defRPr sz="1400">
-                <a:solidFill>
-                  <a:srgbClr val="585858"/>
-                </a:solidFill>
-                <a:latin typeface="Arial"/>
-                <a:ea typeface="Arial"/>
-                <a:cs typeface="Arial"/>
-                <a:sym typeface="Arial"/>
-              </a:defRPr>
-            </a:pPr>
-            <a:endParaRPr lang="en-US" altLang="zh-TW" sz="1800" dirty="0" smtClean="0">
-              <a:sym typeface="Arial"/>
-            </a:endParaRPr>
-          </a:p>
-          <a:p>
-            <a:pPr defTabSz="232196">
-              <a:lnSpc>
-                <a:spcPct val="115000"/>
-              </a:lnSpc>
-              <a:spcBef>
-                <a:spcPts val="300"/>
-              </a:spcBef>
-              <a:defRPr sz="1400">
-                <a:solidFill>
-                  <a:srgbClr val="585858"/>
-                </a:solidFill>
-                <a:latin typeface="Arial"/>
-                <a:ea typeface="Arial"/>
-                <a:cs typeface="Arial"/>
-                <a:sym typeface="Arial"/>
-              </a:defRPr>
-            </a:pPr>
-            <a:endParaRPr lang="en-US" altLang="zh-TW" sz="1800" dirty="0" smtClean="0">
-              <a:sym typeface="Arial"/>
-            </a:endParaRPr>
-          </a:p>
-          <a:p>
-            <a:pPr defTabSz="232196">
-              <a:lnSpc>
-                <a:spcPct val="115000"/>
-              </a:lnSpc>
-              <a:spcBef>
-                <a:spcPts val="300"/>
-              </a:spcBef>
-              <a:defRPr sz="1400">
-                <a:solidFill>
-                  <a:srgbClr val="585858"/>
-                </a:solidFill>
-                <a:latin typeface="Arial"/>
-                <a:ea typeface="Arial"/>
-                <a:cs typeface="Arial"/>
-                <a:sym typeface="Arial"/>
-              </a:defRPr>
-            </a:pPr>
-            <a:endParaRPr lang="en-US" altLang="zh-TW" sz="1800" dirty="0" smtClean="0">
-              <a:sym typeface="Arial"/>
-            </a:endParaRPr>
-          </a:p>
-          <a:p>
-            <a:pPr defTabSz="232196">
-              <a:lnSpc>
-                <a:spcPct val="115000"/>
-              </a:lnSpc>
-              <a:spcBef>
-                <a:spcPts val="300"/>
-              </a:spcBef>
-              <a:defRPr sz="1400">
-                <a:solidFill>
-                  <a:srgbClr val="585858"/>
-                </a:solidFill>
-                <a:latin typeface="Arial"/>
-                <a:ea typeface="Arial"/>
-                <a:cs typeface="Arial"/>
-                <a:sym typeface="Arial"/>
-              </a:defRPr>
-            </a:pPr>
-            <a:endParaRPr lang="en-US" altLang="zh-TW" sz="1800" dirty="0" smtClean="0">
-              <a:sym typeface="Arial"/>
-            </a:endParaRPr>
-          </a:p>
-          <a:p>
-            <a:pPr defTabSz="232196">
-              <a:lnSpc>
-                <a:spcPct val="115000"/>
-              </a:lnSpc>
-              <a:spcBef>
-                <a:spcPts val="300"/>
-              </a:spcBef>
-              <a:defRPr sz="1400">
-                <a:solidFill>
-                  <a:srgbClr val="585858"/>
-                </a:solidFill>
-                <a:latin typeface="Arial"/>
-                <a:ea typeface="Arial"/>
-                <a:cs typeface="Arial"/>
-                <a:sym typeface="Arial"/>
-              </a:defRPr>
-            </a:pPr>
-            <a:endParaRPr lang="en-US" altLang="zh-TW" sz="1800" dirty="0" smtClean="0">
-              <a:sym typeface="Arial"/>
-            </a:endParaRPr>
+            <a:r>
+              <a:rPr lang="en-US" altLang="zh-TW" dirty="0" smtClean="0"/>
+              <a:t>models / event.js </a:t>
+            </a:r>
+            <a:r>
+              <a:rPr lang="zh-TW" altLang="en-US" dirty="0" smtClean="0"/>
+              <a:t>資料庫</a:t>
+            </a:r>
+            <a:r>
+              <a:rPr lang="en-US" altLang="zh-TW" dirty="0" smtClean="0"/>
+              <a:t>(event)</a:t>
+            </a:r>
+            <a:r>
+              <a:rPr lang="zh-TW" altLang="en-US" dirty="0" smtClean="0"/>
+              <a:t>操作工具模組</a:t>
+            </a:r>
+            <a:endParaRPr lang="en-US" altLang="zh-TW" dirty="0" smtClean="0"/>
+          </a:p>
+          <a:p>
+            <a:r>
+              <a:rPr lang="zh-TW" altLang="en-US" b="0" dirty="0" smtClean="0"/>
+              <a:t>常用功能</a:t>
+            </a:r>
+            <a:endParaRPr lang="en-US" altLang="zh-TW" b="0" dirty="0" smtClean="0"/>
+          </a:p>
+          <a:p>
+            <a:r>
+              <a:rPr lang="en-US" altLang="zh-TW" b="0" dirty="0" err="1" smtClean="0"/>
+              <a:t>saveEventMsg</a:t>
+            </a:r>
+            <a:r>
+              <a:rPr lang="zh-TW" altLang="en-US" b="0" dirty="0" smtClean="0"/>
+              <a:t>        </a:t>
+            </a:r>
+            <a:r>
+              <a:rPr lang="en-US" altLang="zh-TW" b="0" dirty="0" smtClean="0"/>
+              <a:t>:</a:t>
+            </a:r>
+            <a:r>
+              <a:rPr lang="zh-TW" altLang="en-US" b="0" dirty="0" smtClean="0"/>
+              <a:t>  將解析完成資料存到資料庫中</a:t>
+            </a:r>
+            <a:endParaRPr lang="en-US" altLang="zh-TW" b="0" dirty="0" smtClean="0"/>
+          </a:p>
+          <a:p>
+            <a:r>
+              <a:rPr lang="en-US" altLang="zh-TW" b="0" dirty="0" err="1" smtClean="0"/>
+              <a:t>findByMac</a:t>
+            </a:r>
+            <a:r>
+              <a:rPr lang="zh-TW" altLang="en-US" b="0" dirty="0" smtClean="0"/>
+              <a:t>             </a:t>
+            </a:r>
+            <a:r>
+              <a:rPr lang="en-US" altLang="zh-TW" b="0" dirty="0" smtClean="0"/>
+              <a:t>:</a:t>
+            </a:r>
+            <a:r>
+              <a:rPr lang="zh-TW" altLang="en-US" b="0" dirty="0" smtClean="0"/>
+              <a:t>  透過 關鍵字</a:t>
+            </a:r>
+            <a:r>
+              <a:rPr lang="en-US" altLang="zh-TW" b="0" dirty="0" err="1" smtClean="0"/>
+              <a:t>macAddr</a:t>
+            </a:r>
+            <a:r>
+              <a:rPr lang="zh-TW" altLang="en-US" b="0" dirty="0" smtClean="0"/>
+              <a:t>查詢所有資料</a:t>
+            </a:r>
+            <a:endParaRPr lang="en-US" altLang="zh-TW" b="0" dirty="0" smtClean="0"/>
+          </a:p>
+          <a:p>
+            <a:r>
+              <a:rPr lang="en-US" altLang="zh-TW" b="0" dirty="0" err="1" smtClean="0"/>
+              <a:t>findEventsByDate</a:t>
+            </a:r>
+            <a:r>
+              <a:rPr lang="en-US" altLang="zh-TW" b="0" dirty="0" smtClean="0"/>
+              <a:t>  :</a:t>
+            </a:r>
+            <a:r>
+              <a:rPr lang="zh-TW" altLang="en-US" b="0" dirty="0" smtClean="0"/>
+              <a:t>  透過 關鍵字 </a:t>
+            </a:r>
+            <a:r>
+              <a:rPr lang="en-US" altLang="zh-TW" b="0" dirty="0" smtClean="0"/>
+              <a:t>date, </a:t>
+            </a:r>
+            <a:r>
+              <a:rPr lang="en-US" altLang="zh-TW" b="0" dirty="0" err="1" smtClean="0"/>
+              <a:t>mac</a:t>
+            </a:r>
+            <a:r>
+              <a:rPr lang="en-US" altLang="zh-TW" b="0" dirty="0" smtClean="0"/>
+              <a:t>, date option</a:t>
+            </a:r>
+            <a:r>
+              <a:rPr lang="zh-TW" altLang="en-US" b="0" dirty="0" smtClean="0"/>
+              <a:t>查詢指定範圍內</a:t>
+            </a:r>
+            <a:r>
+              <a:rPr lang="en-US" altLang="zh-TW" b="0" dirty="0" smtClean="0"/>
+              <a:t/>
+            </a:r>
+            <a:br>
+              <a:rPr lang="en-US" altLang="zh-TW" b="0" dirty="0" smtClean="0"/>
+            </a:br>
+            <a:r>
+              <a:rPr lang="zh-TW" altLang="en-US" b="0" dirty="0" smtClean="0"/>
+              <a:t>                                  上報資料</a:t>
+            </a:r>
+            <a:endParaRPr lang="en-US" altLang="zh-TW" b="0" dirty="0" smtClean="0"/>
+          </a:p>
+          <a:p>
+            <a:r>
+              <a:rPr lang="en-US" altLang="zh-TW" dirty="0" smtClean="0"/>
+              <a:t>models/util.js </a:t>
+            </a:r>
+            <a:r>
+              <a:rPr lang="zh-TW" altLang="en-US" dirty="0" smtClean="0"/>
+              <a:t>自訂義輔助工具集合</a:t>
+            </a:r>
+            <a:endParaRPr lang="en-US" altLang="zh-TW" dirty="0" smtClean="0"/>
+          </a:p>
+          <a:p>
+            <a:r>
+              <a:rPr lang="en-US" altLang="zh-TW" b="0" dirty="0" smtClean="0"/>
+              <a:t>init</a:t>
+            </a:r>
+            <a:r>
+              <a:rPr lang="zh-TW" altLang="en-US" b="0" dirty="0" smtClean="0"/>
+              <a:t>                           </a:t>
+            </a:r>
+            <a:r>
+              <a:rPr lang="en-US" altLang="zh-TW" b="0" dirty="0" smtClean="0"/>
+              <a:t>:</a:t>
+            </a:r>
+            <a:r>
+              <a:rPr lang="zh-TW" altLang="en-US" b="0" dirty="0" smtClean="0"/>
+              <a:t>  會先從</a:t>
+            </a:r>
+            <a:r>
+              <a:rPr lang="en-US" altLang="zh-TW" b="0" dirty="0" smtClean="0"/>
+              <a:t>map </a:t>
+            </a:r>
+            <a:r>
+              <a:rPr lang="zh-TW" altLang="en-US" b="0" dirty="0" smtClean="0"/>
+              <a:t>資料庫取得 </a:t>
+            </a:r>
+            <a:r>
+              <a:rPr lang="en-US" altLang="zh-TW" b="0" dirty="0" smtClean="0"/>
+              <a:t>map</a:t>
+            </a:r>
+            <a:r>
+              <a:rPr lang="zh-TW" altLang="en-US" b="0" dirty="0" smtClean="0"/>
+              <a:t>資料</a:t>
+            </a:r>
+            <a:endParaRPr lang="en-US" altLang="zh-TW" b="0" dirty="0" smtClean="0"/>
+          </a:p>
+          <a:p>
+            <a:r>
+              <a:rPr lang="en-US" altLang="zh-TW" b="0" dirty="0" err="1" smtClean="0"/>
+              <a:t>saveSetting</a:t>
+            </a:r>
+            <a:r>
+              <a:rPr lang="en-US" altLang="zh-TW" b="0" dirty="0" smtClean="0"/>
+              <a:t>              :  </a:t>
+            </a:r>
+            <a:r>
+              <a:rPr lang="zh-TW" altLang="en-US" b="0" dirty="0" smtClean="0"/>
+              <a:t>儲存設定值</a:t>
+            </a:r>
+            <a:r>
+              <a:rPr lang="en-US" altLang="zh-TW" b="0" dirty="0" smtClean="0"/>
+              <a:t/>
+            </a:r>
+            <a:br>
+              <a:rPr lang="en-US" altLang="zh-TW" b="0" dirty="0" smtClean="0"/>
+            </a:br>
+            <a:r>
+              <a:rPr lang="en-US" altLang="zh-TW" b="0" dirty="0" err="1" smtClean="0"/>
+              <a:t>getSetting</a:t>
+            </a:r>
+            <a:r>
+              <a:rPr lang="zh-TW" altLang="en-US" b="0" dirty="0" smtClean="0"/>
+              <a:t>                </a:t>
+            </a:r>
+            <a:r>
+              <a:rPr lang="en-US" altLang="zh-TW" b="0" dirty="0" smtClean="0"/>
+              <a:t>:</a:t>
+            </a:r>
+            <a:r>
+              <a:rPr lang="zh-TW" altLang="en-US" b="0" dirty="0" smtClean="0"/>
+              <a:t>  取得目前設定值</a:t>
+            </a:r>
+            <a:endParaRPr lang="en-US" altLang="zh-TW" b="0" dirty="0" smtClean="0"/>
+          </a:p>
+          <a:p>
+            <a:r>
+              <a:rPr lang="en-US" altLang="zh-TW" b="0" dirty="0" err="1" smtClean="0"/>
+              <a:t>parseMsgd</a:t>
+            </a:r>
+            <a:r>
+              <a:rPr lang="zh-TW" altLang="en-US" b="0" dirty="0" smtClean="0"/>
+              <a:t>               </a:t>
+            </a:r>
+            <a:r>
+              <a:rPr lang="en-US" altLang="zh-TW" b="0" dirty="0" smtClean="0"/>
+              <a:t>:</a:t>
+            </a:r>
+            <a:r>
+              <a:rPr lang="zh-TW" altLang="en-US" b="0" dirty="0" smtClean="0"/>
+              <a:t>  將訂閱到的資料透過 </a:t>
+            </a:r>
+            <a:r>
+              <a:rPr lang="en-US" altLang="zh-TW" b="0" dirty="0" smtClean="0"/>
+              <a:t>map</a:t>
+            </a:r>
+            <a:r>
+              <a:rPr lang="zh-TW" altLang="en-US" b="0" dirty="0" smtClean="0"/>
+              <a:t>定義的資料解析</a:t>
+            </a:r>
+            <a:endParaRPr lang="en-US" altLang="zh-TW" b="0" dirty="0" smtClean="0"/>
+          </a:p>
+          <a:p>
+            <a:r>
+              <a:rPr lang="en-US" altLang="zh-TW" b="0" dirty="0" err="1" smtClean="0"/>
+              <a:t>sendLineMessage</a:t>
+            </a:r>
+            <a:r>
+              <a:rPr lang="zh-TW" altLang="en-US" b="0" dirty="0" smtClean="0"/>
+              <a:t>    </a:t>
+            </a:r>
+            <a:r>
+              <a:rPr lang="en-US" altLang="zh-TW" b="0" dirty="0" smtClean="0"/>
+              <a:t>:</a:t>
+            </a:r>
+            <a:r>
+              <a:rPr lang="zh-TW" altLang="en-US" b="0" dirty="0" smtClean="0"/>
+              <a:t>  將要發送的通知透過</a:t>
+            </a:r>
+            <a:r>
+              <a:rPr lang="en-US" altLang="zh-TW" b="0" dirty="0" err="1" smtClean="0"/>
+              <a:t>linebot</a:t>
+            </a:r>
+            <a:r>
+              <a:rPr lang="zh-TW" altLang="en-US" b="0" dirty="0" smtClean="0"/>
+              <a:t>發送</a:t>
+            </a:r>
+            <a:endParaRPr lang="en-US" altLang="zh-TW" b="0" dirty="0" smtClean="0"/>
+          </a:p>
+          <a:p>
+            <a:r>
+              <a:rPr lang="en-US" altLang="zh-TW" b="0" dirty="0" err="1" smtClean="0"/>
+              <a:t>getTabledata</a:t>
+            </a:r>
+            <a:r>
+              <a:rPr lang="en-US" altLang="zh-TW" b="0" dirty="0" smtClean="0"/>
+              <a:t>            :  </a:t>
+            </a:r>
+            <a:r>
+              <a:rPr lang="zh-TW" altLang="en-US" b="0" dirty="0" smtClean="0"/>
+              <a:t>將查詢到的</a:t>
+            </a:r>
+            <a:r>
+              <a:rPr lang="en-US" altLang="zh-TW" b="0" dirty="0" smtClean="0"/>
+              <a:t>event</a:t>
+            </a:r>
+            <a:r>
+              <a:rPr lang="zh-TW" altLang="en-US" b="0" dirty="0" smtClean="0"/>
+              <a:t> 陣列轉成</a:t>
+            </a:r>
+            <a:r>
+              <a:rPr lang="en-US" altLang="zh-TW" b="0" dirty="0" smtClean="0"/>
+              <a:t>data table</a:t>
+            </a:r>
+            <a:r>
+              <a:rPr lang="zh-TW" altLang="en-US" b="0" dirty="0" smtClean="0"/>
+              <a:t>顯示用的陣列</a:t>
+            </a:r>
+            <a:endParaRPr lang="en-US" altLang="zh-TW" b="0" dirty="0" smtClean="0"/>
+          </a:p>
+          <a:p>
+            <a:endParaRPr lang="en-US" altLang="zh-TW" b="0" dirty="0" smtClean="0"/>
+          </a:p>
+          <a:p>
+            <a:endParaRPr lang="en-US" altLang="zh-TW" b="0" dirty="0"/>
           </a:p>
         </p:txBody>
       </p:sp>
@@ -20988,7 +21129,9 @@
           </a:prstGeom>
         </p:spPr>
         <p:txBody>
-          <a:bodyPr/>
+          <a:bodyPr>
+            <a:normAutofit/>
+          </a:bodyPr>
           <a:lstStyle>
             <a:lvl1pPr algn="ctr">
               <a:defRPr sz="4800" b="0" cap="none">
@@ -21000,12 +21143,12 @@
           </a:lstStyle>
           <a:p>
             <a:r>
-              <a:rPr lang="en-US" altLang="zh-TW" dirty="0" err="1" smtClean="0"/>
-              <a:t>WebSocket</a:t>
-            </a:r>
-            <a:r>
-              <a:rPr lang="zh-TW" altLang="en-US" dirty="0" smtClean="0"/>
-              <a:t>網絡通信協議</a:t>
+              <a:rPr lang="en-US" dirty="0" err="1" smtClean="0"/>
+              <a:t>finalList</a:t>
+            </a:r>
+            <a:r>
+              <a:rPr lang="en-US" dirty="0" err="1" smtClean="0"/>
+              <a:t>.json</a:t>
             </a:r>
             <a:endParaRPr dirty="0"/>
           </a:p>
@@ -21032,7 +21175,7 @@
         </p:spPr>
         <p:txBody>
           <a:bodyPr anchor="t">
-            <a:normAutofit/>
+            <a:normAutofit fontScale="77500" lnSpcReduction="20000"/>
           </a:bodyPr>
           <a:lstStyle/>
           <a:p>
@@ -21054,40 +21197,52 @@
               </a:defRPr>
             </a:pPr>
             <a:r>
-              <a:rPr lang="zh-TW" altLang="en-US" sz="1800" b="0" dirty="0" smtClean="0">
+              <a:rPr lang="zh-TW" altLang="en-US" sz="2400" b="0" dirty="0" smtClean="0">
                 <a:sym typeface="Arial"/>
               </a:rPr>
-              <a:t>初次接觸 </a:t>
-            </a:r>
-            <a:r>
-              <a:rPr lang="en-US" altLang="zh-TW" sz="1800" b="0" dirty="0" err="1" smtClean="0">
+              <a:t>目的</a:t>
+            </a:r>
+            <a:r>
+              <a:rPr lang="en-US" altLang="zh-TW" sz="2400" b="0" dirty="0" smtClean="0">
                 <a:sym typeface="Arial"/>
               </a:rPr>
-              <a:t>WebSocket</a:t>
-            </a:r>
-            <a:r>
-              <a:rPr lang="en-US" altLang="zh-TW" sz="1800" b="0" dirty="0" smtClean="0">
+              <a:t>:</a:t>
+            </a:r>
+            <a:r>
+              <a:rPr lang="zh-TW" altLang="en-US" sz="2400" b="0" dirty="0" smtClean="0">
                 <a:sym typeface="Arial"/>
               </a:rPr>
-              <a:t> </a:t>
-            </a:r>
-            <a:r>
-              <a:rPr lang="zh-TW" altLang="en-US" sz="1800" b="0" dirty="0" smtClean="0">
+              <a:t>用來存每個</a:t>
+            </a:r>
+            <a:r>
+              <a:rPr lang="en-US" altLang="zh-TW" sz="2400" b="0" dirty="0" smtClean="0">
                 <a:sym typeface="Arial"/>
               </a:rPr>
-              <a:t>的人，都會問同樣的問題：我們已經有了 </a:t>
-            </a:r>
-            <a:r>
-              <a:rPr lang="en-US" altLang="zh-TW" sz="1800" b="0" dirty="0" smtClean="0">
+              <a:t>Lora module</a:t>
+            </a:r>
+            <a:r>
+              <a:rPr lang="zh-TW" altLang="en-US" sz="2400" b="0" dirty="0" smtClean="0">
                 <a:sym typeface="Arial"/>
               </a:rPr>
-              <a:t>HTTP </a:t>
-            </a:r>
-            <a:r>
-              <a:rPr lang="zh-TW" altLang="en-US" sz="1800" b="0" dirty="0" smtClean="0">
+              <a:t>上報的最新資料</a:t>
+            </a:r>
+            <a:r>
+              <a:rPr lang="en-US" altLang="zh-TW" sz="2400" b="0" dirty="0" smtClean="0">
                 <a:sym typeface="Arial"/>
               </a:rPr>
-              <a:t>協議，為什麼還需要另一個協議？它能帶來什麼好處？</a:t>
+              <a:t>,</a:t>
+            </a:r>
+            <a:r>
+              <a:rPr lang="zh-TW" altLang="en-US" sz="2400" b="0" dirty="0" smtClean="0">
+                <a:sym typeface="Arial"/>
+              </a:rPr>
+              <a:t>用於最新資訊頁面</a:t>
+            </a:r>
+            <a:r>
+              <a:rPr lang="en-US" altLang="zh-TW" sz="2400" b="0" dirty="0" smtClean="0">
+                <a:sym typeface="Arial"/>
+              </a:rPr>
+              <a:t>,</a:t>
             </a:r>
           </a:p>
           <a:p>
@@ -21109,23 +21264,26 @@
               </a:defRPr>
             </a:pPr>
             <a:r>
-              <a:rPr lang="zh-TW" altLang="en-US" sz="1800" b="0" dirty="0" smtClean="0">
+              <a:rPr lang="zh-TW" altLang="en-US" sz="2400" b="0" dirty="0" smtClean="0">
                 <a:sym typeface="Arial"/>
               </a:rPr>
-              <a:t>答案很簡單，因為 </a:t>
-            </a:r>
-            <a:r>
-              <a:rPr lang="en-US" altLang="zh-TW" sz="1800" b="0" dirty="0" smtClean="0">
+              <a:t>透過裝置類型分類後</a:t>
+            </a:r>
+            <a:r>
+              <a:rPr lang="en-US" altLang="zh-TW" sz="2400" b="0" dirty="0" smtClean="0">
                 <a:sym typeface="Arial"/>
               </a:rPr>
-              <a:t>HTTP </a:t>
-            </a:r>
-            <a:r>
-              <a:rPr lang="zh-TW" altLang="en-US" sz="1800" b="0" dirty="0" smtClean="0">
+              <a:t>,</a:t>
+            </a:r>
+            <a:r>
+              <a:rPr lang="zh-TW" altLang="en-US" sz="2400" b="0" dirty="0" smtClean="0">
                 <a:sym typeface="Arial"/>
               </a:rPr>
-              <a:t>協議有一個缺陷：通信只能由客戶端發起。</a:t>
-            </a:r>
+              <a:t>點選選類別顯示最新資訊列表</a:t>
+            </a:r>
+            <a:endParaRPr lang="en-US" altLang="zh-TW" sz="2400" b="0" dirty="0" smtClean="0">
+              <a:sym typeface="Arial"/>
+            </a:endParaRPr>
           </a:p>
           <a:p>
             <a:pPr defTabSz="232196">
@@ -21145,25 +21303,7 @@
                 <a:sym typeface="Arial"/>
               </a:defRPr>
             </a:pPr>
-            <a:r>
-              <a:rPr lang="zh-TW" altLang="en-US" sz="1800" b="0" dirty="0" smtClean="0">
-                <a:sym typeface="Arial"/>
-              </a:rPr>
-              <a:t>舉例來說，我們想了解今天的天氣，只能是客戶端向服務器發出請求，服務器返回查詢結果。 </a:t>
-            </a:r>
-            <a:r>
-              <a:rPr lang="en-US" altLang="zh-TW" sz="1800" b="0" dirty="0" smtClean="0">
-                <a:sym typeface="Arial"/>
-              </a:rPr>
-              <a:t>HTTP </a:t>
-            </a:r>
-            <a:r>
-              <a:rPr lang="zh-TW" altLang="en-US" sz="1800" b="0" dirty="0" smtClean="0">
-                <a:sym typeface="Arial"/>
-              </a:rPr>
-              <a:t>協議做不到服務器主動向客戶端推送信息。</a:t>
-            </a:r>
-            <a:endParaRPr lang="en-US" altLang="zh-TW" sz="1800" dirty="0" smtClean="0">
+            <a:endParaRPr lang="en-US" altLang="zh-TW" sz="2400" b="0" dirty="0" smtClean="0">
               <a:sym typeface="Arial"/>
             </a:endParaRPr>
           </a:p>
@@ -21185,7 +21325,13 @@
                 <a:sym typeface="Arial"/>
               </a:defRPr>
             </a:pPr>
-            <a:endParaRPr lang="en-US" altLang="zh-TW" sz="1800" dirty="0" smtClean="0">
+            <a:r>
+              <a:rPr lang="zh-TW" altLang="en-US" sz="2400" b="0" dirty="0" smtClean="0">
+                <a:sym typeface="Arial"/>
+              </a:rPr>
+              <a:t>範例</a:t>
+            </a:r>
+            <a:endParaRPr lang="en-US" altLang="zh-TW" sz="2400" b="0" dirty="0" smtClean="0">
               <a:sym typeface="Arial"/>
             </a:endParaRPr>
           </a:p>
@@ -21207,7 +21353,19 @@
                 <a:sym typeface="Arial"/>
               </a:defRPr>
             </a:pPr>
-            <a:endParaRPr lang="en-US" altLang="zh-TW" sz="1800" dirty="0" smtClean="0">
+            <a:r>
+              <a:rPr lang="en-US" altLang="zh-TW" b="0" dirty="0" smtClean="0">
+                <a:sym typeface="Arial"/>
+              </a:rPr>
+              <a:t>{</a:t>
+            </a:r>
+            <a:r>
+              <a:rPr lang="zh-TW" altLang="en-US" b="0" dirty="0" smtClean="0">
+                <a:sym typeface="Arial"/>
+              </a:rPr>
+              <a:t> </a:t>
+            </a:r>
+            <a:endParaRPr lang="en-US" altLang="zh-TW" b="0" dirty="0" smtClean="0">
               <a:sym typeface="Arial"/>
             </a:endParaRPr>
           </a:p>
@@ -21229,9 +21387,30 @@
                 <a:sym typeface="Arial"/>
               </a:defRPr>
             </a:pPr>
-            <a:endParaRPr lang="en-US" altLang="zh-TW" sz="1800" dirty="0" smtClean="0">
-              <a:sym typeface="Arial"/>
-            </a:endParaRPr>
+            <a:r>
+              <a:rPr lang="en-US" altLang="zh-TW" b="0" dirty="0" smtClean="0">
+                <a:sym typeface="Arial"/>
+              </a:rPr>
+              <a:t> </a:t>
+            </a:r>
+            <a:r>
+              <a:rPr lang="en-US" altLang="zh-TW" b="0" dirty="0" smtClean="0">
+                <a:sym typeface="Arial"/>
+              </a:rPr>
+              <a:t> “0000000005010e5e”:</a:t>
+            </a:r>
+            <a:r>
+              <a:rPr lang="zh-TW" altLang="en-US" b="0" dirty="0" smtClean="0">
+                <a:sym typeface="Arial"/>
+              </a:rPr>
+              <a:t> 解析資料</a:t>
+            </a:r>
+            <a:r>
+              <a:rPr lang="en-US" altLang="zh-TW" b="0" dirty="0" smtClean="0">
+                <a:sym typeface="Arial"/>
+              </a:rPr>
+              <a:t>,</a:t>
+            </a:r>
           </a:p>
           <a:p>
             <a:pPr defTabSz="232196">
@@ -21251,7 +21430,31 @@
                 <a:sym typeface="Arial"/>
               </a:defRPr>
             </a:pPr>
-            <a:endParaRPr lang="en-US" altLang="zh-TW" sz="1800" dirty="0" smtClean="0">
+            <a:r>
+              <a:rPr lang="en-US" altLang="zh-TW" b="0" dirty="0" smtClean="0">
+                <a:sym typeface="Arial"/>
+              </a:rPr>
+              <a:t>  “0000000005010e32”:</a:t>
+            </a:r>
+            <a:r>
+              <a:rPr lang="zh-TW" altLang="en-US" b="0" dirty="0" smtClean="0">
+                <a:sym typeface="Arial"/>
+              </a:rPr>
+              <a:t> </a:t>
+            </a:r>
+            <a:r>
+              <a:rPr lang="zh-TW" altLang="en-US" b="0" dirty="0" smtClean="0">
+                <a:sym typeface="Arial"/>
+              </a:rPr>
+              <a:t>解析</a:t>
+            </a:r>
+            <a:r>
+              <a:rPr lang="zh-TW" altLang="en-US" b="0" dirty="0" smtClean="0">
+                <a:sym typeface="Arial"/>
+              </a:rPr>
+              <a:t>資料</a:t>
+            </a:r>
+            <a:endParaRPr lang="en-US" altLang="zh-TW" b="0" dirty="0" smtClean="0">
               <a:sym typeface="Arial"/>
             </a:endParaRPr>
           </a:p>
@@ -21273,756 +21476,547 @@
                 <a:sym typeface="Arial"/>
               </a:defRPr>
             </a:pPr>
+            <a:r>
+              <a:rPr lang="en-US" altLang="zh-TW" b="0" dirty="0" smtClean="0">
+                <a:sym typeface="Arial"/>
+              </a:rPr>
+              <a:t>}</a:t>
+            </a:r>
+            <a:endParaRPr lang="en-US" altLang="zh-TW" sz="2400" b="0" dirty="0" smtClean="0">
+              <a:sym typeface="Arial"/>
+            </a:endParaRPr>
+          </a:p>
+          <a:p>
+            <a:pPr defTabSz="232196">
+              <a:lnSpc>
+                <a:spcPct val="115000"/>
+              </a:lnSpc>
+              <a:spcBef>
+                <a:spcPts val="300"/>
+              </a:spcBef>
+              <a:defRPr sz="1400">
+                <a:solidFill>
+                  <a:srgbClr val="585858"/>
+                </a:solidFill>
+                <a:latin typeface="Arial"/>
+                <a:ea typeface="Arial"/>
+                <a:cs typeface="Arial"/>
+                <a:sym typeface="Arial"/>
+              </a:defRPr>
+            </a:pPr>
+            <a:r>
+              <a:rPr lang="en-US" altLang="zh-TW" sz="2400" b="0" dirty="0" err="1" smtClean="0">
+                <a:sym typeface="Arial"/>
+              </a:rPr>
+              <a:t>msg</a:t>
+            </a:r>
+            <a:r>
+              <a:rPr lang="en-US" altLang="zh-TW" sz="2400" b="0" dirty="0" smtClean="0">
+                <a:sym typeface="Arial"/>
+              </a:rPr>
+              <a:t>:</a:t>
+            </a:r>
+            <a:r>
+              <a:rPr lang="zh-TW" altLang="en-US" sz="2400" b="0" dirty="0" smtClean="0">
+                <a:sym typeface="Arial"/>
+              </a:rPr>
+              <a:t> 解析資料</a:t>
+            </a:r>
+            <a:endParaRPr lang="en-US" altLang="zh-TW" sz="2400" b="0" dirty="0" smtClean="0">
+              <a:sym typeface="Arial"/>
+            </a:endParaRPr>
+          </a:p>
+          <a:p>
+            <a:pPr defTabSz="232196">
+              <a:lnSpc>
+                <a:spcPct val="115000"/>
+              </a:lnSpc>
+              <a:spcBef>
+                <a:spcPts val="300"/>
+              </a:spcBef>
+              <a:defRPr sz="1400">
+                <a:solidFill>
+                  <a:srgbClr val="585858"/>
+                </a:solidFill>
+                <a:latin typeface="Arial"/>
+                <a:ea typeface="Arial"/>
+                <a:cs typeface="Arial"/>
+                <a:sym typeface="Arial"/>
+              </a:defRPr>
+            </a:pPr>
+            <a:r>
+              <a:rPr lang="en-US" altLang="zh-TW" sz="1400" b="0" dirty="0" smtClean="0">
+                <a:sym typeface="Arial"/>
+              </a:rPr>
+              <a:t>{"</a:t>
+            </a:r>
+            <a:r>
+              <a:rPr lang="en-US" altLang="zh-TW" sz="1400" b="0" dirty="0" err="1" smtClean="0">
+                <a:sym typeface="Arial"/>
+              </a:rPr>
+              <a:t>macAddr</a:t>
+            </a:r>
+            <a:r>
+              <a:rPr lang="en-US" altLang="zh-TW" sz="1400" b="0" dirty="0" smtClean="0">
+                <a:sym typeface="Arial"/>
+              </a:rPr>
+              <a:t>":"0000000005010e5e","data":"fb0106cf0ab706014500e0eb920000","timestamp":1552711167000,"recv":"2019-03-16T04:39:27Z","date":"2019-03-16 12:39:27","type":"18","typeName":"</a:t>
+            </a:r>
+            <a:r>
+              <a:rPr lang="zh-TW" altLang="en-US" sz="1400" b="0" dirty="0" smtClean="0">
+                <a:sym typeface="Arial"/>
+              </a:rPr>
+              <a:t>溫濕度感測</a:t>
+            </a:r>
+            <a:r>
+              <a:rPr lang="en-US" altLang="zh-TW" sz="1400" b="0" dirty="0" smtClean="0">
+                <a:sym typeface="Arial"/>
+              </a:rPr>
+              <a:t>","information":{"voltage":"2743.00","humidity":"22.40","temperature":"32.50"}}</a:t>
+            </a:r>
+          </a:p>
+          <a:p>
+            <a:pPr defTabSz="232196">
+              <a:lnSpc>
+                <a:spcPct val="115000"/>
+              </a:lnSpc>
+              <a:spcBef>
+                <a:spcPts val="300"/>
+              </a:spcBef>
+              <a:defRPr sz="1400">
+                <a:solidFill>
+                  <a:srgbClr val="585858"/>
+                </a:solidFill>
+                <a:latin typeface="Arial"/>
+                <a:ea typeface="Arial"/>
+                <a:cs typeface="Arial"/>
+                <a:sym typeface="Arial"/>
+              </a:defRPr>
+            </a:pPr>
+            <a:endParaRPr lang="en-US" altLang="zh-TW" sz="2400" b="0" dirty="0" smtClean="0">
+              <a:sym typeface="Arial"/>
+            </a:endParaRPr>
+          </a:p>
+          <a:p>
+            <a:pPr defTabSz="232196">
+              <a:lnSpc>
+                <a:spcPct val="115000"/>
+              </a:lnSpc>
+              <a:spcBef>
+                <a:spcPts val="300"/>
+              </a:spcBef>
+              <a:defRPr sz="1400">
+                <a:solidFill>
+                  <a:srgbClr val="585858"/>
+                </a:solidFill>
+                <a:latin typeface="Arial"/>
+                <a:ea typeface="Arial"/>
+                <a:cs typeface="Arial"/>
+                <a:sym typeface="Arial"/>
+              </a:defRPr>
+            </a:pPr>
+            <a:r>
+              <a:rPr lang="en-US" altLang="zh-TW" sz="2400" b="0" dirty="0" smtClean="0">
+                <a:sym typeface="Arial"/>
+              </a:rPr>
+              <a:t>Models/util.js</a:t>
+            </a:r>
+          </a:p>
+          <a:p>
+            <a:pPr defTabSz="232196">
+              <a:lnSpc>
+                <a:spcPct val="115000"/>
+              </a:lnSpc>
+              <a:spcBef>
+                <a:spcPts val="300"/>
+              </a:spcBef>
+              <a:defRPr sz="1400">
+                <a:solidFill>
+                  <a:srgbClr val="585858"/>
+                </a:solidFill>
+                <a:latin typeface="Arial"/>
+                <a:ea typeface="Arial"/>
+                <a:cs typeface="Arial"/>
+                <a:sym typeface="Arial"/>
+              </a:defRPr>
+            </a:pPr>
+            <a:r>
+              <a:rPr lang="en-US" altLang="zh-TW" sz="1400" b="0" dirty="0" smtClean="0">
+                <a:sym typeface="Arial"/>
+              </a:rPr>
+              <a:t>function </a:t>
+            </a:r>
+            <a:r>
+              <a:rPr lang="en-US" altLang="zh-TW" sz="1400" b="0" dirty="0" smtClean="0">
+                <a:sym typeface="Arial"/>
+              </a:rPr>
+              <a:t> </a:t>
+            </a:r>
+            <a:r>
+              <a:rPr lang="en-US" altLang="zh-TW" sz="1400" b="0" dirty="0" err="1" smtClean="0">
+                <a:sym typeface="Arial"/>
+              </a:rPr>
+              <a:t>parseMsgd</a:t>
+            </a:r>
+            <a:r>
+              <a:rPr lang="en-US" altLang="zh-TW" sz="1400" b="0" dirty="0" smtClean="0">
+                <a:sym typeface="Arial"/>
+              </a:rPr>
+              <a:t> (message) {</a:t>
+            </a:r>
+          </a:p>
+          <a:p>
+            <a:pPr defTabSz="232196">
+              <a:lnSpc>
+                <a:spcPct val="115000"/>
+              </a:lnSpc>
+              <a:spcBef>
+                <a:spcPts val="300"/>
+              </a:spcBef>
+              <a:defRPr sz="1400">
+                <a:solidFill>
+                  <a:srgbClr val="585858"/>
+                </a:solidFill>
+                <a:latin typeface="Arial"/>
+                <a:ea typeface="Arial"/>
+                <a:cs typeface="Arial"/>
+                <a:sym typeface="Arial"/>
+              </a:defRPr>
+            </a:pPr>
+            <a:r>
+              <a:rPr lang="zh-TW" altLang="en-US" sz="1400" b="0" dirty="0" smtClean="0">
+                <a:sym typeface="Arial"/>
+              </a:rPr>
+              <a:t>       </a:t>
+            </a:r>
+            <a:r>
+              <a:rPr lang="en-US" altLang="zh-TW" sz="1400" b="0" dirty="0" smtClean="0">
+                <a:sym typeface="Arial"/>
+              </a:rPr>
+              <a:t>:</a:t>
+            </a:r>
+          </a:p>
+          <a:p>
+            <a:pPr defTabSz="232196">
+              <a:lnSpc>
+                <a:spcPct val="115000"/>
+              </a:lnSpc>
+              <a:spcBef>
+                <a:spcPts val="300"/>
+              </a:spcBef>
+              <a:defRPr sz="1400">
+                <a:solidFill>
+                  <a:srgbClr val="585858"/>
+                </a:solidFill>
+                <a:latin typeface="Arial"/>
+                <a:ea typeface="Arial"/>
+                <a:cs typeface="Arial"/>
+                <a:sym typeface="Arial"/>
+              </a:defRPr>
+            </a:pPr>
+            <a:r>
+              <a:rPr lang="zh-TW" altLang="en-US" sz="1400" b="0" dirty="0" smtClean="0">
+                <a:sym typeface="Arial"/>
+              </a:rPr>
+              <a:t> </a:t>
+            </a:r>
+            <a:r>
+              <a:rPr lang="zh-TW" altLang="en-US" sz="1400" b="0" dirty="0" smtClean="0">
+                <a:sym typeface="Arial"/>
+              </a:rPr>
+              <a:t>      </a:t>
+            </a:r>
+            <a:r>
+              <a:rPr lang="en-US" altLang="zh-TW" sz="1400" b="0" dirty="0" err="1" smtClean="0">
+                <a:sym typeface="Arial"/>
+              </a:rPr>
+              <a:t>msg</a:t>
+            </a:r>
+            <a:r>
+              <a:rPr lang="en-US" altLang="zh-TW" sz="1400" b="0" dirty="0" smtClean="0">
+                <a:sym typeface="Arial"/>
+              </a:rPr>
+              <a:t> :</a:t>
+            </a:r>
+            <a:r>
+              <a:rPr lang="zh-TW" altLang="en-US" sz="1400" b="0" dirty="0" smtClean="0">
+                <a:sym typeface="Arial"/>
+              </a:rPr>
+              <a:t>解析</a:t>
+            </a:r>
+            <a:r>
+              <a:rPr lang="zh-TW" altLang="en-US" sz="1400" b="0" dirty="0" smtClean="0">
+                <a:sym typeface="Arial"/>
+              </a:rPr>
+              <a:t>資料</a:t>
+            </a:r>
+            <a:endParaRPr lang="en-US" altLang="zh-TW" sz="1400" b="0" dirty="0" smtClean="0">
+              <a:sym typeface="Arial"/>
+            </a:endParaRPr>
+          </a:p>
+          <a:p>
+            <a:pPr defTabSz="232196">
+              <a:lnSpc>
+                <a:spcPct val="115000"/>
+              </a:lnSpc>
+              <a:spcBef>
+                <a:spcPts val="300"/>
+              </a:spcBef>
+              <a:defRPr sz="1400">
+                <a:solidFill>
+                  <a:srgbClr val="585858"/>
+                </a:solidFill>
+                <a:latin typeface="Arial"/>
+                <a:ea typeface="Arial"/>
+                <a:cs typeface="Arial"/>
+                <a:sym typeface="Arial"/>
+              </a:defRPr>
+            </a:pPr>
+            <a:r>
+              <a:rPr lang="zh-TW" altLang="en-US" sz="1400" b="0" dirty="0" smtClean="0">
+                <a:sym typeface="Arial"/>
+              </a:rPr>
+              <a:t> </a:t>
+            </a:r>
+            <a:r>
+              <a:rPr lang="zh-TW" altLang="en-US" sz="1400" b="0" dirty="0" smtClean="0">
+                <a:sym typeface="Arial"/>
+              </a:rPr>
+              <a:t>      </a:t>
+            </a:r>
+            <a:r>
+              <a:rPr lang="en-US" altLang="zh-TW" sz="1400" b="0" dirty="0" smtClean="0">
+                <a:sym typeface="Arial"/>
+              </a:rPr>
+              <a:t>:</a:t>
+            </a:r>
+          </a:p>
+          <a:p>
+            <a:pPr defTabSz="232196">
+              <a:lnSpc>
+                <a:spcPct val="115000"/>
+              </a:lnSpc>
+              <a:spcBef>
+                <a:spcPts val="300"/>
+              </a:spcBef>
+              <a:defRPr sz="1400">
+                <a:solidFill>
+                  <a:srgbClr val="585858"/>
+                </a:solidFill>
+                <a:latin typeface="Arial"/>
+                <a:ea typeface="Arial"/>
+                <a:cs typeface="Arial"/>
+                <a:sym typeface="Arial"/>
+              </a:defRPr>
+            </a:pPr>
+            <a:r>
+              <a:rPr lang="en-US" altLang="zh-TW" sz="1400" b="0" dirty="0" smtClean="0">
+                <a:sym typeface="Arial"/>
+              </a:rPr>
+              <a:t> </a:t>
+            </a:r>
+            <a:r>
+              <a:rPr lang="zh-TW" altLang="en-US" sz="1400" b="0" dirty="0" smtClean="0">
+                <a:sym typeface="Arial"/>
+              </a:rPr>
+              <a:t>      </a:t>
+            </a:r>
+            <a:r>
+              <a:rPr lang="en-US" altLang="zh-TW" sz="1400" b="0" dirty="0" err="1" smtClean="0">
+                <a:sym typeface="Arial"/>
+              </a:rPr>
+              <a:t>finalList</a:t>
+            </a:r>
+            <a:r>
+              <a:rPr lang="en-US" altLang="zh-TW" sz="1400" b="0" dirty="0" smtClean="0">
+                <a:sym typeface="Arial"/>
+              </a:rPr>
+              <a:t>[</a:t>
+            </a:r>
+            <a:r>
+              <a:rPr lang="en-US" altLang="zh-TW" sz="1400" b="0" dirty="0" err="1" smtClean="0">
+                <a:sym typeface="Arial"/>
+              </a:rPr>
+              <a:t>mMac</a:t>
+            </a:r>
+            <a:r>
+              <a:rPr lang="en-US" altLang="zh-TW" sz="1400" b="0" dirty="0" smtClean="0">
+                <a:sym typeface="Arial"/>
+              </a:rPr>
+              <a:t>]=</a:t>
+            </a:r>
+            <a:r>
+              <a:rPr lang="en-US" altLang="zh-TW" sz="1400" b="0" dirty="0" err="1" smtClean="0">
+                <a:sym typeface="Arial"/>
+              </a:rPr>
+              <a:t>msg</a:t>
+            </a:r>
+            <a:r>
+              <a:rPr lang="en-US" altLang="zh-TW" sz="1400" b="0" dirty="0" smtClean="0">
+                <a:sym typeface="Arial"/>
+              </a:rPr>
+              <a:t>;</a:t>
+            </a:r>
+          </a:p>
+          <a:p>
+            <a:pPr defTabSz="232196">
+              <a:lnSpc>
+                <a:spcPct val="115000"/>
+              </a:lnSpc>
+              <a:spcBef>
+                <a:spcPts val="300"/>
+              </a:spcBef>
+              <a:defRPr sz="1400">
+                <a:solidFill>
+                  <a:srgbClr val="585858"/>
+                </a:solidFill>
+                <a:latin typeface="Arial"/>
+                <a:ea typeface="Arial"/>
+                <a:cs typeface="Arial"/>
+                <a:sym typeface="Arial"/>
+              </a:defRPr>
+            </a:pPr>
+            <a:r>
+              <a:rPr lang="en-US" altLang="zh-TW" sz="1400" b="0" dirty="0" smtClean="0">
+                <a:sym typeface="Arial"/>
+              </a:rPr>
+              <a:t>}</a:t>
+            </a:r>
+            <a:endParaRPr lang="en-US" altLang="zh-TW" sz="1400" b="0" dirty="0" smtClean="0">
+              <a:sym typeface="Arial"/>
+            </a:endParaRPr>
+          </a:p>
+          <a:p>
+            <a:pPr defTabSz="232196">
+              <a:lnSpc>
+                <a:spcPct val="115000"/>
+              </a:lnSpc>
+              <a:spcBef>
+                <a:spcPts val="300"/>
+              </a:spcBef>
+              <a:defRPr sz="1400">
+                <a:solidFill>
+                  <a:srgbClr val="585858"/>
+                </a:solidFill>
+                <a:latin typeface="Arial"/>
+                <a:ea typeface="Arial"/>
+                <a:cs typeface="Arial"/>
+                <a:sym typeface="Arial"/>
+              </a:defRPr>
+            </a:pPr>
+            <a:endParaRPr lang="en-US" altLang="zh-TW" sz="2400" b="0" dirty="0" smtClean="0">
+              <a:sym typeface="Arial"/>
+            </a:endParaRPr>
+          </a:p>
+          <a:p>
+            <a:pPr defTabSz="232196">
+              <a:lnSpc>
+                <a:spcPct val="115000"/>
+              </a:lnSpc>
+              <a:spcBef>
+                <a:spcPts val="300"/>
+              </a:spcBef>
+              <a:defRPr sz="1400">
+                <a:solidFill>
+                  <a:srgbClr val="585858"/>
+                </a:solidFill>
+                <a:latin typeface="Arial"/>
+                <a:ea typeface="Arial"/>
+                <a:cs typeface="Arial"/>
+                <a:sym typeface="Arial"/>
+              </a:defRPr>
+            </a:pPr>
             <a:endParaRPr lang="en-US" altLang="zh-TW" sz="1800" dirty="0" smtClean="0">
               <a:sym typeface="Arial"/>
             </a:endParaRPr>
           </a:p>
-        </p:txBody>
-      </p:sp>
-      <p:pic>
-        <p:nvPicPr>
-          <p:cNvPr id="4098" name="Picture 2"/>
-          <p:cNvPicPr>
-            <a:picLocks noChangeAspect="1" noChangeArrowheads="1"/>
-          </p:cNvPicPr>
-          <p:nvPr/>
-        </p:nvPicPr>
-        <p:blipFill>
-          <a:blip r:embed="rId2" cstate="print"/>
-          <a:srcRect/>
-          <a:stretch>
-            <a:fillRect/>
-          </a:stretch>
-        </p:blipFill>
-        <p:spPr bwMode="auto">
-          <a:xfrm>
-            <a:off x="583096" y="2756452"/>
-            <a:ext cx="7871791" cy="4101548"/>
-          </a:xfrm>
-          <a:prstGeom prst="rect">
-            <a:avLst/>
-          </a:prstGeom>
-          <a:noFill/>
-          <a:ln w="9525">
-            <a:noFill/>
-            <a:miter lim="800000"/>
-            <a:headEnd/>
-            <a:tailEnd/>
-          </a:ln>
-        </p:spPr>
-      </p:pic>
-    </p:spTree>
-  </p:cSld>
-  <p:clrMapOvr>
-    <a:masterClrMapping/>
-  </p:clrMapOvr>
-  <p:transition spd="slow"/>
-  <p:timing>
-    <p:tnLst>
-      <p:par>
-        <p:cTn id="1" dur="indefinite" restart="never" nodeType="tmRoot"/>
-      </p:par>
-    </p:tnLst>
-  </p:timing>
-</p:sld>
-</file>
-
-<file path=ppt/slides/slide48.xml><?xml version="1.0" encoding="utf-8"?>
-<p:sld xmlns:a="http://schemas.openxmlformats.org/drawingml/2006/main" xmlns:r="http://schemas.openxmlformats.org/officeDocument/2006/relationships" xmlns:p="http://schemas.openxmlformats.org/presentationml/2006/main">
-  <p:cSld>
-    <p:spTree>
-      <p:nvGrpSpPr>
-        <p:cNvPr id="1" name=""/>
-        <p:cNvGrpSpPr/>
-        <p:nvPr/>
-      </p:nvGrpSpPr>
-      <p:grpSpPr>
-        <a:xfrm>
-          <a:off x="0" y="0"/>
-          <a:ext cx="0" cy="0"/>
-          <a:chOff x="0" y="0"/>
-          <a:chExt cx="0" cy="0"/>
-        </a:xfrm>
-      </p:grpSpPr>
-      <p:sp>
-        <p:nvSpPr>
-          <p:cNvPr id="497" name="Shape 497"/>
-          <p:cNvSpPr>
-            <a:spLocks noGrp="1"/>
-          </p:cNvSpPr>
-          <p:nvPr>
-            <p:ph type="title"/>
-          </p:nvPr>
-        </p:nvSpPr>
-        <p:spPr>
-          <a:xfrm>
-            <a:off x="685798" y="0"/>
-            <a:ext cx="7772404" cy="899915"/>
-          </a:xfrm>
-          <a:prstGeom prst="rect">
-            <a:avLst/>
-          </a:prstGeom>
-        </p:spPr>
-        <p:txBody>
-          <a:bodyPr>
-            <a:normAutofit fontScale="90000"/>
-          </a:bodyPr>
-          <a:lstStyle>
-            <a:lvl1pPr algn="ctr">
-              <a:defRPr sz="4800" b="0" cap="none">
-                <a:solidFill>
-                  <a:srgbClr val="FFFFFF"/>
-                </a:solidFill>
-              </a:defRPr>
-            </a:lvl1pPr>
-          </a:lstStyle>
-          <a:p>
-            <a:r>
-              <a:rPr lang="zh-TW" altLang="en-US" dirty="0" smtClean="0"/>
-              <a:t>服務器端 </a:t>
-            </a:r>
-            <a:r>
-              <a:rPr lang="en-US" altLang="zh-TW" dirty="0" smtClean="0"/>
-              <a:t>Node-Red </a:t>
-            </a:r>
-            <a:r>
-              <a:rPr lang="en-US" altLang="zh-TW" dirty="0" err="1" smtClean="0"/>
-              <a:t>Websocket</a:t>
-            </a:r>
-            <a:endParaRPr dirty="0"/>
-          </a:p>
-        </p:txBody>
-      </p:sp>
-      <p:sp>
-        <p:nvSpPr>
-          <p:cNvPr id="498" name="Shape 498"/>
-          <p:cNvSpPr>
-            <a:spLocks noGrp="1"/>
-          </p:cNvSpPr>
-          <p:nvPr>
-            <p:ph type="body" idx="1"/>
-          </p:nvPr>
-        </p:nvSpPr>
-        <p:spPr>
-          <a:xfrm>
-            <a:off x="685798" y="1255562"/>
-            <a:ext cx="7772404" cy="4713390"/>
-          </a:xfrm>
-          <a:prstGeom prst="rect">
-            <a:avLst/>
-          </a:prstGeom>
-        </p:spPr>
-        <p:txBody>
-          <a:bodyPr anchor="t"/>
-          <a:lstStyle/>
-          <a:p>
-            <a:r>
-              <a:rPr lang="en-US" altLang="zh-TW" b="0" dirty="0" err="1" smtClean="0"/>
-              <a:t>WebSocket</a:t>
-            </a:r>
-            <a:r>
-              <a:rPr lang="zh-TW" altLang="en-US" b="0" dirty="0" smtClean="0"/>
-              <a:t>輸入節點。</a:t>
-            </a:r>
-          </a:p>
-          <a:p>
-            <a:r>
-              <a:rPr lang="zh-TW" altLang="en-US" b="0" dirty="0" smtClean="0"/>
-              <a:t>默認情況下，從</a:t>
-            </a:r>
-            <a:r>
-              <a:rPr lang="en-US" altLang="zh-TW" b="0" dirty="0" err="1" smtClean="0"/>
-              <a:t>WebSocket</a:t>
-            </a:r>
-            <a:r>
-              <a:rPr lang="zh-TW" altLang="en-US" b="0" dirty="0" smtClean="0"/>
-              <a:t>接收的數據將位於</a:t>
-            </a:r>
-            <a:r>
-              <a:rPr lang="en-US" altLang="zh-TW" b="0" dirty="0" err="1" smtClean="0"/>
-              <a:t>msg.payload</a:t>
-            </a:r>
-            <a:r>
-              <a:rPr lang="zh-TW" altLang="en-US" b="0" dirty="0" smtClean="0"/>
-              <a:t>中。 可以將套接字配置為期望正確形成的</a:t>
-            </a:r>
-            <a:r>
-              <a:rPr lang="en-US" altLang="zh-TW" b="0" dirty="0" smtClean="0"/>
-              <a:t>JSON</a:t>
-            </a:r>
-            <a:r>
-              <a:rPr lang="zh-TW" altLang="en-US" b="0" dirty="0" smtClean="0"/>
-              <a:t>字符串，在這種情況下，它將解析</a:t>
-            </a:r>
-            <a:r>
-              <a:rPr lang="en-US" altLang="zh-TW" b="0" dirty="0" smtClean="0"/>
-              <a:t>JSON</a:t>
-            </a:r>
-            <a:r>
-              <a:rPr lang="zh-TW" altLang="en-US" b="0" dirty="0" smtClean="0"/>
-              <a:t>並將結果對像作為整個消息發送。</a:t>
-            </a:r>
-            <a:endParaRPr lang="en-US" altLang="zh-TW" b="0" dirty="0" smtClean="0"/>
-          </a:p>
-        </p:txBody>
-      </p:sp>
-      <p:pic>
-        <p:nvPicPr>
-          <p:cNvPr id="6146" name="Picture 2"/>
-          <p:cNvPicPr>
-            <a:picLocks noChangeAspect="1" noChangeArrowheads="1"/>
-          </p:cNvPicPr>
-          <p:nvPr/>
-        </p:nvPicPr>
-        <p:blipFill>
-          <a:blip r:embed="rId2" cstate="print"/>
-          <a:srcRect/>
-          <a:stretch>
-            <a:fillRect/>
-          </a:stretch>
-        </p:blipFill>
-        <p:spPr bwMode="auto">
-          <a:xfrm>
-            <a:off x="490330" y="2577105"/>
-            <a:ext cx="8269357" cy="4280895"/>
-          </a:xfrm>
-          <a:prstGeom prst="rect">
-            <a:avLst/>
-          </a:prstGeom>
-          <a:noFill/>
-          <a:ln w="9525">
-            <a:noFill/>
-            <a:miter lim="800000"/>
-            <a:headEnd/>
-            <a:tailEnd/>
-          </a:ln>
-        </p:spPr>
-      </p:pic>
-    </p:spTree>
-  </p:cSld>
-  <p:clrMapOvr>
-    <a:masterClrMapping/>
-  </p:clrMapOvr>
-  <p:transition spd="slow"/>
-  <p:timing>
-    <p:tnLst>
-      <p:par>
-        <p:cTn id="1" dur="indefinite" restart="never" nodeType="tmRoot"/>
-      </p:par>
-    </p:tnLst>
-  </p:timing>
-</p:sld>
-</file>
-
-<file path=ppt/slides/slide49.xml><?xml version="1.0" encoding="utf-8"?>
-<p:sld xmlns:a="http://schemas.openxmlformats.org/drawingml/2006/main" xmlns:r="http://schemas.openxmlformats.org/officeDocument/2006/relationships" xmlns:p="http://schemas.openxmlformats.org/presentationml/2006/main">
-  <p:cSld>
-    <p:spTree>
-      <p:nvGrpSpPr>
-        <p:cNvPr id="1" name=""/>
-        <p:cNvGrpSpPr/>
-        <p:nvPr/>
-      </p:nvGrpSpPr>
-      <p:grpSpPr>
-        <a:xfrm>
-          <a:off x="0" y="0"/>
-          <a:ext cx="0" cy="0"/>
-          <a:chOff x="0" y="0"/>
-          <a:chExt cx="0" cy="0"/>
-        </a:xfrm>
-      </p:grpSpPr>
-      <p:sp>
-        <p:nvSpPr>
-          <p:cNvPr id="497" name="Shape 497"/>
-          <p:cNvSpPr>
-            <a:spLocks noGrp="1"/>
-          </p:cNvSpPr>
-          <p:nvPr>
-            <p:ph type="title"/>
-          </p:nvPr>
-        </p:nvSpPr>
-        <p:spPr>
-          <a:xfrm>
-            <a:off x="685798" y="266699"/>
-            <a:ext cx="7772404" cy="899915"/>
-          </a:xfrm>
-          <a:prstGeom prst="rect">
-            <a:avLst/>
-          </a:prstGeom>
-        </p:spPr>
-        <p:txBody>
-          <a:bodyPr>
-            <a:normAutofit fontScale="90000"/>
-          </a:bodyPr>
-          <a:lstStyle>
-            <a:lvl1pPr algn="ctr">
-              <a:defRPr sz="4800" b="0" cap="none">
-                <a:solidFill>
-                  <a:srgbClr val="FFFFFF"/>
-                </a:solidFill>
-              </a:defRPr>
-            </a:lvl1pPr>
-          </a:lstStyle>
-          <a:p>
-            <a:r>
-              <a:rPr lang="en-US" altLang="zh-TW" dirty="0" err="1" smtClean="0"/>
-              <a:t>WebSocket</a:t>
-            </a:r>
-            <a:r>
-              <a:rPr lang="zh-TW" altLang="en-US" dirty="0" smtClean="0"/>
-              <a:t>客戶端的簡單示例</a:t>
-            </a:r>
-            <a:endParaRPr dirty="0"/>
-          </a:p>
-        </p:txBody>
-      </p:sp>
-      <p:sp>
-        <p:nvSpPr>
-          <p:cNvPr id="498" name="Shape 498"/>
-          <p:cNvSpPr>
-            <a:spLocks noGrp="1"/>
-          </p:cNvSpPr>
-          <p:nvPr>
-            <p:ph type="body" idx="1"/>
-          </p:nvPr>
-        </p:nvSpPr>
-        <p:spPr>
-          <a:xfrm>
-            <a:off x="685798" y="1255562"/>
-            <a:ext cx="7772404" cy="4713390"/>
-          </a:xfrm>
-          <a:prstGeom prst="rect">
-            <a:avLst/>
-          </a:prstGeom>
-        </p:spPr>
-        <p:txBody>
-          <a:bodyPr anchor="t"/>
-          <a:lstStyle/>
-          <a:p>
-            <a:endParaRPr lang="en-US" altLang="zh-TW" b="0" dirty="0"/>
-          </a:p>
-        </p:txBody>
-      </p:sp>
-      <p:pic>
-        <p:nvPicPr>
-          <p:cNvPr id="5122" name="Picture 2"/>
-          <p:cNvPicPr>
-            <a:picLocks noChangeAspect="1" noChangeArrowheads="1"/>
-          </p:cNvPicPr>
-          <p:nvPr/>
-        </p:nvPicPr>
-        <p:blipFill>
-          <a:blip r:embed="rId2" cstate="print"/>
-          <a:srcRect/>
-          <a:stretch>
-            <a:fillRect/>
-          </a:stretch>
-        </p:blipFill>
-        <p:spPr bwMode="auto">
-          <a:xfrm>
-            <a:off x="313147" y="1258956"/>
-            <a:ext cx="8485304" cy="4797287"/>
-          </a:xfrm>
-          <a:prstGeom prst="rect">
-            <a:avLst/>
-          </a:prstGeom>
-          <a:noFill/>
-          <a:ln w="9525">
-            <a:noFill/>
-            <a:miter lim="800000"/>
-            <a:headEnd/>
-            <a:tailEnd/>
-          </a:ln>
-        </p:spPr>
-      </p:pic>
-    </p:spTree>
-  </p:cSld>
-  <p:clrMapOvr>
-    <a:masterClrMapping/>
-  </p:clrMapOvr>
-  <p:transition spd="slow"/>
-  <p:timing>
-    <p:tnLst>
-      <p:par>
-        <p:cTn id="1" dur="indefinite" restart="never" nodeType="tmRoot"/>
-      </p:par>
-    </p:tnLst>
-  </p:timing>
-</p:sld>
-</file>
-
-<file path=ppt/slides/slide5.xml><?xml version="1.0" encoding="utf-8"?>
-<p:sld xmlns:a="http://schemas.openxmlformats.org/drawingml/2006/main" xmlns:r="http://schemas.openxmlformats.org/officeDocument/2006/relationships" xmlns:p="http://schemas.openxmlformats.org/presentationml/2006/main">
-  <p:cSld>
-    <p:spTree>
-      <p:nvGrpSpPr>
-        <p:cNvPr id="1" name=""/>
-        <p:cNvGrpSpPr/>
-        <p:nvPr/>
-      </p:nvGrpSpPr>
-      <p:grpSpPr>
-        <a:xfrm>
-          <a:off x="0" y="0"/>
-          <a:ext cx="0" cy="0"/>
-          <a:chOff x="0" y="0"/>
-          <a:chExt cx="0" cy="0"/>
-        </a:xfrm>
-      </p:grpSpPr>
-      <p:sp>
-        <p:nvSpPr>
-          <p:cNvPr id="254" name="Shape 254"/>
-          <p:cNvSpPr>
-            <a:spLocks noGrp="1"/>
-          </p:cNvSpPr>
-          <p:nvPr>
-            <p:ph type="body" idx="1"/>
-          </p:nvPr>
-        </p:nvSpPr>
-        <p:spPr>
-          <a:xfrm>
-            <a:off x="586403" y="1424433"/>
-            <a:ext cx="7772401" cy="4645920"/>
-          </a:xfrm>
-          <a:prstGeom prst="rect">
-            <a:avLst/>
-          </a:prstGeom>
-        </p:spPr>
-        <p:txBody>
-          <a:bodyPr anchor="t"/>
-          <a:lstStyle/>
-          <a:p>
-            <a:r>
-              <a:rPr lang="en-US" altLang="zh-TW" dirty="0" smtClean="0"/>
-              <a:t>Node.js</a:t>
-            </a:r>
-            <a:r>
-              <a:rPr lang="zh-TW" altLang="en-US" b="0" dirty="0" smtClean="0"/>
-              <a:t>是一個能夠在</a:t>
-            </a:r>
-            <a:r>
-              <a:rPr lang="zh-TW" altLang="en-US" b="0" dirty="0" smtClean="0">
-                <a:hlinkClick r:id="rId2" tooltip="伺服器"/>
-              </a:rPr>
-              <a:t>伺服器</a:t>
-            </a:r>
-            <a:r>
-              <a:rPr lang="zh-TW" altLang="en-US" b="0" dirty="0" smtClean="0"/>
-              <a:t>端運行</a:t>
-            </a:r>
-            <a:r>
-              <a:rPr lang="en-US" altLang="zh-TW" b="0" dirty="0" smtClean="0">
-                <a:hlinkClick r:id="rId3" tooltip="JavaScript"/>
-              </a:rPr>
-              <a:t>JavaScript</a:t>
-            </a:r>
-            <a:r>
-              <a:rPr lang="zh-TW" altLang="en-US" b="0" dirty="0" smtClean="0"/>
-              <a:t>的</a:t>
-            </a:r>
-            <a:r>
-              <a:rPr lang="zh-TW" altLang="en-US" b="0" dirty="0" smtClean="0">
-                <a:hlinkClick r:id="rId4" tooltip="開放原始碼"/>
-              </a:rPr>
-              <a:t>開放原始碼</a:t>
-            </a:r>
-            <a:r>
-              <a:rPr lang="zh-TW" altLang="en-US" b="0" dirty="0" smtClean="0"/>
-              <a:t>、</a:t>
-            </a:r>
-            <a:r>
-              <a:rPr lang="zh-TW" altLang="en-US" b="0" dirty="0" smtClean="0">
-                <a:hlinkClick r:id="rId5" tooltip="跨平台"/>
-              </a:rPr>
-              <a:t>跨平台</a:t>
-            </a:r>
-            <a:r>
-              <a:rPr lang="en-US" altLang="zh-TW" b="0" dirty="0" smtClean="0"/>
-              <a:t>JavaScript </a:t>
-            </a:r>
-            <a:r>
-              <a:rPr lang="zh-TW" altLang="en-US" b="0" dirty="0" smtClean="0">
-                <a:hlinkClick r:id="rId6" tooltip="執行環境"/>
-              </a:rPr>
-              <a:t>執行環境</a:t>
-            </a:r>
-            <a:r>
-              <a:rPr lang="zh-TW" altLang="en-US" b="0" dirty="0" smtClean="0"/>
-              <a:t>。</a:t>
-            </a:r>
-            <a:r>
-              <a:rPr lang="en-US" altLang="zh-TW" b="0" dirty="0" smtClean="0"/>
-              <a:t>Node.js</a:t>
-            </a:r>
-            <a:r>
-              <a:rPr lang="zh-TW" altLang="en-US" b="0" dirty="0" smtClean="0"/>
-              <a:t>由</a:t>
-            </a:r>
-            <a:r>
-              <a:rPr lang="en-US" altLang="zh-TW" b="0" dirty="0" smtClean="0"/>
-              <a:t>Node.js</a:t>
-            </a:r>
-            <a:r>
-              <a:rPr lang="zh-TW" altLang="en-US" b="0" dirty="0" smtClean="0"/>
-              <a:t>基金會持有和維護</a:t>
-            </a:r>
-            <a:r>
-              <a:rPr lang="en-US" altLang="zh-TW" b="0" baseline="30000" dirty="0" smtClean="0">
-                <a:hlinkClick r:id="rId7"/>
-              </a:rPr>
-              <a:t>[3]</a:t>
-            </a:r>
-            <a:r>
-              <a:rPr lang="zh-TW" altLang="en-US" b="0" dirty="0" smtClean="0"/>
-              <a:t>，並與</a:t>
-            </a:r>
-            <a:r>
-              <a:rPr lang="en-US" altLang="zh-TW" b="0" dirty="0" smtClean="0">
-                <a:hlinkClick r:id="rId8" tooltip="Linux基金會"/>
-              </a:rPr>
-              <a:t>Linux</a:t>
-            </a:r>
-            <a:r>
-              <a:rPr lang="zh-TW" altLang="en-US" b="0" dirty="0" smtClean="0">
-                <a:hlinkClick r:id="rId8" tooltip="Linux基金會"/>
-              </a:rPr>
-              <a:t>基金會</a:t>
-            </a:r>
-            <a:r>
-              <a:rPr lang="zh-TW" altLang="en-US" b="0" dirty="0" smtClean="0"/>
-              <a:t>有合作關係</a:t>
-            </a:r>
-            <a:r>
-              <a:rPr lang="en-US" altLang="zh-TW" b="0" baseline="30000" dirty="0" smtClean="0">
-                <a:hlinkClick r:id="rId9"/>
-              </a:rPr>
-              <a:t>[4]</a:t>
-            </a:r>
-            <a:r>
-              <a:rPr lang="zh-TW" altLang="en-US" b="0" dirty="0" smtClean="0"/>
-              <a:t>。</a:t>
-            </a:r>
-            <a:r>
-              <a:rPr lang="en-US" altLang="zh-TW" b="0" dirty="0" smtClean="0"/>
-              <a:t>Node.js</a:t>
-            </a:r>
-            <a:r>
-              <a:rPr lang="zh-TW" altLang="en-US" b="0" dirty="0" smtClean="0"/>
-              <a:t>採用</a:t>
-            </a:r>
-            <a:r>
-              <a:rPr lang="en-US" altLang="zh-TW" b="0" dirty="0" smtClean="0">
-                <a:hlinkClick r:id="rId10" tooltip="Google"/>
-              </a:rPr>
-              <a:t>Google</a:t>
-            </a:r>
-            <a:r>
-              <a:rPr lang="zh-TW" altLang="en-US" b="0" dirty="0" smtClean="0"/>
-              <a:t>開發的</a:t>
-            </a:r>
-            <a:r>
-              <a:rPr lang="en-US" altLang="zh-TW" b="0" dirty="0" smtClean="0">
-                <a:hlinkClick r:id="rId11" tooltip="V8 (JavaScript引擎)"/>
-              </a:rPr>
-              <a:t>V8</a:t>
-            </a:r>
-            <a:r>
-              <a:rPr lang="zh-TW" altLang="en-US" b="0" dirty="0" smtClean="0"/>
-              <a:t>執行程式碼，使用</a:t>
-            </a:r>
-            <a:r>
-              <a:rPr lang="zh-TW" altLang="en-US" b="0" dirty="0" smtClean="0">
-                <a:hlinkClick r:id="rId12" tooltip="事件驅動"/>
-              </a:rPr>
-              <a:t>事件驅動</a:t>
-            </a:r>
-            <a:r>
-              <a:rPr lang="zh-TW" altLang="en-US" b="0" dirty="0" smtClean="0"/>
-              <a:t>、</a:t>
-            </a:r>
-            <a:r>
-              <a:rPr lang="zh-TW" altLang="en-US" b="0" dirty="0" smtClean="0">
-                <a:hlinkClick r:id="rId13" tooltip="非阻塞（頁面不存在）"/>
-              </a:rPr>
-              <a:t>非阻塞</a:t>
-            </a:r>
-            <a:r>
-              <a:rPr lang="zh-TW" altLang="en-US" b="0" dirty="0" smtClean="0"/>
-              <a:t>和 </a:t>
-            </a:r>
-            <a:r>
-              <a:rPr lang="zh-TW" altLang="en-US" b="0" dirty="0" smtClean="0">
-                <a:hlinkClick r:id="rId14" tooltip="非同步輸入輸出（頁面不存在）"/>
-              </a:rPr>
-              <a:t>非同步輸入輸出</a:t>
-            </a:r>
-            <a:r>
-              <a:rPr lang="zh-TW" altLang="en-US" b="0" dirty="0" smtClean="0"/>
-              <a:t>模型等技術來提高效能，可最佳化應用程式的傳輸量和規模。這些技術通常用於資料密集的即時應用程式。</a:t>
-            </a:r>
-            <a:endParaRPr lang="en-US" altLang="zh-TW" b="0" dirty="0" smtClean="0"/>
-          </a:p>
-          <a:p>
-            <a:endParaRPr lang="zh-TW" altLang="en-US" b="0" dirty="0" smtClean="0"/>
-          </a:p>
-          <a:p>
-            <a:r>
-              <a:rPr lang="en-US" altLang="zh-TW" b="0" dirty="0" smtClean="0"/>
-              <a:t>Node.js</a:t>
-            </a:r>
-            <a:r>
-              <a:rPr lang="zh-TW" altLang="en-US" b="0" dirty="0" smtClean="0"/>
-              <a:t>大部分基本模組都用</a:t>
-            </a:r>
-            <a:r>
-              <a:rPr lang="en-US" altLang="zh-TW" b="0" dirty="0" smtClean="0"/>
-              <a:t>JavaScript</a:t>
-            </a:r>
-            <a:r>
-              <a:rPr lang="zh-TW" altLang="en-US" b="0" dirty="0" smtClean="0"/>
-              <a:t>語言編寫。在</a:t>
-            </a:r>
-            <a:r>
-              <a:rPr lang="en-US" altLang="zh-TW" b="0" dirty="0" smtClean="0"/>
-              <a:t>Node.js</a:t>
-            </a:r>
-            <a:r>
-              <a:rPr lang="zh-TW" altLang="en-US" b="0" dirty="0" smtClean="0"/>
-              <a:t>出現之前，</a:t>
-            </a:r>
-            <a:r>
-              <a:rPr lang="en-US" altLang="zh-TW" b="0" dirty="0" smtClean="0"/>
-              <a:t>JavaScript</a:t>
-            </a:r>
-            <a:r>
-              <a:rPr lang="zh-TW" altLang="en-US" b="0" dirty="0" smtClean="0"/>
-              <a:t>通常作為用戶端程式設計語言使用，以</a:t>
-            </a:r>
-            <a:r>
-              <a:rPr lang="en-US" altLang="zh-TW" b="0" dirty="0" smtClean="0"/>
-              <a:t>JavaScript</a:t>
-            </a:r>
-            <a:r>
-              <a:rPr lang="zh-TW" altLang="en-US" b="0" dirty="0" smtClean="0"/>
-              <a:t>寫出的程式常在用戶的瀏覽器上執行。</a:t>
-            </a:r>
-            <a:r>
-              <a:rPr lang="en-US" altLang="zh-TW" b="0" dirty="0" smtClean="0"/>
-              <a:t>Node.js</a:t>
-            </a:r>
-            <a:r>
-              <a:rPr lang="zh-TW" altLang="en-US" b="0" dirty="0" smtClean="0"/>
-              <a:t>的出現使</a:t>
-            </a:r>
-            <a:r>
-              <a:rPr lang="en-US" altLang="zh-TW" b="0" dirty="0" smtClean="0"/>
-              <a:t>JavaScript</a:t>
-            </a:r>
-            <a:r>
-              <a:rPr lang="zh-TW" altLang="en-US" b="0" dirty="0" smtClean="0"/>
-              <a:t>也能用於伺服器端編程。</a:t>
-            </a:r>
-            <a:r>
-              <a:rPr lang="en-US" altLang="zh-TW" b="0" dirty="0" smtClean="0"/>
-              <a:t>Node.js</a:t>
-            </a:r>
-            <a:r>
-              <a:rPr lang="zh-TW" altLang="en-US" b="0" dirty="0" smtClean="0"/>
-              <a:t>含有一系列內置模組，使得程式可以脫離</a:t>
-            </a:r>
-            <a:r>
-              <a:rPr lang="en-US" altLang="zh-TW" b="0" dirty="0" smtClean="0">
-                <a:hlinkClick r:id="rId15" tooltip="Apache HTTP Server"/>
-              </a:rPr>
-              <a:t>Apache HTTP Server</a:t>
-            </a:r>
-            <a:r>
-              <a:rPr lang="zh-TW" altLang="en-US" b="0" dirty="0" smtClean="0"/>
-              <a:t>或</a:t>
-            </a:r>
-            <a:r>
-              <a:rPr lang="en-US" altLang="zh-TW" b="0" dirty="0" smtClean="0">
-                <a:hlinkClick r:id="rId16" tooltip="IIS"/>
-              </a:rPr>
-              <a:t>IIS</a:t>
-            </a:r>
-            <a:r>
-              <a:rPr lang="zh-TW" altLang="en-US" b="0" dirty="0" smtClean="0"/>
-              <a:t>，作為獨立伺服器執行。</a:t>
-            </a:r>
-          </a:p>
-          <a:p>
-            <a:pPr defTabSz="694944">
+          <a:p>
+            <a:pPr defTabSz="232196">
               <a:lnSpc>
                 <a:spcPct val="115000"/>
               </a:lnSpc>
               <a:spcBef>
-                <a:spcPts val="1200"/>
-              </a:spcBef>
-              <a:defRPr sz="2400" u="sng">
-                <a:solidFill>
-                  <a:srgbClr val="0000FF"/>
-                </a:solidFill>
-                <a:uFill>
-                  <a:solidFill>
-                    <a:srgbClr val="0000FF"/>
-                  </a:solidFill>
-                </a:uFill>
+                <a:spcPts val="300"/>
+              </a:spcBef>
+              <a:defRPr sz="1400">
+                <a:solidFill>
+                  <a:srgbClr val="585858"/>
+                </a:solidFill>
                 <a:latin typeface="Arial"/>
                 <a:ea typeface="Arial"/>
                 <a:cs typeface="Arial"/>
                 <a:sym typeface="Arial"/>
               </a:defRPr>
             </a:pPr>
-            <a:endParaRPr dirty="0"/>
-          </a:p>
-        </p:txBody>
-      </p:sp>
-      <p:sp>
-        <p:nvSpPr>
-          <p:cNvPr id="255" name="Shape 255"/>
-          <p:cNvSpPr/>
-          <p:nvPr/>
-        </p:nvSpPr>
-        <p:spPr>
-          <a:xfrm>
-            <a:off x="531812" y="240409"/>
-            <a:ext cx="7772401" cy="596897"/>
-          </a:xfrm>
-          <a:prstGeom prst="rect">
-            <a:avLst/>
-          </a:prstGeom>
-          <a:ln w="12700">
-            <a:miter lim="400000"/>
-          </a:ln>
-          <a:extLst>
-            <a:ext uri="{C572A759-6A51-4108-AA02-DFA0A04FC94B}">
-              <ma14:wrappingTextBoxFlag xmlns:ma14="http://schemas.microsoft.com/office/mac/drawingml/2011/main" xmlns="" val="1"/>
-            </a:ext>
-          </a:extLst>
-        </p:spPr>
-        <p:txBody>
-          <a:bodyPr lIns="45718" tIns="45718" rIns="45718" bIns="45718" anchor="ctr">
-            <a:normAutofit fontScale="92500" lnSpcReduction="20000"/>
-          </a:bodyPr>
-          <a:lstStyle>
-            <a:lvl1pPr algn="ctr" defTabSz="877822">
-              <a:defRPr sz="4000">
-                <a:solidFill>
-                  <a:srgbClr val="FFFFFF"/>
+            <a:endParaRPr lang="en-US" altLang="zh-TW" sz="1800" dirty="0" smtClean="0">
+              <a:sym typeface="Arial"/>
+            </a:endParaRPr>
+          </a:p>
+          <a:p>
+            <a:pPr defTabSz="232196">
+              <a:lnSpc>
+                <a:spcPct val="115000"/>
+              </a:lnSpc>
+              <a:spcBef>
+                <a:spcPts val="300"/>
+              </a:spcBef>
+              <a:defRPr sz="1400">
+                <a:solidFill>
+                  <a:srgbClr val="585858"/>
                 </a:solidFill>
                 <a:latin typeface="Arial"/>
                 <a:ea typeface="Arial"/>
                 <a:cs typeface="Arial"/>
                 <a:sym typeface="Arial"/>
               </a:defRPr>
-            </a:lvl1pPr>
-          </a:lstStyle>
-          <a:p>
-            <a:r>
-              <a:rPr lang="en-US" dirty="0" smtClean="0"/>
-              <a:t>Nodejs</a:t>
-            </a:r>
-            <a:endParaRPr dirty="0"/>
+            </a:pPr>
+            <a:endParaRPr lang="en-US" altLang="zh-TW" sz="1800" dirty="0" smtClean="0">
+              <a:sym typeface="Arial"/>
+            </a:endParaRPr>
+          </a:p>
+          <a:p>
+            <a:pPr defTabSz="232196">
+              <a:lnSpc>
+                <a:spcPct val="115000"/>
+              </a:lnSpc>
+              <a:spcBef>
+                <a:spcPts val="300"/>
+              </a:spcBef>
+              <a:defRPr sz="1400">
+                <a:solidFill>
+                  <a:srgbClr val="585858"/>
+                </a:solidFill>
+                <a:latin typeface="Arial"/>
+                <a:ea typeface="Arial"/>
+                <a:cs typeface="Arial"/>
+                <a:sym typeface="Arial"/>
+              </a:defRPr>
+            </a:pPr>
+            <a:endParaRPr lang="en-US" altLang="zh-TW" sz="1800" dirty="0" smtClean="0">
+              <a:sym typeface="Arial"/>
+            </a:endParaRPr>
+          </a:p>
+          <a:p>
+            <a:pPr defTabSz="232196">
+              <a:lnSpc>
+                <a:spcPct val="115000"/>
+              </a:lnSpc>
+              <a:spcBef>
+                <a:spcPts val="300"/>
+              </a:spcBef>
+              <a:defRPr sz="1400">
+                <a:solidFill>
+                  <a:srgbClr val="585858"/>
+                </a:solidFill>
+                <a:latin typeface="Arial"/>
+                <a:ea typeface="Arial"/>
+                <a:cs typeface="Arial"/>
+                <a:sym typeface="Arial"/>
+              </a:defRPr>
+            </a:pPr>
+            <a:endParaRPr lang="en-US" altLang="zh-TW" sz="1800" dirty="0" smtClean="0">
+              <a:sym typeface="Arial"/>
+            </a:endParaRPr>
           </a:p>
         </p:txBody>
       </p:sp>
@@ -22042,7 +22036,7 @@
 </p:sld>
 </file>
 
-<file path=ppt/slides/slide50.xml><?xml version="1.0" encoding="utf-8"?>
+<file path=ppt/slides/slide48.xml><?xml version="1.0" encoding="utf-8"?>
 <p:sld xmlns:a="http://schemas.openxmlformats.org/drawingml/2006/main" xmlns:r="http://schemas.openxmlformats.org/officeDocument/2006/relationships" xmlns:p="http://schemas.openxmlformats.org/presentationml/2006/main">
   <p:cSld>
     <p:spTree>
@@ -22080,7 +22074,7 @@
           </a:ln>
           <a:extLst>
             <a:ext uri="{C572A759-6A51-4108-AA02-DFA0A04FC94B}">
-              <ma14:wrappingTextBoxFlag xmlns:ma14="http://schemas.microsoft.com/office/mac/drawingml/2011/main" xmlns="" val="1"/>
+              <ma14:wrappingTextBoxFlag xmlns="" xmlns:ma14="http://schemas.microsoft.com/office/mac/drawingml/2011/main" val="1"/>
             </a:ext>
           </a:extLst>
         </p:spPr>
@@ -22660,6 +22654,860 @@
           <a:xfrm>
             <a:off x="5539201" y="3796749"/>
             <a:ext cx="2809875" cy="2286000"/>
+          </a:xfrm>
+          <a:prstGeom prst="rect">
+            <a:avLst/>
+          </a:prstGeom>
+          <a:noFill/>
+          <a:ln w="9525">
+            <a:noFill/>
+            <a:miter lim="800000"/>
+            <a:headEnd/>
+            <a:tailEnd/>
+          </a:ln>
+        </p:spPr>
+      </p:pic>
+    </p:spTree>
+  </p:cSld>
+  <p:clrMapOvr>
+    <a:masterClrMapping/>
+  </p:clrMapOvr>
+  <p:transition spd="slow"/>
+  <p:timing>
+    <p:tnLst>
+      <p:par>
+        <p:cTn id="1" dur="indefinite" restart="never" nodeType="tmRoot"/>
+      </p:par>
+    </p:tnLst>
+  </p:timing>
+</p:sld>
+</file>
+
+<file path=ppt/slides/slide49.xml><?xml version="1.0" encoding="utf-8"?>
+<p:sld xmlns:a="http://schemas.openxmlformats.org/drawingml/2006/main" xmlns:r="http://schemas.openxmlformats.org/officeDocument/2006/relationships" xmlns:p="http://schemas.openxmlformats.org/presentationml/2006/main">
+  <p:cSld>
+    <p:spTree>
+      <p:nvGrpSpPr>
+        <p:cNvPr id="1" name=""/>
+        <p:cNvGrpSpPr/>
+        <p:nvPr/>
+      </p:nvGrpSpPr>
+      <p:grpSpPr>
+        <a:xfrm>
+          <a:off x="0" y="0"/>
+          <a:ext cx="0" cy="0"/>
+          <a:chOff x="0" y="0"/>
+          <a:chExt cx="0" cy="0"/>
+        </a:xfrm>
+      </p:grpSpPr>
+      <p:sp>
+        <p:nvSpPr>
+          <p:cNvPr id="494" name="Shape 494"/>
+          <p:cNvSpPr>
+            <a:spLocks noGrp="1"/>
+          </p:cNvSpPr>
+          <p:nvPr>
+            <p:ph type="title"/>
+          </p:nvPr>
+        </p:nvSpPr>
+        <p:spPr>
+          <a:xfrm>
+            <a:off x="685798" y="0"/>
+            <a:ext cx="7772404" cy="899915"/>
+          </a:xfrm>
+          <a:prstGeom prst="rect">
+            <a:avLst/>
+          </a:prstGeom>
+        </p:spPr>
+        <p:txBody>
+          <a:bodyPr/>
+          <a:lstStyle>
+            <a:lvl1pPr algn="ctr">
+              <a:defRPr sz="4800" b="0" cap="none">
+                <a:solidFill>
+                  <a:srgbClr val="FFFFFF"/>
+                </a:solidFill>
+              </a:defRPr>
+            </a:lvl1pPr>
+          </a:lstStyle>
+          <a:p>
+            <a:r>
+              <a:rPr lang="en-US" altLang="zh-TW" dirty="0" err="1" smtClean="0"/>
+              <a:t>WebSocket</a:t>
+            </a:r>
+            <a:r>
+              <a:rPr lang="zh-TW" altLang="en-US" dirty="0" smtClean="0"/>
+              <a:t>網絡通信協議</a:t>
+            </a:r>
+            <a:endParaRPr dirty="0"/>
+          </a:p>
+        </p:txBody>
+      </p:sp>
+      <p:sp>
+        <p:nvSpPr>
+          <p:cNvPr id="495" name="Shape 495"/>
+          <p:cNvSpPr>
+            <a:spLocks noGrp="1"/>
+          </p:cNvSpPr>
+          <p:nvPr>
+            <p:ph type="body" idx="1"/>
+          </p:nvPr>
+        </p:nvSpPr>
+        <p:spPr>
+          <a:xfrm>
+            <a:off x="685798" y="993913"/>
+            <a:ext cx="7772404" cy="4975039"/>
+          </a:xfrm>
+          <a:prstGeom prst="rect">
+            <a:avLst/>
+          </a:prstGeom>
+        </p:spPr>
+        <p:txBody>
+          <a:bodyPr anchor="t">
+            <a:normAutofit/>
+          </a:bodyPr>
+          <a:lstStyle/>
+          <a:p>
+            <a:pPr defTabSz="232196">
+              <a:lnSpc>
+                <a:spcPct val="115000"/>
+              </a:lnSpc>
+              <a:spcBef>
+                <a:spcPts val="300"/>
+              </a:spcBef>
+              <a:defRPr sz="1400">
+                <a:solidFill>
+                  <a:srgbClr val="585858"/>
+                </a:solidFill>
+                <a:latin typeface="Arial"/>
+                <a:ea typeface="Arial"/>
+                <a:cs typeface="Arial"/>
+                <a:sym typeface="Arial"/>
+              </a:defRPr>
+            </a:pPr>
+            <a:r>
+              <a:rPr lang="zh-TW" altLang="en-US" sz="1800" b="0" dirty="0" smtClean="0">
+                <a:sym typeface="Arial"/>
+              </a:rPr>
+              <a:t>初次接觸 </a:t>
+            </a:r>
+            <a:r>
+              <a:rPr lang="en-US" altLang="zh-TW" sz="1800" b="0" dirty="0" err="1" smtClean="0">
+                <a:sym typeface="Arial"/>
+              </a:rPr>
+              <a:t>WebSocket</a:t>
+            </a:r>
+            <a:r>
+              <a:rPr lang="en-US" altLang="zh-TW" sz="1800" b="0" dirty="0" smtClean="0">
+                <a:sym typeface="Arial"/>
+              </a:rPr>
+              <a:t> </a:t>
+            </a:r>
+            <a:r>
+              <a:rPr lang="zh-TW" altLang="en-US" sz="1800" b="0" dirty="0" smtClean="0">
+                <a:sym typeface="Arial"/>
+              </a:rPr>
+              <a:t>的人，都會問同樣的問題：我們已經有了 </a:t>
+            </a:r>
+            <a:r>
+              <a:rPr lang="en-US" altLang="zh-TW" sz="1800" b="0" dirty="0" smtClean="0">
+                <a:sym typeface="Arial"/>
+              </a:rPr>
+              <a:t>HTTP </a:t>
+            </a:r>
+            <a:r>
+              <a:rPr lang="zh-TW" altLang="en-US" sz="1800" b="0" dirty="0" smtClean="0">
+                <a:sym typeface="Arial"/>
+              </a:rPr>
+              <a:t>協議，為什麼還需要另一個協議？它能帶來什麼好處？</a:t>
+            </a:r>
+          </a:p>
+          <a:p>
+            <a:pPr defTabSz="232196">
+              <a:lnSpc>
+                <a:spcPct val="115000"/>
+              </a:lnSpc>
+              <a:spcBef>
+                <a:spcPts val="300"/>
+              </a:spcBef>
+              <a:defRPr sz="1400">
+                <a:solidFill>
+                  <a:srgbClr val="585858"/>
+                </a:solidFill>
+                <a:latin typeface="Arial"/>
+                <a:ea typeface="Arial"/>
+                <a:cs typeface="Arial"/>
+                <a:sym typeface="Arial"/>
+              </a:defRPr>
+            </a:pPr>
+            <a:r>
+              <a:rPr lang="zh-TW" altLang="en-US" sz="1800" b="0" dirty="0" smtClean="0">
+                <a:sym typeface="Arial"/>
+              </a:rPr>
+              <a:t>答案很簡單，因為 </a:t>
+            </a:r>
+            <a:r>
+              <a:rPr lang="en-US" altLang="zh-TW" sz="1800" b="0" dirty="0" smtClean="0">
+                <a:sym typeface="Arial"/>
+              </a:rPr>
+              <a:t>HTTP </a:t>
+            </a:r>
+            <a:r>
+              <a:rPr lang="zh-TW" altLang="en-US" sz="1800" b="0" dirty="0" smtClean="0">
+                <a:sym typeface="Arial"/>
+              </a:rPr>
+              <a:t>協議有一個缺陷：通信只能由客戶端發起。</a:t>
+            </a:r>
+          </a:p>
+          <a:p>
+            <a:pPr defTabSz="232196">
+              <a:lnSpc>
+                <a:spcPct val="115000"/>
+              </a:lnSpc>
+              <a:spcBef>
+                <a:spcPts val="300"/>
+              </a:spcBef>
+              <a:defRPr sz="1400">
+                <a:solidFill>
+                  <a:srgbClr val="585858"/>
+                </a:solidFill>
+                <a:latin typeface="Arial"/>
+                <a:ea typeface="Arial"/>
+                <a:cs typeface="Arial"/>
+                <a:sym typeface="Arial"/>
+              </a:defRPr>
+            </a:pPr>
+            <a:r>
+              <a:rPr lang="zh-TW" altLang="en-US" sz="1800" b="0" dirty="0" smtClean="0">
+                <a:sym typeface="Arial"/>
+              </a:rPr>
+              <a:t>舉例來說，我們想了解今天的天氣，只能是客戶端向服務器發出請求，服務器返回查詢結果。 </a:t>
+            </a:r>
+            <a:r>
+              <a:rPr lang="en-US" altLang="zh-TW" sz="1800" b="0" dirty="0" smtClean="0">
+                <a:sym typeface="Arial"/>
+              </a:rPr>
+              <a:t>HTTP </a:t>
+            </a:r>
+            <a:r>
+              <a:rPr lang="zh-TW" altLang="en-US" sz="1800" b="0" dirty="0" smtClean="0">
+                <a:sym typeface="Arial"/>
+              </a:rPr>
+              <a:t>協議做不到服務器主動向客戶端推送信息。</a:t>
+            </a:r>
+            <a:endParaRPr lang="en-US" altLang="zh-TW" sz="1800" dirty="0" smtClean="0">
+              <a:sym typeface="Arial"/>
+            </a:endParaRPr>
+          </a:p>
+          <a:p>
+            <a:pPr defTabSz="232196">
+              <a:lnSpc>
+                <a:spcPct val="115000"/>
+              </a:lnSpc>
+              <a:spcBef>
+                <a:spcPts val="300"/>
+              </a:spcBef>
+              <a:defRPr sz="1400">
+                <a:solidFill>
+                  <a:srgbClr val="585858"/>
+                </a:solidFill>
+                <a:latin typeface="Arial"/>
+                <a:ea typeface="Arial"/>
+                <a:cs typeface="Arial"/>
+                <a:sym typeface="Arial"/>
+              </a:defRPr>
+            </a:pPr>
+            <a:endParaRPr lang="en-US" altLang="zh-TW" sz="1800" dirty="0" smtClean="0">
+              <a:sym typeface="Arial"/>
+            </a:endParaRPr>
+          </a:p>
+          <a:p>
+            <a:pPr defTabSz="232196">
+              <a:lnSpc>
+                <a:spcPct val="115000"/>
+              </a:lnSpc>
+              <a:spcBef>
+                <a:spcPts val="300"/>
+              </a:spcBef>
+              <a:defRPr sz="1400">
+                <a:solidFill>
+                  <a:srgbClr val="585858"/>
+                </a:solidFill>
+                <a:latin typeface="Arial"/>
+                <a:ea typeface="Arial"/>
+                <a:cs typeface="Arial"/>
+                <a:sym typeface="Arial"/>
+              </a:defRPr>
+            </a:pPr>
+            <a:endParaRPr lang="en-US" altLang="zh-TW" sz="1800" dirty="0" smtClean="0">
+              <a:sym typeface="Arial"/>
+            </a:endParaRPr>
+          </a:p>
+          <a:p>
+            <a:pPr defTabSz="232196">
+              <a:lnSpc>
+                <a:spcPct val="115000"/>
+              </a:lnSpc>
+              <a:spcBef>
+                <a:spcPts val="300"/>
+              </a:spcBef>
+              <a:defRPr sz="1400">
+                <a:solidFill>
+                  <a:srgbClr val="585858"/>
+                </a:solidFill>
+                <a:latin typeface="Arial"/>
+                <a:ea typeface="Arial"/>
+                <a:cs typeface="Arial"/>
+                <a:sym typeface="Arial"/>
+              </a:defRPr>
+            </a:pPr>
+            <a:endParaRPr lang="en-US" altLang="zh-TW" sz="1800" dirty="0" smtClean="0">
+              <a:sym typeface="Arial"/>
+            </a:endParaRPr>
+          </a:p>
+          <a:p>
+            <a:pPr defTabSz="232196">
+              <a:lnSpc>
+                <a:spcPct val="115000"/>
+              </a:lnSpc>
+              <a:spcBef>
+                <a:spcPts val="300"/>
+              </a:spcBef>
+              <a:defRPr sz="1400">
+                <a:solidFill>
+                  <a:srgbClr val="585858"/>
+                </a:solidFill>
+                <a:latin typeface="Arial"/>
+                <a:ea typeface="Arial"/>
+                <a:cs typeface="Arial"/>
+                <a:sym typeface="Arial"/>
+              </a:defRPr>
+            </a:pPr>
+            <a:endParaRPr lang="en-US" altLang="zh-TW" sz="1800" dirty="0" smtClean="0">
+              <a:sym typeface="Arial"/>
+            </a:endParaRPr>
+          </a:p>
+          <a:p>
+            <a:pPr defTabSz="232196">
+              <a:lnSpc>
+                <a:spcPct val="115000"/>
+              </a:lnSpc>
+              <a:spcBef>
+                <a:spcPts val="300"/>
+              </a:spcBef>
+              <a:defRPr sz="1400">
+                <a:solidFill>
+                  <a:srgbClr val="585858"/>
+                </a:solidFill>
+                <a:latin typeface="Arial"/>
+                <a:ea typeface="Arial"/>
+                <a:cs typeface="Arial"/>
+                <a:sym typeface="Arial"/>
+              </a:defRPr>
+            </a:pPr>
+            <a:endParaRPr lang="en-US" altLang="zh-TW" sz="1800" dirty="0" smtClean="0">
+              <a:sym typeface="Arial"/>
+            </a:endParaRPr>
+          </a:p>
+        </p:txBody>
+      </p:sp>
+      <p:pic>
+        <p:nvPicPr>
+          <p:cNvPr id="4098" name="Picture 2"/>
+          <p:cNvPicPr>
+            <a:picLocks noChangeAspect="1" noChangeArrowheads="1"/>
+          </p:cNvPicPr>
+          <p:nvPr/>
+        </p:nvPicPr>
+        <p:blipFill>
+          <a:blip r:embed="rId2" cstate="print"/>
+          <a:srcRect/>
+          <a:stretch>
+            <a:fillRect/>
+          </a:stretch>
+        </p:blipFill>
+        <p:spPr bwMode="auto">
+          <a:xfrm>
+            <a:off x="583096" y="2756452"/>
+            <a:ext cx="7871791" cy="4101548"/>
+          </a:xfrm>
+          <a:prstGeom prst="rect">
+            <a:avLst/>
+          </a:prstGeom>
+          <a:noFill/>
+          <a:ln w="9525">
+            <a:noFill/>
+            <a:miter lim="800000"/>
+            <a:headEnd/>
+            <a:tailEnd/>
+          </a:ln>
+        </p:spPr>
+      </p:pic>
+    </p:spTree>
+  </p:cSld>
+  <p:clrMapOvr>
+    <a:masterClrMapping/>
+  </p:clrMapOvr>
+  <p:transition spd="slow"/>
+  <p:timing>
+    <p:tnLst>
+      <p:par>
+        <p:cTn id="1" dur="indefinite" restart="never" nodeType="tmRoot"/>
+      </p:par>
+    </p:tnLst>
+  </p:timing>
+</p:sld>
+</file>
+
+<file path=ppt/slides/slide5.xml><?xml version="1.0" encoding="utf-8"?>
+<p:sld xmlns:a="http://schemas.openxmlformats.org/drawingml/2006/main" xmlns:r="http://schemas.openxmlformats.org/officeDocument/2006/relationships" xmlns:p="http://schemas.openxmlformats.org/presentationml/2006/main">
+  <p:cSld>
+    <p:spTree>
+      <p:nvGrpSpPr>
+        <p:cNvPr id="1" name=""/>
+        <p:cNvGrpSpPr/>
+        <p:nvPr/>
+      </p:nvGrpSpPr>
+      <p:grpSpPr>
+        <a:xfrm>
+          <a:off x="0" y="0"/>
+          <a:ext cx="0" cy="0"/>
+          <a:chOff x="0" y="0"/>
+          <a:chExt cx="0" cy="0"/>
+        </a:xfrm>
+      </p:grpSpPr>
+      <p:sp>
+        <p:nvSpPr>
+          <p:cNvPr id="339" name="Shape 339"/>
+          <p:cNvSpPr>
+            <a:spLocks noGrp="1"/>
+          </p:cNvSpPr>
+          <p:nvPr>
+            <p:ph type="title"/>
+          </p:nvPr>
+        </p:nvSpPr>
+        <p:spPr>
+          <a:xfrm>
+            <a:off x="685798" y="139700"/>
+            <a:ext cx="7772404" cy="899915"/>
+          </a:xfrm>
+          <a:prstGeom prst="rect">
+            <a:avLst/>
+          </a:prstGeom>
+        </p:spPr>
+        <p:txBody>
+          <a:bodyPr anchor="ctr"/>
+          <a:lstStyle>
+            <a:lvl1pPr algn="ctr" defTabSz="877822">
+              <a:defRPr b="0" cap="none">
+                <a:solidFill>
+                  <a:srgbClr val="FFFFFF"/>
+                </a:solidFill>
+              </a:defRPr>
+            </a:lvl1pPr>
+          </a:lstStyle>
+          <a:p>
+            <a:r>
+              <a:rPr lang="zh-TW" altLang="en-US" dirty="0" smtClean="0"/>
+              <a:t>基本網頁</a:t>
+            </a:r>
+            <a:endParaRPr dirty="0"/>
+          </a:p>
+        </p:txBody>
+      </p:sp>
+      <p:sp>
+        <p:nvSpPr>
+          <p:cNvPr id="340" name="Shape 340"/>
+          <p:cNvSpPr>
+            <a:spLocks noGrp="1"/>
+          </p:cNvSpPr>
+          <p:nvPr>
+            <p:ph type="body" idx="1"/>
+          </p:nvPr>
+        </p:nvSpPr>
+        <p:spPr>
+          <a:xfrm>
+            <a:off x="531812" y="1007165"/>
+            <a:ext cx="7772401" cy="5063189"/>
+          </a:xfrm>
+          <a:prstGeom prst="rect">
+            <a:avLst/>
+          </a:prstGeom>
+        </p:spPr>
+        <p:txBody>
+          <a:bodyPr anchor="t">
+            <a:normAutofit/>
+          </a:bodyPr>
+          <a:lstStyle/>
+          <a:p>
+            <a:r>
+              <a:rPr lang="en-US" altLang="zh-TW" sz="1600" b="0" dirty="0" smtClean="0"/>
+              <a:t>&lt;html&gt;</a:t>
+            </a:r>
+          </a:p>
+          <a:p>
+            <a:r>
+              <a:rPr lang="zh-TW" altLang="en-US" sz="1600" b="0" dirty="0" smtClean="0"/>
+              <a:t>　</a:t>
+            </a:r>
+            <a:r>
+              <a:rPr lang="en-US" altLang="zh-TW" sz="1600" b="0" dirty="0" smtClean="0"/>
+              <a:t>&lt;head&gt;</a:t>
+            </a:r>
+          </a:p>
+          <a:p>
+            <a:r>
+              <a:rPr lang="zh-TW" altLang="en-US" sz="1600" b="0" dirty="0" smtClean="0"/>
+              <a:t>　</a:t>
+            </a:r>
+            <a:r>
+              <a:rPr lang="en-US" altLang="zh-TW" sz="1600" b="0" dirty="0" smtClean="0"/>
+              <a:t>&lt;title&gt;</a:t>
+            </a:r>
+            <a:r>
+              <a:rPr lang="zh-TW" altLang="en-US" sz="1600" b="0" dirty="0" smtClean="0"/>
+              <a:t>我的第一個網頁</a:t>
+            </a:r>
+            <a:r>
+              <a:rPr lang="en-US" altLang="zh-TW" sz="1600" b="0" dirty="0" smtClean="0"/>
+              <a:t>&lt;/title&gt; </a:t>
+            </a:r>
+          </a:p>
+          <a:p>
+            <a:r>
+              <a:rPr lang="zh-TW" altLang="en-US" sz="1600" b="0" dirty="0" smtClean="0"/>
+              <a:t>　</a:t>
+            </a:r>
+            <a:r>
+              <a:rPr lang="en-US" altLang="zh-TW" sz="1600" b="0" dirty="0" smtClean="0"/>
+              <a:t>&lt;/head&gt;</a:t>
+            </a:r>
+          </a:p>
+          <a:p>
+            <a:r>
+              <a:rPr lang="zh-TW" altLang="en-US" sz="1600" b="0" dirty="0" smtClean="0"/>
+              <a:t>　</a:t>
+            </a:r>
+            <a:r>
+              <a:rPr lang="en-US" altLang="zh-TW" sz="1600" b="0" dirty="0" smtClean="0"/>
+              <a:t>&lt;body&gt;</a:t>
+            </a:r>
+          </a:p>
+          <a:p>
+            <a:r>
+              <a:rPr lang="zh-TW" altLang="en-US" sz="1600" b="0" dirty="0" smtClean="0"/>
+              <a:t>                </a:t>
+            </a:r>
+            <a:r>
+              <a:rPr lang="en-US" altLang="zh-TW" sz="1600" b="0" dirty="0" smtClean="0"/>
+              <a:t>&lt;h1&gt;</a:t>
+            </a:r>
+            <a:r>
+              <a:rPr lang="zh-TW" altLang="en-US" sz="1600" b="0" dirty="0" smtClean="0"/>
+              <a:t>歡迎光臨</a:t>
+            </a:r>
+            <a:r>
+              <a:rPr lang="en-US" altLang="zh-TW" sz="1600" b="0" dirty="0" smtClean="0"/>
+              <a:t>&lt;/h1&gt;</a:t>
+            </a:r>
+          </a:p>
+          <a:p>
+            <a:r>
+              <a:rPr lang="zh-TW" altLang="en-US" sz="1600" b="0" dirty="0" smtClean="0"/>
+              <a:t>               </a:t>
+            </a:r>
+            <a:r>
+              <a:rPr lang="en-US" altLang="zh-TW" sz="1600" b="0" dirty="0" smtClean="0"/>
+              <a:t>&lt;p id="demo"&gt;&lt;/p&gt;</a:t>
+            </a:r>
+          </a:p>
+          <a:p>
+            <a:r>
+              <a:rPr lang="zh-TW" altLang="en-US" sz="1600" b="0" dirty="0" smtClean="0"/>
+              <a:t>    </a:t>
+            </a:r>
+            <a:r>
+              <a:rPr lang="en-US" altLang="zh-TW" sz="1600" b="0" dirty="0" smtClean="0"/>
+              <a:t>&lt;/body&gt; </a:t>
+            </a:r>
+          </a:p>
+          <a:p>
+            <a:r>
+              <a:rPr lang="en-US" altLang="zh-TW" sz="1600" b="0" dirty="0" smtClean="0"/>
+              <a:t>&lt;/html&gt;</a:t>
+            </a:r>
+          </a:p>
+          <a:p>
+            <a:endParaRPr lang="en-US" altLang="zh-TW" sz="1600" b="0" dirty="0" smtClean="0"/>
+          </a:p>
+          <a:p>
+            <a:r>
+              <a:rPr lang="en-US" altLang="zh-TW" sz="1600" dirty="0" smtClean="0">
+                <a:hlinkClick r:id="rId2" tooltip="CSS: CSS (Cascading Style Sheets) is a declarative language that controls how webpages look in the browser."/>
+              </a:rPr>
+              <a:t>CSS</a:t>
+            </a:r>
+            <a:r>
+              <a:rPr lang="zh-TW" altLang="en-US" sz="1600" b="0" dirty="0" smtClean="0"/>
+              <a:t> </a:t>
+            </a:r>
+            <a:r>
+              <a:rPr lang="en-US" altLang="zh-TW" sz="1600" b="0" dirty="0" smtClean="0"/>
+              <a:t>(</a:t>
+            </a:r>
+            <a:r>
+              <a:rPr lang="zh-TW" altLang="en-US" sz="1600" b="0" dirty="0" smtClean="0"/>
+              <a:t>階層式樣式表</a:t>
+            </a:r>
+            <a:r>
+              <a:rPr lang="en-US" altLang="zh-TW" sz="1600" b="0" dirty="0" smtClean="0"/>
+              <a:t>) </a:t>
+            </a:r>
+            <a:r>
+              <a:rPr lang="zh-TW" altLang="en-US" sz="1600" b="0" dirty="0" smtClean="0"/>
+              <a:t>是一種指定文檔如何呈現給使用者的語言</a:t>
+            </a:r>
+            <a:r>
+              <a:rPr lang="en-US" altLang="zh-TW" sz="1600" b="0" dirty="0" smtClean="0"/>
+              <a:t>——</a:t>
+            </a:r>
+            <a:r>
+              <a:rPr lang="zh-TW" altLang="en-US" sz="1600" b="0" dirty="0" smtClean="0"/>
+              <a:t>它們如何地被樣式化，佈局，等等。。</a:t>
+            </a:r>
+            <a:endParaRPr lang="en-US" altLang="zh-TW" sz="1600" b="0" dirty="0" smtClean="0"/>
+          </a:p>
+          <a:p>
+            <a:endParaRPr lang="en-US" altLang="zh-TW" sz="1600" b="0" dirty="0" smtClean="0"/>
+          </a:p>
+          <a:p>
+            <a:r>
+              <a:rPr lang="en-US" altLang="zh-TW" sz="1600" b="0" dirty="0" smtClean="0"/>
+              <a:t>JavaScript </a:t>
+            </a:r>
+            <a:r>
+              <a:rPr lang="zh-TW" altLang="en-US" sz="1600" b="0" dirty="0" smtClean="0"/>
+              <a:t>是屬於網路的腳本語言！</a:t>
+            </a:r>
+          </a:p>
+          <a:p>
+            <a:endParaRPr lang="zh-TW" altLang="en-US" sz="1600" b="0" dirty="0" smtClean="0"/>
+          </a:p>
+          <a:p>
+            <a:r>
+              <a:rPr lang="en-US" altLang="zh-TW" sz="1600" b="0" dirty="0" smtClean="0"/>
+              <a:t>JavaScript </a:t>
+            </a:r>
+            <a:r>
+              <a:rPr lang="zh-TW" altLang="en-US" sz="1600" b="0" dirty="0" smtClean="0"/>
+              <a:t>被數百萬計的網頁用來改進設計、驗證表單、檢測瀏覽器、創建</a:t>
+            </a:r>
+            <a:r>
+              <a:rPr lang="en-US" altLang="zh-TW" sz="1600" b="0" dirty="0" smtClean="0"/>
+              <a:t>cookies</a:t>
+            </a:r>
+            <a:r>
+              <a:rPr lang="zh-TW" altLang="en-US" sz="1600" b="0" dirty="0" smtClean="0"/>
+              <a:t>，以及更多的應用。</a:t>
+            </a:r>
+            <a:endParaRPr lang="en-US" altLang="zh-TW" sz="1600" b="0" dirty="0" smtClean="0"/>
+          </a:p>
+          <a:p>
+            <a:pPr>
+              <a:lnSpc>
+                <a:spcPct val="115000"/>
+              </a:lnSpc>
+              <a:spcBef>
+                <a:spcPts val="1600"/>
+              </a:spcBef>
+              <a:defRPr sz="3300" b="0">
+                <a:solidFill>
+                  <a:srgbClr val="585858"/>
+                </a:solidFill>
+                <a:latin typeface="Arial"/>
+                <a:ea typeface="Arial"/>
+                <a:cs typeface="Arial"/>
+                <a:sym typeface="Arial"/>
+              </a:defRPr>
+            </a:pPr>
+            <a:endParaRPr dirty="0"/>
+          </a:p>
+        </p:txBody>
+      </p:sp>
+    </p:spTree>
+  </p:cSld>
+  <p:clrMapOvr>
+    <a:masterClrMapping/>
+  </p:clrMapOvr>
+  <p:transition spd="slow"/>
+  <p:timing>
+    <p:tnLst>
+      <p:par>
+        <p:cTn id="1" dur="indefinite" restart="never" nodeType="tmRoot"/>
+      </p:par>
+    </p:tnLst>
+  </p:timing>
+</p:sld>
+</file>
+
+<file path=ppt/slides/slide50.xml><?xml version="1.0" encoding="utf-8"?>
+<p:sld xmlns:a="http://schemas.openxmlformats.org/drawingml/2006/main" xmlns:r="http://schemas.openxmlformats.org/officeDocument/2006/relationships" xmlns:p="http://schemas.openxmlformats.org/presentationml/2006/main">
+  <p:cSld>
+    <p:spTree>
+      <p:nvGrpSpPr>
+        <p:cNvPr id="1" name=""/>
+        <p:cNvGrpSpPr/>
+        <p:nvPr/>
+      </p:nvGrpSpPr>
+      <p:grpSpPr>
+        <a:xfrm>
+          <a:off x="0" y="0"/>
+          <a:ext cx="0" cy="0"/>
+          <a:chOff x="0" y="0"/>
+          <a:chExt cx="0" cy="0"/>
+        </a:xfrm>
+      </p:grpSpPr>
+      <p:sp>
+        <p:nvSpPr>
+          <p:cNvPr id="497" name="Shape 497"/>
+          <p:cNvSpPr>
+            <a:spLocks noGrp="1"/>
+          </p:cNvSpPr>
+          <p:nvPr>
+            <p:ph type="title"/>
+          </p:nvPr>
+        </p:nvSpPr>
+        <p:spPr>
+          <a:xfrm>
+            <a:off x="685798" y="0"/>
+            <a:ext cx="7772404" cy="899915"/>
+          </a:xfrm>
+          <a:prstGeom prst="rect">
+            <a:avLst/>
+          </a:prstGeom>
+        </p:spPr>
+        <p:txBody>
+          <a:bodyPr>
+            <a:normAutofit fontScale="90000"/>
+          </a:bodyPr>
+          <a:lstStyle>
+            <a:lvl1pPr algn="ctr">
+              <a:defRPr sz="4800" b="0" cap="none">
+                <a:solidFill>
+                  <a:srgbClr val="FFFFFF"/>
+                </a:solidFill>
+              </a:defRPr>
+            </a:lvl1pPr>
+          </a:lstStyle>
+          <a:p>
+            <a:r>
+              <a:rPr lang="zh-TW" altLang="en-US" dirty="0" smtClean="0"/>
+              <a:t>服務器端 </a:t>
+            </a:r>
+            <a:r>
+              <a:rPr lang="en-US" altLang="zh-TW" dirty="0" smtClean="0"/>
+              <a:t>Node-Red </a:t>
+            </a:r>
+            <a:r>
+              <a:rPr lang="en-US" altLang="zh-TW" dirty="0" err="1" smtClean="0"/>
+              <a:t>Websocket</a:t>
+            </a:r>
+            <a:endParaRPr dirty="0"/>
+          </a:p>
+        </p:txBody>
+      </p:sp>
+      <p:sp>
+        <p:nvSpPr>
+          <p:cNvPr id="498" name="Shape 498"/>
+          <p:cNvSpPr>
+            <a:spLocks noGrp="1"/>
+          </p:cNvSpPr>
+          <p:nvPr>
+            <p:ph type="body" idx="1"/>
+          </p:nvPr>
+        </p:nvSpPr>
+        <p:spPr>
+          <a:xfrm>
+            <a:off x="685798" y="1255562"/>
+            <a:ext cx="7772404" cy="4713390"/>
+          </a:xfrm>
+          <a:prstGeom prst="rect">
+            <a:avLst/>
+          </a:prstGeom>
+        </p:spPr>
+        <p:txBody>
+          <a:bodyPr anchor="t"/>
+          <a:lstStyle/>
+          <a:p>
+            <a:r>
+              <a:rPr lang="en-US" altLang="zh-TW" b="0" dirty="0" err="1" smtClean="0"/>
+              <a:t>WebSocket</a:t>
+            </a:r>
+            <a:r>
+              <a:rPr lang="zh-TW" altLang="en-US" b="0" dirty="0" smtClean="0"/>
+              <a:t>輸入節點。</a:t>
+            </a:r>
+          </a:p>
+          <a:p>
+            <a:r>
+              <a:rPr lang="zh-TW" altLang="en-US" b="0" dirty="0" smtClean="0"/>
+              <a:t>默認情況下，從</a:t>
+            </a:r>
+            <a:r>
+              <a:rPr lang="en-US" altLang="zh-TW" b="0" dirty="0" err="1" smtClean="0"/>
+              <a:t>WebSocket</a:t>
+            </a:r>
+            <a:r>
+              <a:rPr lang="zh-TW" altLang="en-US" b="0" dirty="0" smtClean="0"/>
+              <a:t>接收的數據將位於</a:t>
+            </a:r>
+            <a:r>
+              <a:rPr lang="en-US" altLang="zh-TW" b="0" dirty="0" err="1" smtClean="0"/>
+              <a:t>msg.payload</a:t>
+            </a:r>
+            <a:r>
+              <a:rPr lang="zh-TW" altLang="en-US" b="0" dirty="0" smtClean="0"/>
+              <a:t>中。 可以將套接字配置為期望正確形成的</a:t>
+            </a:r>
+            <a:r>
+              <a:rPr lang="en-US" altLang="zh-TW" b="0" dirty="0" smtClean="0"/>
+              <a:t>JSON</a:t>
+            </a:r>
+            <a:r>
+              <a:rPr lang="zh-TW" altLang="en-US" b="0" dirty="0" smtClean="0"/>
+              <a:t>字符串，在這種情況下，它將解析</a:t>
+            </a:r>
+            <a:r>
+              <a:rPr lang="en-US" altLang="zh-TW" b="0" dirty="0" smtClean="0"/>
+              <a:t>JSON</a:t>
+            </a:r>
+            <a:r>
+              <a:rPr lang="zh-TW" altLang="en-US" b="0" dirty="0" smtClean="0"/>
+              <a:t>並將結果對像作為整個消息發送。</a:t>
+            </a:r>
+            <a:endParaRPr lang="en-US" altLang="zh-TW" b="0" dirty="0" smtClean="0"/>
+          </a:p>
+        </p:txBody>
+      </p:sp>
+      <p:pic>
+        <p:nvPicPr>
+          <p:cNvPr id="6146" name="Picture 2"/>
+          <p:cNvPicPr>
+            <a:picLocks noChangeAspect="1" noChangeArrowheads="1"/>
+          </p:cNvPicPr>
+          <p:nvPr/>
+        </p:nvPicPr>
+        <p:blipFill>
+          <a:blip r:embed="rId2" cstate="print"/>
+          <a:srcRect/>
+          <a:stretch>
+            <a:fillRect/>
+          </a:stretch>
+        </p:blipFill>
+        <p:spPr bwMode="auto">
+          <a:xfrm>
+            <a:off x="490330" y="2577105"/>
+            <a:ext cx="8269357" cy="4280895"/>
           </a:xfrm>
           <a:prstGeom prst="rect">
             <a:avLst/>
@@ -22718,6 +23566,143 @@
         </p:nvSpPr>
         <p:spPr>
           <a:xfrm>
+            <a:off x="685798" y="266699"/>
+            <a:ext cx="7772404" cy="899915"/>
+          </a:xfrm>
+          <a:prstGeom prst="rect">
+            <a:avLst/>
+          </a:prstGeom>
+        </p:spPr>
+        <p:txBody>
+          <a:bodyPr>
+            <a:normAutofit fontScale="90000"/>
+          </a:bodyPr>
+          <a:lstStyle>
+            <a:lvl1pPr algn="ctr">
+              <a:defRPr sz="4800" b="0" cap="none">
+                <a:solidFill>
+                  <a:srgbClr val="FFFFFF"/>
+                </a:solidFill>
+              </a:defRPr>
+            </a:lvl1pPr>
+          </a:lstStyle>
+          <a:p>
+            <a:r>
+              <a:rPr lang="en-US" altLang="zh-TW" dirty="0" err="1" smtClean="0"/>
+              <a:t>WebSocket</a:t>
+            </a:r>
+            <a:r>
+              <a:rPr lang="zh-TW" altLang="en-US" dirty="0" smtClean="0"/>
+              <a:t>客戶端的簡單示例</a:t>
+            </a:r>
+            <a:endParaRPr dirty="0"/>
+          </a:p>
+        </p:txBody>
+      </p:sp>
+      <p:sp>
+        <p:nvSpPr>
+          <p:cNvPr id="498" name="Shape 498"/>
+          <p:cNvSpPr>
+            <a:spLocks noGrp="1"/>
+          </p:cNvSpPr>
+          <p:nvPr>
+            <p:ph type="body" idx="1"/>
+          </p:nvPr>
+        </p:nvSpPr>
+        <p:spPr>
+          <a:xfrm>
+            <a:off x="685798" y="1255562"/>
+            <a:ext cx="7772404" cy="4713390"/>
+          </a:xfrm>
+          <a:prstGeom prst="rect">
+            <a:avLst/>
+          </a:prstGeom>
+        </p:spPr>
+        <p:txBody>
+          <a:bodyPr anchor="t"/>
+          <a:lstStyle/>
+          <a:p>
+            <a:endParaRPr lang="en-US" altLang="zh-TW" b="0" dirty="0"/>
+          </a:p>
+        </p:txBody>
+      </p:sp>
+      <p:pic>
+        <p:nvPicPr>
+          <p:cNvPr id="5122" name="Picture 2"/>
+          <p:cNvPicPr>
+            <a:picLocks noChangeAspect="1" noChangeArrowheads="1"/>
+          </p:cNvPicPr>
+          <p:nvPr/>
+        </p:nvPicPr>
+        <p:blipFill>
+          <a:blip r:embed="rId2" cstate="print"/>
+          <a:srcRect/>
+          <a:stretch>
+            <a:fillRect/>
+          </a:stretch>
+        </p:blipFill>
+        <p:spPr bwMode="auto">
+          <a:xfrm>
+            <a:off x="313147" y="1258956"/>
+            <a:ext cx="8485304" cy="4797287"/>
+          </a:xfrm>
+          <a:prstGeom prst="rect">
+            <a:avLst/>
+          </a:prstGeom>
+          <a:noFill/>
+          <a:ln w="9525">
+            <a:noFill/>
+            <a:miter lim="800000"/>
+            <a:headEnd/>
+            <a:tailEnd/>
+          </a:ln>
+        </p:spPr>
+      </p:pic>
+    </p:spTree>
+  </p:cSld>
+  <p:clrMapOvr>
+    <a:masterClrMapping/>
+  </p:clrMapOvr>
+  <p:transition spd="slow"/>
+  <p:timing>
+    <p:tnLst>
+      <p:par>
+        <p:cTn id="1" dur="indefinite" restart="never" nodeType="tmRoot"/>
+      </p:par>
+    </p:tnLst>
+  </p:timing>
+</p:sld>
+</file>
+
+<file path=ppt/slides/slide52.xml><?xml version="1.0" encoding="utf-8"?>
+<p:sld xmlns:a="http://schemas.openxmlformats.org/drawingml/2006/main" xmlns:r="http://schemas.openxmlformats.org/officeDocument/2006/relationships" xmlns:p="http://schemas.openxmlformats.org/presentationml/2006/main">
+  <p:cSld>
+    <p:spTree>
+      <p:nvGrpSpPr>
+        <p:cNvPr id="1" name=""/>
+        <p:cNvGrpSpPr/>
+        <p:nvPr/>
+      </p:nvGrpSpPr>
+      <p:grpSpPr>
+        <a:xfrm>
+          <a:off x="0" y="0"/>
+          <a:ext cx="0" cy="0"/>
+          <a:chOff x="0" y="0"/>
+          <a:chExt cx="0" cy="0"/>
+        </a:xfrm>
+      </p:grpSpPr>
+      <p:sp>
+        <p:nvSpPr>
+          <p:cNvPr id="497" name="Shape 497"/>
+          <p:cNvSpPr>
+            <a:spLocks noGrp="1"/>
+          </p:cNvSpPr>
+          <p:nvPr>
+            <p:ph type="title"/>
+          </p:nvPr>
+        </p:nvSpPr>
+        <p:spPr>
+          <a:xfrm>
             <a:off x="699050" y="0"/>
             <a:ext cx="7772404" cy="899915"/>
           </a:xfrm>
@@ -24730,7 +25715,7 @@
 </p:sld>
 </file>
 
-<file path=ppt/slides/slide52.xml><?xml version="1.0" encoding="utf-8"?>
+<file path=ppt/slides/slide53.xml><?xml version="1.0" encoding="utf-8"?>
 <p:sld xmlns:a="http://schemas.openxmlformats.org/drawingml/2006/main" xmlns:r="http://schemas.openxmlformats.org/officeDocument/2006/relationships" xmlns:p="http://schemas.openxmlformats.org/presentationml/2006/main">
   <p:cSld>
     <p:spTree>
@@ -24838,7 +25823,7 @@
           </a:ln>
           <a:extLst>
             <a:ext uri="{C572A759-6A51-4108-AA02-DFA0A04FC94B}">
-              <ma14:wrappingTextBoxFlag xmlns:ma14="http://schemas.microsoft.com/office/mac/drawingml/2011/main" xmlns="" val="1"/>
+              <ma14:wrappingTextBoxFlag xmlns="" xmlns:ma14="http://schemas.microsoft.com/office/mac/drawingml/2011/main" val="1"/>
             </a:ext>
           </a:extLst>
         </p:spPr>
@@ -24895,7 +25880,7 @@
 </p:sld>
 </file>
 
-<file path=ppt/slides/slide53.xml><?xml version="1.0" encoding="utf-8"?>
+<file path=ppt/slides/slide54.xml><?xml version="1.0" encoding="utf-8"?>
 <p:sld xmlns:a="http://schemas.openxmlformats.org/drawingml/2006/main" xmlns:r="http://schemas.openxmlformats.org/officeDocument/2006/relationships" xmlns:p="http://schemas.openxmlformats.org/presentationml/2006/main">
   <p:cSld>
     <p:spTree>
@@ -25178,7 +26163,7 @@
 </p:sld>
 </file>
 
-<file path=ppt/slides/slide54.xml><?xml version="1.0" encoding="utf-8"?>
+<file path=ppt/slides/slide55.xml><?xml version="1.0" encoding="utf-8"?>
 <p:sld xmlns:a="http://schemas.openxmlformats.org/drawingml/2006/main" xmlns:r="http://schemas.openxmlformats.org/officeDocument/2006/relationships" xmlns:p="http://schemas.openxmlformats.org/presentationml/2006/main">
   <p:cSld>
     <p:spTree>
@@ -25248,7 +26233,7 @@
           </a:ln>
           <a:extLst>
             <a:ext uri="{C572A759-6A51-4108-AA02-DFA0A04FC94B}">
-              <ma14:wrappingTextBoxFlag xmlns:ma14="http://schemas.microsoft.com/office/mac/drawingml/2011/main" xmlns="" val="1"/>
+              <ma14:wrappingTextBoxFlag xmlns="" xmlns:ma14="http://schemas.microsoft.com/office/mac/drawingml/2011/main" val="1"/>
             </a:ext>
           </a:extLst>
         </p:spPr>
@@ -25641,6 +26626,397 @@
 </file>
 
 <file path=ppt/slides/slide6.xml><?xml version="1.0" encoding="utf-8"?>
+<p:sld xmlns:a="http://schemas.openxmlformats.org/drawingml/2006/main" xmlns:r="http://schemas.openxmlformats.org/officeDocument/2006/relationships" xmlns:p="http://schemas.openxmlformats.org/presentationml/2006/main">
+  <p:cSld>
+    <p:spTree>
+      <p:nvGrpSpPr>
+        <p:cNvPr id="1" name=""/>
+        <p:cNvGrpSpPr/>
+        <p:nvPr/>
+      </p:nvGrpSpPr>
+      <p:grpSpPr>
+        <a:xfrm>
+          <a:off x="0" y="0"/>
+          <a:ext cx="0" cy="0"/>
+          <a:chOff x="0" y="0"/>
+          <a:chExt cx="0" cy="0"/>
+        </a:xfrm>
+      </p:grpSpPr>
+      <p:sp>
+        <p:nvSpPr>
+          <p:cNvPr id="254" name="Shape 254"/>
+          <p:cNvSpPr>
+            <a:spLocks noGrp="1"/>
+          </p:cNvSpPr>
+          <p:nvPr>
+            <p:ph type="body" idx="1"/>
+          </p:nvPr>
+        </p:nvSpPr>
+        <p:spPr>
+          <a:xfrm>
+            <a:off x="586403" y="1424433"/>
+            <a:ext cx="7772401" cy="4645920"/>
+          </a:xfrm>
+          <a:prstGeom prst="rect">
+            <a:avLst/>
+          </a:prstGeom>
+        </p:spPr>
+        <p:txBody>
+          <a:bodyPr anchor="t"/>
+          <a:lstStyle/>
+          <a:p>
+            <a:r>
+              <a:rPr lang="en-US" altLang="zh-TW" dirty="0" smtClean="0"/>
+              <a:t>Node.js</a:t>
+            </a:r>
+            <a:r>
+              <a:rPr lang="zh-TW" altLang="en-US" b="0" dirty="0" smtClean="0"/>
+              <a:t>是一個能夠在</a:t>
+            </a:r>
+            <a:r>
+              <a:rPr lang="zh-TW" altLang="en-US" b="0" dirty="0" smtClean="0">
+                <a:hlinkClick r:id="rId2" tooltip="伺服器"/>
+              </a:rPr>
+              <a:t>伺服器</a:t>
+            </a:r>
+            <a:r>
+              <a:rPr lang="zh-TW" altLang="en-US" b="0" dirty="0" smtClean="0"/>
+              <a:t>端運行</a:t>
+            </a:r>
+            <a:r>
+              <a:rPr lang="en-US" altLang="zh-TW" b="0" dirty="0" smtClean="0">
+                <a:hlinkClick r:id="rId3" tooltip="JavaScript"/>
+              </a:rPr>
+              <a:t>JavaScript</a:t>
+            </a:r>
+            <a:r>
+              <a:rPr lang="zh-TW" altLang="en-US" b="0" dirty="0" smtClean="0"/>
+              <a:t>的</a:t>
+            </a:r>
+            <a:r>
+              <a:rPr lang="zh-TW" altLang="en-US" b="0" dirty="0" smtClean="0">
+                <a:hlinkClick r:id="rId4" tooltip="開放原始碼"/>
+              </a:rPr>
+              <a:t>開放原始碼</a:t>
+            </a:r>
+            <a:r>
+              <a:rPr lang="zh-TW" altLang="en-US" b="0" dirty="0" smtClean="0"/>
+              <a:t>、</a:t>
+            </a:r>
+            <a:r>
+              <a:rPr lang="zh-TW" altLang="en-US" b="0" dirty="0" smtClean="0">
+                <a:hlinkClick r:id="rId5" tooltip="跨平台"/>
+              </a:rPr>
+              <a:t>跨平台</a:t>
+            </a:r>
+            <a:r>
+              <a:rPr lang="en-US" altLang="zh-TW" b="0" dirty="0" smtClean="0"/>
+              <a:t>JavaScript </a:t>
+            </a:r>
+            <a:r>
+              <a:rPr lang="zh-TW" altLang="en-US" b="0" dirty="0" smtClean="0">
+                <a:hlinkClick r:id="rId6" tooltip="執行環境"/>
+              </a:rPr>
+              <a:t>執行環境</a:t>
+            </a:r>
+            <a:r>
+              <a:rPr lang="zh-TW" altLang="en-US" b="0" dirty="0" smtClean="0"/>
+              <a:t>。</a:t>
+            </a:r>
+            <a:r>
+              <a:rPr lang="en-US" altLang="zh-TW" b="0" dirty="0" smtClean="0"/>
+              <a:t>Node.js</a:t>
+            </a:r>
+            <a:r>
+              <a:rPr lang="zh-TW" altLang="en-US" b="0" dirty="0" smtClean="0"/>
+              <a:t>由</a:t>
+            </a:r>
+            <a:r>
+              <a:rPr lang="en-US" altLang="zh-TW" b="0" dirty="0" smtClean="0"/>
+              <a:t>Node.js</a:t>
+            </a:r>
+            <a:r>
+              <a:rPr lang="zh-TW" altLang="en-US" b="0" dirty="0" smtClean="0"/>
+              <a:t>基金會持有和維護</a:t>
+            </a:r>
+            <a:r>
+              <a:rPr lang="en-US" altLang="zh-TW" b="0" baseline="30000" dirty="0" smtClean="0">
+                <a:hlinkClick r:id="rId7"/>
+              </a:rPr>
+              <a:t>[3]</a:t>
+            </a:r>
+            <a:r>
+              <a:rPr lang="zh-TW" altLang="en-US" b="0" dirty="0" smtClean="0"/>
+              <a:t>，並與</a:t>
+            </a:r>
+            <a:r>
+              <a:rPr lang="en-US" altLang="zh-TW" b="0" dirty="0" smtClean="0">
+                <a:hlinkClick r:id="rId8" tooltip="Linux基金會"/>
+              </a:rPr>
+              <a:t>Linux</a:t>
+            </a:r>
+            <a:r>
+              <a:rPr lang="zh-TW" altLang="en-US" b="0" dirty="0" smtClean="0">
+                <a:hlinkClick r:id="rId8" tooltip="Linux基金會"/>
+              </a:rPr>
+              <a:t>基金會</a:t>
+            </a:r>
+            <a:r>
+              <a:rPr lang="zh-TW" altLang="en-US" b="0" dirty="0" smtClean="0"/>
+              <a:t>有合作關係</a:t>
+            </a:r>
+            <a:r>
+              <a:rPr lang="en-US" altLang="zh-TW" b="0" baseline="30000" dirty="0" smtClean="0">
+                <a:hlinkClick r:id="rId9"/>
+              </a:rPr>
+              <a:t>[4]</a:t>
+            </a:r>
+            <a:r>
+              <a:rPr lang="zh-TW" altLang="en-US" b="0" dirty="0" smtClean="0"/>
+              <a:t>。</a:t>
+            </a:r>
+            <a:r>
+              <a:rPr lang="en-US" altLang="zh-TW" b="0" dirty="0" smtClean="0"/>
+              <a:t>Node.js</a:t>
+            </a:r>
+            <a:r>
+              <a:rPr lang="zh-TW" altLang="en-US" b="0" dirty="0" smtClean="0"/>
+              <a:t>採用</a:t>
+            </a:r>
+            <a:r>
+              <a:rPr lang="en-US" altLang="zh-TW" b="0" dirty="0" smtClean="0">
+                <a:hlinkClick r:id="rId10" tooltip="Google"/>
+              </a:rPr>
+              <a:t>Google</a:t>
+            </a:r>
+            <a:r>
+              <a:rPr lang="zh-TW" altLang="en-US" b="0" dirty="0" smtClean="0"/>
+              <a:t>開發的</a:t>
+            </a:r>
+            <a:r>
+              <a:rPr lang="en-US" altLang="zh-TW" b="0" dirty="0" smtClean="0">
+                <a:hlinkClick r:id="rId11" tooltip="V8 (JavaScript引擎)"/>
+              </a:rPr>
+              <a:t>V8</a:t>
+            </a:r>
+            <a:r>
+              <a:rPr lang="zh-TW" altLang="en-US" b="0" dirty="0" smtClean="0"/>
+              <a:t>執行程式碼，使用</a:t>
+            </a:r>
+            <a:r>
+              <a:rPr lang="zh-TW" altLang="en-US" b="0" dirty="0" smtClean="0">
+                <a:hlinkClick r:id="rId12" tooltip="事件驅動"/>
+              </a:rPr>
+              <a:t>事件驅動</a:t>
+            </a:r>
+            <a:r>
+              <a:rPr lang="zh-TW" altLang="en-US" b="0" dirty="0" smtClean="0"/>
+              <a:t>、</a:t>
+            </a:r>
+            <a:r>
+              <a:rPr lang="zh-TW" altLang="en-US" b="0" dirty="0" smtClean="0">
+                <a:hlinkClick r:id="rId13" tooltip="非阻塞（頁面不存在）"/>
+              </a:rPr>
+              <a:t>非阻塞</a:t>
+            </a:r>
+            <a:r>
+              <a:rPr lang="zh-TW" altLang="en-US" b="0" dirty="0" smtClean="0"/>
+              <a:t>和 </a:t>
+            </a:r>
+            <a:r>
+              <a:rPr lang="zh-TW" altLang="en-US" b="0" dirty="0" smtClean="0">
+                <a:hlinkClick r:id="rId14" tooltip="非同步輸入輸出（頁面不存在）"/>
+              </a:rPr>
+              <a:t>非同步輸入輸出</a:t>
+            </a:r>
+            <a:r>
+              <a:rPr lang="zh-TW" altLang="en-US" b="0" dirty="0" smtClean="0"/>
+              <a:t>模型等技術來提高效能，可最佳化應用程式的傳輸量和規模。這些技術通常用於資料密集的即時應用程式。</a:t>
+            </a:r>
+            <a:endParaRPr lang="en-US" altLang="zh-TW" b="0" dirty="0" smtClean="0"/>
+          </a:p>
+          <a:p>
+            <a:endParaRPr lang="zh-TW" altLang="en-US" b="0" dirty="0" smtClean="0"/>
+          </a:p>
+          <a:p>
+            <a:r>
+              <a:rPr lang="en-US" altLang="zh-TW" b="0" dirty="0" smtClean="0"/>
+              <a:t>Node.js</a:t>
+            </a:r>
+            <a:r>
+              <a:rPr lang="zh-TW" altLang="en-US" b="0" dirty="0" smtClean="0"/>
+              <a:t>大部分基本模組都用</a:t>
+            </a:r>
+            <a:r>
+              <a:rPr lang="en-US" altLang="zh-TW" b="0" dirty="0" smtClean="0"/>
+              <a:t>JavaScript</a:t>
+            </a:r>
+            <a:r>
+              <a:rPr lang="zh-TW" altLang="en-US" b="0" dirty="0" smtClean="0"/>
+              <a:t>語言編寫。在</a:t>
+            </a:r>
+            <a:r>
+              <a:rPr lang="en-US" altLang="zh-TW" b="0" dirty="0" smtClean="0"/>
+              <a:t>Node.js</a:t>
+            </a:r>
+            <a:r>
+              <a:rPr lang="zh-TW" altLang="en-US" b="0" dirty="0" smtClean="0"/>
+              <a:t>出現之前，</a:t>
+            </a:r>
+            <a:r>
+              <a:rPr lang="en-US" altLang="zh-TW" b="0" dirty="0" smtClean="0"/>
+              <a:t>JavaScript</a:t>
+            </a:r>
+            <a:r>
+              <a:rPr lang="zh-TW" altLang="en-US" b="0" dirty="0" smtClean="0"/>
+              <a:t>通常作為用戶端程式設計語言使用，以</a:t>
+            </a:r>
+            <a:r>
+              <a:rPr lang="en-US" altLang="zh-TW" b="0" dirty="0" smtClean="0"/>
+              <a:t>JavaScript</a:t>
+            </a:r>
+            <a:r>
+              <a:rPr lang="zh-TW" altLang="en-US" b="0" dirty="0" smtClean="0"/>
+              <a:t>寫出的程式常在用戶的瀏覽器上執行。</a:t>
+            </a:r>
+            <a:r>
+              <a:rPr lang="en-US" altLang="zh-TW" b="0" dirty="0" smtClean="0"/>
+              <a:t>Node.js</a:t>
+            </a:r>
+            <a:r>
+              <a:rPr lang="zh-TW" altLang="en-US" b="0" dirty="0" smtClean="0"/>
+              <a:t>的出現使</a:t>
+            </a:r>
+            <a:r>
+              <a:rPr lang="en-US" altLang="zh-TW" b="0" dirty="0" smtClean="0"/>
+              <a:t>JavaScript</a:t>
+            </a:r>
+            <a:r>
+              <a:rPr lang="zh-TW" altLang="en-US" b="0" dirty="0" smtClean="0"/>
+              <a:t>也能用於伺服器端編程。</a:t>
+            </a:r>
+            <a:r>
+              <a:rPr lang="en-US" altLang="zh-TW" b="0" dirty="0" smtClean="0"/>
+              <a:t>Node.js</a:t>
+            </a:r>
+            <a:r>
+              <a:rPr lang="zh-TW" altLang="en-US" b="0" dirty="0" smtClean="0"/>
+              <a:t>含有一系列內置模組，使得程式可以脫離</a:t>
+            </a:r>
+            <a:r>
+              <a:rPr lang="en-US" altLang="zh-TW" b="0" dirty="0" smtClean="0">
+                <a:hlinkClick r:id="rId15" tooltip="Apache HTTP Server"/>
+              </a:rPr>
+              <a:t>Apache HTTP Server</a:t>
+            </a:r>
+            <a:r>
+              <a:rPr lang="zh-TW" altLang="en-US" b="0" dirty="0" smtClean="0"/>
+              <a:t>或</a:t>
+            </a:r>
+            <a:r>
+              <a:rPr lang="en-US" altLang="zh-TW" b="0" dirty="0" smtClean="0">
+                <a:hlinkClick r:id="rId16" tooltip="IIS"/>
+              </a:rPr>
+              <a:t>IIS</a:t>
+            </a:r>
+            <a:r>
+              <a:rPr lang="zh-TW" altLang="en-US" b="0" dirty="0" smtClean="0"/>
+              <a:t>，作為獨立伺服器執行。</a:t>
+            </a:r>
+          </a:p>
+          <a:p>
+            <a:pPr defTabSz="694944">
+              <a:lnSpc>
+                <a:spcPct val="115000"/>
+              </a:lnSpc>
+              <a:spcBef>
+                <a:spcPts val="1200"/>
+              </a:spcBef>
+              <a:defRPr sz="2400" u="sng">
+                <a:solidFill>
+                  <a:srgbClr val="0000FF"/>
+                </a:solidFill>
+                <a:uFill>
+                  <a:solidFill>
+                    <a:srgbClr val="0000FF"/>
+                  </a:solidFill>
+                </a:uFill>
+                <a:latin typeface="Arial"/>
+                <a:ea typeface="Arial"/>
+                <a:cs typeface="Arial"/>
+                <a:sym typeface="Arial"/>
+              </a:defRPr>
+            </a:pPr>
+            <a:endParaRPr dirty="0"/>
+          </a:p>
+        </p:txBody>
+      </p:sp>
+      <p:sp>
+        <p:nvSpPr>
+          <p:cNvPr id="255" name="Shape 255"/>
+          <p:cNvSpPr/>
+          <p:nvPr/>
+        </p:nvSpPr>
+        <p:spPr>
+          <a:xfrm>
+            <a:off x="531812" y="240409"/>
+            <a:ext cx="7772401" cy="596897"/>
+          </a:xfrm>
+          <a:prstGeom prst="rect">
+            <a:avLst/>
+          </a:prstGeom>
+          <a:ln w="12700">
+            <a:miter lim="400000"/>
+          </a:ln>
+          <a:extLst>
+            <a:ext uri="{C572A759-6A51-4108-AA02-DFA0A04FC94B}">
+              <ma14:wrappingTextBoxFlag xmlns="" xmlns:ma14="http://schemas.microsoft.com/office/mac/drawingml/2011/main" val="1"/>
+            </a:ext>
+          </a:extLst>
+        </p:spPr>
+        <p:txBody>
+          <a:bodyPr lIns="45718" tIns="45718" rIns="45718" bIns="45718" anchor="ctr">
+            <a:normAutofit fontScale="92500" lnSpcReduction="20000"/>
+          </a:bodyPr>
+          <a:lstStyle>
+            <a:lvl1pPr algn="ctr" defTabSz="877822">
+              <a:defRPr sz="4000">
+                <a:solidFill>
+                  <a:srgbClr val="FFFFFF"/>
+                </a:solidFill>
+                <a:latin typeface="Arial"/>
+                <a:ea typeface="Arial"/>
+                <a:cs typeface="Arial"/>
+                <a:sym typeface="Arial"/>
+              </a:defRPr>
+            </a:lvl1pPr>
+          </a:lstStyle>
+          <a:p>
+            <a:r>
+              <a:rPr lang="en-US" dirty="0" smtClean="0"/>
+              <a:t>Nodejs</a:t>
+            </a:r>
+            <a:endParaRPr dirty="0"/>
+          </a:p>
+        </p:txBody>
+      </p:sp>
+    </p:spTree>
+  </p:cSld>
+  <p:clrMapOvr>
+    <a:masterClrMapping/>
+  </p:clrMapOvr>
+  <p:transition spd="slow"/>
+  <p:timing>
+    <p:tnLst>
+      <p:par>
+        <p:cTn id="1" dur="indefinite" restart="never" nodeType="tmRoot"/>
+      </p:par>
+    </p:tnLst>
+  </p:timing>
+</p:sld>
+</file>
+
+<file path=ppt/slides/slide7.xml><?xml version="1.0" encoding="utf-8"?>
 <p:sld xmlns:a="http://schemas.openxmlformats.org/drawingml/2006/main" xmlns:r="http://schemas.openxmlformats.org/officeDocument/2006/relationships" xmlns:p="http://schemas.openxmlformats.org/presentationml/2006/main">
   <p:cSld>
     <p:spTree>
@@ -25902,7 +27278,7 @@
           </a:ln>
           <a:extLst>
             <a:ext uri="{C572A759-6A51-4108-AA02-DFA0A04FC94B}">
-              <ma14:wrappingTextBoxFlag xmlns:ma14="http://schemas.microsoft.com/office/mac/drawingml/2011/main" xmlns="" val="1"/>
+              <ma14:wrappingTextBoxFlag xmlns="" xmlns:ma14="http://schemas.microsoft.com/office/mac/drawingml/2011/main" val="1"/>
             </a:ext>
           </a:extLst>
         </p:spPr>
@@ -25943,7 +27319,7 @@
           <a:blip r:embed="rId2" cstate="print">
             <a:extLst>
               <a:ext uri="{28A0092B-C50C-407E-A947-70E740481C1C}">
-                <a14:useLocalDpi xmlns:a14="http://schemas.microsoft.com/office/drawing/2010/main" xmlns="" val="0"/>
+                <a14:useLocalDpi xmlns="" xmlns:a14="http://schemas.microsoft.com/office/drawing/2010/main" val="0"/>
               </a:ext>
             </a:extLst>
           </a:blip>
@@ -25973,7 +27349,7 @@
           <a:blip r:embed="rId3" cstate="print">
             <a:extLst>
               <a:ext uri="{28A0092B-C50C-407E-A947-70E740481C1C}">
-                <a14:useLocalDpi xmlns:a14="http://schemas.microsoft.com/office/drawing/2010/main" xmlns="" val="0"/>
+                <a14:useLocalDpi xmlns="" xmlns:a14="http://schemas.microsoft.com/office/drawing/2010/main" val="0"/>
               </a:ext>
             </a:extLst>
           </a:blip>
@@ -25989,320 +27365,6 @@
           <a:prstGeom prst="rect">
             <a:avLst/>
           </a:prstGeom>
-        </p:spPr>
-      </p:pic>
-    </p:spTree>
-  </p:cSld>
-  <p:clrMapOvr>
-    <a:masterClrMapping/>
-  </p:clrMapOvr>
-  <p:transition spd="slow"/>
-  <p:timing>
-    <p:tnLst>
-      <p:par>
-        <p:cTn id="1" dur="indefinite" restart="never" nodeType="tmRoot"/>
-      </p:par>
-    </p:tnLst>
-  </p:timing>
-</p:sld>
-</file>
-
-<file path=ppt/slides/slide7.xml><?xml version="1.0" encoding="utf-8"?>
-<p:sld xmlns:a="http://schemas.openxmlformats.org/drawingml/2006/main" xmlns:r="http://schemas.openxmlformats.org/officeDocument/2006/relationships" xmlns:p="http://schemas.openxmlformats.org/presentationml/2006/main">
-  <p:cSld>
-    <p:spTree>
-      <p:nvGrpSpPr>
-        <p:cNvPr id="1" name=""/>
-        <p:cNvGrpSpPr/>
-        <p:nvPr/>
-      </p:nvGrpSpPr>
-      <p:grpSpPr>
-        <a:xfrm>
-          <a:off x="0" y="0"/>
-          <a:ext cx="0" cy="0"/>
-          <a:chOff x="0" y="0"/>
-          <a:chExt cx="0" cy="0"/>
-        </a:xfrm>
-      </p:grpSpPr>
-      <p:sp>
-        <p:nvSpPr>
-          <p:cNvPr id="254" name="Shape 254"/>
-          <p:cNvSpPr>
-            <a:spLocks noGrp="1"/>
-          </p:cNvSpPr>
-          <p:nvPr>
-            <p:ph type="body" idx="1"/>
-          </p:nvPr>
-        </p:nvSpPr>
-        <p:spPr>
-          <a:xfrm>
-            <a:off x="586403" y="1424433"/>
-            <a:ext cx="7772401" cy="4645920"/>
-          </a:xfrm>
-          <a:prstGeom prst="rect">
-            <a:avLst/>
-          </a:prstGeom>
-        </p:spPr>
-        <p:txBody>
-          <a:bodyPr anchor="t"/>
-          <a:lstStyle/>
-          <a:p>
-            <a:pPr defTabSz="694944">
-              <a:lnSpc>
-                <a:spcPct val="115000"/>
-              </a:lnSpc>
-              <a:spcBef>
-                <a:spcPts val="1200"/>
-              </a:spcBef>
-              <a:defRPr sz="2400" u="sng">
-                <a:solidFill>
-                  <a:srgbClr val="0000FF"/>
-                </a:solidFill>
-                <a:uFill>
-                  <a:solidFill>
-                    <a:srgbClr val="0000FF"/>
-                  </a:solidFill>
-                </a:uFill>
-                <a:latin typeface="Arial"/>
-                <a:ea typeface="Arial"/>
-                <a:cs typeface="Arial"/>
-                <a:sym typeface="Arial"/>
-              </a:defRPr>
-            </a:pPr>
-            <a:r>
-              <a:rPr lang="en-US" dirty="0" smtClean="0"/>
-              <a:t>https://github.com/hyper570908/nodeDemo</a:t>
-            </a:r>
-            <a:endParaRPr dirty="0">
-              <a:solidFill>
-                <a:srgbClr val="585858"/>
-              </a:solidFill>
-            </a:endParaRPr>
-          </a:p>
-          <a:p>
-            <a:pPr defTabSz="694944">
-              <a:lnSpc>
-                <a:spcPct val="115000"/>
-              </a:lnSpc>
-              <a:spcBef>
-                <a:spcPts val="1200"/>
-              </a:spcBef>
-              <a:defRPr sz="2400">
-                <a:solidFill>
-                  <a:srgbClr val="585858"/>
-                </a:solidFill>
-                <a:latin typeface="Arial"/>
-                <a:ea typeface="Arial"/>
-                <a:cs typeface="Arial"/>
-                <a:sym typeface="Arial"/>
-              </a:defRPr>
-            </a:pPr>
-            <a:endParaRPr dirty="0">
-              <a:solidFill>
-                <a:srgbClr val="585858"/>
-              </a:solidFill>
-            </a:endParaRPr>
-          </a:p>
-          <a:p>
-            <a:pPr defTabSz="694944">
-              <a:lnSpc>
-                <a:spcPct val="115000"/>
-              </a:lnSpc>
-              <a:spcBef>
-                <a:spcPts val="1200"/>
-              </a:spcBef>
-              <a:defRPr sz="2400">
-                <a:solidFill>
-                  <a:srgbClr val="585858"/>
-                </a:solidFill>
-                <a:latin typeface="Arial"/>
-                <a:ea typeface="Arial"/>
-                <a:cs typeface="Arial"/>
-                <a:sym typeface="Arial"/>
-              </a:defRPr>
-            </a:pPr>
-            <a:endParaRPr dirty="0">
-              <a:solidFill>
-                <a:srgbClr val="585858"/>
-              </a:solidFill>
-            </a:endParaRPr>
-          </a:p>
-          <a:p>
-            <a:pPr defTabSz="694944">
-              <a:lnSpc>
-                <a:spcPct val="115000"/>
-              </a:lnSpc>
-              <a:spcBef>
-                <a:spcPts val="1200"/>
-              </a:spcBef>
-              <a:defRPr sz="2400">
-                <a:solidFill>
-                  <a:srgbClr val="585858"/>
-                </a:solidFill>
-                <a:latin typeface="Arial"/>
-                <a:ea typeface="Arial"/>
-                <a:cs typeface="Arial"/>
-                <a:sym typeface="Arial"/>
-              </a:defRPr>
-            </a:pPr>
-            <a:endParaRPr dirty="0">
-              <a:solidFill>
-                <a:srgbClr val="585858"/>
-              </a:solidFill>
-            </a:endParaRPr>
-          </a:p>
-          <a:p>
-            <a:pPr defTabSz="694944">
-              <a:lnSpc>
-                <a:spcPct val="115000"/>
-              </a:lnSpc>
-              <a:spcBef>
-                <a:spcPts val="1200"/>
-              </a:spcBef>
-              <a:defRPr sz="2400">
-                <a:solidFill>
-                  <a:srgbClr val="585858"/>
-                </a:solidFill>
-                <a:latin typeface="Arial"/>
-                <a:ea typeface="Arial"/>
-                <a:cs typeface="Arial"/>
-                <a:sym typeface="Arial"/>
-              </a:defRPr>
-            </a:pPr>
-            <a:endParaRPr dirty="0">
-              <a:solidFill>
-                <a:srgbClr val="585858"/>
-              </a:solidFill>
-            </a:endParaRPr>
-          </a:p>
-          <a:p>
-            <a:pPr defTabSz="694944">
-              <a:lnSpc>
-                <a:spcPct val="115000"/>
-              </a:lnSpc>
-              <a:spcBef>
-                <a:spcPts val="1200"/>
-              </a:spcBef>
-              <a:defRPr sz="2400">
-                <a:solidFill>
-                  <a:srgbClr val="585858"/>
-                </a:solidFill>
-                <a:latin typeface="Arial"/>
-                <a:ea typeface="Arial"/>
-                <a:cs typeface="Arial"/>
-                <a:sym typeface="Arial"/>
-              </a:defRPr>
-            </a:pPr>
-            <a:endParaRPr dirty="0">
-              <a:solidFill>
-                <a:srgbClr val="585858"/>
-              </a:solidFill>
-            </a:endParaRPr>
-          </a:p>
-          <a:p>
-            <a:pPr defTabSz="694944">
-              <a:lnSpc>
-                <a:spcPct val="115000"/>
-              </a:lnSpc>
-              <a:spcBef>
-                <a:spcPts val="1200"/>
-              </a:spcBef>
-              <a:defRPr sz="2400">
-                <a:solidFill>
-                  <a:srgbClr val="585858"/>
-                </a:solidFill>
-                <a:latin typeface="Arial"/>
-                <a:ea typeface="Arial"/>
-                <a:cs typeface="Arial"/>
-                <a:sym typeface="Arial"/>
-              </a:defRPr>
-            </a:pPr>
-            <a:r>
-              <a:rPr dirty="0" smtClean="0"/>
-              <a:t>在目錄下執行 npm install</a:t>
-            </a:r>
-            <a:endParaRPr dirty="0"/>
-          </a:p>
-        </p:txBody>
-      </p:sp>
-      <p:sp>
-        <p:nvSpPr>
-          <p:cNvPr id="255" name="Shape 255"/>
-          <p:cNvSpPr/>
-          <p:nvPr/>
-        </p:nvSpPr>
-        <p:spPr>
-          <a:xfrm>
-            <a:off x="531812" y="240409"/>
-            <a:ext cx="7772401" cy="596897"/>
-          </a:xfrm>
-          <a:prstGeom prst="rect">
-            <a:avLst/>
-          </a:prstGeom>
-          <a:ln w="12700">
-            <a:miter lim="400000"/>
-          </a:ln>
-          <a:extLst>
-            <a:ext uri="{C572A759-6A51-4108-AA02-DFA0A04FC94B}">
-              <ma14:wrappingTextBoxFlag xmlns:ma14="http://schemas.microsoft.com/office/mac/drawingml/2011/main" xmlns="" val="1"/>
-            </a:ext>
-          </a:extLst>
-        </p:spPr>
-        <p:txBody>
-          <a:bodyPr lIns="45718" tIns="45718" rIns="45718" bIns="45718" anchor="ctr">
-            <a:normAutofit fontScale="92500" lnSpcReduction="20000"/>
-          </a:bodyPr>
-          <a:lstStyle>
-            <a:lvl1pPr algn="ctr" defTabSz="877822">
-              <a:defRPr sz="4000">
-                <a:solidFill>
-                  <a:srgbClr val="FFFFFF"/>
-                </a:solidFill>
-                <a:latin typeface="Arial"/>
-                <a:ea typeface="Arial"/>
-                <a:cs typeface="Arial"/>
-                <a:sym typeface="Arial"/>
-              </a:defRPr>
-            </a:lvl1pPr>
-          </a:lstStyle>
-          <a:p>
-            <a:r>
-              <a:rPr dirty="0"/>
-              <a:t>專案下載</a:t>
-            </a:r>
-          </a:p>
-        </p:txBody>
-      </p:sp>
-      <p:pic>
-        <p:nvPicPr>
-          <p:cNvPr id="1026" name="Picture 2"/>
-          <p:cNvPicPr>
-            <a:picLocks noChangeAspect="1" noChangeArrowheads="1"/>
-          </p:cNvPicPr>
-          <p:nvPr/>
-        </p:nvPicPr>
-        <p:blipFill>
-          <a:blip r:embed="rId2" cstate="print"/>
-          <a:srcRect/>
-          <a:stretch>
-            <a:fillRect/>
-          </a:stretch>
-        </p:blipFill>
-        <p:spPr bwMode="auto">
-          <a:xfrm>
-            <a:off x="430278" y="1908314"/>
-            <a:ext cx="8359640" cy="4768091"/>
-          </a:xfrm>
-          <a:prstGeom prst="rect">
-            <a:avLst/>
-          </a:prstGeom>
-          <a:noFill/>
-          <a:ln w="9525">
-            <a:noFill/>
-            <a:miter lim="800000"/>
-            <a:headEnd/>
-            <a:tailEnd/>
-          </a:ln>
         </p:spPr>
       </p:pic>
     </p:spTree>
@@ -26358,9 +27420,7 @@
           </a:prstGeom>
         </p:spPr>
         <p:txBody>
-          <a:bodyPr anchor="t">
-            <a:normAutofit lnSpcReduction="10000"/>
-          </a:bodyPr>
+          <a:bodyPr anchor="t"/>
           <a:lstStyle/>
           <a:p>
             <a:pPr defTabSz="694944">
@@ -26370,10 +27430,15 @@
               <a:spcBef>
                 <a:spcPts val="1200"/>
               </a:spcBef>
-              <a:defRPr sz="2400">
-                <a:solidFill>
-                  <a:srgbClr val="585858"/>
-                </a:solidFill>
+              <a:defRPr sz="2400" u="sng">
+                <a:solidFill>
+                  <a:srgbClr val="0000FF"/>
+                </a:solidFill>
+                <a:uFill>
+                  <a:solidFill>
+                    <a:srgbClr val="0000FF"/>
+                  </a:solidFill>
+                </a:uFill>
                 <a:latin typeface="Arial"/>
                 <a:ea typeface="Arial"/>
                 <a:cs typeface="Arial"/>
@@ -26381,10 +27446,14 @@
               </a:defRPr>
             </a:pPr>
             <a:r>
-              <a:rPr lang="zh-TW" altLang="en-US" dirty="0" smtClean="0"/>
-              <a:t>開發工具</a:t>
-            </a:r>
-            <a:endParaRPr lang="en-US" altLang="zh-TW" dirty="0" smtClean="0"/>
+              <a:rPr lang="en-US" dirty="0" smtClean="0"/>
+              <a:t>https://github.com/hyper570908/nodeDemo</a:t>
+            </a:r>
+            <a:endParaRPr dirty="0">
+              <a:solidFill>
+                <a:srgbClr val="585858"/>
+              </a:solidFill>
+            </a:endParaRPr>
           </a:p>
           <a:p>
             <a:pPr defTabSz="694944">
@@ -26394,8 +27463,6 @@
               <a:spcBef>
                 <a:spcPts val="1200"/>
               </a:spcBef>
-              <a:buFont typeface="Arial" pitchFamily="34" charset="0"/>
-              <a:buChar char="•"/>
               <a:defRPr sz="2400">
                 <a:solidFill>
                   <a:srgbClr val="585858"/>
@@ -26406,32 +27473,10 @@
                 <a:sym typeface="Arial"/>
               </a:defRPr>
             </a:pPr>
-            <a:r>
-              <a:rPr lang="en-US" altLang="zh-TW" sz="2400" dirty="0" smtClean="0">
-                <a:sym typeface="Arial"/>
-              </a:rPr>
-              <a:t>Visual Studio</a:t>
-            </a:r>
-            <a:r>
-              <a:rPr lang="en-US" altLang="zh-TW" sz="2400" b="0" dirty="0" smtClean="0">
-                <a:sym typeface="Arial"/>
-              </a:rPr>
-              <a:t/>
-            </a:r>
-            <a:br>
-              <a:rPr lang="en-US" altLang="zh-TW" sz="2400" b="0" dirty="0" smtClean="0">
-                <a:sym typeface="Arial"/>
-              </a:rPr>
-            </a:br>
-            <a:r>
-              <a:rPr lang="en-US" altLang="zh-TW" sz="2400" b="0" dirty="0" smtClean="0">
-                <a:sym typeface="Arial"/>
-                <a:hlinkClick r:id="rId2"/>
-              </a:rPr>
-              <a:t>https://code.visualstudio.com/download</a:t>
-            </a:r>
-            <a:endParaRPr lang="en-US" altLang="zh-TW" sz="2400" b="0" dirty="0" smtClean="0">
-              <a:sym typeface="Arial"/>
+            <a:endParaRPr dirty="0">
+              <a:solidFill>
+                <a:srgbClr val="585858"/>
+              </a:solidFill>
             </a:endParaRPr>
           </a:p>
           <a:p>
@@ -26442,8 +27487,6 @@
               <a:spcBef>
                 <a:spcPts val="1200"/>
               </a:spcBef>
-              <a:buFont typeface="Arial" pitchFamily="34" charset="0"/>
-              <a:buChar char="•"/>
               <a:defRPr sz="2400">
                 <a:solidFill>
                   <a:srgbClr val="585858"/>
@@ -26454,106 +27497,11 @@
                 <a:sym typeface="Arial"/>
               </a:defRPr>
             </a:pPr>
-            <a:r>
-              <a:rPr lang="en-US" altLang="zh-TW" sz="2400" dirty="0" smtClean="0">
-                <a:sym typeface="Arial"/>
-              </a:rPr>
-              <a:t>Sublime Text 3</a:t>
-            </a:r>
-          </a:p>
-          <a:p>
-            <a:r>
-              <a:rPr lang="en-US" altLang="zh-TW" sz="2400" b="0" dirty="0" smtClean="0">
-                <a:hlinkClick r:id="rId3"/>
-              </a:rPr>
-              <a:t>OS X</a:t>
-            </a:r>
-            <a:r>
-              <a:rPr lang="en-US" altLang="zh-TW" sz="2400" b="0" dirty="0" smtClean="0"/>
-              <a:t> (10.7 or later is required)</a:t>
-            </a:r>
-          </a:p>
-          <a:p>
-            <a:r>
-              <a:rPr lang="en-US" altLang="zh-TW" sz="2400" b="0" dirty="0" smtClean="0">
-                <a:hlinkClick r:id="rId4"/>
-              </a:rPr>
-              <a:t>Windows</a:t>
-            </a:r>
-            <a:r>
-              <a:rPr lang="en-US" altLang="zh-TW" sz="2400" b="0" dirty="0" smtClean="0"/>
-              <a:t> - also available as a </a:t>
-            </a:r>
-            <a:r>
-              <a:rPr lang="en-US" altLang="zh-TW" sz="2400" b="0" dirty="0" smtClean="0">
-                <a:hlinkClick r:id="rId5"/>
-              </a:rPr>
-              <a:t>portable version</a:t>
-            </a:r>
-            <a:endParaRPr lang="en-US" altLang="zh-TW" sz="2400" b="0" dirty="0" smtClean="0"/>
-          </a:p>
-          <a:p>
-            <a:r>
-              <a:rPr lang="en-US" altLang="zh-TW" sz="2400" b="0" dirty="0" smtClean="0">
-                <a:hlinkClick r:id="rId6"/>
-              </a:rPr>
-              <a:t>Windows 64 bit</a:t>
-            </a:r>
-            <a:r>
-              <a:rPr lang="en-US" altLang="zh-TW" sz="2400" b="0" dirty="0" smtClean="0"/>
-              <a:t> - also available as a </a:t>
-            </a:r>
-            <a:r>
-              <a:rPr lang="en-US" altLang="zh-TW" sz="2400" b="0" dirty="0" smtClean="0">
-                <a:hlinkClick r:id="rId7"/>
-              </a:rPr>
-              <a:t>portable version</a:t>
-            </a:r>
-            <a:endParaRPr lang="en-US" altLang="zh-TW" sz="2400" b="0" dirty="0" smtClean="0"/>
-          </a:p>
-          <a:p>
-            <a:r>
-              <a:rPr lang="en-US" altLang="zh-TW" sz="2400" b="0" dirty="0" smtClean="0">
-                <a:hlinkClick r:id="rId8"/>
-              </a:rPr>
-              <a:t>Ubuntu 64 bit</a:t>
-            </a:r>
-            <a:r>
-              <a:rPr lang="en-US" altLang="zh-TW" sz="2400" b="0" dirty="0" smtClean="0"/>
-              <a:t> - also available as a </a:t>
-            </a:r>
-            <a:r>
-              <a:rPr lang="en-US" altLang="zh-TW" sz="2400" b="0" dirty="0" smtClean="0">
-                <a:hlinkClick r:id="rId9"/>
-              </a:rPr>
-              <a:t>tarball</a:t>
-            </a:r>
-            <a:r>
-              <a:rPr lang="en-US" altLang="zh-TW" sz="2400" b="0" dirty="0" smtClean="0"/>
-              <a:t> for other Linux distributions.</a:t>
-            </a:r>
-          </a:p>
-          <a:p>
-            <a:r>
-              <a:rPr lang="en-US" altLang="zh-TW" sz="2400" b="0" dirty="0" smtClean="0">
-                <a:hlinkClick r:id="rId10"/>
-              </a:rPr>
-              <a:t>Ubuntu 32 bit</a:t>
-            </a:r>
-            <a:r>
-              <a:rPr lang="en-US" altLang="zh-TW" sz="2400" b="0" dirty="0" smtClean="0"/>
-              <a:t> - also available as a </a:t>
-            </a:r>
-            <a:r>
-              <a:rPr lang="en-US" altLang="zh-TW" sz="2400" b="0" dirty="0" smtClean="0">
-                <a:hlinkClick r:id="rId11"/>
-              </a:rPr>
-              <a:t>tarball</a:t>
-            </a:r>
-            <a:r>
-              <a:rPr lang="en-US" altLang="zh-TW" sz="2400" b="0" dirty="0" smtClean="0"/>
-              <a:t> for other Linux distributions.</a:t>
-            </a:r>
+            <a:endParaRPr dirty="0">
+              <a:solidFill>
+                <a:srgbClr val="585858"/>
+              </a:solidFill>
+            </a:endParaRPr>
           </a:p>
           <a:p>
             <a:pPr defTabSz="694944">
@@ -26563,8 +27511,6 @@
               <a:spcBef>
                 <a:spcPts val="1200"/>
               </a:spcBef>
-              <a:buFont typeface="Arial" pitchFamily="34" charset="0"/>
-              <a:buChar char="•"/>
               <a:defRPr sz="2400">
                 <a:solidFill>
                   <a:srgbClr val="585858"/>
@@ -26575,8 +27521,10 @@
                 <a:sym typeface="Arial"/>
               </a:defRPr>
             </a:pPr>
-            <a:endParaRPr lang="en-US" altLang="zh-TW" sz="2400" b="0" dirty="0" smtClean="0">
-              <a:sym typeface="Arial"/>
+            <a:endParaRPr dirty="0">
+              <a:solidFill>
+                <a:srgbClr val="585858"/>
+              </a:solidFill>
             </a:endParaRPr>
           </a:p>
           <a:p>
@@ -26587,8 +27535,6 @@
               <a:spcBef>
                 <a:spcPts val="1200"/>
               </a:spcBef>
-              <a:buFont typeface="Arial" pitchFamily="34" charset="0"/>
-              <a:buChar char="•"/>
               <a:defRPr sz="2400">
                 <a:solidFill>
                   <a:srgbClr val="585858"/>
@@ -26599,6 +27545,58 @@
                 <a:sym typeface="Arial"/>
               </a:defRPr>
             </a:pPr>
+            <a:endParaRPr dirty="0">
+              <a:solidFill>
+                <a:srgbClr val="585858"/>
+              </a:solidFill>
+            </a:endParaRPr>
+          </a:p>
+          <a:p>
+            <a:pPr defTabSz="694944">
+              <a:lnSpc>
+                <a:spcPct val="115000"/>
+              </a:lnSpc>
+              <a:spcBef>
+                <a:spcPts val="1200"/>
+              </a:spcBef>
+              <a:defRPr sz="2400">
+                <a:solidFill>
+                  <a:srgbClr val="585858"/>
+                </a:solidFill>
+                <a:latin typeface="Arial"/>
+                <a:ea typeface="Arial"/>
+                <a:cs typeface="Arial"/>
+                <a:sym typeface="Arial"/>
+              </a:defRPr>
+            </a:pPr>
+            <a:endParaRPr dirty="0">
+              <a:solidFill>
+                <a:srgbClr val="585858"/>
+              </a:solidFill>
+            </a:endParaRPr>
+          </a:p>
+          <a:p>
+            <a:pPr defTabSz="694944">
+              <a:lnSpc>
+                <a:spcPct val="115000"/>
+              </a:lnSpc>
+              <a:spcBef>
+                <a:spcPts val="1200"/>
+              </a:spcBef>
+              <a:defRPr sz="2400">
+                <a:solidFill>
+                  <a:srgbClr val="585858"/>
+                </a:solidFill>
+                <a:latin typeface="Arial"/>
+                <a:ea typeface="Arial"/>
+                <a:cs typeface="Arial"/>
+                <a:sym typeface="Arial"/>
+              </a:defRPr>
+            </a:pPr>
+            <a:r>
+              <a:rPr dirty="0" smtClean="0"/>
+              <a:t>在目錄下執行 npm install</a:t>
+            </a:r>
             <a:endParaRPr dirty="0"/>
           </a:p>
         </p:txBody>
@@ -26622,7 +27620,7 @@
           </a:ln>
           <a:extLst>
             <a:ext uri="{C572A759-6A51-4108-AA02-DFA0A04FC94B}">
-              <ma14:wrappingTextBoxFlag xmlns:ma14="http://schemas.microsoft.com/office/mac/drawingml/2011/main" xmlns="" val="1"/>
+              <ma14:wrappingTextBoxFlag xmlns="" xmlns:ma14="http://schemas.microsoft.com/office/mac/drawingml/2011/main" val="1"/>
             </a:ext>
           </a:extLst>
         </p:spPr>
@@ -26645,13 +27643,44 @@
           </a:lstStyle>
           <a:p>
             <a:r>
-              <a:rPr lang="zh-TW" altLang="en-US" dirty="0" smtClean="0"/>
-              <a:t>開發工具</a:t>
-            </a:r>
-            <a:endParaRPr dirty="0"/>
+              <a:rPr dirty="0"/>
+              <a:t>專案下載</a:t>
+            </a:r>
           </a:p>
         </p:txBody>
       </p:sp>
+      <p:pic>
+        <p:nvPicPr>
+          <p:cNvPr id="1026" name="Picture 2"/>
+          <p:cNvPicPr>
+            <a:picLocks noChangeAspect="1" noChangeArrowheads="1"/>
+          </p:cNvPicPr>
+          <p:nvPr/>
+        </p:nvPicPr>
+        <p:blipFill>
+          <a:blip r:embed="rId2" cstate="print"/>
+          <a:srcRect/>
+          <a:stretch>
+            <a:fillRect/>
+          </a:stretch>
+        </p:blipFill>
+        <p:spPr bwMode="auto">
+          <a:xfrm>
+            <a:off x="430278" y="1908314"/>
+            <a:ext cx="8359640" cy="4768091"/>
+          </a:xfrm>
+          <a:prstGeom prst="rect">
+            <a:avLst/>
+          </a:prstGeom>
+          <a:noFill/>
+          <a:ln w="9525">
+            <a:noFill/>
+            <a:miter lim="800000"/>
+            <a:headEnd/>
+            <a:tailEnd/>
+          </a:ln>
+        </p:spPr>
+      </p:pic>
     </p:spTree>
   </p:cSld>
   <p:clrMapOvr>
@@ -26687,46 +27716,7 @@
       </p:grpSpPr>
       <p:sp>
         <p:nvSpPr>
-          <p:cNvPr id="262" name="Shape 262"/>
-          <p:cNvSpPr>
-            <a:spLocks noGrp="1"/>
-          </p:cNvSpPr>
-          <p:nvPr>
-            <p:ph type="title"/>
-          </p:nvPr>
-        </p:nvSpPr>
-        <p:spPr>
-          <a:xfrm>
-            <a:off x="531812" y="88900"/>
-            <a:ext cx="7772401" cy="899915"/>
-          </a:xfrm>
-          <a:prstGeom prst="rect">
-            <a:avLst/>
-          </a:prstGeom>
-        </p:spPr>
-        <p:txBody>
-          <a:bodyPr anchor="ctr"/>
-          <a:lstStyle>
-            <a:lvl1pPr algn="ctr" defTabSz="877822">
-              <a:defRPr b="0" cap="none">
-                <a:solidFill>
-                  <a:srgbClr val="FFFFFF"/>
-                </a:solidFill>
-              </a:defRPr>
-            </a:lvl1pPr>
-          </a:lstStyle>
-          <a:p>
-            <a:r>
-              <a:rPr dirty="0" smtClean="0"/>
-              <a:t>簡單模組定義</a:t>
-            </a:r>
-            <a:endParaRPr dirty="0"/>
-          </a:p>
-        </p:txBody>
-      </p:sp>
-      <p:sp>
-        <p:nvSpPr>
-          <p:cNvPr id="263" name="Shape 263"/>
+          <p:cNvPr id="254" name="Shape 254"/>
           <p:cNvSpPr>
             <a:spLocks noGrp="1"/>
           </p:cNvSpPr>
@@ -26736,15 +27726,15 @@
         </p:nvSpPr>
         <p:spPr>
           <a:xfrm>
-            <a:off x="685798" y="1331959"/>
-            <a:ext cx="7772404" cy="4573295"/>
+            <a:off x="586403" y="1424433"/>
+            <a:ext cx="7772401" cy="4645920"/>
           </a:xfrm>
           <a:prstGeom prst="rect">
             <a:avLst/>
           </a:prstGeom>
         </p:spPr>
         <p:txBody>
-          <a:bodyPr>
+          <a:bodyPr anchor="t">
             <a:normAutofit lnSpcReduction="10000"/>
           </a:bodyPr>
           <a:lstStyle/>
@@ -26756,7 +27746,7 @@
               <a:spcBef>
                 <a:spcPts val="1200"/>
               </a:spcBef>
-              <a:defRPr>
+              <a:defRPr sz="2400">
                 <a:solidFill>
                   <a:srgbClr val="585858"/>
                 </a:solidFill>
@@ -26767,9 +27757,10 @@
               </a:defRPr>
             </a:pPr>
             <a:r>
-              <a:rPr dirty="0"/>
-              <a:t>node.js 遵照CommonJS 的慣例, 用 require 以及 exports 來作檔案和模組之間的溝通</a:t>
-            </a:r>
+              <a:rPr lang="zh-TW" altLang="en-US" dirty="0" smtClean="0"/>
+              <a:t>開發工具</a:t>
+            </a:r>
+            <a:endParaRPr lang="en-US" altLang="zh-TW" dirty="0" smtClean="0"/>
           </a:p>
           <a:p>
             <a:pPr defTabSz="694944">
@@ -26779,7 +27770,9 @@
               <a:spcBef>
                 <a:spcPts val="1200"/>
               </a:spcBef>
-              <a:defRPr sz="1300">
+              <a:buFont typeface="Arial" pitchFamily="34" charset="0"/>
+              <a:buChar char="•"/>
+              <a:defRPr sz="2400">
                 <a:solidFill>
                   <a:srgbClr val="585858"/>
                 </a:solidFill>
@@ -26789,7 +27782,33 @@
                 <a:sym typeface="Arial"/>
               </a:defRPr>
             </a:pPr>
-            <a:endParaRPr dirty="0"/>
+            <a:r>
+              <a:rPr lang="en-US" altLang="zh-TW" sz="2400" dirty="0" smtClean="0">
+                <a:sym typeface="Arial"/>
+              </a:rPr>
+              <a:t>Visual Studio</a:t>
+            </a:r>
+            <a:r>
+              <a:rPr lang="en-US" altLang="zh-TW" sz="2400" b="0" dirty="0" smtClean="0">
+                <a:sym typeface="Arial"/>
+              </a:rPr>
+              <a:t/>
+            </a:r>
+            <a:br>
+              <a:rPr lang="en-US" altLang="zh-TW" sz="2400" b="0" dirty="0" smtClean="0">
+                <a:sym typeface="Arial"/>
+              </a:rPr>
+            </a:br>
+            <a:r>
+              <a:rPr lang="en-US" altLang="zh-TW" sz="2400" b="0" dirty="0" smtClean="0">
+                <a:sym typeface="Arial"/>
+                <a:hlinkClick r:id="rId2"/>
+              </a:rPr>
+              <a:t>https://code.visualstudio.com/download</a:t>
+            </a:r>
+            <a:endParaRPr lang="en-US" altLang="zh-TW" sz="2400" b="0" dirty="0" smtClean="0">
+              <a:sym typeface="Arial"/>
+            </a:endParaRPr>
           </a:p>
           <a:p>
             <a:pPr defTabSz="694944">
@@ -26799,7 +27818,9 @@
               <a:spcBef>
                 <a:spcPts val="1200"/>
               </a:spcBef>
-              <a:defRPr sz="1600">
+              <a:buFont typeface="Arial" pitchFamily="34" charset="0"/>
+              <a:buChar char="•"/>
+              <a:defRPr sz="2400">
                 <a:solidFill>
                   <a:srgbClr val="585858"/>
                 </a:solidFill>
@@ -26810,8 +27831,104 @@
               </a:defRPr>
             </a:pPr>
             <a:r>
-              <a:rPr dirty="0"/>
-              <a:t>var PI = Math.PI;</a:t>
+              <a:rPr lang="en-US" altLang="zh-TW" sz="2400" dirty="0" smtClean="0">
+                <a:sym typeface="Arial"/>
+              </a:rPr>
+              <a:t>Sublime Text 3</a:t>
+            </a:r>
+          </a:p>
+          <a:p>
+            <a:r>
+              <a:rPr lang="en-US" altLang="zh-TW" sz="2400" b="0" dirty="0" smtClean="0">
+                <a:hlinkClick r:id="rId3"/>
+              </a:rPr>
+              <a:t>OS X</a:t>
+            </a:r>
+            <a:r>
+              <a:rPr lang="en-US" altLang="zh-TW" sz="2400" b="0" dirty="0" smtClean="0"/>
+              <a:t> (10.7 or later is required)</a:t>
+            </a:r>
+          </a:p>
+          <a:p>
+            <a:r>
+              <a:rPr lang="en-US" altLang="zh-TW" sz="2400" b="0" dirty="0" smtClean="0">
+                <a:hlinkClick r:id="rId4"/>
+              </a:rPr>
+              <a:t>Windows</a:t>
+            </a:r>
+            <a:r>
+              <a:rPr lang="en-US" altLang="zh-TW" sz="2400" b="0" dirty="0" smtClean="0"/>
+              <a:t> - also available as a </a:t>
+            </a:r>
+            <a:r>
+              <a:rPr lang="en-US" altLang="zh-TW" sz="2400" b="0" dirty="0" smtClean="0">
+                <a:hlinkClick r:id="rId5"/>
+              </a:rPr>
+              <a:t>portable version</a:t>
+            </a:r>
+            <a:endParaRPr lang="en-US" altLang="zh-TW" sz="2400" b="0" dirty="0" smtClean="0"/>
+          </a:p>
+          <a:p>
+            <a:r>
+              <a:rPr lang="en-US" altLang="zh-TW" sz="2400" b="0" dirty="0" smtClean="0">
+                <a:hlinkClick r:id="rId6"/>
+              </a:rPr>
+              <a:t>Windows 64 bit</a:t>
+            </a:r>
+            <a:r>
+              <a:rPr lang="en-US" altLang="zh-TW" sz="2400" b="0" dirty="0" smtClean="0"/>
+              <a:t> - also available as a </a:t>
+            </a:r>
+            <a:r>
+              <a:rPr lang="en-US" altLang="zh-TW" sz="2400" b="0" dirty="0" smtClean="0">
+                <a:hlinkClick r:id="rId7"/>
+              </a:rPr>
+              <a:t>portable version</a:t>
+            </a:r>
+            <a:endParaRPr lang="en-US" altLang="zh-TW" sz="2400" b="0" dirty="0" smtClean="0"/>
+          </a:p>
+          <a:p>
+            <a:r>
+              <a:rPr lang="en-US" altLang="zh-TW" sz="2400" b="0" dirty="0" smtClean="0">
+                <a:hlinkClick r:id="rId8"/>
+              </a:rPr>
+              <a:t>Ubuntu 64 bit</a:t>
+            </a:r>
+            <a:r>
+              <a:rPr lang="en-US" altLang="zh-TW" sz="2400" b="0" dirty="0" smtClean="0"/>
+              <a:t> - also available as a </a:t>
+            </a:r>
+            <a:r>
+              <a:rPr lang="en-US" altLang="zh-TW" sz="2400" b="0" dirty="0" smtClean="0">
+                <a:hlinkClick r:id="rId9"/>
+              </a:rPr>
+              <a:t>tarball</a:t>
+            </a:r>
+            <a:r>
+              <a:rPr lang="en-US" altLang="zh-TW" sz="2400" b="0" dirty="0" smtClean="0"/>
+              <a:t> for other Linux distributions.</a:t>
+            </a:r>
+          </a:p>
+          <a:p>
+            <a:r>
+              <a:rPr lang="en-US" altLang="zh-TW" sz="2400" b="0" dirty="0" smtClean="0">
+                <a:hlinkClick r:id="rId10"/>
+              </a:rPr>
+              <a:t>Ubuntu 32 bit</a:t>
+            </a:r>
+            <a:r>
+              <a:rPr lang="en-US" altLang="zh-TW" sz="2400" b="0" dirty="0" smtClean="0"/>
+              <a:t> - also available as a </a:t>
+            </a:r>
+            <a:r>
+              <a:rPr lang="en-US" altLang="zh-TW" sz="2400" b="0" dirty="0" smtClean="0">
+                <a:hlinkClick r:id="rId11"/>
+              </a:rPr>
+              <a:t>tarball</a:t>
+            </a:r>
+            <a:r>
+              <a:rPr lang="en-US" altLang="zh-TW" sz="2400" b="0" dirty="0" smtClean="0"/>
+              <a:t> for other Linux distributions.</a:t>
             </a:r>
           </a:p>
           <a:p>
@@ -26822,7 +27939,9 @@
               <a:spcBef>
                 <a:spcPts val="1200"/>
               </a:spcBef>
-              <a:defRPr sz="1600">
+              <a:buFont typeface="Arial" pitchFamily="34" charset="0"/>
+              <a:buChar char="•"/>
+              <a:defRPr sz="2400">
                 <a:solidFill>
                   <a:srgbClr val="585858"/>
                 </a:solidFill>
@@ -26832,10 +27951,9 @@
                 <a:sym typeface="Arial"/>
               </a:defRPr>
             </a:pPr>
-            <a:r>
-              <a:rPr dirty="0"/>
-              <a:t>exports.area = function (r) {</a:t>
-            </a:r>
+            <a:endParaRPr lang="en-US" altLang="zh-TW" sz="2400" b="0" dirty="0" smtClean="0">
+              <a:sym typeface="Arial"/>
+            </a:endParaRPr>
           </a:p>
           <a:p>
             <a:pPr defTabSz="694944">
@@ -26845,7 +27963,9 @@
               <a:spcBef>
                 <a:spcPts val="1200"/>
               </a:spcBef>
-              <a:defRPr sz="1600">
+              <a:buFont typeface="Arial" pitchFamily="34" charset="0"/>
+              <a:buChar char="•"/>
+              <a:defRPr sz="2400">
                 <a:solidFill>
                   <a:srgbClr val="585858"/>
                 </a:solidFill>
@@ -26855,126 +27975,56 @@
                 <a:sym typeface="Arial"/>
               </a:defRPr>
             </a:pPr>
-            <a:r>
-              <a:rPr dirty="0"/>
-              <a:t>    return PI * r * r;</a:t>
-            </a:r>
-          </a:p>
-          <a:p>
-            <a:pPr defTabSz="694944">
-              <a:lnSpc>
-                <a:spcPct val="115000"/>
-              </a:lnSpc>
-              <a:spcBef>
-                <a:spcPts val="1200"/>
-              </a:spcBef>
-              <a:defRPr sz="1600">
-                <a:solidFill>
-                  <a:srgbClr val="585858"/>
+            <a:endParaRPr dirty="0"/>
+          </a:p>
+        </p:txBody>
+      </p:sp>
+      <p:sp>
+        <p:nvSpPr>
+          <p:cNvPr id="255" name="Shape 255"/>
+          <p:cNvSpPr/>
+          <p:nvPr/>
+        </p:nvSpPr>
+        <p:spPr>
+          <a:xfrm>
+            <a:off x="531812" y="240409"/>
+            <a:ext cx="7772401" cy="596897"/>
+          </a:xfrm>
+          <a:prstGeom prst="rect">
+            <a:avLst/>
+          </a:prstGeom>
+          <a:ln w="12700">
+            <a:miter lim="400000"/>
+          </a:ln>
+          <a:extLst>
+            <a:ext uri="{C572A759-6A51-4108-AA02-DFA0A04FC94B}">
+              <ma14:wrappingTextBoxFlag xmlns="" xmlns:ma14="http://schemas.microsoft.com/office/mac/drawingml/2011/main" val="1"/>
+            </a:ext>
+          </a:extLst>
+        </p:spPr>
+        <p:txBody>
+          <a:bodyPr lIns="45718" tIns="45718" rIns="45718" bIns="45718" anchor="ctr">
+            <a:normAutofit fontScale="92500" lnSpcReduction="20000"/>
+          </a:bodyPr>
+          <a:lstStyle>
+            <a:lvl1pPr algn="ctr" defTabSz="877822">
+              <a:defRPr sz="4000">
+                <a:solidFill>
+                  <a:srgbClr val="FFFFFF"/>
                 </a:solidFill>
                 <a:latin typeface="Arial"/>
                 <a:ea typeface="Arial"/>
                 <a:cs typeface="Arial"/>
                 <a:sym typeface="Arial"/>
               </a:defRPr>
-            </a:pPr>
-            <a:r>
-              <a:rPr dirty="0"/>
-              <a:t>};</a:t>
-            </a:r>
-          </a:p>
-          <a:p>
-            <a:pPr defTabSz="694944">
-              <a:lnSpc>
-                <a:spcPct val="115000"/>
-              </a:lnSpc>
-              <a:spcBef>
-                <a:spcPts val="1200"/>
-              </a:spcBef>
-              <a:defRPr sz="1600">
-                <a:solidFill>
-                  <a:srgbClr val="585858"/>
-                </a:solidFill>
-                <a:latin typeface="Arial"/>
-                <a:ea typeface="Arial"/>
-                <a:cs typeface="Arial"/>
-                <a:sym typeface="Arial"/>
-              </a:defRPr>
-            </a:pPr>
-            <a:r>
-              <a:rPr dirty="0"/>
-              <a:t>exports.circumference = function (r) {</a:t>
-            </a:r>
-          </a:p>
-          <a:p>
-            <a:pPr defTabSz="694944">
-              <a:lnSpc>
-                <a:spcPct val="115000"/>
-              </a:lnSpc>
-              <a:spcBef>
-                <a:spcPts val="1200"/>
-              </a:spcBef>
-              <a:defRPr sz="1600">
-                <a:solidFill>
-                  <a:srgbClr val="585858"/>
-                </a:solidFill>
-                <a:latin typeface="Arial"/>
-                <a:ea typeface="Arial"/>
-                <a:cs typeface="Arial"/>
-                <a:sym typeface="Arial"/>
-              </a:defRPr>
-            </a:pPr>
-            <a:r>
-              <a:rPr dirty="0"/>
-              <a:t>    return 2 * PI * r;</a:t>
-            </a:r>
-          </a:p>
-          <a:p>
-            <a:pPr defTabSz="694944">
-              <a:lnSpc>
-                <a:spcPct val="115000"/>
-              </a:lnSpc>
-              <a:spcBef>
-                <a:spcPts val="1200"/>
-              </a:spcBef>
-              <a:defRPr sz="1600">
-                <a:solidFill>
-                  <a:srgbClr val="585858"/>
-                </a:solidFill>
-                <a:latin typeface="Arial"/>
-                <a:ea typeface="Arial"/>
-                <a:cs typeface="Arial"/>
-                <a:sym typeface="Arial"/>
-              </a:defRPr>
-            </a:pPr>
-            <a:r>
-              <a:rPr dirty="0"/>
-              <a:t>};</a:t>
-            </a:r>
-            <a:endParaRPr sz="1300" dirty="0"/>
-          </a:p>
-          <a:p>
-            <a:pPr defTabSz="694944">
-              <a:lnSpc>
-                <a:spcPct val="115000"/>
-              </a:lnSpc>
-              <a:spcBef>
-                <a:spcPts val="1200"/>
-              </a:spcBef>
-              <a:defRPr>
-                <a:solidFill>
-                  <a:srgbClr val="585858"/>
-                </a:solidFill>
-                <a:latin typeface="Arial"/>
-                <a:ea typeface="Arial"/>
-                <a:cs typeface="Arial"/>
-                <a:sym typeface="Arial"/>
-              </a:defRPr>
-            </a:pPr>
-            <a:r>
-              <a:rPr dirty="0"/>
-              <a:t>將這個文件存為circle.js</a:t>
-            </a:r>
+            </a:lvl1pPr>
+          </a:lstStyle>
+          <a:p>
+            <a:r>
+              <a:rPr lang="zh-TW" altLang="en-US" dirty="0" smtClean="0"/>
+              <a:t>開發工具</a:t>
+            </a:r>
+            <a:endParaRPr dirty="0"/>
           </a:p>
         </p:txBody>
       </p:sp>

--- a/doc/GIot_Session(win7).pptx
+++ b/doc/GIot_Session(win7).pptx
@@ -5,7 +5,7 @@
     <p:sldMasterId id="2147483648" r:id="rId1"/>
   </p:sldMasterIdLst>
   <p:notesMasterIdLst>
-    <p:notesMasterId r:id="rId61"/>
+    <p:notesMasterId r:id="rId65"/>
   </p:notesMasterIdLst>
   <p:sldIdLst>
     <p:sldId id="256" r:id="rId2"/>
@@ -19,54 +19,58 @@
     <p:sldId id="315" r:id="rId10"/>
     <p:sldId id="313" r:id="rId11"/>
     <p:sldId id="314" r:id="rId12"/>
-    <p:sldId id="309" r:id="rId13"/>
-    <p:sldId id="311" r:id="rId14"/>
-    <p:sldId id="342" r:id="rId15"/>
-    <p:sldId id="274" r:id="rId16"/>
-    <p:sldId id="316" r:id="rId17"/>
-    <p:sldId id="277" r:id="rId18"/>
-    <p:sldId id="278" r:id="rId19"/>
-    <p:sldId id="282" r:id="rId20"/>
-    <p:sldId id="306" r:id="rId21"/>
-    <p:sldId id="307" r:id="rId22"/>
-    <p:sldId id="280" r:id="rId23"/>
-    <p:sldId id="281" r:id="rId24"/>
-    <p:sldId id="283" r:id="rId25"/>
-    <p:sldId id="323" r:id="rId26"/>
-    <p:sldId id="284" r:id="rId27"/>
-    <p:sldId id="285" r:id="rId28"/>
-    <p:sldId id="339" r:id="rId29"/>
-    <p:sldId id="340" r:id="rId30"/>
-    <p:sldId id="286" r:id="rId31"/>
-    <p:sldId id="287" r:id="rId32"/>
-    <p:sldId id="321" r:id="rId33"/>
-    <p:sldId id="289" r:id="rId34"/>
-    <p:sldId id="288" r:id="rId35"/>
-    <p:sldId id="322" r:id="rId36"/>
-    <p:sldId id="320" r:id="rId37"/>
-    <p:sldId id="290" r:id="rId38"/>
-    <p:sldId id="291" r:id="rId39"/>
-    <p:sldId id="292" r:id="rId40"/>
-    <p:sldId id="293" r:id="rId41"/>
-    <p:sldId id="294" r:id="rId42"/>
-    <p:sldId id="295" r:id="rId43"/>
-    <p:sldId id="296" r:id="rId44"/>
-    <p:sldId id="298" r:id="rId45"/>
-    <p:sldId id="299" r:id="rId46"/>
-    <p:sldId id="300" r:id="rId47"/>
-    <p:sldId id="341" r:id="rId48"/>
-    <p:sldId id="303" r:id="rId49"/>
-    <p:sldId id="319" r:id="rId50"/>
-    <p:sldId id="325" r:id="rId51"/>
-    <p:sldId id="324" r:id="rId52"/>
-    <p:sldId id="328" r:id="rId53"/>
-    <p:sldId id="338" r:id="rId54"/>
-    <p:sldId id="327" r:id="rId55"/>
-    <p:sldId id="304" r:id="rId56"/>
-    <p:sldId id="337" r:id="rId57"/>
-    <p:sldId id="335" r:id="rId58"/>
-    <p:sldId id="326" r:id="rId59"/>
-    <p:sldId id="305" r:id="rId60"/>
+    <p:sldId id="347" r:id="rId13"/>
+    <p:sldId id="309" r:id="rId14"/>
+    <p:sldId id="311" r:id="rId15"/>
+    <p:sldId id="344" r:id="rId16"/>
+    <p:sldId id="343" r:id="rId17"/>
+    <p:sldId id="345" r:id="rId18"/>
+    <p:sldId id="342" r:id="rId19"/>
+    <p:sldId id="346" r:id="rId20"/>
+    <p:sldId id="274" r:id="rId21"/>
+    <p:sldId id="316" r:id="rId22"/>
+    <p:sldId id="277" r:id="rId23"/>
+    <p:sldId id="278" r:id="rId24"/>
+    <p:sldId id="282" r:id="rId25"/>
+    <p:sldId id="306" r:id="rId26"/>
+    <p:sldId id="307" r:id="rId27"/>
+    <p:sldId id="280" r:id="rId28"/>
+    <p:sldId id="281" r:id="rId29"/>
+    <p:sldId id="283" r:id="rId30"/>
+    <p:sldId id="323" r:id="rId31"/>
+    <p:sldId id="284" r:id="rId32"/>
+    <p:sldId id="285" r:id="rId33"/>
+    <p:sldId id="339" r:id="rId34"/>
+    <p:sldId id="340" r:id="rId35"/>
+    <p:sldId id="286" r:id="rId36"/>
+    <p:sldId id="287" r:id="rId37"/>
+    <p:sldId id="321" r:id="rId38"/>
+    <p:sldId id="289" r:id="rId39"/>
+    <p:sldId id="288" r:id="rId40"/>
+    <p:sldId id="322" r:id="rId41"/>
+    <p:sldId id="320" r:id="rId42"/>
+    <p:sldId id="290" r:id="rId43"/>
+    <p:sldId id="291" r:id="rId44"/>
+    <p:sldId id="292" r:id="rId45"/>
+    <p:sldId id="293" r:id="rId46"/>
+    <p:sldId id="294" r:id="rId47"/>
+    <p:sldId id="295" r:id="rId48"/>
+    <p:sldId id="296" r:id="rId49"/>
+    <p:sldId id="298" r:id="rId50"/>
+    <p:sldId id="299" r:id="rId51"/>
+    <p:sldId id="300" r:id="rId52"/>
+    <p:sldId id="341" r:id="rId53"/>
+    <p:sldId id="303" r:id="rId54"/>
+    <p:sldId id="319" r:id="rId55"/>
+    <p:sldId id="324" r:id="rId56"/>
+    <p:sldId id="328" r:id="rId57"/>
+    <p:sldId id="338" r:id="rId58"/>
+    <p:sldId id="327" r:id="rId59"/>
+    <p:sldId id="304" r:id="rId60"/>
+    <p:sldId id="337" r:id="rId61"/>
+    <p:sldId id="335" r:id="rId62"/>
+    <p:sldId id="326" r:id="rId63"/>
+    <p:sldId id="305" r:id="rId64"/>
   </p:sldIdLst>
   <p:sldSz cx="9144000" cy="6858000" type="screen4x3"/>
   <p:notesSz cx="6858000" cy="9144000"/>
@@ -7185,7 +7189,46 @@
       </p:grpSpPr>
       <p:sp>
         <p:nvSpPr>
-          <p:cNvPr id="249" name="Shape 249"/>
+          <p:cNvPr id="497" name="Shape 497"/>
+          <p:cNvSpPr>
+            <a:spLocks noGrp="1"/>
+          </p:cNvSpPr>
+          <p:nvPr>
+            <p:ph type="title"/>
+          </p:nvPr>
+        </p:nvSpPr>
+        <p:spPr>
+          <a:xfrm>
+            <a:off x="685798" y="0"/>
+            <a:ext cx="7772404" cy="899915"/>
+          </a:xfrm>
+          <a:prstGeom prst="rect">
+            <a:avLst/>
+          </a:prstGeom>
+        </p:spPr>
+        <p:txBody>
+          <a:bodyPr/>
+          <a:lstStyle>
+            <a:lvl1pPr algn="ctr">
+              <a:defRPr sz="4800" b="0" cap="none">
+                <a:solidFill>
+                  <a:srgbClr val="FFFFFF"/>
+                </a:solidFill>
+              </a:defRPr>
+            </a:lvl1pPr>
+          </a:lstStyle>
+          <a:p>
+            <a:r>
+              <a:rPr lang="zh-TW" altLang="en-US" dirty="0" smtClean="0"/>
+              <a:t>自定義模組功能說明</a:t>
+            </a:r>
+            <a:endParaRPr dirty="0"/>
+          </a:p>
+        </p:txBody>
+      </p:sp>
+      <p:sp>
+        <p:nvSpPr>
+          <p:cNvPr id="498" name="Shape 498"/>
           <p:cNvSpPr>
             <a:spLocks noGrp="1"/>
           </p:cNvSpPr>
@@ -7195,8 +7238,8 @@
         </p:nvSpPr>
         <p:spPr>
           <a:xfrm>
-            <a:off x="531812" y="1424433"/>
-            <a:ext cx="7772401" cy="4645920"/>
+            <a:off x="685798" y="1255562"/>
+            <a:ext cx="7772404" cy="4713390"/>
           </a:xfrm>
           <a:prstGeom prst="rect">
             <a:avLst/>
@@ -7208,416 +7251,368 @@
           </a:bodyPr>
           <a:lstStyle/>
           <a:p>
-            <a:pPr defTabSz="694944">
-              <a:lnSpc>
-                <a:spcPct val="115000"/>
-              </a:lnSpc>
-              <a:spcBef>
-                <a:spcPts val="1200"/>
-              </a:spcBef>
-              <a:defRPr sz="2400">
-                <a:solidFill>
-                  <a:srgbClr val="585858"/>
-                </a:solidFill>
-                <a:latin typeface="Arial"/>
-                <a:ea typeface="Arial"/>
-                <a:cs typeface="Arial"/>
-                <a:sym typeface="Arial"/>
-              </a:defRPr>
-            </a:pPr>
-            <a:r>
-              <a:rPr lang="en-US" altLang="zh-TW" dirty="0" smtClean="0">
-                <a:hlinkClick r:id="rId2"/>
-              </a:rPr>
-              <a:t>Node-Red</a:t>
-            </a:r>
-            <a:r>
-              <a:rPr lang="zh-TW" altLang="en-US" dirty="0" smtClean="0">
-                <a:hlinkClick r:id="rId2"/>
-              </a:rPr>
-              <a:t>網站</a:t>
+            <a:r>
+              <a:rPr lang="en-US" altLang="zh-TW" dirty="0" smtClean="0"/>
+              <a:t>models / event.js </a:t>
+            </a:r>
+            <a:r>
+              <a:rPr lang="zh-TW" altLang="en-US" dirty="0" smtClean="0"/>
+              <a:t>資料庫</a:t>
+            </a:r>
+            <a:r>
+              <a:rPr lang="en-US" altLang="zh-TW" dirty="0" smtClean="0"/>
+              <a:t>(event)</a:t>
+            </a:r>
+            <a:r>
+              <a:rPr lang="zh-TW" altLang="en-US" dirty="0" smtClean="0"/>
+              <a:t>操作工具模組</a:t>
             </a:r>
             <a:endParaRPr lang="en-US" altLang="zh-TW" dirty="0" smtClean="0"/>
           </a:p>
           <a:p>
-            <a:pPr defTabSz="694944">
-              <a:lnSpc>
-                <a:spcPct val="115000"/>
-              </a:lnSpc>
-              <a:spcBef>
-                <a:spcPts val="1200"/>
-              </a:spcBef>
-              <a:defRPr sz="2400">
-                <a:solidFill>
-                  <a:srgbClr val="585858"/>
-                </a:solidFill>
-                <a:latin typeface="Arial"/>
-                <a:ea typeface="Arial"/>
-                <a:cs typeface="Arial"/>
-                <a:sym typeface="Arial"/>
-              </a:defRPr>
-            </a:pPr>
-            <a:r>
-              <a:rPr lang="en-US" altLang="zh-TW" sz="2400" b="0" dirty="0" smtClean="0">
-                <a:sym typeface="Arial"/>
-              </a:rPr>
-              <a:t>Node-RED </a:t>
-            </a:r>
-            <a:r>
-              <a:rPr lang="zh-TW" altLang="en-US" sz="2400" b="0" dirty="0" smtClean="0">
-                <a:sym typeface="Arial"/>
-              </a:rPr>
-              <a:t>是 </a:t>
-            </a:r>
-            <a:r>
-              <a:rPr lang="en-US" altLang="zh-TW" sz="2400" b="0" dirty="0" smtClean="0">
-                <a:sym typeface="Arial"/>
-              </a:rPr>
-              <a:t>IBM </a:t>
-            </a:r>
-            <a:r>
-              <a:rPr lang="zh-TW" altLang="en-US" sz="2400" b="0" dirty="0" smtClean="0">
-                <a:sym typeface="Arial"/>
-              </a:rPr>
-              <a:t>以 </a:t>
-            </a:r>
-            <a:r>
-              <a:rPr lang="en-US" altLang="zh-TW" sz="2400" b="0" dirty="0" smtClean="0">
-                <a:sym typeface="Arial"/>
-              </a:rPr>
-              <a:t>Node.js </a:t>
-            </a:r>
-            <a:r>
-              <a:rPr lang="zh-TW" altLang="en-US" sz="2400" b="0" dirty="0" smtClean="0">
-                <a:sym typeface="Arial"/>
-              </a:rPr>
-              <a:t>為基礎而開發出來的視覺化 </a:t>
-            </a:r>
-            <a:r>
-              <a:rPr lang="en-US" altLang="zh-TW" sz="2400" b="0" dirty="0" smtClean="0">
-                <a:sym typeface="Arial"/>
-              </a:rPr>
-              <a:t>IOT </a:t>
-            </a:r>
-            <a:r>
-              <a:rPr lang="zh-TW" altLang="en-US" sz="2400" b="0" dirty="0" smtClean="0">
-                <a:sym typeface="Arial"/>
-              </a:rPr>
-              <a:t>開發工具</a:t>
-            </a:r>
-            <a:r>
-              <a:rPr lang="en-US" altLang="zh-TW" sz="2400" b="0" dirty="0" smtClean="0">
-                <a:sym typeface="Arial"/>
-              </a:rPr>
-              <a:t>.</a:t>
-            </a:r>
-          </a:p>
-          <a:p>
-            <a:pPr defTabSz="694944">
-              <a:lnSpc>
-                <a:spcPct val="115000"/>
-              </a:lnSpc>
-              <a:spcBef>
-                <a:spcPts val="1200"/>
-              </a:spcBef>
-              <a:defRPr sz="2400">
-                <a:solidFill>
-                  <a:srgbClr val="585858"/>
-                </a:solidFill>
-                <a:latin typeface="Arial"/>
-                <a:ea typeface="Arial"/>
-                <a:cs typeface="Arial"/>
-                <a:sym typeface="Arial"/>
-              </a:defRPr>
-            </a:pPr>
-            <a:r>
-              <a:rPr lang="zh-TW" altLang="en-US" sz="2400" b="0" dirty="0" smtClean="0">
-                <a:sym typeface="Arial"/>
-              </a:rPr>
-              <a:t>使用方式有四種</a:t>
-            </a:r>
-            <a:endParaRPr lang="en-US" altLang="zh-TW" sz="2400" b="0" dirty="0" smtClean="0">
-              <a:sym typeface="Arial"/>
+            <a:r>
+              <a:rPr lang="zh-TW" altLang="en-US" b="0" dirty="0" smtClean="0"/>
+              <a:t>常用功能</a:t>
+            </a:r>
+            <a:endParaRPr lang="en-US" altLang="zh-TW" b="0" dirty="0" smtClean="0"/>
+          </a:p>
+          <a:p>
+            <a:r>
+              <a:rPr lang="en-US" altLang="zh-TW" b="0" dirty="0" err="1" smtClean="0"/>
+              <a:t>saveEventMsg</a:t>
+            </a:r>
+            <a:r>
+              <a:rPr lang="zh-TW" altLang="en-US" b="0" dirty="0" smtClean="0"/>
+              <a:t>        </a:t>
+            </a:r>
+            <a:r>
+              <a:rPr lang="en-US" altLang="zh-TW" b="0" dirty="0" smtClean="0"/>
+              <a:t>:</a:t>
+            </a:r>
+            <a:r>
+              <a:rPr lang="zh-TW" altLang="en-US" b="0" dirty="0" smtClean="0"/>
+              <a:t>  將解析完成資料存到資料庫中</a:t>
+            </a:r>
+            <a:endParaRPr lang="en-US" altLang="zh-TW" b="0" dirty="0" smtClean="0"/>
+          </a:p>
+          <a:p>
+            <a:r>
+              <a:rPr lang="en-US" altLang="zh-TW" b="0" dirty="0" err="1" smtClean="0"/>
+              <a:t>findByMac</a:t>
+            </a:r>
+            <a:r>
+              <a:rPr lang="zh-TW" altLang="en-US" b="0" dirty="0" smtClean="0"/>
+              <a:t>             </a:t>
+            </a:r>
+            <a:r>
+              <a:rPr lang="en-US" altLang="zh-TW" b="0" dirty="0" smtClean="0"/>
+              <a:t>:</a:t>
+            </a:r>
+            <a:r>
+              <a:rPr lang="zh-TW" altLang="en-US" b="0" dirty="0" smtClean="0"/>
+              <a:t>  透過 關鍵字</a:t>
+            </a:r>
+            <a:r>
+              <a:rPr lang="en-US" altLang="zh-TW" b="0" dirty="0" err="1" smtClean="0"/>
+              <a:t>macAddr</a:t>
+            </a:r>
+            <a:r>
+              <a:rPr lang="zh-TW" altLang="en-US" b="0" dirty="0" smtClean="0"/>
+              <a:t>查詢所有資料</a:t>
+            </a:r>
+            <a:endParaRPr lang="en-US" altLang="zh-TW" b="0" dirty="0" smtClean="0"/>
+          </a:p>
+          <a:p>
+            <a:r>
+              <a:rPr lang="en-US" altLang="zh-TW" b="0" dirty="0" err="1" smtClean="0"/>
+              <a:t>findEventsByDate</a:t>
+            </a:r>
+            <a:r>
+              <a:rPr lang="en-US" altLang="zh-TW" b="0" dirty="0" smtClean="0"/>
+              <a:t>  :</a:t>
+            </a:r>
+            <a:r>
+              <a:rPr lang="zh-TW" altLang="en-US" b="0" dirty="0" smtClean="0"/>
+              <a:t>  透過 關鍵字 </a:t>
+            </a:r>
+            <a:r>
+              <a:rPr lang="en-US" altLang="zh-TW" b="0" dirty="0" smtClean="0"/>
+              <a:t>date, </a:t>
+            </a:r>
+            <a:r>
+              <a:rPr lang="en-US" altLang="zh-TW" b="0" dirty="0" err="1" smtClean="0"/>
+              <a:t>mac</a:t>
+            </a:r>
+            <a:r>
+              <a:rPr lang="en-US" altLang="zh-TW" b="0" dirty="0" smtClean="0"/>
+              <a:t>, date option</a:t>
+            </a:r>
+            <a:r>
+              <a:rPr lang="zh-TW" altLang="en-US" b="0" dirty="0" smtClean="0"/>
+              <a:t>查詢指定範圍內</a:t>
+            </a:r>
+            <a:r>
+              <a:rPr lang="en-US" altLang="zh-TW" b="0" dirty="0" smtClean="0"/>
+              <a:t/>
+            </a:r>
+            <a:br>
+              <a:rPr lang="en-US" altLang="zh-TW" b="0" dirty="0" smtClean="0"/>
+            </a:br>
+            <a:r>
+              <a:rPr lang="zh-TW" altLang="en-US" b="0" dirty="0" smtClean="0"/>
+              <a:t>                                  上報資料</a:t>
+            </a:r>
+            <a:endParaRPr lang="en-US" altLang="zh-TW" b="0" dirty="0" smtClean="0"/>
+          </a:p>
+          <a:p>
+            <a:r>
+              <a:rPr lang="en-US" altLang="zh-TW" dirty="0" smtClean="0"/>
+              <a:t>models/util.js </a:t>
+            </a:r>
+            <a:r>
+              <a:rPr lang="zh-TW" altLang="en-US" dirty="0" smtClean="0"/>
+              <a:t>自訂義輔助工具集合</a:t>
+            </a:r>
+            <a:endParaRPr lang="en-US" altLang="zh-TW" dirty="0" smtClean="0"/>
+          </a:p>
+          <a:p>
+            <a:r>
+              <a:rPr lang="en-US" altLang="zh-TW" b="0" dirty="0" smtClean="0"/>
+              <a:t>init</a:t>
+            </a:r>
+            <a:r>
+              <a:rPr lang="zh-TW" altLang="en-US" b="0" dirty="0" smtClean="0"/>
+              <a:t>                           </a:t>
+            </a:r>
+            <a:r>
+              <a:rPr lang="en-US" altLang="zh-TW" b="0" dirty="0" smtClean="0"/>
+              <a:t>:</a:t>
+            </a:r>
+            <a:r>
+              <a:rPr lang="zh-TW" altLang="en-US" b="0" dirty="0" smtClean="0"/>
+              <a:t>  會先從</a:t>
+            </a:r>
+            <a:r>
+              <a:rPr lang="en-US" altLang="zh-TW" b="0" dirty="0" smtClean="0"/>
+              <a:t>map </a:t>
+            </a:r>
+            <a:r>
+              <a:rPr lang="zh-TW" altLang="en-US" b="0" dirty="0" smtClean="0"/>
+              <a:t>資料庫取得 </a:t>
+            </a:r>
+            <a:r>
+              <a:rPr lang="en-US" altLang="zh-TW" b="0" dirty="0" smtClean="0"/>
+              <a:t>map</a:t>
+            </a:r>
+            <a:r>
+              <a:rPr lang="zh-TW" altLang="en-US" b="0" dirty="0" smtClean="0"/>
+              <a:t>資料</a:t>
+            </a:r>
+            <a:endParaRPr lang="en-US" altLang="zh-TW" b="0" dirty="0" smtClean="0"/>
+          </a:p>
+          <a:p>
+            <a:r>
+              <a:rPr lang="en-US" altLang="zh-TW" b="0" dirty="0" err="1" smtClean="0">
+                <a:solidFill>
+                  <a:srgbClr val="FF0000"/>
+                </a:solidFill>
+              </a:rPr>
+              <a:t>createMap</a:t>
+            </a:r>
+            <a:r>
+              <a:rPr lang="zh-TW" altLang="en-US" b="0" dirty="0" smtClean="0">
+                <a:solidFill>
+                  <a:srgbClr val="FF0000"/>
+                </a:solidFill>
+              </a:rPr>
+              <a:t>  </a:t>
+            </a:r>
+            <a:r>
+              <a:rPr lang="zh-TW" altLang="en-US" b="0" dirty="0" smtClean="0"/>
+              <a:t>              </a:t>
+            </a:r>
+            <a:r>
+              <a:rPr lang="en-US" altLang="zh-TW" b="0" dirty="0" smtClean="0"/>
+              <a:t>:</a:t>
+            </a:r>
+            <a:r>
+              <a:rPr lang="zh-TW" altLang="en-US" b="0" dirty="0" smtClean="0"/>
+              <a:t>  </a:t>
+            </a:r>
+            <a:r>
+              <a:rPr lang="zh-TW" altLang="en-US" b="0" dirty="0" smtClean="0"/>
+              <a:t>將定義的解析</a:t>
+            </a:r>
+            <a:r>
+              <a:rPr lang="zh-TW" altLang="en-US" b="0" dirty="0" smtClean="0"/>
+              <a:t>對照表</a:t>
+            </a:r>
+            <a:r>
+              <a:rPr lang="zh-TW" altLang="en-US" b="0" dirty="0" smtClean="0"/>
+              <a:t>存入</a:t>
+            </a:r>
+            <a:r>
+              <a:rPr lang="zh-TW" altLang="en-US" b="0" dirty="0" smtClean="0"/>
+              <a:t>資料庫</a:t>
+            </a:r>
+            <a:r>
+              <a:rPr lang="en-US" altLang="zh-TW" b="0" dirty="0" smtClean="0"/>
+              <a:t>,</a:t>
+            </a:r>
+            <a:r>
+              <a:rPr lang="zh-TW" altLang="en-US" b="0" dirty="0" smtClean="0"/>
+              <a:t>並</a:t>
+            </a:r>
+            <a:r>
+              <a:rPr lang="zh-TW" altLang="en-US" b="0" dirty="0" smtClean="0">
+                <a:solidFill>
+                  <a:srgbClr val="FF0000"/>
+                </a:solidFill>
+              </a:rPr>
+              <a:t>呼叫</a:t>
+            </a:r>
+            <a:r>
+              <a:rPr lang="en-US" altLang="zh-TW" b="0" dirty="0" smtClean="0">
+                <a:solidFill>
+                  <a:srgbClr val="FF0000"/>
+                </a:solidFill>
+              </a:rPr>
+              <a:t>init</a:t>
+            </a:r>
+            <a:endParaRPr lang="en-US" altLang="zh-TW" b="0" dirty="0" smtClean="0">
+              <a:solidFill>
+                <a:srgbClr val="FF0000"/>
+              </a:solidFill>
             </a:endParaRPr>
           </a:p>
           <a:p>
-            <a:pPr marL="457200" indent="-457200" defTabSz="694944">
-              <a:lnSpc>
-                <a:spcPct val="115000"/>
-              </a:lnSpc>
-              <a:spcBef>
-                <a:spcPts val="1200"/>
-              </a:spcBef>
-              <a:buFont typeface="+mj-lt"/>
-              <a:buAutoNum type="arabicPeriod"/>
-              <a:defRPr sz="2400">
-                <a:solidFill>
-                  <a:srgbClr val="585858"/>
-                </a:solidFill>
-                <a:latin typeface="Arial"/>
-                <a:ea typeface="Arial"/>
-                <a:cs typeface="Arial"/>
-                <a:sym typeface="Arial"/>
-              </a:defRPr>
-            </a:pPr>
-            <a:r>
-              <a:rPr lang="zh-TW" altLang="en-US" dirty="0" smtClean="0"/>
-              <a:t>登入</a:t>
-            </a:r>
-            <a:r>
-              <a:rPr lang="en-US" altLang="zh-TW" dirty="0" smtClean="0"/>
-              <a:t>IBM Bluemix</a:t>
-            </a:r>
-            <a:r>
-              <a:rPr lang="zh-TW" altLang="en-US" dirty="0" smtClean="0"/>
-              <a:t>啟用</a:t>
-            </a:r>
-            <a:r>
-              <a:rPr lang="en-US" altLang="zh-TW" dirty="0" smtClean="0"/>
-              <a:t>Node-Red</a:t>
-            </a:r>
-            <a:r>
-              <a:rPr lang="zh-TW" altLang="en-US" dirty="0" smtClean="0"/>
-              <a:t>服務</a:t>
-            </a:r>
-            <a:endParaRPr lang="en-US" altLang="zh-TW" dirty="0" smtClean="0"/>
-          </a:p>
-          <a:p>
-            <a:pPr marL="457200" indent="-457200" defTabSz="694944">
-              <a:lnSpc>
-                <a:spcPct val="115000"/>
-              </a:lnSpc>
-              <a:spcBef>
-                <a:spcPts val="1200"/>
-              </a:spcBef>
-              <a:buFont typeface="+mj-lt"/>
-              <a:buAutoNum type="arabicPeriod"/>
-              <a:defRPr sz="2400">
-                <a:solidFill>
-                  <a:srgbClr val="585858"/>
-                </a:solidFill>
-                <a:latin typeface="Arial"/>
-                <a:ea typeface="Arial"/>
-                <a:cs typeface="Arial"/>
-                <a:sym typeface="Arial"/>
-              </a:defRPr>
-            </a:pPr>
-            <a:r>
-              <a:rPr lang="zh-TW" altLang="en-US" dirty="0" smtClean="0"/>
-              <a:t>本地用安裝 </a:t>
-            </a:r>
-            <a:r>
-              <a:rPr lang="en-US" altLang="zh-TW" sz="2400" dirty="0" smtClean="0">
-                <a:sym typeface="Arial"/>
-              </a:rPr>
-              <a:t>npm install </a:t>
-            </a:r>
-            <a:r>
-              <a:rPr lang="en-US" altLang="zh-TW" sz="2400" dirty="0" smtClean="0">
-                <a:solidFill>
-                  <a:srgbClr val="FF0000"/>
-                </a:solidFill>
-                <a:sym typeface="Arial"/>
-              </a:rPr>
-              <a:t>-g </a:t>
-            </a:r>
-            <a:r>
-              <a:rPr lang="en-US" altLang="zh-TW" sz="2400" dirty="0" smtClean="0">
-                <a:sym typeface="Arial"/>
-              </a:rPr>
-              <a:t>node-red</a:t>
-            </a:r>
-          </a:p>
-          <a:p>
-            <a:pPr marL="457200" indent="-457200" defTabSz="694944">
-              <a:lnSpc>
-                <a:spcPct val="115000"/>
-              </a:lnSpc>
-              <a:spcBef>
-                <a:spcPts val="1200"/>
-              </a:spcBef>
-              <a:buFont typeface="+mj-lt"/>
-              <a:buAutoNum type="arabicPeriod"/>
-              <a:defRPr sz="2400">
-                <a:solidFill>
-                  <a:srgbClr val="585858"/>
-                </a:solidFill>
-                <a:latin typeface="Arial"/>
-                <a:ea typeface="Arial"/>
-                <a:cs typeface="Arial"/>
-                <a:sym typeface="Arial"/>
-              </a:defRPr>
-            </a:pPr>
-            <a:r>
-              <a:rPr lang="zh-TW" altLang="en-US" sz="2400" dirty="0" smtClean="0">
-                <a:sym typeface="Arial"/>
-              </a:rPr>
-              <a:t>以</a:t>
-            </a:r>
-            <a:r>
-              <a:rPr lang="en-US" altLang="zh-TW" sz="2400" dirty="0" smtClean="0">
-                <a:sym typeface="Arial"/>
-              </a:rPr>
-              <a:t>Git</a:t>
-            </a:r>
-            <a:r>
-              <a:rPr lang="zh-TW" altLang="en-US" sz="2400" dirty="0" smtClean="0">
-                <a:sym typeface="Arial"/>
-              </a:rPr>
-              <a:t>下載專案</a:t>
-            </a:r>
-            <a:r>
-              <a:rPr lang="en-US" altLang="zh-TW" sz="2400" dirty="0" smtClean="0">
-                <a:sym typeface="Arial"/>
-              </a:rPr>
+            <a:r>
+              <a:rPr lang="en-US" altLang="zh-TW" b="0" dirty="0" err="1" smtClean="0"/>
+              <a:t>saveSetting</a:t>
+            </a:r>
+            <a:r>
+              <a:rPr lang="en-US" altLang="zh-TW" b="0" dirty="0" smtClean="0"/>
+              <a:t>              :  </a:t>
+            </a:r>
+            <a:r>
+              <a:rPr lang="zh-TW" altLang="en-US" b="0" dirty="0" smtClean="0"/>
+              <a:t>儲存設定值</a:t>
+            </a:r>
+            <a:r>
+              <a:rPr lang="en-US" altLang="zh-TW" b="0" dirty="0" smtClean="0"/>
               <a:t/>
             </a:r>
             <a:br>
-              <a:rPr lang="en-US" altLang="zh-TW" sz="2400" dirty="0" smtClean="0">
-                <a:sym typeface="Arial"/>
-              </a:rPr>
+              <a:rPr lang="en-US" altLang="zh-TW" b="0" dirty="0" smtClean="0"/>
             </a:br>
             <a:r>
-              <a:rPr lang="en-US" altLang="zh-TW" sz="2400" dirty="0" smtClean="0">
-                <a:sym typeface="Arial"/>
-              </a:rPr>
-              <a:t>git clone </a:t>
-            </a:r>
-            <a:r>
-              <a:rPr lang="en-US" altLang="zh-TW" sz="2400" dirty="0" smtClean="0">
-                <a:sym typeface="Arial"/>
-                <a:hlinkClick r:id="rId3"/>
-              </a:rPr>
-              <a:t>https://github.com/node-red/node-red.git</a:t>
-            </a:r>
-            <a:endParaRPr lang="en-US" altLang="zh-TW" sz="2400" dirty="0" smtClean="0">
-              <a:sym typeface="Arial"/>
-            </a:endParaRPr>
-          </a:p>
-          <a:p>
-            <a:pPr marL="457200" indent="-457200" defTabSz="694944">
-              <a:lnSpc>
-                <a:spcPct val="115000"/>
-              </a:lnSpc>
-              <a:spcBef>
-                <a:spcPts val="1200"/>
-              </a:spcBef>
-              <a:buFont typeface="+mj-lt"/>
-              <a:buAutoNum type="arabicPeriod"/>
-              <a:defRPr sz="2400">
-                <a:solidFill>
-                  <a:srgbClr val="585858"/>
-                </a:solidFill>
-                <a:latin typeface="Arial"/>
-                <a:ea typeface="Arial"/>
-                <a:cs typeface="Arial"/>
-                <a:sym typeface="Arial"/>
-              </a:defRPr>
-            </a:pPr>
-            <a:r>
-              <a:rPr lang="zh-TW" altLang="en-US" sz="2400" dirty="0" smtClean="0">
-                <a:sym typeface="Arial"/>
-              </a:rPr>
-              <a:t>綁定到</a:t>
-            </a:r>
-            <a:r>
-              <a:rPr lang="en-US" altLang="zh-TW" sz="2400" dirty="0" smtClean="0">
-                <a:sym typeface="Arial"/>
-              </a:rPr>
-              <a:t>express</a:t>
-            </a:r>
-            <a:r>
-              <a:rPr lang="zh-TW" altLang="en-US" sz="2400" dirty="0" smtClean="0">
-                <a:sym typeface="Arial"/>
-              </a:rPr>
-              <a:t>專案中</a:t>
-            </a:r>
-            <a:endParaRPr lang="zh-TW" altLang="en-US" dirty="0"/>
-          </a:p>
-        </p:txBody>
-      </p:sp>
-      <p:sp>
-        <p:nvSpPr>
-          <p:cNvPr id="250" name="Shape 250"/>
-          <p:cNvSpPr/>
-          <p:nvPr/>
-        </p:nvSpPr>
-        <p:spPr>
-          <a:xfrm>
-            <a:off x="531812" y="215699"/>
-            <a:ext cx="7772401" cy="646317"/>
-          </a:xfrm>
-          <a:prstGeom prst="rect">
-            <a:avLst/>
-          </a:prstGeom>
-          <a:ln w="12700">
-            <a:miter lim="400000"/>
-          </a:ln>
-          <a:extLst>
-            <a:ext uri="{C572A759-6A51-4108-AA02-DFA0A04FC94B}">
-              <ma14:wrappingTextBoxFlag xmlns="" xmlns:ma14="http://schemas.microsoft.com/office/mac/drawingml/2011/main" val="1"/>
-            </a:ext>
-          </a:extLst>
-        </p:spPr>
-        <p:txBody>
-          <a:bodyPr lIns="45718" tIns="45718" rIns="45718" bIns="45718" anchor="ctr">
-            <a:normAutofit lnSpcReduction="10000"/>
-          </a:bodyPr>
-          <a:lstStyle>
-            <a:lvl1pPr algn="ctr" defTabSz="877822">
-              <a:defRPr sz="4000">
-                <a:solidFill>
-                  <a:srgbClr val="FFFFFF"/>
-                </a:solidFill>
-                <a:latin typeface="Arial"/>
-                <a:ea typeface="Arial"/>
-                <a:cs typeface="Arial"/>
-                <a:sym typeface="Arial"/>
-              </a:defRPr>
-            </a:lvl1pPr>
-          </a:lstStyle>
-          <a:p>
-            <a:r>
-              <a:rPr lang="en-US" altLang="zh-TW" dirty="0" smtClean="0"/>
-              <a:t>Node-Red</a:t>
-            </a:r>
-            <a:r>
-              <a:rPr lang="zh-TW" altLang="en-US" dirty="0" smtClean="0"/>
-              <a:t>安裝及應用</a:t>
-            </a:r>
-            <a:endParaRPr dirty="0"/>
-          </a:p>
-        </p:txBody>
-      </p:sp>
-      <p:sp>
-        <p:nvSpPr>
-          <p:cNvPr id="4" name="矩形 3"/>
-          <p:cNvSpPr/>
-          <p:nvPr/>
-        </p:nvSpPr>
-        <p:spPr>
-          <a:xfrm>
-            <a:off x="2475111" y="3244334"/>
-            <a:ext cx="4193777" cy="369332"/>
-          </a:xfrm>
-          <a:prstGeom prst="rect">
-            <a:avLst/>
-          </a:prstGeom>
-        </p:spPr>
-        <p:txBody>
-          <a:bodyPr wrap="none">
-            <a:spAutoFit/>
-          </a:bodyPr>
-          <a:lstStyle/>
-          <a:p>
-            <a:r>
-              <a:rPr lang="en-US" altLang="zh-TW" dirty="0" smtClean="0">
-                <a:sym typeface="Arial"/>
-                <a:hlinkClick r:id="rId3"/>
-              </a:rPr>
-              <a:t>https://github.com/node-red/node-red.git</a:t>
-            </a:r>
-            <a:endParaRPr lang="zh-TW" altLang="en-US" dirty="0"/>
+              <a:rPr lang="en-US" altLang="zh-TW" b="0" dirty="0" err="1" smtClean="0"/>
+              <a:t>getSetting</a:t>
+            </a:r>
+            <a:r>
+              <a:rPr lang="zh-TW" altLang="en-US" b="0" dirty="0" smtClean="0"/>
+              <a:t>                </a:t>
+            </a:r>
+            <a:r>
+              <a:rPr lang="en-US" altLang="zh-TW" b="0" dirty="0" smtClean="0"/>
+              <a:t>:</a:t>
+            </a:r>
+            <a:r>
+              <a:rPr lang="zh-TW" altLang="en-US" b="0" dirty="0" smtClean="0"/>
+              <a:t>  取得目前設定值</a:t>
+            </a:r>
+            <a:endParaRPr lang="en-US" altLang="zh-TW" b="0" dirty="0" smtClean="0"/>
+          </a:p>
+          <a:p>
+            <a:r>
+              <a:rPr lang="en-US" altLang="zh-TW" b="0" dirty="0" err="1" smtClean="0"/>
+              <a:t>parseMsgd</a:t>
+            </a:r>
+            <a:r>
+              <a:rPr lang="zh-TW" altLang="en-US" b="0" dirty="0" smtClean="0"/>
+              <a:t>               </a:t>
+            </a:r>
+            <a:r>
+              <a:rPr lang="en-US" altLang="zh-TW" b="0" dirty="0" smtClean="0"/>
+              <a:t>:</a:t>
+            </a:r>
+            <a:r>
+              <a:rPr lang="zh-TW" altLang="en-US" b="0" dirty="0" smtClean="0"/>
+              <a:t>  將訂閱到的資料透過 </a:t>
+            </a:r>
+            <a:r>
+              <a:rPr lang="en-US" altLang="zh-TW" b="0" dirty="0" smtClean="0"/>
+              <a:t>map</a:t>
+            </a:r>
+            <a:r>
+              <a:rPr lang="zh-TW" altLang="en-US" b="0" dirty="0" smtClean="0"/>
+              <a:t>定義的資料解析</a:t>
+            </a:r>
+            <a:endParaRPr lang="en-US" altLang="zh-TW" b="0" dirty="0" smtClean="0"/>
+          </a:p>
+          <a:p>
+            <a:r>
+              <a:rPr lang="en-US" altLang="zh-TW" b="0" dirty="0" err="1" smtClean="0"/>
+              <a:t>sendLineMessage</a:t>
+            </a:r>
+            <a:r>
+              <a:rPr lang="zh-TW" altLang="en-US" b="0" dirty="0" smtClean="0"/>
+              <a:t>    </a:t>
+            </a:r>
+            <a:r>
+              <a:rPr lang="en-US" altLang="zh-TW" b="0" dirty="0" smtClean="0"/>
+              <a:t>:</a:t>
+            </a:r>
+            <a:r>
+              <a:rPr lang="zh-TW" altLang="en-US" b="0" dirty="0" smtClean="0"/>
+              <a:t>  將要發送的通知透過</a:t>
+            </a:r>
+            <a:r>
+              <a:rPr lang="en-US" altLang="zh-TW" b="0" dirty="0" err="1" smtClean="0"/>
+              <a:t>linebot</a:t>
+            </a:r>
+            <a:r>
+              <a:rPr lang="zh-TW" altLang="en-US" b="0" dirty="0" smtClean="0"/>
+              <a:t>發送</a:t>
+            </a:r>
+            <a:endParaRPr lang="en-US" altLang="zh-TW" b="0" dirty="0" smtClean="0"/>
+          </a:p>
+          <a:p>
+            <a:r>
+              <a:rPr lang="en-US" altLang="zh-TW" b="0" dirty="0" err="1" smtClean="0"/>
+              <a:t>getTabledata</a:t>
+            </a:r>
+            <a:r>
+              <a:rPr lang="en-US" altLang="zh-TW" b="0" dirty="0" smtClean="0"/>
+              <a:t>            :  </a:t>
+            </a:r>
+            <a:r>
+              <a:rPr lang="zh-TW" altLang="en-US" b="0" dirty="0" smtClean="0"/>
+              <a:t>將查詢到的</a:t>
+            </a:r>
+            <a:r>
+              <a:rPr lang="en-US" altLang="zh-TW" b="0" dirty="0" smtClean="0"/>
+              <a:t>event</a:t>
+            </a:r>
+            <a:r>
+              <a:rPr lang="zh-TW" altLang="en-US" b="0" dirty="0" smtClean="0"/>
+              <a:t> 陣列轉成</a:t>
+            </a:r>
+            <a:r>
+              <a:rPr lang="en-US" altLang="zh-TW" b="0" dirty="0" smtClean="0"/>
+              <a:t>data table</a:t>
+            </a:r>
+            <a:r>
+              <a:rPr lang="zh-TW" altLang="en-US" b="0" dirty="0" smtClean="0"/>
+              <a:t>顯示用的陣列</a:t>
+            </a:r>
+            <a:endParaRPr lang="en-US" altLang="zh-TW" b="0" dirty="0" smtClean="0"/>
+          </a:p>
+          <a:p>
+            <a:endParaRPr lang="en-US" altLang="zh-TW" b="0" dirty="0" smtClean="0"/>
+          </a:p>
+          <a:p>
+            <a:endParaRPr lang="en-US" altLang="zh-TW" b="0" dirty="0"/>
           </a:p>
         </p:txBody>
       </p:sp>
@@ -7666,8 +7661,8 @@
         </p:nvSpPr>
         <p:spPr>
           <a:xfrm>
-            <a:off x="531812" y="984738"/>
-            <a:ext cx="7772401" cy="5085615"/>
+            <a:off x="531812" y="1424433"/>
+            <a:ext cx="7772401" cy="4645920"/>
           </a:xfrm>
           <a:prstGeom prst="rect">
             <a:avLst/>
@@ -7675,7 +7670,7 @@
         </p:spPr>
         <p:txBody>
           <a:bodyPr anchor="t">
-            <a:normAutofit/>
+            <a:normAutofit lnSpcReduction="10000"/>
           </a:bodyPr>
           <a:lstStyle/>
           <a:p>
@@ -7697,6 +7692,38 @@
               </a:defRPr>
             </a:pPr>
             <a:r>
+              <a:rPr lang="en-US" altLang="zh-TW" dirty="0" smtClean="0">
+                <a:hlinkClick r:id="rId2"/>
+              </a:rPr>
+              <a:t>Node-Red</a:t>
+            </a:r>
+            <a:r>
+              <a:rPr lang="zh-TW" altLang="en-US" dirty="0" smtClean="0">
+                <a:hlinkClick r:id="rId2"/>
+              </a:rPr>
+              <a:t>網站</a:t>
+            </a:r>
+            <a:endParaRPr lang="en-US" altLang="zh-TW" dirty="0" smtClean="0"/>
+          </a:p>
+          <a:p>
+            <a:pPr defTabSz="694944">
+              <a:lnSpc>
+                <a:spcPct val="115000"/>
+              </a:lnSpc>
+              <a:spcBef>
+                <a:spcPts val="1200"/>
+              </a:spcBef>
+              <a:defRPr sz="2400">
+                <a:solidFill>
+                  <a:srgbClr val="585858"/>
+                </a:solidFill>
+                <a:latin typeface="Arial"/>
+                <a:ea typeface="Arial"/>
+                <a:cs typeface="Arial"/>
+                <a:sym typeface="Arial"/>
+              </a:defRPr>
+            </a:pPr>
+            <a:r>
               <a:rPr lang="en-US" altLang="zh-TW" sz="2400" b="0" dirty="0" smtClean="0">
                 <a:sym typeface="Arial"/>
               </a:rPr>
@@ -7750,6 +7777,228 @@
               </a:rPr>
               <a:t>.</a:t>
             </a:r>
+          </a:p>
+          <a:p>
+            <a:pPr defTabSz="694944">
+              <a:lnSpc>
+                <a:spcPct val="115000"/>
+              </a:lnSpc>
+              <a:spcBef>
+                <a:spcPts val="1200"/>
+              </a:spcBef>
+              <a:defRPr sz="2400">
+                <a:solidFill>
+                  <a:srgbClr val="585858"/>
+                </a:solidFill>
+                <a:latin typeface="Arial"/>
+                <a:ea typeface="Arial"/>
+                <a:cs typeface="Arial"/>
+                <a:sym typeface="Arial"/>
+              </a:defRPr>
+            </a:pPr>
+            <a:r>
+              <a:rPr lang="zh-TW" altLang="en-US" sz="2400" b="0" dirty="0" smtClean="0">
+                <a:sym typeface="Arial"/>
+              </a:rPr>
+              <a:t>使用方式有四種</a:t>
+            </a:r>
+            <a:endParaRPr lang="en-US" altLang="zh-TW" sz="2400" b="0" dirty="0" smtClean="0">
+              <a:sym typeface="Arial"/>
+            </a:endParaRPr>
+          </a:p>
+          <a:p>
+            <a:pPr marL="457200" indent="-457200" defTabSz="694944">
+              <a:lnSpc>
+                <a:spcPct val="115000"/>
+              </a:lnSpc>
+              <a:spcBef>
+                <a:spcPts val="1200"/>
+              </a:spcBef>
+              <a:buFont typeface="+mj-lt"/>
+              <a:buAutoNum type="arabicPeriod"/>
+              <a:defRPr sz="2400">
+                <a:solidFill>
+                  <a:srgbClr val="585858"/>
+                </a:solidFill>
+                <a:latin typeface="Arial"/>
+                <a:ea typeface="Arial"/>
+                <a:cs typeface="Arial"/>
+                <a:sym typeface="Arial"/>
+              </a:defRPr>
+            </a:pPr>
+            <a:r>
+              <a:rPr lang="zh-TW" altLang="en-US" dirty="0" smtClean="0"/>
+              <a:t>登入</a:t>
+            </a:r>
+            <a:r>
+              <a:rPr lang="en-US" altLang="zh-TW" dirty="0" smtClean="0"/>
+              <a:t>IBM Bluemix</a:t>
+            </a:r>
+            <a:r>
+              <a:rPr lang="zh-TW" altLang="en-US" dirty="0" smtClean="0"/>
+              <a:t>啟用</a:t>
+            </a:r>
+            <a:r>
+              <a:rPr lang="en-US" altLang="zh-TW" dirty="0" smtClean="0"/>
+              <a:t>Node-Red</a:t>
+            </a:r>
+            <a:r>
+              <a:rPr lang="zh-TW" altLang="en-US" dirty="0" smtClean="0"/>
+              <a:t>服務</a:t>
+            </a:r>
+            <a:endParaRPr lang="en-US" altLang="zh-TW" dirty="0" smtClean="0"/>
+          </a:p>
+          <a:p>
+            <a:pPr marL="457200" indent="-457200" defTabSz="694944">
+              <a:lnSpc>
+                <a:spcPct val="115000"/>
+              </a:lnSpc>
+              <a:spcBef>
+                <a:spcPts val="1200"/>
+              </a:spcBef>
+              <a:buFont typeface="+mj-lt"/>
+              <a:buAutoNum type="arabicPeriod"/>
+              <a:defRPr sz="2400">
+                <a:solidFill>
+                  <a:srgbClr val="585858"/>
+                </a:solidFill>
+                <a:latin typeface="Arial"/>
+                <a:ea typeface="Arial"/>
+                <a:cs typeface="Arial"/>
+                <a:sym typeface="Arial"/>
+              </a:defRPr>
+            </a:pPr>
+            <a:r>
+              <a:rPr lang="zh-TW" altLang="en-US" dirty="0" smtClean="0"/>
+              <a:t>本地用安裝 </a:t>
+            </a:r>
+            <a:r>
+              <a:rPr lang="en-US" altLang="zh-TW" sz="2400" dirty="0" smtClean="0">
+                <a:sym typeface="Arial"/>
+              </a:rPr>
+              <a:t>npm install </a:t>
+            </a:r>
+            <a:r>
+              <a:rPr lang="en-US" altLang="zh-TW" sz="2400" dirty="0" smtClean="0">
+                <a:solidFill>
+                  <a:srgbClr val="FF0000"/>
+                </a:solidFill>
+                <a:sym typeface="Arial"/>
+              </a:rPr>
+              <a:t>-g </a:t>
+            </a:r>
+            <a:r>
+              <a:rPr lang="en-US" altLang="zh-TW" sz="2400" dirty="0" smtClean="0">
+                <a:sym typeface="Arial"/>
+              </a:rPr>
+              <a:t>node-red</a:t>
+            </a:r>
+          </a:p>
+          <a:p>
+            <a:pPr marL="457200" indent="-457200" defTabSz="694944">
+              <a:lnSpc>
+                <a:spcPct val="115000"/>
+              </a:lnSpc>
+              <a:spcBef>
+                <a:spcPts val="1200"/>
+              </a:spcBef>
+              <a:buFont typeface="+mj-lt"/>
+              <a:buAutoNum type="arabicPeriod"/>
+              <a:defRPr sz="2400">
+                <a:solidFill>
+                  <a:srgbClr val="585858"/>
+                </a:solidFill>
+                <a:latin typeface="Arial"/>
+                <a:ea typeface="Arial"/>
+                <a:cs typeface="Arial"/>
+                <a:sym typeface="Arial"/>
+              </a:defRPr>
+            </a:pPr>
+            <a:r>
+              <a:rPr lang="zh-TW" altLang="en-US" sz="2400" dirty="0" smtClean="0">
+                <a:sym typeface="Arial"/>
+              </a:rPr>
+              <a:t>以</a:t>
+            </a:r>
+            <a:r>
+              <a:rPr lang="en-US" altLang="zh-TW" sz="2400" dirty="0" smtClean="0">
+                <a:sym typeface="Arial"/>
+              </a:rPr>
+              <a:t>Git</a:t>
+            </a:r>
+            <a:r>
+              <a:rPr lang="zh-TW" altLang="en-US" sz="2400" dirty="0" smtClean="0">
+                <a:sym typeface="Arial"/>
+              </a:rPr>
+              <a:t>下載專案</a:t>
+            </a:r>
+            <a:r>
+              <a:rPr lang="en-US" altLang="zh-TW" sz="2400" dirty="0" smtClean="0">
+                <a:sym typeface="Arial"/>
+              </a:rPr>
+              <a:t/>
+            </a:r>
+            <a:br>
+              <a:rPr lang="en-US" altLang="zh-TW" sz="2400" dirty="0" smtClean="0">
+                <a:sym typeface="Arial"/>
+              </a:rPr>
+            </a:br>
+            <a:r>
+              <a:rPr lang="en-US" altLang="zh-TW" sz="2400" dirty="0" smtClean="0">
+                <a:sym typeface="Arial"/>
+              </a:rPr>
+              <a:t>git clone </a:t>
+            </a:r>
+            <a:r>
+              <a:rPr lang="en-US" altLang="zh-TW" sz="2400" dirty="0" smtClean="0">
+                <a:sym typeface="Arial"/>
+                <a:hlinkClick r:id="rId3"/>
+              </a:rPr>
+              <a:t>https://github.com/node-red/node-red.git</a:t>
+            </a:r>
+            <a:endParaRPr lang="en-US" altLang="zh-TW" sz="2400" dirty="0" smtClean="0">
+              <a:sym typeface="Arial"/>
+            </a:endParaRPr>
+          </a:p>
+          <a:p>
+            <a:pPr marL="457200" indent="-457200" defTabSz="694944">
+              <a:lnSpc>
+                <a:spcPct val="115000"/>
+              </a:lnSpc>
+              <a:spcBef>
+                <a:spcPts val="1200"/>
+              </a:spcBef>
+              <a:buFont typeface="+mj-lt"/>
+              <a:buAutoNum type="arabicPeriod"/>
+              <a:defRPr sz="2400">
+                <a:solidFill>
+                  <a:srgbClr val="585858"/>
+                </a:solidFill>
+                <a:latin typeface="Arial"/>
+                <a:ea typeface="Arial"/>
+                <a:cs typeface="Arial"/>
+                <a:sym typeface="Arial"/>
+              </a:defRPr>
+            </a:pPr>
+            <a:r>
+              <a:rPr lang="zh-TW" altLang="en-US" sz="2400" dirty="0" smtClean="0">
+                <a:sym typeface="Arial"/>
+              </a:rPr>
+              <a:t>綁定到</a:t>
+            </a:r>
+            <a:r>
+              <a:rPr lang="en-US" altLang="zh-TW" sz="2400" dirty="0" smtClean="0">
+                <a:sym typeface="Arial"/>
+              </a:rPr>
+              <a:t>express</a:t>
+            </a:r>
+            <a:r>
+              <a:rPr lang="zh-TW" altLang="en-US" sz="2400" dirty="0" smtClean="0">
+                <a:sym typeface="Arial"/>
+              </a:rPr>
+              <a:t>專案中</a:t>
+            </a:r>
+            <a:endParaRPr lang="zh-TW" altLang="en-US" dirty="0"/>
           </a:p>
         </p:txBody>
       </p:sp>
@@ -7798,36 +8047,46 @@
               <a:rPr lang="en-US" altLang="zh-TW" dirty="0" smtClean="0"/>
               <a:t>Node-Red</a:t>
             </a:r>
+            <a:r>
+              <a:rPr lang="zh-TW" altLang="en-US" dirty="0" smtClean="0"/>
+              <a:t>安裝及應用</a:t>
+            </a:r>
             <a:endParaRPr dirty="0"/>
           </a:p>
         </p:txBody>
       </p:sp>
-      <p:pic>
-        <p:nvPicPr>
-          <p:cNvPr id="1026" name="Picture 2" descr="C:\Users\960193\Desktop\node-7.jpg"/>
-          <p:cNvPicPr>
-            <a:picLocks noChangeAspect="1" noChangeArrowheads="1"/>
-          </p:cNvPicPr>
+      <p:sp>
+        <p:nvSpPr>
+          <p:cNvPr id="4" name="矩形 3"/>
+          <p:cNvSpPr/>
           <p:nvPr/>
-        </p:nvPicPr>
-        <p:blipFill>
-          <a:blip r:embed="rId2" cstate="print"/>
-          <a:srcRect/>
-          <a:stretch>
-            <a:fillRect/>
-          </a:stretch>
-        </p:blipFill>
-        <p:spPr bwMode="auto">
+        </p:nvSpPr>
+        <p:spPr>
           <a:xfrm>
-            <a:off x="492367" y="1992923"/>
-            <a:ext cx="8264953" cy="4865077"/>
+            <a:off x="2475111" y="3244334"/>
+            <a:ext cx="4193777" cy="369332"/>
           </a:xfrm>
           <a:prstGeom prst="rect">
             <a:avLst/>
           </a:prstGeom>
-          <a:noFill/>
         </p:spPr>
-      </p:pic>
+        <p:txBody>
+          <a:bodyPr wrap="none">
+            <a:spAutoFit/>
+          </a:bodyPr>
+          <a:lstStyle/>
+          <a:p>
+            <a:r>
+              <a:rPr lang="en-US" altLang="zh-TW" dirty="0" smtClean="0">
+                <a:sym typeface="Arial"/>
+                <a:hlinkClick r:id="rId3"/>
+              </a:rPr>
+              <a:t>https://github.com/node-red/node-red.git</a:t>
+            </a:r>
+            <a:endParaRPr lang="zh-TW" altLang="en-US" dirty="0"/>
+          </a:p>
+        </p:txBody>
+      </p:sp>
     </p:spTree>
   </p:cSld>
   <p:clrMapOvr>
@@ -7904,12 +8163,194 @@
               </a:defRPr>
             </a:pPr>
             <a:r>
-              <a:rPr lang="en-US" altLang="zh-TW" sz="1800" b="0" dirty="0" smtClean="0">
-                <a:sym typeface="Arial"/>
-              </a:rPr>
-              <a:t>AT+DTX=10,0A09D919BD</a:t>
-            </a:r>
-          </a:p>
+              <a:rPr lang="en-US" altLang="zh-TW" sz="2400" b="0" dirty="0" smtClean="0">
+                <a:sym typeface="Arial"/>
+              </a:rPr>
+              <a:t>Node-RED </a:t>
+            </a:r>
+            <a:r>
+              <a:rPr lang="zh-TW" altLang="en-US" sz="2400" b="0" dirty="0" smtClean="0">
+                <a:sym typeface="Arial"/>
+              </a:rPr>
+              <a:t>是 </a:t>
+            </a:r>
+            <a:r>
+              <a:rPr lang="en-US" altLang="zh-TW" sz="2400" b="0" dirty="0" smtClean="0">
+                <a:sym typeface="Arial"/>
+              </a:rPr>
+              <a:t>IBM </a:t>
+            </a:r>
+            <a:r>
+              <a:rPr lang="zh-TW" altLang="en-US" sz="2400" b="0" dirty="0" smtClean="0">
+                <a:sym typeface="Arial"/>
+              </a:rPr>
+              <a:t>以 </a:t>
+            </a:r>
+            <a:r>
+              <a:rPr lang="en-US" altLang="zh-TW" sz="2400" b="0" dirty="0" smtClean="0">
+                <a:sym typeface="Arial"/>
+              </a:rPr>
+              <a:t>Node.js </a:t>
+            </a:r>
+            <a:r>
+              <a:rPr lang="zh-TW" altLang="en-US" sz="2400" b="0" dirty="0" smtClean="0">
+                <a:sym typeface="Arial"/>
+              </a:rPr>
+              <a:t>為基礎而開發出來的視覺化 </a:t>
+            </a:r>
+            <a:r>
+              <a:rPr lang="en-US" altLang="zh-TW" sz="2400" b="0" dirty="0" smtClean="0">
+                <a:sym typeface="Arial"/>
+              </a:rPr>
+              <a:t>IOT </a:t>
+            </a:r>
+            <a:r>
+              <a:rPr lang="zh-TW" altLang="en-US" sz="2400" b="0" dirty="0" smtClean="0">
+                <a:sym typeface="Arial"/>
+              </a:rPr>
+              <a:t>開發工具</a:t>
+            </a:r>
+            <a:r>
+              <a:rPr lang="en-US" altLang="zh-TW" sz="2400" b="0" dirty="0" smtClean="0">
+                <a:sym typeface="Arial"/>
+              </a:rPr>
+              <a:t>.</a:t>
+            </a:r>
+          </a:p>
+        </p:txBody>
+      </p:sp>
+      <p:sp>
+        <p:nvSpPr>
+          <p:cNvPr id="250" name="Shape 250"/>
+          <p:cNvSpPr/>
+          <p:nvPr/>
+        </p:nvSpPr>
+        <p:spPr>
+          <a:xfrm>
+            <a:off x="531812" y="215699"/>
+            <a:ext cx="7772401" cy="646317"/>
+          </a:xfrm>
+          <a:prstGeom prst="rect">
+            <a:avLst/>
+          </a:prstGeom>
+          <a:ln w="12700">
+            <a:miter lim="400000"/>
+          </a:ln>
+          <a:extLst>
+            <a:ext uri="{C572A759-6A51-4108-AA02-DFA0A04FC94B}">
+              <ma14:wrappingTextBoxFlag xmlns="" xmlns:ma14="http://schemas.microsoft.com/office/mac/drawingml/2011/main" val="1"/>
+            </a:ext>
+          </a:extLst>
+        </p:spPr>
+        <p:txBody>
+          <a:bodyPr lIns="45718" tIns="45718" rIns="45718" bIns="45718" anchor="ctr">
+            <a:normAutofit lnSpcReduction="10000"/>
+          </a:bodyPr>
+          <a:lstStyle>
+            <a:lvl1pPr algn="ctr" defTabSz="877822">
+              <a:defRPr sz="4000">
+                <a:solidFill>
+                  <a:srgbClr val="FFFFFF"/>
+                </a:solidFill>
+                <a:latin typeface="Arial"/>
+                <a:ea typeface="Arial"/>
+                <a:cs typeface="Arial"/>
+                <a:sym typeface="Arial"/>
+              </a:defRPr>
+            </a:lvl1pPr>
+          </a:lstStyle>
+          <a:p>
+            <a:r>
+              <a:rPr lang="en-US" altLang="zh-TW" dirty="0" smtClean="0"/>
+              <a:t>Node-Red</a:t>
+            </a:r>
+            <a:endParaRPr dirty="0"/>
+          </a:p>
+        </p:txBody>
+      </p:sp>
+      <p:pic>
+        <p:nvPicPr>
+          <p:cNvPr id="1026" name="Picture 2" descr="C:\Users\960193\Desktop\node-7.jpg"/>
+          <p:cNvPicPr>
+            <a:picLocks noChangeAspect="1" noChangeArrowheads="1"/>
+          </p:cNvPicPr>
+          <p:nvPr/>
+        </p:nvPicPr>
+        <p:blipFill>
+          <a:blip r:embed="rId2" cstate="print"/>
+          <a:srcRect/>
+          <a:stretch>
+            <a:fillRect/>
+          </a:stretch>
+        </p:blipFill>
+        <p:spPr bwMode="auto">
+          <a:xfrm>
+            <a:off x="492367" y="1992923"/>
+            <a:ext cx="8264953" cy="4865077"/>
+          </a:xfrm>
+          <a:prstGeom prst="rect">
+            <a:avLst/>
+          </a:prstGeom>
+          <a:noFill/>
+        </p:spPr>
+      </p:pic>
+    </p:spTree>
+  </p:cSld>
+  <p:clrMapOvr>
+    <a:masterClrMapping/>
+  </p:clrMapOvr>
+  <p:transition spd="slow"/>
+  <p:timing>
+    <p:tnLst>
+      <p:par>
+        <p:cTn id="1" dur="indefinite" restart="never" nodeType="tmRoot"/>
+      </p:par>
+    </p:tnLst>
+  </p:timing>
+</p:sld>
+</file>
+
+<file path=ppt/slides/slide15.xml><?xml version="1.0" encoding="utf-8"?>
+<p:sld xmlns:a="http://schemas.openxmlformats.org/drawingml/2006/main" xmlns:r="http://schemas.openxmlformats.org/officeDocument/2006/relationships" xmlns:p="http://schemas.openxmlformats.org/presentationml/2006/main">
+  <p:cSld>
+    <p:spTree>
+      <p:nvGrpSpPr>
+        <p:cNvPr id="1" name=""/>
+        <p:cNvGrpSpPr/>
+        <p:nvPr/>
+      </p:nvGrpSpPr>
+      <p:grpSpPr>
+        <a:xfrm>
+          <a:off x="0" y="0"/>
+          <a:ext cx="0" cy="0"/>
+          <a:chOff x="0" y="0"/>
+          <a:chExt cx="0" cy="0"/>
+        </a:xfrm>
+      </p:grpSpPr>
+      <p:sp>
+        <p:nvSpPr>
+          <p:cNvPr id="249" name="Shape 249"/>
+          <p:cNvSpPr>
+            <a:spLocks noGrp="1"/>
+          </p:cNvSpPr>
+          <p:nvPr>
+            <p:ph type="body" idx="1"/>
+          </p:nvPr>
+        </p:nvSpPr>
+        <p:spPr>
+          <a:xfrm>
+            <a:off x="531812" y="984738"/>
+            <a:ext cx="7772401" cy="5085615"/>
+          </a:xfrm>
+          <a:prstGeom prst="rect">
+            <a:avLst/>
+          </a:prstGeom>
+        </p:spPr>
+        <p:txBody>
+          <a:bodyPr anchor="t">
+            <a:normAutofit/>
+          </a:bodyPr>
+          <a:lstStyle/>
           <a:p>
             <a:pPr defTabSz="694944">
               <a:lnSpc>
@@ -7929,30 +8370,36 @@
               </a:defRPr>
             </a:pPr>
             <a:r>
-              <a:rPr lang="en-US" altLang="zh-TW" sz="1800" b="0" dirty="0" err="1" smtClean="0">
-                <a:sym typeface="Arial"/>
-              </a:rPr>
-              <a:t>Arduino</a:t>
-            </a:r>
-            <a:r>
-              <a:rPr lang="zh-TW" altLang="en-US" sz="1800" b="0" dirty="0" smtClean="0">
-                <a:sym typeface="Arial"/>
-              </a:rPr>
-              <a:t>透過</a:t>
-            </a:r>
-            <a:r>
-              <a:rPr lang="en-US" altLang="zh-TW" sz="1800" b="0" dirty="0" smtClean="0">
-                <a:sym typeface="Arial"/>
-              </a:rPr>
-              <a:t>AT_COMMAND  : AT+DTX</a:t>
-            </a:r>
-            <a:r>
-              <a:rPr lang="zh-TW" altLang="en-US" sz="1800" b="0" smtClean="0">
-                <a:sym typeface="Arial"/>
-              </a:rPr>
-              <a:t>發送資料</a:t>
-            </a:r>
-            <a:endParaRPr lang="en-US" altLang="zh-TW" sz="1800" b="0" dirty="0" smtClean="0">
+              <a:rPr lang="zh-TW" altLang="en-US" sz="2400" b="0" dirty="0" smtClean="0">
+                <a:sym typeface="Arial"/>
+              </a:rPr>
+              <a:t>在 </a:t>
+            </a:r>
+            <a:r>
+              <a:rPr lang="en-US" altLang="zh-TW" sz="2400" b="0" dirty="0" smtClean="0">
+                <a:sym typeface="Arial"/>
+              </a:rPr>
+              <a:t>/public/flow</a:t>
+            </a:r>
+            <a:r>
+              <a:rPr lang="zh-TW" altLang="en-US" sz="2400" b="0" dirty="0" smtClean="0">
+                <a:sym typeface="Arial"/>
+              </a:rPr>
+              <a:t>資料夾下有三個 程式 </a:t>
+            </a:r>
+            <a:r>
+              <a:rPr lang="en-US" altLang="zh-TW" sz="2400" b="0" dirty="0" smtClean="0">
+                <a:sym typeface="Arial"/>
+              </a:rPr>
+              <a:t>flow</a:t>
+            </a:r>
+            <a:r>
+              <a:rPr lang="zh-TW" altLang="en-US" sz="2400" b="0" dirty="0" smtClean="0">
+                <a:sym typeface="Arial"/>
+              </a:rPr>
+              <a:t>備份</a:t>
+            </a:r>
+            <a:endParaRPr lang="en-US" altLang="zh-TW" sz="2400" b="0" dirty="0" smtClean="0">
               <a:sym typeface="Arial"/>
             </a:endParaRPr>
           </a:p>
@@ -7974,37 +8421,7 @@
                 <a:sym typeface="Arial"/>
               </a:defRPr>
             </a:pPr>
-            <a:r>
-              <a:rPr lang="zh-TW" altLang="en-US" sz="1800" b="0" dirty="0" smtClean="0">
-                <a:sym typeface="Arial"/>
-              </a:rPr>
-              <a:t>前面</a:t>
-            </a:r>
-            <a:r>
-              <a:rPr lang="en-US" altLang="zh-TW" sz="1800" b="0" dirty="0" smtClean="0">
-                <a:sym typeface="Arial"/>
-              </a:rPr>
-              <a:t>:</a:t>
-            </a:r>
-            <a:r>
-              <a:rPr lang="zh-TW" altLang="en-US" sz="1800" b="0" dirty="0" smtClean="0">
-                <a:sym typeface="Arial"/>
-              </a:rPr>
-              <a:t> </a:t>
-            </a:r>
-            <a:r>
-              <a:rPr lang="en-US" altLang="zh-TW" sz="1800" b="0" dirty="0" smtClean="0">
-                <a:sym typeface="Arial"/>
-              </a:rPr>
-              <a:t>byte</a:t>
-            </a:r>
-            <a:r>
-              <a:rPr lang="zh-TW" altLang="en-US" sz="1800" b="0" dirty="0" smtClean="0">
-                <a:sym typeface="Arial"/>
-              </a:rPr>
-              <a:t>長度</a:t>
-            </a:r>
-            <a:endParaRPr lang="en-US" altLang="zh-TW" sz="1800" b="0" dirty="0" smtClean="0">
+            <a:endParaRPr lang="en-US" altLang="zh-TW" sz="2400" b="0" dirty="0" smtClean="0">
               <a:sym typeface="Arial"/>
             </a:endParaRPr>
           </a:p>
@@ -8026,25 +8443,7 @@
                 <a:sym typeface="Arial"/>
               </a:defRPr>
             </a:pPr>
-            <a:r>
-              <a:rPr lang="zh-TW" altLang="en-US" sz="1800" b="0" dirty="0" smtClean="0">
-                <a:sym typeface="Arial"/>
-              </a:rPr>
-              <a:t>後面</a:t>
-            </a:r>
-            <a:r>
-              <a:rPr lang="en-US" altLang="zh-TW" sz="1800" b="0" dirty="0" smtClean="0">
-                <a:sym typeface="Arial"/>
-              </a:rPr>
-              <a:t>:</a:t>
-            </a:r>
-            <a:r>
-              <a:rPr lang="zh-TW" altLang="en-US" sz="1800" b="0" dirty="0" smtClean="0">
-                <a:sym typeface="Arial"/>
-              </a:rPr>
-              <a:t>資料內容</a:t>
-            </a:r>
-            <a:endParaRPr lang="en-US" altLang="zh-TW" sz="1800" b="0" dirty="0" smtClean="0">
+            <a:endParaRPr lang="en-US" altLang="zh-TW" sz="2400" b="0" dirty="0" smtClean="0">
               <a:sym typeface="Arial"/>
             </a:endParaRPr>
           </a:p>
@@ -8066,18 +8465,9 @@
                 <a:sym typeface="Arial"/>
               </a:defRPr>
             </a:pPr>
-            <a:r>
-              <a:rPr lang="zh-TW" altLang="en-US" sz="1800" b="0" dirty="0" smtClean="0">
-                <a:sym typeface="Arial"/>
-              </a:rPr>
-              <a:t>範例</a:t>
-            </a:r>
-            <a:r>
-              <a:rPr lang="en-US" altLang="zh-TW" sz="1800" b="0" dirty="0" smtClean="0">
-                <a:sym typeface="Arial"/>
-              </a:rPr>
-              <a:t>:</a:t>
-            </a:r>
+            <a:endParaRPr lang="en-US" altLang="zh-TW" sz="2400" b="0" dirty="0" smtClean="0">
+              <a:sym typeface="Arial"/>
+            </a:endParaRPr>
           </a:p>
           <a:p>
             <a:pPr defTabSz="694944">
@@ -8098,20 +8488,41 @@
               </a:defRPr>
             </a:pPr>
             <a:r>
-              <a:rPr lang="en-US" altLang="zh-TW" sz="1800" b="0" dirty="0" smtClean="0">
-                <a:sym typeface="Arial"/>
-              </a:rPr>
-              <a:t>0A09D919BD</a:t>
-            </a:r>
-            <a:r>
-              <a:rPr lang="zh-TW" altLang="en-US" sz="1800" b="0" dirty="0" smtClean="0">
-                <a:sym typeface="Arial"/>
-              </a:rPr>
-              <a:t>由三個資料組成</a:t>
-            </a:r>
-            <a:endParaRPr lang="en-US" altLang="zh-TW" sz="1800" b="0" dirty="0" smtClean="0">
-              <a:sym typeface="Arial"/>
-            </a:endParaRPr>
+              <a:rPr lang="zh-TW" altLang="en-US" sz="2400" b="0" dirty="0" smtClean="0">
+                <a:sym typeface="Arial"/>
+              </a:rPr>
+              <a:t>按</a:t>
+            </a:r>
+            <a:r>
+              <a:rPr lang="en-US" altLang="zh-TW" sz="2400" b="0" dirty="0" smtClean="0">
+                <a:sym typeface="Arial"/>
+              </a:rPr>
+              <a:t>+</a:t>
+            </a:r>
+            <a:r>
+              <a:rPr lang="zh-TW" altLang="en-US" sz="2400" b="0" dirty="0" smtClean="0">
+                <a:sym typeface="Arial"/>
+              </a:rPr>
+              <a:t>新增</a:t>
+            </a:r>
+            <a:r>
+              <a:rPr lang="en-US" altLang="zh-TW" sz="2400" b="0" dirty="0" smtClean="0">
+                <a:sym typeface="Arial"/>
+              </a:rPr>
+              <a:t>flow</a:t>
+            </a:r>
+            <a:r>
+              <a:rPr lang="zh-TW" altLang="en-US" sz="2400" b="0" dirty="0" smtClean="0">
+                <a:sym typeface="Arial"/>
+              </a:rPr>
+              <a:t>頁面後</a:t>
+            </a:r>
+            <a:r>
+              <a:rPr lang="en-US" altLang="zh-TW" sz="2400" b="0" dirty="0" smtClean="0">
+                <a:sym typeface="Arial"/>
+              </a:rPr>
+              <a:t>,import flow</a:t>
+            </a:r>
           </a:p>
           <a:p>
             <a:pPr defTabSz="694944">
@@ -8131,24 +8542,9 @@
                 <a:sym typeface="Arial"/>
               </a:defRPr>
             </a:pPr>
-            <a:r>
-              <a:rPr lang="en-US" altLang="zh-TW" sz="1800" b="0" dirty="0" smtClean="0">
-                <a:sym typeface="Arial"/>
-              </a:rPr>
-              <a:t>0A : </a:t>
-            </a:r>
-            <a:r>
-              <a:rPr lang="zh-TW" altLang="en-US" sz="1800" b="0" dirty="0" smtClean="0">
-                <a:sym typeface="Arial"/>
-              </a:rPr>
-              <a:t>裝置類型  </a:t>
-            </a:r>
-            <a:r>
-              <a:rPr lang="en-US" altLang="zh-TW" sz="1800" b="0" dirty="0" smtClean="0">
-                <a:sym typeface="Arial"/>
-              </a:rPr>
-              <a:t>10</a:t>
-            </a:r>
+            <a:endParaRPr lang="en-US" altLang="zh-TW" sz="2400" b="0" dirty="0" smtClean="0">
+              <a:sym typeface="Arial"/>
+            </a:endParaRPr>
           </a:p>
           <a:p>
             <a:pPr defTabSz="694944">
@@ -8168,13 +8564,182 @@
                 <a:sym typeface="Arial"/>
               </a:defRPr>
             </a:pPr>
-            <a:r>
-              <a:rPr lang="en-US" altLang="zh-TW" sz="1800" b="0" dirty="0" smtClean="0">
-                <a:sym typeface="Arial"/>
-              </a:rPr>
-              <a:t>09D9 =&gt; (2521/100)</a:t>
-            </a:r>
-          </a:p>
+            <a:endParaRPr lang="en-US" altLang="zh-TW" sz="2400" b="0" dirty="0" smtClean="0">
+              <a:sym typeface="Arial"/>
+            </a:endParaRPr>
+          </a:p>
+        </p:txBody>
+      </p:sp>
+      <p:sp>
+        <p:nvSpPr>
+          <p:cNvPr id="250" name="Shape 250"/>
+          <p:cNvSpPr/>
+          <p:nvPr/>
+        </p:nvSpPr>
+        <p:spPr>
+          <a:xfrm>
+            <a:off x="531812" y="215699"/>
+            <a:ext cx="7772401" cy="646317"/>
+          </a:xfrm>
+          <a:prstGeom prst="rect">
+            <a:avLst/>
+          </a:prstGeom>
+          <a:ln w="12700">
+            <a:miter lim="400000"/>
+          </a:ln>
+          <a:extLst>
+            <a:ext uri="{C572A759-6A51-4108-AA02-DFA0A04FC94B}">
+              <ma14:wrappingTextBoxFlag xmlns="" xmlns:ma14="http://schemas.microsoft.com/office/mac/drawingml/2011/main" val="1"/>
+            </a:ext>
+          </a:extLst>
+        </p:spPr>
+        <p:txBody>
+          <a:bodyPr lIns="45718" tIns="45718" rIns="45718" bIns="45718" anchor="ctr">
+            <a:normAutofit lnSpcReduction="10000"/>
+          </a:bodyPr>
+          <a:lstStyle>
+            <a:lvl1pPr algn="ctr" defTabSz="877822">
+              <a:defRPr sz="4000">
+                <a:solidFill>
+                  <a:srgbClr val="FFFFFF"/>
+                </a:solidFill>
+                <a:latin typeface="Arial"/>
+                <a:ea typeface="Arial"/>
+                <a:cs typeface="Arial"/>
+                <a:sym typeface="Arial"/>
+              </a:defRPr>
+            </a:lvl1pPr>
+          </a:lstStyle>
+          <a:p>
+            <a:r>
+              <a:rPr lang="en-US" altLang="zh-TW" dirty="0" smtClean="0"/>
+              <a:t>Import flow</a:t>
+            </a:r>
+            <a:endParaRPr dirty="0"/>
+          </a:p>
+        </p:txBody>
+      </p:sp>
+      <p:pic>
+        <p:nvPicPr>
+          <p:cNvPr id="3074" name="Picture 2"/>
+          <p:cNvPicPr>
+            <a:picLocks noChangeAspect="1" noChangeArrowheads="1"/>
+          </p:cNvPicPr>
+          <p:nvPr/>
+        </p:nvPicPr>
+        <p:blipFill>
+          <a:blip r:embed="rId2" cstate="print"/>
+          <a:srcRect/>
+          <a:stretch>
+            <a:fillRect/>
+          </a:stretch>
+        </p:blipFill>
+        <p:spPr bwMode="auto">
+          <a:xfrm>
+            <a:off x="629478" y="1589642"/>
+            <a:ext cx="2948609" cy="1650216"/>
+          </a:xfrm>
+          <a:prstGeom prst="rect">
+            <a:avLst/>
+          </a:prstGeom>
+          <a:noFill/>
+          <a:ln w="9525">
+            <a:noFill/>
+            <a:miter lim="800000"/>
+            <a:headEnd/>
+            <a:tailEnd/>
+          </a:ln>
+        </p:spPr>
+      </p:pic>
+      <p:pic>
+        <p:nvPicPr>
+          <p:cNvPr id="3076" name="Picture 4"/>
+          <p:cNvPicPr>
+            <a:picLocks noChangeAspect="1" noChangeArrowheads="1"/>
+          </p:cNvPicPr>
+          <p:nvPr/>
+        </p:nvPicPr>
+        <p:blipFill>
+          <a:blip r:embed="rId3" cstate="print"/>
+          <a:srcRect/>
+          <a:stretch>
+            <a:fillRect/>
+          </a:stretch>
+        </p:blipFill>
+        <p:spPr bwMode="auto">
+          <a:xfrm>
+            <a:off x="556589" y="3782381"/>
+            <a:ext cx="8284887" cy="2611793"/>
+          </a:xfrm>
+          <a:prstGeom prst="rect">
+            <a:avLst/>
+          </a:prstGeom>
+          <a:noFill/>
+          <a:ln w="9525">
+            <a:noFill/>
+            <a:miter lim="800000"/>
+            <a:headEnd/>
+            <a:tailEnd/>
+          </a:ln>
+        </p:spPr>
+      </p:pic>
+    </p:spTree>
+  </p:cSld>
+  <p:clrMapOvr>
+    <a:masterClrMapping/>
+  </p:clrMapOvr>
+  <p:transition spd="slow"/>
+  <p:timing>
+    <p:tnLst>
+      <p:par>
+        <p:cTn id="1" dur="indefinite" restart="never" nodeType="tmRoot"/>
+      </p:par>
+    </p:tnLst>
+  </p:timing>
+</p:sld>
+</file>
+
+<file path=ppt/slides/slide16.xml><?xml version="1.0" encoding="utf-8"?>
+<p:sld xmlns:a="http://schemas.openxmlformats.org/drawingml/2006/main" xmlns:r="http://schemas.openxmlformats.org/officeDocument/2006/relationships" xmlns:p="http://schemas.openxmlformats.org/presentationml/2006/main">
+  <p:cSld>
+    <p:spTree>
+      <p:nvGrpSpPr>
+        <p:cNvPr id="1" name=""/>
+        <p:cNvGrpSpPr/>
+        <p:nvPr/>
+      </p:nvGrpSpPr>
+      <p:grpSpPr>
+        <a:xfrm>
+          <a:off x="0" y="0"/>
+          <a:ext cx="0" cy="0"/>
+          <a:chOff x="0" y="0"/>
+          <a:chExt cx="0" cy="0"/>
+        </a:xfrm>
+      </p:grpSpPr>
+      <p:sp>
+        <p:nvSpPr>
+          <p:cNvPr id="249" name="Shape 249"/>
+          <p:cNvSpPr>
+            <a:spLocks noGrp="1"/>
+          </p:cNvSpPr>
+          <p:nvPr>
+            <p:ph type="body" idx="1"/>
+          </p:nvPr>
+        </p:nvSpPr>
+        <p:spPr>
+          <a:xfrm>
+            <a:off x="531812" y="984738"/>
+            <a:ext cx="7772401" cy="5085615"/>
+          </a:xfrm>
+          <a:prstGeom prst="rect">
+            <a:avLst/>
+          </a:prstGeom>
+        </p:spPr>
+        <p:txBody>
+          <a:bodyPr anchor="t">
+            <a:normAutofit/>
+          </a:bodyPr>
+          <a:lstStyle/>
           <a:p>
             <a:pPr defTabSz="694944">
               <a:lnSpc>
@@ -8193,43 +8758,142 @@
                 <a:sym typeface="Arial"/>
               </a:defRPr>
             </a:pPr>
-            <a:r>
-              <a:rPr lang="en-US" altLang="zh-TW" sz="1800" b="0" dirty="0" smtClean="0">
-                <a:sym typeface="Arial"/>
-              </a:rPr>
-              <a:t> </a:t>
-            </a:r>
-            <a:r>
-              <a:rPr lang="en-US" altLang="zh-TW" sz="1800" b="0" dirty="0" smtClean="0">
-                <a:sym typeface="Arial"/>
-              </a:rPr>
-              <a:t>        =&gt; 25.21 </a:t>
-            </a:r>
-            <a:r>
-              <a:rPr lang="zh-TW" altLang="en-US" sz="1800" b="0" dirty="0" smtClean="0">
-                <a:sym typeface="Arial"/>
-              </a:rPr>
-              <a:t>度</a:t>
-            </a:r>
-            <a:r>
-              <a:rPr lang="en-US" altLang="zh-TW" sz="1800" b="0" dirty="0" smtClean="0">
-                <a:sym typeface="Arial"/>
-              </a:rPr>
-              <a:t> (</a:t>
-            </a:r>
-            <a:r>
-              <a:rPr lang="zh-TW" altLang="en-US" sz="1800" b="0" dirty="0" smtClean="0">
-                <a:sym typeface="Arial"/>
-              </a:rPr>
-              <a:t>溫度</a:t>
-            </a:r>
-            <a:r>
-              <a:rPr lang="en-US" altLang="zh-TW" sz="1800" b="0" dirty="0" smtClean="0">
-                <a:sym typeface="Arial"/>
-              </a:rPr>
-              <a:t>)</a:t>
-            </a:r>
-          </a:p>
+            <a:endParaRPr lang="en-US" altLang="zh-TW" sz="2400" b="0" dirty="0" smtClean="0">
+              <a:sym typeface="Arial"/>
+            </a:endParaRPr>
+          </a:p>
+        </p:txBody>
+      </p:sp>
+      <p:sp>
+        <p:nvSpPr>
+          <p:cNvPr id="250" name="Shape 250"/>
+          <p:cNvSpPr/>
+          <p:nvPr/>
+        </p:nvSpPr>
+        <p:spPr>
+          <a:xfrm>
+            <a:off x="531812" y="215699"/>
+            <a:ext cx="7772401" cy="646317"/>
+          </a:xfrm>
+          <a:prstGeom prst="rect">
+            <a:avLst/>
+          </a:prstGeom>
+          <a:ln w="12700">
+            <a:miter lim="400000"/>
+          </a:ln>
+          <a:extLst>
+            <a:ext uri="{C572A759-6A51-4108-AA02-DFA0A04FC94B}">
+              <ma14:wrappingTextBoxFlag xmlns="" xmlns:ma14="http://schemas.microsoft.com/office/mac/drawingml/2011/main" val="1"/>
+            </a:ext>
+          </a:extLst>
+        </p:spPr>
+        <p:txBody>
+          <a:bodyPr lIns="45718" tIns="45718" rIns="45718" bIns="45718" anchor="ctr">
+            <a:normAutofit lnSpcReduction="10000"/>
+          </a:bodyPr>
+          <a:lstStyle>
+            <a:lvl1pPr algn="ctr" defTabSz="877822">
+              <a:defRPr sz="4000">
+                <a:solidFill>
+                  <a:srgbClr val="FFFFFF"/>
+                </a:solidFill>
+                <a:latin typeface="Arial"/>
+                <a:ea typeface="Arial"/>
+                <a:cs typeface="Arial"/>
+                <a:sym typeface="Arial"/>
+              </a:defRPr>
+            </a:lvl1pPr>
+          </a:lstStyle>
+          <a:p>
+            <a:r>
+              <a:rPr lang="en-US" altLang="zh-TW" dirty="0" smtClean="0"/>
+              <a:t>Import map flow</a:t>
+            </a:r>
+            <a:endParaRPr dirty="0"/>
+          </a:p>
+        </p:txBody>
+      </p:sp>
+      <p:pic>
+        <p:nvPicPr>
+          <p:cNvPr id="6" name="圖片 5" descr="2019-04-09_103621.jpg"/>
+          <p:cNvPicPr>
+            <a:picLocks noChangeAspect="1"/>
+          </p:cNvPicPr>
+          <p:nvPr/>
+        </p:nvPicPr>
+        <p:blipFill>
+          <a:blip r:embed="rId2" cstate="print"/>
+          <a:stretch>
+            <a:fillRect/>
+          </a:stretch>
+        </p:blipFill>
+        <p:spPr>
+          <a:xfrm>
+            <a:off x="251791" y="1060174"/>
+            <a:ext cx="8600661" cy="5797826"/>
+          </a:xfrm>
+          <a:prstGeom prst="rect">
+            <a:avLst/>
+          </a:prstGeom>
+        </p:spPr>
+      </p:pic>
+    </p:spTree>
+  </p:cSld>
+  <p:clrMapOvr>
+    <a:masterClrMapping/>
+  </p:clrMapOvr>
+  <p:transition spd="slow"/>
+  <p:timing>
+    <p:tnLst>
+      <p:par>
+        <p:cTn id="1" dur="indefinite" restart="never" nodeType="tmRoot"/>
+      </p:par>
+    </p:tnLst>
+  </p:timing>
+</p:sld>
+</file>
+
+<file path=ppt/slides/slide17.xml><?xml version="1.0" encoding="utf-8"?>
+<p:sld xmlns:a="http://schemas.openxmlformats.org/drawingml/2006/main" xmlns:r="http://schemas.openxmlformats.org/officeDocument/2006/relationships" xmlns:p="http://schemas.openxmlformats.org/presentationml/2006/main">
+  <p:cSld>
+    <p:spTree>
+      <p:nvGrpSpPr>
+        <p:cNvPr id="1" name=""/>
+        <p:cNvGrpSpPr/>
+        <p:nvPr/>
+      </p:nvGrpSpPr>
+      <p:grpSpPr>
+        <a:xfrm>
+          <a:off x="0" y="0"/>
+          <a:ext cx="0" cy="0"/>
+          <a:chOff x="0" y="0"/>
+          <a:chExt cx="0" cy="0"/>
+        </a:xfrm>
+      </p:grpSpPr>
+      <p:sp>
+        <p:nvSpPr>
+          <p:cNvPr id="249" name="Shape 249"/>
+          <p:cNvSpPr>
+            <a:spLocks noGrp="1"/>
+          </p:cNvSpPr>
+          <p:nvPr>
+            <p:ph type="body" idx="1"/>
+          </p:nvPr>
+        </p:nvSpPr>
+        <p:spPr>
+          <a:xfrm>
+            <a:off x="531812" y="984738"/>
+            <a:ext cx="7772401" cy="5085615"/>
+          </a:xfrm>
+          <a:prstGeom prst="rect">
+            <a:avLst/>
+          </a:prstGeom>
+        </p:spPr>
+        <p:txBody>
+          <a:bodyPr anchor="t">
+            <a:normAutofit/>
+          </a:bodyPr>
+          <a:lstStyle/>
           <a:p>
             <a:pPr defTabSz="694944">
               <a:lnSpc>
@@ -8249,47 +8913,20 @@
               </a:defRPr>
             </a:pPr>
             <a:r>
-              <a:rPr lang="en-US" altLang="zh-TW" sz="1800" b="0" dirty="0" smtClean="0">
-                <a:sym typeface="Arial"/>
-              </a:rPr>
-              <a:t>19BD</a:t>
-            </a:r>
-            <a:r>
-              <a:rPr lang="zh-TW" altLang="en-US" sz="1800" b="0" dirty="0" smtClean="0">
-                <a:sym typeface="Arial"/>
-              </a:rPr>
-              <a:t> </a:t>
-            </a:r>
-            <a:r>
-              <a:rPr lang="en-US" altLang="zh-TW" sz="1800" b="0" dirty="0" smtClean="0">
-                <a:sym typeface="Arial"/>
-              </a:rPr>
-              <a:t>=&gt;</a:t>
-            </a:r>
-            <a:r>
-              <a:rPr lang="zh-TW" altLang="en-US" sz="1800" b="0" dirty="0" smtClean="0">
-                <a:sym typeface="Arial"/>
-              </a:rPr>
-              <a:t> ˊ</a:t>
-            </a:r>
-            <a:r>
-              <a:rPr lang="en-US" altLang="zh-TW" sz="1800" b="0" dirty="0" smtClean="0">
-                <a:sym typeface="Arial"/>
-              </a:rPr>
-              <a:t>(</a:t>
-            </a:r>
-            <a:r>
-              <a:rPr lang="zh-TW" altLang="en-US" sz="1800" b="0" dirty="0" smtClean="0">
-                <a:sym typeface="Arial"/>
-              </a:rPr>
-              <a:t>ˊ</a:t>
-            </a:r>
-            <a:r>
-              <a:rPr lang="en-US" altLang="zh-TW" sz="1800" b="0" dirty="0" smtClean="0">
-                <a:sym typeface="Arial"/>
-              </a:rPr>
-              <a:t>6589 / 100)</a:t>
-            </a:r>
+              <a:rPr lang="en-US" altLang="zh-TW" sz="2400" b="0" dirty="0" smtClean="0">
+                <a:sym typeface="Arial"/>
+              </a:rPr>
+              <a:t>map</a:t>
+            </a:r>
+            <a:r>
+              <a:rPr lang="zh-TW" altLang="en-US" sz="2400" b="0" dirty="0" smtClean="0">
+                <a:sym typeface="Arial"/>
+              </a:rPr>
+              <a:t>用來做作資料解析對應</a:t>
+            </a:r>
+            <a:endParaRPr lang="en-US" altLang="zh-TW" sz="2400" b="0" dirty="0" smtClean="0">
+              <a:sym typeface="Arial"/>
+            </a:endParaRPr>
           </a:p>
           <a:p>
             <a:pPr defTabSz="694944">
@@ -8310,56 +8947,719 @@
               </a:defRPr>
             </a:pPr>
             <a:r>
+              <a:rPr lang="en-US" altLang="zh-TW" sz="1600" b="0" dirty="0" smtClean="0">
+                <a:sym typeface="Arial"/>
+              </a:rPr>
+              <a:t>{"</a:t>
+            </a:r>
+            <a:r>
+              <a:rPr lang="en-US" altLang="zh-TW" sz="1600" b="0" dirty="0" err="1" smtClean="0">
+                <a:sym typeface="Arial"/>
+              </a:rPr>
+              <a:t>deviceType</a:t>
+            </a:r>
+            <a:r>
+              <a:rPr lang="en-US" altLang="zh-TW" sz="1600" b="0" dirty="0" smtClean="0">
+                <a:sym typeface="Arial"/>
+              </a:rPr>
+              <a:t>": "10",  "</a:t>
+            </a:r>
+            <a:r>
+              <a:rPr lang="en-US" altLang="zh-TW" sz="1600" b="0" dirty="0" err="1" smtClean="0">
+                <a:sym typeface="Arial"/>
+              </a:rPr>
+              <a:t>typeName</a:t>
+            </a:r>
+            <a:r>
+              <a:rPr lang="en-US" altLang="zh-TW" sz="1600" b="0" dirty="0" smtClean="0">
+                <a:sym typeface="Arial"/>
+              </a:rPr>
+              <a:t>": "</a:t>
+            </a:r>
+            <a:r>
+              <a:rPr lang="zh-TW" altLang="en-US" sz="1600" b="0" dirty="0" smtClean="0">
+                <a:sym typeface="Arial"/>
+              </a:rPr>
+              <a:t>溫濕度感測</a:t>
+            </a:r>
+            <a:r>
+              <a:rPr lang="en-US" altLang="zh-TW" sz="1600" b="0" dirty="0" smtClean="0">
+                <a:sym typeface="Arial"/>
+              </a:rPr>
+              <a:t>",  "</a:t>
+            </a:r>
+            <a:r>
+              <a:rPr lang="en-US" altLang="zh-TW" sz="1600" b="0" dirty="0" err="1" smtClean="0">
+                <a:sym typeface="Arial"/>
+              </a:rPr>
+              <a:t>fieldName</a:t>
+            </a:r>
+            <a:r>
+              <a:rPr lang="en-US" altLang="zh-TW" sz="1600" b="0" dirty="0" smtClean="0">
+                <a:sym typeface="Arial"/>
+              </a:rPr>
+              <a:t>": {    "temperature": "</a:t>
+            </a:r>
+            <a:r>
+              <a:rPr lang="zh-TW" altLang="en-US" sz="1600" b="0" dirty="0" smtClean="0">
+                <a:sym typeface="Arial"/>
+              </a:rPr>
+              <a:t>溫度</a:t>
+            </a:r>
+            <a:r>
+              <a:rPr lang="en-US" altLang="zh-TW" sz="1600" b="0" dirty="0" smtClean="0">
+                <a:sym typeface="Arial"/>
+              </a:rPr>
+              <a:t>",    "humidity": "</a:t>
+            </a:r>
+            <a:r>
+              <a:rPr lang="zh-TW" altLang="en-US" sz="1600" b="0" dirty="0" smtClean="0">
+                <a:sym typeface="Arial"/>
+              </a:rPr>
+              <a:t>濕度</a:t>
+            </a:r>
+            <a:r>
+              <a:rPr lang="en-US" altLang="zh-TW" sz="1600" b="0" dirty="0" smtClean="0">
+                <a:sym typeface="Arial"/>
+              </a:rPr>
+              <a:t>"  },  "map": {    "temperature": [      2,      6,      "data/100"    ],    "humidity": [      6,      10,      "data/100"    ]  }</a:t>
+            </a:r>
+          </a:p>
+        </p:txBody>
+      </p:sp>
+      <p:sp>
+        <p:nvSpPr>
+          <p:cNvPr id="250" name="Shape 250"/>
+          <p:cNvSpPr/>
+          <p:nvPr/>
+        </p:nvSpPr>
+        <p:spPr>
+          <a:xfrm>
+            <a:off x="531812" y="215699"/>
+            <a:ext cx="7772401" cy="646317"/>
+          </a:xfrm>
+          <a:prstGeom prst="rect">
+            <a:avLst/>
+          </a:prstGeom>
+          <a:ln w="12700">
+            <a:miter lim="400000"/>
+          </a:ln>
+          <a:extLst>
+            <a:ext uri="{C572A759-6A51-4108-AA02-DFA0A04FC94B}">
+              <ma14:wrappingTextBoxFlag xmlns="" xmlns:ma14="http://schemas.microsoft.com/office/mac/drawingml/2011/main" val="1"/>
+            </a:ext>
+          </a:extLst>
+        </p:spPr>
+        <p:txBody>
+          <a:bodyPr lIns="45718" tIns="45718" rIns="45718" bIns="45718" anchor="ctr">
+            <a:normAutofit lnSpcReduction="10000"/>
+          </a:bodyPr>
+          <a:lstStyle>
+            <a:lvl1pPr algn="ctr" defTabSz="877822">
+              <a:defRPr sz="4000">
+                <a:solidFill>
+                  <a:srgbClr val="FFFFFF"/>
+                </a:solidFill>
+                <a:latin typeface="Arial"/>
+                <a:ea typeface="Arial"/>
+                <a:cs typeface="Arial"/>
+                <a:sym typeface="Arial"/>
+              </a:defRPr>
+            </a:lvl1pPr>
+          </a:lstStyle>
+          <a:p>
+            <a:r>
+              <a:rPr lang="en-US" altLang="zh-TW" dirty="0" smtClean="0"/>
+              <a:t>map flow</a:t>
+            </a:r>
+            <a:r>
+              <a:rPr lang="zh-TW" altLang="en-US" dirty="0" smtClean="0"/>
+              <a:t> 功能</a:t>
+            </a:r>
+            <a:endParaRPr dirty="0"/>
+          </a:p>
+        </p:txBody>
+      </p:sp>
+      <p:pic>
+        <p:nvPicPr>
+          <p:cNvPr id="5" name="圖片 4" descr="2019-04-09_105621.jpg"/>
+          <p:cNvPicPr>
+            <a:picLocks noChangeAspect="1"/>
+          </p:cNvPicPr>
+          <p:nvPr/>
+        </p:nvPicPr>
+        <p:blipFill>
+          <a:blip r:embed="rId2" cstate="print"/>
+          <a:stretch>
+            <a:fillRect/>
+          </a:stretch>
+        </p:blipFill>
+        <p:spPr>
+          <a:xfrm>
+            <a:off x="659709" y="2774880"/>
+            <a:ext cx="7432942" cy="2565746"/>
+          </a:xfrm>
+          <a:prstGeom prst="rect">
+            <a:avLst/>
+          </a:prstGeom>
+        </p:spPr>
+      </p:pic>
+    </p:spTree>
+  </p:cSld>
+  <p:clrMapOvr>
+    <a:masterClrMapping/>
+  </p:clrMapOvr>
+  <p:transition spd="slow"/>
+  <p:timing>
+    <p:tnLst>
+      <p:par>
+        <p:cTn id="1" dur="indefinite" restart="never" nodeType="tmRoot"/>
+      </p:par>
+    </p:tnLst>
+  </p:timing>
+</p:sld>
+</file>
+
+<file path=ppt/slides/slide18.xml><?xml version="1.0" encoding="utf-8"?>
+<p:sld xmlns:a="http://schemas.openxmlformats.org/drawingml/2006/main" xmlns:r="http://schemas.openxmlformats.org/officeDocument/2006/relationships" xmlns:p="http://schemas.openxmlformats.org/presentationml/2006/main">
+  <p:cSld>
+    <p:spTree>
+      <p:nvGrpSpPr>
+        <p:cNvPr id="1" name=""/>
+        <p:cNvGrpSpPr/>
+        <p:nvPr/>
+      </p:nvGrpSpPr>
+      <p:grpSpPr>
+        <a:xfrm>
+          <a:off x="0" y="0"/>
+          <a:ext cx="0" cy="0"/>
+          <a:chOff x="0" y="0"/>
+          <a:chExt cx="0" cy="0"/>
+        </a:xfrm>
+      </p:grpSpPr>
+      <p:sp>
+        <p:nvSpPr>
+          <p:cNvPr id="249" name="Shape 249"/>
+          <p:cNvSpPr>
+            <a:spLocks noGrp="1"/>
+          </p:cNvSpPr>
+          <p:nvPr>
+            <p:ph type="body" idx="1"/>
+          </p:nvPr>
+        </p:nvSpPr>
+        <p:spPr>
+          <a:xfrm>
+            <a:off x="531812" y="984738"/>
+            <a:ext cx="7772401" cy="5085615"/>
+          </a:xfrm>
+          <a:prstGeom prst="rect">
+            <a:avLst/>
+          </a:prstGeom>
+        </p:spPr>
+        <p:txBody>
+          <a:bodyPr anchor="t">
+            <a:normAutofit/>
+          </a:bodyPr>
+          <a:lstStyle/>
+          <a:p>
+            <a:pPr defTabSz="694944">
+              <a:lnSpc>
+                <a:spcPct val="115000"/>
+              </a:lnSpc>
+              <a:spcBef>
+                <a:spcPts val="1200"/>
+              </a:spcBef>
+              <a:defRPr sz="2400">
+                <a:solidFill>
+                  <a:srgbClr val="585858"/>
+                </a:solidFill>
+                <a:latin typeface="Arial"/>
+                <a:ea typeface="Arial"/>
+                <a:cs typeface="Arial"/>
+                <a:sym typeface="Arial"/>
+              </a:defRPr>
+            </a:pPr>
+            <a:r>
               <a:rPr lang="en-US" altLang="zh-TW" sz="1800" b="0" dirty="0" smtClean="0">
                 <a:sym typeface="Arial"/>
               </a:rPr>
-              <a:t> </a:t>
+              <a:t>AT+DTX=10,0A09D919BD</a:t>
+            </a:r>
+          </a:p>
+          <a:p>
+            <a:pPr defTabSz="694944">
+              <a:lnSpc>
+                <a:spcPct val="115000"/>
+              </a:lnSpc>
+              <a:spcBef>
+                <a:spcPts val="1200"/>
+              </a:spcBef>
+              <a:defRPr sz="2400">
+                <a:solidFill>
+                  <a:srgbClr val="585858"/>
+                </a:solidFill>
+                <a:latin typeface="Arial"/>
+                <a:ea typeface="Arial"/>
+                <a:cs typeface="Arial"/>
+                <a:sym typeface="Arial"/>
+              </a:defRPr>
+            </a:pPr>
+            <a:r>
+              <a:rPr lang="en-US" altLang="zh-TW" sz="1800" b="0" dirty="0" err="1" smtClean="0">
+                <a:sym typeface="Arial"/>
+              </a:rPr>
+              <a:t>Arduino</a:t>
+            </a:r>
+            <a:r>
+              <a:rPr lang="zh-TW" altLang="en-US" sz="1800" b="0" dirty="0" smtClean="0">
+                <a:sym typeface="Arial"/>
+              </a:rPr>
+              <a:t>透過</a:t>
             </a:r>
             <a:r>
               <a:rPr lang="en-US" altLang="zh-TW" sz="1800" b="0" dirty="0" smtClean="0">
                 <a:sym typeface="Arial"/>
               </a:rPr>
-              <a:t>         </a:t>
+              <a:t>AT_COMMAND  : AT+DTX</a:t>
             </a:r>
             <a:r>
               <a:rPr lang="zh-TW" altLang="en-US" sz="1800" b="0" dirty="0" smtClean="0">
                 <a:sym typeface="Arial"/>
               </a:rPr>
-              <a:t> </a:t>
-            </a:r>
-            <a:r>
-              <a:rPr lang="en-US" altLang="zh-TW" sz="1800" b="0" dirty="0" smtClean="0">
-                <a:sym typeface="Arial"/>
-              </a:rPr>
-              <a:t>=&gt; 65.89 %</a:t>
-            </a:r>
-            <a:r>
-              <a:rPr lang="zh-TW" altLang="en-US" sz="1800" b="0" dirty="0" smtClean="0">
-                <a:sym typeface="Arial"/>
-              </a:rPr>
-              <a:t> </a:t>
-            </a:r>
-            <a:r>
-              <a:rPr lang="en-US" altLang="zh-TW" sz="1800" b="0" dirty="0" smtClean="0">
-                <a:sym typeface="Arial"/>
-              </a:rPr>
-              <a:t>(</a:t>
-            </a:r>
-            <a:r>
-              <a:rPr lang="zh-TW" altLang="en-US" sz="1800" b="0" dirty="0" smtClean="0">
-                <a:sym typeface="Arial"/>
-              </a:rPr>
-              <a:t>濕度</a:t>
-            </a:r>
-            <a:r>
-              <a:rPr lang="en-US" altLang="zh-TW" sz="1800" b="0" dirty="0" smtClean="0">
-                <a:sym typeface="Arial"/>
-              </a:rPr>
-              <a:t>)</a:t>
+              <a:t>發送資料</a:t>
             </a:r>
             <a:endParaRPr lang="en-US" altLang="zh-TW" sz="1800" b="0" dirty="0" smtClean="0">
               <a:sym typeface="Arial"/>
             </a:endParaRPr>
+          </a:p>
+          <a:p>
+            <a:pPr defTabSz="694944">
+              <a:lnSpc>
+                <a:spcPct val="115000"/>
+              </a:lnSpc>
+              <a:spcBef>
+                <a:spcPts val="1200"/>
+              </a:spcBef>
+              <a:defRPr sz="2400">
+                <a:solidFill>
+                  <a:srgbClr val="585858"/>
+                </a:solidFill>
+                <a:latin typeface="Arial"/>
+                <a:ea typeface="Arial"/>
+                <a:cs typeface="Arial"/>
+                <a:sym typeface="Arial"/>
+              </a:defRPr>
+            </a:pPr>
+            <a:r>
+              <a:rPr lang="zh-TW" altLang="en-US" sz="1800" b="0" dirty="0" smtClean="0">
+                <a:sym typeface="Arial"/>
+              </a:rPr>
+              <a:t>前面</a:t>
+            </a:r>
+            <a:r>
+              <a:rPr lang="en-US" altLang="zh-TW" sz="1800" b="0" dirty="0" smtClean="0">
+                <a:sym typeface="Arial"/>
+              </a:rPr>
+              <a:t>:</a:t>
+            </a:r>
+            <a:r>
+              <a:rPr lang="zh-TW" altLang="en-US" sz="1800" b="0" dirty="0" smtClean="0">
+                <a:sym typeface="Arial"/>
+              </a:rPr>
+              <a:t> </a:t>
+            </a:r>
+            <a:r>
+              <a:rPr lang="en-US" altLang="zh-TW" sz="1800" b="0" dirty="0" smtClean="0">
+                <a:sym typeface="Arial"/>
+              </a:rPr>
+              <a:t>byte</a:t>
+            </a:r>
+            <a:r>
+              <a:rPr lang="zh-TW" altLang="en-US" sz="1800" b="0" dirty="0" smtClean="0">
+                <a:sym typeface="Arial"/>
+              </a:rPr>
+              <a:t>長度</a:t>
+            </a:r>
+            <a:endParaRPr lang="en-US" altLang="zh-TW" sz="1800" b="0" dirty="0" smtClean="0">
+              <a:sym typeface="Arial"/>
+            </a:endParaRPr>
+          </a:p>
+          <a:p>
+            <a:pPr defTabSz="694944">
+              <a:lnSpc>
+                <a:spcPct val="115000"/>
+              </a:lnSpc>
+              <a:spcBef>
+                <a:spcPts val="1200"/>
+              </a:spcBef>
+              <a:defRPr sz="2400">
+                <a:solidFill>
+                  <a:srgbClr val="585858"/>
+                </a:solidFill>
+                <a:latin typeface="Arial"/>
+                <a:ea typeface="Arial"/>
+                <a:cs typeface="Arial"/>
+                <a:sym typeface="Arial"/>
+              </a:defRPr>
+            </a:pPr>
+            <a:r>
+              <a:rPr lang="zh-TW" altLang="en-US" sz="1800" b="0" dirty="0" smtClean="0">
+                <a:sym typeface="Arial"/>
+              </a:rPr>
+              <a:t>後面</a:t>
+            </a:r>
+            <a:r>
+              <a:rPr lang="en-US" altLang="zh-TW" sz="1800" b="0" dirty="0" smtClean="0">
+                <a:sym typeface="Arial"/>
+              </a:rPr>
+              <a:t>:</a:t>
+            </a:r>
+            <a:r>
+              <a:rPr lang="zh-TW" altLang="en-US" sz="1800" b="0" dirty="0" smtClean="0">
+                <a:sym typeface="Arial"/>
+              </a:rPr>
+              <a:t>資料內容</a:t>
+            </a:r>
+            <a:endParaRPr lang="en-US" altLang="zh-TW" sz="1800" b="0" dirty="0" smtClean="0">
+              <a:sym typeface="Arial"/>
+            </a:endParaRPr>
+          </a:p>
+          <a:p>
+            <a:pPr defTabSz="694944">
+              <a:lnSpc>
+                <a:spcPct val="115000"/>
+              </a:lnSpc>
+              <a:spcBef>
+                <a:spcPts val="1200"/>
+              </a:spcBef>
+              <a:defRPr sz="2400">
+                <a:solidFill>
+                  <a:srgbClr val="585858"/>
+                </a:solidFill>
+                <a:latin typeface="Arial"/>
+                <a:ea typeface="Arial"/>
+                <a:cs typeface="Arial"/>
+                <a:sym typeface="Arial"/>
+              </a:defRPr>
+            </a:pPr>
+            <a:r>
+              <a:rPr lang="zh-TW" altLang="en-US" sz="1800" b="0" dirty="0" smtClean="0">
+                <a:sym typeface="Arial"/>
+              </a:rPr>
+              <a:t>範例</a:t>
+            </a:r>
+            <a:r>
+              <a:rPr lang="en-US" altLang="zh-TW" sz="1800" b="0" dirty="0" smtClean="0">
+                <a:sym typeface="Arial"/>
+              </a:rPr>
+              <a:t>:</a:t>
+            </a:r>
+          </a:p>
+          <a:p>
+            <a:pPr defTabSz="694944">
+              <a:lnSpc>
+                <a:spcPct val="115000"/>
+              </a:lnSpc>
+              <a:spcBef>
+                <a:spcPts val="1200"/>
+              </a:spcBef>
+              <a:defRPr sz="2400">
+                <a:solidFill>
+                  <a:srgbClr val="585858"/>
+                </a:solidFill>
+                <a:latin typeface="Arial"/>
+                <a:ea typeface="Arial"/>
+                <a:cs typeface="Arial"/>
+                <a:sym typeface="Arial"/>
+              </a:defRPr>
+            </a:pPr>
+            <a:r>
+              <a:rPr lang="en-US" altLang="zh-TW" sz="1800" b="0" dirty="0" smtClean="0">
+                <a:solidFill>
+                  <a:schemeClr val="accent2"/>
+                </a:solidFill>
+                <a:sym typeface="Arial"/>
+              </a:rPr>
+              <a:t>0A</a:t>
+            </a:r>
+            <a:r>
+              <a:rPr lang="zh-TW" altLang="en-US" sz="1800" b="0" dirty="0" smtClean="0">
+                <a:solidFill>
+                  <a:schemeClr val="accent2"/>
+                </a:solidFill>
+                <a:sym typeface="Arial"/>
+              </a:rPr>
+              <a:t> </a:t>
+            </a:r>
+            <a:r>
+              <a:rPr lang="en-US" altLang="zh-TW" sz="1800" b="0" dirty="0" smtClean="0">
+                <a:solidFill>
+                  <a:schemeClr val="accent2"/>
+                </a:solidFill>
+                <a:sym typeface="Arial"/>
+              </a:rPr>
+              <a:t>09D9</a:t>
+            </a:r>
+            <a:r>
+              <a:rPr lang="zh-TW" altLang="en-US" sz="1800" b="0" dirty="0" smtClean="0">
+                <a:solidFill>
+                  <a:schemeClr val="accent2"/>
+                </a:solidFill>
+                <a:sym typeface="Arial"/>
+              </a:rPr>
+              <a:t> </a:t>
+            </a:r>
+            <a:r>
+              <a:rPr lang="en-US" altLang="zh-TW" sz="1800" b="0" dirty="0" smtClean="0">
+                <a:solidFill>
+                  <a:schemeClr val="accent2"/>
+                </a:solidFill>
+                <a:sym typeface="Arial"/>
+              </a:rPr>
+              <a:t>19BD</a:t>
+            </a:r>
+            <a:r>
+              <a:rPr lang="zh-TW" altLang="en-US" sz="1800" b="0" dirty="0" smtClean="0">
+                <a:sym typeface="Arial"/>
+              </a:rPr>
+              <a:t>由三個資料組成</a:t>
+            </a:r>
+            <a:endParaRPr lang="en-US" altLang="zh-TW" sz="1800" b="0" dirty="0" smtClean="0">
+              <a:sym typeface="Arial"/>
+            </a:endParaRPr>
+          </a:p>
+          <a:p>
+            <a:pPr defTabSz="694944">
+              <a:lnSpc>
+                <a:spcPct val="115000"/>
+              </a:lnSpc>
+              <a:spcBef>
+                <a:spcPts val="1200"/>
+              </a:spcBef>
+              <a:defRPr sz="2400">
+                <a:solidFill>
+                  <a:srgbClr val="585858"/>
+                </a:solidFill>
+                <a:latin typeface="Arial"/>
+                <a:ea typeface="Arial"/>
+                <a:cs typeface="Arial"/>
+                <a:sym typeface="Arial"/>
+              </a:defRPr>
+            </a:pPr>
+            <a:r>
+              <a:rPr lang="en-US" altLang="zh-TW" sz="1800" b="0" dirty="0" smtClean="0">
+                <a:sym typeface="Arial"/>
+              </a:rPr>
+              <a:t>0A : </a:t>
+            </a:r>
+            <a:r>
+              <a:rPr lang="zh-TW" altLang="en-US" sz="1800" b="0" dirty="0" smtClean="0">
+                <a:sym typeface="Arial"/>
+              </a:rPr>
+              <a:t>裝置類型  </a:t>
+            </a:r>
+            <a:r>
+              <a:rPr lang="en-US" altLang="zh-TW" sz="1800" b="0" dirty="0" smtClean="0">
+                <a:sym typeface="Arial"/>
+              </a:rPr>
+              <a:t>10</a:t>
+            </a:r>
+          </a:p>
+          <a:p>
+            <a:pPr defTabSz="694944">
+              <a:lnSpc>
+                <a:spcPct val="115000"/>
+              </a:lnSpc>
+              <a:spcBef>
+                <a:spcPts val="1200"/>
+              </a:spcBef>
+              <a:defRPr sz="2400">
+                <a:solidFill>
+                  <a:srgbClr val="585858"/>
+                </a:solidFill>
+                <a:latin typeface="Arial"/>
+                <a:ea typeface="Arial"/>
+                <a:cs typeface="Arial"/>
+                <a:sym typeface="Arial"/>
+              </a:defRPr>
+            </a:pPr>
+            <a:r>
+              <a:rPr lang="en-US" altLang="zh-TW" sz="1800" b="0" dirty="0" smtClean="0">
+                <a:sym typeface="Arial"/>
+              </a:rPr>
+              <a:t>09D9 =&gt; (2521/100)</a:t>
+            </a:r>
+          </a:p>
+          <a:p>
+            <a:pPr defTabSz="694944">
+              <a:lnSpc>
+                <a:spcPct val="115000"/>
+              </a:lnSpc>
+              <a:spcBef>
+                <a:spcPts val="1200"/>
+              </a:spcBef>
+              <a:defRPr sz="2400">
+                <a:solidFill>
+                  <a:srgbClr val="585858"/>
+                </a:solidFill>
+                <a:latin typeface="Arial"/>
+                <a:ea typeface="Arial"/>
+                <a:cs typeface="Arial"/>
+                <a:sym typeface="Arial"/>
+              </a:defRPr>
+            </a:pPr>
+            <a:r>
+              <a:rPr lang="en-US" altLang="zh-TW" sz="1800" b="0" dirty="0" smtClean="0">
+                <a:sym typeface="Arial"/>
+              </a:rPr>
+              <a:t>         =&gt; 25.21 </a:t>
+            </a:r>
+            <a:r>
+              <a:rPr lang="zh-TW" altLang="en-US" sz="1800" b="0" dirty="0" smtClean="0">
+                <a:sym typeface="Arial"/>
+              </a:rPr>
+              <a:t>度</a:t>
+            </a:r>
+            <a:r>
+              <a:rPr lang="en-US" altLang="zh-TW" sz="1800" b="0" dirty="0" smtClean="0">
+                <a:sym typeface="Arial"/>
+              </a:rPr>
+              <a:t> (</a:t>
+            </a:r>
+            <a:r>
+              <a:rPr lang="zh-TW" altLang="en-US" sz="1800" b="0" dirty="0" smtClean="0">
+                <a:sym typeface="Arial"/>
+              </a:rPr>
+              <a:t>溫度</a:t>
+            </a:r>
+            <a:r>
+              <a:rPr lang="en-US" altLang="zh-TW" sz="1800" b="0" dirty="0" smtClean="0">
+                <a:sym typeface="Arial"/>
+              </a:rPr>
+              <a:t>)</a:t>
+            </a:r>
+          </a:p>
+          <a:p>
+            <a:pPr defTabSz="694944">
+              <a:lnSpc>
+                <a:spcPct val="115000"/>
+              </a:lnSpc>
+              <a:spcBef>
+                <a:spcPts val="1200"/>
+              </a:spcBef>
+              <a:defRPr sz="2400">
+                <a:solidFill>
+                  <a:srgbClr val="585858"/>
+                </a:solidFill>
+                <a:latin typeface="Arial"/>
+                <a:ea typeface="Arial"/>
+                <a:cs typeface="Arial"/>
+                <a:sym typeface="Arial"/>
+              </a:defRPr>
+            </a:pPr>
+            <a:r>
+              <a:rPr lang="en-US" altLang="zh-TW" sz="1800" b="0" dirty="0" smtClean="0">
+                <a:sym typeface="Arial"/>
+              </a:rPr>
+              <a:t>19BD</a:t>
+            </a:r>
+            <a:r>
+              <a:rPr lang="zh-TW" altLang="en-US" sz="1800" b="0" dirty="0" smtClean="0">
+                <a:sym typeface="Arial"/>
+              </a:rPr>
+              <a:t> </a:t>
+            </a:r>
+            <a:r>
+              <a:rPr lang="en-US" altLang="zh-TW" sz="1800" b="0" dirty="0" smtClean="0">
+                <a:sym typeface="Arial"/>
+              </a:rPr>
+              <a:t>=&gt;</a:t>
+            </a:r>
+            <a:r>
+              <a:rPr lang="zh-TW" altLang="en-US" sz="1800" b="0" dirty="0" smtClean="0">
+                <a:sym typeface="Arial"/>
+              </a:rPr>
+              <a:t> ˊ</a:t>
+            </a:r>
+            <a:r>
+              <a:rPr lang="en-US" altLang="zh-TW" sz="1800" b="0" dirty="0" smtClean="0">
+                <a:sym typeface="Arial"/>
+              </a:rPr>
+              <a:t>(</a:t>
+            </a:r>
+            <a:r>
+              <a:rPr lang="zh-TW" altLang="en-US" sz="1800" b="0" dirty="0" smtClean="0">
+                <a:sym typeface="Arial"/>
+              </a:rPr>
+              <a:t>ˊ</a:t>
+            </a:r>
+            <a:r>
+              <a:rPr lang="en-US" altLang="zh-TW" sz="1800" b="0" dirty="0" smtClean="0">
+                <a:sym typeface="Arial"/>
+              </a:rPr>
+              <a:t>6589 / 100)</a:t>
+            </a:r>
+          </a:p>
+          <a:p>
+            <a:pPr defTabSz="694944">
+              <a:lnSpc>
+                <a:spcPct val="115000"/>
+              </a:lnSpc>
+              <a:spcBef>
+                <a:spcPts val="1200"/>
+              </a:spcBef>
+              <a:defRPr sz="2400">
+                <a:solidFill>
+                  <a:srgbClr val="585858"/>
+                </a:solidFill>
+                <a:latin typeface="Arial"/>
+                <a:ea typeface="Arial"/>
+                <a:cs typeface="Arial"/>
+                <a:sym typeface="Arial"/>
+              </a:defRPr>
+            </a:pPr>
+            <a:r>
+              <a:rPr lang="en-US" altLang="zh-TW" sz="1800" b="0" dirty="0" smtClean="0">
+                <a:sym typeface="Arial"/>
+              </a:rPr>
+              <a:t>          </a:t>
+            </a:r>
+            <a:r>
+              <a:rPr lang="zh-TW" altLang="en-US" sz="1800" b="0" dirty="0" smtClean="0">
+                <a:sym typeface="Arial"/>
+              </a:rPr>
+              <a:t> </a:t>
+            </a:r>
+            <a:r>
+              <a:rPr lang="en-US" altLang="zh-TW" sz="1800" b="0" dirty="0" smtClean="0">
+                <a:sym typeface="Arial"/>
+              </a:rPr>
+              <a:t>=&gt; 65.89 %</a:t>
+            </a:r>
+            <a:r>
+              <a:rPr lang="zh-TW" altLang="en-US" sz="1800" b="0" dirty="0" smtClean="0">
+                <a:sym typeface="Arial"/>
+              </a:rPr>
+              <a:t> </a:t>
+            </a:r>
+            <a:r>
+              <a:rPr lang="en-US" altLang="zh-TW" sz="1800" b="0" dirty="0" smtClean="0">
+                <a:sym typeface="Arial"/>
+              </a:rPr>
+              <a:t>(</a:t>
+            </a:r>
+            <a:r>
+              <a:rPr lang="zh-TW" altLang="en-US" sz="1800" b="0" dirty="0" smtClean="0">
+                <a:sym typeface="Arial"/>
+              </a:rPr>
+              <a:t>濕度</a:t>
+            </a:r>
+            <a:r>
+              <a:rPr lang="en-US" altLang="zh-TW" sz="1800" b="0" dirty="0" smtClean="0">
+                <a:sym typeface="Arial"/>
+              </a:rPr>
+              <a:t>)</a:t>
+            </a:r>
           </a:p>
         </p:txBody>
       </p:sp>
@@ -8492,7 +9792,784 @@
 </p:sld>
 </file>
 
-<file path=ppt/slides/slide15.xml><?xml version="1.0" encoding="utf-8"?>
+<file path=ppt/slides/slide19.xml><?xml version="1.0" encoding="utf-8"?>
+<p:sld xmlns:a="http://schemas.openxmlformats.org/drawingml/2006/main" xmlns:r="http://schemas.openxmlformats.org/officeDocument/2006/relationships" xmlns:p="http://schemas.openxmlformats.org/presentationml/2006/main">
+  <p:cSld>
+    <p:spTree>
+      <p:nvGrpSpPr>
+        <p:cNvPr id="1" name=""/>
+        <p:cNvGrpSpPr/>
+        <p:nvPr/>
+      </p:nvGrpSpPr>
+      <p:grpSpPr>
+        <a:xfrm>
+          <a:off x="0" y="0"/>
+          <a:ext cx="0" cy="0"/>
+          <a:chOff x="0" y="0"/>
+          <a:chExt cx="0" cy="0"/>
+        </a:xfrm>
+      </p:grpSpPr>
+      <p:sp>
+        <p:nvSpPr>
+          <p:cNvPr id="249" name="Shape 249"/>
+          <p:cNvSpPr>
+            <a:spLocks noGrp="1"/>
+          </p:cNvSpPr>
+          <p:nvPr>
+            <p:ph type="body" idx="1"/>
+          </p:nvPr>
+        </p:nvSpPr>
+        <p:spPr>
+          <a:xfrm>
+            <a:off x="531812" y="984738"/>
+            <a:ext cx="7772401" cy="5085615"/>
+          </a:xfrm>
+          <a:prstGeom prst="rect">
+            <a:avLst/>
+          </a:prstGeom>
+        </p:spPr>
+        <p:txBody>
+          <a:bodyPr anchor="t">
+            <a:normAutofit/>
+          </a:bodyPr>
+          <a:lstStyle/>
+          <a:p>
+            <a:pPr defTabSz="694944">
+              <a:lnSpc>
+                <a:spcPct val="115000"/>
+              </a:lnSpc>
+              <a:spcBef>
+                <a:spcPts val="1200"/>
+              </a:spcBef>
+              <a:defRPr sz="2400">
+                <a:solidFill>
+                  <a:srgbClr val="585858"/>
+                </a:solidFill>
+                <a:latin typeface="Arial"/>
+                <a:ea typeface="Arial"/>
+                <a:cs typeface="Arial"/>
+                <a:sym typeface="Arial"/>
+              </a:defRPr>
+            </a:pPr>
+            <a:endParaRPr lang="en-US" altLang="zh-TW" sz="1800" b="0" dirty="0" smtClean="0">
+              <a:sym typeface="Arial"/>
+            </a:endParaRPr>
+          </a:p>
+          <a:p>
+            <a:pPr defTabSz="694944">
+              <a:lnSpc>
+                <a:spcPct val="115000"/>
+              </a:lnSpc>
+              <a:spcBef>
+                <a:spcPts val="1200"/>
+              </a:spcBef>
+              <a:defRPr sz="2400">
+                <a:solidFill>
+                  <a:srgbClr val="585858"/>
+                </a:solidFill>
+                <a:latin typeface="Arial"/>
+                <a:ea typeface="Arial"/>
+                <a:cs typeface="Arial"/>
+                <a:sym typeface="Arial"/>
+              </a:defRPr>
+            </a:pPr>
+            <a:endParaRPr lang="en-US" altLang="zh-TW" sz="1800" b="0" dirty="0" smtClean="0">
+              <a:sym typeface="Arial"/>
+            </a:endParaRPr>
+          </a:p>
+          <a:p>
+            <a:pPr defTabSz="694944">
+              <a:lnSpc>
+                <a:spcPct val="115000"/>
+              </a:lnSpc>
+              <a:spcBef>
+                <a:spcPts val="1200"/>
+              </a:spcBef>
+              <a:defRPr sz="2400">
+                <a:solidFill>
+                  <a:srgbClr val="585858"/>
+                </a:solidFill>
+                <a:latin typeface="Arial"/>
+                <a:ea typeface="Arial"/>
+                <a:cs typeface="Arial"/>
+                <a:sym typeface="Arial"/>
+              </a:defRPr>
+            </a:pPr>
+            <a:endParaRPr lang="en-US" altLang="zh-TW" sz="1800" b="0" dirty="0" smtClean="0">
+              <a:sym typeface="Arial"/>
+            </a:endParaRPr>
+          </a:p>
+          <a:p>
+            <a:pPr defTabSz="694944">
+              <a:lnSpc>
+                <a:spcPct val="115000"/>
+              </a:lnSpc>
+              <a:spcBef>
+                <a:spcPts val="1200"/>
+              </a:spcBef>
+              <a:defRPr sz="2400">
+                <a:solidFill>
+                  <a:srgbClr val="585858"/>
+                </a:solidFill>
+                <a:latin typeface="Arial"/>
+                <a:ea typeface="Arial"/>
+                <a:cs typeface="Arial"/>
+                <a:sym typeface="Arial"/>
+              </a:defRPr>
+            </a:pPr>
+            <a:endParaRPr lang="en-US" altLang="zh-TW" sz="1800" b="0" dirty="0" smtClean="0">
+              <a:sym typeface="Arial"/>
+            </a:endParaRPr>
+          </a:p>
+          <a:p>
+            <a:pPr defTabSz="694944">
+              <a:lnSpc>
+                <a:spcPct val="115000"/>
+              </a:lnSpc>
+              <a:spcBef>
+                <a:spcPts val="1200"/>
+              </a:spcBef>
+              <a:defRPr sz="2400">
+                <a:solidFill>
+                  <a:srgbClr val="585858"/>
+                </a:solidFill>
+                <a:latin typeface="Arial"/>
+                <a:ea typeface="Arial"/>
+                <a:cs typeface="Arial"/>
+                <a:sym typeface="Arial"/>
+              </a:defRPr>
+            </a:pPr>
+            <a:endParaRPr lang="en-US" altLang="zh-TW" sz="1800" b="0" dirty="0" smtClean="0">
+              <a:sym typeface="Arial"/>
+            </a:endParaRPr>
+          </a:p>
+          <a:p>
+            <a:pPr defTabSz="694944">
+              <a:lnSpc>
+                <a:spcPct val="115000"/>
+              </a:lnSpc>
+              <a:spcBef>
+                <a:spcPts val="1200"/>
+              </a:spcBef>
+              <a:defRPr sz="2400">
+                <a:solidFill>
+                  <a:srgbClr val="585858"/>
+                </a:solidFill>
+                <a:latin typeface="Arial"/>
+                <a:ea typeface="Arial"/>
+                <a:cs typeface="Arial"/>
+                <a:sym typeface="Arial"/>
+              </a:defRPr>
+            </a:pPr>
+            <a:r>
+              <a:rPr lang="zh-TW" altLang="en-US" sz="1800" b="0" dirty="0" smtClean="0">
+                <a:sym typeface="Arial"/>
+              </a:rPr>
+              <a:t>因為</a:t>
+            </a:r>
+            <a:r>
+              <a:rPr lang="en-US" altLang="zh-TW" sz="1800" b="0" dirty="0" smtClean="0">
+                <a:sym typeface="Arial"/>
+              </a:rPr>
+              <a:t>GIOT server</a:t>
+            </a:r>
+            <a:r>
+              <a:rPr lang="zh-TW" altLang="en-US" sz="1800" b="0" dirty="0" smtClean="0">
+                <a:sym typeface="Arial"/>
+              </a:rPr>
+              <a:t>會檢查</a:t>
+            </a:r>
+            <a:r>
+              <a:rPr lang="en-US" altLang="zh-TW" sz="1800" b="0" dirty="0" smtClean="0">
+                <a:sym typeface="Arial"/>
+              </a:rPr>
+              <a:t>client ID,</a:t>
+            </a:r>
+            <a:r>
+              <a:rPr lang="zh-TW" altLang="en-US" sz="1800" b="0" dirty="0" smtClean="0">
+                <a:sym typeface="Arial"/>
+              </a:rPr>
+              <a:t>相同</a:t>
+            </a:r>
+            <a:r>
+              <a:rPr lang="en-US" altLang="zh-TW" sz="1800" b="0" dirty="0" err="1" smtClean="0">
+                <a:sym typeface="Arial"/>
+              </a:rPr>
+              <a:t>clientID</a:t>
+            </a:r>
+            <a:r>
+              <a:rPr lang="zh-TW" altLang="en-US" sz="1800" b="0" dirty="0" smtClean="0">
+                <a:sym typeface="Arial"/>
+              </a:rPr>
+              <a:t>會無法訂閱</a:t>
+            </a:r>
+            <a:endParaRPr lang="en-US" altLang="zh-TW" sz="1800" b="0" dirty="0" smtClean="0">
+              <a:sym typeface="Arial"/>
+            </a:endParaRPr>
+          </a:p>
+        </p:txBody>
+      </p:sp>
+      <p:sp>
+        <p:nvSpPr>
+          <p:cNvPr id="250" name="Shape 250"/>
+          <p:cNvSpPr/>
+          <p:nvPr/>
+        </p:nvSpPr>
+        <p:spPr>
+          <a:xfrm>
+            <a:off x="531812" y="215699"/>
+            <a:ext cx="7772401" cy="646317"/>
+          </a:xfrm>
+          <a:prstGeom prst="rect">
+            <a:avLst/>
+          </a:prstGeom>
+          <a:ln w="12700">
+            <a:miter lim="400000"/>
+          </a:ln>
+          <a:extLst>
+            <a:ext uri="{C572A759-6A51-4108-AA02-DFA0A04FC94B}">
+              <ma14:wrappingTextBoxFlag xmlns="" xmlns:ma14="http://schemas.microsoft.com/office/mac/drawingml/2011/main" val="1"/>
+            </a:ext>
+          </a:extLst>
+        </p:spPr>
+        <p:txBody>
+          <a:bodyPr lIns="45718" tIns="45718" rIns="45718" bIns="45718" anchor="ctr">
+            <a:normAutofit lnSpcReduction="10000"/>
+          </a:bodyPr>
+          <a:lstStyle>
+            <a:lvl1pPr algn="ctr" defTabSz="877822">
+              <a:defRPr sz="4000">
+                <a:solidFill>
+                  <a:srgbClr val="FFFFFF"/>
+                </a:solidFill>
+                <a:latin typeface="Arial"/>
+                <a:ea typeface="Arial"/>
+                <a:cs typeface="Arial"/>
+                <a:sym typeface="Arial"/>
+              </a:defRPr>
+            </a:lvl1pPr>
+          </a:lstStyle>
+          <a:p>
+            <a:r>
+              <a:rPr lang="en-US" altLang="zh-TW" dirty="0" smtClean="0"/>
+              <a:t>MQTT</a:t>
+            </a:r>
+            <a:r>
+              <a:rPr lang="zh-TW" altLang="en-US" dirty="0" smtClean="0"/>
+              <a:t>設定</a:t>
+            </a:r>
+            <a:endParaRPr dirty="0"/>
+          </a:p>
+        </p:txBody>
+      </p:sp>
+      <p:pic>
+        <p:nvPicPr>
+          <p:cNvPr id="4098" name="Picture 2"/>
+          <p:cNvPicPr>
+            <a:picLocks noChangeAspect="1" noChangeArrowheads="1"/>
+          </p:cNvPicPr>
+          <p:nvPr/>
+        </p:nvPicPr>
+        <p:blipFill>
+          <a:blip r:embed="rId2" cstate="print"/>
+          <a:srcRect/>
+          <a:stretch>
+            <a:fillRect/>
+          </a:stretch>
+        </p:blipFill>
+        <p:spPr bwMode="auto">
+          <a:xfrm>
+            <a:off x="556592" y="1023316"/>
+            <a:ext cx="7603279" cy="2077693"/>
+          </a:xfrm>
+          <a:prstGeom prst="rect">
+            <a:avLst/>
+          </a:prstGeom>
+          <a:noFill/>
+          <a:ln w="9525">
+            <a:noFill/>
+            <a:miter lim="800000"/>
+            <a:headEnd/>
+            <a:tailEnd/>
+          </a:ln>
+        </p:spPr>
+      </p:pic>
+      <p:pic>
+        <p:nvPicPr>
+          <p:cNvPr id="4099" name="Picture 3"/>
+          <p:cNvPicPr>
+            <a:picLocks noChangeAspect="1" noChangeArrowheads="1"/>
+          </p:cNvPicPr>
+          <p:nvPr/>
+        </p:nvPicPr>
+        <p:blipFill>
+          <a:blip r:embed="rId3" cstate="print"/>
+          <a:srcRect/>
+          <a:stretch>
+            <a:fillRect/>
+          </a:stretch>
+        </p:blipFill>
+        <p:spPr bwMode="auto">
+          <a:xfrm>
+            <a:off x="350770" y="3845201"/>
+            <a:ext cx="4022448" cy="2533650"/>
+          </a:xfrm>
+          <a:prstGeom prst="rect">
+            <a:avLst/>
+          </a:prstGeom>
+          <a:noFill/>
+          <a:ln w="9525">
+            <a:noFill/>
+            <a:miter lim="800000"/>
+            <a:headEnd/>
+            <a:tailEnd/>
+          </a:ln>
+        </p:spPr>
+      </p:pic>
+      <p:pic>
+        <p:nvPicPr>
+          <p:cNvPr id="4100" name="Picture 4"/>
+          <p:cNvPicPr>
+            <a:picLocks noChangeAspect="1" noChangeArrowheads="1"/>
+          </p:cNvPicPr>
+          <p:nvPr/>
+        </p:nvPicPr>
+        <p:blipFill>
+          <a:blip r:embed="rId4" cstate="print"/>
+          <a:srcRect/>
+          <a:stretch>
+            <a:fillRect/>
+          </a:stretch>
+        </p:blipFill>
+        <p:spPr bwMode="auto">
+          <a:xfrm>
+            <a:off x="4505740" y="3841887"/>
+            <a:ext cx="4147930" cy="1771650"/>
+          </a:xfrm>
+          <a:prstGeom prst="rect">
+            <a:avLst/>
+          </a:prstGeom>
+          <a:noFill/>
+          <a:ln w="9525">
+            <a:noFill/>
+            <a:miter lim="800000"/>
+            <a:headEnd/>
+            <a:tailEnd/>
+          </a:ln>
+        </p:spPr>
+      </p:pic>
+    </p:spTree>
+  </p:cSld>
+  <p:clrMapOvr>
+    <a:masterClrMapping/>
+  </p:clrMapOvr>
+  <p:transition spd="slow"/>
+  <p:timing>
+    <p:tnLst>
+      <p:par>
+        <p:cTn id="1" dur="indefinite" restart="never" nodeType="tmRoot"/>
+      </p:par>
+    </p:tnLst>
+  </p:timing>
+</p:sld>
+</file>
+
+<file path=ppt/slides/slide2.xml><?xml version="1.0" encoding="utf-8"?>
+<p:sld xmlns:a="http://schemas.openxmlformats.org/drawingml/2006/main" xmlns:r="http://schemas.openxmlformats.org/officeDocument/2006/relationships" xmlns:p="http://schemas.openxmlformats.org/presentationml/2006/main">
+  <p:cSld>
+    <p:spTree>
+      <p:nvGrpSpPr>
+        <p:cNvPr id="1" name=""/>
+        <p:cNvGrpSpPr/>
+        <p:nvPr/>
+      </p:nvGrpSpPr>
+      <p:grpSpPr>
+        <a:xfrm>
+          <a:off x="0" y="0"/>
+          <a:ext cx="0" cy="0"/>
+          <a:chOff x="0" y="0"/>
+          <a:chExt cx="0" cy="0"/>
+        </a:xfrm>
+      </p:grpSpPr>
+      <p:sp>
+        <p:nvSpPr>
+          <p:cNvPr id="242" name="Shape 242"/>
+          <p:cNvSpPr>
+            <a:spLocks noGrp="1"/>
+          </p:cNvSpPr>
+          <p:nvPr>
+            <p:ph type="body" idx="1"/>
+          </p:nvPr>
+        </p:nvSpPr>
+        <p:spPr>
+          <a:xfrm>
+            <a:off x="685800" y="1447800"/>
+            <a:ext cx="7772400" cy="4343400"/>
+          </a:xfrm>
+          <a:prstGeom prst="rect">
+            <a:avLst/>
+          </a:prstGeom>
+        </p:spPr>
+        <p:txBody>
+          <a:bodyPr>
+            <a:normAutofit fontScale="85000" lnSpcReduction="20000"/>
+          </a:bodyPr>
+          <a:lstStyle/>
+          <a:p>
+            <a:pPr marL="457200" indent="-228600">
+              <a:lnSpc>
+                <a:spcPct val="115000"/>
+              </a:lnSpc>
+              <a:spcBef>
+                <a:spcPts val="0"/>
+              </a:spcBef>
+              <a:buClr>
+                <a:srgbClr val="585858"/>
+              </a:buClr>
+              <a:buFont typeface="Arial"/>
+              <a:buChar char="●"/>
+              <a:defRPr sz="3000" b="0">
+                <a:solidFill>
+                  <a:srgbClr val="585858"/>
+                </a:solidFill>
+                <a:latin typeface="Arial"/>
+                <a:ea typeface="Arial"/>
+                <a:cs typeface="Arial"/>
+                <a:sym typeface="Arial"/>
+              </a:defRPr>
+            </a:pPr>
+            <a:r>
+              <a:rPr lang="en-US" altLang="zh-TW" dirty="0" smtClean="0"/>
+              <a:t>MQTT &amp;</a:t>
+            </a:r>
+            <a:r>
+              <a:rPr lang="en-US" altLang="zh-TW" dirty="0" err="1" smtClean="0"/>
+              <a:t>Nodejs</a:t>
+            </a:r>
+            <a:r>
+              <a:rPr lang="zh-TW" altLang="en-US" dirty="0" smtClean="0"/>
+              <a:t>模組應用及</a:t>
+            </a:r>
+            <a:r>
+              <a:rPr dirty="0" err="1" smtClean="0"/>
+              <a:t>介紹</a:t>
+            </a:r>
+            <a:endParaRPr lang="en-US" altLang="zh-TW" dirty="0" smtClean="0"/>
+          </a:p>
+          <a:p>
+            <a:pPr marL="457200" indent="-228600">
+              <a:lnSpc>
+                <a:spcPct val="115000"/>
+              </a:lnSpc>
+              <a:spcBef>
+                <a:spcPts val="0"/>
+              </a:spcBef>
+              <a:buClr>
+                <a:srgbClr val="585858"/>
+              </a:buClr>
+              <a:buFont typeface="Arial"/>
+              <a:buChar char="●"/>
+              <a:defRPr sz="3000" b="0">
+                <a:solidFill>
+                  <a:srgbClr val="585858"/>
+                </a:solidFill>
+                <a:latin typeface="Arial"/>
+                <a:ea typeface="Arial"/>
+                <a:cs typeface="Arial"/>
+                <a:sym typeface="Arial"/>
+              </a:defRPr>
+            </a:pPr>
+            <a:endParaRPr lang="en-US" dirty="0" smtClean="0"/>
+          </a:p>
+          <a:p>
+            <a:pPr marL="457200" indent="-228600">
+              <a:lnSpc>
+                <a:spcPct val="115000"/>
+              </a:lnSpc>
+              <a:spcBef>
+                <a:spcPts val="0"/>
+              </a:spcBef>
+              <a:buClr>
+                <a:srgbClr val="585858"/>
+              </a:buClr>
+              <a:buFont typeface="Arial"/>
+              <a:buChar char="●"/>
+              <a:defRPr sz="3000" b="0">
+                <a:solidFill>
+                  <a:srgbClr val="585858"/>
+                </a:solidFill>
+                <a:latin typeface="Arial"/>
+                <a:ea typeface="Arial"/>
+                <a:cs typeface="Arial"/>
+                <a:sym typeface="Arial"/>
+              </a:defRPr>
+            </a:pPr>
+            <a:r>
+              <a:rPr lang="en-US" altLang="zh-TW" dirty="0" smtClean="0"/>
+              <a:t>Node-Red</a:t>
+            </a:r>
+            <a:r>
+              <a:rPr lang="zh-TW" altLang="en-US" dirty="0" smtClean="0"/>
+              <a:t>應用</a:t>
+            </a:r>
+            <a:r>
+              <a:rPr dirty="0"/>
+              <a:t/>
+            </a:r>
+            <a:br>
+              <a:rPr dirty="0"/>
+            </a:br>
+            <a:endParaRPr dirty="0"/>
+          </a:p>
+          <a:p>
+            <a:pPr marL="457200" indent="-228600">
+              <a:lnSpc>
+                <a:spcPct val="115000"/>
+              </a:lnSpc>
+              <a:spcBef>
+                <a:spcPts val="0"/>
+              </a:spcBef>
+              <a:buClr>
+                <a:srgbClr val="585858"/>
+              </a:buClr>
+              <a:buFont typeface="Arial"/>
+              <a:buChar char="●"/>
+              <a:defRPr sz="3000" b="0">
+                <a:solidFill>
+                  <a:srgbClr val="585858"/>
+                </a:solidFill>
+                <a:latin typeface="Arial"/>
+                <a:ea typeface="Arial"/>
+                <a:cs typeface="Arial"/>
+                <a:sym typeface="Arial"/>
+              </a:defRPr>
+            </a:pPr>
+            <a:r>
+              <a:rPr dirty="0" err="1" smtClean="0"/>
+              <a:t>應用系統Web</a:t>
+            </a:r>
+            <a:r>
+              <a:rPr dirty="0" err="1"/>
+              <a:t>可視化GUI</a:t>
+            </a:r>
+            <a:r>
+              <a:rPr dirty="0"/>
+              <a:t> </a:t>
+            </a:r>
+            <a:r>
+              <a:rPr dirty="0" err="1" smtClean="0"/>
+              <a:t>開發與操作</a:t>
+            </a:r>
+            <a:endParaRPr lang="en-US" dirty="0" smtClean="0"/>
+          </a:p>
+          <a:p>
+            <a:pPr marL="457200" indent="-228600">
+              <a:lnSpc>
+                <a:spcPct val="115000"/>
+              </a:lnSpc>
+              <a:spcBef>
+                <a:spcPts val="0"/>
+              </a:spcBef>
+              <a:buClr>
+                <a:srgbClr val="585858"/>
+              </a:buClr>
+              <a:buFont typeface="Arial"/>
+              <a:buChar char="●"/>
+              <a:defRPr sz="3000" b="0">
+                <a:solidFill>
+                  <a:srgbClr val="585858"/>
+                </a:solidFill>
+                <a:latin typeface="Arial"/>
+                <a:ea typeface="Arial"/>
+                <a:cs typeface="Arial"/>
+                <a:sym typeface="Arial"/>
+              </a:defRPr>
+            </a:pPr>
+            <a:endParaRPr lang="en-US" dirty="0" smtClean="0"/>
+          </a:p>
+          <a:p>
+            <a:pPr marL="457200" indent="-228600">
+              <a:lnSpc>
+                <a:spcPct val="115000"/>
+              </a:lnSpc>
+              <a:spcBef>
+                <a:spcPts val="0"/>
+              </a:spcBef>
+              <a:buClr>
+                <a:srgbClr val="585858"/>
+              </a:buClr>
+              <a:buFont typeface="Arial"/>
+              <a:buChar char="●"/>
+              <a:defRPr sz="3000" b="0">
+                <a:solidFill>
+                  <a:srgbClr val="585858"/>
+                </a:solidFill>
+                <a:latin typeface="Arial"/>
+                <a:ea typeface="Arial"/>
+                <a:cs typeface="Arial"/>
+                <a:sym typeface="Arial"/>
+              </a:defRPr>
+            </a:pPr>
+            <a:r>
+              <a:rPr lang="zh-TW" altLang="en-US" dirty="0" smtClean="0"/>
+              <a:t>網頁通訊協議 </a:t>
+            </a:r>
+            <a:r>
+              <a:rPr lang="en-US" altLang="zh-TW" dirty="0" smtClean="0"/>
+              <a:t>- </a:t>
+            </a:r>
+            <a:r>
+              <a:rPr lang="en-US" altLang="zh-TW" dirty="0" err="1" smtClean="0"/>
+              <a:t>Websocket</a:t>
+            </a:r>
+            <a:r>
+              <a:rPr lang="en-US" dirty="0" smtClean="0"/>
+              <a:t/>
+            </a:r>
+            <a:br>
+              <a:rPr lang="en-US" dirty="0" smtClean="0"/>
+            </a:br>
+            <a:endParaRPr lang="en-US" dirty="0" smtClean="0"/>
+          </a:p>
+          <a:p>
+            <a:pPr marL="457200" indent="-228600">
+              <a:lnSpc>
+                <a:spcPct val="115000"/>
+              </a:lnSpc>
+              <a:spcBef>
+                <a:spcPts val="0"/>
+              </a:spcBef>
+              <a:buClr>
+                <a:srgbClr val="585858"/>
+              </a:buClr>
+              <a:buFont typeface="Arial"/>
+              <a:buChar char="●"/>
+              <a:defRPr sz="3000" b="0">
+                <a:solidFill>
+                  <a:srgbClr val="585858"/>
+                </a:solidFill>
+                <a:latin typeface="Arial"/>
+                <a:ea typeface="Arial"/>
+                <a:cs typeface="Arial"/>
+                <a:sym typeface="Arial"/>
+              </a:defRPr>
+            </a:pPr>
+            <a:r>
+              <a:rPr lang="en-US" altLang="zh-TW" dirty="0" err="1" smtClean="0"/>
+              <a:t>Linebot</a:t>
+            </a:r>
+            <a:r>
+              <a:rPr lang="zh-TW" altLang="en-US" dirty="0" smtClean="0"/>
+              <a:t>通知應用</a:t>
+            </a:r>
+            <a:endParaRPr lang="en-US" altLang="zh-TW" dirty="0" smtClean="0"/>
+          </a:p>
+          <a:p>
+            <a:pPr marL="457200" indent="-228600">
+              <a:lnSpc>
+                <a:spcPct val="115000"/>
+              </a:lnSpc>
+              <a:spcBef>
+                <a:spcPts val="0"/>
+              </a:spcBef>
+              <a:buClr>
+                <a:srgbClr val="585858"/>
+              </a:buClr>
+              <a:buNone/>
+              <a:defRPr sz="3000" b="0">
+                <a:solidFill>
+                  <a:srgbClr val="585858"/>
+                </a:solidFill>
+                <a:latin typeface="Arial"/>
+                <a:ea typeface="Arial"/>
+                <a:cs typeface="Arial"/>
+                <a:sym typeface="Arial"/>
+              </a:defRPr>
+            </a:pPr>
+            <a:endParaRPr lang="en-US" altLang="zh-TW" dirty="0" smtClean="0"/>
+          </a:p>
+          <a:p>
+            <a:pPr marL="457200" indent="-228600">
+              <a:lnSpc>
+                <a:spcPct val="115000"/>
+              </a:lnSpc>
+              <a:spcBef>
+                <a:spcPts val="0"/>
+              </a:spcBef>
+              <a:buClr>
+                <a:srgbClr val="585858"/>
+              </a:buClr>
+              <a:buFont typeface="Arial"/>
+              <a:buChar char="●"/>
+              <a:defRPr sz="3000" b="0">
+                <a:solidFill>
+                  <a:srgbClr val="585858"/>
+                </a:solidFill>
+                <a:latin typeface="Arial"/>
+                <a:ea typeface="Arial"/>
+                <a:cs typeface="Arial"/>
+                <a:sym typeface="Arial"/>
+              </a:defRPr>
+            </a:pPr>
+            <a:r>
+              <a:rPr lang="zh-TW" altLang="en-US" dirty="0" smtClean="0"/>
+              <a:t>自動控制</a:t>
+            </a:r>
+            <a:endParaRPr dirty="0"/>
+          </a:p>
+        </p:txBody>
+      </p:sp>
+      <p:sp>
+        <p:nvSpPr>
+          <p:cNvPr id="243" name="Shape 243"/>
+          <p:cNvSpPr>
+            <a:spLocks noGrp="1"/>
+          </p:cNvSpPr>
+          <p:nvPr>
+            <p:ph type="title"/>
+          </p:nvPr>
+        </p:nvSpPr>
+        <p:spPr>
+          <a:xfrm>
+            <a:off x="685798" y="0"/>
+            <a:ext cx="7772404" cy="899915"/>
+          </a:xfrm>
+          <a:prstGeom prst="rect">
+            <a:avLst/>
+          </a:prstGeom>
+        </p:spPr>
+        <p:txBody>
+          <a:bodyPr anchor="t"/>
+          <a:lstStyle>
+            <a:lvl1pPr>
+              <a:defRPr sz="5200" b="1"/>
+            </a:lvl1pPr>
+          </a:lstStyle>
+          <a:p>
+            <a:r>
+              <a:rPr dirty="0"/>
+              <a:t>Item</a:t>
+            </a:r>
+          </a:p>
+        </p:txBody>
+      </p:sp>
+    </p:spTree>
+  </p:cSld>
+  <p:clrMapOvr>
+    <a:masterClrMapping/>
+  </p:clrMapOvr>
+  <p:transition spd="slow"/>
+  <p:timing>
+    <p:tnLst>
+      <p:par>
+        <p:cTn id="1" dur="indefinite" restart="never" nodeType="tmRoot"/>
+      </p:par>
+    </p:tnLst>
+  </p:timing>
+</p:sld>
+</file>
+
+<file path=ppt/slides/slide20.xml><?xml version="1.0" encoding="utf-8"?>
 <p:sld xmlns:a="http://schemas.openxmlformats.org/drawingml/2006/main" xmlns:r="http://schemas.openxmlformats.org/officeDocument/2006/relationships" xmlns:p="http://schemas.openxmlformats.org/presentationml/2006/main">
   <p:cSld>
     <p:spTree>
@@ -8682,7 +10759,7 @@
 </p:sld>
 </file>
 
-<file path=ppt/slides/slide16.xml><?xml version="1.0" encoding="utf-8"?>
+<file path=ppt/slides/slide21.xml><?xml version="1.0" encoding="utf-8"?>
 <p:sld xmlns:a="http://schemas.openxmlformats.org/drawingml/2006/main" xmlns:r="http://schemas.openxmlformats.org/officeDocument/2006/relationships" xmlns:p="http://schemas.openxmlformats.org/presentationml/2006/main">
   <p:cSld>
     <p:spTree>
@@ -9041,7 +11118,7 @@
 </p:sld>
 </file>
 
-<file path=ppt/slides/slide17.xml><?xml version="1.0" encoding="utf-8"?>
+<file path=ppt/slides/slide22.xml><?xml version="1.0" encoding="utf-8"?>
 <p:sld xmlns:a="http://schemas.openxmlformats.org/drawingml/2006/main" xmlns:r="http://schemas.openxmlformats.org/officeDocument/2006/relationships" xmlns:p="http://schemas.openxmlformats.org/presentationml/2006/main">
   <p:cSld>
     <p:spTree>
@@ -9217,7 +11294,7 @@
 </p:sld>
 </file>
 
-<file path=ppt/slides/slide18.xml><?xml version="1.0" encoding="utf-8"?>
+<file path=ppt/slides/slide23.xml><?xml version="1.0" encoding="utf-8"?>
 <p:sld xmlns:a="http://schemas.openxmlformats.org/drawingml/2006/main" xmlns:r="http://schemas.openxmlformats.org/officeDocument/2006/relationships" xmlns:p="http://schemas.openxmlformats.org/presentationml/2006/main">
   <p:cSld>
     <p:spTree>
@@ -9698,7 +11775,7 @@
 </p:sld>
 </file>
 
-<file path=ppt/slides/slide19.xml><?xml version="1.0" encoding="utf-8"?>
+<file path=ppt/slides/slide24.xml><?xml version="1.0" encoding="utf-8"?>
 <p:sld xmlns:a="http://schemas.openxmlformats.org/drawingml/2006/main" xmlns:r="http://schemas.openxmlformats.org/officeDocument/2006/relationships" xmlns:p="http://schemas.openxmlformats.org/presentationml/2006/main">
   <p:cSld>
     <p:spTree>
@@ -10134,402 +12211,7 @@
 </p:sld>
 </file>
 
-<file path=ppt/slides/slide2.xml><?xml version="1.0" encoding="utf-8"?>
-<p:sld xmlns:a="http://schemas.openxmlformats.org/drawingml/2006/main" xmlns:r="http://schemas.openxmlformats.org/officeDocument/2006/relationships" xmlns:p="http://schemas.openxmlformats.org/presentationml/2006/main">
-  <p:cSld>
-    <p:spTree>
-      <p:nvGrpSpPr>
-        <p:cNvPr id="1" name=""/>
-        <p:cNvGrpSpPr/>
-        <p:nvPr/>
-      </p:nvGrpSpPr>
-      <p:grpSpPr>
-        <a:xfrm>
-          <a:off x="0" y="0"/>
-          <a:ext cx="0" cy="0"/>
-          <a:chOff x="0" y="0"/>
-          <a:chExt cx="0" cy="0"/>
-        </a:xfrm>
-      </p:grpSpPr>
-      <p:sp>
-        <p:nvSpPr>
-          <p:cNvPr id="242" name="Shape 242"/>
-          <p:cNvSpPr>
-            <a:spLocks noGrp="1"/>
-          </p:cNvSpPr>
-          <p:nvPr>
-            <p:ph type="body" idx="1"/>
-          </p:nvPr>
-        </p:nvSpPr>
-        <p:spPr>
-          <a:xfrm>
-            <a:off x="685800" y="1447800"/>
-            <a:ext cx="7772400" cy="4343400"/>
-          </a:xfrm>
-          <a:prstGeom prst="rect">
-            <a:avLst/>
-          </a:prstGeom>
-        </p:spPr>
-        <p:txBody>
-          <a:bodyPr>
-            <a:normAutofit fontScale="85000" lnSpcReduction="20000"/>
-          </a:bodyPr>
-          <a:lstStyle/>
-          <a:p>
-            <a:pPr marL="457200" indent="-228600">
-              <a:lnSpc>
-                <a:spcPct val="115000"/>
-              </a:lnSpc>
-              <a:spcBef>
-                <a:spcPts val="0"/>
-              </a:spcBef>
-              <a:buClr>
-                <a:srgbClr val="585858"/>
-              </a:buClr>
-              <a:buFont typeface="Arial"/>
-              <a:buChar char="●"/>
-              <a:defRPr sz="3000" b="0">
-                <a:solidFill>
-                  <a:srgbClr val="585858"/>
-                </a:solidFill>
-                <a:latin typeface="Arial"/>
-                <a:ea typeface="Arial"/>
-                <a:cs typeface="Arial"/>
-                <a:sym typeface="Arial"/>
-              </a:defRPr>
-            </a:pPr>
-            <a:r>
-              <a:rPr lang="en-US" altLang="zh-TW" dirty="0" smtClean="0"/>
-              <a:t>MQTT &amp;</a:t>
-            </a:r>
-            <a:r>
-              <a:rPr lang="en-US" altLang="zh-TW" dirty="0" err="1" smtClean="0"/>
-              <a:t>Nodejs</a:t>
-            </a:r>
-            <a:r>
-              <a:rPr lang="zh-TW" altLang="en-US" dirty="0" smtClean="0"/>
-              <a:t>模組應用及</a:t>
-            </a:r>
-            <a:r>
-              <a:rPr dirty="0" err="1" smtClean="0"/>
-              <a:t>介紹</a:t>
-            </a:r>
-            <a:endParaRPr lang="en-US" altLang="zh-TW" dirty="0" smtClean="0"/>
-          </a:p>
-          <a:p>
-            <a:pPr marL="457200" indent="-228600">
-              <a:lnSpc>
-                <a:spcPct val="115000"/>
-              </a:lnSpc>
-              <a:spcBef>
-                <a:spcPts val="0"/>
-              </a:spcBef>
-              <a:buClr>
-                <a:srgbClr val="585858"/>
-              </a:buClr>
-              <a:buFont typeface="Arial"/>
-              <a:buChar char="●"/>
-              <a:defRPr sz="3000" b="0">
-                <a:solidFill>
-                  <a:srgbClr val="585858"/>
-                </a:solidFill>
-                <a:latin typeface="Arial"/>
-                <a:ea typeface="Arial"/>
-                <a:cs typeface="Arial"/>
-                <a:sym typeface="Arial"/>
-              </a:defRPr>
-            </a:pPr>
-            <a:endParaRPr lang="en-US" dirty="0" smtClean="0"/>
-          </a:p>
-          <a:p>
-            <a:pPr marL="457200" indent="-228600">
-              <a:lnSpc>
-                <a:spcPct val="115000"/>
-              </a:lnSpc>
-              <a:spcBef>
-                <a:spcPts val="0"/>
-              </a:spcBef>
-              <a:buClr>
-                <a:srgbClr val="585858"/>
-              </a:buClr>
-              <a:buFont typeface="Arial"/>
-              <a:buChar char="●"/>
-              <a:defRPr sz="3000" b="0">
-                <a:solidFill>
-                  <a:srgbClr val="585858"/>
-                </a:solidFill>
-                <a:latin typeface="Arial"/>
-                <a:ea typeface="Arial"/>
-                <a:cs typeface="Arial"/>
-                <a:sym typeface="Arial"/>
-              </a:defRPr>
-            </a:pPr>
-            <a:r>
-              <a:rPr lang="en-US" altLang="zh-TW" dirty="0" smtClean="0"/>
-              <a:t>Node-Red</a:t>
-            </a:r>
-            <a:r>
-              <a:rPr lang="zh-TW" altLang="en-US" dirty="0" smtClean="0"/>
-              <a:t>應用</a:t>
-            </a:r>
-            <a:r>
-              <a:rPr dirty="0"/>
-              <a:t/>
-            </a:r>
-            <a:br>
-              <a:rPr dirty="0"/>
-            </a:br>
-            <a:endParaRPr dirty="0"/>
-          </a:p>
-          <a:p>
-            <a:pPr marL="457200" indent="-228600">
-              <a:lnSpc>
-                <a:spcPct val="115000"/>
-              </a:lnSpc>
-              <a:spcBef>
-                <a:spcPts val="0"/>
-              </a:spcBef>
-              <a:buClr>
-                <a:srgbClr val="585858"/>
-              </a:buClr>
-              <a:buFont typeface="Arial"/>
-              <a:buChar char="●"/>
-              <a:defRPr sz="3000" b="0">
-                <a:solidFill>
-                  <a:srgbClr val="585858"/>
-                </a:solidFill>
-                <a:latin typeface="Arial"/>
-                <a:ea typeface="Arial"/>
-                <a:cs typeface="Arial"/>
-                <a:sym typeface="Arial"/>
-              </a:defRPr>
-            </a:pPr>
-            <a:r>
-              <a:rPr dirty="0" err="1" smtClean="0"/>
-              <a:t>應用系統Web</a:t>
-            </a:r>
-            <a:r>
-              <a:rPr dirty="0" err="1"/>
-              <a:t>可視化GUI</a:t>
-            </a:r>
-            <a:r>
-              <a:rPr dirty="0"/>
-              <a:t> </a:t>
-            </a:r>
-            <a:r>
-              <a:rPr dirty="0" err="1" smtClean="0"/>
-              <a:t>開發與操作</a:t>
-            </a:r>
-            <a:endParaRPr lang="en-US" dirty="0" smtClean="0"/>
-          </a:p>
-          <a:p>
-            <a:pPr marL="457200" indent="-228600">
-              <a:lnSpc>
-                <a:spcPct val="115000"/>
-              </a:lnSpc>
-              <a:spcBef>
-                <a:spcPts val="0"/>
-              </a:spcBef>
-              <a:buClr>
-                <a:srgbClr val="585858"/>
-              </a:buClr>
-              <a:buFont typeface="Arial"/>
-              <a:buChar char="●"/>
-              <a:defRPr sz="3000" b="0">
-                <a:solidFill>
-                  <a:srgbClr val="585858"/>
-                </a:solidFill>
-                <a:latin typeface="Arial"/>
-                <a:ea typeface="Arial"/>
-                <a:cs typeface="Arial"/>
-                <a:sym typeface="Arial"/>
-              </a:defRPr>
-            </a:pPr>
-            <a:endParaRPr lang="en-US" dirty="0" smtClean="0"/>
-          </a:p>
-          <a:p>
-            <a:pPr marL="457200" indent="-228600">
-              <a:lnSpc>
-                <a:spcPct val="115000"/>
-              </a:lnSpc>
-              <a:spcBef>
-                <a:spcPts val="0"/>
-              </a:spcBef>
-              <a:buClr>
-                <a:srgbClr val="585858"/>
-              </a:buClr>
-              <a:buFont typeface="Arial"/>
-              <a:buChar char="●"/>
-              <a:defRPr sz="3000" b="0">
-                <a:solidFill>
-                  <a:srgbClr val="585858"/>
-                </a:solidFill>
-                <a:latin typeface="Arial"/>
-                <a:ea typeface="Arial"/>
-                <a:cs typeface="Arial"/>
-                <a:sym typeface="Arial"/>
-              </a:defRPr>
-            </a:pPr>
-            <a:r>
-              <a:rPr lang="zh-TW" altLang="en-US" dirty="0" smtClean="0"/>
-              <a:t>網頁通訊協議 </a:t>
-            </a:r>
-            <a:r>
-              <a:rPr lang="en-US" altLang="zh-TW" dirty="0" smtClean="0"/>
-              <a:t>- </a:t>
-            </a:r>
-            <a:r>
-              <a:rPr lang="en-US" altLang="zh-TW" dirty="0" err="1" smtClean="0"/>
-              <a:t>Websocket</a:t>
-            </a:r>
-            <a:r>
-              <a:rPr lang="en-US" dirty="0" smtClean="0"/>
-              <a:t/>
-            </a:r>
-            <a:br>
-              <a:rPr lang="en-US" dirty="0" smtClean="0"/>
-            </a:br>
-            <a:endParaRPr lang="en-US" dirty="0" smtClean="0"/>
-          </a:p>
-          <a:p>
-            <a:pPr marL="457200" indent="-228600">
-              <a:lnSpc>
-                <a:spcPct val="115000"/>
-              </a:lnSpc>
-              <a:spcBef>
-                <a:spcPts val="0"/>
-              </a:spcBef>
-              <a:buClr>
-                <a:srgbClr val="585858"/>
-              </a:buClr>
-              <a:buFont typeface="Arial"/>
-              <a:buChar char="●"/>
-              <a:defRPr sz="3000" b="0">
-                <a:solidFill>
-                  <a:srgbClr val="585858"/>
-                </a:solidFill>
-                <a:latin typeface="Arial"/>
-                <a:ea typeface="Arial"/>
-                <a:cs typeface="Arial"/>
-                <a:sym typeface="Arial"/>
-              </a:defRPr>
-            </a:pPr>
-            <a:r>
-              <a:rPr lang="en-US" altLang="zh-TW" dirty="0" err="1" smtClean="0"/>
-              <a:t>Linebot</a:t>
-            </a:r>
-            <a:r>
-              <a:rPr lang="zh-TW" altLang="en-US" dirty="0" smtClean="0"/>
-              <a:t>通知應用</a:t>
-            </a:r>
-            <a:endParaRPr lang="en-US" altLang="zh-TW" dirty="0" smtClean="0"/>
-          </a:p>
-          <a:p>
-            <a:pPr marL="457200" indent="-228600">
-              <a:lnSpc>
-                <a:spcPct val="115000"/>
-              </a:lnSpc>
-              <a:spcBef>
-                <a:spcPts val="0"/>
-              </a:spcBef>
-              <a:buClr>
-                <a:srgbClr val="585858"/>
-              </a:buClr>
-              <a:buNone/>
-              <a:defRPr sz="3000" b="0">
-                <a:solidFill>
-                  <a:srgbClr val="585858"/>
-                </a:solidFill>
-                <a:latin typeface="Arial"/>
-                <a:ea typeface="Arial"/>
-                <a:cs typeface="Arial"/>
-                <a:sym typeface="Arial"/>
-              </a:defRPr>
-            </a:pPr>
-            <a:endParaRPr lang="en-US" altLang="zh-TW" dirty="0" smtClean="0"/>
-          </a:p>
-          <a:p>
-            <a:pPr marL="457200" indent="-228600">
-              <a:lnSpc>
-                <a:spcPct val="115000"/>
-              </a:lnSpc>
-              <a:spcBef>
-                <a:spcPts val="0"/>
-              </a:spcBef>
-              <a:buClr>
-                <a:srgbClr val="585858"/>
-              </a:buClr>
-              <a:buFont typeface="Arial"/>
-              <a:buChar char="●"/>
-              <a:defRPr sz="3000" b="0">
-                <a:solidFill>
-                  <a:srgbClr val="585858"/>
-                </a:solidFill>
-                <a:latin typeface="Arial"/>
-                <a:ea typeface="Arial"/>
-                <a:cs typeface="Arial"/>
-                <a:sym typeface="Arial"/>
-              </a:defRPr>
-            </a:pPr>
-            <a:r>
-              <a:rPr lang="zh-TW" altLang="en-US" dirty="0" smtClean="0"/>
-              <a:t>自動控制</a:t>
-            </a:r>
-            <a:endParaRPr dirty="0"/>
-          </a:p>
-        </p:txBody>
-      </p:sp>
-      <p:sp>
-        <p:nvSpPr>
-          <p:cNvPr id="243" name="Shape 243"/>
-          <p:cNvSpPr>
-            <a:spLocks noGrp="1"/>
-          </p:cNvSpPr>
-          <p:nvPr>
-            <p:ph type="title"/>
-          </p:nvPr>
-        </p:nvSpPr>
-        <p:spPr>
-          <a:xfrm>
-            <a:off x="685798" y="0"/>
-            <a:ext cx="7772404" cy="899915"/>
-          </a:xfrm>
-          <a:prstGeom prst="rect">
-            <a:avLst/>
-          </a:prstGeom>
-        </p:spPr>
-        <p:txBody>
-          <a:bodyPr anchor="t"/>
-          <a:lstStyle>
-            <a:lvl1pPr>
-              <a:defRPr sz="5200" b="1"/>
-            </a:lvl1pPr>
-          </a:lstStyle>
-          <a:p>
-            <a:r>
-              <a:rPr dirty="0"/>
-              <a:t>Item</a:t>
-            </a:r>
-          </a:p>
-        </p:txBody>
-      </p:sp>
-    </p:spTree>
-  </p:cSld>
-  <p:clrMapOvr>
-    <a:masterClrMapping/>
-  </p:clrMapOvr>
-  <p:transition spd="slow"/>
-  <p:timing>
-    <p:tnLst>
-      <p:par>
-        <p:cTn id="1" dur="indefinite" restart="never" nodeType="tmRoot"/>
-      </p:par>
-    </p:tnLst>
-  </p:timing>
-</p:sld>
-</file>
-
-<file path=ppt/slides/slide20.xml><?xml version="1.0" encoding="utf-8"?>
+<file path=ppt/slides/slide25.xml><?xml version="1.0" encoding="utf-8"?>
 <p:sld xmlns:a="http://schemas.openxmlformats.org/drawingml/2006/main" xmlns:r="http://schemas.openxmlformats.org/officeDocument/2006/relationships" xmlns:p="http://schemas.openxmlformats.org/presentationml/2006/main">
   <p:cSld>
     <p:spTree>
@@ -10843,7 +12525,7 @@
 </p:sld>
 </file>
 
-<file path=ppt/slides/slide21.xml><?xml version="1.0" encoding="utf-8"?>
+<file path=ppt/slides/slide26.xml><?xml version="1.0" encoding="utf-8"?>
 <p:sld xmlns:a="http://schemas.openxmlformats.org/drawingml/2006/main" xmlns:r="http://schemas.openxmlformats.org/officeDocument/2006/relationships" xmlns:p="http://schemas.openxmlformats.org/presentationml/2006/main">
   <p:cSld>
     <p:spTree>
@@ -11113,7 +12795,7 @@
 </p:sld>
 </file>
 
-<file path=ppt/slides/slide22.xml><?xml version="1.0" encoding="utf-8"?>
+<file path=ppt/slides/slide27.xml><?xml version="1.0" encoding="utf-8"?>
 <p:sld xmlns:a="http://schemas.openxmlformats.org/drawingml/2006/main" xmlns:r="http://schemas.openxmlformats.org/officeDocument/2006/relationships" xmlns:p="http://schemas.openxmlformats.org/presentationml/2006/main">
   <p:cSld>
     <p:spTree>
@@ -11358,7 +13040,7 @@
 </p:sld>
 </file>
 
-<file path=ppt/slides/slide23.xml><?xml version="1.0" encoding="utf-8"?>
+<file path=ppt/slides/slide28.xml><?xml version="1.0" encoding="utf-8"?>
 <p:sld xmlns:a="http://schemas.openxmlformats.org/drawingml/2006/main" xmlns:r="http://schemas.openxmlformats.org/officeDocument/2006/relationships" xmlns:p="http://schemas.openxmlformats.org/presentationml/2006/main">
   <p:cSld>
     <p:spTree>
@@ -11738,7 +13420,7 @@
 </p:sld>
 </file>
 
-<file path=ppt/slides/slide24.xml><?xml version="1.0" encoding="utf-8"?>
+<file path=ppt/slides/slide29.xml><?xml version="1.0" encoding="utf-8"?>
 <p:sld xmlns:a="http://schemas.openxmlformats.org/drawingml/2006/main" xmlns:r="http://schemas.openxmlformats.org/officeDocument/2006/relationships" xmlns:p="http://schemas.openxmlformats.org/presentationml/2006/main">
   <p:cSld>
     <p:spTree>
@@ -11918,7 +13600,7 @@
             <a:fld id="{86CB4B4D-7CA3-9044-876B-883B54F8677D}" type="slidenum">
               <a:rPr/>
               <a:pPr/>
-              <a:t>24</a:t>
+              <a:t>29</a:t>
             </a:fld>
             <a:endParaRPr dirty="0"/>
           </a:p>
@@ -11972,7 +13654,343 @@
 </p:sld>
 </file>
 
-<file path=ppt/slides/slide25.xml><?xml version="1.0" encoding="utf-8"?>
+<file path=ppt/slides/slide3.xml><?xml version="1.0" encoding="utf-8"?>
+<p:sld xmlns:a="http://schemas.openxmlformats.org/drawingml/2006/main" xmlns:r="http://schemas.openxmlformats.org/officeDocument/2006/relationships" xmlns:p="http://schemas.openxmlformats.org/presentationml/2006/main">
+  <p:cSld>
+    <p:spTree>
+      <p:nvGrpSpPr>
+        <p:cNvPr id="1" name=""/>
+        <p:cNvGrpSpPr/>
+        <p:nvPr/>
+      </p:nvGrpSpPr>
+      <p:grpSpPr>
+        <a:xfrm>
+          <a:off x="0" y="0"/>
+          <a:ext cx="0" cy="0"/>
+          <a:chOff x="0" y="0"/>
+          <a:chExt cx="0" cy="0"/>
+        </a:xfrm>
+      </p:grpSpPr>
+      <p:sp>
+        <p:nvSpPr>
+          <p:cNvPr id="269" name="Shape 269"/>
+          <p:cNvSpPr>
+            <a:spLocks noGrp="1"/>
+          </p:cNvSpPr>
+          <p:nvPr>
+            <p:ph type="title"/>
+          </p:nvPr>
+        </p:nvSpPr>
+        <p:spPr>
+          <a:xfrm>
+            <a:off x="685798" y="152400"/>
+            <a:ext cx="7772404" cy="899915"/>
+          </a:xfrm>
+          <a:prstGeom prst="rect">
+            <a:avLst/>
+          </a:prstGeom>
+        </p:spPr>
+        <p:txBody>
+          <a:bodyPr/>
+          <a:lstStyle>
+            <a:lvl1pPr algn="ctr">
+              <a:defRPr sz="5200" b="0" cap="none">
+                <a:solidFill>
+                  <a:srgbClr val="FFFFFF"/>
+                </a:solidFill>
+              </a:defRPr>
+            </a:lvl1pPr>
+          </a:lstStyle>
+          <a:p>
+            <a:r>
+              <a:rPr dirty="0"/>
+              <a:t>MQTT是什麼？</a:t>
+            </a:r>
+          </a:p>
+        </p:txBody>
+      </p:sp>
+      <p:sp>
+        <p:nvSpPr>
+          <p:cNvPr id="270" name="Shape 270"/>
+          <p:cNvSpPr>
+            <a:spLocks noGrp="1"/>
+          </p:cNvSpPr>
+          <p:nvPr>
+            <p:ph type="body" idx="1"/>
+          </p:nvPr>
+        </p:nvSpPr>
+        <p:spPr>
+          <a:xfrm>
+            <a:off x="579780" y="1086678"/>
+            <a:ext cx="7772404" cy="2981739"/>
+          </a:xfrm>
+          <a:prstGeom prst="rect">
+            <a:avLst/>
+          </a:prstGeom>
+        </p:spPr>
+        <p:txBody>
+          <a:bodyPr>
+            <a:normAutofit/>
+          </a:bodyPr>
+          <a:lstStyle/>
+          <a:p>
+            <a:pPr algn="just" defTabSz="706097">
+              <a:lnSpc>
+                <a:spcPct val="115000"/>
+              </a:lnSpc>
+              <a:spcBef>
+                <a:spcPts val="1100"/>
+              </a:spcBef>
+              <a:defRPr b="0">
+                <a:solidFill>
+                  <a:srgbClr val="585858"/>
+                </a:solidFill>
+                <a:latin typeface="Arial"/>
+                <a:ea typeface="Arial"/>
+                <a:cs typeface="Arial"/>
+                <a:sym typeface="Arial"/>
+              </a:defRPr>
+            </a:pPr>
+            <a:r>
+              <a:rPr lang="en-US" altLang="zh-TW" dirty="0" smtClean="0"/>
+              <a:t>MQTT</a:t>
+            </a:r>
+            <a:r>
+              <a:rPr lang="zh-TW" altLang="en-US" dirty="0" smtClean="0"/>
+              <a:t>是一個 </a:t>
+            </a:r>
+            <a:r>
+              <a:rPr lang="en-US" altLang="zh-TW" dirty="0" smtClean="0"/>
+              <a:t>machine-to-machine (M2M) </a:t>
+            </a:r>
+            <a:r>
+              <a:rPr lang="zh-TW" altLang="en-US" dirty="0" smtClean="0"/>
+              <a:t>的發佈</a:t>
+            </a:r>
+            <a:r>
+              <a:rPr lang="en-US" altLang="zh-TW" dirty="0" smtClean="0"/>
+              <a:t>(Publish)/</a:t>
+            </a:r>
+            <a:r>
+              <a:rPr lang="zh-TW" altLang="en-US" dirty="0" smtClean="0"/>
+              <a:t>訂閱</a:t>
+            </a:r>
+            <a:r>
+              <a:rPr lang="en-US" altLang="zh-TW" dirty="0" smtClean="0"/>
+              <a:t>(Subscribe)</a:t>
+            </a:r>
+            <a:r>
+              <a:rPr lang="zh-TW" altLang="en-US" dirty="0" smtClean="0"/>
+              <a:t>訊息的傳輸協定，簡單來說當發佈者將訊息送至</a:t>
+            </a:r>
+            <a:r>
+              <a:rPr lang="en-US" altLang="zh-TW" dirty="0" smtClean="0"/>
+              <a:t>Topic</a:t>
+            </a:r>
+            <a:r>
+              <a:rPr lang="zh-TW" altLang="en-US" dirty="0" smtClean="0"/>
+              <a:t>平台，而</a:t>
+            </a:r>
+            <a:r>
+              <a:rPr lang="en-US" altLang="zh-TW" dirty="0" smtClean="0"/>
+              <a:t>Topic</a:t>
+            </a:r>
+            <a:r>
+              <a:rPr lang="zh-TW" altLang="en-US" dirty="0" smtClean="0"/>
+              <a:t>會將這個訊息送到所註冊的訂閱者。</a:t>
+            </a:r>
+            <a:endParaRPr lang="en-US" altLang="zh-TW" dirty="0" smtClean="0"/>
+          </a:p>
+          <a:p>
+            <a:pPr algn="just" defTabSz="706097">
+              <a:lnSpc>
+                <a:spcPct val="115000"/>
+              </a:lnSpc>
+              <a:spcBef>
+                <a:spcPts val="1100"/>
+              </a:spcBef>
+              <a:defRPr b="0">
+                <a:solidFill>
+                  <a:srgbClr val="585858"/>
+                </a:solidFill>
+                <a:latin typeface="Arial"/>
+                <a:ea typeface="Arial"/>
+                <a:cs typeface="Arial"/>
+                <a:sym typeface="Arial"/>
+              </a:defRPr>
+            </a:pPr>
+            <a:r>
+              <a:rPr lang="en-US" altLang="zh-TW" dirty="0" smtClean="0"/>
+              <a:t>Publisher</a:t>
+            </a:r>
+            <a:r>
+              <a:rPr lang="zh-TW" altLang="en-US" dirty="0" smtClean="0"/>
+              <a:t>為訊息的來源，它會將訊息發送給</a:t>
+            </a:r>
+            <a:r>
+              <a:rPr lang="en-US" altLang="zh-TW" dirty="0" smtClean="0"/>
+              <a:t>Broker(Topic)</a:t>
+            </a:r>
+            <a:r>
+              <a:rPr lang="zh-TW" altLang="en-US" dirty="0" smtClean="0"/>
+              <a:t>，而</a:t>
+            </a:r>
+            <a:r>
+              <a:rPr lang="en-US" altLang="zh-TW" dirty="0" smtClean="0"/>
+              <a:t>Subscriber</a:t>
+            </a:r>
+            <a:r>
+              <a:rPr lang="zh-TW" altLang="en-US" dirty="0" smtClean="0"/>
+              <a:t>向</a:t>
+            </a:r>
+            <a:r>
+              <a:rPr lang="en-US" altLang="zh-TW" dirty="0" smtClean="0"/>
+              <a:t>Broker</a:t>
+            </a:r>
+            <a:r>
+              <a:rPr lang="zh-TW" altLang="en-US" dirty="0" smtClean="0"/>
+              <a:t>註冊，表示他們想要接收此</a:t>
+            </a:r>
+            <a:r>
+              <a:rPr lang="en-US" altLang="zh-TW" dirty="0" smtClean="0"/>
+              <a:t>Topic</a:t>
+            </a:r>
+            <a:r>
+              <a:rPr lang="zh-TW" altLang="en-US" dirty="0" smtClean="0"/>
+              <a:t>的訊息；因此當有某個</a:t>
+            </a:r>
+            <a:r>
+              <a:rPr lang="en-US" altLang="zh-TW" dirty="0" smtClean="0"/>
+              <a:t>Publisher</a:t>
+            </a:r>
+            <a:r>
+              <a:rPr lang="zh-TW" altLang="en-US" dirty="0" smtClean="0"/>
+              <a:t>對</a:t>
+            </a:r>
+            <a:r>
+              <a:rPr lang="en-US" altLang="zh-TW" dirty="0" smtClean="0"/>
+              <a:t>Broker</a:t>
+            </a:r>
+            <a:r>
+              <a:rPr lang="zh-TW" altLang="en-US" dirty="0" smtClean="0"/>
+              <a:t>發送訊息時，只要是有對此</a:t>
+            </a:r>
+            <a:r>
+              <a:rPr lang="en-US" altLang="zh-TW" dirty="0" smtClean="0"/>
+              <a:t>Broker</a:t>
+            </a:r>
+            <a:r>
+              <a:rPr lang="zh-TW" altLang="en-US" dirty="0" smtClean="0"/>
+              <a:t>註冊的</a:t>
+            </a:r>
+            <a:r>
+              <a:rPr lang="en-US" altLang="zh-TW" dirty="0" smtClean="0"/>
+              <a:t>Subscriber</a:t>
+            </a:r>
+            <a:r>
+              <a:rPr lang="zh-TW" altLang="en-US" dirty="0" smtClean="0"/>
+              <a:t>，都會收到此則訊息。</a:t>
+            </a:r>
+          </a:p>
+        </p:txBody>
+      </p:sp>
+      <p:pic>
+        <p:nvPicPr>
+          <p:cNvPr id="5" name="image8.png"/>
+          <p:cNvPicPr>
+            <a:picLocks noChangeAspect="1"/>
+          </p:cNvPicPr>
+          <p:nvPr/>
+        </p:nvPicPr>
+        <p:blipFill>
+          <a:blip r:embed="rId2" cstate="print">
+            <a:extLst/>
+          </a:blip>
+          <a:stretch>
+            <a:fillRect/>
+          </a:stretch>
+        </p:blipFill>
+        <p:spPr>
+          <a:xfrm>
+            <a:off x="384313" y="4174435"/>
+            <a:ext cx="8428383" cy="2524539"/>
+          </a:xfrm>
+          <a:prstGeom prst="rect">
+            <a:avLst/>
+          </a:prstGeom>
+          <a:ln w="12700">
+            <a:miter lim="400000"/>
+          </a:ln>
+        </p:spPr>
+      </p:pic>
+      <p:sp>
+        <p:nvSpPr>
+          <p:cNvPr id="6" name="Shape 275"/>
+          <p:cNvSpPr/>
+          <p:nvPr/>
+        </p:nvSpPr>
+        <p:spPr>
+          <a:xfrm>
+            <a:off x="527768" y="3649900"/>
+            <a:ext cx="8013411" cy="383819"/>
+          </a:xfrm>
+          <a:prstGeom prst="rect">
+            <a:avLst/>
+          </a:prstGeom>
+          <a:ln w="12700">
+            <a:miter lim="400000"/>
+          </a:ln>
+          <a:extLst>
+            <a:ext uri="{C572A759-6A51-4108-AA02-DFA0A04FC94B}">
+              <ma14:wrappingTextBoxFlag xmlns="" xmlns:ma14="http://schemas.microsoft.com/office/mac/drawingml/2011/main" val="1"/>
+            </a:ext>
+          </a:extLst>
+        </p:spPr>
+        <p:txBody>
+          <a:bodyPr lIns="45718" tIns="45718" rIns="45718" bIns="45718">
+            <a:spAutoFit/>
+          </a:bodyPr>
+          <a:lstStyle>
+            <a:lvl1pPr>
+              <a:lnSpc>
+                <a:spcPct val="115000"/>
+              </a:lnSpc>
+              <a:spcBef>
+                <a:spcPts val="1600"/>
+              </a:spcBef>
+              <a:defRPr>
+                <a:solidFill>
+                  <a:srgbClr val="585858"/>
+                </a:solidFill>
+                <a:latin typeface="Arial"/>
+                <a:ea typeface="Arial"/>
+                <a:cs typeface="Arial"/>
+                <a:sym typeface="Arial"/>
+              </a:defRPr>
+            </a:lvl1pPr>
+          </a:lstStyle>
+          <a:p>
+            <a:endParaRPr dirty="0"/>
+          </a:p>
+        </p:txBody>
+      </p:sp>
+    </p:spTree>
+  </p:cSld>
+  <p:clrMapOvr>
+    <a:masterClrMapping/>
+  </p:clrMapOvr>
+  <p:transition spd="slow"/>
+  <p:timing>
+    <p:tnLst>
+      <p:par>
+        <p:cTn id="1" dur="indefinite" restart="never" nodeType="tmRoot"/>
+      </p:par>
+    </p:tnLst>
+  </p:timing>
+</p:sld>
+</file>
+
+<file path=ppt/slides/slide30.xml><?xml version="1.0" encoding="utf-8"?>
 <p:sld xmlns:a="http://schemas.openxmlformats.org/drawingml/2006/main" xmlns:r="http://schemas.openxmlformats.org/officeDocument/2006/relationships" xmlns:p="http://schemas.openxmlformats.org/presentationml/2006/main">
   <p:cSld>
     <p:spTree>
@@ -12139,7 +14157,7 @@
             <a:fld id="{86CB4B4D-7CA3-9044-876B-883B54F8677D}" type="slidenum">
               <a:rPr/>
               <a:pPr/>
-              <a:t>25</a:t>
+              <a:t>30</a:t>
             </a:fld>
             <a:endParaRPr dirty="0"/>
           </a:p>
@@ -13659,7 +15677,7 @@
 </p:sld>
 </file>
 
-<file path=ppt/slides/slide26.xml><?xml version="1.0" encoding="utf-8"?>
+<file path=ppt/slides/slide31.xml><?xml version="1.0" encoding="utf-8"?>
 <p:sld xmlns:a="http://schemas.openxmlformats.org/drawingml/2006/main" xmlns:r="http://schemas.openxmlformats.org/officeDocument/2006/relationships" xmlns:p="http://schemas.openxmlformats.org/presentationml/2006/main">
   <p:cSld>
     <p:spTree>
@@ -13933,7 +15951,7 @@
 </p:sld>
 </file>
 
-<file path=ppt/slides/slide27.xml><?xml version="1.0" encoding="utf-8"?>
+<file path=ppt/slides/slide32.xml><?xml version="1.0" encoding="utf-8"?>
 <p:sld xmlns:a="http://schemas.openxmlformats.org/drawingml/2006/main" xmlns:r="http://schemas.openxmlformats.org/officeDocument/2006/relationships" xmlns:p="http://schemas.openxmlformats.org/presentationml/2006/main">
   <p:cSld>
     <p:spTree>
@@ -14268,7 +16286,7 @@
 </p:sld>
 </file>
 
-<file path=ppt/slides/slide28.xml><?xml version="1.0" encoding="utf-8"?>
+<file path=ppt/slides/slide33.xml><?xml version="1.0" encoding="utf-8"?>
 <p:sld xmlns:a="http://schemas.openxmlformats.org/drawingml/2006/main" xmlns:r="http://schemas.openxmlformats.org/officeDocument/2006/relationships" xmlns:p="http://schemas.openxmlformats.org/presentationml/2006/main">
   <p:cSld>
     <p:spTree>
@@ -14671,7 +16689,7 @@
 </p:sld>
 </file>
 
-<file path=ppt/slides/slide29.xml><?xml version="1.0" encoding="utf-8"?>
+<file path=ppt/slides/slide34.xml><?xml version="1.0" encoding="utf-8"?>
 <p:sld xmlns:a="http://schemas.openxmlformats.org/drawingml/2006/main" xmlns:r="http://schemas.openxmlformats.org/officeDocument/2006/relationships" xmlns:p="http://schemas.openxmlformats.org/presentationml/2006/main">
   <p:cSld>
     <p:spTree>
@@ -15045,343 +17063,7 @@
 </p:sld>
 </file>
 
-<file path=ppt/slides/slide3.xml><?xml version="1.0" encoding="utf-8"?>
-<p:sld xmlns:a="http://schemas.openxmlformats.org/drawingml/2006/main" xmlns:r="http://schemas.openxmlformats.org/officeDocument/2006/relationships" xmlns:p="http://schemas.openxmlformats.org/presentationml/2006/main">
-  <p:cSld>
-    <p:spTree>
-      <p:nvGrpSpPr>
-        <p:cNvPr id="1" name=""/>
-        <p:cNvGrpSpPr/>
-        <p:nvPr/>
-      </p:nvGrpSpPr>
-      <p:grpSpPr>
-        <a:xfrm>
-          <a:off x="0" y="0"/>
-          <a:ext cx="0" cy="0"/>
-          <a:chOff x="0" y="0"/>
-          <a:chExt cx="0" cy="0"/>
-        </a:xfrm>
-      </p:grpSpPr>
-      <p:sp>
-        <p:nvSpPr>
-          <p:cNvPr id="269" name="Shape 269"/>
-          <p:cNvSpPr>
-            <a:spLocks noGrp="1"/>
-          </p:cNvSpPr>
-          <p:nvPr>
-            <p:ph type="title"/>
-          </p:nvPr>
-        </p:nvSpPr>
-        <p:spPr>
-          <a:xfrm>
-            <a:off x="685798" y="152400"/>
-            <a:ext cx="7772404" cy="899915"/>
-          </a:xfrm>
-          <a:prstGeom prst="rect">
-            <a:avLst/>
-          </a:prstGeom>
-        </p:spPr>
-        <p:txBody>
-          <a:bodyPr/>
-          <a:lstStyle>
-            <a:lvl1pPr algn="ctr">
-              <a:defRPr sz="5200" b="0" cap="none">
-                <a:solidFill>
-                  <a:srgbClr val="FFFFFF"/>
-                </a:solidFill>
-              </a:defRPr>
-            </a:lvl1pPr>
-          </a:lstStyle>
-          <a:p>
-            <a:r>
-              <a:rPr dirty="0"/>
-              <a:t>MQTT是什麼？</a:t>
-            </a:r>
-          </a:p>
-        </p:txBody>
-      </p:sp>
-      <p:sp>
-        <p:nvSpPr>
-          <p:cNvPr id="270" name="Shape 270"/>
-          <p:cNvSpPr>
-            <a:spLocks noGrp="1"/>
-          </p:cNvSpPr>
-          <p:nvPr>
-            <p:ph type="body" idx="1"/>
-          </p:nvPr>
-        </p:nvSpPr>
-        <p:spPr>
-          <a:xfrm>
-            <a:off x="579780" y="1086678"/>
-            <a:ext cx="7772404" cy="2981739"/>
-          </a:xfrm>
-          <a:prstGeom prst="rect">
-            <a:avLst/>
-          </a:prstGeom>
-        </p:spPr>
-        <p:txBody>
-          <a:bodyPr>
-            <a:normAutofit/>
-          </a:bodyPr>
-          <a:lstStyle/>
-          <a:p>
-            <a:pPr algn="just" defTabSz="706097">
-              <a:lnSpc>
-                <a:spcPct val="115000"/>
-              </a:lnSpc>
-              <a:spcBef>
-                <a:spcPts val="1100"/>
-              </a:spcBef>
-              <a:defRPr b="0">
-                <a:solidFill>
-                  <a:srgbClr val="585858"/>
-                </a:solidFill>
-                <a:latin typeface="Arial"/>
-                <a:ea typeface="Arial"/>
-                <a:cs typeface="Arial"/>
-                <a:sym typeface="Arial"/>
-              </a:defRPr>
-            </a:pPr>
-            <a:r>
-              <a:rPr lang="en-US" altLang="zh-TW" dirty="0" smtClean="0"/>
-              <a:t>MQTT</a:t>
-            </a:r>
-            <a:r>
-              <a:rPr lang="zh-TW" altLang="en-US" dirty="0" smtClean="0"/>
-              <a:t>是一個 </a:t>
-            </a:r>
-            <a:r>
-              <a:rPr lang="en-US" altLang="zh-TW" dirty="0" smtClean="0"/>
-              <a:t>machine-to-machine (M2M) </a:t>
-            </a:r>
-            <a:r>
-              <a:rPr lang="zh-TW" altLang="en-US" dirty="0" smtClean="0"/>
-              <a:t>的發佈</a:t>
-            </a:r>
-            <a:r>
-              <a:rPr lang="en-US" altLang="zh-TW" dirty="0" smtClean="0"/>
-              <a:t>(Publish)/</a:t>
-            </a:r>
-            <a:r>
-              <a:rPr lang="zh-TW" altLang="en-US" dirty="0" smtClean="0"/>
-              <a:t>訂閱</a:t>
-            </a:r>
-            <a:r>
-              <a:rPr lang="en-US" altLang="zh-TW" dirty="0" smtClean="0"/>
-              <a:t>(Subscribe)</a:t>
-            </a:r>
-            <a:r>
-              <a:rPr lang="zh-TW" altLang="en-US" dirty="0" smtClean="0"/>
-              <a:t>訊息的傳輸協定，簡單來說當發佈者將訊息送至</a:t>
-            </a:r>
-            <a:r>
-              <a:rPr lang="en-US" altLang="zh-TW" dirty="0" smtClean="0"/>
-              <a:t>Topic</a:t>
-            </a:r>
-            <a:r>
-              <a:rPr lang="zh-TW" altLang="en-US" dirty="0" smtClean="0"/>
-              <a:t>平台，而</a:t>
-            </a:r>
-            <a:r>
-              <a:rPr lang="en-US" altLang="zh-TW" dirty="0" smtClean="0"/>
-              <a:t>Topic</a:t>
-            </a:r>
-            <a:r>
-              <a:rPr lang="zh-TW" altLang="en-US" dirty="0" smtClean="0"/>
-              <a:t>會將這個訊息送到所註冊的訂閱者。</a:t>
-            </a:r>
-            <a:endParaRPr lang="en-US" altLang="zh-TW" dirty="0" smtClean="0"/>
-          </a:p>
-          <a:p>
-            <a:pPr algn="just" defTabSz="706097">
-              <a:lnSpc>
-                <a:spcPct val="115000"/>
-              </a:lnSpc>
-              <a:spcBef>
-                <a:spcPts val="1100"/>
-              </a:spcBef>
-              <a:defRPr b="0">
-                <a:solidFill>
-                  <a:srgbClr val="585858"/>
-                </a:solidFill>
-                <a:latin typeface="Arial"/>
-                <a:ea typeface="Arial"/>
-                <a:cs typeface="Arial"/>
-                <a:sym typeface="Arial"/>
-              </a:defRPr>
-            </a:pPr>
-            <a:r>
-              <a:rPr lang="en-US" altLang="zh-TW" dirty="0" smtClean="0"/>
-              <a:t>Publisher</a:t>
-            </a:r>
-            <a:r>
-              <a:rPr lang="zh-TW" altLang="en-US" dirty="0" smtClean="0"/>
-              <a:t>為訊息的來源，它會將訊息發送給</a:t>
-            </a:r>
-            <a:r>
-              <a:rPr lang="en-US" altLang="zh-TW" dirty="0" smtClean="0"/>
-              <a:t>Broker(Topic)</a:t>
-            </a:r>
-            <a:r>
-              <a:rPr lang="zh-TW" altLang="en-US" dirty="0" smtClean="0"/>
-              <a:t>，而</a:t>
-            </a:r>
-            <a:r>
-              <a:rPr lang="en-US" altLang="zh-TW" dirty="0" smtClean="0"/>
-              <a:t>Subscriber</a:t>
-            </a:r>
-            <a:r>
-              <a:rPr lang="zh-TW" altLang="en-US" dirty="0" smtClean="0"/>
-              <a:t>向</a:t>
-            </a:r>
-            <a:r>
-              <a:rPr lang="en-US" altLang="zh-TW" dirty="0" smtClean="0"/>
-              <a:t>Broker</a:t>
-            </a:r>
-            <a:r>
-              <a:rPr lang="zh-TW" altLang="en-US" dirty="0" smtClean="0"/>
-              <a:t>註冊，表示他們想要接收此</a:t>
-            </a:r>
-            <a:r>
-              <a:rPr lang="en-US" altLang="zh-TW" dirty="0" smtClean="0"/>
-              <a:t>Topic</a:t>
-            </a:r>
-            <a:r>
-              <a:rPr lang="zh-TW" altLang="en-US" dirty="0" smtClean="0"/>
-              <a:t>的訊息；因此當有某個</a:t>
-            </a:r>
-            <a:r>
-              <a:rPr lang="en-US" altLang="zh-TW" dirty="0" smtClean="0"/>
-              <a:t>Publisher</a:t>
-            </a:r>
-            <a:r>
-              <a:rPr lang="zh-TW" altLang="en-US" dirty="0" smtClean="0"/>
-              <a:t>對</a:t>
-            </a:r>
-            <a:r>
-              <a:rPr lang="en-US" altLang="zh-TW" dirty="0" smtClean="0"/>
-              <a:t>Broker</a:t>
-            </a:r>
-            <a:r>
-              <a:rPr lang="zh-TW" altLang="en-US" dirty="0" smtClean="0"/>
-              <a:t>發送訊息時，只要是有對此</a:t>
-            </a:r>
-            <a:r>
-              <a:rPr lang="en-US" altLang="zh-TW" dirty="0" smtClean="0"/>
-              <a:t>Broker</a:t>
-            </a:r>
-            <a:r>
-              <a:rPr lang="zh-TW" altLang="en-US" dirty="0" smtClean="0"/>
-              <a:t>註冊的</a:t>
-            </a:r>
-            <a:r>
-              <a:rPr lang="en-US" altLang="zh-TW" dirty="0" smtClean="0"/>
-              <a:t>Subscriber</a:t>
-            </a:r>
-            <a:r>
-              <a:rPr lang="zh-TW" altLang="en-US" dirty="0" smtClean="0"/>
-              <a:t>，都會收到此則訊息。</a:t>
-            </a:r>
-          </a:p>
-        </p:txBody>
-      </p:sp>
-      <p:pic>
-        <p:nvPicPr>
-          <p:cNvPr id="5" name="image8.png"/>
-          <p:cNvPicPr>
-            <a:picLocks noChangeAspect="1"/>
-          </p:cNvPicPr>
-          <p:nvPr/>
-        </p:nvPicPr>
-        <p:blipFill>
-          <a:blip r:embed="rId2" cstate="print">
-            <a:extLst/>
-          </a:blip>
-          <a:stretch>
-            <a:fillRect/>
-          </a:stretch>
-        </p:blipFill>
-        <p:spPr>
-          <a:xfrm>
-            <a:off x="384313" y="4174435"/>
-            <a:ext cx="8428383" cy="2524539"/>
-          </a:xfrm>
-          <a:prstGeom prst="rect">
-            <a:avLst/>
-          </a:prstGeom>
-          <a:ln w="12700">
-            <a:miter lim="400000"/>
-          </a:ln>
-        </p:spPr>
-      </p:pic>
-      <p:sp>
-        <p:nvSpPr>
-          <p:cNvPr id="6" name="Shape 275"/>
-          <p:cNvSpPr/>
-          <p:nvPr/>
-        </p:nvSpPr>
-        <p:spPr>
-          <a:xfrm>
-            <a:off x="527768" y="3649900"/>
-            <a:ext cx="8013411" cy="383819"/>
-          </a:xfrm>
-          <a:prstGeom prst="rect">
-            <a:avLst/>
-          </a:prstGeom>
-          <a:ln w="12700">
-            <a:miter lim="400000"/>
-          </a:ln>
-          <a:extLst>
-            <a:ext uri="{C572A759-6A51-4108-AA02-DFA0A04FC94B}">
-              <ma14:wrappingTextBoxFlag xmlns="" xmlns:ma14="http://schemas.microsoft.com/office/mac/drawingml/2011/main" val="1"/>
-            </a:ext>
-          </a:extLst>
-        </p:spPr>
-        <p:txBody>
-          <a:bodyPr lIns="45718" tIns="45718" rIns="45718" bIns="45718">
-            <a:spAutoFit/>
-          </a:bodyPr>
-          <a:lstStyle>
-            <a:lvl1pPr>
-              <a:lnSpc>
-                <a:spcPct val="115000"/>
-              </a:lnSpc>
-              <a:spcBef>
-                <a:spcPts val="1600"/>
-              </a:spcBef>
-              <a:defRPr>
-                <a:solidFill>
-                  <a:srgbClr val="585858"/>
-                </a:solidFill>
-                <a:latin typeface="Arial"/>
-                <a:ea typeface="Arial"/>
-                <a:cs typeface="Arial"/>
-                <a:sym typeface="Arial"/>
-              </a:defRPr>
-            </a:lvl1pPr>
-          </a:lstStyle>
-          <a:p>
-            <a:endParaRPr dirty="0"/>
-          </a:p>
-        </p:txBody>
-      </p:sp>
-    </p:spTree>
-  </p:cSld>
-  <p:clrMapOvr>
-    <a:masterClrMapping/>
-  </p:clrMapOvr>
-  <p:transition spd="slow"/>
-  <p:timing>
-    <p:tnLst>
-      <p:par>
-        <p:cTn id="1" dur="indefinite" restart="never" nodeType="tmRoot"/>
-      </p:par>
-    </p:tnLst>
-  </p:timing>
-</p:sld>
-</file>
-
-<file path=ppt/slides/slide30.xml><?xml version="1.0" encoding="utf-8"?>
+<file path=ppt/slides/slide35.xml><?xml version="1.0" encoding="utf-8"?>
 <p:sld xmlns:a="http://schemas.openxmlformats.org/drawingml/2006/main" xmlns:r="http://schemas.openxmlformats.org/officeDocument/2006/relationships" xmlns:p="http://schemas.openxmlformats.org/presentationml/2006/main">
   <p:cSld>
     <p:spTree>
@@ -15502,7 +17184,7 @@
 </p:sld>
 </file>
 
-<file path=ppt/slides/slide31.xml><?xml version="1.0" encoding="utf-8"?>
+<file path=ppt/slides/slide36.xml><?xml version="1.0" encoding="utf-8"?>
 <p:sld xmlns:a="http://schemas.openxmlformats.org/drawingml/2006/main" xmlns:r="http://schemas.openxmlformats.org/officeDocument/2006/relationships" xmlns:p="http://schemas.openxmlformats.org/presentationml/2006/main">
   <p:cSld>
     <p:spTree>
@@ -15685,7 +17367,7 @@
 </p:sld>
 </file>
 
-<file path=ppt/slides/slide32.xml><?xml version="1.0" encoding="utf-8"?>
+<file path=ppt/slides/slide37.xml><?xml version="1.0" encoding="utf-8"?>
 <p:sld xmlns:a="http://schemas.openxmlformats.org/drawingml/2006/main" xmlns:r="http://schemas.openxmlformats.org/officeDocument/2006/relationships" xmlns:p="http://schemas.openxmlformats.org/presentationml/2006/main">
   <p:cSld>
     <p:spTree>
@@ -16041,7 +17723,7 @@
 </p:sld>
 </file>
 
-<file path=ppt/slides/slide33.xml><?xml version="1.0" encoding="utf-8"?>
+<file path=ppt/slides/slide38.xml><?xml version="1.0" encoding="utf-8"?>
 <p:sld xmlns:a="http://schemas.openxmlformats.org/drawingml/2006/main" xmlns:r="http://schemas.openxmlformats.org/officeDocument/2006/relationships" xmlns:p="http://schemas.openxmlformats.org/presentationml/2006/main">
   <p:cSld>
     <p:spTree>
@@ -16381,7 +18063,7 @@
 </p:sld>
 </file>
 
-<file path=ppt/slides/slide34.xml><?xml version="1.0" encoding="utf-8"?>
+<file path=ppt/slides/slide39.xml><?xml version="1.0" encoding="utf-8"?>
 <p:sld xmlns:a="http://schemas.openxmlformats.org/drawingml/2006/main" xmlns:r="http://schemas.openxmlformats.org/officeDocument/2006/relationships" xmlns:p="http://schemas.openxmlformats.org/presentationml/2006/main">
   <p:cSld>
     <p:spTree>
@@ -16574,7 +18256,320 @@
 </p:sld>
 </file>
 
-<file path=ppt/slides/slide35.xml><?xml version="1.0" encoding="utf-8"?>
+<file path=ppt/slides/slide4.xml><?xml version="1.0" encoding="utf-8"?>
+<p:sld xmlns:a="http://schemas.openxmlformats.org/drawingml/2006/main" xmlns:r="http://schemas.openxmlformats.org/officeDocument/2006/relationships" xmlns:p="http://schemas.openxmlformats.org/presentationml/2006/main">
+  <p:cSld>
+    <p:spTree>
+      <p:nvGrpSpPr>
+        <p:cNvPr id="1" name=""/>
+        <p:cNvGrpSpPr/>
+        <p:nvPr/>
+      </p:nvGrpSpPr>
+      <p:grpSpPr>
+        <a:xfrm>
+          <a:off x="0" y="0"/>
+          <a:ext cx="0" cy="0"/>
+          <a:chOff x="0" y="0"/>
+          <a:chExt cx="0" cy="0"/>
+        </a:xfrm>
+      </p:grpSpPr>
+      <p:sp>
+        <p:nvSpPr>
+          <p:cNvPr id="454" name="Shape 454"/>
+          <p:cNvSpPr>
+            <a:spLocks noGrp="1"/>
+          </p:cNvSpPr>
+          <p:nvPr>
+            <p:ph type="title"/>
+          </p:nvPr>
+        </p:nvSpPr>
+        <p:spPr>
+          <a:xfrm>
+            <a:off x="569912" y="152400"/>
+            <a:ext cx="7772401" cy="899915"/>
+          </a:xfrm>
+          <a:prstGeom prst="rect">
+            <a:avLst/>
+          </a:prstGeom>
+        </p:spPr>
+        <p:txBody>
+          <a:bodyPr/>
+          <a:lstStyle>
+            <a:lvl1pPr algn="ctr">
+              <a:defRPr sz="4800" b="0" cap="none">
+                <a:solidFill>
+                  <a:srgbClr val="FFFFFF"/>
+                </a:solidFill>
+              </a:defRPr>
+            </a:lvl1pPr>
+          </a:lstStyle>
+          <a:p>
+            <a:r>
+              <a:rPr dirty="0" smtClean="0"/>
+              <a:t>訂閱</a:t>
+            </a:r>
+            <a:r>
+              <a:rPr lang="zh-TW" altLang="en-US" dirty="0" smtClean="0"/>
+              <a:t>及後台處理</a:t>
+            </a:r>
+            <a:r>
+              <a:rPr dirty="0" smtClean="0"/>
+              <a:t>流程</a:t>
+            </a:r>
+            <a:endParaRPr dirty="0"/>
+          </a:p>
+        </p:txBody>
+      </p:sp>
+      <p:pic>
+        <p:nvPicPr>
+          <p:cNvPr id="455" name="螢幕快照 2016-07-14 下午12.45.50.png"/>
+          <p:cNvPicPr>
+            <a:picLocks noChangeAspect="1"/>
+          </p:cNvPicPr>
+          <p:nvPr/>
+        </p:nvPicPr>
+        <p:blipFill>
+          <a:blip r:embed="rId2" cstate="print">
+            <a:extLst/>
+          </a:blip>
+          <a:stretch>
+            <a:fillRect/>
+          </a:stretch>
+        </p:blipFill>
+        <p:spPr>
+          <a:xfrm>
+            <a:off x="385464" y="1202334"/>
+            <a:ext cx="8141297" cy="4819847"/>
+          </a:xfrm>
+          <a:prstGeom prst="rect">
+            <a:avLst/>
+          </a:prstGeom>
+          <a:ln w="12700">
+            <a:miter lim="400000"/>
+          </a:ln>
+        </p:spPr>
+      </p:pic>
+      <p:sp>
+        <p:nvSpPr>
+          <p:cNvPr id="4" name="矩形 3"/>
+          <p:cNvSpPr/>
+          <p:nvPr/>
+        </p:nvSpPr>
+        <p:spPr>
+          <a:xfrm>
+            <a:off x="5300871" y="3227770"/>
+            <a:ext cx="662608" cy="369328"/>
+          </a:xfrm>
+          <a:prstGeom prst="rect">
+            <a:avLst/>
+          </a:prstGeom>
+          <a:solidFill>
+            <a:schemeClr val="accent6">
+              <a:lumMod val="40000"/>
+              <a:lumOff val="60000"/>
+            </a:schemeClr>
+          </a:solidFill>
+          <a:ln w="25400" cap="flat">
+            <a:noFill/>
+            <a:prstDash val="solid"/>
+            <a:round/>
+          </a:ln>
+          <a:effectLst>
+            <a:outerShdw blurRad="38100" dist="23000" dir="5400000" rotWithShape="0">
+              <a:srgbClr val="000000">
+                <a:alpha val="35000"/>
+              </a:srgbClr>
+            </a:outerShdw>
+          </a:effectLst>
+          <a:sp3d/>
+        </p:spPr>
+        <p:style>
+          <a:lnRef idx="0">
+            <a:scrgbClr r="0" g="0" b="0"/>
+          </a:lnRef>
+          <a:fillRef idx="0">
+            <a:scrgbClr r="0" g="0" b="0"/>
+          </a:fillRef>
+          <a:effectRef idx="0">
+            <a:scrgbClr r="0" g="0" b="0"/>
+          </a:effectRef>
+          <a:fontRef idx="none"/>
+        </p:style>
+        <p:txBody>
+          <a:bodyPr rot="0" spcFirstLastPara="1" vertOverflow="overflow" horzOverflow="overflow" vert="horz" wrap="square" lIns="45718" tIns="45718" rIns="45718" bIns="45718" numCol="1" spcCol="38100" rtlCol="0" anchor="ctr">
+            <a:spAutoFit/>
+          </a:bodyPr>
+          <a:lstStyle/>
+          <a:p>
+            <a:pPr marL="0" marR="0" indent="0" algn="l" defTabSz="914400" rtl="0" fontAlgn="auto" latinLnBrk="0" hangingPunct="0">
+              <a:lnSpc>
+                <a:spcPct val="100000"/>
+              </a:lnSpc>
+              <a:spcBef>
+                <a:spcPts val="0"/>
+              </a:spcBef>
+              <a:spcAft>
+                <a:spcPts val="0"/>
+              </a:spcAft>
+              <a:buClrTx/>
+              <a:buSzTx/>
+              <a:buFontTx/>
+              <a:buNone/>
+              <a:tabLst/>
+            </a:pPr>
+            <a:r>
+              <a:rPr kumimoji="0" lang="en-US" altLang="zh-TW" sz="1800" b="0" i="0" u="none" strike="noStrike" cap="none" spc="0" normalizeH="0" baseline="0" dirty="0" smtClean="0">
+                <a:ln>
+                  <a:noFill/>
+                </a:ln>
+                <a:solidFill>
+                  <a:srgbClr val="000000"/>
+                </a:solidFill>
+                <a:effectLst/>
+                <a:uFillTx/>
+                <a:latin typeface="+mj-lt"/>
+                <a:ea typeface="+mj-ea"/>
+                <a:cs typeface="+mj-cs"/>
+                <a:sym typeface="Calibri"/>
+              </a:rPr>
+              <a:t>event</a:t>
+            </a:r>
+            <a:endParaRPr kumimoji="0" lang="zh-TW" altLang="en-US" sz="1800" b="0" i="0" u="none" strike="noStrike" cap="none" spc="0" normalizeH="0" baseline="0" dirty="0">
+              <a:ln>
+                <a:noFill/>
+              </a:ln>
+              <a:solidFill>
+                <a:srgbClr val="000000"/>
+              </a:solidFill>
+              <a:effectLst/>
+              <a:uFillTx/>
+              <a:latin typeface="+mj-lt"/>
+              <a:ea typeface="+mj-ea"/>
+              <a:cs typeface="+mj-cs"/>
+              <a:sym typeface="Calibri"/>
+            </a:endParaRPr>
+          </a:p>
+        </p:txBody>
+      </p:sp>
+      <p:sp>
+        <p:nvSpPr>
+          <p:cNvPr id="5" name="矩形 4"/>
+          <p:cNvSpPr/>
+          <p:nvPr/>
+        </p:nvSpPr>
+        <p:spPr>
+          <a:xfrm>
+            <a:off x="3134140" y="5208971"/>
+            <a:ext cx="662608" cy="369328"/>
+          </a:xfrm>
+          <a:prstGeom prst="rect">
+            <a:avLst/>
+          </a:prstGeom>
+          <a:solidFill>
+            <a:schemeClr val="accent6">
+              <a:lumMod val="40000"/>
+              <a:lumOff val="60000"/>
+            </a:schemeClr>
+          </a:solidFill>
+          <a:ln w="25400" cap="flat">
+            <a:noFill/>
+            <a:prstDash val="solid"/>
+            <a:round/>
+          </a:ln>
+          <a:effectLst>
+            <a:outerShdw blurRad="38100" dist="23000" dir="5400000" rotWithShape="0">
+              <a:srgbClr val="000000">
+                <a:alpha val="35000"/>
+              </a:srgbClr>
+            </a:outerShdw>
+          </a:effectLst>
+          <a:sp3d/>
+        </p:spPr>
+        <p:style>
+          <a:lnRef idx="0">
+            <a:scrgbClr r="0" g="0" b="0"/>
+          </a:lnRef>
+          <a:fillRef idx="0">
+            <a:scrgbClr r="0" g="0" b="0"/>
+          </a:fillRef>
+          <a:effectRef idx="0">
+            <a:scrgbClr r="0" g="0" b="0"/>
+          </a:effectRef>
+          <a:fontRef idx="none"/>
+        </p:style>
+        <p:txBody>
+          <a:bodyPr rot="0" spcFirstLastPara="1" vertOverflow="overflow" horzOverflow="overflow" vert="horz" wrap="square" lIns="45718" tIns="45718" rIns="45718" bIns="45718" numCol="1" spcCol="38100" rtlCol="0" anchor="ctr">
+            <a:spAutoFit/>
+          </a:bodyPr>
+          <a:lstStyle/>
+          <a:p>
+            <a:pPr marL="0" marR="0" indent="0" algn="l" defTabSz="914400" rtl="0" fontAlgn="auto" latinLnBrk="0" hangingPunct="0">
+              <a:lnSpc>
+                <a:spcPct val="100000"/>
+              </a:lnSpc>
+              <a:spcBef>
+                <a:spcPts val="0"/>
+              </a:spcBef>
+              <a:spcAft>
+                <a:spcPts val="0"/>
+              </a:spcAft>
+              <a:buClrTx/>
+              <a:buSzTx/>
+              <a:buFontTx/>
+              <a:buNone/>
+              <a:tabLst/>
+            </a:pPr>
+            <a:r>
+              <a:rPr kumimoji="0" lang="en-US" altLang="zh-TW" sz="1800" b="0" i="0" u="none" strike="noStrike" cap="none" spc="0" normalizeH="0" baseline="0" dirty="0" smtClean="0">
+                <a:ln>
+                  <a:noFill/>
+                </a:ln>
+                <a:solidFill>
+                  <a:srgbClr val="000000"/>
+                </a:solidFill>
+                <a:effectLst/>
+                <a:uFillTx/>
+                <a:latin typeface="+mj-lt"/>
+                <a:ea typeface="+mj-ea"/>
+                <a:cs typeface="+mj-cs"/>
+                <a:sym typeface="Calibri"/>
+              </a:rPr>
+              <a:t>event</a:t>
+            </a:r>
+            <a:endParaRPr kumimoji="0" lang="zh-TW" altLang="en-US" sz="1800" b="0" i="0" u="none" strike="noStrike" cap="none" spc="0" normalizeH="0" baseline="0" dirty="0">
+              <a:ln>
+                <a:noFill/>
+              </a:ln>
+              <a:solidFill>
+                <a:srgbClr val="000000"/>
+              </a:solidFill>
+              <a:effectLst/>
+              <a:uFillTx/>
+              <a:latin typeface="+mj-lt"/>
+              <a:ea typeface="+mj-ea"/>
+              <a:cs typeface="+mj-cs"/>
+              <a:sym typeface="Calibri"/>
+            </a:endParaRPr>
+          </a:p>
+        </p:txBody>
+      </p:sp>
+    </p:spTree>
+  </p:cSld>
+  <p:clrMapOvr>
+    <a:masterClrMapping/>
+  </p:clrMapOvr>
+  <p:transition spd="slow"/>
+  <p:timing>
+    <p:tnLst>
+      <p:par>
+        <p:cTn id="1" dur="indefinite" restart="never" nodeType="tmRoot"/>
+      </p:par>
+    </p:tnLst>
+  </p:timing>
+</p:sld>
+</file>
+
+<file path=ppt/slides/slide40.xml><?xml version="1.0" encoding="utf-8"?>
 <p:sld xmlns:a="http://schemas.openxmlformats.org/drawingml/2006/main" xmlns:r="http://schemas.openxmlformats.org/officeDocument/2006/relationships" xmlns:p="http://schemas.openxmlformats.org/presentationml/2006/main">
   <p:cSld>
     <p:spTree>
@@ -16844,7 +18839,7 @@
 </p:sld>
 </file>
 
-<file path=ppt/slides/slide36.xml><?xml version="1.0" encoding="utf-8"?>
+<file path=ppt/slides/slide41.xml><?xml version="1.0" encoding="utf-8"?>
 <p:sld xmlns:a="http://schemas.openxmlformats.org/drawingml/2006/main" xmlns:r="http://schemas.openxmlformats.org/officeDocument/2006/relationships" xmlns:p="http://schemas.openxmlformats.org/presentationml/2006/main">
   <p:cSld>
     <p:spTree>
@@ -16991,7 +18986,7 @@
 </p:sld>
 </file>
 
-<file path=ppt/slides/slide37.xml><?xml version="1.0" encoding="utf-8"?>
+<file path=ppt/slides/slide42.xml><?xml version="1.0" encoding="utf-8"?>
 <p:sld xmlns:a="http://schemas.openxmlformats.org/drawingml/2006/main" xmlns:r="http://schemas.openxmlformats.org/officeDocument/2006/relationships" xmlns:p="http://schemas.openxmlformats.org/presentationml/2006/main">
   <p:cSld>
     <p:spTree>
@@ -17229,7 +19224,7 @@
 </p:sld>
 </file>
 
-<file path=ppt/slides/slide38.xml><?xml version="1.0" encoding="utf-8"?>
+<file path=ppt/slides/slide43.xml><?xml version="1.0" encoding="utf-8"?>
 <p:sld xmlns:a="http://schemas.openxmlformats.org/drawingml/2006/main" xmlns:r="http://schemas.openxmlformats.org/officeDocument/2006/relationships" xmlns:p="http://schemas.openxmlformats.org/presentationml/2006/main">
   <p:cSld>
     <p:spTree>
@@ -17468,7 +19463,7 @@
 </p:sld>
 </file>
 
-<file path=ppt/slides/slide39.xml><?xml version="1.0" encoding="utf-8"?>
+<file path=ppt/slides/slide44.xml><?xml version="1.0" encoding="utf-8"?>
 <p:sld xmlns:a="http://schemas.openxmlformats.org/drawingml/2006/main" xmlns:r="http://schemas.openxmlformats.org/officeDocument/2006/relationships" xmlns:p="http://schemas.openxmlformats.org/presentationml/2006/main">
   <p:cSld>
     <p:spTree>
@@ -18095,116 +20090,7 @@
 </p:sld>
 </file>
 
-<file path=ppt/slides/slide4.xml><?xml version="1.0" encoding="utf-8"?>
-<p:sld xmlns:a="http://schemas.openxmlformats.org/drawingml/2006/main" xmlns:r="http://schemas.openxmlformats.org/officeDocument/2006/relationships" xmlns:p="http://schemas.openxmlformats.org/presentationml/2006/main">
-  <p:cSld>
-    <p:spTree>
-      <p:nvGrpSpPr>
-        <p:cNvPr id="1" name=""/>
-        <p:cNvGrpSpPr/>
-        <p:nvPr/>
-      </p:nvGrpSpPr>
-      <p:grpSpPr>
-        <a:xfrm>
-          <a:off x="0" y="0"/>
-          <a:ext cx="0" cy="0"/>
-          <a:chOff x="0" y="0"/>
-          <a:chExt cx="0" cy="0"/>
-        </a:xfrm>
-      </p:grpSpPr>
-      <p:sp>
-        <p:nvSpPr>
-          <p:cNvPr id="454" name="Shape 454"/>
-          <p:cNvSpPr>
-            <a:spLocks noGrp="1"/>
-          </p:cNvSpPr>
-          <p:nvPr>
-            <p:ph type="title"/>
-          </p:nvPr>
-        </p:nvSpPr>
-        <p:spPr>
-          <a:xfrm>
-            <a:off x="569912" y="152400"/>
-            <a:ext cx="7772401" cy="899915"/>
-          </a:xfrm>
-          <a:prstGeom prst="rect">
-            <a:avLst/>
-          </a:prstGeom>
-        </p:spPr>
-        <p:txBody>
-          <a:bodyPr/>
-          <a:lstStyle>
-            <a:lvl1pPr algn="ctr">
-              <a:defRPr sz="4800" b="0" cap="none">
-                <a:solidFill>
-                  <a:srgbClr val="FFFFFF"/>
-                </a:solidFill>
-              </a:defRPr>
-            </a:lvl1pPr>
-          </a:lstStyle>
-          <a:p>
-            <a:r>
-              <a:rPr dirty="0" smtClean="0"/>
-              <a:t>訂閱</a:t>
-            </a:r>
-            <a:r>
-              <a:rPr lang="zh-TW" altLang="en-US" dirty="0" smtClean="0"/>
-              <a:t>及後台處理</a:t>
-            </a:r>
-            <a:r>
-              <a:rPr dirty="0" smtClean="0"/>
-              <a:t>流程</a:t>
-            </a:r>
-            <a:endParaRPr dirty="0"/>
-          </a:p>
-        </p:txBody>
-      </p:sp>
-      <p:pic>
-        <p:nvPicPr>
-          <p:cNvPr id="455" name="螢幕快照 2016-07-14 下午12.45.50.png"/>
-          <p:cNvPicPr>
-            <a:picLocks noChangeAspect="1"/>
-          </p:cNvPicPr>
-          <p:nvPr/>
-        </p:nvPicPr>
-        <p:blipFill>
-          <a:blip r:embed="rId2" cstate="print">
-            <a:extLst/>
-          </a:blip>
-          <a:stretch>
-            <a:fillRect/>
-          </a:stretch>
-        </p:blipFill>
-        <p:spPr>
-          <a:xfrm>
-            <a:off x="385464" y="1202334"/>
-            <a:ext cx="8141297" cy="4819847"/>
-          </a:xfrm>
-          <a:prstGeom prst="rect">
-            <a:avLst/>
-          </a:prstGeom>
-          <a:ln w="12700">
-            <a:miter lim="400000"/>
-          </a:ln>
-        </p:spPr>
-      </p:pic>
-    </p:spTree>
-  </p:cSld>
-  <p:clrMapOvr>
-    <a:masterClrMapping/>
-  </p:clrMapOvr>
-  <p:transition spd="slow"/>
-  <p:timing>
-    <p:tnLst>
-      <p:par>
-        <p:cTn id="1" dur="indefinite" restart="never" nodeType="tmRoot"/>
-      </p:par>
-    </p:tnLst>
-  </p:timing>
-</p:sld>
-</file>
-
-<file path=ppt/slides/slide40.xml><?xml version="1.0" encoding="utf-8"?>
+<file path=ppt/slides/slide45.xml><?xml version="1.0" encoding="utf-8"?>
 <p:sld xmlns:a="http://schemas.openxmlformats.org/drawingml/2006/main" xmlns:r="http://schemas.openxmlformats.org/officeDocument/2006/relationships" xmlns:p="http://schemas.openxmlformats.org/presentationml/2006/main">
   <p:cSld>
     <p:spTree>
@@ -18374,7 +20260,7 @@
 </p:sld>
 </file>
 
-<file path=ppt/slides/slide41.xml><?xml version="1.0" encoding="utf-8"?>
+<file path=ppt/slides/slide46.xml><?xml version="1.0" encoding="utf-8"?>
 <p:sld xmlns:a="http://schemas.openxmlformats.org/drawingml/2006/main" xmlns:r="http://schemas.openxmlformats.org/officeDocument/2006/relationships" xmlns:p="http://schemas.openxmlformats.org/presentationml/2006/main">
   <p:cSld>
     <p:spTree>
@@ -18674,7 +20560,7 @@
 </p:sld>
 </file>
 
-<file path=ppt/slides/slide42.xml><?xml version="1.0" encoding="utf-8"?>
+<file path=ppt/slides/slide47.xml><?xml version="1.0" encoding="utf-8"?>
 <p:sld xmlns:a="http://schemas.openxmlformats.org/drawingml/2006/main" xmlns:r="http://schemas.openxmlformats.org/officeDocument/2006/relationships" xmlns:p="http://schemas.openxmlformats.org/presentationml/2006/main">
   <p:cSld>
     <p:spTree>
@@ -19116,7 +21002,7 @@
 </p:sld>
 </file>
 
-<file path=ppt/slides/slide43.xml><?xml version="1.0" encoding="utf-8"?>
+<file path=ppt/slides/slide48.xml><?xml version="1.0" encoding="utf-8"?>
 <p:sld xmlns:a="http://schemas.openxmlformats.org/drawingml/2006/main" xmlns:r="http://schemas.openxmlformats.org/officeDocument/2006/relationships" xmlns:p="http://schemas.openxmlformats.org/presentationml/2006/main">
   <p:cSld>
     <p:spTree>
@@ -19436,7 +21322,7 @@
 </p:sld>
 </file>
 
-<file path=ppt/slides/slide44.xml><?xml version="1.0" encoding="utf-8"?>
+<file path=ppt/slides/slide49.xml><?xml version="1.0" encoding="utf-8"?>
 <p:sld xmlns:a="http://schemas.openxmlformats.org/drawingml/2006/main" xmlns:r="http://schemas.openxmlformats.org/officeDocument/2006/relationships" xmlns:p="http://schemas.openxmlformats.org/presentationml/2006/main">
   <p:cSld>
     <p:spTree>
@@ -19649,7 +21535,298 @@
 </p:sld>
 </file>
 
-<file path=ppt/slides/slide45.xml><?xml version="1.0" encoding="utf-8"?>
+<file path=ppt/slides/slide5.xml><?xml version="1.0" encoding="utf-8"?>
+<p:sld xmlns:a="http://schemas.openxmlformats.org/drawingml/2006/main" xmlns:r="http://schemas.openxmlformats.org/officeDocument/2006/relationships" xmlns:p="http://schemas.openxmlformats.org/presentationml/2006/main">
+  <p:cSld>
+    <p:spTree>
+      <p:nvGrpSpPr>
+        <p:cNvPr id="1" name=""/>
+        <p:cNvGrpSpPr/>
+        <p:nvPr/>
+      </p:nvGrpSpPr>
+      <p:grpSpPr>
+        <a:xfrm>
+          <a:off x="0" y="0"/>
+          <a:ext cx="0" cy="0"/>
+          <a:chOff x="0" y="0"/>
+          <a:chExt cx="0" cy="0"/>
+        </a:xfrm>
+      </p:grpSpPr>
+      <p:sp>
+        <p:nvSpPr>
+          <p:cNvPr id="339" name="Shape 339"/>
+          <p:cNvSpPr>
+            <a:spLocks noGrp="1"/>
+          </p:cNvSpPr>
+          <p:nvPr>
+            <p:ph type="title"/>
+          </p:nvPr>
+        </p:nvSpPr>
+        <p:spPr>
+          <a:xfrm>
+            <a:off x="685798" y="139700"/>
+            <a:ext cx="7772404" cy="899915"/>
+          </a:xfrm>
+          <a:prstGeom prst="rect">
+            <a:avLst/>
+          </a:prstGeom>
+        </p:spPr>
+        <p:txBody>
+          <a:bodyPr anchor="ctr"/>
+          <a:lstStyle>
+            <a:lvl1pPr algn="ctr" defTabSz="877822">
+              <a:defRPr b="0" cap="none">
+                <a:solidFill>
+                  <a:srgbClr val="FFFFFF"/>
+                </a:solidFill>
+              </a:defRPr>
+            </a:lvl1pPr>
+          </a:lstStyle>
+          <a:p>
+            <a:r>
+              <a:rPr lang="zh-TW" altLang="en-US" dirty="0" smtClean="0"/>
+              <a:t>基本網頁</a:t>
+            </a:r>
+            <a:endParaRPr dirty="0"/>
+          </a:p>
+        </p:txBody>
+      </p:sp>
+      <p:sp>
+        <p:nvSpPr>
+          <p:cNvPr id="340" name="Shape 340"/>
+          <p:cNvSpPr>
+            <a:spLocks noGrp="1"/>
+          </p:cNvSpPr>
+          <p:nvPr>
+            <p:ph type="body" idx="1"/>
+          </p:nvPr>
+        </p:nvSpPr>
+        <p:spPr>
+          <a:xfrm>
+            <a:off x="531812" y="1007165"/>
+            <a:ext cx="7772401" cy="5063189"/>
+          </a:xfrm>
+          <a:prstGeom prst="rect">
+            <a:avLst/>
+          </a:prstGeom>
+        </p:spPr>
+        <p:txBody>
+          <a:bodyPr anchor="t">
+            <a:normAutofit/>
+          </a:bodyPr>
+          <a:lstStyle/>
+          <a:p>
+            <a:r>
+              <a:rPr lang="en-US" altLang="zh-TW" sz="1600" b="0" dirty="0" smtClean="0"/>
+              <a:t>&lt;html&gt;</a:t>
+            </a:r>
+          </a:p>
+          <a:p>
+            <a:r>
+              <a:rPr lang="zh-TW" altLang="en-US" sz="1600" b="0" dirty="0" smtClean="0"/>
+              <a:t>　</a:t>
+            </a:r>
+            <a:r>
+              <a:rPr lang="en-US" altLang="zh-TW" sz="1600" b="0" dirty="0" smtClean="0"/>
+              <a:t>&lt;head&gt;</a:t>
+            </a:r>
+          </a:p>
+          <a:p>
+            <a:r>
+              <a:rPr lang="zh-TW" altLang="en-US" sz="1600" b="0" dirty="0" smtClean="0"/>
+              <a:t>　</a:t>
+            </a:r>
+            <a:r>
+              <a:rPr lang="en-US" altLang="zh-TW" sz="1600" b="0" dirty="0" smtClean="0"/>
+              <a:t>&lt;title&gt;</a:t>
+            </a:r>
+            <a:r>
+              <a:rPr lang="zh-TW" altLang="en-US" sz="1600" b="0" dirty="0" smtClean="0"/>
+              <a:t>我的第一個網頁</a:t>
+            </a:r>
+            <a:r>
+              <a:rPr lang="en-US" altLang="zh-TW" sz="1600" b="0" dirty="0" smtClean="0"/>
+              <a:t>&lt;/title&gt; </a:t>
+            </a:r>
+          </a:p>
+          <a:p>
+            <a:r>
+              <a:rPr lang="zh-TW" altLang="en-US" sz="1600" b="0" dirty="0" smtClean="0"/>
+              <a:t>　</a:t>
+            </a:r>
+            <a:r>
+              <a:rPr lang="en-US" altLang="zh-TW" sz="1600" b="0" dirty="0" smtClean="0"/>
+              <a:t>&lt;/head&gt;</a:t>
+            </a:r>
+          </a:p>
+          <a:p>
+            <a:r>
+              <a:rPr lang="zh-TW" altLang="en-US" sz="1600" b="0" dirty="0" smtClean="0"/>
+              <a:t>　</a:t>
+            </a:r>
+            <a:r>
+              <a:rPr lang="en-US" altLang="zh-TW" sz="1600" b="0" dirty="0" smtClean="0"/>
+              <a:t>&lt;body&gt;</a:t>
+            </a:r>
+          </a:p>
+          <a:p>
+            <a:r>
+              <a:rPr lang="zh-TW" altLang="en-US" sz="1600" b="0" dirty="0" smtClean="0"/>
+              <a:t>                </a:t>
+            </a:r>
+            <a:r>
+              <a:rPr lang="en-US" altLang="zh-TW" sz="1600" b="0" dirty="0" smtClean="0"/>
+              <a:t>&lt;h1&gt;</a:t>
+            </a:r>
+            <a:r>
+              <a:rPr lang="zh-TW" altLang="en-US" sz="1600" b="0" dirty="0" smtClean="0"/>
+              <a:t>歡迎光臨</a:t>
+            </a:r>
+            <a:r>
+              <a:rPr lang="en-US" altLang="zh-TW" sz="1600" b="0" dirty="0" smtClean="0"/>
+              <a:t>&lt;/h1&gt;</a:t>
+            </a:r>
+          </a:p>
+          <a:p>
+            <a:r>
+              <a:rPr lang="zh-TW" altLang="en-US" sz="1600" b="0" dirty="0" smtClean="0"/>
+              <a:t>               </a:t>
+            </a:r>
+            <a:r>
+              <a:rPr lang="en-US" altLang="zh-TW" sz="1600" b="0" dirty="0" smtClean="0"/>
+              <a:t>&lt;p id="demo"&gt;&lt;/p&gt;</a:t>
+            </a:r>
+          </a:p>
+          <a:p>
+            <a:r>
+              <a:rPr lang="zh-TW" altLang="en-US" sz="1600" b="0" dirty="0" smtClean="0"/>
+              <a:t>    </a:t>
+            </a:r>
+            <a:r>
+              <a:rPr lang="en-US" altLang="zh-TW" sz="1600" b="0" dirty="0" smtClean="0"/>
+              <a:t>&lt;/body&gt; </a:t>
+            </a:r>
+          </a:p>
+          <a:p>
+            <a:r>
+              <a:rPr lang="en-US" altLang="zh-TW" sz="1600" b="0" dirty="0" smtClean="0"/>
+              <a:t>&lt;/html&gt;</a:t>
+            </a:r>
+          </a:p>
+          <a:p>
+            <a:endParaRPr lang="en-US" altLang="zh-TW" sz="1600" b="0" dirty="0" smtClean="0"/>
+          </a:p>
+          <a:p>
+            <a:r>
+              <a:rPr lang="en-US" altLang="zh-TW" sz="1600" dirty="0" smtClean="0">
+                <a:hlinkClick r:id="rId2" tooltip="CSS: CSS (Cascading Style Sheets) is a declarative language that controls how webpages look in the browser."/>
+              </a:rPr>
+              <a:t>CSS</a:t>
+            </a:r>
+            <a:r>
+              <a:rPr lang="zh-TW" altLang="en-US" sz="1600" b="0" dirty="0" smtClean="0"/>
+              <a:t> </a:t>
+            </a:r>
+            <a:r>
+              <a:rPr lang="en-US" altLang="zh-TW" sz="1600" b="0" dirty="0" smtClean="0"/>
+              <a:t>(</a:t>
+            </a:r>
+            <a:r>
+              <a:rPr lang="zh-TW" altLang="en-US" sz="1600" b="0" dirty="0" smtClean="0"/>
+              <a:t>階層式樣式表</a:t>
+            </a:r>
+            <a:r>
+              <a:rPr lang="en-US" altLang="zh-TW" sz="1600" b="0" dirty="0" smtClean="0"/>
+              <a:t>) </a:t>
+            </a:r>
+            <a:r>
+              <a:rPr lang="zh-TW" altLang="en-US" sz="1600" b="0" dirty="0" smtClean="0"/>
+              <a:t>是一種指定文檔如何呈現給使用者的語言</a:t>
+            </a:r>
+            <a:r>
+              <a:rPr lang="en-US" altLang="zh-TW" sz="1600" b="0" dirty="0" smtClean="0"/>
+              <a:t>——</a:t>
+            </a:r>
+            <a:r>
+              <a:rPr lang="zh-TW" altLang="en-US" sz="1600" b="0" dirty="0" smtClean="0"/>
+              <a:t>它們如何地被樣式化，佈局，等等。。</a:t>
+            </a:r>
+            <a:endParaRPr lang="en-US" altLang="zh-TW" sz="1600" b="0" dirty="0" smtClean="0"/>
+          </a:p>
+          <a:p>
+            <a:endParaRPr lang="en-US" altLang="zh-TW" sz="1600" b="0" dirty="0" smtClean="0"/>
+          </a:p>
+          <a:p>
+            <a:r>
+              <a:rPr lang="en-US" altLang="zh-TW" sz="1600" b="0" dirty="0" smtClean="0"/>
+              <a:t>JavaScript </a:t>
+            </a:r>
+            <a:r>
+              <a:rPr lang="zh-TW" altLang="en-US" sz="1600" b="0" dirty="0" smtClean="0"/>
+              <a:t>是屬於網路的腳本語言！</a:t>
+            </a:r>
+          </a:p>
+          <a:p>
+            <a:endParaRPr lang="zh-TW" altLang="en-US" sz="1600" b="0" dirty="0" smtClean="0"/>
+          </a:p>
+          <a:p>
+            <a:r>
+              <a:rPr lang="en-US" altLang="zh-TW" sz="1600" b="0" dirty="0" smtClean="0"/>
+              <a:t>JavaScript </a:t>
+            </a:r>
+            <a:r>
+              <a:rPr lang="zh-TW" altLang="en-US" sz="1600" b="0" dirty="0" smtClean="0"/>
+              <a:t>被數百萬計的網頁用來改進設計、驗證表單、檢測瀏覽器、創建</a:t>
+            </a:r>
+            <a:r>
+              <a:rPr lang="en-US" altLang="zh-TW" sz="1600" b="0" dirty="0" smtClean="0"/>
+              <a:t>cookies</a:t>
+            </a:r>
+            <a:r>
+              <a:rPr lang="zh-TW" altLang="en-US" sz="1600" b="0" dirty="0" smtClean="0"/>
+              <a:t>，以及更多的應用。</a:t>
+            </a:r>
+            <a:endParaRPr lang="en-US" altLang="zh-TW" sz="1600" b="0" dirty="0" smtClean="0"/>
+          </a:p>
+          <a:p>
+            <a:pPr>
+              <a:lnSpc>
+                <a:spcPct val="115000"/>
+              </a:lnSpc>
+              <a:spcBef>
+                <a:spcPts val="1600"/>
+              </a:spcBef>
+              <a:defRPr sz="3300" b="0">
+                <a:solidFill>
+                  <a:srgbClr val="585858"/>
+                </a:solidFill>
+                <a:latin typeface="Arial"/>
+                <a:ea typeface="Arial"/>
+                <a:cs typeface="Arial"/>
+                <a:sym typeface="Arial"/>
+              </a:defRPr>
+            </a:pPr>
+            <a:endParaRPr dirty="0"/>
+          </a:p>
+        </p:txBody>
+      </p:sp>
+    </p:spTree>
+  </p:cSld>
+  <p:clrMapOvr>
+    <a:masterClrMapping/>
+  </p:clrMapOvr>
+  <p:transition spd="slow"/>
+  <p:timing>
+    <p:tnLst>
+      <p:par>
+        <p:cTn id="1" dur="indefinite" restart="never" nodeType="tmRoot"/>
+      </p:par>
+    </p:tnLst>
+  </p:timing>
+</p:sld>
+</file>
+
+<file path=ppt/slides/slide50.xml><?xml version="1.0" encoding="utf-8"?>
 <p:sld xmlns:a="http://schemas.openxmlformats.org/drawingml/2006/main" xmlns:r="http://schemas.openxmlformats.org/officeDocument/2006/relationships" xmlns:p="http://schemas.openxmlformats.org/presentationml/2006/main">
   <p:cSld>
     <p:spTree>
@@ -20769,7 +22946,7 @@
 </p:sld>
 </file>
 
-<file path=ppt/slides/slide46.xml><?xml version="1.0" encoding="utf-8"?>
+<file path=ppt/slides/slide51.xml><?xml version="1.0" encoding="utf-8"?>
 <p:sld xmlns:a="http://schemas.openxmlformats.org/drawingml/2006/main" xmlns:r="http://schemas.openxmlformats.org/officeDocument/2006/relationships" xmlns:p="http://schemas.openxmlformats.org/presentationml/2006/main">
   <p:cSld>
     <p:spTree>
@@ -21019,7 +23196,7 @@
 </p:sld>
 </file>
 
-<file path=ppt/slides/slide47.xml><?xml version="1.0" encoding="utf-8"?>
+<file path=ppt/slides/slide52.xml><?xml version="1.0" encoding="utf-8"?>
 <p:sld xmlns:a="http://schemas.openxmlformats.org/drawingml/2006/main" xmlns:r="http://schemas.openxmlformats.org/officeDocument/2006/relationships" xmlns:p="http://schemas.openxmlformats.org/presentationml/2006/main">
   <p:cSld>
     <p:spTree>
@@ -21990,7 +24167,7 @@
 </p:sld>
 </file>
 
-<file path=ppt/slides/slide48.xml><?xml version="1.0" encoding="utf-8"?>
+<file path=ppt/slides/slide53.xml><?xml version="1.0" encoding="utf-8"?>
 <p:sld xmlns:a="http://schemas.openxmlformats.org/drawingml/2006/main" xmlns:r="http://schemas.openxmlformats.org/officeDocument/2006/relationships" xmlns:p="http://schemas.openxmlformats.org/presentationml/2006/main">
   <p:cSld>
     <p:spTree>
@@ -22564,7 +24741,7 @@
 </p:sld>
 </file>
 
-<file path=ppt/slides/slide49.xml><?xml version="1.0" encoding="utf-8"?>
+<file path=ppt/slides/slide54.xml><?xml version="1.0" encoding="utf-8"?>
 <p:sld xmlns:a="http://schemas.openxmlformats.org/drawingml/2006/main" xmlns:r="http://schemas.openxmlformats.org/officeDocument/2006/relationships" xmlns:p="http://schemas.openxmlformats.org/presentationml/2006/main">
   <p:cSld>
     <p:spTree>
@@ -23146,685 +25323,7 @@
 </p:sld>
 </file>
 
-<file path=ppt/slides/slide5.xml><?xml version="1.0" encoding="utf-8"?>
-<p:sld xmlns:a="http://schemas.openxmlformats.org/drawingml/2006/main" xmlns:r="http://schemas.openxmlformats.org/officeDocument/2006/relationships" xmlns:p="http://schemas.openxmlformats.org/presentationml/2006/main">
-  <p:cSld>
-    <p:spTree>
-      <p:nvGrpSpPr>
-        <p:cNvPr id="1" name=""/>
-        <p:cNvGrpSpPr/>
-        <p:nvPr/>
-      </p:nvGrpSpPr>
-      <p:grpSpPr>
-        <a:xfrm>
-          <a:off x="0" y="0"/>
-          <a:ext cx="0" cy="0"/>
-          <a:chOff x="0" y="0"/>
-          <a:chExt cx="0" cy="0"/>
-        </a:xfrm>
-      </p:grpSpPr>
-      <p:sp>
-        <p:nvSpPr>
-          <p:cNvPr id="339" name="Shape 339"/>
-          <p:cNvSpPr>
-            <a:spLocks noGrp="1"/>
-          </p:cNvSpPr>
-          <p:nvPr>
-            <p:ph type="title"/>
-          </p:nvPr>
-        </p:nvSpPr>
-        <p:spPr>
-          <a:xfrm>
-            <a:off x="685798" y="139700"/>
-            <a:ext cx="7772404" cy="899915"/>
-          </a:xfrm>
-          <a:prstGeom prst="rect">
-            <a:avLst/>
-          </a:prstGeom>
-        </p:spPr>
-        <p:txBody>
-          <a:bodyPr anchor="ctr"/>
-          <a:lstStyle>
-            <a:lvl1pPr algn="ctr" defTabSz="877822">
-              <a:defRPr b="0" cap="none">
-                <a:solidFill>
-                  <a:srgbClr val="FFFFFF"/>
-                </a:solidFill>
-              </a:defRPr>
-            </a:lvl1pPr>
-          </a:lstStyle>
-          <a:p>
-            <a:r>
-              <a:rPr lang="zh-TW" altLang="en-US" dirty="0" smtClean="0"/>
-              <a:t>基本網頁</a:t>
-            </a:r>
-            <a:endParaRPr dirty="0"/>
-          </a:p>
-        </p:txBody>
-      </p:sp>
-      <p:sp>
-        <p:nvSpPr>
-          <p:cNvPr id="340" name="Shape 340"/>
-          <p:cNvSpPr>
-            <a:spLocks noGrp="1"/>
-          </p:cNvSpPr>
-          <p:nvPr>
-            <p:ph type="body" idx="1"/>
-          </p:nvPr>
-        </p:nvSpPr>
-        <p:spPr>
-          <a:xfrm>
-            <a:off x="531812" y="1007165"/>
-            <a:ext cx="7772401" cy="5063189"/>
-          </a:xfrm>
-          <a:prstGeom prst="rect">
-            <a:avLst/>
-          </a:prstGeom>
-        </p:spPr>
-        <p:txBody>
-          <a:bodyPr anchor="t">
-            <a:normAutofit/>
-          </a:bodyPr>
-          <a:lstStyle/>
-          <a:p>
-            <a:r>
-              <a:rPr lang="en-US" altLang="zh-TW" sz="1600" b="0" dirty="0" smtClean="0"/>
-              <a:t>&lt;html&gt;</a:t>
-            </a:r>
-          </a:p>
-          <a:p>
-            <a:r>
-              <a:rPr lang="zh-TW" altLang="en-US" sz="1600" b="0" dirty="0" smtClean="0"/>
-              <a:t>　</a:t>
-            </a:r>
-            <a:r>
-              <a:rPr lang="en-US" altLang="zh-TW" sz="1600" b="0" dirty="0" smtClean="0"/>
-              <a:t>&lt;head&gt;</a:t>
-            </a:r>
-          </a:p>
-          <a:p>
-            <a:r>
-              <a:rPr lang="zh-TW" altLang="en-US" sz="1600" b="0" dirty="0" smtClean="0"/>
-              <a:t>　</a:t>
-            </a:r>
-            <a:r>
-              <a:rPr lang="en-US" altLang="zh-TW" sz="1600" b="0" dirty="0" smtClean="0"/>
-              <a:t>&lt;title&gt;</a:t>
-            </a:r>
-            <a:r>
-              <a:rPr lang="zh-TW" altLang="en-US" sz="1600" b="0" dirty="0" smtClean="0"/>
-              <a:t>我的第一個網頁</a:t>
-            </a:r>
-            <a:r>
-              <a:rPr lang="en-US" altLang="zh-TW" sz="1600" b="0" dirty="0" smtClean="0"/>
-              <a:t>&lt;/title&gt; </a:t>
-            </a:r>
-          </a:p>
-          <a:p>
-            <a:r>
-              <a:rPr lang="zh-TW" altLang="en-US" sz="1600" b="0" dirty="0" smtClean="0"/>
-              <a:t>　</a:t>
-            </a:r>
-            <a:r>
-              <a:rPr lang="en-US" altLang="zh-TW" sz="1600" b="0" dirty="0" smtClean="0"/>
-              <a:t>&lt;/head&gt;</a:t>
-            </a:r>
-          </a:p>
-          <a:p>
-            <a:r>
-              <a:rPr lang="zh-TW" altLang="en-US" sz="1600" b="0" dirty="0" smtClean="0"/>
-              <a:t>　</a:t>
-            </a:r>
-            <a:r>
-              <a:rPr lang="en-US" altLang="zh-TW" sz="1600" b="0" dirty="0" smtClean="0"/>
-              <a:t>&lt;body&gt;</a:t>
-            </a:r>
-          </a:p>
-          <a:p>
-            <a:r>
-              <a:rPr lang="zh-TW" altLang="en-US" sz="1600" b="0" dirty="0" smtClean="0"/>
-              <a:t>                </a:t>
-            </a:r>
-            <a:r>
-              <a:rPr lang="en-US" altLang="zh-TW" sz="1600" b="0" dirty="0" smtClean="0"/>
-              <a:t>&lt;h1&gt;</a:t>
-            </a:r>
-            <a:r>
-              <a:rPr lang="zh-TW" altLang="en-US" sz="1600" b="0" dirty="0" smtClean="0"/>
-              <a:t>歡迎光臨</a:t>
-            </a:r>
-            <a:r>
-              <a:rPr lang="en-US" altLang="zh-TW" sz="1600" b="0" dirty="0" smtClean="0"/>
-              <a:t>&lt;/h1&gt;</a:t>
-            </a:r>
-          </a:p>
-          <a:p>
-            <a:r>
-              <a:rPr lang="zh-TW" altLang="en-US" sz="1600" b="0" dirty="0" smtClean="0"/>
-              <a:t>               </a:t>
-            </a:r>
-            <a:r>
-              <a:rPr lang="en-US" altLang="zh-TW" sz="1600" b="0" dirty="0" smtClean="0"/>
-              <a:t>&lt;p id="demo"&gt;&lt;/p&gt;</a:t>
-            </a:r>
-          </a:p>
-          <a:p>
-            <a:r>
-              <a:rPr lang="zh-TW" altLang="en-US" sz="1600" b="0" dirty="0" smtClean="0"/>
-              <a:t>    </a:t>
-            </a:r>
-            <a:r>
-              <a:rPr lang="en-US" altLang="zh-TW" sz="1600" b="0" dirty="0" smtClean="0"/>
-              <a:t>&lt;/body&gt; </a:t>
-            </a:r>
-          </a:p>
-          <a:p>
-            <a:r>
-              <a:rPr lang="en-US" altLang="zh-TW" sz="1600" b="0" dirty="0" smtClean="0"/>
-              <a:t>&lt;/html&gt;</a:t>
-            </a:r>
-          </a:p>
-          <a:p>
-            <a:endParaRPr lang="en-US" altLang="zh-TW" sz="1600" b="0" dirty="0" smtClean="0"/>
-          </a:p>
-          <a:p>
-            <a:r>
-              <a:rPr lang="en-US" altLang="zh-TW" sz="1600" dirty="0" smtClean="0">
-                <a:hlinkClick r:id="rId2" tooltip="CSS: CSS (Cascading Style Sheets) is a declarative language that controls how webpages look in the browser."/>
-              </a:rPr>
-              <a:t>CSS</a:t>
-            </a:r>
-            <a:r>
-              <a:rPr lang="zh-TW" altLang="en-US" sz="1600" b="0" dirty="0" smtClean="0"/>
-              <a:t> </a:t>
-            </a:r>
-            <a:r>
-              <a:rPr lang="en-US" altLang="zh-TW" sz="1600" b="0" dirty="0" smtClean="0"/>
-              <a:t>(</a:t>
-            </a:r>
-            <a:r>
-              <a:rPr lang="zh-TW" altLang="en-US" sz="1600" b="0" dirty="0" smtClean="0"/>
-              <a:t>階層式樣式表</a:t>
-            </a:r>
-            <a:r>
-              <a:rPr lang="en-US" altLang="zh-TW" sz="1600" b="0" dirty="0" smtClean="0"/>
-              <a:t>) </a:t>
-            </a:r>
-            <a:r>
-              <a:rPr lang="zh-TW" altLang="en-US" sz="1600" b="0" dirty="0" smtClean="0"/>
-              <a:t>是一種指定文檔如何呈現給使用者的語言</a:t>
-            </a:r>
-            <a:r>
-              <a:rPr lang="en-US" altLang="zh-TW" sz="1600" b="0" dirty="0" smtClean="0"/>
-              <a:t>——</a:t>
-            </a:r>
-            <a:r>
-              <a:rPr lang="zh-TW" altLang="en-US" sz="1600" b="0" dirty="0" smtClean="0"/>
-              <a:t>它們如何地被樣式化，佈局，等等。。</a:t>
-            </a:r>
-            <a:endParaRPr lang="en-US" altLang="zh-TW" sz="1600" b="0" dirty="0" smtClean="0"/>
-          </a:p>
-          <a:p>
-            <a:endParaRPr lang="en-US" altLang="zh-TW" sz="1600" b="0" dirty="0" smtClean="0"/>
-          </a:p>
-          <a:p>
-            <a:r>
-              <a:rPr lang="en-US" altLang="zh-TW" sz="1600" b="0" dirty="0" smtClean="0"/>
-              <a:t>JavaScript </a:t>
-            </a:r>
-            <a:r>
-              <a:rPr lang="zh-TW" altLang="en-US" sz="1600" b="0" dirty="0" smtClean="0"/>
-              <a:t>是屬於網路的腳本語言！</a:t>
-            </a:r>
-          </a:p>
-          <a:p>
-            <a:endParaRPr lang="zh-TW" altLang="en-US" sz="1600" b="0" dirty="0" smtClean="0"/>
-          </a:p>
-          <a:p>
-            <a:r>
-              <a:rPr lang="en-US" altLang="zh-TW" sz="1600" b="0" dirty="0" smtClean="0"/>
-              <a:t>JavaScript </a:t>
-            </a:r>
-            <a:r>
-              <a:rPr lang="zh-TW" altLang="en-US" sz="1600" b="0" dirty="0" smtClean="0"/>
-              <a:t>被數百萬計的網頁用來改進設計、驗證表單、檢測瀏覽器、創建</a:t>
-            </a:r>
-            <a:r>
-              <a:rPr lang="en-US" altLang="zh-TW" sz="1600" b="0" dirty="0" smtClean="0"/>
-              <a:t>cookies</a:t>
-            </a:r>
-            <a:r>
-              <a:rPr lang="zh-TW" altLang="en-US" sz="1600" b="0" dirty="0" smtClean="0"/>
-              <a:t>，以及更多的應用。</a:t>
-            </a:r>
-            <a:endParaRPr lang="en-US" altLang="zh-TW" sz="1600" b="0" dirty="0" smtClean="0"/>
-          </a:p>
-          <a:p>
-            <a:pPr>
-              <a:lnSpc>
-                <a:spcPct val="115000"/>
-              </a:lnSpc>
-              <a:spcBef>
-                <a:spcPts val="1600"/>
-              </a:spcBef>
-              <a:defRPr sz="3300" b="0">
-                <a:solidFill>
-                  <a:srgbClr val="585858"/>
-                </a:solidFill>
-                <a:latin typeface="Arial"/>
-                <a:ea typeface="Arial"/>
-                <a:cs typeface="Arial"/>
-                <a:sym typeface="Arial"/>
-              </a:defRPr>
-            </a:pPr>
-            <a:endParaRPr dirty="0"/>
-          </a:p>
-        </p:txBody>
-      </p:sp>
-    </p:spTree>
-  </p:cSld>
-  <p:clrMapOvr>
-    <a:masterClrMapping/>
-  </p:clrMapOvr>
-  <p:transition spd="slow"/>
-  <p:timing>
-    <p:tnLst>
-      <p:par>
-        <p:cTn id="1" dur="indefinite" restart="never" nodeType="tmRoot"/>
-      </p:par>
-    </p:tnLst>
-  </p:timing>
-</p:sld>
-</file>
-
-<file path=ppt/slides/slide50.xml><?xml version="1.0" encoding="utf-8"?>
-<p:sld xmlns:a="http://schemas.openxmlformats.org/drawingml/2006/main" xmlns:r="http://schemas.openxmlformats.org/officeDocument/2006/relationships" xmlns:p="http://schemas.openxmlformats.org/presentationml/2006/main">
-  <p:cSld>
-    <p:spTree>
-      <p:nvGrpSpPr>
-        <p:cNvPr id="1" name=""/>
-        <p:cNvGrpSpPr/>
-        <p:nvPr/>
-      </p:nvGrpSpPr>
-      <p:grpSpPr>
-        <a:xfrm>
-          <a:off x="0" y="0"/>
-          <a:ext cx="0" cy="0"/>
-          <a:chOff x="0" y="0"/>
-          <a:chExt cx="0" cy="0"/>
-        </a:xfrm>
-      </p:grpSpPr>
-      <p:sp>
-        <p:nvSpPr>
-          <p:cNvPr id="497" name="Shape 497"/>
-          <p:cNvSpPr>
-            <a:spLocks noGrp="1"/>
-          </p:cNvSpPr>
-          <p:nvPr>
-            <p:ph type="title"/>
-          </p:nvPr>
-        </p:nvSpPr>
-        <p:spPr>
-          <a:xfrm>
-            <a:off x="685798" y="0"/>
-            <a:ext cx="7772404" cy="899915"/>
-          </a:xfrm>
-          <a:prstGeom prst="rect">
-            <a:avLst/>
-          </a:prstGeom>
-        </p:spPr>
-        <p:txBody>
-          <a:bodyPr/>
-          <a:lstStyle>
-            <a:lvl1pPr algn="ctr">
-              <a:defRPr sz="4800" b="0" cap="none">
-                <a:solidFill>
-                  <a:srgbClr val="FFFFFF"/>
-                </a:solidFill>
-              </a:defRPr>
-            </a:lvl1pPr>
-          </a:lstStyle>
-          <a:p>
-            <a:r>
-              <a:rPr lang="zh-TW" altLang="en-US" dirty="0" smtClean="0"/>
-              <a:t>自定義模組功能說明</a:t>
-            </a:r>
-            <a:endParaRPr dirty="0"/>
-          </a:p>
-        </p:txBody>
-      </p:sp>
-      <p:sp>
-        <p:nvSpPr>
-          <p:cNvPr id="498" name="Shape 498"/>
-          <p:cNvSpPr>
-            <a:spLocks noGrp="1"/>
-          </p:cNvSpPr>
-          <p:nvPr>
-            <p:ph type="body" idx="1"/>
-          </p:nvPr>
-        </p:nvSpPr>
-        <p:spPr>
-          <a:xfrm>
-            <a:off x="685798" y="1255562"/>
-            <a:ext cx="7772404" cy="4713390"/>
-          </a:xfrm>
-          <a:prstGeom prst="rect">
-            <a:avLst/>
-          </a:prstGeom>
-        </p:spPr>
-        <p:txBody>
-          <a:bodyPr anchor="t">
-            <a:normAutofit/>
-          </a:bodyPr>
-          <a:lstStyle/>
-          <a:p>
-            <a:r>
-              <a:rPr lang="en-US" altLang="zh-TW" dirty="0" smtClean="0"/>
-              <a:t>models / event.js </a:t>
-            </a:r>
-            <a:r>
-              <a:rPr lang="zh-TW" altLang="en-US" dirty="0" smtClean="0"/>
-              <a:t>資料庫</a:t>
-            </a:r>
-            <a:r>
-              <a:rPr lang="en-US" altLang="zh-TW" dirty="0" smtClean="0"/>
-              <a:t>(event)</a:t>
-            </a:r>
-            <a:r>
-              <a:rPr lang="zh-TW" altLang="en-US" dirty="0" smtClean="0"/>
-              <a:t>操作工具模組</a:t>
-            </a:r>
-            <a:endParaRPr lang="en-US" altLang="zh-TW" dirty="0" smtClean="0"/>
-          </a:p>
-          <a:p>
-            <a:r>
-              <a:rPr lang="zh-TW" altLang="en-US" b="0" dirty="0" smtClean="0"/>
-              <a:t>常用功能</a:t>
-            </a:r>
-            <a:endParaRPr lang="en-US" altLang="zh-TW" b="0" dirty="0" smtClean="0"/>
-          </a:p>
-          <a:p>
-            <a:r>
-              <a:rPr lang="en-US" altLang="zh-TW" b="0" dirty="0" err="1" smtClean="0"/>
-              <a:t>saveEventMsg</a:t>
-            </a:r>
-            <a:r>
-              <a:rPr lang="zh-TW" altLang="en-US" b="0" dirty="0" smtClean="0"/>
-              <a:t>        </a:t>
-            </a:r>
-            <a:r>
-              <a:rPr lang="en-US" altLang="zh-TW" b="0" dirty="0" smtClean="0"/>
-              <a:t>:</a:t>
-            </a:r>
-            <a:r>
-              <a:rPr lang="zh-TW" altLang="en-US" b="0" dirty="0" smtClean="0"/>
-              <a:t>  將解析完成資料存到資料庫中</a:t>
-            </a:r>
-            <a:endParaRPr lang="en-US" altLang="zh-TW" b="0" dirty="0" smtClean="0"/>
-          </a:p>
-          <a:p>
-            <a:r>
-              <a:rPr lang="en-US" altLang="zh-TW" b="0" dirty="0" err="1" smtClean="0"/>
-              <a:t>findByMac</a:t>
-            </a:r>
-            <a:r>
-              <a:rPr lang="zh-TW" altLang="en-US" b="0" dirty="0" smtClean="0"/>
-              <a:t>             </a:t>
-            </a:r>
-            <a:r>
-              <a:rPr lang="en-US" altLang="zh-TW" b="0" dirty="0" smtClean="0"/>
-              <a:t>:</a:t>
-            </a:r>
-            <a:r>
-              <a:rPr lang="zh-TW" altLang="en-US" b="0" dirty="0" smtClean="0"/>
-              <a:t>  透過 關鍵字</a:t>
-            </a:r>
-            <a:r>
-              <a:rPr lang="en-US" altLang="zh-TW" b="0" dirty="0" err="1" smtClean="0"/>
-              <a:t>macAddr</a:t>
-            </a:r>
-            <a:r>
-              <a:rPr lang="zh-TW" altLang="en-US" b="0" dirty="0" smtClean="0"/>
-              <a:t>查詢所有資料</a:t>
-            </a:r>
-            <a:endParaRPr lang="en-US" altLang="zh-TW" b="0" dirty="0" smtClean="0"/>
-          </a:p>
-          <a:p>
-            <a:r>
-              <a:rPr lang="en-US" altLang="zh-TW" b="0" dirty="0" err="1" smtClean="0"/>
-              <a:t>findEventsByDate</a:t>
-            </a:r>
-            <a:r>
-              <a:rPr lang="en-US" altLang="zh-TW" b="0" dirty="0" smtClean="0"/>
-              <a:t>  :</a:t>
-            </a:r>
-            <a:r>
-              <a:rPr lang="zh-TW" altLang="en-US" b="0" dirty="0" smtClean="0"/>
-              <a:t>  透過 關鍵字 </a:t>
-            </a:r>
-            <a:r>
-              <a:rPr lang="en-US" altLang="zh-TW" b="0" dirty="0" smtClean="0"/>
-              <a:t>date, </a:t>
-            </a:r>
-            <a:r>
-              <a:rPr lang="en-US" altLang="zh-TW" b="0" dirty="0" err="1" smtClean="0"/>
-              <a:t>mac</a:t>
-            </a:r>
-            <a:r>
-              <a:rPr lang="en-US" altLang="zh-TW" b="0" dirty="0" smtClean="0"/>
-              <a:t>, date option</a:t>
-            </a:r>
-            <a:r>
-              <a:rPr lang="zh-TW" altLang="en-US" b="0" dirty="0" smtClean="0"/>
-              <a:t>查詢指定範圍內</a:t>
-            </a:r>
-            <a:r>
-              <a:rPr lang="en-US" altLang="zh-TW" b="0" dirty="0" smtClean="0"/>
-              <a:t/>
-            </a:r>
-            <a:br>
-              <a:rPr lang="en-US" altLang="zh-TW" b="0" dirty="0" smtClean="0"/>
-            </a:br>
-            <a:r>
-              <a:rPr lang="zh-TW" altLang="en-US" b="0" dirty="0" smtClean="0"/>
-              <a:t>                                  上報資料</a:t>
-            </a:r>
-            <a:endParaRPr lang="en-US" altLang="zh-TW" b="0" dirty="0" smtClean="0"/>
-          </a:p>
-          <a:p>
-            <a:r>
-              <a:rPr lang="en-US" altLang="zh-TW" dirty="0" smtClean="0"/>
-              <a:t>models/util.js </a:t>
-            </a:r>
-            <a:r>
-              <a:rPr lang="zh-TW" altLang="en-US" dirty="0" smtClean="0"/>
-              <a:t>自訂義輔助工具集合</a:t>
-            </a:r>
-            <a:endParaRPr lang="en-US" altLang="zh-TW" dirty="0" smtClean="0"/>
-          </a:p>
-          <a:p>
-            <a:r>
-              <a:rPr lang="en-US" altLang="zh-TW" b="0" dirty="0" smtClean="0"/>
-              <a:t>init</a:t>
-            </a:r>
-            <a:r>
-              <a:rPr lang="zh-TW" altLang="en-US" b="0" dirty="0" smtClean="0"/>
-              <a:t>                           </a:t>
-            </a:r>
-            <a:r>
-              <a:rPr lang="en-US" altLang="zh-TW" b="0" dirty="0" smtClean="0"/>
-              <a:t>:</a:t>
-            </a:r>
-            <a:r>
-              <a:rPr lang="zh-TW" altLang="en-US" b="0" dirty="0" smtClean="0"/>
-              <a:t>  會先從</a:t>
-            </a:r>
-            <a:r>
-              <a:rPr lang="en-US" altLang="zh-TW" b="0" dirty="0" smtClean="0"/>
-              <a:t>map </a:t>
-            </a:r>
-            <a:r>
-              <a:rPr lang="zh-TW" altLang="en-US" b="0" dirty="0" smtClean="0"/>
-              <a:t>資料庫取得 </a:t>
-            </a:r>
-            <a:r>
-              <a:rPr lang="en-US" altLang="zh-TW" b="0" dirty="0" smtClean="0"/>
-              <a:t>map</a:t>
-            </a:r>
-            <a:r>
-              <a:rPr lang="zh-TW" altLang="en-US" b="0" dirty="0" smtClean="0"/>
-              <a:t>資料</a:t>
-            </a:r>
-            <a:endParaRPr lang="en-US" altLang="zh-TW" b="0" dirty="0" smtClean="0"/>
-          </a:p>
-          <a:p>
-            <a:r>
-              <a:rPr lang="en-US" altLang="zh-TW" b="0" dirty="0" err="1" smtClean="0"/>
-              <a:t>saveSetting</a:t>
-            </a:r>
-            <a:r>
-              <a:rPr lang="en-US" altLang="zh-TW" b="0" dirty="0" smtClean="0"/>
-              <a:t>              :  </a:t>
-            </a:r>
-            <a:r>
-              <a:rPr lang="zh-TW" altLang="en-US" b="0" dirty="0" smtClean="0"/>
-              <a:t>儲存設定值</a:t>
-            </a:r>
-            <a:r>
-              <a:rPr lang="en-US" altLang="zh-TW" b="0" dirty="0" smtClean="0"/>
-              <a:t/>
-            </a:r>
-            <a:br>
-              <a:rPr lang="en-US" altLang="zh-TW" b="0" dirty="0" smtClean="0"/>
-            </a:br>
-            <a:r>
-              <a:rPr lang="en-US" altLang="zh-TW" b="0" dirty="0" err="1" smtClean="0"/>
-              <a:t>getSetting</a:t>
-            </a:r>
-            <a:r>
-              <a:rPr lang="zh-TW" altLang="en-US" b="0" dirty="0" smtClean="0"/>
-              <a:t>                </a:t>
-            </a:r>
-            <a:r>
-              <a:rPr lang="en-US" altLang="zh-TW" b="0" dirty="0" smtClean="0"/>
-              <a:t>:</a:t>
-            </a:r>
-            <a:r>
-              <a:rPr lang="zh-TW" altLang="en-US" b="0" dirty="0" smtClean="0"/>
-              <a:t>  取得目前設定值</a:t>
-            </a:r>
-            <a:endParaRPr lang="en-US" altLang="zh-TW" b="0" dirty="0" smtClean="0"/>
-          </a:p>
-          <a:p>
-            <a:r>
-              <a:rPr lang="en-US" altLang="zh-TW" b="0" dirty="0" err="1" smtClean="0"/>
-              <a:t>parseMsgd</a:t>
-            </a:r>
-            <a:r>
-              <a:rPr lang="zh-TW" altLang="en-US" b="0" dirty="0" smtClean="0"/>
-              <a:t>               </a:t>
-            </a:r>
-            <a:r>
-              <a:rPr lang="en-US" altLang="zh-TW" b="0" dirty="0" smtClean="0"/>
-              <a:t>:</a:t>
-            </a:r>
-            <a:r>
-              <a:rPr lang="zh-TW" altLang="en-US" b="0" dirty="0" smtClean="0"/>
-              <a:t>  將訂閱到的資料透過 </a:t>
-            </a:r>
-            <a:r>
-              <a:rPr lang="en-US" altLang="zh-TW" b="0" dirty="0" smtClean="0"/>
-              <a:t>map</a:t>
-            </a:r>
-            <a:r>
-              <a:rPr lang="zh-TW" altLang="en-US" b="0" dirty="0" smtClean="0"/>
-              <a:t>定義的資料解析</a:t>
-            </a:r>
-            <a:endParaRPr lang="en-US" altLang="zh-TW" b="0" dirty="0" smtClean="0"/>
-          </a:p>
-          <a:p>
-            <a:r>
-              <a:rPr lang="en-US" altLang="zh-TW" b="0" dirty="0" err="1" smtClean="0"/>
-              <a:t>sendLineMessage</a:t>
-            </a:r>
-            <a:r>
-              <a:rPr lang="zh-TW" altLang="en-US" b="0" dirty="0" smtClean="0"/>
-              <a:t>    </a:t>
-            </a:r>
-            <a:r>
-              <a:rPr lang="en-US" altLang="zh-TW" b="0" dirty="0" smtClean="0"/>
-              <a:t>:</a:t>
-            </a:r>
-            <a:r>
-              <a:rPr lang="zh-TW" altLang="en-US" b="0" dirty="0" smtClean="0"/>
-              <a:t>  將要發送的通知透過</a:t>
-            </a:r>
-            <a:r>
-              <a:rPr lang="en-US" altLang="zh-TW" b="0" dirty="0" err="1" smtClean="0"/>
-              <a:t>linebot</a:t>
-            </a:r>
-            <a:r>
-              <a:rPr lang="zh-TW" altLang="en-US" b="0" dirty="0" smtClean="0"/>
-              <a:t>發送</a:t>
-            </a:r>
-            <a:endParaRPr lang="en-US" altLang="zh-TW" b="0" dirty="0" smtClean="0"/>
-          </a:p>
-          <a:p>
-            <a:r>
-              <a:rPr lang="en-US" altLang="zh-TW" b="0" dirty="0" err="1" smtClean="0"/>
-              <a:t>getTabledata</a:t>
-            </a:r>
-            <a:r>
-              <a:rPr lang="en-US" altLang="zh-TW" b="0" dirty="0" smtClean="0"/>
-              <a:t>            :  </a:t>
-            </a:r>
-            <a:r>
-              <a:rPr lang="zh-TW" altLang="en-US" b="0" dirty="0" smtClean="0"/>
-              <a:t>將查詢到的</a:t>
-            </a:r>
-            <a:r>
-              <a:rPr lang="en-US" altLang="zh-TW" b="0" dirty="0" smtClean="0"/>
-              <a:t>event</a:t>
-            </a:r>
-            <a:r>
-              <a:rPr lang="zh-TW" altLang="en-US" b="0" dirty="0" smtClean="0"/>
-              <a:t> 陣列轉成</a:t>
-            </a:r>
-            <a:r>
-              <a:rPr lang="en-US" altLang="zh-TW" b="0" dirty="0" smtClean="0"/>
-              <a:t>data table</a:t>
-            </a:r>
-            <a:r>
-              <a:rPr lang="zh-TW" altLang="en-US" b="0" dirty="0" smtClean="0"/>
-              <a:t>顯示用的陣列</a:t>
-            </a:r>
-            <a:endParaRPr lang="en-US" altLang="zh-TW" b="0" dirty="0" smtClean="0"/>
-          </a:p>
-          <a:p>
-            <a:endParaRPr lang="en-US" altLang="zh-TW" b="0" dirty="0" smtClean="0"/>
-          </a:p>
-          <a:p>
-            <a:endParaRPr lang="en-US" altLang="zh-TW" b="0" dirty="0"/>
-          </a:p>
-        </p:txBody>
-      </p:sp>
-    </p:spTree>
-  </p:cSld>
-  <p:clrMapOvr>
-    <a:masterClrMapping/>
-  </p:clrMapOvr>
-  <p:transition spd="slow"/>
-  <p:timing>
-    <p:tnLst>
-      <p:par>
-        <p:cTn id="1" dur="indefinite" restart="never" nodeType="tmRoot"/>
-      </p:par>
-    </p:tnLst>
-  </p:timing>
-</p:sld>
-</file>
-
-<file path=ppt/slides/slide51.xml><?xml version="1.0" encoding="utf-8"?>
+<file path=ppt/slides/slide55.xml><?xml version="1.0" encoding="utf-8"?>
 <p:sld xmlns:a="http://schemas.openxmlformats.org/drawingml/2006/main" xmlns:r="http://schemas.openxmlformats.org/officeDocument/2006/relationships" xmlns:p="http://schemas.openxmlformats.org/presentationml/2006/main">
   <p:cSld>
     <p:spTree>
@@ -24753,7 +26252,7 @@
 </p:sld>
 </file>
 
-<file path=ppt/slides/slide52.xml><?xml version="1.0" encoding="utf-8"?>
+<file path=ppt/slides/slide56.xml><?xml version="1.0" encoding="utf-8"?>
 <p:sld xmlns:a="http://schemas.openxmlformats.org/drawingml/2006/main" xmlns:r="http://schemas.openxmlformats.org/officeDocument/2006/relationships" xmlns:p="http://schemas.openxmlformats.org/presentationml/2006/main">
   <p:cSld>
     <p:spTree>
@@ -25400,7 +26899,7 @@
 </p:sld>
 </file>
 
-<file path=ppt/slides/slide53.xml><?xml version="1.0" encoding="utf-8"?>
+<file path=ppt/slides/slide57.xml><?xml version="1.0" encoding="utf-8"?>
 <p:sld xmlns:a="http://schemas.openxmlformats.org/drawingml/2006/main" xmlns:r="http://schemas.openxmlformats.org/officeDocument/2006/relationships" xmlns:p="http://schemas.openxmlformats.org/presentationml/2006/main">
   <p:cSld>
     <p:spTree>
@@ -25776,7 +27275,7 @@
 </p:sld>
 </file>
 
-<file path=ppt/slides/slide54.xml><?xml version="1.0" encoding="utf-8"?>
+<file path=ppt/slides/slide58.xml><?xml version="1.0" encoding="utf-8"?>
 <p:sld xmlns:a="http://schemas.openxmlformats.org/drawingml/2006/main" xmlns:r="http://schemas.openxmlformats.org/officeDocument/2006/relationships" xmlns:p="http://schemas.openxmlformats.org/presentationml/2006/main">
   <p:cSld>
     <p:spTree>
@@ -25963,7 +27462,7 @@
 </p:sld>
 </file>
 
-<file path=ppt/slides/slide55.xml><?xml version="1.0" encoding="utf-8"?>
+<file path=ppt/slides/slide59.xml><?xml version="1.0" encoding="utf-8"?>
 <p:sld xmlns:a="http://schemas.openxmlformats.org/drawingml/2006/main" xmlns:r="http://schemas.openxmlformats.org/officeDocument/2006/relationships" xmlns:p="http://schemas.openxmlformats.org/presentationml/2006/main">
   <p:cSld>
     <p:spTree>
@@ -26100,7 +27599,398 @@
 </p:sld>
 </file>
 
-<file path=ppt/slides/slide56.xml><?xml version="1.0" encoding="utf-8"?>
+<file path=ppt/slides/slide6.xml><?xml version="1.0" encoding="utf-8"?>
+<p:sld xmlns:a="http://schemas.openxmlformats.org/drawingml/2006/main" xmlns:r="http://schemas.openxmlformats.org/officeDocument/2006/relationships" xmlns:p="http://schemas.openxmlformats.org/presentationml/2006/main">
+  <p:cSld>
+    <p:spTree>
+      <p:nvGrpSpPr>
+        <p:cNvPr id="1" name=""/>
+        <p:cNvGrpSpPr/>
+        <p:nvPr/>
+      </p:nvGrpSpPr>
+      <p:grpSpPr>
+        <a:xfrm>
+          <a:off x="0" y="0"/>
+          <a:ext cx="0" cy="0"/>
+          <a:chOff x="0" y="0"/>
+          <a:chExt cx="0" cy="0"/>
+        </a:xfrm>
+      </p:grpSpPr>
+      <p:sp>
+        <p:nvSpPr>
+          <p:cNvPr id="254" name="Shape 254"/>
+          <p:cNvSpPr>
+            <a:spLocks noGrp="1"/>
+          </p:cNvSpPr>
+          <p:nvPr>
+            <p:ph type="body" idx="1"/>
+          </p:nvPr>
+        </p:nvSpPr>
+        <p:spPr>
+          <a:xfrm>
+            <a:off x="586403" y="1424433"/>
+            <a:ext cx="7772401" cy="4645920"/>
+          </a:xfrm>
+          <a:prstGeom prst="rect">
+            <a:avLst/>
+          </a:prstGeom>
+        </p:spPr>
+        <p:txBody>
+          <a:bodyPr anchor="t"/>
+          <a:lstStyle/>
+          <a:p>
+            <a:r>
+              <a:rPr lang="en-US" altLang="zh-TW" dirty="0" smtClean="0"/>
+              <a:t>Node.js</a:t>
+            </a:r>
+            <a:r>
+              <a:rPr lang="zh-TW" altLang="en-US" b="0" dirty="0" smtClean="0"/>
+              <a:t>是一個能夠在</a:t>
+            </a:r>
+            <a:r>
+              <a:rPr lang="zh-TW" altLang="en-US" b="0" dirty="0" smtClean="0">
+                <a:hlinkClick r:id="rId2" tooltip="伺服器"/>
+              </a:rPr>
+              <a:t>伺服器</a:t>
+            </a:r>
+            <a:r>
+              <a:rPr lang="zh-TW" altLang="en-US" b="0" dirty="0" smtClean="0"/>
+              <a:t>端運行</a:t>
+            </a:r>
+            <a:r>
+              <a:rPr lang="en-US" altLang="zh-TW" b="0" dirty="0" smtClean="0">
+                <a:hlinkClick r:id="rId3" tooltip="JavaScript"/>
+              </a:rPr>
+              <a:t>JavaScript</a:t>
+            </a:r>
+            <a:r>
+              <a:rPr lang="zh-TW" altLang="en-US" b="0" dirty="0" smtClean="0"/>
+              <a:t>的</a:t>
+            </a:r>
+            <a:r>
+              <a:rPr lang="zh-TW" altLang="en-US" b="0" dirty="0" smtClean="0">
+                <a:hlinkClick r:id="rId4" tooltip="開放原始碼"/>
+              </a:rPr>
+              <a:t>開放原始碼</a:t>
+            </a:r>
+            <a:r>
+              <a:rPr lang="zh-TW" altLang="en-US" b="0" dirty="0" smtClean="0"/>
+              <a:t>、</a:t>
+            </a:r>
+            <a:r>
+              <a:rPr lang="zh-TW" altLang="en-US" b="0" dirty="0" smtClean="0">
+                <a:hlinkClick r:id="rId5" tooltip="跨平台"/>
+              </a:rPr>
+              <a:t>跨平台</a:t>
+            </a:r>
+            <a:r>
+              <a:rPr lang="en-US" altLang="zh-TW" b="0" dirty="0" smtClean="0"/>
+              <a:t>JavaScript </a:t>
+            </a:r>
+            <a:r>
+              <a:rPr lang="zh-TW" altLang="en-US" b="0" dirty="0" smtClean="0">
+                <a:hlinkClick r:id="rId6" tooltip="執行環境"/>
+              </a:rPr>
+              <a:t>執行環境</a:t>
+            </a:r>
+            <a:r>
+              <a:rPr lang="zh-TW" altLang="en-US" b="0" dirty="0" smtClean="0"/>
+              <a:t>。</a:t>
+            </a:r>
+            <a:r>
+              <a:rPr lang="en-US" altLang="zh-TW" b="0" dirty="0" smtClean="0"/>
+              <a:t>Node.js</a:t>
+            </a:r>
+            <a:r>
+              <a:rPr lang="zh-TW" altLang="en-US" b="0" dirty="0" smtClean="0"/>
+              <a:t>由</a:t>
+            </a:r>
+            <a:r>
+              <a:rPr lang="en-US" altLang="zh-TW" b="0" dirty="0" smtClean="0"/>
+              <a:t>Node.js</a:t>
+            </a:r>
+            <a:r>
+              <a:rPr lang="zh-TW" altLang="en-US" b="0" dirty="0" smtClean="0"/>
+              <a:t>基金會持有和維護</a:t>
+            </a:r>
+            <a:r>
+              <a:rPr lang="en-US" altLang="zh-TW" b="0" baseline="30000" dirty="0" smtClean="0">
+                <a:hlinkClick r:id="rId7"/>
+              </a:rPr>
+              <a:t>[3]</a:t>
+            </a:r>
+            <a:r>
+              <a:rPr lang="zh-TW" altLang="en-US" b="0" dirty="0" smtClean="0"/>
+              <a:t>，並與</a:t>
+            </a:r>
+            <a:r>
+              <a:rPr lang="en-US" altLang="zh-TW" b="0" dirty="0" smtClean="0">
+                <a:hlinkClick r:id="rId8" tooltip="Linux基金會"/>
+              </a:rPr>
+              <a:t>Linux</a:t>
+            </a:r>
+            <a:r>
+              <a:rPr lang="zh-TW" altLang="en-US" b="0" dirty="0" smtClean="0">
+                <a:hlinkClick r:id="rId8" tooltip="Linux基金會"/>
+              </a:rPr>
+              <a:t>基金會</a:t>
+            </a:r>
+            <a:r>
+              <a:rPr lang="zh-TW" altLang="en-US" b="0" dirty="0" smtClean="0"/>
+              <a:t>有合作關係</a:t>
+            </a:r>
+            <a:r>
+              <a:rPr lang="en-US" altLang="zh-TW" b="0" baseline="30000" dirty="0" smtClean="0">
+                <a:hlinkClick r:id="rId9"/>
+              </a:rPr>
+              <a:t>[4]</a:t>
+            </a:r>
+            <a:r>
+              <a:rPr lang="zh-TW" altLang="en-US" b="0" dirty="0" smtClean="0"/>
+              <a:t>。</a:t>
+            </a:r>
+            <a:r>
+              <a:rPr lang="en-US" altLang="zh-TW" b="0" dirty="0" smtClean="0"/>
+              <a:t>Node.js</a:t>
+            </a:r>
+            <a:r>
+              <a:rPr lang="zh-TW" altLang="en-US" b="0" dirty="0" smtClean="0"/>
+              <a:t>採用</a:t>
+            </a:r>
+            <a:r>
+              <a:rPr lang="en-US" altLang="zh-TW" b="0" dirty="0" smtClean="0">
+                <a:hlinkClick r:id="rId10" tooltip="Google"/>
+              </a:rPr>
+              <a:t>Google</a:t>
+            </a:r>
+            <a:r>
+              <a:rPr lang="zh-TW" altLang="en-US" b="0" dirty="0" smtClean="0"/>
+              <a:t>開發的</a:t>
+            </a:r>
+            <a:r>
+              <a:rPr lang="en-US" altLang="zh-TW" b="0" dirty="0" smtClean="0">
+                <a:hlinkClick r:id="rId11" tooltip="V8 (JavaScript引擎)"/>
+              </a:rPr>
+              <a:t>V8</a:t>
+            </a:r>
+            <a:r>
+              <a:rPr lang="zh-TW" altLang="en-US" b="0" dirty="0" smtClean="0"/>
+              <a:t>執行程式碼，使用</a:t>
+            </a:r>
+            <a:r>
+              <a:rPr lang="zh-TW" altLang="en-US" b="0" dirty="0" smtClean="0">
+                <a:hlinkClick r:id="rId12" tooltip="事件驅動"/>
+              </a:rPr>
+              <a:t>事件驅動</a:t>
+            </a:r>
+            <a:r>
+              <a:rPr lang="zh-TW" altLang="en-US" b="0" dirty="0" smtClean="0"/>
+              <a:t>、</a:t>
+            </a:r>
+            <a:r>
+              <a:rPr lang="zh-TW" altLang="en-US" b="0" dirty="0" smtClean="0">
+                <a:hlinkClick r:id="rId13" tooltip="非阻塞（頁面不存在）"/>
+              </a:rPr>
+              <a:t>非阻塞</a:t>
+            </a:r>
+            <a:r>
+              <a:rPr lang="zh-TW" altLang="en-US" b="0" dirty="0" smtClean="0"/>
+              <a:t>和 </a:t>
+            </a:r>
+            <a:r>
+              <a:rPr lang="zh-TW" altLang="en-US" b="0" dirty="0" smtClean="0">
+                <a:hlinkClick r:id="rId14" tooltip="非同步輸入輸出（頁面不存在）"/>
+              </a:rPr>
+              <a:t>非同步輸入輸出</a:t>
+            </a:r>
+            <a:r>
+              <a:rPr lang="zh-TW" altLang="en-US" b="0" dirty="0" smtClean="0"/>
+              <a:t>模型等技術來提高效能，可最佳化應用程式的傳輸量和規模。這些技術通常用於資料密集的即時應用程式。</a:t>
+            </a:r>
+            <a:endParaRPr lang="en-US" altLang="zh-TW" b="0" dirty="0" smtClean="0"/>
+          </a:p>
+          <a:p>
+            <a:endParaRPr lang="zh-TW" altLang="en-US" b="0" dirty="0" smtClean="0"/>
+          </a:p>
+          <a:p>
+            <a:r>
+              <a:rPr lang="en-US" altLang="zh-TW" b="0" dirty="0" smtClean="0"/>
+              <a:t>Node.js</a:t>
+            </a:r>
+            <a:r>
+              <a:rPr lang="zh-TW" altLang="en-US" b="0" dirty="0" smtClean="0"/>
+              <a:t>大部分基本模組都用</a:t>
+            </a:r>
+            <a:r>
+              <a:rPr lang="en-US" altLang="zh-TW" b="0" dirty="0" smtClean="0"/>
+              <a:t>JavaScript</a:t>
+            </a:r>
+            <a:r>
+              <a:rPr lang="zh-TW" altLang="en-US" b="0" dirty="0" smtClean="0"/>
+              <a:t>語言編寫。在</a:t>
+            </a:r>
+            <a:r>
+              <a:rPr lang="en-US" altLang="zh-TW" b="0" dirty="0" smtClean="0"/>
+              <a:t>Node.js</a:t>
+            </a:r>
+            <a:r>
+              <a:rPr lang="zh-TW" altLang="en-US" b="0" dirty="0" smtClean="0"/>
+              <a:t>出現之前，</a:t>
+            </a:r>
+            <a:r>
+              <a:rPr lang="en-US" altLang="zh-TW" b="0" dirty="0" smtClean="0"/>
+              <a:t>JavaScript</a:t>
+            </a:r>
+            <a:r>
+              <a:rPr lang="zh-TW" altLang="en-US" b="0" dirty="0" smtClean="0"/>
+              <a:t>通常作為用戶端程式設計語言使用，以</a:t>
+            </a:r>
+            <a:r>
+              <a:rPr lang="en-US" altLang="zh-TW" b="0" dirty="0" smtClean="0"/>
+              <a:t>JavaScript</a:t>
+            </a:r>
+            <a:r>
+              <a:rPr lang="zh-TW" altLang="en-US" b="0" dirty="0" smtClean="0"/>
+              <a:t>寫出的程式常在用戶的瀏覽器上執行。</a:t>
+            </a:r>
+            <a:r>
+              <a:rPr lang="en-US" altLang="zh-TW" b="0" dirty="0" smtClean="0"/>
+              <a:t>Node.js</a:t>
+            </a:r>
+            <a:r>
+              <a:rPr lang="zh-TW" altLang="en-US" b="0" dirty="0" smtClean="0"/>
+              <a:t>的出現使</a:t>
+            </a:r>
+            <a:r>
+              <a:rPr lang="en-US" altLang="zh-TW" b="0" dirty="0" smtClean="0"/>
+              <a:t>JavaScript</a:t>
+            </a:r>
+            <a:r>
+              <a:rPr lang="zh-TW" altLang="en-US" b="0" dirty="0" smtClean="0"/>
+              <a:t>也能用於伺服器端編程。</a:t>
+            </a:r>
+            <a:r>
+              <a:rPr lang="en-US" altLang="zh-TW" b="0" dirty="0" smtClean="0"/>
+              <a:t>Node.js</a:t>
+            </a:r>
+            <a:r>
+              <a:rPr lang="zh-TW" altLang="en-US" b="0" dirty="0" smtClean="0"/>
+              <a:t>含有一系列內置模組，使得程式可以脫離</a:t>
+            </a:r>
+            <a:r>
+              <a:rPr lang="en-US" altLang="zh-TW" b="0" dirty="0" smtClean="0">
+                <a:hlinkClick r:id="rId15" tooltip="Apache HTTP Server"/>
+              </a:rPr>
+              <a:t>Apache HTTP Server</a:t>
+            </a:r>
+            <a:r>
+              <a:rPr lang="zh-TW" altLang="en-US" b="0" dirty="0" smtClean="0"/>
+              <a:t>或</a:t>
+            </a:r>
+            <a:r>
+              <a:rPr lang="en-US" altLang="zh-TW" b="0" dirty="0" smtClean="0">
+                <a:hlinkClick r:id="rId16" tooltip="IIS"/>
+              </a:rPr>
+              <a:t>IIS</a:t>
+            </a:r>
+            <a:r>
+              <a:rPr lang="zh-TW" altLang="en-US" b="0" dirty="0" smtClean="0"/>
+              <a:t>，作為獨立伺服器執行。</a:t>
+            </a:r>
+          </a:p>
+          <a:p>
+            <a:pPr defTabSz="694944">
+              <a:lnSpc>
+                <a:spcPct val="115000"/>
+              </a:lnSpc>
+              <a:spcBef>
+                <a:spcPts val="1200"/>
+              </a:spcBef>
+              <a:defRPr sz="2400" u="sng">
+                <a:solidFill>
+                  <a:srgbClr val="0000FF"/>
+                </a:solidFill>
+                <a:uFill>
+                  <a:solidFill>
+                    <a:srgbClr val="0000FF"/>
+                  </a:solidFill>
+                </a:uFill>
+                <a:latin typeface="Arial"/>
+                <a:ea typeface="Arial"/>
+                <a:cs typeface="Arial"/>
+                <a:sym typeface="Arial"/>
+              </a:defRPr>
+            </a:pPr>
+            <a:endParaRPr dirty="0"/>
+          </a:p>
+        </p:txBody>
+      </p:sp>
+      <p:sp>
+        <p:nvSpPr>
+          <p:cNvPr id="255" name="Shape 255"/>
+          <p:cNvSpPr/>
+          <p:nvPr/>
+        </p:nvSpPr>
+        <p:spPr>
+          <a:xfrm>
+            <a:off x="531812" y="240409"/>
+            <a:ext cx="7772401" cy="596897"/>
+          </a:xfrm>
+          <a:prstGeom prst="rect">
+            <a:avLst/>
+          </a:prstGeom>
+          <a:ln w="12700">
+            <a:miter lim="400000"/>
+          </a:ln>
+          <a:extLst>
+            <a:ext uri="{C572A759-6A51-4108-AA02-DFA0A04FC94B}">
+              <ma14:wrappingTextBoxFlag xmlns="" xmlns:ma14="http://schemas.microsoft.com/office/mac/drawingml/2011/main" val="1"/>
+            </a:ext>
+          </a:extLst>
+        </p:spPr>
+        <p:txBody>
+          <a:bodyPr lIns="45718" tIns="45718" rIns="45718" bIns="45718" anchor="ctr">
+            <a:normAutofit fontScale="92500" lnSpcReduction="20000"/>
+          </a:bodyPr>
+          <a:lstStyle>
+            <a:lvl1pPr algn="ctr" defTabSz="877822">
+              <a:defRPr sz="4000">
+                <a:solidFill>
+                  <a:srgbClr val="FFFFFF"/>
+                </a:solidFill>
+                <a:latin typeface="Arial"/>
+                <a:ea typeface="Arial"/>
+                <a:cs typeface="Arial"/>
+                <a:sym typeface="Arial"/>
+              </a:defRPr>
+            </a:lvl1pPr>
+          </a:lstStyle>
+          <a:p>
+            <a:r>
+              <a:rPr lang="en-US" dirty="0" smtClean="0"/>
+              <a:t>Nodejs</a:t>
+            </a:r>
+            <a:endParaRPr dirty="0"/>
+          </a:p>
+        </p:txBody>
+      </p:sp>
+    </p:spTree>
+  </p:cSld>
+  <p:clrMapOvr>
+    <a:masterClrMapping/>
+  </p:clrMapOvr>
+  <p:transition spd="slow"/>
+  <p:timing>
+    <p:tnLst>
+      <p:par>
+        <p:cTn id="1" dur="indefinite" restart="never" nodeType="tmRoot"/>
+      </p:par>
+    </p:tnLst>
+  </p:timing>
+</p:sld>
+</file>
+
+<file path=ppt/slides/slide60.xml><?xml version="1.0" encoding="utf-8"?>
 <p:sld xmlns:a="http://schemas.openxmlformats.org/drawingml/2006/main" xmlns:r="http://schemas.openxmlformats.org/officeDocument/2006/relationships" xmlns:p="http://schemas.openxmlformats.org/presentationml/2006/main">
   <p:cSld>
     <p:spTree>
@@ -28141,7 +30031,7 @@
 </p:sld>
 </file>
 
-<file path=ppt/slides/slide57.xml><?xml version="1.0" encoding="utf-8"?>
+<file path=ppt/slides/slide61.xml><?xml version="1.0" encoding="utf-8"?>
 <p:sld xmlns:a="http://schemas.openxmlformats.org/drawingml/2006/main" xmlns:r="http://schemas.openxmlformats.org/officeDocument/2006/relationships" xmlns:p="http://schemas.openxmlformats.org/presentationml/2006/main">
   <p:cSld>
     <p:spTree>
@@ -28306,7 +30196,7 @@
 </p:sld>
 </file>
 
-<file path=ppt/slides/slide58.xml><?xml version="1.0" encoding="utf-8"?>
+<file path=ppt/slides/slide62.xml><?xml version="1.0" encoding="utf-8"?>
 <p:sld xmlns:a="http://schemas.openxmlformats.org/drawingml/2006/main" xmlns:r="http://schemas.openxmlformats.org/officeDocument/2006/relationships" xmlns:p="http://schemas.openxmlformats.org/presentationml/2006/main">
   <p:cSld>
     <p:spTree>
@@ -28589,7 +30479,7 @@
 </p:sld>
 </file>
 
-<file path=ppt/slides/slide59.xml><?xml version="1.0" encoding="utf-8"?>
+<file path=ppt/slides/slide63.xml><?xml version="1.0" encoding="utf-8"?>
 <p:sld xmlns:a="http://schemas.openxmlformats.org/drawingml/2006/main" xmlns:r="http://schemas.openxmlformats.org/officeDocument/2006/relationships" xmlns:p="http://schemas.openxmlformats.org/presentationml/2006/main">
   <p:cSld>
     <p:spTree>
@@ -28618,7 +30508,7 @@
         </p:nvSpPr>
         <p:spPr>
           <a:xfrm>
-            <a:off x="531812" y="1104900"/>
+            <a:off x="611325" y="0"/>
             <a:ext cx="7772401" cy="899915"/>
           </a:xfrm>
           <a:prstGeom prst="rect">
@@ -28634,9 +30524,18 @@
           </a:lstStyle>
           <a:p>
             <a:r>
-              <a:rPr dirty="0"/>
+              <a:rPr dirty="0" err="1" smtClean="0">
+                <a:solidFill>
+                  <a:schemeClr val="bg1"/>
+                </a:solidFill>
+              </a:rPr>
               <a:t>參考連結</a:t>
             </a:r>
+            <a:endParaRPr dirty="0">
+              <a:solidFill>
+                <a:schemeClr val="bg1"/>
+              </a:solidFill>
+            </a:endParaRPr>
           </a:p>
         </p:txBody>
       </p:sp>
@@ -28648,8 +30547,8 @@
         </p:nvSpPr>
         <p:spPr>
           <a:xfrm>
-            <a:off x="311699" y="2106659"/>
-            <a:ext cx="8520602" cy="3920068"/>
+            <a:off x="311699" y="1126435"/>
+            <a:ext cx="8520602" cy="4900292"/>
           </a:xfrm>
           <a:prstGeom prst="rect">
             <a:avLst/>
@@ -28665,7 +30564,7 @@
         </p:spPr>
         <p:txBody>
           <a:bodyPr lIns="91421" tIns="91421" rIns="91421" bIns="91421">
-            <a:normAutofit lnSpcReduction="10000"/>
+            <a:normAutofit/>
           </a:bodyPr>
           <a:lstStyle/>
           <a:p>
@@ -28678,11 +30577,45 @@
               </a:defRPr>
             </a:pPr>
             <a:r>
+              <a:rPr lang="en-US" dirty="0" err="1" smtClean="0"/>
+              <a:t>MongoDB</a:t>
+            </a:r>
+            <a:r>
+              <a:rPr lang="en-US" dirty="0" smtClean="0"/>
+              <a:t> </a:t>
+            </a:r>
+            <a:r>
+              <a:rPr lang="zh-TW" altLang="en-US" dirty="0" smtClean="0"/>
+              <a:t>教程 </a:t>
+            </a:r>
+            <a:r>
+              <a:rPr lang="en-US" altLang="zh-TW" sz="1600" dirty="0" smtClean="0">
+                <a:sym typeface="Arial"/>
+                <a:hlinkClick r:id="rId2"/>
+              </a:rPr>
+              <a:t>http://www.runoob.com/mongodb/mongodb-tutorial.html </a:t>
+            </a:r>
+            <a:r>
+              <a:rPr lang="en-US" altLang="zh-TW" dirty="0" smtClean="0"/>
+              <a:t/>
+            </a:r>
+            <a:br>
+              <a:rPr lang="en-US" altLang="zh-TW" dirty="0" smtClean="0"/>
+            </a:br>
+            <a:r>
+              <a:rPr dirty="0" err="1" smtClean="0"/>
+              <a:t>Mosquitto</a:t>
+            </a:r>
+            <a:r>
+              <a:rPr dirty="0" err="1"/>
+              <a:t>官網</a:t>
+            </a:r>
+            <a:r>
               <a:rPr dirty="0"/>
-              <a:t>Mosquitto官網 </a:t>
-            </a:r>
-            <a:r>
-              <a:rPr u="sng" dirty="0">
+              <a:t> </a:t>
+            </a:r>
+            <a:r>
+              <a:rPr sz="1600" u="sng" dirty="0">
                 <a:solidFill>
                   <a:srgbClr val="0000FF"/>
                 </a:solidFill>
@@ -28691,7 +30624,7 @@
                     <a:srgbClr val="0000FF"/>
                   </a:solidFill>
                 </a:uFill>
-                <a:hlinkClick r:id="rId2"/>
+                <a:hlinkClick r:id="rId3"/>
               </a:rPr>
               <a:t>http://mosquitto.org/download/</a:t>
             </a:r>
@@ -28728,12 +30661,12 @@
               </a:defRPr>
             </a:pPr>
             <a:r>
-              <a:rPr dirty="0">
-                <a:hlinkClick r:id="rId3"/>
+              <a:rPr sz="1600" dirty="0">
+                <a:hlinkClick r:id="rId4"/>
               </a:rPr>
               <a:t>http://itbilu.com/nodejs/npm/41wDnJoDg.html</a:t>
             </a:r>
-            <a:endParaRPr dirty="0">
+            <a:endParaRPr sz="1600" dirty="0">
               <a:uFill>
                 <a:solidFill>
                   <a:srgbClr val="0097A7"/>
@@ -28774,7 +30707,7 @@
             </a:pPr>
             <a:r>
               <a:rPr dirty="0">
-                <a:hlinkClick r:id="rId4"/>
+                <a:hlinkClick r:id="rId5"/>
               </a:rPr>
               <a:t>http://wiki.jikexueyuan.com/project/express-mongodb-setup-blog/simple-blog.html</a:t>
             </a:r>
@@ -28827,14 +30760,14 @@
               </a:defRPr>
             </a:pPr>
             <a:r>
-              <a:rPr dirty="0"/>
+              <a:rPr sz="1600" dirty="0"/>
               <a:t>https://</a:t>
             </a:r>
             <a:r>
-              <a:rPr dirty="0" smtClean="0"/>
+              <a:rPr sz="1600" dirty="0" smtClean="0"/>
               <a:t>cnodejs.org/topic/504b4924e2b84515770103dd</a:t>
             </a:r>
-            <a:endParaRPr lang="en-US" dirty="0" smtClean="0"/>
+            <a:endParaRPr lang="en-US" sz="1600" dirty="0" smtClean="0"/>
           </a:p>
           <a:p>
             <a:pPr>
@@ -28902,15 +30835,26 @@
               </a:defRPr>
             </a:pPr>
             <a:r>
-              <a:rPr lang="en-US" altLang="zh-TW" sz="2700" dirty="0">
+              <a:rPr lang="en-US" altLang="zh-TW" sz="1600" dirty="0">
                 <a:solidFill>
                   <a:schemeClr val="accent6"/>
                 </a:solidFill>
                 <a:sym typeface="Times New Roman"/>
-              </a:rPr>
-              <a:t>http://expressjs.com/zh-tw/resources/middleware.html</a:t>
-            </a:r>
-            <a:endParaRPr lang="zh-TW" altLang="en-US" sz="2700" dirty="0">
+                <a:hlinkClick r:id="rId6"/>
+              </a:rPr>
+              <a:t>http://</a:t>
+            </a:r>
+            <a:r>
+              <a:rPr lang="en-US" altLang="zh-TW" sz="1600" dirty="0" smtClean="0">
+                <a:solidFill>
+                  <a:schemeClr val="accent6"/>
+                </a:solidFill>
+                <a:sym typeface="Times New Roman"/>
+                <a:hlinkClick r:id="rId6"/>
+              </a:rPr>
+              <a:t>expressjs.com/zh-tw/resources/middleware.html</a:t>
+            </a:r>
+            <a:endParaRPr lang="en-US" altLang="zh-TW" sz="1600" dirty="0" smtClean="0">
               <a:solidFill>
                 <a:schemeClr val="accent6"/>
               </a:solidFill>
@@ -28937,7 +30881,12 @@
                 <a:sym typeface="Times New Roman"/>
               </a:defRPr>
             </a:pPr>
-            <a:endParaRPr lang="en-US" altLang="zh-TW" dirty="0"/>
+            <a:endParaRPr lang="zh-TW" altLang="en-US" sz="2700" dirty="0" smtClean="0">
+              <a:solidFill>
+                <a:schemeClr val="accent6"/>
+              </a:solidFill>
+              <a:sym typeface="Times New Roman"/>
+            </a:endParaRPr>
           </a:p>
           <a:p>
             <a:pPr>
@@ -28959,7 +30908,7 @@
                 <a:sym typeface="Times New Roman"/>
               </a:defRPr>
             </a:pPr>
-            <a:endParaRPr lang="zh-TW" altLang="en-US" dirty="0"/>
+            <a:endParaRPr lang="en-US" altLang="zh-TW" dirty="0"/>
           </a:p>
           <a:p>
             <a:pPr>
@@ -28981,9 +30930,7 @@
                 <a:sym typeface="Times New Roman"/>
               </a:defRPr>
             </a:pPr>
-            <a:endParaRPr lang="en-US" dirty="0">
-              <a:hlinkClick r:id="rId5"/>
-            </a:endParaRPr>
+            <a:endParaRPr lang="zh-TW" altLang="en-US" dirty="0"/>
           </a:p>
           <a:p>
             <a:pPr>
@@ -29005,8 +30952,8 @@
                 <a:sym typeface="Times New Roman"/>
               </a:defRPr>
             </a:pPr>
-            <a:endParaRPr lang="en-US" dirty="0" smtClean="0">
-              <a:hlinkClick r:id="rId5"/>
+            <a:endParaRPr lang="en-US" dirty="0">
+              <a:hlinkClick r:id="rId7"/>
             </a:endParaRPr>
           </a:p>
           <a:p>
@@ -29029,336 +30976,16 @@
                 <a:sym typeface="Times New Roman"/>
               </a:defRPr>
             </a:pPr>
-            <a:endParaRPr dirty="0">
-              <a:hlinkClick r:id="rId5"/>
+            <a:endParaRPr lang="en-US" dirty="0" smtClean="0">
+              <a:hlinkClick r:id="rId7"/>
             </a:endParaRPr>
           </a:p>
-        </p:txBody>
-      </p:sp>
-    </p:spTree>
-  </p:cSld>
-  <p:clrMapOvr>
-    <a:masterClrMapping/>
-  </p:clrMapOvr>
-  <p:transition spd="slow"/>
-  <p:timing>
-    <p:tnLst>
-      <p:par>
-        <p:cTn id="1" dur="indefinite" restart="never" nodeType="tmRoot"/>
-      </p:par>
-    </p:tnLst>
-  </p:timing>
-</p:sld>
-</file>
-
-<file path=ppt/slides/slide6.xml><?xml version="1.0" encoding="utf-8"?>
-<p:sld xmlns:a="http://schemas.openxmlformats.org/drawingml/2006/main" xmlns:r="http://schemas.openxmlformats.org/officeDocument/2006/relationships" xmlns:p="http://schemas.openxmlformats.org/presentationml/2006/main">
-  <p:cSld>
-    <p:spTree>
-      <p:nvGrpSpPr>
-        <p:cNvPr id="1" name=""/>
-        <p:cNvGrpSpPr/>
-        <p:nvPr/>
-      </p:nvGrpSpPr>
-      <p:grpSpPr>
-        <a:xfrm>
-          <a:off x="0" y="0"/>
-          <a:ext cx="0" cy="0"/>
-          <a:chOff x="0" y="0"/>
-          <a:chExt cx="0" cy="0"/>
-        </a:xfrm>
-      </p:grpSpPr>
-      <p:sp>
-        <p:nvSpPr>
-          <p:cNvPr id="254" name="Shape 254"/>
-          <p:cNvSpPr>
-            <a:spLocks noGrp="1"/>
-          </p:cNvSpPr>
-          <p:nvPr>
-            <p:ph type="body" idx="1"/>
-          </p:nvPr>
-        </p:nvSpPr>
-        <p:spPr>
-          <a:xfrm>
-            <a:off x="586403" y="1424433"/>
-            <a:ext cx="7772401" cy="4645920"/>
-          </a:xfrm>
-          <a:prstGeom prst="rect">
-            <a:avLst/>
-          </a:prstGeom>
-        </p:spPr>
-        <p:txBody>
-          <a:bodyPr anchor="t"/>
-          <a:lstStyle/>
-          <a:p>
-            <a:r>
-              <a:rPr lang="en-US" altLang="zh-TW" dirty="0" smtClean="0"/>
-              <a:t>Node.js</a:t>
-            </a:r>
-            <a:r>
-              <a:rPr lang="zh-TW" altLang="en-US" b="0" dirty="0" smtClean="0"/>
-              <a:t>是一個能夠在</a:t>
-            </a:r>
-            <a:r>
-              <a:rPr lang="zh-TW" altLang="en-US" b="0" dirty="0" smtClean="0">
-                <a:hlinkClick r:id="rId2" tooltip="伺服器"/>
-              </a:rPr>
-              <a:t>伺服器</a:t>
-            </a:r>
-            <a:r>
-              <a:rPr lang="zh-TW" altLang="en-US" b="0" dirty="0" smtClean="0"/>
-              <a:t>端運行</a:t>
-            </a:r>
-            <a:r>
-              <a:rPr lang="en-US" altLang="zh-TW" b="0" dirty="0" smtClean="0">
-                <a:hlinkClick r:id="rId3" tooltip="JavaScript"/>
-              </a:rPr>
-              <a:t>JavaScript</a:t>
-            </a:r>
-            <a:r>
-              <a:rPr lang="zh-TW" altLang="en-US" b="0" dirty="0" smtClean="0"/>
-              <a:t>的</a:t>
-            </a:r>
-            <a:r>
-              <a:rPr lang="zh-TW" altLang="en-US" b="0" dirty="0" smtClean="0">
-                <a:hlinkClick r:id="rId4" tooltip="開放原始碼"/>
-              </a:rPr>
-              <a:t>開放原始碼</a:t>
-            </a:r>
-            <a:r>
-              <a:rPr lang="zh-TW" altLang="en-US" b="0" dirty="0" smtClean="0"/>
-              <a:t>、</a:t>
-            </a:r>
-            <a:r>
-              <a:rPr lang="zh-TW" altLang="en-US" b="0" dirty="0" smtClean="0">
-                <a:hlinkClick r:id="rId5" tooltip="跨平台"/>
-              </a:rPr>
-              <a:t>跨平台</a:t>
-            </a:r>
-            <a:r>
-              <a:rPr lang="en-US" altLang="zh-TW" b="0" dirty="0" smtClean="0"/>
-              <a:t>JavaScript </a:t>
-            </a:r>
-            <a:r>
-              <a:rPr lang="zh-TW" altLang="en-US" b="0" dirty="0" smtClean="0">
-                <a:hlinkClick r:id="rId6" tooltip="執行環境"/>
-              </a:rPr>
-              <a:t>執行環境</a:t>
-            </a:r>
-            <a:r>
-              <a:rPr lang="zh-TW" altLang="en-US" b="0" dirty="0" smtClean="0"/>
-              <a:t>。</a:t>
-            </a:r>
-            <a:r>
-              <a:rPr lang="en-US" altLang="zh-TW" b="0" dirty="0" smtClean="0"/>
-              <a:t>Node.js</a:t>
-            </a:r>
-            <a:r>
-              <a:rPr lang="zh-TW" altLang="en-US" b="0" dirty="0" smtClean="0"/>
-              <a:t>由</a:t>
-            </a:r>
-            <a:r>
-              <a:rPr lang="en-US" altLang="zh-TW" b="0" dirty="0" smtClean="0"/>
-              <a:t>Node.js</a:t>
-            </a:r>
-            <a:r>
-              <a:rPr lang="zh-TW" altLang="en-US" b="0" dirty="0" smtClean="0"/>
-              <a:t>基金會持有和維護</a:t>
-            </a:r>
-            <a:r>
-              <a:rPr lang="en-US" altLang="zh-TW" b="0" baseline="30000" dirty="0" smtClean="0">
-                <a:hlinkClick r:id="rId7"/>
-              </a:rPr>
-              <a:t>[3]</a:t>
-            </a:r>
-            <a:r>
-              <a:rPr lang="zh-TW" altLang="en-US" b="0" dirty="0" smtClean="0"/>
-              <a:t>，並與</a:t>
-            </a:r>
-            <a:r>
-              <a:rPr lang="en-US" altLang="zh-TW" b="0" dirty="0" smtClean="0">
-                <a:hlinkClick r:id="rId8" tooltip="Linux基金會"/>
-              </a:rPr>
-              <a:t>Linux</a:t>
-            </a:r>
-            <a:r>
-              <a:rPr lang="zh-TW" altLang="en-US" b="0" dirty="0" smtClean="0">
-                <a:hlinkClick r:id="rId8" tooltip="Linux基金會"/>
-              </a:rPr>
-              <a:t>基金會</a:t>
-            </a:r>
-            <a:r>
-              <a:rPr lang="zh-TW" altLang="en-US" b="0" dirty="0" smtClean="0"/>
-              <a:t>有合作關係</a:t>
-            </a:r>
-            <a:r>
-              <a:rPr lang="en-US" altLang="zh-TW" b="0" baseline="30000" dirty="0" smtClean="0">
-                <a:hlinkClick r:id="rId9"/>
-              </a:rPr>
-              <a:t>[4]</a:t>
-            </a:r>
-            <a:r>
-              <a:rPr lang="zh-TW" altLang="en-US" b="0" dirty="0" smtClean="0"/>
-              <a:t>。</a:t>
-            </a:r>
-            <a:r>
-              <a:rPr lang="en-US" altLang="zh-TW" b="0" dirty="0" smtClean="0"/>
-              <a:t>Node.js</a:t>
-            </a:r>
-            <a:r>
-              <a:rPr lang="zh-TW" altLang="en-US" b="0" dirty="0" smtClean="0"/>
-              <a:t>採用</a:t>
-            </a:r>
-            <a:r>
-              <a:rPr lang="en-US" altLang="zh-TW" b="0" dirty="0" smtClean="0">
-                <a:hlinkClick r:id="rId10" tooltip="Google"/>
-              </a:rPr>
-              <a:t>Google</a:t>
-            </a:r>
-            <a:r>
-              <a:rPr lang="zh-TW" altLang="en-US" b="0" dirty="0" smtClean="0"/>
-              <a:t>開發的</a:t>
-            </a:r>
-            <a:r>
-              <a:rPr lang="en-US" altLang="zh-TW" b="0" dirty="0" smtClean="0">
-                <a:hlinkClick r:id="rId11" tooltip="V8 (JavaScript引擎)"/>
-              </a:rPr>
-              <a:t>V8</a:t>
-            </a:r>
-            <a:r>
-              <a:rPr lang="zh-TW" altLang="en-US" b="0" dirty="0" smtClean="0"/>
-              <a:t>執行程式碼，使用</a:t>
-            </a:r>
-            <a:r>
-              <a:rPr lang="zh-TW" altLang="en-US" b="0" dirty="0" smtClean="0">
-                <a:hlinkClick r:id="rId12" tooltip="事件驅動"/>
-              </a:rPr>
-              <a:t>事件驅動</a:t>
-            </a:r>
-            <a:r>
-              <a:rPr lang="zh-TW" altLang="en-US" b="0" dirty="0" smtClean="0"/>
-              <a:t>、</a:t>
-            </a:r>
-            <a:r>
-              <a:rPr lang="zh-TW" altLang="en-US" b="0" dirty="0" smtClean="0">
-                <a:hlinkClick r:id="rId13" tooltip="非阻塞（頁面不存在）"/>
-              </a:rPr>
-              <a:t>非阻塞</a:t>
-            </a:r>
-            <a:r>
-              <a:rPr lang="zh-TW" altLang="en-US" b="0" dirty="0" smtClean="0"/>
-              <a:t>和 </a:t>
-            </a:r>
-            <a:r>
-              <a:rPr lang="zh-TW" altLang="en-US" b="0" dirty="0" smtClean="0">
-                <a:hlinkClick r:id="rId14" tooltip="非同步輸入輸出（頁面不存在）"/>
-              </a:rPr>
-              <a:t>非同步輸入輸出</a:t>
-            </a:r>
-            <a:r>
-              <a:rPr lang="zh-TW" altLang="en-US" b="0" dirty="0" smtClean="0"/>
-              <a:t>模型等技術來提高效能，可最佳化應用程式的傳輸量和規模。這些技術通常用於資料密集的即時應用程式。</a:t>
-            </a:r>
-            <a:endParaRPr lang="en-US" altLang="zh-TW" b="0" dirty="0" smtClean="0"/>
-          </a:p>
-          <a:p>
-            <a:endParaRPr lang="zh-TW" altLang="en-US" b="0" dirty="0" smtClean="0"/>
-          </a:p>
-          <a:p>
-            <a:r>
-              <a:rPr lang="en-US" altLang="zh-TW" b="0" dirty="0" smtClean="0"/>
-              <a:t>Node.js</a:t>
-            </a:r>
-            <a:r>
-              <a:rPr lang="zh-TW" altLang="en-US" b="0" dirty="0" smtClean="0"/>
-              <a:t>大部分基本模組都用</a:t>
-            </a:r>
-            <a:r>
-              <a:rPr lang="en-US" altLang="zh-TW" b="0" dirty="0" smtClean="0"/>
-              <a:t>JavaScript</a:t>
-            </a:r>
-            <a:r>
-              <a:rPr lang="zh-TW" altLang="en-US" b="0" dirty="0" smtClean="0"/>
-              <a:t>語言編寫。在</a:t>
-            </a:r>
-            <a:r>
-              <a:rPr lang="en-US" altLang="zh-TW" b="0" dirty="0" smtClean="0"/>
-              <a:t>Node.js</a:t>
-            </a:r>
-            <a:r>
-              <a:rPr lang="zh-TW" altLang="en-US" b="0" dirty="0" smtClean="0"/>
-              <a:t>出現之前，</a:t>
-            </a:r>
-            <a:r>
-              <a:rPr lang="en-US" altLang="zh-TW" b="0" dirty="0" smtClean="0"/>
-              <a:t>JavaScript</a:t>
-            </a:r>
-            <a:r>
-              <a:rPr lang="zh-TW" altLang="en-US" b="0" dirty="0" smtClean="0"/>
-              <a:t>通常作為用戶端程式設計語言使用，以</a:t>
-            </a:r>
-            <a:r>
-              <a:rPr lang="en-US" altLang="zh-TW" b="0" dirty="0" smtClean="0"/>
-              <a:t>JavaScript</a:t>
-            </a:r>
-            <a:r>
-              <a:rPr lang="zh-TW" altLang="en-US" b="0" dirty="0" smtClean="0"/>
-              <a:t>寫出的程式常在用戶的瀏覽器上執行。</a:t>
-            </a:r>
-            <a:r>
-              <a:rPr lang="en-US" altLang="zh-TW" b="0" dirty="0" smtClean="0"/>
-              <a:t>Node.js</a:t>
-            </a:r>
-            <a:r>
-              <a:rPr lang="zh-TW" altLang="en-US" b="0" dirty="0" smtClean="0"/>
-              <a:t>的出現使</a:t>
-            </a:r>
-            <a:r>
-              <a:rPr lang="en-US" altLang="zh-TW" b="0" dirty="0" smtClean="0"/>
-              <a:t>JavaScript</a:t>
-            </a:r>
-            <a:r>
-              <a:rPr lang="zh-TW" altLang="en-US" b="0" dirty="0" smtClean="0"/>
-              <a:t>也能用於伺服器端編程。</a:t>
-            </a:r>
-            <a:r>
-              <a:rPr lang="en-US" altLang="zh-TW" b="0" dirty="0" smtClean="0"/>
-              <a:t>Node.js</a:t>
-            </a:r>
-            <a:r>
-              <a:rPr lang="zh-TW" altLang="en-US" b="0" dirty="0" smtClean="0"/>
-              <a:t>含有一系列內置模組，使得程式可以脫離</a:t>
-            </a:r>
-            <a:r>
-              <a:rPr lang="en-US" altLang="zh-TW" b="0" dirty="0" smtClean="0">
-                <a:hlinkClick r:id="rId15" tooltip="Apache HTTP Server"/>
-              </a:rPr>
-              <a:t>Apache HTTP Server</a:t>
-            </a:r>
-            <a:r>
-              <a:rPr lang="zh-TW" altLang="en-US" b="0" dirty="0" smtClean="0"/>
-              <a:t>或</a:t>
-            </a:r>
-            <a:r>
-              <a:rPr lang="en-US" altLang="zh-TW" b="0" dirty="0" smtClean="0">
-                <a:hlinkClick r:id="rId16" tooltip="IIS"/>
-              </a:rPr>
-              <a:t>IIS</a:t>
-            </a:r>
-            <a:r>
-              <a:rPr lang="zh-TW" altLang="en-US" b="0" dirty="0" smtClean="0"/>
-              <a:t>，作為獨立伺服器執行。</a:t>
-            </a:r>
-          </a:p>
-          <a:p>
-            <a:pPr defTabSz="694944">
-              <a:lnSpc>
-                <a:spcPct val="115000"/>
-              </a:lnSpc>
-              <a:spcBef>
-                <a:spcPts val="1200"/>
-              </a:spcBef>
-              <a:defRPr sz="2400" u="sng">
+          <a:p>
+            <a:pPr>
+              <a:spcBef>
+                <a:spcPts val="400"/>
+              </a:spcBef>
+              <a:defRPr sz="2700" b="1" u="sng">
                 <a:solidFill>
                   <a:srgbClr val="0000FF"/>
                 </a:solidFill>
@@ -29367,62 +30994,15 @@
                     <a:srgbClr val="0000FF"/>
                   </a:solidFill>
                 </a:uFill>
-                <a:latin typeface="Arial"/>
-                <a:ea typeface="Arial"/>
-                <a:cs typeface="Arial"/>
-                <a:sym typeface="Arial"/>
+                <a:latin typeface="Times New Roman"/>
+                <a:ea typeface="Times New Roman"/>
+                <a:cs typeface="Times New Roman"/>
+                <a:sym typeface="Times New Roman"/>
               </a:defRPr>
             </a:pPr>
-            <a:endParaRPr dirty="0"/>
-          </a:p>
-        </p:txBody>
-      </p:sp>
-      <p:sp>
-        <p:nvSpPr>
-          <p:cNvPr id="255" name="Shape 255"/>
-          <p:cNvSpPr/>
-          <p:nvPr/>
-        </p:nvSpPr>
-        <p:spPr>
-          <a:xfrm>
-            <a:off x="531812" y="240409"/>
-            <a:ext cx="7772401" cy="596897"/>
-          </a:xfrm>
-          <a:prstGeom prst="rect">
-            <a:avLst/>
-          </a:prstGeom>
-          <a:ln w="12700">
-            <a:miter lim="400000"/>
-          </a:ln>
-          <a:extLst>
-            <a:ext uri="{C572A759-6A51-4108-AA02-DFA0A04FC94B}">
-              <ma14:wrappingTextBoxFlag xmlns="" xmlns:ma14="http://schemas.microsoft.com/office/mac/drawingml/2011/main" val="1"/>
-            </a:ext>
-          </a:extLst>
-        </p:spPr>
-        <p:txBody>
-          <a:bodyPr lIns="45718" tIns="45718" rIns="45718" bIns="45718" anchor="ctr">
-            <a:normAutofit fontScale="92500" lnSpcReduction="20000"/>
-          </a:bodyPr>
-          <a:lstStyle>
-            <a:lvl1pPr algn="ctr" defTabSz="877822">
-              <a:defRPr sz="4000">
-                <a:solidFill>
-                  <a:srgbClr val="FFFFFF"/>
-                </a:solidFill>
-                <a:latin typeface="Arial"/>
-                <a:ea typeface="Arial"/>
-                <a:cs typeface="Arial"/>
-                <a:sym typeface="Arial"/>
-              </a:defRPr>
-            </a:lvl1pPr>
-          </a:lstStyle>
-          <a:p>
-            <a:r>
-              <a:rPr lang="en-US" dirty="0" smtClean="0"/>
-              <a:t>Nodejs</a:t>
-            </a:r>
-            <a:endParaRPr dirty="0"/>
+            <a:endParaRPr dirty="0">
+              <a:hlinkClick r:id="rId7"/>
+            </a:endParaRPr>
           </a:p>
         </p:txBody>
       </p:sp>

--- a/doc/GIot_Session(win7).pptx
+++ b/doc/GIot_Session(win7).pptx
@@ -5,7 +5,7 @@
     <p:sldMasterId id="2147483648" r:id="rId1"/>
   </p:sldMasterIdLst>
   <p:notesMasterIdLst>
-    <p:notesMasterId r:id="rId65"/>
+    <p:notesMasterId r:id="rId66"/>
   </p:notesMasterIdLst>
   <p:sldIdLst>
     <p:sldId id="256" r:id="rId2"/>
@@ -47,30 +47,31 @@
     <p:sldId id="321" r:id="rId38"/>
     <p:sldId id="289" r:id="rId39"/>
     <p:sldId id="288" r:id="rId40"/>
-    <p:sldId id="322" r:id="rId41"/>
-    <p:sldId id="320" r:id="rId42"/>
-    <p:sldId id="290" r:id="rId43"/>
-    <p:sldId id="291" r:id="rId44"/>
-    <p:sldId id="292" r:id="rId45"/>
-    <p:sldId id="293" r:id="rId46"/>
-    <p:sldId id="294" r:id="rId47"/>
-    <p:sldId id="295" r:id="rId48"/>
-    <p:sldId id="296" r:id="rId49"/>
-    <p:sldId id="298" r:id="rId50"/>
-    <p:sldId id="299" r:id="rId51"/>
-    <p:sldId id="300" r:id="rId52"/>
-    <p:sldId id="341" r:id="rId53"/>
-    <p:sldId id="303" r:id="rId54"/>
-    <p:sldId id="319" r:id="rId55"/>
-    <p:sldId id="324" r:id="rId56"/>
-    <p:sldId id="328" r:id="rId57"/>
-    <p:sldId id="338" r:id="rId58"/>
-    <p:sldId id="327" r:id="rId59"/>
-    <p:sldId id="304" r:id="rId60"/>
-    <p:sldId id="337" r:id="rId61"/>
-    <p:sldId id="335" r:id="rId62"/>
-    <p:sldId id="326" r:id="rId63"/>
-    <p:sldId id="305" r:id="rId64"/>
+    <p:sldId id="348" r:id="rId41"/>
+    <p:sldId id="322" r:id="rId42"/>
+    <p:sldId id="320" r:id="rId43"/>
+    <p:sldId id="290" r:id="rId44"/>
+    <p:sldId id="291" r:id="rId45"/>
+    <p:sldId id="292" r:id="rId46"/>
+    <p:sldId id="293" r:id="rId47"/>
+    <p:sldId id="294" r:id="rId48"/>
+    <p:sldId id="295" r:id="rId49"/>
+    <p:sldId id="296" r:id="rId50"/>
+    <p:sldId id="298" r:id="rId51"/>
+    <p:sldId id="299" r:id="rId52"/>
+    <p:sldId id="300" r:id="rId53"/>
+    <p:sldId id="341" r:id="rId54"/>
+    <p:sldId id="303" r:id="rId55"/>
+    <p:sldId id="319" r:id="rId56"/>
+    <p:sldId id="324" r:id="rId57"/>
+    <p:sldId id="328" r:id="rId58"/>
+    <p:sldId id="338" r:id="rId59"/>
+    <p:sldId id="327" r:id="rId60"/>
+    <p:sldId id="304" r:id="rId61"/>
+    <p:sldId id="337" r:id="rId62"/>
+    <p:sldId id="335" r:id="rId63"/>
+    <p:sldId id="326" r:id="rId64"/>
+    <p:sldId id="305" r:id="rId65"/>
   </p:sldIdLst>
   <p:sldSz cx="9144000" cy="6858000" type="screen4x3"/>
   <p:notesSz cx="6858000" cy="9144000"/>
@@ -7437,23 +7438,7 @@
             </a:r>
             <a:r>
               <a:rPr lang="zh-TW" altLang="en-US" b="0" dirty="0" smtClean="0"/>
-              <a:t>  </a:t>
-            </a:r>
-            <a:r>
-              <a:rPr lang="zh-TW" altLang="en-US" b="0" dirty="0" smtClean="0"/>
-              <a:t>將定義的解析</a:t>
-            </a:r>
-            <a:r>
-              <a:rPr lang="zh-TW" altLang="en-US" b="0" dirty="0" smtClean="0"/>
-              <a:t>對照表</a:t>
-            </a:r>
-            <a:r>
-              <a:rPr lang="zh-TW" altLang="en-US" b="0" dirty="0" smtClean="0"/>
-              <a:t>存入</a:t>
-            </a:r>
-            <a:r>
-              <a:rPr lang="zh-TW" altLang="en-US" b="0" dirty="0" smtClean="0"/>
-              <a:t>資料庫</a:t>
+              <a:t>  將定義的解析對照表存入資料庫</a:t>
             </a:r>
             <a:r>
               <a:rPr lang="en-US" altLang="zh-TW" b="0" dirty="0" smtClean="0"/>
@@ -7479,11 +7464,6 @@
               </a:rPr>
               <a:t>init</a:t>
             </a:r>
-            <a:endParaRPr lang="en-US" altLang="zh-TW" b="0" dirty="0" smtClean="0">
-              <a:solidFill>
-                <a:srgbClr val="FF0000"/>
-              </a:solidFill>
-            </a:endParaRPr>
           </a:p>
           <a:p>
             <a:r>
@@ -10064,7 +10044,7 @@
       </p:sp>
       <p:pic>
         <p:nvPicPr>
-          <p:cNvPr id="4098" name="Picture 2"/>
+          <p:cNvPr id="1026" name="Picture 2"/>
           <p:cNvPicPr>
             <a:picLocks noChangeAspect="1" noChangeArrowheads="1"/>
           </p:cNvPicPr>
@@ -10079,8 +10059,8 @@
         </p:blipFill>
         <p:spPr bwMode="auto">
           <a:xfrm>
-            <a:off x="556592" y="1023316"/>
-            <a:ext cx="7603279" cy="2077693"/>
+            <a:off x="518700" y="1250468"/>
+            <a:ext cx="7629525" cy="1971675"/>
           </a:xfrm>
           <a:prstGeom prst="rect">
             <a:avLst/>
@@ -10096,7 +10076,7 @@
       </p:pic>
       <p:pic>
         <p:nvPicPr>
-          <p:cNvPr id="4099" name="Picture 3"/>
+          <p:cNvPr id="1027" name="Picture 3"/>
           <p:cNvPicPr>
             <a:picLocks noChangeAspect="1" noChangeArrowheads="1"/>
           </p:cNvPicPr>
@@ -10111,8 +10091,8 @@
         </p:blipFill>
         <p:spPr bwMode="auto">
           <a:xfrm>
-            <a:off x="350770" y="3845201"/>
-            <a:ext cx="4022448" cy="2533650"/>
+            <a:off x="225287" y="3869635"/>
+            <a:ext cx="4200939" cy="2649555"/>
           </a:xfrm>
           <a:prstGeom prst="rect">
             <a:avLst/>
@@ -10128,7 +10108,7 @@
       </p:pic>
       <p:pic>
         <p:nvPicPr>
-          <p:cNvPr id="4100" name="Picture 4"/>
+          <p:cNvPr id="1028" name="Picture 4"/>
           <p:cNvPicPr>
             <a:picLocks noChangeAspect="1" noChangeArrowheads="1"/>
           </p:cNvPicPr>
@@ -10143,8 +10123,8 @@
         </p:blipFill>
         <p:spPr bwMode="auto">
           <a:xfrm>
-            <a:off x="4505740" y="3841887"/>
-            <a:ext cx="4147930" cy="1771650"/>
+            <a:off x="4686300" y="3912083"/>
+            <a:ext cx="4457700" cy="2780265"/>
           </a:xfrm>
           <a:prstGeom prst="rect">
             <a:avLst/>
@@ -18588,6 +18568,514 @@
       </p:grpSpPr>
       <p:sp>
         <p:nvSpPr>
+          <p:cNvPr id="421" name="Shape 421"/>
+          <p:cNvSpPr>
+            <a:spLocks noGrp="1"/>
+          </p:cNvSpPr>
+          <p:nvPr>
+            <p:ph type="title"/>
+          </p:nvPr>
+        </p:nvSpPr>
+        <p:spPr>
+          <a:xfrm>
+            <a:off x="685798" y="101599"/>
+            <a:ext cx="7772404" cy="899915"/>
+          </a:xfrm>
+          <a:prstGeom prst="rect">
+            <a:avLst/>
+          </a:prstGeom>
+        </p:spPr>
+        <p:txBody>
+          <a:bodyPr anchor="ctr"/>
+          <a:lstStyle>
+            <a:lvl1pPr algn="ctr" defTabSz="877822">
+              <a:defRPr b="0" cap="none">
+                <a:solidFill>
+                  <a:srgbClr val="FFFFFF"/>
+                </a:solidFill>
+              </a:defRPr>
+            </a:lvl1pPr>
+          </a:lstStyle>
+          <a:p>
+            <a:r>
+              <a:rPr lang="zh-TW" altLang="en-US" dirty="0" smtClean="0"/>
+              <a:t>操作</a:t>
+            </a:r>
+            <a:r>
+              <a:rPr dirty="0" err="1" smtClean="0"/>
+              <a:t>mongoDB</a:t>
+            </a:r>
+            <a:endParaRPr dirty="0"/>
+          </a:p>
+        </p:txBody>
+      </p:sp>
+      <p:sp>
+        <p:nvSpPr>
+          <p:cNvPr id="422" name="Shape 422"/>
+          <p:cNvSpPr>
+            <a:spLocks noGrp="1"/>
+          </p:cNvSpPr>
+          <p:nvPr>
+            <p:ph type="body" idx="1"/>
+          </p:nvPr>
+        </p:nvSpPr>
+        <p:spPr>
+          <a:xfrm>
+            <a:off x="685798" y="1341708"/>
+            <a:ext cx="7772404" cy="4566498"/>
+          </a:xfrm>
+          <a:prstGeom prst="rect">
+            <a:avLst/>
+          </a:prstGeom>
+        </p:spPr>
+        <p:txBody>
+          <a:bodyPr anchor="t"/>
+          <a:lstStyle/>
+          <a:p>
+            <a:pPr defTabSz="905255">
+              <a:lnSpc>
+                <a:spcPct val="115000"/>
+              </a:lnSpc>
+              <a:spcBef>
+                <a:spcPts val="1500"/>
+              </a:spcBef>
+              <a:defRPr sz="1900" b="0">
+                <a:solidFill>
+                  <a:srgbClr val="585858"/>
+                </a:solidFill>
+                <a:latin typeface="Arial"/>
+                <a:ea typeface="Arial"/>
+                <a:cs typeface="Arial"/>
+                <a:sym typeface="Arial"/>
+              </a:defRPr>
+            </a:pPr>
+            <a:r>
+              <a:rPr lang="en-US" altLang="zh-TW" sz="2800" dirty="0" smtClean="0"/>
+              <a:t>&gt;mongo      </a:t>
+            </a:r>
+            <a:r>
+              <a:rPr lang="en-US" altLang="zh-TW" sz="2800" dirty="0" smtClean="0">
+                <a:solidFill>
+                  <a:srgbClr val="16BF09"/>
+                </a:solidFill>
+              </a:rPr>
+              <a:t>//</a:t>
+            </a:r>
+            <a:r>
+              <a:rPr lang="zh-TW" altLang="en-US" sz="2800" dirty="0" smtClean="0">
+                <a:solidFill>
+                  <a:srgbClr val="16BF09"/>
+                </a:solidFill>
+              </a:rPr>
+              <a:t>連接</a:t>
+            </a:r>
+            <a:r>
+              <a:rPr lang="en-US" altLang="zh-TW" sz="2800" dirty="0" err="1" smtClean="0">
+                <a:solidFill>
+                  <a:srgbClr val="16BF09"/>
+                </a:solidFill>
+              </a:rPr>
+              <a:t>mongoDB</a:t>
+            </a:r>
+            <a:r>
+              <a:rPr lang="zh-TW" altLang="en-US" sz="2800" dirty="0" smtClean="0">
+                <a:solidFill>
+                  <a:srgbClr val="16BF09"/>
+                </a:solidFill>
+              </a:rPr>
+              <a:t>服務</a:t>
+            </a:r>
+            <a:endParaRPr lang="en-US" altLang="zh-TW" sz="2800" dirty="0" smtClean="0">
+              <a:solidFill>
+                <a:srgbClr val="16BF09"/>
+              </a:solidFill>
+            </a:endParaRPr>
+          </a:p>
+          <a:p>
+            <a:pPr defTabSz="905255">
+              <a:lnSpc>
+                <a:spcPct val="115000"/>
+              </a:lnSpc>
+              <a:spcBef>
+                <a:spcPts val="1500"/>
+              </a:spcBef>
+              <a:defRPr sz="1900" b="0">
+                <a:solidFill>
+                  <a:srgbClr val="585858"/>
+                </a:solidFill>
+                <a:latin typeface="Arial"/>
+                <a:ea typeface="Arial"/>
+                <a:cs typeface="Arial"/>
+                <a:sym typeface="Arial"/>
+              </a:defRPr>
+            </a:pPr>
+            <a:r>
+              <a:rPr lang="en-US" sz="2800" dirty="0" smtClean="0"/>
+              <a:t>&gt;show </a:t>
+            </a:r>
+            <a:r>
+              <a:rPr lang="en-US" sz="2800" dirty="0" err="1" smtClean="0"/>
+              <a:t>dbs</a:t>
+            </a:r>
+            <a:r>
+              <a:rPr lang="zh-TW" altLang="en-US" sz="2800" dirty="0" smtClean="0"/>
+              <a:t>  </a:t>
+            </a:r>
+            <a:r>
+              <a:rPr lang="en-US" altLang="zh-TW" sz="2800" dirty="0" smtClean="0">
+                <a:solidFill>
+                  <a:srgbClr val="16BF09"/>
+                </a:solidFill>
+              </a:rPr>
+              <a:t>//</a:t>
+            </a:r>
+            <a:r>
+              <a:rPr lang="zh-TW" altLang="en-US" sz="2800" dirty="0" smtClean="0">
+                <a:solidFill>
+                  <a:srgbClr val="16BF09"/>
+                </a:solidFill>
+              </a:rPr>
+              <a:t>查看所有資料庫</a:t>
+            </a:r>
+            <a:endParaRPr lang="en-US" sz="2800" dirty="0" smtClean="0">
+              <a:solidFill>
+                <a:srgbClr val="16BF09"/>
+              </a:solidFill>
+            </a:endParaRPr>
+          </a:p>
+          <a:p>
+            <a:pPr defTabSz="905255">
+              <a:lnSpc>
+                <a:spcPct val="115000"/>
+              </a:lnSpc>
+              <a:spcBef>
+                <a:spcPts val="1500"/>
+              </a:spcBef>
+              <a:defRPr sz="1900" b="0">
+                <a:solidFill>
+                  <a:srgbClr val="585858"/>
+                </a:solidFill>
+                <a:latin typeface="Arial"/>
+                <a:ea typeface="Arial"/>
+                <a:cs typeface="Arial"/>
+                <a:sym typeface="Arial"/>
+              </a:defRPr>
+            </a:pPr>
+            <a:r>
+              <a:rPr lang="en-US" sz="2800" dirty="0" smtClean="0"/>
+              <a:t>&gt;use node</a:t>
+            </a:r>
+            <a:r>
+              <a:rPr lang="zh-TW" altLang="en-US" sz="2800" dirty="0" smtClean="0"/>
+              <a:t>  </a:t>
+            </a:r>
+            <a:r>
+              <a:rPr lang="en-US" altLang="zh-TW" sz="2800" dirty="0" smtClean="0">
+                <a:solidFill>
+                  <a:srgbClr val="16BF09"/>
+                </a:solidFill>
+              </a:rPr>
+              <a:t>//</a:t>
+            </a:r>
+            <a:r>
+              <a:rPr lang="zh-TW" altLang="en-US" sz="2800" dirty="0" smtClean="0">
+                <a:solidFill>
+                  <a:srgbClr val="16BF09"/>
+                </a:solidFill>
+              </a:rPr>
+              <a:t>切換到</a:t>
+            </a:r>
+            <a:r>
+              <a:rPr lang="en-US" altLang="zh-TW" sz="2800" dirty="0" smtClean="0">
+                <a:solidFill>
+                  <a:srgbClr val="16BF09"/>
+                </a:solidFill>
+              </a:rPr>
+              <a:t>node</a:t>
+            </a:r>
+            <a:r>
+              <a:rPr lang="zh-TW" altLang="en-US" sz="2800" dirty="0" smtClean="0">
+                <a:solidFill>
+                  <a:srgbClr val="16BF09"/>
+                </a:solidFill>
+              </a:rPr>
+              <a:t>資料庫</a:t>
+            </a:r>
+            <a:endParaRPr lang="en-US" sz="2800" dirty="0" smtClean="0">
+              <a:solidFill>
+                <a:srgbClr val="16BF09"/>
+              </a:solidFill>
+            </a:endParaRPr>
+          </a:p>
+          <a:p>
+            <a:pPr defTabSz="905255">
+              <a:lnSpc>
+                <a:spcPct val="115000"/>
+              </a:lnSpc>
+              <a:spcBef>
+                <a:spcPts val="1500"/>
+              </a:spcBef>
+              <a:defRPr sz="1900" b="0">
+                <a:solidFill>
+                  <a:srgbClr val="585858"/>
+                </a:solidFill>
+                <a:latin typeface="Arial"/>
+                <a:ea typeface="Arial"/>
+                <a:cs typeface="Arial"/>
+                <a:sym typeface="Arial"/>
+              </a:defRPr>
+            </a:pPr>
+            <a:r>
+              <a:rPr lang="en-US" sz="2800" dirty="0" smtClean="0"/>
+              <a:t>&gt;show collections</a:t>
+            </a:r>
+            <a:r>
+              <a:rPr lang="zh-TW" altLang="en-US" sz="2800" dirty="0" smtClean="0"/>
+              <a:t> </a:t>
+            </a:r>
+            <a:r>
+              <a:rPr lang="en-US" altLang="zh-TW" sz="2800" dirty="0" smtClean="0">
+                <a:solidFill>
+                  <a:srgbClr val="16BF09"/>
+                </a:solidFill>
+              </a:rPr>
+              <a:t>//</a:t>
+            </a:r>
+            <a:r>
+              <a:rPr lang="zh-TW" altLang="en-US" sz="2800" dirty="0" smtClean="0">
+                <a:solidFill>
+                  <a:srgbClr val="16BF09"/>
+                </a:solidFill>
+              </a:rPr>
+              <a:t>查看所有集合</a:t>
+            </a:r>
+            <a:endParaRPr lang="en-US" altLang="zh-TW" sz="2800" dirty="0" smtClean="0">
+              <a:solidFill>
+                <a:srgbClr val="16BF09"/>
+              </a:solidFill>
+            </a:endParaRPr>
+          </a:p>
+          <a:p>
+            <a:pPr defTabSz="905255">
+              <a:lnSpc>
+                <a:spcPct val="115000"/>
+              </a:lnSpc>
+              <a:spcBef>
+                <a:spcPts val="1500"/>
+              </a:spcBef>
+              <a:defRPr sz="1900" b="0">
+                <a:solidFill>
+                  <a:srgbClr val="585858"/>
+                </a:solidFill>
+                <a:latin typeface="Arial"/>
+                <a:ea typeface="Arial"/>
+                <a:cs typeface="Arial"/>
+                <a:sym typeface="Arial"/>
+              </a:defRPr>
+            </a:pPr>
+            <a:r>
+              <a:rPr lang="en-US" altLang="zh-TW" sz="2800" dirty="0" smtClean="0">
+                <a:solidFill>
+                  <a:schemeClr val="tx1"/>
+                </a:solidFill>
+              </a:rPr>
+              <a:t>&gt;</a:t>
+            </a:r>
+            <a:r>
+              <a:rPr lang="en-US" altLang="zh-TW" sz="2800" dirty="0" err="1" smtClean="0">
+                <a:solidFill>
+                  <a:schemeClr val="tx1"/>
+                </a:solidFill>
+              </a:rPr>
+              <a:t>db.maps.find</a:t>
+            </a:r>
+            <a:r>
+              <a:rPr lang="en-US" altLang="zh-TW" sz="2800" dirty="0" smtClean="0">
+                <a:solidFill>
+                  <a:schemeClr val="tx1"/>
+                </a:solidFill>
+              </a:rPr>
+              <a:t>()  </a:t>
+            </a:r>
+            <a:r>
+              <a:rPr lang="en-US" altLang="zh-TW" sz="2800" dirty="0" smtClean="0">
+                <a:solidFill>
+                  <a:srgbClr val="16BF09"/>
+                </a:solidFill>
+              </a:rPr>
+              <a:t>//</a:t>
+            </a:r>
+            <a:r>
+              <a:rPr lang="zh-TW" altLang="en-US" sz="2800" dirty="0" smtClean="0">
+                <a:solidFill>
+                  <a:srgbClr val="16BF09"/>
+                </a:solidFill>
+              </a:rPr>
+              <a:t>查看</a:t>
+            </a:r>
+            <a:r>
+              <a:rPr lang="en-US" altLang="zh-TW" sz="2800" dirty="0" smtClean="0">
+                <a:solidFill>
+                  <a:srgbClr val="16BF09"/>
+                </a:solidFill>
+              </a:rPr>
+              <a:t>maps</a:t>
+            </a:r>
+            <a:r>
+              <a:rPr lang="zh-TW" altLang="en-US" sz="2800" dirty="0" smtClean="0">
+                <a:solidFill>
+                  <a:srgbClr val="16BF09"/>
+                </a:solidFill>
+              </a:rPr>
+              <a:t>集合文檔</a:t>
+            </a:r>
+            <a:endParaRPr lang="en-US" altLang="zh-TW" sz="2800" dirty="0" smtClean="0">
+              <a:solidFill>
+                <a:srgbClr val="16BF09"/>
+              </a:solidFill>
+            </a:endParaRPr>
+          </a:p>
+          <a:p>
+            <a:pPr defTabSz="905255">
+              <a:lnSpc>
+                <a:spcPct val="115000"/>
+              </a:lnSpc>
+              <a:spcBef>
+                <a:spcPts val="1500"/>
+              </a:spcBef>
+              <a:defRPr sz="1900" b="0">
+                <a:solidFill>
+                  <a:srgbClr val="585858"/>
+                </a:solidFill>
+                <a:latin typeface="Arial"/>
+                <a:ea typeface="Arial"/>
+                <a:cs typeface="Arial"/>
+                <a:sym typeface="Arial"/>
+              </a:defRPr>
+            </a:pPr>
+            <a:r>
+              <a:rPr lang="en-US" altLang="zh-TW" sz="2800" dirty="0" smtClean="0">
+                <a:solidFill>
+                  <a:schemeClr val="bg2"/>
+                </a:solidFill>
+              </a:rPr>
+              <a:t>&gt;</a:t>
+            </a:r>
+            <a:r>
+              <a:rPr lang="en-US" altLang="zh-TW" sz="2800" dirty="0" err="1" smtClean="0">
+                <a:solidFill>
+                  <a:schemeClr val="bg2"/>
+                </a:solidFill>
+              </a:rPr>
+              <a:t>db.maps.drop</a:t>
+            </a:r>
+            <a:r>
+              <a:rPr lang="en-US" altLang="zh-TW" sz="2800" dirty="0" smtClean="0">
+                <a:solidFill>
+                  <a:schemeClr val="bg2"/>
+                </a:solidFill>
+              </a:rPr>
+              <a:t>() </a:t>
+            </a:r>
+            <a:r>
+              <a:rPr lang="en-US" altLang="zh-TW" sz="2800" dirty="0" smtClean="0">
+                <a:solidFill>
+                  <a:srgbClr val="16BF09"/>
+                </a:solidFill>
+              </a:rPr>
+              <a:t>//</a:t>
+            </a:r>
+            <a:r>
+              <a:rPr lang="zh-TW" altLang="en-US" sz="2800" dirty="0" smtClean="0">
+                <a:solidFill>
+                  <a:srgbClr val="16BF09"/>
+                </a:solidFill>
+              </a:rPr>
+              <a:t>刪除</a:t>
+            </a:r>
+            <a:r>
+              <a:rPr lang="en-US" altLang="zh-TW" sz="2800" dirty="0" smtClean="0">
+                <a:solidFill>
+                  <a:srgbClr val="16BF09"/>
+                </a:solidFill>
+              </a:rPr>
+              <a:t>maps</a:t>
+            </a:r>
+            <a:r>
+              <a:rPr lang="zh-TW" altLang="en-US" sz="2800" dirty="0" smtClean="0">
+                <a:solidFill>
+                  <a:srgbClr val="16BF09"/>
+                </a:solidFill>
+              </a:rPr>
+              <a:t>集合</a:t>
+            </a:r>
+            <a:endParaRPr lang="en-US" altLang="zh-TW" sz="2800" dirty="0" smtClean="0">
+              <a:solidFill>
+                <a:srgbClr val="16BF09"/>
+              </a:solidFill>
+            </a:endParaRPr>
+          </a:p>
+          <a:p>
+            <a:pPr defTabSz="905255">
+              <a:lnSpc>
+                <a:spcPct val="115000"/>
+              </a:lnSpc>
+              <a:spcBef>
+                <a:spcPts val="1500"/>
+              </a:spcBef>
+              <a:defRPr sz="1900" b="0">
+                <a:solidFill>
+                  <a:srgbClr val="585858"/>
+                </a:solidFill>
+                <a:latin typeface="Arial"/>
+                <a:ea typeface="Arial"/>
+                <a:cs typeface="Arial"/>
+                <a:sym typeface="Arial"/>
+              </a:defRPr>
+            </a:pPr>
+            <a:endParaRPr dirty="0">
+              <a:solidFill>
+                <a:schemeClr val="tx1"/>
+              </a:solidFill>
+            </a:endParaRPr>
+          </a:p>
+        </p:txBody>
+      </p:sp>
+    </p:spTree>
+  </p:cSld>
+  <p:clrMapOvr>
+    <a:masterClrMapping/>
+  </p:clrMapOvr>
+  <p:transition spd="slow"/>
+  <p:timing>
+    <p:tnLst>
+      <p:par>
+        <p:cTn id="1" dur="indefinite" restart="never" nodeType="tmRoot"/>
+      </p:par>
+    </p:tnLst>
+  </p:timing>
+</p:sld>
+</file>
+
+<file path=ppt/slides/slide41.xml><?xml version="1.0" encoding="utf-8"?>
+<p:sld xmlns:a="http://schemas.openxmlformats.org/drawingml/2006/main" xmlns:r="http://schemas.openxmlformats.org/officeDocument/2006/relationships" xmlns:p="http://schemas.openxmlformats.org/presentationml/2006/main">
+  <p:cSld>
+    <p:spTree>
+      <p:nvGrpSpPr>
+        <p:cNvPr id="1" name=""/>
+        <p:cNvGrpSpPr/>
+        <p:nvPr/>
+      </p:nvGrpSpPr>
+      <p:grpSpPr>
+        <a:xfrm>
+          <a:off x="0" y="0"/>
+          <a:ext cx="0" cy="0"/>
+          <a:chOff x="0" y="0"/>
+          <a:chExt cx="0" cy="0"/>
+        </a:xfrm>
+      </p:grpSpPr>
+      <p:sp>
+        <p:nvSpPr>
           <p:cNvPr id="428" name="Shape 428"/>
           <p:cNvSpPr>
             <a:spLocks noGrp="1"/>
@@ -18839,7 +19327,7 @@
 </p:sld>
 </file>
 
-<file path=ppt/slides/slide41.xml><?xml version="1.0" encoding="utf-8"?>
+<file path=ppt/slides/slide42.xml><?xml version="1.0" encoding="utf-8"?>
 <p:sld xmlns:a="http://schemas.openxmlformats.org/drawingml/2006/main" xmlns:r="http://schemas.openxmlformats.org/officeDocument/2006/relationships" xmlns:p="http://schemas.openxmlformats.org/presentationml/2006/main">
   <p:cSld>
     <p:spTree>
@@ -18986,7 +19474,7 @@
 </p:sld>
 </file>
 
-<file path=ppt/slides/slide42.xml><?xml version="1.0" encoding="utf-8"?>
+<file path=ppt/slides/slide43.xml><?xml version="1.0" encoding="utf-8"?>
 <p:sld xmlns:a="http://schemas.openxmlformats.org/drawingml/2006/main" xmlns:r="http://schemas.openxmlformats.org/officeDocument/2006/relationships" xmlns:p="http://schemas.openxmlformats.org/presentationml/2006/main">
   <p:cSld>
     <p:spTree>
@@ -19224,7 +19712,7 @@
 </p:sld>
 </file>
 
-<file path=ppt/slides/slide43.xml><?xml version="1.0" encoding="utf-8"?>
+<file path=ppt/slides/slide44.xml><?xml version="1.0" encoding="utf-8"?>
 <p:sld xmlns:a="http://schemas.openxmlformats.org/drawingml/2006/main" xmlns:r="http://schemas.openxmlformats.org/officeDocument/2006/relationships" xmlns:p="http://schemas.openxmlformats.org/presentationml/2006/main">
   <p:cSld>
     <p:spTree>
@@ -19463,7 +19951,7 @@
 </p:sld>
 </file>
 
-<file path=ppt/slides/slide44.xml><?xml version="1.0" encoding="utf-8"?>
+<file path=ppt/slides/slide45.xml><?xml version="1.0" encoding="utf-8"?>
 <p:sld xmlns:a="http://schemas.openxmlformats.org/drawingml/2006/main" xmlns:r="http://schemas.openxmlformats.org/officeDocument/2006/relationships" xmlns:p="http://schemas.openxmlformats.org/presentationml/2006/main">
   <p:cSld>
     <p:spTree>
@@ -20090,7 +20578,7 @@
 </p:sld>
 </file>
 
-<file path=ppt/slides/slide45.xml><?xml version="1.0" encoding="utf-8"?>
+<file path=ppt/slides/slide46.xml><?xml version="1.0" encoding="utf-8"?>
 <p:sld xmlns:a="http://schemas.openxmlformats.org/drawingml/2006/main" xmlns:r="http://schemas.openxmlformats.org/officeDocument/2006/relationships" xmlns:p="http://schemas.openxmlformats.org/presentationml/2006/main">
   <p:cSld>
     <p:spTree>
@@ -20260,7 +20748,7 @@
 </p:sld>
 </file>
 
-<file path=ppt/slides/slide46.xml><?xml version="1.0" encoding="utf-8"?>
+<file path=ppt/slides/slide47.xml><?xml version="1.0" encoding="utf-8"?>
 <p:sld xmlns:a="http://schemas.openxmlformats.org/drawingml/2006/main" xmlns:r="http://schemas.openxmlformats.org/officeDocument/2006/relationships" xmlns:p="http://schemas.openxmlformats.org/presentationml/2006/main">
   <p:cSld>
     <p:spTree>
@@ -20560,7 +21048,7 @@
 </p:sld>
 </file>
 
-<file path=ppt/slides/slide47.xml><?xml version="1.0" encoding="utf-8"?>
+<file path=ppt/slides/slide48.xml><?xml version="1.0" encoding="utf-8"?>
 <p:sld xmlns:a="http://schemas.openxmlformats.org/drawingml/2006/main" xmlns:r="http://schemas.openxmlformats.org/officeDocument/2006/relationships" xmlns:p="http://schemas.openxmlformats.org/presentationml/2006/main">
   <p:cSld>
     <p:spTree>
@@ -21002,7 +21490,7 @@
 </p:sld>
 </file>
 
-<file path=ppt/slides/slide48.xml><?xml version="1.0" encoding="utf-8"?>
+<file path=ppt/slides/slide49.xml><?xml version="1.0" encoding="utf-8"?>
 <p:sld xmlns:a="http://schemas.openxmlformats.org/drawingml/2006/main" xmlns:r="http://schemas.openxmlformats.org/officeDocument/2006/relationships" xmlns:p="http://schemas.openxmlformats.org/presentationml/2006/main">
   <p:cSld>
     <p:spTree>
@@ -21322,7 +21810,298 @@
 </p:sld>
 </file>
 
-<file path=ppt/slides/slide49.xml><?xml version="1.0" encoding="utf-8"?>
+<file path=ppt/slides/slide5.xml><?xml version="1.0" encoding="utf-8"?>
+<p:sld xmlns:a="http://schemas.openxmlformats.org/drawingml/2006/main" xmlns:r="http://schemas.openxmlformats.org/officeDocument/2006/relationships" xmlns:p="http://schemas.openxmlformats.org/presentationml/2006/main">
+  <p:cSld>
+    <p:spTree>
+      <p:nvGrpSpPr>
+        <p:cNvPr id="1" name=""/>
+        <p:cNvGrpSpPr/>
+        <p:nvPr/>
+      </p:nvGrpSpPr>
+      <p:grpSpPr>
+        <a:xfrm>
+          <a:off x="0" y="0"/>
+          <a:ext cx="0" cy="0"/>
+          <a:chOff x="0" y="0"/>
+          <a:chExt cx="0" cy="0"/>
+        </a:xfrm>
+      </p:grpSpPr>
+      <p:sp>
+        <p:nvSpPr>
+          <p:cNvPr id="339" name="Shape 339"/>
+          <p:cNvSpPr>
+            <a:spLocks noGrp="1"/>
+          </p:cNvSpPr>
+          <p:nvPr>
+            <p:ph type="title"/>
+          </p:nvPr>
+        </p:nvSpPr>
+        <p:spPr>
+          <a:xfrm>
+            <a:off x="685798" y="139700"/>
+            <a:ext cx="7772404" cy="899915"/>
+          </a:xfrm>
+          <a:prstGeom prst="rect">
+            <a:avLst/>
+          </a:prstGeom>
+        </p:spPr>
+        <p:txBody>
+          <a:bodyPr anchor="ctr"/>
+          <a:lstStyle>
+            <a:lvl1pPr algn="ctr" defTabSz="877822">
+              <a:defRPr b="0" cap="none">
+                <a:solidFill>
+                  <a:srgbClr val="FFFFFF"/>
+                </a:solidFill>
+              </a:defRPr>
+            </a:lvl1pPr>
+          </a:lstStyle>
+          <a:p>
+            <a:r>
+              <a:rPr lang="zh-TW" altLang="en-US" dirty="0" smtClean="0"/>
+              <a:t>基本網頁</a:t>
+            </a:r>
+            <a:endParaRPr dirty="0"/>
+          </a:p>
+        </p:txBody>
+      </p:sp>
+      <p:sp>
+        <p:nvSpPr>
+          <p:cNvPr id="340" name="Shape 340"/>
+          <p:cNvSpPr>
+            <a:spLocks noGrp="1"/>
+          </p:cNvSpPr>
+          <p:nvPr>
+            <p:ph type="body" idx="1"/>
+          </p:nvPr>
+        </p:nvSpPr>
+        <p:spPr>
+          <a:xfrm>
+            <a:off x="531812" y="1007165"/>
+            <a:ext cx="7772401" cy="5063189"/>
+          </a:xfrm>
+          <a:prstGeom prst="rect">
+            <a:avLst/>
+          </a:prstGeom>
+        </p:spPr>
+        <p:txBody>
+          <a:bodyPr anchor="t">
+            <a:normAutofit/>
+          </a:bodyPr>
+          <a:lstStyle/>
+          <a:p>
+            <a:r>
+              <a:rPr lang="en-US" altLang="zh-TW" sz="1600" b="0" dirty="0" smtClean="0"/>
+              <a:t>&lt;html&gt;</a:t>
+            </a:r>
+          </a:p>
+          <a:p>
+            <a:r>
+              <a:rPr lang="zh-TW" altLang="en-US" sz="1600" b="0" dirty="0" smtClean="0"/>
+              <a:t>　</a:t>
+            </a:r>
+            <a:r>
+              <a:rPr lang="en-US" altLang="zh-TW" sz="1600" b="0" dirty="0" smtClean="0"/>
+              <a:t>&lt;head&gt;</a:t>
+            </a:r>
+          </a:p>
+          <a:p>
+            <a:r>
+              <a:rPr lang="zh-TW" altLang="en-US" sz="1600" b="0" dirty="0" smtClean="0"/>
+              <a:t>　</a:t>
+            </a:r>
+            <a:r>
+              <a:rPr lang="en-US" altLang="zh-TW" sz="1600" b="0" dirty="0" smtClean="0"/>
+              <a:t>&lt;title&gt;</a:t>
+            </a:r>
+            <a:r>
+              <a:rPr lang="zh-TW" altLang="en-US" sz="1600" b="0" dirty="0" smtClean="0"/>
+              <a:t>我的第一個網頁</a:t>
+            </a:r>
+            <a:r>
+              <a:rPr lang="en-US" altLang="zh-TW" sz="1600" b="0" dirty="0" smtClean="0"/>
+              <a:t>&lt;/title&gt; </a:t>
+            </a:r>
+          </a:p>
+          <a:p>
+            <a:r>
+              <a:rPr lang="zh-TW" altLang="en-US" sz="1600" b="0" dirty="0" smtClean="0"/>
+              <a:t>　</a:t>
+            </a:r>
+            <a:r>
+              <a:rPr lang="en-US" altLang="zh-TW" sz="1600" b="0" dirty="0" smtClean="0"/>
+              <a:t>&lt;/head&gt;</a:t>
+            </a:r>
+          </a:p>
+          <a:p>
+            <a:r>
+              <a:rPr lang="zh-TW" altLang="en-US" sz="1600" b="0" dirty="0" smtClean="0"/>
+              <a:t>　</a:t>
+            </a:r>
+            <a:r>
+              <a:rPr lang="en-US" altLang="zh-TW" sz="1600" b="0" dirty="0" smtClean="0"/>
+              <a:t>&lt;body&gt;</a:t>
+            </a:r>
+          </a:p>
+          <a:p>
+            <a:r>
+              <a:rPr lang="zh-TW" altLang="en-US" sz="1600" b="0" dirty="0" smtClean="0"/>
+              <a:t>                </a:t>
+            </a:r>
+            <a:r>
+              <a:rPr lang="en-US" altLang="zh-TW" sz="1600" b="0" dirty="0" smtClean="0"/>
+              <a:t>&lt;h1&gt;</a:t>
+            </a:r>
+            <a:r>
+              <a:rPr lang="zh-TW" altLang="en-US" sz="1600" b="0" dirty="0" smtClean="0"/>
+              <a:t>歡迎光臨</a:t>
+            </a:r>
+            <a:r>
+              <a:rPr lang="en-US" altLang="zh-TW" sz="1600" b="0" dirty="0" smtClean="0"/>
+              <a:t>&lt;/h1&gt;</a:t>
+            </a:r>
+          </a:p>
+          <a:p>
+            <a:r>
+              <a:rPr lang="zh-TW" altLang="en-US" sz="1600" b="0" dirty="0" smtClean="0"/>
+              <a:t>               </a:t>
+            </a:r>
+            <a:r>
+              <a:rPr lang="en-US" altLang="zh-TW" sz="1600" b="0" dirty="0" smtClean="0"/>
+              <a:t>&lt;p id="demo"&gt;&lt;/p&gt;</a:t>
+            </a:r>
+          </a:p>
+          <a:p>
+            <a:r>
+              <a:rPr lang="zh-TW" altLang="en-US" sz="1600" b="0" dirty="0" smtClean="0"/>
+              <a:t>    </a:t>
+            </a:r>
+            <a:r>
+              <a:rPr lang="en-US" altLang="zh-TW" sz="1600" b="0" dirty="0" smtClean="0"/>
+              <a:t>&lt;/body&gt; </a:t>
+            </a:r>
+          </a:p>
+          <a:p>
+            <a:r>
+              <a:rPr lang="en-US" altLang="zh-TW" sz="1600" b="0" dirty="0" smtClean="0"/>
+              <a:t>&lt;/html&gt;</a:t>
+            </a:r>
+          </a:p>
+          <a:p>
+            <a:endParaRPr lang="en-US" altLang="zh-TW" sz="1600" b="0" dirty="0" smtClean="0"/>
+          </a:p>
+          <a:p>
+            <a:r>
+              <a:rPr lang="en-US" altLang="zh-TW" sz="1600" dirty="0" smtClean="0">
+                <a:hlinkClick r:id="rId2" tooltip="CSS: CSS (Cascading Style Sheets) is a declarative language that controls how webpages look in the browser."/>
+              </a:rPr>
+              <a:t>CSS</a:t>
+            </a:r>
+            <a:r>
+              <a:rPr lang="zh-TW" altLang="en-US" sz="1600" b="0" dirty="0" smtClean="0"/>
+              <a:t> </a:t>
+            </a:r>
+            <a:r>
+              <a:rPr lang="en-US" altLang="zh-TW" sz="1600" b="0" dirty="0" smtClean="0"/>
+              <a:t>(</a:t>
+            </a:r>
+            <a:r>
+              <a:rPr lang="zh-TW" altLang="en-US" sz="1600" b="0" dirty="0" smtClean="0"/>
+              <a:t>階層式樣式表</a:t>
+            </a:r>
+            <a:r>
+              <a:rPr lang="en-US" altLang="zh-TW" sz="1600" b="0" dirty="0" smtClean="0"/>
+              <a:t>) </a:t>
+            </a:r>
+            <a:r>
+              <a:rPr lang="zh-TW" altLang="en-US" sz="1600" b="0" dirty="0" smtClean="0"/>
+              <a:t>是一種指定文檔如何呈現給使用者的語言</a:t>
+            </a:r>
+            <a:r>
+              <a:rPr lang="en-US" altLang="zh-TW" sz="1600" b="0" dirty="0" smtClean="0"/>
+              <a:t>——</a:t>
+            </a:r>
+            <a:r>
+              <a:rPr lang="zh-TW" altLang="en-US" sz="1600" b="0" dirty="0" smtClean="0"/>
+              <a:t>它們如何地被樣式化，佈局，等等。。</a:t>
+            </a:r>
+            <a:endParaRPr lang="en-US" altLang="zh-TW" sz="1600" b="0" dirty="0" smtClean="0"/>
+          </a:p>
+          <a:p>
+            <a:endParaRPr lang="en-US" altLang="zh-TW" sz="1600" b="0" dirty="0" smtClean="0"/>
+          </a:p>
+          <a:p>
+            <a:r>
+              <a:rPr lang="en-US" altLang="zh-TW" sz="1600" b="0" dirty="0" smtClean="0"/>
+              <a:t>JavaScript </a:t>
+            </a:r>
+            <a:r>
+              <a:rPr lang="zh-TW" altLang="en-US" sz="1600" b="0" dirty="0" smtClean="0"/>
+              <a:t>是屬於網路的腳本語言！</a:t>
+            </a:r>
+          </a:p>
+          <a:p>
+            <a:endParaRPr lang="zh-TW" altLang="en-US" sz="1600" b="0" dirty="0" smtClean="0"/>
+          </a:p>
+          <a:p>
+            <a:r>
+              <a:rPr lang="en-US" altLang="zh-TW" sz="1600" b="0" dirty="0" smtClean="0"/>
+              <a:t>JavaScript </a:t>
+            </a:r>
+            <a:r>
+              <a:rPr lang="zh-TW" altLang="en-US" sz="1600" b="0" dirty="0" smtClean="0"/>
+              <a:t>被數百萬計的網頁用來改進設計、驗證表單、檢測瀏覽器、創建</a:t>
+            </a:r>
+            <a:r>
+              <a:rPr lang="en-US" altLang="zh-TW" sz="1600" b="0" dirty="0" smtClean="0"/>
+              <a:t>cookies</a:t>
+            </a:r>
+            <a:r>
+              <a:rPr lang="zh-TW" altLang="en-US" sz="1600" b="0" dirty="0" smtClean="0"/>
+              <a:t>，以及更多的應用。</a:t>
+            </a:r>
+            <a:endParaRPr lang="en-US" altLang="zh-TW" sz="1600" b="0" dirty="0" smtClean="0"/>
+          </a:p>
+          <a:p>
+            <a:pPr>
+              <a:lnSpc>
+                <a:spcPct val="115000"/>
+              </a:lnSpc>
+              <a:spcBef>
+                <a:spcPts val="1600"/>
+              </a:spcBef>
+              <a:defRPr sz="3300" b="0">
+                <a:solidFill>
+                  <a:srgbClr val="585858"/>
+                </a:solidFill>
+                <a:latin typeface="Arial"/>
+                <a:ea typeface="Arial"/>
+                <a:cs typeface="Arial"/>
+                <a:sym typeface="Arial"/>
+              </a:defRPr>
+            </a:pPr>
+            <a:endParaRPr dirty="0"/>
+          </a:p>
+        </p:txBody>
+      </p:sp>
+    </p:spTree>
+  </p:cSld>
+  <p:clrMapOvr>
+    <a:masterClrMapping/>
+  </p:clrMapOvr>
+  <p:transition spd="slow"/>
+  <p:timing>
+    <p:tnLst>
+      <p:par>
+        <p:cTn id="1" dur="indefinite" restart="never" nodeType="tmRoot"/>
+      </p:par>
+    </p:tnLst>
+  </p:timing>
+</p:sld>
+</file>
+
+<file path=ppt/slides/slide50.xml><?xml version="1.0" encoding="utf-8"?>
 <p:sld xmlns:a="http://schemas.openxmlformats.org/drawingml/2006/main" xmlns:r="http://schemas.openxmlformats.org/officeDocument/2006/relationships" xmlns:p="http://schemas.openxmlformats.org/presentationml/2006/main">
   <p:cSld>
     <p:spTree>
@@ -21535,298 +22314,7 @@
 </p:sld>
 </file>
 
-<file path=ppt/slides/slide5.xml><?xml version="1.0" encoding="utf-8"?>
-<p:sld xmlns:a="http://schemas.openxmlformats.org/drawingml/2006/main" xmlns:r="http://schemas.openxmlformats.org/officeDocument/2006/relationships" xmlns:p="http://schemas.openxmlformats.org/presentationml/2006/main">
-  <p:cSld>
-    <p:spTree>
-      <p:nvGrpSpPr>
-        <p:cNvPr id="1" name=""/>
-        <p:cNvGrpSpPr/>
-        <p:nvPr/>
-      </p:nvGrpSpPr>
-      <p:grpSpPr>
-        <a:xfrm>
-          <a:off x="0" y="0"/>
-          <a:ext cx="0" cy="0"/>
-          <a:chOff x="0" y="0"/>
-          <a:chExt cx="0" cy="0"/>
-        </a:xfrm>
-      </p:grpSpPr>
-      <p:sp>
-        <p:nvSpPr>
-          <p:cNvPr id="339" name="Shape 339"/>
-          <p:cNvSpPr>
-            <a:spLocks noGrp="1"/>
-          </p:cNvSpPr>
-          <p:nvPr>
-            <p:ph type="title"/>
-          </p:nvPr>
-        </p:nvSpPr>
-        <p:spPr>
-          <a:xfrm>
-            <a:off x="685798" y="139700"/>
-            <a:ext cx="7772404" cy="899915"/>
-          </a:xfrm>
-          <a:prstGeom prst="rect">
-            <a:avLst/>
-          </a:prstGeom>
-        </p:spPr>
-        <p:txBody>
-          <a:bodyPr anchor="ctr"/>
-          <a:lstStyle>
-            <a:lvl1pPr algn="ctr" defTabSz="877822">
-              <a:defRPr b="0" cap="none">
-                <a:solidFill>
-                  <a:srgbClr val="FFFFFF"/>
-                </a:solidFill>
-              </a:defRPr>
-            </a:lvl1pPr>
-          </a:lstStyle>
-          <a:p>
-            <a:r>
-              <a:rPr lang="zh-TW" altLang="en-US" dirty="0" smtClean="0"/>
-              <a:t>基本網頁</a:t>
-            </a:r>
-            <a:endParaRPr dirty="0"/>
-          </a:p>
-        </p:txBody>
-      </p:sp>
-      <p:sp>
-        <p:nvSpPr>
-          <p:cNvPr id="340" name="Shape 340"/>
-          <p:cNvSpPr>
-            <a:spLocks noGrp="1"/>
-          </p:cNvSpPr>
-          <p:nvPr>
-            <p:ph type="body" idx="1"/>
-          </p:nvPr>
-        </p:nvSpPr>
-        <p:spPr>
-          <a:xfrm>
-            <a:off x="531812" y="1007165"/>
-            <a:ext cx="7772401" cy="5063189"/>
-          </a:xfrm>
-          <a:prstGeom prst="rect">
-            <a:avLst/>
-          </a:prstGeom>
-        </p:spPr>
-        <p:txBody>
-          <a:bodyPr anchor="t">
-            <a:normAutofit/>
-          </a:bodyPr>
-          <a:lstStyle/>
-          <a:p>
-            <a:r>
-              <a:rPr lang="en-US" altLang="zh-TW" sz="1600" b="0" dirty="0" smtClean="0"/>
-              <a:t>&lt;html&gt;</a:t>
-            </a:r>
-          </a:p>
-          <a:p>
-            <a:r>
-              <a:rPr lang="zh-TW" altLang="en-US" sz="1600" b="0" dirty="0" smtClean="0"/>
-              <a:t>　</a:t>
-            </a:r>
-            <a:r>
-              <a:rPr lang="en-US" altLang="zh-TW" sz="1600" b="0" dirty="0" smtClean="0"/>
-              <a:t>&lt;head&gt;</a:t>
-            </a:r>
-          </a:p>
-          <a:p>
-            <a:r>
-              <a:rPr lang="zh-TW" altLang="en-US" sz="1600" b="0" dirty="0" smtClean="0"/>
-              <a:t>　</a:t>
-            </a:r>
-            <a:r>
-              <a:rPr lang="en-US" altLang="zh-TW" sz="1600" b="0" dirty="0" smtClean="0"/>
-              <a:t>&lt;title&gt;</a:t>
-            </a:r>
-            <a:r>
-              <a:rPr lang="zh-TW" altLang="en-US" sz="1600" b="0" dirty="0" smtClean="0"/>
-              <a:t>我的第一個網頁</a:t>
-            </a:r>
-            <a:r>
-              <a:rPr lang="en-US" altLang="zh-TW" sz="1600" b="0" dirty="0" smtClean="0"/>
-              <a:t>&lt;/title&gt; </a:t>
-            </a:r>
-          </a:p>
-          <a:p>
-            <a:r>
-              <a:rPr lang="zh-TW" altLang="en-US" sz="1600" b="0" dirty="0" smtClean="0"/>
-              <a:t>　</a:t>
-            </a:r>
-            <a:r>
-              <a:rPr lang="en-US" altLang="zh-TW" sz="1600" b="0" dirty="0" smtClean="0"/>
-              <a:t>&lt;/head&gt;</a:t>
-            </a:r>
-          </a:p>
-          <a:p>
-            <a:r>
-              <a:rPr lang="zh-TW" altLang="en-US" sz="1600" b="0" dirty="0" smtClean="0"/>
-              <a:t>　</a:t>
-            </a:r>
-            <a:r>
-              <a:rPr lang="en-US" altLang="zh-TW" sz="1600" b="0" dirty="0" smtClean="0"/>
-              <a:t>&lt;body&gt;</a:t>
-            </a:r>
-          </a:p>
-          <a:p>
-            <a:r>
-              <a:rPr lang="zh-TW" altLang="en-US" sz="1600" b="0" dirty="0" smtClean="0"/>
-              <a:t>                </a:t>
-            </a:r>
-            <a:r>
-              <a:rPr lang="en-US" altLang="zh-TW" sz="1600" b="0" dirty="0" smtClean="0"/>
-              <a:t>&lt;h1&gt;</a:t>
-            </a:r>
-            <a:r>
-              <a:rPr lang="zh-TW" altLang="en-US" sz="1600" b="0" dirty="0" smtClean="0"/>
-              <a:t>歡迎光臨</a:t>
-            </a:r>
-            <a:r>
-              <a:rPr lang="en-US" altLang="zh-TW" sz="1600" b="0" dirty="0" smtClean="0"/>
-              <a:t>&lt;/h1&gt;</a:t>
-            </a:r>
-          </a:p>
-          <a:p>
-            <a:r>
-              <a:rPr lang="zh-TW" altLang="en-US" sz="1600" b="0" dirty="0" smtClean="0"/>
-              <a:t>               </a:t>
-            </a:r>
-            <a:r>
-              <a:rPr lang="en-US" altLang="zh-TW" sz="1600" b="0" dirty="0" smtClean="0"/>
-              <a:t>&lt;p id="demo"&gt;&lt;/p&gt;</a:t>
-            </a:r>
-          </a:p>
-          <a:p>
-            <a:r>
-              <a:rPr lang="zh-TW" altLang="en-US" sz="1600" b="0" dirty="0" smtClean="0"/>
-              <a:t>    </a:t>
-            </a:r>
-            <a:r>
-              <a:rPr lang="en-US" altLang="zh-TW" sz="1600" b="0" dirty="0" smtClean="0"/>
-              <a:t>&lt;/body&gt; </a:t>
-            </a:r>
-          </a:p>
-          <a:p>
-            <a:r>
-              <a:rPr lang="en-US" altLang="zh-TW" sz="1600" b="0" dirty="0" smtClean="0"/>
-              <a:t>&lt;/html&gt;</a:t>
-            </a:r>
-          </a:p>
-          <a:p>
-            <a:endParaRPr lang="en-US" altLang="zh-TW" sz="1600" b="0" dirty="0" smtClean="0"/>
-          </a:p>
-          <a:p>
-            <a:r>
-              <a:rPr lang="en-US" altLang="zh-TW" sz="1600" dirty="0" smtClean="0">
-                <a:hlinkClick r:id="rId2" tooltip="CSS: CSS (Cascading Style Sheets) is a declarative language that controls how webpages look in the browser."/>
-              </a:rPr>
-              <a:t>CSS</a:t>
-            </a:r>
-            <a:r>
-              <a:rPr lang="zh-TW" altLang="en-US" sz="1600" b="0" dirty="0" smtClean="0"/>
-              <a:t> </a:t>
-            </a:r>
-            <a:r>
-              <a:rPr lang="en-US" altLang="zh-TW" sz="1600" b="0" dirty="0" smtClean="0"/>
-              <a:t>(</a:t>
-            </a:r>
-            <a:r>
-              <a:rPr lang="zh-TW" altLang="en-US" sz="1600" b="0" dirty="0" smtClean="0"/>
-              <a:t>階層式樣式表</a:t>
-            </a:r>
-            <a:r>
-              <a:rPr lang="en-US" altLang="zh-TW" sz="1600" b="0" dirty="0" smtClean="0"/>
-              <a:t>) </a:t>
-            </a:r>
-            <a:r>
-              <a:rPr lang="zh-TW" altLang="en-US" sz="1600" b="0" dirty="0" smtClean="0"/>
-              <a:t>是一種指定文檔如何呈現給使用者的語言</a:t>
-            </a:r>
-            <a:r>
-              <a:rPr lang="en-US" altLang="zh-TW" sz="1600" b="0" dirty="0" smtClean="0"/>
-              <a:t>——</a:t>
-            </a:r>
-            <a:r>
-              <a:rPr lang="zh-TW" altLang="en-US" sz="1600" b="0" dirty="0" smtClean="0"/>
-              <a:t>它們如何地被樣式化，佈局，等等。。</a:t>
-            </a:r>
-            <a:endParaRPr lang="en-US" altLang="zh-TW" sz="1600" b="0" dirty="0" smtClean="0"/>
-          </a:p>
-          <a:p>
-            <a:endParaRPr lang="en-US" altLang="zh-TW" sz="1600" b="0" dirty="0" smtClean="0"/>
-          </a:p>
-          <a:p>
-            <a:r>
-              <a:rPr lang="en-US" altLang="zh-TW" sz="1600" b="0" dirty="0" smtClean="0"/>
-              <a:t>JavaScript </a:t>
-            </a:r>
-            <a:r>
-              <a:rPr lang="zh-TW" altLang="en-US" sz="1600" b="0" dirty="0" smtClean="0"/>
-              <a:t>是屬於網路的腳本語言！</a:t>
-            </a:r>
-          </a:p>
-          <a:p>
-            <a:endParaRPr lang="zh-TW" altLang="en-US" sz="1600" b="0" dirty="0" smtClean="0"/>
-          </a:p>
-          <a:p>
-            <a:r>
-              <a:rPr lang="en-US" altLang="zh-TW" sz="1600" b="0" dirty="0" smtClean="0"/>
-              <a:t>JavaScript </a:t>
-            </a:r>
-            <a:r>
-              <a:rPr lang="zh-TW" altLang="en-US" sz="1600" b="0" dirty="0" smtClean="0"/>
-              <a:t>被數百萬計的網頁用來改進設計、驗證表單、檢測瀏覽器、創建</a:t>
-            </a:r>
-            <a:r>
-              <a:rPr lang="en-US" altLang="zh-TW" sz="1600" b="0" dirty="0" smtClean="0"/>
-              <a:t>cookies</a:t>
-            </a:r>
-            <a:r>
-              <a:rPr lang="zh-TW" altLang="en-US" sz="1600" b="0" dirty="0" smtClean="0"/>
-              <a:t>，以及更多的應用。</a:t>
-            </a:r>
-            <a:endParaRPr lang="en-US" altLang="zh-TW" sz="1600" b="0" dirty="0" smtClean="0"/>
-          </a:p>
-          <a:p>
-            <a:pPr>
-              <a:lnSpc>
-                <a:spcPct val="115000"/>
-              </a:lnSpc>
-              <a:spcBef>
-                <a:spcPts val="1600"/>
-              </a:spcBef>
-              <a:defRPr sz="3300" b="0">
-                <a:solidFill>
-                  <a:srgbClr val="585858"/>
-                </a:solidFill>
-                <a:latin typeface="Arial"/>
-                <a:ea typeface="Arial"/>
-                <a:cs typeface="Arial"/>
-                <a:sym typeface="Arial"/>
-              </a:defRPr>
-            </a:pPr>
-            <a:endParaRPr dirty="0"/>
-          </a:p>
-        </p:txBody>
-      </p:sp>
-    </p:spTree>
-  </p:cSld>
-  <p:clrMapOvr>
-    <a:masterClrMapping/>
-  </p:clrMapOvr>
-  <p:transition spd="slow"/>
-  <p:timing>
-    <p:tnLst>
-      <p:par>
-        <p:cTn id="1" dur="indefinite" restart="never" nodeType="tmRoot"/>
-      </p:par>
-    </p:tnLst>
-  </p:timing>
-</p:sld>
-</file>
-
-<file path=ppt/slides/slide50.xml><?xml version="1.0" encoding="utf-8"?>
+<file path=ppt/slides/slide51.xml><?xml version="1.0" encoding="utf-8"?>
 <p:sld xmlns:a="http://schemas.openxmlformats.org/drawingml/2006/main" xmlns:r="http://schemas.openxmlformats.org/officeDocument/2006/relationships" xmlns:p="http://schemas.openxmlformats.org/presentationml/2006/main">
   <p:cSld>
     <p:spTree>
@@ -22946,7 +23434,7 @@
 </p:sld>
 </file>
 
-<file path=ppt/slides/slide51.xml><?xml version="1.0" encoding="utf-8"?>
+<file path=ppt/slides/slide52.xml><?xml version="1.0" encoding="utf-8"?>
 <p:sld xmlns:a="http://schemas.openxmlformats.org/drawingml/2006/main" xmlns:r="http://schemas.openxmlformats.org/officeDocument/2006/relationships" xmlns:p="http://schemas.openxmlformats.org/presentationml/2006/main">
   <p:cSld>
     <p:spTree>
@@ -23176,977 +23664,6 @@
               <a:rPr lang="zh-TW" altLang="en-US" dirty="0" smtClean="0"/>
               <a:t>設定</a:t>
             </a:r>
-            <a:endParaRPr dirty="0"/>
-          </a:p>
-        </p:txBody>
-      </p:sp>
-    </p:spTree>
-  </p:cSld>
-  <p:clrMapOvr>
-    <a:masterClrMapping/>
-  </p:clrMapOvr>
-  <p:transition spd="slow"/>
-  <p:timing>
-    <p:tnLst>
-      <p:par>
-        <p:cTn id="1" dur="indefinite" restart="never" nodeType="tmRoot"/>
-      </p:par>
-    </p:tnLst>
-  </p:timing>
-</p:sld>
-</file>
-
-<file path=ppt/slides/slide52.xml><?xml version="1.0" encoding="utf-8"?>
-<p:sld xmlns:a="http://schemas.openxmlformats.org/drawingml/2006/main" xmlns:r="http://schemas.openxmlformats.org/officeDocument/2006/relationships" xmlns:p="http://schemas.openxmlformats.org/presentationml/2006/main">
-  <p:cSld>
-    <p:spTree>
-      <p:nvGrpSpPr>
-        <p:cNvPr id="1" name=""/>
-        <p:cNvGrpSpPr/>
-        <p:nvPr/>
-      </p:nvGrpSpPr>
-      <p:grpSpPr>
-        <a:xfrm>
-          <a:off x="0" y="0"/>
-          <a:ext cx="0" cy="0"/>
-          <a:chOff x="0" y="0"/>
-          <a:chExt cx="0" cy="0"/>
-        </a:xfrm>
-      </p:grpSpPr>
-      <p:sp>
-        <p:nvSpPr>
-          <p:cNvPr id="494" name="Shape 494"/>
-          <p:cNvSpPr>
-            <a:spLocks noGrp="1"/>
-          </p:cNvSpPr>
-          <p:nvPr>
-            <p:ph type="title"/>
-          </p:nvPr>
-        </p:nvSpPr>
-        <p:spPr>
-          <a:xfrm>
-            <a:off x="685798" y="266699"/>
-            <a:ext cx="7772404" cy="899915"/>
-          </a:xfrm>
-          <a:prstGeom prst="rect">
-            <a:avLst/>
-          </a:prstGeom>
-        </p:spPr>
-        <p:txBody>
-          <a:bodyPr>
-            <a:normAutofit fontScale="90000"/>
-          </a:bodyPr>
-          <a:lstStyle>
-            <a:lvl1pPr algn="ctr">
-              <a:defRPr sz="4800" b="0" cap="none">
-                <a:solidFill>
-                  <a:srgbClr val="FFFFFF"/>
-                </a:solidFill>
-              </a:defRPr>
-            </a:lvl1pPr>
-          </a:lstStyle>
-          <a:p>
-            <a:r>
-              <a:rPr lang="en-US" altLang="zh-TW" b="1" dirty="0" smtClean="0"/>
-              <a:t>HTML a </a:t>
-            </a:r>
-            <a:r>
-              <a:rPr lang="en-US" altLang="zh-TW" b="1" dirty="0" err="1" smtClean="0"/>
-              <a:t>href</a:t>
-            </a:r>
-            <a:r>
-              <a:rPr lang="en-US" altLang="zh-TW" b="1" dirty="0" smtClean="0"/>
-              <a:t> </a:t>
-            </a:r>
-            <a:r>
-              <a:rPr lang="zh-TW" altLang="en-US" b="1" dirty="0" smtClean="0"/>
-              <a:t>連結屬性</a:t>
-            </a:r>
-            <a:br>
-              <a:rPr lang="zh-TW" altLang="en-US" b="1" dirty="0" smtClean="0"/>
-            </a:br>
-            <a:endParaRPr dirty="0"/>
-          </a:p>
-        </p:txBody>
-      </p:sp>
-      <p:sp>
-        <p:nvSpPr>
-          <p:cNvPr id="495" name="Shape 495"/>
-          <p:cNvSpPr>
-            <a:spLocks noGrp="1"/>
-          </p:cNvSpPr>
-          <p:nvPr>
-            <p:ph type="body" idx="1"/>
-          </p:nvPr>
-        </p:nvSpPr>
-        <p:spPr>
-          <a:xfrm>
-            <a:off x="685798" y="1086678"/>
-            <a:ext cx="7772404" cy="5035826"/>
-          </a:xfrm>
-          <a:prstGeom prst="rect">
-            <a:avLst/>
-          </a:prstGeom>
-        </p:spPr>
-        <p:txBody>
-          <a:bodyPr anchor="t">
-            <a:normAutofit fontScale="92500" lnSpcReduction="20000"/>
-          </a:bodyPr>
-          <a:lstStyle/>
-          <a:p>
-            <a:pPr defTabSz="232196">
-              <a:lnSpc>
-                <a:spcPct val="115000"/>
-              </a:lnSpc>
-              <a:spcBef>
-                <a:spcPts val="300"/>
-              </a:spcBef>
-              <a:defRPr sz="1400">
-                <a:solidFill>
-                  <a:srgbClr val="585858"/>
-                </a:solidFill>
-                <a:latin typeface="Arial"/>
-                <a:ea typeface="Arial"/>
-                <a:cs typeface="Arial"/>
-                <a:sym typeface="Arial"/>
-              </a:defRPr>
-            </a:pPr>
-            <a:r>
-              <a:rPr lang="zh-TW" altLang="en-US" sz="1400" b="0" dirty="0" smtClean="0">
-                <a:sym typeface="Arial"/>
-              </a:rPr>
-              <a:t>超連結可以說是網際網路的一大特色，英文本名為 </a:t>
-            </a:r>
-            <a:r>
-              <a:rPr lang="en-US" altLang="zh-TW" sz="1400" b="0" dirty="0" err="1" smtClean="0">
-                <a:sym typeface="Arial"/>
-              </a:rPr>
-              <a:t>HyperLink</a:t>
-            </a:r>
-            <a:r>
-              <a:rPr lang="zh-TW" altLang="en-US" sz="1400" b="0" dirty="0" smtClean="0">
-                <a:sym typeface="Arial"/>
-              </a:rPr>
-              <a:t>，網路本來就是連來連去的，只要透過簡單的 </a:t>
-            </a:r>
-            <a:r>
-              <a:rPr lang="en-US" altLang="zh-TW" sz="1400" b="0" dirty="0" smtClean="0">
-                <a:sym typeface="Arial"/>
-              </a:rPr>
-              <a:t>HTML </a:t>
-            </a:r>
-            <a:r>
-              <a:rPr lang="zh-TW" altLang="en-US" sz="1400" b="0" dirty="0" smtClean="0">
-                <a:sym typeface="Arial"/>
-              </a:rPr>
-              <a:t>超連結，就可以輕鬆的連結其它的網頁</a:t>
-            </a:r>
-            <a:endParaRPr lang="en-US" altLang="zh-TW" sz="1400" b="0" dirty="0" smtClean="0">
-              <a:sym typeface="Arial"/>
-            </a:endParaRPr>
-          </a:p>
-          <a:p>
-            <a:pPr defTabSz="232196">
-              <a:lnSpc>
-                <a:spcPct val="115000"/>
-              </a:lnSpc>
-              <a:spcBef>
-                <a:spcPts val="300"/>
-              </a:spcBef>
-              <a:defRPr sz="1400">
-                <a:solidFill>
-                  <a:srgbClr val="585858"/>
-                </a:solidFill>
-                <a:latin typeface="Arial"/>
-                <a:ea typeface="Arial"/>
-                <a:cs typeface="Arial"/>
-                <a:sym typeface="Arial"/>
-              </a:defRPr>
-            </a:pPr>
-            <a:endParaRPr lang="en-US" altLang="zh-TW" sz="1400" b="0" dirty="0" smtClean="0">
-              <a:sym typeface="Arial"/>
-            </a:endParaRPr>
-          </a:p>
-          <a:p>
-            <a:pPr defTabSz="232196">
-              <a:lnSpc>
-                <a:spcPct val="115000"/>
-              </a:lnSpc>
-              <a:spcBef>
-                <a:spcPts val="300"/>
-              </a:spcBef>
-              <a:defRPr sz="1400">
-                <a:solidFill>
-                  <a:srgbClr val="585858"/>
-                </a:solidFill>
-                <a:latin typeface="Arial"/>
-                <a:ea typeface="Arial"/>
-                <a:cs typeface="Arial"/>
-                <a:sym typeface="Arial"/>
-              </a:defRPr>
-            </a:pPr>
-            <a:r>
-              <a:rPr lang="en-US" altLang="zh-TW" sz="1400" dirty="0" smtClean="0">
-                <a:sym typeface="Arial"/>
-              </a:rPr>
-              <a:t>HTML a </a:t>
-            </a:r>
-            <a:r>
-              <a:rPr lang="en-US" altLang="zh-TW" sz="1400" dirty="0" err="1" smtClean="0">
-                <a:sym typeface="Arial"/>
-              </a:rPr>
-              <a:t>href</a:t>
-            </a:r>
-            <a:r>
-              <a:rPr lang="en-US" altLang="zh-TW" sz="1400" dirty="0" smtClean="0">
-                <a:sym typeface="Arial"/>
-              </a:rPr>
-              <a:t> </a:t>
-            </a:r>
-            <a:r>
-              <a:rPr lang="zh-TW" altLang="en-US" sz="1400" dirty="0" smtClean="0">
-                <a:sym typeface="Arial"/>
-              </a:rPr>
-              <a:t>基本語法</a:t>
-            </a:r>
-            <a:endParaRPr lang="en-US" altLang="zh-TW" sz="1400" dirty="0" smtClean="0">
-              <a:sym typeface="Arial"/>
-            </a:endParaRPr>
-          </a:p>
-          <a:p>
-            <a:pPr defTabSz="232196">
-              <a:lnSpc>
-                <a:spcPct val="115000"/>
-              </a:lnSpc>
-              <a:spcBef>
-                <a:spcPts val="300"/>
-              </a:spcBef>
-              <a:defRPr sz="1400">
-                <a:solidFill>
-                  <a:srgbClr val="585858"/>
-                </a:solidFill>
-                <a:latin typeface="Arial"/>
-                <a:ea typeface="Arial"/>
-                <a:cs typeface="Arial"/>
-                <a:sym typeface="Arial"/>
-              </a:defRPr>
-            </a:pPr>
-            <a:r>
-              <a:rPr lang="en-US" altLang="zh-TW" sz="1400" b="0" dirty="0" smtClean="0">
-                <a:sym typeface="Arial"/>
-              </a:rPr>
-              <a:t>&lt;a </a:t>
-            </a:r>
-            <a:r>
-              <a:rPr lang="en-US" altLang="zh-TW" sz="1400" b="0" dirty="0" err="1" smtClean="0">
-                <a:sym typeface="Arial"/>
-              </a:rPr>
-              <a:t>href</a:t>
-            </a:r>
-            <a:r>
-              <a:rPr lang="en-US" altLang="zh-TW" sz="1400" b="0" dirty="0" smtClean="0">
-                <a:sym typeface="Arial"/>
-              </a:rPr>
-              <a:t>="</a:t>
-            </a:r>
-            <a:r>
-              <a:rPr lang="zh-TW" altLang="en-US" sz="1400" b="0" dirty="0" smtClean="0">
-                <a:sym typeface="Arial"/>
-              </a:rPr>
-              <a:t>要連結的 </a:t>
-            </a:r>
-            <a:r>
-              <a:rPr lang="en-US" altLang="zh-TW" sz="1400" b="0" dirty="0" smtClean="0">
-                <a:sym typeface="Arial"/>
-              </a:rPr>
-              <a:t>URL </a:t>
-            </a:r>
-            <a:r>
-              <a:rPr lang="zh-TW" altLang="en-US" sz="1400" b="0" dirty="0" smtClean="0">
-                <a:sym typeface="Arial"/>
-              </a:rPr>
-              <a:t>放這裡</a:t>
-            </a:r>
-            <a:r>
-              <a:rPr lang="en-US" altLang="zh-TW" sz="1400" b="0" dirty="0" smtClean="0">
-                <a:sym typeface="Arial"/>
-              </a:rPr>
-              <a:t>" target="</a:t>
-            </a:r>
-            <a:r>
-              <a:rPr lang="zh-TW" altLang="en-US" sz="1400" b="0" dirty="0" smtClean="0">
-                <a:sym typeface="Arial"/>
-              </a:rPr>
-              <a:t>連結目標</a:t>
-            </a:r>
-            <a:r>
-              <a:rPr lang="en-US" altLang="zh-TW" sz="1400" b="0" dirty="0" smtClean="0">
-                <a:sym typeface="Arial"/>
-              </a:rPr>
-              <a:t>" title="</a:t>
-            </a:r>
-            <a:r>
-              <a:rPr lang="zh-TW" altLang="en-US" sz="1400" b="0" dirty="0" smtClean="0">
-                <a:sym typeface="Arial"/>
-              </a:rPr>
-              <a:t>連結替代文字</a:t>
-            </a:r>
-            <a:r>
-              <a:rPr lang="en-US" altLang="zh-TW" sz="1400" b="0" dirty="0" smtClean="0">
-                <a:sym typeface="Arial"/>
-              </a:rPr>
-              <a:t>"&gt;</a:t>
-            </a:r>
-          </a:p>
-          <a:p>
-            <a:pPr defTabSz="232196">
-              <a:lnSpc>
-                <a:spcPct val="115000"/>
-              </a:lnSpc>
-              <a:spcBef>
-                <a:spcPts val="300"/>
-              </a:spcBef>
-              <a:defRPr sz="1400">
-                <a:solidFill>
-                  <a:srgbClr val="585858"/>
-                </a:solidFill>
-                <a:latin typeface="Arial"/>
-                <a:ea typeface="Arial"/>
-                <a:cs typeface="Arial"/>
-                <a:sym typeface="Arial"/>
-              </a:defRPr>
-            </a:pPr>
-            <a:r>
-              <a:rPr lang="en-US" altLang="zh-TW" sz="1400" b="0" dirty="0" smtClean="0">
-                <a:sym typeface="Arial"/>
-              </a:rPr>
-              <a:t>    </a:t>
-            </a:r>
-            <a:r>
-              <a:rPr lang="zh-TW" altLang="en-US" sz="1400" b="0" dirty="0" smtClean="0">
-                <a:sym typeface="Arial"/>
-              </a:rPr>
-              <a:t>要顯示的連結文字或圖片放這裡</a:t>
-            </a:r>
-            <a:endParaRPr lang="en-US" altLang="zh-TW" sz="1400" b="0" dirty="0" smtClean="0">
-              <a:sym typeface="Arial"/>
-            </a:endParaRPr>
-          </a:p>
-          <a:p>
-            <a:pPr defTabSz="232196">
-              <a:lnSpc>
-                <a:spcPct val="115000"/>
-              </a:lnSpc>
-              <a:spcBef>
-                <a:spcPts val="300"/>
-              </a:spcBef>
-              <a:defRPr sz="1400">
-                <a:solidFill>
-                  <a:srgbClr val="585858"/>
-                </a:solidFill>
-                <a:latin typeface="Arial"/>
-                <a:ea typeface="Arial"/>
-                <a:cs typeface="Arial"/>
-                <a:sym typeface="Arial"/>
-              </a:defRPr>
-            </a:pPr>
-            <a:r>
-              <a:rPr lang="en-US" altLang="zh-TW" sz="1400" b="0" dirty="0" smtClean="0">
-                <a:sym typeface="Arial"/>
-              </a:rPr>
-              <a:t>&lt;/a&gt;</a:t>
-            </a:r>
-          </a:p>
-          <a:p>
-            <a:pPr defTabSz="232196">
-              <a:lnSpc>
-                <a:spcPct val="115000"/>
-              </a:lnSpc>
-              <a:spcBef>
-                <a:spcPts val="300"/>
-              </a:spcBef>
-              <a:defRPr sz="1400">
-                <a:solidFill>
-                  <a:srgbClr val="585858"/>
-                </a:solidFill>
-                <a:latin typeface="Arial"/>
-                <a:ea typeface="Arial"/>
-                <a:cs typeface="Arial"/>
-                <a:sym typeface="Arial"/>
-              </a:defRPr>
-            </a:pPr>
-            <a:r>
-              <a:rPr lang="zh-TW" altLang="en-US" sz="1400" b="0" dirty="0" smtClean="0">
-                <a:sym typeface="Arial"/>
-              </a:rPr>
-              <a:t>以上語法中，</a:t>
-            </a:r>
-            <a:r>
-              <a:rPr lang="en-US" altLang="zh-TW" sz="1400" b="0" dirty="0" smtClean="0">
-                <a:sym typeface="Arial"/>
-              </a:rPr>
-              <a:t>a </a:t>
-            </a:r>
-            <a:r>
-              <a:rPr lang="en-US" altLang="zh-TW" sz="1400" b="0" dirty="0" err="1" smtClean="0">
-                <a:sym typeface="Arial"/>
-              </a:rPr>
-              <a:t>href</a:t>
-            </a:r>
-            <a:r>
-              <a:rPr lang="en-US" altLang="zh-TW" sz="1400" b="0" dirty="0" smtClean="0">
-                <a:sym typeface="Arial"/>
-              </a:rPr>
-              <a:t> </a:t>
-            </a:r>
-            <a:r>
-              <a:rPr lang="zh-TW" altLang="en-US" sz="1400" b="0" dirty="0" smtClean="0">
-                <a:sym typeface="Arial"/>
-              </a:rPr>
-              <a:t>等號右邊用來放置要前往的連結網址（</a:t>
-            </a:r>
-            <a:r>
-              <a:rPr lang="en-US" altLang="zh-TW" sz="1400" b="0" dirty="0" smtClean="0">
-                <a:sym typeface="Arial"/>
-              </a:rPr>
-              <a:t>URL</a:t>
-            </a:r>
-            <a:r>
-              <a:rPr lang="zh-TW" altLang="en-US" sz="1400" b="0" dirty="0" smtClean="0">
-                <a:sym typeface="Arial"/>
-              </a:rPr>
-              <a:t>），</a:t>
-            </a:r>
-            <a:r>
-              <a:rPr lang="en-US" altLang="zh-TW" sz="1400" b="0" dirty="0" smtClean="0">
-                <a:sym typeface="Arial"/>
-              </a:rPr>
-              <a:t>target </a:t>
-            </a:r>
-            <a:r>
-              <a:rPr lang="zh-TW" altLang="en-US" sz="1400" b="0" dirty="0" smtClean="0">
-                <a:sym typeface="Arial"/>
-              </a:rPr>
-              <a:t>是連結目標的意思，可以用來設定用何種方式前往連結，常見的有另開視窗（</a:t>
-            </a:r>
-            <a:r>
-              <a:rPr lang="en-US" altLang="zh-TW" sz="1400" b="0" dirty="0" smtClean="0">
-                <a:sym typeface="Arial"/>
-              </a:rPr>
-              <a:t>_blank</a:t>
-            </a:r>
-            <a:r>
-              <a:rPr lang="zh-TW" altLang="en-US" sz="1400" b="0" dirty="0" smtClean="0">
-                <a:sym typeface="Arial"/>
-              </a:rPr>
-              <a:t>）、直接於現在的視窗開起（</a:t>
-            </a:r>
-            <a:r>
-              <a:rPr lang="en-US" altLang="zh-TW" sz="1400" b="0" dirty="0" smtClean="0">
-                <a:sym typeface="Arial"/>
-              </a:rPr>
-              <a:t>_self</a:t>
-            </a:r>
-            <a:r>
-              <a:rPr lang="zh-TW" altLang="en-US" sz="1400" b="0" dirty="0" smtClean="0">
-                <a:sym typeface="Arial"/>
-              </a:rPr>
-              <a:t>）、開啟於父層框架（</a:t>
-            </a:r>
-            <a:r>
-              <a:rPr lang="en-US" altLang="zh-TW" sz="1400" b="0" dirty="0" smtClean="0">
-                <a:sym typeface="Arial"/>
-              </a:rPr>
-              <a:t>_parent</a:t>
-            </a:r>
-            <a:r>
-              <a:rPr lang="zh-TW" altLang="en-US" sz="1400" b="0" dirty="0" smtClean="0">
-                <a:sym typeface="Arial"/>
-              </a:rPr>
-              <a:t>）等，</a:t>
-            </a:r>
-            <a:r>
-              <a:rPr lang="en-US" altLang="zh-TW" sz="1400" b="0" dirty="0" smtClean="0">
-                <a:sym typeface="Arial"/>
-              </a:rPr>
-              <a:t>target </a:t>
-            </a:r>
-            <a:r>
-              <a:rPr lang="zh-TW" altLang="en-US" sz="1400" b="0" dirty="0" smtClean="0">
-                <a:sym typeface="Arial"/>
-              </a:rPr>
-              <a:t>在 </a:t>
-            </a:r>
-            <a:r>
-              <a:rPr lang="en-US" altLang="zh-TW" sz="1400" b="0" dirty="0" smtClean="0">
-                <a:sym typeface="Arial"/>
-              </a:rPr>
-              <a:t>HTML a </a:t>
-            </a:r>
-            <a:r>
-              <a:rPr lang="en-US" altLang="zh-TW" sz="1400" b="0" dirty="0" err="1" smtClean="0">
-                <a:sym typeface="Arial"/>
-              </a:rPr>
-              <a:t>href</a:t>
-            </a:r>
-            <a:r>
-              <a:rPr lang="en-US" altLang="zh-TW" sz="1400" b="0" dirty="0" smtClean="0">
-                <a:sym typeface="Arial"/>
-              </a:rPr>
-              <a:t> </a:t>
-            </a:r>
-            <a:r>
-              <a:rPr lang="zh-TW" altLang="en-US" sz="1400" b="0" dirty="0" smtClean="0">
-                <a:sym typeface="Arial"/>
-              </a:rPr>
-              <a:t>屬性中為非必要項目。</a:t>
-            </a:r>
-            <a:endParaRPr lang="en-US" altLang="zh-TW" sz="1400" b="0" dirty="0" smtClean="0">
-              <a:sym typeface="Arial"/>
-            </a:endParaRPr>
-          </a:p>
-          <a:p>
-            <a:pPr defTabSz="232196">
-              <a:lnSpc>
-                <a:spcPct val="115000"/>
-              </a:lnSpc>
-              <a:spcBef>
-                <a:spcPts val="300"/>
-              </a:spcBef>
-              <a:defRPr sz="1400">
-                <a:solidFill>
-                  <a:srgbClr val="585858"/>
-                </a:solidFill>
-                <a:latin typeface="Arial"/>
-                <a:ea typeface="Arial"/>
-                <a:cs typeface="Arial"/>
-                <a:sym typeface="Arial"/>
-              </a:defRPr>
-            </a:pPr>
-            <a:endParaRPr lang="en-US" altLang="zh-TW" sz="1400" dirty="0" smtClean="0">
-              <a:sym typeface="Arial"/>
-            </a:endParaRPr>
-          </a:p>
-          <a:p>
-            <a:pPr defTabSz="232196">
-              <a:lnSpc>
-                <a:spcPct val="115000"/>
-              </a:lnSpc>
-              <a:spcBef>
-                <a:spcPts val="300"/>
-              </a:spcBef>
-              <a:defRPr sz="1400">
-                <a:solidFill>
-                  <a:srgbClr val="585858"/>
-                </a:solidFill>
-                <a:latin typeface="Arial"/>
-                <a:ea typeface="Arial"/>
-                <a:cs typeface="Arial"/>
-                <a:sym typeface="Arial"/>
-              </a:defRPr>
-            </a:pPr>
-            <a:r>
-              <a:rPr lang="en-US" altLang="zh-TW" sz="1800" dirty="0" smtClean="0">
-                <a:sym typeface="Arial"/>
-              </a:rPr>
-              <a:t>views/extend/sb_header.ejs</a:t>
-            </a:r>
-          </a:p>
-          <a:p>
-            <a:r>
-              <a:rPr lang="en-US" altLang="zh-TW" sz="1600" b="0" dirty="0" smtClean="0"/>
-              <a:t>&lt;</a:t>
-            </a:r>
-            <a:r>
-              <a:rPr lang="en-US" altLang="zh-TW" sz="1600" b="0" dirty="0" err="1" smtClean="0"/>
-              <a:t>li</a:t>
-            </a:r>
-            <a:r>
-              <a:rPr lang="en-US" altLang="zh-TW" sz="1600" b="0" dirty="0" smtClean="0"/>
-              <a:t>&gt;</a:t>
-            </a:r>
-          </a:p>
-          <a:p>
-            <a:r>
-              <a:rPr lang="en-US" altLang="zh-TW" sz="1600" b="0" dirty="0" smtClean="0"/>
-              <a:t>&lt;a </a:t>
-            </a:r>
-            <a:r>
-              <a:rPr lang="en-US" altLang="zh-TW" sz="1600" dirty="0" err="1" smtClean="0">
-                <a:solidFill>
-                  <a:schemeClr val="accent6"/>
-                </a:solidFill>
-              </a:rPr>
-              <a:t>href</a:t>
-            </a:r>
-            <a:r>
-              <a:rPr lang="en-US" altLang="zh-TW" sz="1600" dirty="0" smtClean="0">
-                <a:solidFill>
-                  <a:schemeClr val="accent6"/>
-                </a:solidFill>
-              </a:rPr>
-              <a:t>="/"</a:t>
-            </a:r>
-            <a:r>
-              <a:rPr lang="en-US" altLang="zh-TW" sz="1600" b="0" dirty="0" smtClean="0"/>
-              <a:t>&gt;&lt;</a:t>
-            </a:r>
-            <a:r>
-              <a:rPr lang="en-US" altLang="zh-TW" sz="1600" b="0" dirty="0" err="1" smtClean="0"/>
-              <a:t>i</a:t>
-            </a:r>
-            <a:r>
-              <a:rPr lang="en-US" altLang="zh-TW" sz="1600" b="0" dirty="0" smtClean="0"/>
-              <a:t> class="</a:t>
-            </a:r>
-            <a:r>
-              <a:rPr lang="en-US" altLang="zh-TW" sz="1600" b="0" dirty="0" err="1" smtClean="0"/>
-              <a:t>fa</a:t>
-            </a:r>
-            <a:r>
-              <a:rPr lang="en-US" altLang="zh-TW" sz="1600" b="0" dirty="0" smtClean="0"/>
-              <a:t> </a:t>
-            </a:r>
-            <a:r>
-              <a:rPr lang="en-US" altLang="zh-TW" sz="1600" b="0" dirty="0" err="1" smtClean="0"/>
-              <a:t>fa</a:t>
-            </a:r>
-            <a:r>
-              <a:rPr lang="en-US" altLang="zh-TW" sz="1600" b="0" dirty="0" smtClean="0"/>
-              <a:t>-dashboard </a:t>
-            </a:r>
-            <a:r>
-              <a:rPr lang="en-US" altLang="zh-TW" sz="1600" b="0" dirty="0" err="1" smtClean="0"/>
-              <a:t>fa-fw</a:t>
-            </a:r>
-            <a:r>
-              <a:rPr lang="en-US" altLang="zh-TW" sz="1600" b="0" dirty="0" smtClean="0"/>
-              <a:t>"&gt;&lt;/</a:t>
-            </a:r>
-            <a:r>
-              <a:rPr lang="en-US" altLang="zh-TW" sz="1600" b="0" dirty="0" err="1" smtClean="0"/>
-              <a:t>i</a:t>
-            </a:r>
-            <a:r>
-              <a:rPr lang="en-US" altLang="zh-TW" sz="1600" b="0" dirty="0" smtClean="0"/>
-              <a:t>&gt; </a:t>
-            </a:r>
-            <a:r>
-              <a:rPr lang="zh-TW" altLang="en-US" sz="1600" dirty="0" smtClean="0">
-                <a:solidFill>
-                  <a:schemeClr val="accent6"/>
-                </a:solidFill>
-              </a:rPr>
-              <a:t>首頁</a:t>
-            </a:r>
-            <a:r>
-              <a:rPr lang="en-US" altLang="zh-TW" sz="1600" b="0" dirty="0" smtClean="0"/>
-              <a:t>&lt;/a&gt;</a:t>
-            </a:r>
-          </a:p>
-          <a:p>
-            <a:r>
-              <a:rPr lang="en-US" altLang="zh-TW" sz="1600" b="0" dirty="0" smtClean="0"/>
-              <a:t>&lt;/</a:t>
-            </a:r>
-            <a:r>
-              <a:rPr lang="en-US" altLang="zh-TW" sz="1600" b="0" dirty="0" err="1" smtClean="0"/>
-              <a:t>li</a:t>
-            </a:r>
-            <a:r>
-              <a:rPr lang="en-US" altLang="zh-TW" sz="1600" b="0" dirty="0" smtClean="0"/>
-              <a:t>&gt;</a:t>
-            </a:r>
-          </a:p>
-          <a:p>
-            <a:r>
-              <a:rPr lang="en-US" altLang="zh-TW" sz="1600" b="0" dirty="0" smtClean="0"/>
-              <a:t>&lt;</a:t>
-            </a:r>
-            <a:r>
-              <a:rPr lang="en-US" altLang="zh-TW" sz="1600" b="0" dirty="0" err="1" smtClean="0"/>
-              <a:t>li</a:t>
-            </a:r>
-            <a:r>
-              <a:rPr lang="en-US" altLang="zh-TW" sz="1600" b="0" dirty="0" smtClean="0"/>
-              <a:t>&gt;</a:t>
-            </a:r>
-          </a:p>
-          <a:p>
-            <a:r>
-              <a:rPr lang="en-US" altLang="zh-TW" sz="1600" b="0" dirty="0" smtClean="0"/>
-              <a:t>&lt;a </a:t>
-            </a:r>
-            <a:r>
-              <a:rPr lang="en-US" altLang="zh-TW" sz="1600" dirty="0" err="1" smtClean="0">
-                <a:solidFill>
-                  <a:schemeClr val="accent6"/>
-                </a:solidFill>
-              </a:rPr>
-              <a:t>href</a:t>
-            </a:r>
-            <a:r>
-              <a:rPr lang="en-US" altLang="zh-TW" sz="1600" dirty="0" smtClean="0">
-                <a:solidFill>
-                  <a:schemeClr val="accent6"/>
-                </a:solidFill>
-              </a:rPr>
-              <a:t>="/</a:t>
-            </a:r>
-            <a:r>
-              <a:rPr lang="en-US" altLang="zh-TW" sz="1600" dirty="0" err="1" smtClean="0">
-                <a:solidFill>
-                  <a:schemeClr val="accent6"/>
-                </a:solidFill>
-              </a:rPr>
-              <a:t>finalList</a:t>
-            </a:r>
-            <a:r>
-              <a:rPr lang="en-US" altLang="zh-TW" sz="1600" dirty="0" smtClean="0">
-                <a:solidFill>
-                  <a:schemeClr val="accent6"/>
-                </a:solidFill>
-              </a:rPr>
-              <a:t>"</a:t>
-            </a:r>
-            <a:r>
-              <a:rPr lang="en-US" altLang="zh-TW" sz="1600" b="0" dirty="0" smtClean="0"/>
-              <a:t>&gt;&lt;</a:t>
-            </a:r>
-            <a:r>
-              <a:rPr lang="en-US" altLang="zh-TW" sz="1600" b="0" dirty="0" err="1" smtClean="0"/>
-              <a:t>i</a:t>
-            </a:r>
-            <a:r>
-              <a:rPr lang="en-US" altLang="zh-TW" sz="1600" b="0" dirty="0" smtClean="0"/>
-              <a:t> class="</a:t>
-            </a:r>
-            <a:r>
-              <a:rPr lang="en-US" altLang="zh-TW" sz="1600" b="0" dirty="0" err="1" smtClean="0"/>
-              <a:t>fa</a:t>
-            </a:r>
-            <a:r>
-              <a:rPr lang="en-US" altLang="zh-TW" sz="1600" b="0" dirty="0" smtClean="0"/>
-              <a:t> </a:t>
-            </a:r>
-            <a:r>
-              <a:rPr lang="en-US" altLang="zh-TW" sz="1600" b="0" dirty="0" err="1" smtClean="0"/>
-              <a:t>fa</a:t>
-            </a:r>
-            <a:r>
-              <a:rPr lang="en-US" altLang="zh-TW" sz="1600" b="0" dirty="0" smtClean="0"/>
-              <a:t>-cloud-download </a:t>
-            </a:r>
-            <a:r>
-              <a:rPr lang="en-US" altLang="zh-TW" sz="1600" b="0" dirty="0" err="1" smtClean="0"/>
-              <a:t>fa-fw</a:t>
-            </a:r>
-            <a:r>
-              <a:rPr lang="en-US" altLang="zh-TW" sz="1600" b="0" dirty="0" smtClean="0"/>
-              <a:t>"&gt;&lt;/</a:t>
-            </a:r>
-            <a:r>
-              <a:rPr lang="en-US" altLang="zh-TW" sz="1600" b="0" dirty="0" err="1" smtClean="0"/>
-              <a:t>i</a:t>
-            </a:r>
-            <a:r>
-              <a:rPr lang="en-US" altLang="zh-TW" sz="1600" b="0" dirty="0" smtClean="0"/>
-              <a:t>&gt; </a:t>
-            </a:r>
-            <a:r>
-              <a:rPr lang="zh-TW" altLang="en-US" sz="1600" dirty="0" smtClean="0">
-                <a:solidFill>
-                  <a:schemeClr val="accent6"/>
-                </a:solidFill>
-              </a:rPr>
-              <a:t>最新資訊</a:t>
-            </a:r>
-            <a:r>
-              <a:rPr lang="en-US" altLang="zh-TW" sz="1600" b="0" dirty="0" smtClean="0"/>
-              <a:t>&lt;/a&gt;</a:t>
-            </a:r>
-          </a:p>
-          <a:p>
-            <a:r>
-              <a:rPr lang="en-US" altLang="zh-TW" sz="1600" b="0" dirty="0" smtClean="0"/>
-              <a:t>&lt;/</a:t>
-            </a:r>
-            <a:r>
-              <a:rPr lang="en-US" altLang="zh-TW" sz="1600" b="0" dirty="0" err="1" smtClean="0"/>
-              <a:t>li</a:t>
-            </a:r>
-            <a:r>
-              <a:rPr lang="en-US" altLang="zh-TW" sz="1600" b="0" dirty="0" smtClean="0"/>
-              <a:t>&gt;</a:t>
-            </a:r>
-          </a:p>
-          <a:p>
-            <a:r>
-              <a:rPr lang="en-US" altLang="zh-TW" sz="1600" b="0" dirty="0" smtClean="0"/>
-              <a:t>&lt;</a:t>
-            </a:r>
-            <a:r>
-              <a:rPr lang="en-US" altLang="zh-TW" sz="1600" b="0" dirty="0" err="1" smtClean="0"/>
-              <a:t>li</a:t>
-            </a:r>
-            <a:r>
-              <a:rPr lang="en-US" altLang="zh-TW" sz="1600" b="0" dirty="0" smtClean="0"/>
-              <a:t>&gt;</a:t>
-            </a:r>
-          </a:p>
-          <a:p>
-            <a:r>
-              <a:rPr lang="en-US" altLang="zh-TW" sz="1600" b="0" dirty="0" smtClean="0"/>
-              <a:t>&lt;a </a:t>
-            </a:r>
-            <a:r>
-              <a:rPr lang="en-US" altLang="zh-TW" sz="1600" dirty="0" err="1" smtClean="0">
-                <a:solidFill>
-                  <a:schemeClr val="accent6"/>
-                </a:solidFill>
-              </a:rPr>
-              <a:t>href</a:t>
-            </a:r>
-            <a:r>
-              <a:rPr lang="en-US" altLang="zh-TW" sz="1600" dirty="0" smtClean="0">
-                <a:solidFill>
-                  <a:schemeClr val="accent6"/>
-                </a:solidFill>
-              </a:rPr>
-              <a:t>="/setting"&gt;&lt;</a:t>
-            </a:r>
-            <a:r>
-              <a:rPr lang="en-US" altLang="zh-TW" sz="1600" b="0" dirty="0" err="1" smtClean="0"/>
-              <a:t>i</a:t>
-            </a:r>
-            <a:r>
-              <a:rPr lang="en-US" altLang="zh-TW" sz="1600" b="0" dirty="0" smtClean="0"/>
-              <a:t> class="</a:t>
-            </a:r>
-            <a:r>
-              <a:rPr lang="en-US" altLang="zh-TW" sz="1600" b="0" dirty="0" err="1" smtClean="0"/>
-              <a:t>fa</a:t>
-            </a:r>
-            <a:r>
-              <a:rPr lang="en-US" altLang="zh-TW" sz="1600" b="0" dirty="0" smtClean="0"/>
-              <a:t> </a:t>
-            </a:r>
-            <a:r>
-              <a:rPr lang="en-US" altLang="zh-TW" sz="1600" b="0" dirty="0" err="1" smtClean="0"/>
-              <a:t>fa</a:t>
-            </a:r>
-            <a:r>
-              <a:rPr lang="en-US" altLang="zh-TW" sz="1600" b="0" dirty="0" smtClean="0"/>
-              <a:t>-pencil </a:t>
-            </a:r>
-            <a:r>
-              <a:rPr lang="en-US" altLang="zh-TW" sz="1600" b="0" dirty="0" err="1" smtClean="0"/>
-              <a:t>fa-fw</a:t>
-            </a:r>
-            <a:r>
-              <a:rPr lang="en-US" altLang="zh-TW" sz="1600" b="0" dirty="0" smtClean="0"/>
-              <a:t>"&gt;&lt;/</a:t>
-            </a:r>
-            <a:r>
-              <a:rPr lang="en-US" altLang="zh-TW" sz="1600" b="0" dirty="0" err="1" smtClean="0"/>
-              <a:t>i</a:t>
-            </a:r>
-            <a:r>
-              <a:rPr lang="en-US" altLang="zh-TW" sz="1600" b="0" dirty="0" smtClean="0"/>
-              <a:t>&gt; </a:t>
-            </a:r>
-            <a:r>
-              <a:rPr lang="zh-TW" altLang="en-US" sz="1600" dirty="0" smtClean="0">
-                <a:solidFill>
-                  <a:schemeClr val="accent6"/>
-                </a:solidFill>
-              </a:rPr>
-              <a:t>設定</a:t>
-            </a:r>
-            <a:r>
-              <a:rPr lang="en-US" altLang="zh-TW" sz="1600" b="0" dirty="0" smtClean="0"/>
-              <a:t>&lt;/a&gt;</a:t>
-            </a:r>
-          </a:p>
-          <a:p>
-            <a:r>
-              <a:rPr lang="en-US" altLang="zh-TW" sz="1600" b="0" dirty="0" smtClean="0"/>
-              <a:t>&lt;/</a:t>
-            </a:r>
-            <a:r>
-              <a:rPr lang="en-US" altLang="zh-TW" sz="1600" b="0" dirty="0" err="1" smtClean="0"/>
-              <a:t>li</a:t>
-            </a:r>
-            <a:r>
-              <a:rPr lang="en-US" altLang="zh-TW" sz="1600" b="0" dirty="0" smtClean="0"/>
-              <a:t>&gt;</a:t>
-            </a:r>
-            <a:endParaRPr lang="en-US" altLang="zh-TW" sz="1600" b="0" dirty="0" smtClean="0">
-              <a:sym typeface="Arial"/>
-            </a:endParaRPr>
-          </a:p>
-          <a:p>
-            <a:pPr defTabSz="232196">
-              <a:lnSpc>
-                <a:spcPct val="115000"/>
-              </a:lnSpc>
-              <a:spcBef>
-                <a:spcPts val="300"/>
-              </a:spcBef>
-              <a:defRPr sz="1400">
-                <a:solidFill>
-                  <a:srgbClr val="585858"/>
-                </a:solidFill>
-                <a:latin typeface="Arial"/>
-                <a:ea typeface="Arial"/>
-                <a:cs typeface="Arial"/>
-                <a:sym typeface="Arial"/>
-              </a:defRPr>
-            </a:pPr>
-            <a:endParaRPr lang="en-US" altLang="zh-TW" sz="1400" b="0" dirty="0" smtClean="0">
-              <a:sym typeface="Arial"/>
-            </a:endParaRPr>
-          </a:p>
-          <a:p>
-            <a:pPr defTabSz="232196">
-              <a:lnSpc>
-                <a:spcPct val="115000"/>
-              </a:lnSpc>
-              <a:spcBef>
-                <a:spcPts val="300"/>
-              </a:spcBef>
-              <a:defRPr sz="1400">
-                <a:solidFill>
-                  <a:srgbClr val="585858"/>
-                </a:solidFill>
-                <a:latin typeface="Arial"/>
-                <a:ea typeface="Arial"/>
-                <a:cs typeface="Arial"/>
-                <a:sym typeface="Arial"/>
-              </a:defRPr>
-            </a:pPr>
-            <a:endParaRPr lang="en-US" altLang="zh-TW" sz="1400" b="0" dirty="0" smtClean="0">
-              <a:sym typeface="Arial"/>
-            </a:endParaRPr>
-          </a:p>
-          <a:p>
-            <a:pPr defTabSz="232196">
-              <a:lnSpc>
-                <a:spcPct val="115000"/>
-              </a:lnSpc>
-              <a:spcBef>
-                <a:spcPts val="300"/>
-              </a:spcBef>
-              <a:defRPr sz="1400">
-                <a:solidFill>
-                  <a:srgbClr val="585858"/>
-                </a:solidFill>
-                <a:latin typeface="Arial"/>
-                <a:ea typeface="Arial"/>
-                <a:cs typeface="Arial"/>
-                <a:sym typeface="Arial"/>
-              </a:defRPr>
-            </a:pPr>
             <a:endParaRPr dirty="0"/>
           </a:p>
         </p:txBody>
@@ -24204,7 +23721,9 @@
           </a:prstGeom>
         </p:spPr>
         <p:txBody>
-          <a:bodyPr/>
+          <a:bodyPr>
+            <a:normAutofit fontScale="90000"/>
+          </a:bodyPr>
           <a:lstStyle>
             <a:lvl1pPr algn="ctr">
               <a:defRPr sz="4800" b="0" cap="none">
@@ -24216,9 +23735,25 @@
           </a:lstStyle>
           <a:p>
             <a:r>
-              <a:rPr dirty="0"/>
-              <a:t>頁面路由 - index.js</a:t>
-            </a:r>
+              <a:rPr lang="en-US" altLang="zh-TW" b="1" dirty="0" smtClean="0"/>
+              <a:t>HTML a </a:t>
+            </a:r>
+            <a:r>
+              <a:rPr lang="en-US" altLang="zh-TW" b="1" dirty="0" err="1" smtClean="0"/>
+              <a:t>href</a:t>
+            </a:r>
+            <a:r>
+              <a:rPr lang="en-US" altLang="zh-TW" b="1" dirty="0" smtClean="0"/>
+              <a:t> </a:t>
+            </a:r>
+            <a:r>
+              <a:rPr lang="zh-TW" altLang="en-US" b="1" dirty="0" smtClean="0"/>
+              <a:t>連結屬性</a:t>
+            </a:r>
+            <a:br>
+              <a:rPr lang="zh-TW" altLang="en-US" b="1" dirty="0" smtClean="0"/>
+            </a:br>
+            <a:endParaRPr dirty="0"/>
           </a:p>
         </p:txBody>
       </p:sp>
@@ -24234,8 +23769,8 @@
         </p:nvSpPr>
         <p:spPr>
           <a:xfrm>
-            <a:off x="685798" y="1255562"/>
-            <a:ext cx="7772404" cy="4713390"/>
+            <a:off x="685798" y="1086678"/>
+            <a:ext cx="7772404" cy="5035826"/>
           </a:xfrm>
           <a:prstGeom prst="rect">
             <a:avLst/>
@@ -24243,7 +23778,7 @@
         </p:spPr>
         <p:txBody>
           <a:bodyPr anchor="t">
-            <a:normAutofit/>
+            <a:normAutofit fontScale="92500" lnSpcReduction="20000"/>
           </a:bodyPr>
           <a:lstStyle/>
           <a:p>
@@ -24265,9 +23800,38 @@
               </a:defRPr>
             </a:pPr>
             <a:r>
-              <a:rPr dirty="0"/>
-              <a:t>module.exports = function(app) {</a:t>
-            </a:r>
+              <a:rPr lang="zh-TW" altLang="en-US" sz="1400" b="0" dirty="0" smtClean="0">
+                <a:sym typeface="Arial"/>
+              </a:rPr>
+              <a:t>超連結可以說是網際網路的一大特色，英文本名為 </a:t>
+            </a:r>
+            <a:r>
+              <a:rPr lang="en-US" altLang="zh-TW" sz="1400" b="0" dirty="0" err="1" smtClean="0">
+                <a:sym typeface="Arial"/>
+              </a:rPr>
+              <a:t>HyperLink</a:t>
+            </a:r>
+            <a:r>
+              <a:rPr lang="zh-TW" altLang="en-US" sz="1400" b="0" dirty="0" smtClean="0">
+                <a:sym typeface="Arial"/>
+              </a:rPr>
+              <a:t>，網路本來就是連來連去的，只要透過簡單的 </a:t>
+            </a:r>
+            <a:r>
+              <a:rPr lang="en-US" altLang="zh-TW" sz="1400" b="0" dirty="0" smtClean="0">
+                <a:sym typeface="Arial"/>
+              </a:rPr>
+              <a:t>HTML </a:t>
+            </a:r>
+            <a:r>
+              <a:rPr lang="zh-TW" altLang="en-US" sz="1400" b="0" dirty="0" smtClean="0">
+                <a:sym typeface="Arial"/>
+              </a:rPr>
+              <a:t>超連結，就可以輕鬆的連結其它的網頁</a:t>
+            </a:r>
+            <a:endParaRPr lang="en-US" altLang="zh-TW" sz="1400" b="0" dirty="0" smtClean="0">
+              <a:sym typeface="Arial"/>
+            </a:endParaRPr>
           </a:p>
           <a:p>
             <a:pPr defTabSz="232196">
@@ -24287,10 +23851,9 @@
                 <a:sym typeface="Arial"/>
               </a:defRPr>
             </a:pPr>
-            <a:r>
-              <a:rPr dirty="0"/>
-              <a:t>  app.get('/', function (req, res) {</a:t>
-            </a:r>
+            <a:endParaRPr lang="en-US" altLang="zh-TW" sz="1400" b="0" dirty="0" smtClean="0">
+              <a:sym typeface="Arial"/>
+            </a:endParaRPr>
           </a:p>
           <a:p>
             <a:pPr defTabSz="232196">
@@ -24311,9 +23874,32 @@
               </a:defRPr>
             </a:pPr>
             <a:r>
-              <a:rPr dirty="0"/>
-              <a:t>    res.render('index', { title: '首頁' });</a:t>
-            </a:r>
+              <a:rPr lang="en-US" altLang="zh-TW" sz="1400" dirty="0" smtClean="0">
+                <a:sym typeface="Arial"/>
+              </a:rPr>
+              <a:t>HTML a </a:t>
+            </a:r>
+            <a:r>
+              <a:rPr lang="en-US" altLang="zh-TW" sz="1400" dirty="0" err="1" smtClean="0">
+                <a:sym typeface="Arial"/>
+              </a:rPr>
+              <a:t>href</a:t>
+            </a:r>
+            <a:r>
+              <a:rPr lang="en-US" altLang="zh-TW" sz="1400" dirty="0" smtClean="0">
+                <a:sym typeface="Arial"/>
+              </a:rPr>
+              <a:t> </a:t>
+            </a:r>
+            <a:r>
+              <a:rPr lang="zh-TW" altLang="en-US" sz="1400" dirty="0" smtClean="0">
+                <a:sym typeface="Arial"/>
+              </a:rPr>
+              <a:t>基本語法</a:t>
+            </a:r>
+            <a:endParaRPr lang="en-US" altLang="zh-TW" sz="1400" dirty="0" smtClean="0">
+              <a:sym typeface="Arial"/>
+            </a:endParaRPr>
           </a:p>
           <a:p>
             <a:pPr defTabSz="232196">
@@ -24334,8 +23920,70 @@
               </a:defRPr>
             </a:pPr>
             <a:r>
-              <a:rPr dirty="0"/>
-              <a:t>  });</a:t>
+              <a:rPr lang="en-US" altLang="zh-TW" sz="1400" b="0" dirty="0" smtClean="0">
+                <a:sym typeface="Arial"/>
+              </a:rPr>
+              <a:t>&lt;a </a:t>
+            </a:r>
+            <a:r>
+              <a:rPr lang="en-US" altLang="zh-TW" sz="1400" b="0" dirty="0" err="1" smtClean="0">
+                <a:sym typeface="Arial"/>
+              </a:rPr>
+              <a:t>href</a:t>
+            </a:r>
+            <a:r>
+              <a:rPr lang="en-US" altLang="zh-TW" sz="1400" b="0" dirty="0" smtClean="0">
+                <a:sym typeface="Arial"/>
+              </a:rPr>
+              <a:t>="</a:t>
+            </a:r>
+            <a:r>
+              <a:rPr lang="zh-TW" altLang="en-US" sz="1400" b="0" dirty="0" smtClean="0">
+                <a:sym typeface="Arial"/>
+              </a:rPr>
+              <a:t>要連結的 </a:t>
+            </a:r>
+            <a:r>
+              <a:rPr lang="en-US" altLang="zh-TW" sz="1400" b="0" dirty="0" smtClean="0">
+                <a:sym typeface="Arial"/>
+              </a:rPr>
+              <a:t>URL </a:t>
+            </a:r>
+            <a:r>
+              <a:rPr lang="zh-TW" altLang="en-US" sz="1400" b="0" dirty="0" smtClean="0">
+                <a:sym typeface="Arial"/>
+              </a:rPr>
+              <a:t>放這裡</a:t>
+            </a:r>
+            <a:r>
+              <a:rPr lang="en-US" altLang="zh-TW" sz="1400" b="0" dirty="0" smtClean="0">
+                <a:sym typeface="Arial"/>
+              </a:rPr>
+              <a:t>" target="</a:t>
+            </a:r>
+            <a:r>
+              <a:rPr lang="zh-TW" altLang="en-US" sz="1400" b="0" dirty="0" smtClean="0">
+                <a:sym typeface="Arial"/>
+              </a:rPr>
+              <a:t>連結目標</a:t>
+            </a:r>
+            <a:r>
+              <a:rPr lang="en-US" altLang="zh-TW" sz="1400" b="0" dirty="0" smtClean="0">
+                <a:sym typeface="Arial"/>
+              </a:rPr>
+              <a:t>" title="</a:t>
+            </a:r>
+            <a:r>
+              <a:rPr lang="zh-TW" altLang="en-US" sz="1400" b="0" dirty="0" smtClean="0">
+                <a:sym typeface="Arial"/>
+              </a:rPr>
+              <a:t>連結替代文字</a:t>
+            </a:r>
+            <a:r>
+              <a:rPr lang="en-US" altLang="zh-TW" sz="1400" b="0" dirty="0" smtClean="0">
+                <a:sym typeface="Arial"/>
+              </a:rPr>
+              <a:t>"&gt;</a:t>
             </a:r>
           </a:p>
           <a:p>
@@ -24357,29 +24005,20 @@
               </a:defRPr>
             </a:pPr>
             <a:r>
-              <a:rPr dirty="0"/>
-              <a:t>  </a:t>
-            </a:r>
-            <a:r>
-              <a:rPr dirty="0" err="1"/>
-              <a:t>app.get</a:t>
-            </a:r>
-            <a:r>
-              <a:rPr dirty="0" smtClean="0"/>
-              <a:t>('/</a:t>
-            </a:r>
-            <a:r>
-              <a:rPr lang="en-US" dirty="0" err="1" smtClean="0"/>
-              <a:t>finalList</a:t>
-            </a:r>
-            <a:r>
-              <a:rPr dirty="0" smtClean="0"/>
-              <a:t>', </a:t>
-            </a:r>
-            <a:r>
-              <a:rPr dirty="0"/>
-              <a:t>function (req, res) {</a:t>
-            </a:r>
+              <a:rPr lang="en-US" altLang="zh-TW" sz="1400" b="0" dirty="0" smtClean="0">
+                <a:sym typeface="Arial"/>
+              </a:rPr>
+              <a:t>    </a:t>
+            </a:r>
+            <a:r>
+              <a:rPr lang="zh-TW" altLang="en-US" sz="1400" b="0" dirty="0" smtClean="0">
+                <a:sym typeface="Arial"/>
+              </a:rPr>
+              <a:t>要顯示的連結文字或圖片放這裡</a:t>
+            </a:r>
+            <a:endParaRPr lang="en-US" altLang="zh-TW" sz="1400" b="0" dirty="0" smtClean="0">
+              <a:sym typeface="Arial"/>
+            </a:endParaRPr>
           </a:p>
           <a:p>
             <a:pPr defTabSz="232196">
@@ -24400,8 +24039,10 @@
               </a:defRPr>
             </a:pPr>
             <a:r>
-              <a:rPr dirty="0"/>
-              <a:t>	console.log('render to update.ejs');</a:t>
+              <a:rPr lang="en-US" altLang="zh-TW" sz="1400" b="0" dirty="0" smtClean="0">
+                <a:sym typeface="Arial"/>
+              </a:rPr>
+              <a:t>&lt;/a&gt;</a:t>
             </a:r>
           </a:p>
           <a:p>
@@ -24423,49 +24064,134 @@
               </a:defRPr>
             </a:pPr>
             <a:r>
-              <a:rPr dirty="0"/>
-              <a:t>	</a:t>
-            </a:r>
-            <a:r>
-              <a:rPr dirty="0" err="1" smtClean="0"/>
-              <a:t>res.render</a:t>
-            </a:r>
-            <a:r>
-              <a:rPr dirty="0" smtClean="0"/>
-              <a:t>(</a:t>
-            </a:r>
-            <a:r>
-              <a:rPr lang="en-US" altLang="zh-TW" dirty="0" err="1" smtClean="0"/>
-              <a:t>finalList</a:t>
-            </a:r>
-            <a:r>
-              <a:rPr lang="en-US" altLang="zh-TW" dirty="0" smtClean="0"/>
+              <a:rPr lang="zh-TW" altLang="en-US" sz="1400" b="0" dirty="0" smtClean="0">
+                <a:sym typeface="Arial"/>
+              </a:rPr>
+              <a:t>以上語法中，</a:t>
+            </a:r>
+            <a:r>
+              <a:rPr lang="en-US" altLang="zh-TW" sz="1400" b="0" dirty="0" smtClean="0">
+                <a:sym typeface="Arial"/>
+              </a:rPr>
+              <a:t>a </a:t>
+            </a:r>
+            <a:r>
+              <a:rPr lang="en-US" altLang="zh-TW" sz="1400" b="0" dirty="0" err="1" smtClean="0">
+                <a:sym typeface="Arial"/>
+              </a:rPr>
+              <a:t>href</a:t>
+            </a:r>
+            <a:r>
+              <a:rPr lang="en-US" altLang="zh-TW" sz="1400" b="0" dirty="0" smtClean="0">
+                <a:sym typeface="Arial"/>
+              </a:rPr>
               <a:t> </a:t>
             </a:r>
             <a:r>
-              <a:rPr dirty="0" smtClean="0"/>
-              <a:t>', </a:t>
-            </a:r>
-            <a:r>
-              <a:rPr dirty="0"/>
-              <a:t>{ title: </a:t>
-            </a:r>
-            <a:r>
-              <a:rPr dirty="0" smtClean="0"/>
-              <a:t>'</a:t>
-            </a:r>
-            <a:r>
-              <a:rPr lang="zh-TW" altLang="en-US" dirty="0" smtClean="0"/>
-              <a:t>最新資訊</a:t>
-            </a:r>
-            <a:r>
-              <a:rPr dirty="0" smtClean="0"/>
-              <a:t>' </a:t>
-            </a:r>
-            <a:r>
-              <a:rPr dirty="0"/>
-              <a:t>});</a:t>
-            </a:r>
+              <a:rPr lang="zh-TW" altLang="en-US" sz="1400" b="0" dirty="0" smtClean="0">
+                <a:sym typeface="Arial"/>
+              </a:rPr>
+              <a:t>等號右邊用來放置要前往的連結網址（</a:t>
+            </a:r>
+            <a:r>
+              <a:rPr lang="en-US" altLang="zh-TW" sz="1400" b="0" dirty="0" smtClean="0">
+                <a:sym typeface="Arial"/>
+              </a:rPr>
+              <a:t>URL</a:t>
+            </a:r>
+            <a:r>
+              <a:rPr lang="zh-TW" altLang="en-US" sz="1400" b="0" dirty="0" smtClean="0">
+                <a:sym typeface="Arial"/>
+              </a:rPr>
+              <a:t>），</a:t>
+            </a:r>
+            <a:r>
+              <a:rPr lang="en-US" altLang="zh-TW" sz="1400" b="0" dirty="0" smtClean="0">
+                <a:sym typeface="Arial"/>
+              </a:rPr>
+              <a:t>target </a:t>
+            </a:r>
+            <a:r>
+              <a:rPr lang="zh-TW" altLang="en-US" sz="1400" b="0" dirty="0" smtClean="0">
+                <a:sym typeface="Arial"/>
+              </a:rPr>
+              <a:t>是連結目標的意思，可以用來設定用何種方式前往連結，常見的有另開視窗（</a:t>
+            </a:r>
+            <a:r>
+              <a:rPr lang="en-US" altLang="zh-TW" sz="1400" b="0" dirty="0" smtClean="0">
+                <a:sym typeface="Arial"/>
+              </a:rPr>
+              <a:t>_blank</a:t>
+            </a:r>
+            <a:r>
+              <a:rPr lang="zh-TW" altLang="en-US" sz="1400" b="0" dirty="0" smtClean="0">
+                <a:sym typeface="Arial"/>
+              </a:rPr>
+              <a:t>）、直接於現在的視窗開起（</a:t>
+            </a:r>
+            <a:r>
+              <a:rPr lang="en-US" altLang="zh-TW" sz="1400" b="0" dirty="0" smtClean="0">
+                <a:sym typeface="Arial"/>
+              </a:rPr>
+              <a:t>_self</a:t>
+            </a:r>
+            <a:r>
+              <a:rPr lang="zh-TW" altLang="en-US" sz="1400" b="0" dirty="0" smtClean="0">
+                <a:sym typeface="Arial"/>
+              </a:rPr>
+              <a:t>）、開啟於父層框架（</a:t>
+            </a:r>
+            <a:r>
+              <a:rPr lang="en-US" altLang="zh-TW" sz="1400" b="0" dirty="0" smtClean="0">
+                <a:sym typeface="Arial"/>
+              </a:rPr>
+              <a:t>_parent</a:t>
+            </a:r>
+            <a:r>
+              <a:rPr lang="zh-TW" altLang="en-US" sz="1400" b="0" dirty="0" smtClean="0">
+                <a:sym typeface="Arial"/>
+              </a:rPr>
+              <a:t>）等，</a:t>
+            </a:r>
+            <a:r>
+              <a:rPr lang="en-US" altLang="zh-TW" sz="1400" b="0" dirty="0" smtClean="0">
+                <a:sym typeface="Arial"/>
+              </a:rPr>
+              <a:t>target </a:t>
+            </a:r>
+            <a:r>
+              <a:rPr lang="zh-TW" altLang="en-US" sz="1400" b="0" dirty="0" smtClean="0">
+                <a:sym typeface="Arial"/>
+              </a:rPr>
+              <a:t>在 </a:t>
+            </a:r>
+            <a:r>
+              <a:rPr lang="en-US" altLang="zh-TW" sz="1400" b="0" dirty="0" smtClean="0">
+                <a:sym typeface="Arial"/>
+              </a:rPr>
+              <a:t>HTML a </a:t>
+            </a:r>
+            <a:r>
+              <a:rPr lang="en-US" altLang="zh-TW" sz="1400" b="0" dirty="0" err="1" smtClean="0">
+                <a:sym typeface="Arial"/>
+              </a:rPr>
+              <a:t>href</a:t>
+            </a:r>
+            <a:r>
+              <a:rPr lang="en-US" altLang="zh-TW" sz="1400" b="0" dirty="0" smtClean="0">
+                <a:sym typeface="Arial"/>
+              </a:rPr>
+              <a:t> </a:t>
+            </a:r>
+            <a:r>
+              <a:rPr lang="zh-TW" altLang="en-US" sz="1400" b="0" dirty="0" smtClean="0">
+                <a:sym typeface="Arial"/>
+              </a:rPr>
+              <a:t>屬性中為非必要項目。</a:t>
+            </a:r>
+            <a:endParaRPr lang="en-US" altLang="zh-TW" sz="1400" b="0" dirty="0" smtClean="0">
+              <a:sym typeface="Arial"/>
+            </a:endParaRPr>
           </a:p>
           <a:p>
             <a:pPr defTabSz="232196">
@@ -24485,10 +24211,9 @@
                 <a:sym typeface="Arial"/>
               </a:defRPr>
             </a:pPr>
-            <a:r>
-              <a:rPr dirty="0"/>
-              <a:t>  });</a:t>
-            </a:r>
+            <a:endParaRPr lang="en-US" altLang="zh-TW" sz="1400" dirty="0" smtClean="0">
+              <a:sym typeface="Arial"/>
+            </a:endParaRPr>
           </a:p>
           <a:p>
             <a:pPr defTabSz="232196">
@@ -24509,29 +24234,344 @@
               </a:defRPr>
             </a:pPr>
             <a:r>
-              <a:rPr lang="zh-TW" altLang="en-US" dirty="0" smtClean="0"/>
-              <a:t>  </a:t>
-            </a:r>
-            <a:r>
-              <a:rPr dirty="0" err="1" smtClean="0"/>
-              <a:t>app.get</a:t>
-            </a:r>
-            <a:r>
-              <a:rPr dirty="0" smtClean="0"/>
-              <a:t>('/</a:t>
-            </a:r>
-            <a:r>
-              <a:rPr lang="en-US" dirty="0" smtClean="0"/>
-              <a:t>setting</a:t>
-            </a:r>
-            <a:r>
-              <a:rPr dirty="0" smtClean="0"/>
-              <a:t>', </a:t>
-            </a:r>
-            <a:r>
-              <a:rPr dirty="0"/>
-              <a:t>function (req, res) {</a:t>
-            </a:r>
+              <a:rPr lang="en-US" altLang="zh-TW" sz="1800" dirty="0" smtClean="0">
+                <a:sym typeface="Arial"/>
+              </a:rPr>
+              <a:t>views/extend/sb_header.ejs</a:t>
+            </a:r>
+          </a:p>
+          <a:p>
+            <a:r>
+              <a:rPr lang="en-US" altLang="zh-TW" sz="1600" b="0" dirty="0" smtClean="0"/>
+              <a:t>&lt;</a:t>
+            </a:r>
+            <a:r>
+              <a:rPr lang="en-US" altLang="zh-TW" sz="1600" b="0" dirty="0" err="1" smtClean="0"/>
+              <a:t>li</a:t>
+            </a:r>
+            <a:r>
+              <a:rPr lang="en-US" altLang="zh-TW" sz="1600" b="0" dirty="0" smtClean="0"/>
+              <a:t>&gt;</a:t>
+            </a:r>
+          </a:p>
+          <a:p>
+            <a:r>
+              <a:rPr lang="en-US" altLang="zh-TW" sz="1600" b="0" dirty="0" smtClean="0"/>
+              <a:t>&lt;a </a:t>
+            </a:r>
+            <a:r>
+              <a:rPr lang="en-US" altLang="zh-TW" sz="1600" dirty="0" err="1" smtClean="0">
+                <a:solidFill>
+                  <a:schemeClr val="accent6"/>
+                </a:solidFill>
+              </a:rPr>
+              <a:t>href</a:t>
+            </a:r>
+            <a:r>
+              <a:rPr lang="en-US" altLang="zh-TW" sz="1600" dirty="0" smtClean="0">
+                <a:solidFill>
+                  <a:schemeClr val="accent6"/>
+                </a:solidFill>
+              </a:rPr>
+              <a:t>="/"</a:t>
+            </a:r>
+            <a:r>
+              <a:rPr lang="en-US" altLang="zh-TW" sz="1600" b="0" dirty="0" smtClean="0"/>
+              <a:t>&gt;&lt;</a:t>
+            </a:r>
+            <a:r>
+              <a:rPr lang="en-US" altLang="zh-TW" sz="1600" b="0" dirty="0" err="1" smtClean="0"/>
+              <a:t>i</a:t>
+            </a:r>
+            <a:r>
+              <a:rPr lang="en-US" altLang="zh-TW" sz="1600" b="0" dirty="0" smtClean="0"/>
+              <a:t> class="</a:t>
+            </a:r>
+            <a:r>
+              <a:rPr lang="en-US" altLang="zh-TW" sz="1600" b="0" dirty="0" err="1" smtClean="0"/>
+              <a:t>fa</a:t>
+            </a:r>
+            <a:r>
+              <a:rPr lang="en-US" altLang="zh-TW" sz="1600" b="0" dirty="0" smtClean="0"/>
+              <a:t> </a:t>
+            </a:r>
+            <a:r>
+              <a:rPr lang="en-US" altLang="zh-TW" sz="1600" b="0" dirty="0" err="1" smtClean="0"/>
+              <a:t>fa</a:t>
+            </a:r>
+            <a:r>
+              <a:rPr lang="en-US" altLang="zh-TW" sz="1600" b="0" dirty="0" smtClean="0"/>
+              <a:t>-dashboard </a:t>
+            </a:r>
+            <a:r>
+              <a:rPr lang="en-US" altLang="zh-TW" sz="1600" b="0" dirty="0" err="1" smtClean="0"/>
+              <a:t>fa-fw</a:t>
+            </a:r>
+            <a:r>
+              <a:rPr lang="en-US" altLang="zh-TW" sz="1600" b="0" dirty="0" smtClean="0"/>
+              <a:t>"&gt;&lt;/</a:t>
+            </a:r>
+            <a:r>
+              <a:rPr lang="en-US" altLang="zh-TW" sz="1600" b="0" dirty="0" err="1" smtClean="0"/>
+              <a:t>i</a:t>
+            </a:r>
+            <a:r>
+              <a:rPr lang="en-US" altLang="zh-TW" sz="1600" b="0" dirty="0" smtClean="0"/>
+              <a:t>&gt; </a:t>
+            </a:r>
+            <a:r>
+              <a:rPr lang="zh-TW" altLang="en-US" sz="1600" dirty="0" smtClean="0">
+                <a:solidFill>
+                  <a:schemeClr val="accent6"/>
+                </a:solidFill>
+              </a:rPr>
+              <a:t>首頁</a:t>
+            </a:r>
+            <a:r>
+              <a:rPr lang="en-US" altLang="zh-TW" sz="1600" b="0" dirty="0" smtClean="0"/>
+              <a:t>&lt;/a&gt;</a:t>
+            </a:r>
+          </a:p>
+          <a:p>
+            <a:r>
+              <a:rPr lang="en-US" altLang="zh-TW" sz="1600" b="0" dirty="0" smtClean="0"/>
+              <a:t>&lt;/</a:t>
+            </a:r>
+            <a:r>
+              <a:rPr lang="en-US" altLang="zh-TW" sz="1600" b="0" dirty="0" err="1" smtClean="0"/>
+              <a:t>li</a:t>
+            </a:r>
+            <a:r>
+              <a:rPr lang="en-US" altLang="zh-TW" sz="1600" b="0" dirty="0" smtClean="0"/>
+              <a:t>&gt;</a:t>
+            </a:r>
+          </a:p>
+          <a:p>
+            <a:r>
+              <a:rPr lang="en-US" altLang="zh-TW" sz="1600" b="0" dirty="0" smtClean="0"/>
+              <a:t>&lt;</a:t>
+            </a:r>
+            <a:r>
+              <a:rPr lang="en-US" altLang="zh-TW" sz="1600" b="0" dirty="0" err="1" smtClean="0"/>
+              <a:t>li</a:t>
+            </a:r>
+            <a:r>
+              <a:rPr lang="en-US" altLang="zh-TW" sz="1600" b="0" dirty="0" smtClean="0"/>
+              <a:t>&gt;</a:t>
+            </a:r>
+          </a:p>
+          <a:p>
+            <a:r>
+              <a:rPr lang="en-US" altLang="zh-TW" sz="1600" b="0" dirty="0" smtClean="0"/>
+              <a:t>&lt;a </a:t>
+            </a:r>
+            <a:r>
+              <a:rPr lang="en-US" altLang="zh-TW" sz="1600" dirty="0" err="1" smtClean="0">
+                <a:solidFill>
+                  <a:schemeClr val="accent6"/>
+                </a:solidFill>
+              </a:rPr>
+              <a:t>href</a:t>
+            </a:r>
+            <a:r>
+              <a:rPr lang="en-US" altLang="zh-TW" sz="1600" dirty="0" smtClean="0">
+                <a:solidFill>
+                  <a:schemeClr val="accent6"/>
+                </a:solidFill>
+              </a:rPr>
+              <a:t>="/</a:t>
+            </a:r>
+            <a:r>
+              <a:rPr lang="en-US" altLang="zh-TW" sz="1600" dirty="0" err="1" smtClean="0">
+                <a:solidFill>
+                  <a:schemeClr val="accent6"/>
+                </a:solidFill>
+              </a:rPr>
+              <a:t>finalList</a:t>
+            </a:r>
+            <a:r>
+              <a:rPr lang="en-US" altLang="zh-TW" sz="1600" dirty="0" smtClean="0">
+                <a:solidFill>
+                  <a:schemeClr val="accent6"/>
+                </a:solidFill>
+              </a:rPr>
+              <a:t>"</a:t>
+            </a:r>
+            <a:r>
+              <a:rPr lang="en-US" altLang="zh-TW" sz="1600" b="0" dirty="0" smtClean="0"/>
+              <a:t>&gt;&lt;</a:t>
+            </a:r>
+            <a:r>
+              <a:rPr lang="en-US" altLang="zh-TW" sz="1600" b="0" dirty="0" err="1" smtClean="0"/>
+              <a:t>i</a:t>
+            </a:r>
+            <a:r>
+              <a:rPr lang="en-US" altLang="zh-TW" sz="1600" b="0" dirty="0" smtClean="0"/>
+              <a:t> class="</a:t>
+            </a:r>
+            <a:r>
+              <a:rPr lang="en-US" altLang="zh-TW" sz="1600" b="0" dirty="0" err="1" smtClean="0"/>
+              <a:t>fa</a:t>
+            </a:r>
+            <a:r>
+              <a:rPr lang="en-US" altLang="zh-TW" sz="1600" b="0" dirty="0" smtClean="0"/>
+              <a:t> </a:t>
+            </a:r>
+            <a:r>
+              <a:rPr lang="en-US" altLang="zh-TW" sz="1600" b="0" dirty="0" err="1" smtClean="0"/>
+              <a:t>fa</a:t>
+            </a:r>
+            <a:r>
+              <a:rPr lang="en-US" altLang="zh-TW" sz="1600" b="0" dirty="0" smtClean="0"/>
+              <a:t>-cloud-download </a:t>
+            </a:r>
+            <a:r>
+              <a:rPr lang="en-US" altLang="zh-TW" sz="1600" b="0" dirty="0" err="1" smtClean="0"/>
+              <a:t>fa-fw</a:t>
+            </a:r>
+            <a:r>
+              <a:rPr lang="en-US" altLang="zh-TW" sz="1600" b="0" dirty="0" smtClean="0"/>
+              <a:t>"&gt;&lt;/</a:t>
+            </a:r>
+            <a:r>
+              <a:rPr lang="en-US" altLang="zh-TW" sz="1600" b="0" dirty="0" err="1" smtClean="0"/>
+              <a:t>i</a:t>
+            </a:r>
+            <a:r>
+              <a:rPr lang="en-US" altLang="zh-TW" sz="1600" b="0" dirty="0" smtClean="0"/>
+              <a:t>&gt; </a:t>
+            </a:r>
+            <a:r>
+              <a:rPr lang="zh-TW" altLang="en-US" sz="1600" dirty="0" smtClean="0">
+                <a:solidFill>
+                  <a:schemeClr val="accent6"/>
+                </a:solidFill>
+              </a:rPr>
+              <a:t>最新資訊</a:t>
+            </a:r>
+            <a:r>
+              <a:rPr lang="en-US" altLang="zh-TW" sz="1600" b="0" dirty="0" smtClean="0"/>
+              <a:t>&lt;/a&gt;</a:t>
+            </a:r>
+          </a:p>
+          <a:p>
+            <a:r>
+              <a:rPr lang="en-US" altLang="zh-TW" sz="1600" b="0" dirty="0" smtClean="0"/>
+              <a:t>&lt;/</a:t>
+            </a:r>
+            <a:r>
+              <a:rPr lang="en-US" altLang="zh-TW" sz="1600" b="0" dirty="0" err="1" smtClean="0"/>
+              <a:t>li</a:t>
+            </a:r>
+            <a:r>
+              <a:rPr lang="en-US" altLang="zh-TW" sz="1600" b="0" dirty="0" smtClean="0"/>
+              <a:t>&gt;</a:t>
+            </a:r>
+          </a:p>
+          <a:p>
+            <a:r>
+              <a:rPr lang="en-US" altLang="zh-TW" sz="1600" b="0" dirty="0" smtClean="0"/>
+              <a:t>&lt;</a:t>
+            </a:r>
+            <a:r>
+              <a:rPr lang="en-US" altLang="zh-TW" sz="1600" b="0" dirty="0" err="1" smtClean="0"/>
+              <a:t>li</a:t>
+            </a:r>
+            <a:r>
+              <a:rPr lang="en-US" altLang="zh-TW" sz="1600" b="0" dirty="0" smtClean="0"/>
+              <a:t>&gt;</a:t>
+            </a:r>
+          </a:p>
+          <a:p>
+            <a:r>
+              <a:rPr lang="en-US" altLang="zh-TW" sz="1600" b="0" dirty="0" smtClean="0"/>
+              <a:t>&lt;a </a:t>
+            </a:r>
+            <a:r>
+              <a:rPr lang="en-US" altLang="zh-TW" sz="1600" dirty="0" err="1" smtClean="0">
+                <a:solidFill>
+                  <a:schemeClr val="accent6"/>
+                </a:solidFill>
+              </a:rPr>
+              <a:t>href</a:t>
+            </a:r>
+            <a:r>
+              <a:rPr lang="en-US" altLang="zh-TW" sz="1600" dirty="0" smtClean="0">
+                <a:solidFill>
+                  <a:schemeClr val="accent6"/>
+                </a:solidFill>
+              </a:rPr>
+              <a:t>="/setting"&gt;&lt;</a:t>
+            </a:r>
+            <a:r>
+              <a:rPr lang="en-US" altLang="zh-TW" sz="1600" b="0" dirty="0" err="1" smtClean="0"/>
+              <a:t>i</a:t>
+            </a:r>
+            <a:r>
+              <a:rPr lang="en-US" altLang="zh-TW" sz="1600" b="0" dirty="0" smtClean="0"/>
+              <a:t> class="</a:t>
+            </a:r>
+            <a:r>
+              <a:rPr lang="en-US" altLang="zh-TW" sz="1600" b="0" dirty="0" err="1" smtClean="0"/>
+              <a:t>fa</a:t>
+            </a:r>
+            <a:r>
+              <a:rPr lang="en-US" altLang="zh-TW" sz="1600" b="0" dirty="0" smtClean="0"/>
+              <a:t> </a:t>
+            </a:r>
+            <a:r>
+              <a:rPr lang="en-US" altLang="zh-TW" sz="1600" b="0" dirty="0" err="1" smtClean="0"/>
+              <a:t>fa</a:t>
+            </a:r>
+            <a:r>
+              <a:rPr lang="en-US" altLang="zh-TW" sz="1600" b="0" dirty="0" smtClean="0"/>
+              <a:t>-pencil </a:t>
+            </a:r>
+            <a:r>
+              <a:rPr lang="en-US" altLang="zh-TW" sz="1600" b="0" dirty="0" err="1" smtClean="0"/>
+              <a:t>fa-fw</a:t>
+            </a:r>
+            <a:r>
+              <a:rPr lang="en-US" altLang="zh-TW" sz="1600" b="0" dirty="0" smtClean="0"/>
+              <a:t>"&gt;&lt;/</a:t>
+            </a:r>
+            <a:r>
+              <a:rPr lang="en-US" altLang="zh-TW" sz="1600" b="0" dirty="0" err="1" smtClean="0"/>
+              <a:t>i</a:t>
+            </a:r>
+            <a:r>
+              <a:rPr lang="en-US" altLang="zh-TW" sz="1600" b="0" dirty="0" smtClean="0"/>
+              <a:t>&gt; </a:t>
+            </a:r>
+            <a:r>
+              <a:rPr lang="zh-TW" altLang="en-US" sz="1600" dirty="0" smtClean="0">
+                <a:solidFill>
+                  <a:schemeClr val="accent6"/>
+                </a:solidFill>
+              </a:rPr>
+              <a:t>設定</a:t>
+            </a:r>
+            <a:r>
+              <a:rPr lang="en-US" altLang="zh-TW" sz="1600" b="0" dirty="0" smtClean="0"/>
+              <a:t>&lt;/a&gt;</a:t>
+            </a:r>
+          </a:p>
+          <a:p>
+            <a:r>
+              <a:rPr lang="en-US" altLang="zh-TW" sz="1600" b="0" dirty="0" smtClean="0"/>
+              <a:t>&lt;/</a:t>
+            </a:r>
+            <a:r>
+              <a:rPr lang="en-US" altLang="zh-TW" sz="1600" b="0" dirty="0" err="1" smtClean="0"/>
+              <a:t>li</a:t>
+            </a:r>
+            <a:r>
+              <a:rPr lang="en-US" altLang="zh-TW" sz="1600" b="0" dirty="0" smtClean="0"/>
+              <a:t>&gt;</a:t>
+            </a:r>
+            <a:endParaRPr lang="en-US" altLang="zh-TW" sz="1600" b="0" dirty="0" smtClean="0">
+              <a:sym typeface="Arial"/>
+            </a:endParaRPr>
           </a:p>
           <a:p>
             <a:pPr defTabSz="232196">
@@ -24551,10 +24591,9 @@
                 <a:sym typeface="Arial"/>
               </a:defRPr>
             </a:pPr>
-            <a:r>
-              <a:rPr dirty="0"/>
-              <a:t>	console.log('render to post.ejs');</a:t>
-            </a:r>
+            <a:endParaRPr lang="en-US" altLang="zh-TW" sz="1400" b="0" dirty="0" smtClean="0">
+              <a:sym typeface="Arial"/>
+            </a:endParaRPr>
           </a:p>
           <a:p>
             <a:pPr defTabSz="232196">
@@ -24574,46 +24613,9 @@
                 <a:sym typeface="Arial"/>
               </a:defRPr>
             </a:pPr>
-            <a:r>
-              <a:rPr dirty="0"/>
-              <a:t>	</a:t>
-            </a:r>
-            <a:r>
-              <a:rPr dirty="0" err="1"/>
-              <a:t>res.render</a:t>
-            </a:r>
-            <a:r>
-              <a:rPr dirty="0" smtClean="0"/>
-              <a:t>('</a:t>
-            </a:r>
-            <a:r>
-              <a:rPr lang="en-US" dirty="0" smtClean="0"/>
-              <a:t>setting</a:t>
-            </a:r>
-            <a:r>
-              <a:rPr dirty="0" smtClean="0"/>
-              <a:t>', </a:t>
-            </a:r>
-            <a:r>
-              <a:rPr dirty="0"/>
-              <a:t>{ title: </a:t>
-            </a:r>
-            <a:r>
-              <a:rPr dirty="0" smtClean="0"/>
-              <a:t>'</a:t>
-            </a:r>
-            <a:r>
-              <a:rPr lang="zh-TW" altLang="en-US" dirty="0" smtClean="0"/>
-              <a:t>設定</a:t>
-            </a:r>
-            <a:r>
-              <a:rPr dirty="0" smtClean="0"/>
-              <a:t>' </a:t>
-            </a:r>
-            <a:r>
-              <a:rPr dirty="0"/>
-              <a:t>});</a:t>
-            </a:r>
+            <a:endParaRPr lang="en-US" altLang="zh-TW" sz="1400" b="0" dirty="0" smtClean="0">
+              <a:sym typeface="Arial"/>
+            </a:endParaRPr>
           </a:p>
           <a:p>
             <a:pPr defTabSz="232196">
@@ -24633,95 +24635,7 @@
                 <a:sym typeface="Arial"/>
               </a:defRPr>
             </a:pPr>
-            <a:r>
-              <a:rPr dirty="0"/>
-              <a:t>  });</a:t>
-            </a:r>
-          </a:p>
-          <a:p>
-            <a:pPr defTabSz="232196">
-              <a:lnSpc>
-                <a:spcPct val="115000"/>
-              </a:lnSpc>
-              <a:spcBef>
-                <a:spcPts val="300"/>
-              </a:spcBef>
-              <a:defRPr sz="1400">
-                <a:solidFill>
-                  <a:srgbClr val="585858"/>
-                </a:solidFill>
-                <a:latin typeface="Arial"/>
-                <a:ea typeface="Arial"/>
-                <a:cs typeface="Arial"/>
-                <a:sym typeface="Arial"/>
-              </a:defRPr>
-            </a:pPr>
-            <a:r>
-              <a:rPr dirty="0"/>
-              <a:t>  app.post</a:t>
-            </a:r>
-            <a:r>
-              <a:rPr dirty="0" smtClean="0"/>
-              <a:t>('/</a:t>
-            </a:r>
-            <a:r>
-              <a:rPr lang="en-US" dirty="0" smtClean="0"/>
-              <a:t>setting</a:t>
-            </a:r>
-            <a:r>
-              <a:rPr dirty="0" smtClean="0"/>
-              <a:t>', </a:t>
-            </a:r>
-            <a:r>
-              <a:rPr dirty="0"/>
-              <a:t>function (req, res) {</a:t>
-            </a:r>
-          </a:p>
-          <a:p>
-            <a:pPr defTabSz="232196">
-              <a:lnSpc>
-                <a:spcPct val="115000"/>
-              </a:lnSpc>
-              <a:spcBef>
-                <a:spcPts val="300"/>
-              </a:spcBef>
-              <a:defRPr sz="1400">
-                <a:solidFill>
-                  <a:srgbClr val="585858"/>
-                </a:solidFill>
-                <a:latin typeface="Arial"/>
-                <a:ea typeface="Arial"/>
-                <a:cs typeface="Arial"/>
-                <a:sym typeface="Arial"/>
-              </a:defRPr>
-            </a:pPr>
-            <a:r>
-              <a:rPr dirty="0"/>
-              <a:t>  });</a:t>
-            </a:r>
-          </a:p>
-          <a:p>
-            <a:pPr defTabSz="232196">
-              <a:lnSpc>
-                <a:spcPct val="115000"/>
-              </a:lnSpc>
-              <a:spcBef>
-                <a:spcPts val="300"/>
-              </a:spcBef>
-              <a:defRPr sz="1400">
-                <a:solidFill>
-                  <a:srgbClr val="585858"/>
-                </a:solidFill>
-                <a:latin typeface="Arial"/>
-                <a:ea typeface="Arial"/>
-                <a:cs typeface="Arial"/>
-                <a:sym typeface="Arial"/>
-              </a:defRPr>
-            </a:pPr>
-            <a:r>
-              <a:rPr dirty="0"/>
-              <a:t>};</a:t>
-            </a:r>
+            <a:endParaRPr dirty="0"/>
           </a:p>
         </p:txBody>
       </p:sp>
@@ -24790,10 +24704,9 @@
           </a:lstStyle>
           <a:p>
             <a:r>
-              <a:rPr lang="en-US" dirty="0" smtClean="0"/>
-              <a:t>Bootstrap template</a:t>
-            </a:r>
-            <a:endParaRPr dirty="0"/>
+              <a:rPr dirty="0"/>
+              <a:t>頁面路由 - index.js</a:t>
+            </a:r>
           </a:p>
         </p:txBody>
       </p:sp>
@@ -24840,10 +24753,8 @@
               </a:defRPr>
             </a:pPr>
             <a:r>
-              <a:rPr lang="en-US" altLang="zh-TW" sz="1800" dirty="0" smtClean="0">
-                <a:sym typeface="Arial"/>
-              </a:rPr>
-              <a:t>AdminLTE </a:t>
+              <a:rPr dirty="0"/>
+              <a:t>module.exports = function(app) {</a:t>
             </a:r>
           </a:p>
           <a:p>
@@ -24865,15 +24776,9 @@
               </a:defRPr>
             </a:pPr>
             <a:r>
-              <a:rPr lang="en-US" altLang="zh-TW" sz="1800" b="0" dirty="0" smtClean="0">
-                <a:sym typeface="Arial"/>
-                <a:hlinkClick r:id="rId2"/>
-              </a:rPr>
-              <a:t>https://github.com/almasaeed2010/AdminLTE</a:t>
-            </a:r>
-            <a:endParaRPr lang="en-US" altLang="zh-TW" sz="1800" b="0" dirty="0" smtClean="0">
-              <a:sym typeface="Arial"/>
-            </a:endParaRPr>
+              <a:rPr dirty="0"/>
+              <a:t>  app.get('/', function (req, res) {</a:t>
+            </a:r>
           </a:p>
           <a:p>
             <a:pPr defTabSz="232196">
@@ -24894,10 +24799,8 @@
               </a:defRPr>
             </a:pPr>
             <a:r>
-              <a:rPr lang="en-US" altLang="zh-TW" sz="1800" dirty="0" smtClean="0">
-                <a:sym typeface="Arial"/>
-              </a:rPr>
-              <a:t>Bootstrap-Admin-Theme</a:t>
+              <a:rPr dirty="0"/>
+              <a:t>    res.render('index', { title: '首頁' });</a:t>
             </a:r>
           </a:p>
           <a:p>
@@ -24919,15 +24822,9 @@
               </a:defRPr>
             </a:pPr>
             <a:r>
-              <a:rPr lang="en-US" altLang="zh-TW" sz="1800" b="0" dirty="0" smtClean="0">
-                <a:sym typeface="Arial"/>
-                <a:hlinkClick r:id="rId3"/>
-              </a:rPr>
-              <a:t>https://github.com/VinceG/Bootstrap-Admin-Theme</a:t>
-            </a:r>
-            <a:endParaRPr lang="en-US" altLang="zh-TW" sz="1800" b="0" dirty="0" smtClean="0">
-              <a:sym typeface="Arial"/>
-            </a:endParaRPr>
+              <a:rPr dirty="0"/>
+              <a:t>  });</a:t>
+            </a:r>
           </a:p>
           <a:p>
             <a:pPr defTabSz="232196">
@@ -24948,10 +24845,28 @@
               </a:defRPr>
             </a:pPr>
             <a:r>
-              <a:rPr lang="en-US" altLang="zh-TW" sz="1800" dirty="0" smtClean="0">
-                <a:sym typeface="Arial"/>
-              </a:rPr>
-              <a:t>Binary admin</a:t>
+              <a:rPr dirty="0"/>
+              <a:t>  </a:t>
+            </a:r>
+            <a:r>
+              <a:rPr dirty="0" err="1"/>
+              <a:t>app.get</a:t>
+            </a:r>
+            <a:r>
+              <a:rPr dirty="0" smtClean="0"/>
+              <a:t>('/</a:t>
+            </a:r>
+            <a:r>
+              <a:rPr lang="en-US" dirty="0" err="1" smtClean="0"/>
+              <a:t>finalList</a:t>
+            </a:r>
+            <a:r>
+              <a:rPr dirty="0" smtClean="0"/>
+              <a:t>', </a:t>
+            </a:r>
+            <a:r>
+              <a:rPr dirty="0"/>
+              <a:t>function (req, res) {</a:t>
             </a:r>
           </a:p>
           <a:p>
@@ -24973,15 +24888,9 @@
               </a:defRPr>
             </a:pPr>
             <a:r>
-              <a:rPr lang="en-US" altLang="zh-TW" sz="1800" b="0" dirty="0" smtClean="0">
-                <a:sym typeface="Arial"/>
-                <a:hlinkClick r:id="rId4"/>
-              </a:rPr>
-              <a:t>http://binarycart.com/</a:t>
-            </a:r>
-            <a:endParaRPr lang="en-US" altLang="zh-TW" sz="1800" b="0" dirty="0" smtClean="0">
-              <a:sym typeface="Arial"/>
-            </a:endParaRPr>
+              <a:rPr dirty="0"/>
+              <a:t>	console.log('render to update.ejs');</a:t>
+            </a:r>
           </a:p>
           <a:p>
             <a:pPr defTabSz="232196">
@@ -25002,10 +24911,48 @@
               </a:defRPr>
             </a:pPr>
             <a:r>
-              <a:rPr lang="en-US" altLang="zh-TW" sz="1800" dirty="0" smtClean="0">
-                <a:sym typeface="Arial"/>
-              </a:rPr>
-              <a:t>Butterfly</a:t>
+              <a:rPr dirty="0"/>
+              <a:t>	</a:t>
+            </a:r>
+            <a:r>
+              <a:rPr dirty="0" err="1" smtClean="0"/>
+              <a:t>res.render</a:t>
+            </a:r>
+            <a:r>
+              <a:rPr dirty="0" smtClean="0"/>
+              <a:t>(</a:t>
+            </a:r>
+            <a:r>
+              <a:rPr lang="en-US" altLang="zh-TW" dirty="0" err="1" smtClean="0"/>
+              <a:t>finalList</a:t>
+            </a:r>
+            <a:r>
+              <a:rPr lang="en-US" altLang="zh-TW" dirty="0" smtClean="0"/>
+              <a:t> </a:t>
+            </a:r>
+            <a:r>
+              <a:rPr dirty="0" smtClean="0"/>
+              <a:t>', </a:t>
+            </a:r>
+            <a:r>
+              <a:rPr dirty="0"/>
+              <a:t>{ title: </a:t>
+            </a:r>
+            <a:r>
+              <a:rPr dirty="0" smtClean="0"/>
+              <a:t>'</a:t>
+            </a:r>
+            <a:r>
+              <a:rPr lang="zh-TW" altLang="en-US" dirty="0" smtClean="0"/>
+              <a:t>最新資訊</a:t>
+            </a:r>
+            <a:r>
+              <a:rPr dirty="0" smtClean="0"/>
+              <a:t>' </a:t>
+            </a:r>
+            <a:r>
+              <a:rPr dirty="0"/>
+              <a:t>});</a:t>
             </a:r>
           </a:p>
           <a:p>
@@ -25027,15 +24974,9 @@
               </a:defRPr>
             </a:pPr>
             <a:r>
-              <a:rPr lang="en-US" altLang="zh-TW" sz="1800" b="0" dirty="0" smtClean="0">
-                <a:sym typeface="Arial"/>
-                <a:hlinkClick r:id="rId5"/>
-              </a:rPr>
-              <a:t>https://bootstrapmade.com/butterfly-free-bootstrap-theme/</a:t>
-            </a:r>
-            <a:endParaRPr lang="en-US" altLang="zh-TW" sz="1800" b="0" dirty="0" smtClean="0">
-              <a:sym typeface="Arial"/>
-            </a:endParaRPr>
+              <a:rPr dirty="0"/>
+              <a:t>  });</a:t>
+            </a:r>
           </a:p>
           <a:p>
             <a:pPr defTabSz="232196">
@@ -25056,10 +24997,28 @@
               </a:defRPr>
             </a:pPr>
             <a:r>
-              <a:rPr lang="en-US" altLang="zh-TW" sz="1800" dirty="0" smtClean="0">
-                <a:sym typeface="Arial"/>
-              </a:rPr>
-              <a:t>SB Admin</a:t>
+              <a:rPr lang="zh-TW" altLang="en-US" dirty="0" smtClean="0"/>
+              <a:t>  </a:t>
+            </a:r>
+            <a:r>
+              <a:rPr dirty="0" err="1" smtClean="0"/>
+              <a:t>app.get</a:t>
+            </a:r>
+            <a:r>
+              <a:rPr dirty="0" smtClean="0"/>
+              <a:t>('/</a:t>
+            </a:r>
+            <a:r>
+              <a:rPr lang="en-US" dirty="0" smtClean="0"/>
+              <a:t>setting</a:t>
+            </a:r>
+            <a:r>
+              <a:rPr dirty="0" smtClean="0"/>
+              <a:t>', </a:t>
+            </a:r>
+            <a:r>
+              <a:rPr dirty="0"/>
+              <a:t>function (req, res) {</a:t>
             </a:r>
           </a:p>
           <a:p>
@@ -25081,15 +25040,9 @@
               </a:defRPr>
             </a:pPr>
             <a:r>
-              <a:rPr lang="en-US" altLang="zh-TW" sz="1800" b="0" dirty="0" smtClean="0">
-                <a:sym typeface="Arial"/>
-                <a:hlinkClick r:id="rId6"/>
-              </a:rPr>
-              <a:t>https://startbootstrap.com/template-overviews/sb-admin/</a:t>
-            </a:r>
-            <a:endParaRPr lang="en-US" altLang="zh-TW" sz="1800" b="0" dirty="0" smtClean="0">
-              <a:sym typeface="Arial"/>
-            </a:endParaRPr>
+              <a:rPr dirty="0"/>
+              <a:t>	console.log('render to post.ejs');</a:t>
+            </a:r>
           </a:p>
           <a:p>
             <a:pPr defTabSz="232196">
@@ -25110,10 +25063,44 @@
               </a:defRPr>
             </a:pPr>
             <a:r>
-              <a:rPr lang="en-US" altLang="zh-TW" sz="1800" dirty="0" smtClean="0">
-                <a:sym typeface="Arial"/>
-              </a:rPr>
-              <a:t>SB Admin 2</a:t>
+              <a:rPr dirty="0"/>
+              <a:t>	</a:t>
+            </a:r>
+            <a:r>
+              <a:rPr dirty="0" err="1"/>
+              <a:t>res.render</a:t>
+            </a:r>
+            <a:r>
+              <a:rPr dirty="0" smtClean="0"/>
+              <a:t>('</a:t>
+            </a:r>
+            <a:r>
+              <a:rPr lang="en-US" dirty="0" smtClean="0"/>
+              <a:t>setting</a:t>
+            </a:r>
+            <a:r>
+              <a:rPr dirty="0" smtClean="0"/>
+              <a:t>', </a:t>
+            </a:r>
+            <a:r>
+              <a:rPr dirty="0"/>
+              <a:t>{ title: </a:t>
+            </a:r>
+            <a:r>
+              <a:rPr dirty="0" smtClean="0"/>
+              <a:t>'</a:t>
+            </a:r>
+            <a:r>
+              <a:rPr lang="zh-TW" altLang="en-US" dirty="0" smtClean="0"/>
+              <a:t>設定</a:t>
+            </a:r>
+            <a:r>
+              <a:rPr dirty="0" smtClean="0"/>
+              <a:t>' </a:t>
+            </a:r>
+            <a:r>
+              <a:rPr dirty="0"/>
+              <a:t>});</a:t>
             </a:r>
           </a:p>
           <a:p>
@@ -25135,21 +25122,9 @@
               </a:defRPr>
             </a:pPr>
             <a:r>
-              <a:rPr lang="en-US" altLang="zh-TW" sz="1800" b="0" dirty="0" smtClean="0">
-                <a:solidFill>
-                  <a:schemeClr val="accent6"/>
-                </a:solidFill>
-                <a:sym typeface="Arial"/>
-                <a:hlinkClick r:id="rId7"/>
-              </a:rPr>
-              <a:t>http://startbootstrap.com/template-overviews/sb-admin-2/</a:t>
-            </a:r>
-            <a:endParaRPr lang="en-US" altLang="zh-TW" sz="1800" b="0" dirty="0" smtClean="0">
-              <a:solidFill>
-                <a:schemeClr val="accent6"/>
-              </a:solidFill>
-              <a:sym typeface="Arial"/>
-            </a:endParaRPr>
+              <a:rPr dirty="0"/>
+              <a:t>  });</a:t>
+            </a:r>
           </a:p>
           <a:p>
             <a:pPr defTabSz="232196">
@@ -25169,9 +25144,26 @@
                 <a:sym typeface="Arial"/>
               </a:defRPr>
             </a:pPr>
-            <a:endParaRPr lang="en-US" altLang="zh-TW" sz="1800" b="0" dirty="0" smtClean="0">
-              <a:sym typeface="Arial"/>
-            </a:endParaRPr>
+            <a:r>
+              <a:rPr dirty="0"/>
+              <a:t>  app.post</a:t>
+            </a:r>
+            <a:r>
+              <a:rPr dirty="0" smtClean="0"/>
+              <a:t>('/</a:t>
+            </a:r>
+            <a:r>
+              <a:rPr lang="en-US" dirty="0" smtClean="0"/>
+              <a:t>setting</a:t>
+            </a:r>
+            <a:r>
+              <a:rPr dirty="0" smtClean="0"/>
+              <a:t>', </a:t>
+            </a:r>
+            <a:r>
+              <a:rPr dirty="0"/>
+              <a:t>function (req, res) {</a:t>
+            </a:r>
           </a:p>
           <a:p>
             <a:pPr defTabSz="232196">
@@ -25191,9 +25183,10 @@
                 <a:sym typeface="Arial"/>
               </a:defRPr>
             </a:pPr>
-            <a:endParaRPr lang="en-US" altLang="zh-TW" sz="1800" dirty="0" smtClean="0">
-              <a:sym typeface="Arial"/>
-            </a:endParaRPr>
+            <a:r>
+              <a:rPr dirty="0"/>
+              <a:t>  });</a:t>
+            </a:r>
           </a:p>
           <a:p>
             <a:pPr defTabSz="232196">
@@ -25213,97 +25206,10 @@
                 <a:sym typeface="Arial"/>
               </a:defRPr>
             </a:pPr>
-            <a:endParaRPr lang="en-US" altLang="zh-TW" sz="1800" dirty="0" smtClean="0">
-              <a:sym typeface="Arial"/>
-            </a:endParaRPr>
-          </a:p>
-          <a:p>
-            <a:pPr defTabSz="232196">
-              <a:lnSpc>
-                <a:spcPct val="115000"/>
-              </a:lnSpc>
-              <a:spcBef>
-                <a:spcPts val="300"/>
-              </a:spcBef>
-              <a:defRPr sz="1400">
-                <a:solidFill>
-                  <a:srgbClr val="585858"/>
-                </a:solidFill>
-                <a:latin typeface="Arial"/>
-                <a:ea typeface="Arial"/>
-                <a:cs typeface="Arial"/>
-                <a:sym typeface="Arial"/>
-              </a:defRPr>
-            </a:pPr>
-            <a:endParaRPr lang="en-US" altLang="zh-TW" sz="1800" dirty="0" smtClean="0">
-              <a:sym typeface="Arial"/>
-            </a:endParaRPr>
-          </a:p>
-          <a:p>
-            <a:pPr defTabSz="232196">
-              <a:lnSpc>
-                <a:spcPct val="115000"/>
-              </a:lnSpc>
-              <a:spcBef>
-                <a:spcPts val="300"/>
-              </a:spcBef>
-              <a:defRPr sz="1400">
-                <a:solidFill>
-                  <a:srgbClr val="585858"/>
-                </a:solidFill>
-                <a:latin typeface="Arial"/>
-                <a:ea typeface="Arial"/>
-                <a:cs typeface="Arial"/>
-                <a:sym typeface="Arial"/>
-              </a:defRPr>
-            </a:pPr>
-            <a:endParaRPr lang="en-US" altLang="zh-TW" sz="1800" dirty="0" smtClean="0">
-              <a:sym typeface="Arial"/>
-            </a:endParaRPr>
-          </a:p>
-          <a:p>
-            <a:pPr defTabSz="232196">
-              <a:lnSpc>
-                <a:spcPct val="115000"/>
-              </a:lnSpc>
-              <a:spcBef>
-                <a:spcPts val="300"/>
-              </a:spcBef>
-              <a:defRPr sz="1400">
-                <a:solidFill>
-                  <a:srgbClr val="585858"/>
-                </a:solidFill>
-                <a:latin typeface="Arial"/>
-                <a:ea typeface="Arial"/>
-                <a:cs typeface="Arial"/>
-                <a:sym typeface="Arial"/>
-              </a:defRPr>
-            </a:pPr>
-            <a:endParaRPr lang="en-US" altLang="zh-TW" sz="1800" dirty="0" smtClean="0">
-              <a:sym typeface="Arial"/>
-            </a:endParaRPr>
-          </a:p>
-          <a:p>
-            <a:pPr defTabSz="232196">
-              <a:lnSpc>
-                <a:spcPct val="115000"/>
-              </a:lnSpc>
-              <a:spcBef>
-                <a:spcPts val="300"/>
-              </a:spcBef>
-              <a:defRPr sz="1400">
-                <a:solidFill>
-                  <a:srgbClr val="585858"/>
-                </a:solidFill>
-                <a:latin typeface="Arial"/>
-                <a:ea typeface="Arial"/>
-                <a:cs typeface="Arial"/>
-                <a:sym typeface="Arial"/>
-              </a:defRPr>
-            </a:pPr>
-            <a:endParaRPr lang="en-US" altLang="zh-TW" sz="1800" dirty="0" smtClean="0">
-              <a:sym typeface="Arial"/>
-            </a:endParaRPr>
+            <a:r>
+              <a:rPr dirty="0"/>
+              <a:t>};</a:t>
+            </a:r>
           </a:p>
         </p:txBody>
       </p:sp>
@@ -25352,6 +25258,588 @@
         </p:nvSpPr>
         <p:spPr>
           <a:xfrm>
+            <a:off x="685798" y="266699"/>
+            <a:ext cx="7772404" cy="899915"/>
+          </a:xfrm>
+          <a:prstGeom prst="rect">
+            <a:avLst/>
+          </a:prstGeom>
+        </p:spPr>
+        <p:txBody>
+          <a:bodyPr/>
+          <a:lstStyle>
+            <a:lvl1pPr algn="ctr">
+              <a:defRPr sz="4800" b="0" cap="none">
+                <a:solidFill>
+                  <a:srgbClr val="FFFFFF"/>
+                </a:solidFill>
+              </a:defRPr>
+            </a:lvl1pPr>
+          </a:lstStyle>
+          <a:p>
+            <a:r>
+              <a:rPr lang="en-US" dirty="0" smtClean="0"/>
+              <a:t>Bootstrap template</a:t>
+            </a:r>
+            <a:endParaRPr dirty="0"/>
+          </a:p>
+        </p:txBody>
+      </p:sp>
+      <p:sp>
+        <p:nvSpPr>
+          <p:cNvPr id="495" name="Shape 495"/>
+          <p:cNvSpPr>
+            <a:spLocks noGrp="1"/>
+          </p:cNvSpPr>
+          <p:nvPr>
+            <p:ph type="body" idx="1"/>
+          </p:nvPr>
+        </p:nvSpPr>
+        <p:spPr>
+          <a:xfrm>
+            <a:off x="685798" y="1255562"/>
+            <a:ext cx="7772404" cy="4713390"/>
+          </a:xfrm>
+          <a:prstGeom prst="rect">
+            <a:avLst/>
+          </a:prstGeom>
+        </p:spPr>
+        <p:txBody>
+          <a:bodyPr anchor="t">
+            <a:normAutofit/>
+          </a:bodyPr>
+          <a:lstStyle/>
+          <a:p>
+            <a:pPr defTabSz="232196">
+              <a:lnSpc>
+                <a:spcPct val="115000"/>
+              </a:lnSpc>
+              <a:spcBef>
+                <a:spcPts val="300"/>
+              </a:spcBef>
+              <a:defRPr sz="1400">
+                <a:solidFill>
+                  <a:srgbClr val="585858"/>
+                </a:solidFill>
+                <a:latin typeface="Arial"/>
+                <a:ea typeface="Arial"/>
+                <a:cs typeface="Arial"/>
+                <a:sym typeface="Arial"/>
+              </a:defRPr>
+            </a:pPr>
+            <a:r>
+              <a:rPr lang="en-US" altLang="zh-TW" sz="1800" dirty="0" smtClean="0">
+                <a:sym typeface="Arial"/>
+              </a:rPr>
+              <a:t>AdminLTE </a:t>
+            </a:r>
+          </a:p>
+          <a:p>
+            <a:pPr defTabSz="232196">
+              <a:lnSpc>
+                <a:spcPct val="115000"/>
+              </a:lnSpc>
+              <a:spcBef>
+                <a:spcPts val="300"/>
+              </a:spcBef>
+              <a:defRPr sz="1400">
+                <a:solidFill>
+                  <a:srgbClr val="585858"/>
+                </a:solidFill>
+                <a:latin typeface="Arial"/>
+                <a:ea typeface="Arial"/>
+                <a:cs typeface="Arial"/>
+                <a:sym typeface="Arial"/>
+              </a:defRPr>
+            </a:pPr>
+            <a:r>
+              <a:rPr lang="en-US" altLang="zh-TW" sz="1800" b="0" dirty="0" smtClean="0">
+                <a:sym typeface="Arial"/>
+                <a:hlinkClick r:id="rId2"/>
+              </a:rPr>
+              <a:t>https://github.com/almasaeed2010/AdminLTE</a:t>
+            </a:r>
+            <a:endParaRPr lang="en-US" altLang="zh-TW" sz="1800" b="0" dirty="0" smtClean="0">
+              <a:sym typeface="Arial"/>
+            </a:endParaRPr>
+          </a:p>
+          <a:p>
+            <a:pPr defTabSz="232196">
+              <a:lnSpc>
+                <a:spcPct val="115000"/>
+              </a:lnSpc>
+              <a:spcBef>
+                <a:spcPts val="300"/>
+              </a:spcBef>
+              <a:defRPr sz="1400">
+                <a:solidFill>
+                  <a:srgbClr val="585858"/>
+                </a:solidFill>
+                <a:latin typeface="Arial"/>
+                <a:ea typeface="Arial"/>
+                <a:cs typeface="Arial"/>
+                <a:sym typeface="Arial"/>
+              </a:defRPr>
+            </a:pPr>
+            <a:r>
+              <a:rPr lang="en-US" altLang="zh-TW" sz="1800" dirty="0" smtClean="0">
+                <a:sym typeface="Arial"/>
+              </a:rPr>
+              <a:t>Bootstrap-Admin-Theme</a:t>
+            </a:r>
+          </a:p>
+          <a:p>
+            <a:pPr defTabSz="232196">
+              <a:lnSpc>
+                <a:spcPct val="115000"/>
+              </a:lnSpc>
+              <a:spcBef>
+                <a:spcPts val="300"/>
+              </a:spcBef>
+              <a:defRPr sz="1400">
+                <a:solidFill>
+                  <a:srgbClr val="585858"/>
+                </a:solidFill>
+                <a:latin typeface="Arial"/>
+                <a:ea typeface="Arial"/>
+                <a:cs typeface="Arial"/>
+                <a:sym typeface="Arial"/>
+              </a:defRPr>
+            </a:pPr>
+            <a:r>
+              <a:rPr lang="en-US" altLang="zh-TW" sz="1800" b="0" dirty="0" smtClean="0">
+                <a:sym typeface="Arial"/>
+                <a:hlinkClick r:id="rId3"/>
+              </a:rPr>
+              <a:t>https://github.com/VinceG/Bootstrap-Admin-Theme</a:t>
+            </a:r>
+            <a:endParaRPr lang="en-US" altLang="zh-TW" sz="1800" b="0" dirty="0" smtClean="0">
+              <a:sym typeface="Arial"/>
+            </a:endParaRPr>
+          </a:p>
+          <a:p>
+            <a:pPr defTabSz="232196">
+              <a:lnSpc>
+                <a:spcPct val="115000"/>
+              </a:lnSpc>
+              <a:spcBef>
+                <a:spcPts val="300"/>
+              </a:spcBef>
+              <a:defRPr sz="1400">
+                <a:solidFill>
+                  <a:srgbClr val="585858"/>
+                </a:solidFill>
+                <a:latin typeface="Arial"/>
+                <a:ea typeface="Arial"/>
+                <a:cs typeface="Arial"/>
+                <a:sym typeface="Arial"/>
+              </a:defRPr>
+            </a:pPr>
+            <a:r>
+              <a:rPr lang="en-US" altLang="zh-TW" sz="1800" dirty="0" smtClean="0">
+                <a:sym typeface="Arial"/>
+              </a:rPr>
+              <a:t>Binary admin</a:t>
+            </a:r>
+          </a:p>
+          <a:p>
+            <a:pPr defTabSz="232196">
+              <a:lnSpc>
+                <a:spcPct val="115000"/>
+              </a:lnSpc>
+              <a:spcBef>
+                <a:spcPts val="300"/>
+              </a:spcBef>
+              <a:defRPr sz="1400">
+                <a:solidFill>
+                  <a:srgbClr val="585858"/>
+                </a:solidFill>
+                <a:latin typeface="Arial"/>
+                <a:ea typeface="Arial"/>
+                <a:cs typeface="Arial"/>
+                <a:sym typeface="Arial"/>
+              </a:defRPr>
+            </a:pPr>
+            <a:r>
+              <a:rPr lang="en-US" altLang="zh-TW" sz="1800" b="0" dirty="0" smtClean="0">
+                <a:sym typeface="Arial"/>
+                <a:hlinkClick r:id="rId4"/>
+              </a:rPr>
+              <a:t>http://binarycart.com/</a:t>
+            </a:r>
+            <a:endParaRPr lang="en-US" altLang="zh-TW" sz="1800" b="0" dirty="0" smtClean="0">
+              <a:sym typeface="Arial"/>
+            </a:endParaRPr>
+          </a:p>
+          <a:p>
+            <a:pPr defTabSz="232196">
+              <a:lnSpc>
+                <a:spcPct val="115000"/>
+              </a:lnSpc>
+              <a:spcBef>
+                <a:spcPts val="300"/>
+              </a:spcBef>
+              <a:defRPr sz="1400">
+                <a:solidFill>
+                  <a:srgbClr val="585858"/>
+                </a:solidFill>
+                <a:latin typeface="Arial"/>
+                <a:ea typeface="Arial"/>
+                <a:cs typeface="Arial"/>
+                <a:sym typeface="Arial"/>
+              </a:defRPr>
+            </a:pPr>
+            <a:r>
+              <a:rPr lang="en-US" altLang="zh-TW" sz="1800" dirty="0" smtClean="0">
+                <a:sym typeface="Arial"/>
+              </a:rPr>
+              <a:t>Butterfly</a:t>
+            </a:r>
+          </a:p>
+          <a:p>
+            <a:pPr defTabSz="232196">
+              <a:lnSpc>
+                <a:spcPct val="115000"/>
+              </a:lnSpc>
+              <a:spcBef>
+                <a:spcPts val="300"/>
+              </a:spcBef>
+              <a:defRPr sz="1400">
+                <a:solidFill>
+                  <a:srgbClr val="585858"/>
+                </a:solidFill>
+                <a:latin typeface="Arial"/>
+                <a:ea typeface="Arial"/>
+                <a:cs typeface="Arial"/>
+                <a:sym typeface="Arial"/>
+              </a:defRPr>
+            </a:pPr>
+            <a:r>
+              <a:rPr lang="en-US" altLang="zh-TW" sz="1800" b="0" dirty="0" smtClean="0">
+                <a:sym typeface="Arial"/>
+                <a:hlinkClick r:id="rId5"/>
+              </a:rPr>
+              <a:t>https://bootstrapmade.com/butterfly-free-bootstrap-theme/</a:t>
+            </a:r>
+            <a:endParaRPr lang="en-US" altLang="zh-TW" sz="1800" b="0" dirty="0" smtClean="0">
+              <a:sym typeface="Arial"/>
+            </a:endParaRPr>
+          </a:p>
+          <a:p>
+            <a:pPr defTabSz="232196">
+              <a:lnSpc>
+                <a:spcPct val="115000"/>
+              </a:lnSpc>
+              <a:spcBef>
+                <a:spcPts val="300"/>
+              </a:spcBef>
+              <a:defRPr sz="1400">
+                <a:solidFill>
+                  <a:srgbClr val="585858"/>
+                </a:solidFill>
+                <a:latin typeface="Arial"/>
+                <a:ea typeface="Arial"/>
+                <a:cs typeface="Arial"/>
+                <a:sym typeface="Arial"/>
+              </a:defRPr>
+            </a:pPr>
+            <a:r>
+              <a:rPr lang="en-US" altLang="zh-TW" sz="1800" dirty="0" smtClean="0">
+                <a:sym typeface="Arial"/>
+              </a:rPr>
+              <a:t>SB Admin</a:t>
+            </a:r>
+          </a:p>
+          <a:p>
+            <a:pPr defTabSz="232196">
+              <a:lnSpc>
+                <a:spcPct val="115000"/>
+              </a:lnSpc>
+              <a:spcBef>
+                <a:spcPts val="300"/>
+              </a:spcBef>
+              <a:defRPr sz="1400">
+                <a:solidFill>
+                  <a:srgbClr val="585858"/>
+                </a:solidFill>
+                <a:latin typeface="Arial"/>
+                <a:ea typeface="Arial"/>
+                <a:cs typeface="Arial"/>
+                <a:sym typeface="Arial"/>
+              </a:defRPr>
+            </a:pPr>
+            <a:r>
+              <a:rPr lang="en-US" altLang="zh-TW" sz="1800" b="0" dirty="0" smtClean="0">
+                <a:sym typeface="Arial"/>
+                <a:hlinkClick r:id="rId6"/>
+              </a:rPr>
+              <a:t>https://startbootstrap.com/template-overviews/sb-admin/</a:t>
+            </a:r>
+            <a:endParaRPr lang="en-US" altLang="zh-TW" sz="1800" b="0" dirty="0" smtClean="0">
+              <a:sym typeface="Arial"/>
+            </a:endParaRPr>
+          </a:p>
+          <a:p>
+            <a:pPr defTabSz="232196">
+              <a:lnSpc>
+                <a:spcPct val="115000"/>
+              </a:lnSpc>
+              <a:spcBef>
+                <a:spcPts val="300"/>
+              </a:spcBef>
+              <a:defRPr sz="1400">
+                <a:solidFill>
+                  <a:srgbClr val="585858"/>
+                </a:solidFill>
+                <a:latin typeface="Arial"/>
+                <a:ea typeface="Arial"/>
+                <a:cs typeface="Arial"/>
+                <a:sym typeface="Arial"/>
+              </a:defRPr>
+            </a:pPr>
+            <a:r>
+              <a:rPr lang="en-US" altLang="zh-TW" sz="1800" dirty="0" smtClean="0">
+                <a:sym typeface="Arial"/>
+              </a:rPr>
+              <a:t>SB Admin 2</a:t>
+            </a:r>
+          </a:p>
+          <a:p>
+            <a:pPr defTabSz="232196">
+              <a:lnSpc>
+                <a:spcPct val="115000"/>
+              </a:lnSpc>
+              <a:spcBef>
+                <a:spcPts val="300"/>
+              </a:spcBef>
+              <a:defRPr sz="1400">
+                <a:solidFill>
+                  <a:srgbClr val="585858"/>
+                </a:solidFill>
+                <a:latin typeface="Arial"/>
+                <a:ea typeface="Arial"/>
+                <a:cs typeface="Arial"/>
+                <a:sym typeface="Arial"/>
+              </a:defRPr>
+            </a:pPr>
+            <a:r>
+              <a:rPr lang="en-US" altLang="zh-TW" sz="1800" b="0" dirty="0" smtClean="0">
+                <a:solidFill>
+                  <a:schemeClr val="accent6"/>
+                </a:solidFill>
+                <a:sym typeface="Arial"/>
+                <a:hlinkClick r:id="rId7"/>
+              </a:rPr>
+              <a:t>http://startbootstrap.com/template-overviews/sb-admin-2/</a:t>
+            </a:r>
+            <a:endParaRPr lang="en-US" altLang="zh-TW" sz="1800" b="0" dirty="0" smtClean="0">
+              <a:solidFill>
+                <a:schemeClr val="accent6"/>
+              </a:solidFill>
+              <a:sym typeface="Arial"/>
+            </a:endParaRPr>
+          </a:p>
+          <a:p>
+            <a:pPr defTabSz="232196">
+              <a:lnSpc>
+                <a:spcPct val="115000"/>
+              </a:lnSpc>
+              <a:spcBef>
+                <a:spcPts val="300"/>
+              </a:spcBef>
+              <a:defRPr sz="1400">
+                <a:solidFill>
+                  <a:srgbClr val="585858"/>
+                </a:solidFill>
+                <a:latin typeface="Arial"/>
+                <a:ea typeface="Arial"/>
+                <a:cs typeface="Arial"/>
+                <a:sym typeface="Arial"/>
+              </a:defRPr>
+            </a:pPr>
+            <a:endParaRPr lang="en-US" altLang="zh-TW" sz="1800" b="0" dirty="0" smtClean="0">
+              <a:sym typeface="Arial"/>
+            </a:endParaRPr>
+          </a:p>
+          <a:p>
+            <a:pPr defTabSz="232196">
+              <a:lnSpc>
+                <a:spcPct val="115000"/>
+              </a:lnSpc>
+              <a:spcBef>
+                <a:spcPts val="300"/>
+              </a:spcBef>
+              <a:defRPr sz="1400">
+                <a:solidFill>
+                  <a:srgbClr val="585858"/>
+                </a:solidFill>
+                <a:latin typeface="Arial"/>
+                <a:ea typeface="Arial"/>
+                <a:cs typeface="Arial"/>
+                <a:sym typeface="Arial"/>
+              </a:defRPr>
+            </a:pPr>
+            <a:endParaRPr lang="en-US" altLang="zh-TW" sz="1800" dirty="0" smtClean="0">
+              <a:sym typeface="Arial"/>
+            </a:endParaRPr>
+          </a:p>
+          <a:p>
+            <a:pPr defTabSz="232196">
+              <a:lnSpc>
+                <a:spcPct val="115000"/>
+              </a:lnSpc>
+              <a:spcBef>
+                <a:spcPts val="300"/>
+              </a:spcBef>
+              <a:defRPr sz="1400">
+                <a:solidFill>
+                  <a:srgbClr val="585858"/>
+                </a:solidFill>
+                <a:latin typeface="Arial"/>
+                <a:ea typeface="Arial"/>
+                <a:cs typeface="Arial"/>
+                <a:sym typeface="Arial"/>
+              </a:defRPr>
+            </a:pPr>
+            <a:endParaRPr lang="en-US" altLang="zh-TW" sz="1800" dirty="0" smtClean="0">
+              <a:sym typeface="Arial"/>
+            </a:endParaRPr>
+          </a:p>
+          <a:p>
+            <a:pPr defTabSz="232196">
+              <a:lnSpc>
+                <a:spcPct val="115000"/>
+              </a:lnSpc>
+              <a:spcBef>
+                <a:spcPts val="300"/>
+              </a:spcBef>
+              <a:defRPr sz="1400">
+                <a:solidFill>
+                  <a:srgbClr val="585858"/>
+                </a:solidFill>
+                <a:latin typeface="Arial"/>
+                <a:ea typeface="Arial"/>
+                <a:cs typeface="Arial"/>
+                <a:sym typeface="Arial"/>
+              </a:defRPr>
+            </a:pPr>
+            <a:endParaRPr lang="en-US" altLang="zh-TW" sz="1800" dirty="0" smtClean="0">
+              <a:sym typeface="Arial"/>
+            </a:endParaRPr>
+          </a:p>
+          <a:p>
+            <a:pPr defTabSz="232196">
+              <a:lnSpc>
+                <a:spcPct val="115000"/>
+              </a:lnSpc>
+              <a:spcBef>
+                <a:spcPts val="300"/>
+              </a:spcBef>
+              <a:defRPr sz="1400">
+                <a:solidFill>
+                  <a:srgbClr val="585858"/>
+                </a:solidFill>
+                <a:latin typeface="Arial"/>
+                <a:ea typeface="Arial"/>
+                <a:cs typeface="Arial"/>
+                <a:sym typeface="Arial"/>
+              </a:defRPr>
+            </a:pPr>
+            <a:endParaRPr lang="en-US" altLang="zh-TW" sz="1800" dirty="0" smtClean="0">
+              <a:sym typeface="Arial"/>
+            </a:endParaRPr>
+          </a:p>
+          <a:p>
+            <a:pPr defTabSz="232196">
+              <a:lnSpc>
+                <a:spcPct val="115000"/>
+              </a:lnSpc>
+              <a:spcBef>
+                <a:spcPts val="300"/>
+              </a:spcBef>
+              <a:defRPr sz="1400">
+                <a:solidFill>
+                  <a:srgbClr val="585858"/>
+                </a:solidFill>
+                <a:latin typeface="Arial"/>
+                <a:ea typeface="Arial"/>
+                <a:cs typeface="Arial"/>
+                <a:sym typeface="Arial"/>
+              </a:defRPr>
+            </a:pPr>
+            <a:endParaRPr lang="en-US" altLang="zh-TW" sz="1800" dirty="0" smtClean="0">
+              <a:sym typeface="Arial"/>
+            </a:endParaRPr>
+          </a:p>
+          <a:p>
+            <a:pPr defTabSz="232196">
+              <a:lnSpc>
+                <a:spcPct val="115000"/>
+              </a:lnSpc>
+              <a:spcBef>
+                <a:spcPts val="300"/>
+              </a:spcBef>
+              <a:defRPr sz="1400">
+                <a:solidFill>
+                  <a:srgbClr val="585858"/>
+                </a:solidFill>
+                <a:latin typeface="Arial"/>
+                <a:ea typeface="Arial"/>
+                <a:cs typeface="Arial"/>
+                <a:sym typeface="Arial"/>
+              </a:defRPr>
+            </a:pPr>
+            <a:endParaRPr lang="en-US" altLang="zh-TW" sz="1800" dirty="0" smtClean="0">
+              <a:sym typeface="Arial"/>
+            </a:endParaRPr>
+          </a:p>
+        </p:txBody>
+      </p:sp>
+    </p:spTree>
+  </p:cSld>
+  <p:clrMapOvr>
+    <a:masterClrMapping/>
+  </p:clrMapOvr>
+  <p:transition spd="slow"/>
+  <p:timing>
+    <p:tnLst>
+      <p:par>
+        <p:cTn id="1" dur="indefinite" restart="never" nodeType="tmRoot"/>
+      </p:par>
+    </p:tnLst>
+  </p:timing>
+</p:sld>
+</file>
+
+<file path=ppt/slides/slide56.xml><?xml version="1.0" encoding="utf-8"?>
+<p:sld xmlns:a="http://schemas.openxmlformats.org/drawingml/2006/main" xmlns:r="http://schemas.openxmlformats.org/officeDocument/2006/relationships" xmlns:p="http://schemas.openxmlformats.org/presentationml/2006/main">
+  <p:cSld>
+    <p:spTree>
+      <p:nvGrpSpPr>
+        <p:cNvPr id="1" name=""/>
+        <p:cNvGrpSpPr/>
+        <p:nvPr/>
+      </p:nvGrpSpPr>
+      <p:grpSpPr>
+        <a:xfrm>
+          <a:off x="0" y="0"/>
+          <a:ext cx="0" cy="0"/>
+          <a:chOff x="0" y="0"/>
+          <a:chExt cx="0" cy="0"/>
+        </a:xfrm>
+      </p:grpSpPr>
+      <p:sp>
+        <p:nvSpPr>
+          <p:cNvPr id="494" name="Shape 494"/>
+          <p:cNvSpPr>
+            <a:spLocks noGrp="1"/>
+          </p:cNvSpPr>
+          <p:nvPr>
+            <p:ph type="title"/>
+          </p:nvPr>
+        </p:nvSpPr>
+        <p:spPr>
+          <a:xfrm>
             <a:off x="685798" y="0"/>
             <a:ext cx="7772404" cy="899915"/>
           </a:xfrm>
@@ -26252,7 +26740,7 @@
 </p:sld>
 </file>
 
-<file path=ppt/slides/slide56.xml><?xml version="1.0" encoding="utf-8"?>
+<file path=ppt/slides/slide57.xml><?xml version="1.0" encoding="utf-8"?>
 <p:sld xmlns:a="http://schemas.openxmlformats.org/drawingml/2006/main" xmlns:r="http://schemas.openxmlformats.org/officeDocument/2006/relationships" xmlns:p="http://schemas.openxmlformats.org/presentationml/2006/main">
   <p:cSld>
     <p:spTree>
@@ -26899,7 +27387,7 @@
 </p:sld>
 </file>
 
-<file path=ppt/slides/slide57.xml><?xml version="1.0" encoding="utf-8"?>
+<file path=ppt/slides/slide58.xml><?xml version="1.0" encoding="utf-8"?>
 <p:sld xmlns:a="http://schemas.openxmlformats.org/drawingml/2006/main" xmlns:r="http://schemas.openxmlformats.org/officeDocument/2006/relationships" xmlns:p="http://schemas.openxmlformats.org/presentationml/2006/main">
   <p:cSld>
     <p:spTree>
@@ -27246,193 +27734,6 @@
           <a:xfrm>
             <a:off x="583096" y="2756452"/>
             <a:ext cx="7871791" cy="4101548"/>
-          </a:xfrm>
-          <a:prstGeom prst="rect">
-            <a:avLst/>
-          </a:prstGeom>
-          <a:noFill/>
-          <a:ln w="9525">
-            <a:noFill/>
-            <a:miter lim="800000"/>
-            <a:headEnd/>
-            <a:tailEnd/>
-          </a:ln>
-        </p:spPr>
-      </p:pic>
-    </p:spTree>
-  </p:cSld>
-  <p:clrMapOvr>
-    <a:masterClrMapping/>
-  </p:clrMapOvr>
-  <p:transition spd="slow"/>
-  <p:timing>
-    <p:tnLst>
-      <p:par>
-        <p:cTn id="1" dur="indefinite" restart="never" nodeType="tmRoot"/>
-      </p:par>
-    </p:tnLst>
-  </p:timing>
-</p:sld>
-</file>
-
-<file path=ppt/slides/slide58.xml><?xml version="1.0" encoding="utf-8"?>
-<p:sld xmlns:a="http://schemas.openxmlformats.org/drawingml/2006/main" xmlns:r="http://schemas.openxmlformats.org/officeDocument/2006/relationships" xmlns:p="http://schemas.openxmlformats.org/presentationml/2006/main">
-  <p:cSld>
-    <p:spTree>
-      <p:nvGrpSpPr>
-        <p:cNvPr id="1" name=""/>
-        <p:cNvGrpSpPr/>
-        <p:nvPr/>
-      </p:nvGrpSpPr>
-      <p:grpSpPr>
-        <a:xfrm>
-          <a:off x="0" y="0"/>
-          <a:ext cx="0" cy="0"/>
-          <a:chOff x="0" y="0"/>
-          <a:chExt cx="0" cy="0"/>
-        </a:xfrm>
-      </p:grpSpPr>
-      <p:sp>
-        <p:nvSpPr>
-          <p:cNvPr id="497" name="Shape 497"/>
-          <p:cNvSpPr>
-            <a:spLocks noGrp="1"/>
-          </p:cNvSpPr>
-          <p:nvPr>
-            <p:ph type="title"/>
-          </p:nvPr>
-        </p:nvSpPr>
-        <p:spPr>
-          <a:xfrm>
-            <a:off x="685798" y="0"/>
-            <a:ext cx="7772404" cy="899915"/>
-          </a:xfrm>
-          <a:prstGeom prst="rect">
-            <a:avLst/>
-          </a:prstGeom>
-        </p:spPr>
-        <p:txBody>
-          <a:bodyPr>
-            <a:normAutofit fontScale="90000"/>
-          </a:bodyPr>
-          <a:lstStyle>
-            <a:lvl1pPr algn="ctr">
-              <a:defRPr sz="4800" b="0" cap="none">
-                <a:solidFill>
-                  <a:srgbClr val="FFFFFF"/>
-                </a:solidFill>
-              </a:defRPr>
-            </a:lvl1pPr>
-          </a:lstStyle>
-          <a:p>
-            <a:r>
-              <a:rPr lang="zh-TW" altLang="en-US" dirty="0" smtClean="0"/>
-              <a:t>服務器端 </a:t>
-            </a:r>
-            <a:r>
-              <a:rPr lang="en-US" altLang="zh-TW" dirty="0" smtClean="0"/>
-              <a:t>Node-Red </a:t>
-            </a:r>
-            <a:r>
-              <a:rPr lang="en-US" altLang="zh-TW" dirty="0" err="1" smtClean="0"/>
-              <a:t>Websocket</a:t>
-            </a:r>
-            <a:endParaRPr dirty="0"/>
-          </a:p>
-        </p:txBody>
-      </p:sp>
-      <p:sp>
-        <p:nvSpPr>
-          <p:cNvPr id="498" name="Shape 498"/>
-          <p:cNvSpPr>
-            <a:spLocks noGrp="1"/>
-          </p:cNvSpPr>
-          <p:nvPr>
-            <p:ph type="body" idx="1"/>
-          </p:nvPr>
-        </p:nvSpPr>
-        <p:spPr>
-          <a:xfrm>
-            <a:off x="685798" y="1255562"/>
-            <a:ext cx="7772404" cy="4713390"/>
-          </a:xfrm>
-          <a:prstGeom prst="rect">
-            <a:avLst/>
-          </a:prstGeom>
-        </p:spPr>
-        <p:txBody>
-          <a:bodyPr anchor="t"/>
-          <a:lstStyle/>
-          <a:p>
-            <a:r>
-              <a:rPr lang="en-US" altLang="zh-TW" b="0" dirty="0" err="1" smtClean="0"/>
-              <a:t>WebSocket</a:t>
-            </a:r>
-            <a:r>
-              <a:rPr lang="zh-TW" altLang="en-US" b="0" dirty="0" smtClean="0"/>
-              <a:t>輸入節點。</a:t>
-            </a:r>
-          </a:p>
-          <a:p>
-            <a:r>
-              <a:rPr lang="zh-TW" altLang="en-US" b="0" dirty="0" smtClean="0"/>
-              <a:t>默認情況下，從</a:t>
-            </a:r>
-            <a:r>
-              <a:rPr lang="en-US" altLang="zh-TW" b="0" dirty="0" err="1" smtClean="0"/>
-              <a:t>WebSocket</a:t>
-            </a:r>
-            <a:r>
-              <a:rPr lang="zh-TW" altLang="en-US" b="0" dirty="0" smtClean="0"/>
-              <a:t>接收的數據將位於</a:t>
-            </a:r>
-            <a:r>
-              <a:rPr lang="en-US" altLang="zh-TW" b="0" dirty="0" err="1" smtClean="0"/>
-              <a:t>msg.payload</a:t>
-            </a:r>
-            <a:r>
-              <a:rPr lang="zh-TW" altLang="en-US" b="0" dirty="0" smtClean="0"/>
-              <a:t>中。 可以將套接字配置為期望正確形成的</a:t>
-            </a:r>
-            <a:r>
-              <a:rPr lang="en-US" altLang="zh-TW" b="0" dirty="0" smtClean="0"/>
-              <a:t>JSON</a:t>
-            </a:r>
-            <a:r>
-              <a:rPr lang="zh-TW" altLang="en-US" b="0" dirty="0" smtClean="0"/>
-              <a:t>字符串，在這種情況下，它將解析</a:t>
-            </a:r>
-            <a:r>
-              <a:rPr lang="en-US" altLang="zh-TW" b="0" dirty="0" smtClean="0"/>
-              <a:t>JSON</a:t>
-            </a:r>
-            <a:r>
-              <a:rPr lang="zh-TW" altLang="en-US" b="0" dirty="0" smtClean="0"/>
-              <a:t>並將結果對像作為整個消息發送。</a:t>
-            </a:r>
-            <a:endParaRPr lang="en-US" altLang="zh-TW" b="0" dirty="0" smtClean="0"/>
-          </a:p>
-        </p:txBody>
-      </p:sp>
-      <p:pic>
-        <p:nvPicPr>
-          <p:cNvPr id="6146" name="Picture 2"/>
-          <p:cNvPicPr>
-            <a:picLocks noChangeAspect="1" noChangeArrowheads="1"/>
-          </p:cNvPicPr>
-          <p:nvPr/>
-        </p:nvPicPr>
-        <p:blipFill>
-          <a:blip r:embed="rId2" cstate="print"/>
-          <a:srcRect/>
-          <a:stretch>
-            <a:fillRect/>
-          </a:stretch>
-        </p:blipFill>
-        <p:spPr bwMode="auto">
-          <a:xfrm>
-            <a:off x="490330" y="2577105"/>
-            <a:ext cx="8269357" cy="4280895"/>
           </a:xfrm>
           <a:prstGeom prst="rect">
             <a:avLst/>
@@ -27491,7 +27792,7 @@
         </p:nvSpPr>
         <p:spPr>
           <a:xfrm>
-            <a:off x="685798" y="266699"/>
+            <a:off x="685798" y="0"/>
             <a:ext cx="7772404" cy="899915"/>
           </a:xfrm>
           <a:prstGeom prst="rect">
@@ -27513,12 +27814,16 @@
           </a:lstStyle>
           <a:p>
             <a:r>
+              <a:rPr lang="zh-TW" altLang="en-US" dirty="0" smtClean="0"/>
+              <a:t>服務器端 </a:t>
+            </a:r>
+            <a:r>
+              <a:rPr lang="en-US" altLang="zh-TW" dirty="0" smtClean="0"/>
+              <a:t>Node-Red </a:t>
+            </a:r>
+            <a:r>
               <a:rPr lang="en-US" altLang="zh-TW" dirty="0" err="1" smtClean="0"/>
-              <a:t>WebSocket</a:t>
-            </a:r>
-            <a:r>
-              <a:rPr lang="zh-TW" altLang="en-US" dirty="0" smtClean="0"/>
-              <a:t>客戶端的簡單示例</a:t>
+              <a:t>Websocket</a:t>
             </a:r>
             <a:endParaRPr dirty="0"/>
           </a:p>
@@ -27547,13 +27852,59 @@
           <a:bodyPr anchor="t"/>
           <a:lstStyle/>
           <a:p>
-            <a:endParaRPr lang="en-US" altLang="zh-TW" b="0" dirty="0"/>
+            <a:r>
+              <a:rPr lang="en-US" altLang="zh-TW" b="0" dirty="0" err="1" smtClean="0"/>
+              <a:t>WebSocket</a:t>
+            </a:r>
+            <a:r>
+              <a:rPr lang="zh-TW" altLang="en-US" b="0" dirty="0" smtClean="0"/>
+              <a:t>輸入節點。</a:t>
+            </a:r>
+          </a:p>
+          <a:p>
+            <a:r>
+              <a:rPr lang="zh-TW" altLang="en-US" b="0" dirty="0" smtClean="0"/>
+              <a:t>默認情況下，從</a:t>
+            </a:r>
+            <a:r>
+              <a:rPr lang="en-US" altLang="zh-TW" b="0" dirty="0" err="1" smtClean="0"/>
+              <a:t>WebSocket</a:t>
+            </a:r>
+            <a:r>
+              <a:rPr lang="zh-TW" altLang="en-US" b="0" dirty="0" smtClean="0"/>
+              <a:t>接收的數據將位於</a:t>
+            </a:r>
+            <a:r>
+              <a:rPr lang="en-US" altLang="zh-TW" b="0" dirty="0" err="1" smtClean="0"/>
+              <a:t>msg.payload</a:t>
+            </a:r>
+            <a:r>
+              <a:rPr lang="zh-TW" altLang="en-US" b="0" dirty="0" smtClean="0"/>
+              <a:t>中。 可以將套接字配置為期望正確形成的</a:t>
+            </a:r>
+            <a:r>
+              <a:rPr lang="en-US" altLang="zh-TW" b="0" dirty="0" smtClean="0"/>
+              <a:t>JSON</a:t>
+            </a:r>
+            <a:r>
+              <a:rPr lang="zh-TW" altLang="en-US" b="0" dirty="0" smtClean="0"/>
+              <a:t>字符串，在這種情況下，它將解析</a:t>
+            </a:r>
+            <a:r>
+              <a:rPr lang="en-US" altLang="zh-TW" b="0" dirty="0" smtClean="0"/>
+              <a:t>JSON</a:t>
+            </a:r>
+            <a:r>
+              <a:rPr lang="zh-TW" altLang="en-US" b="0" dirty="0" smtClean="0"/>
+              <a:t>並將結果對像作為整個消息發送。</a:t>
+            </a:r>
+            <a:endParaRPr lang="en-US" altLang="zh-TW" b="0" dirty="0" smtClean="0"/>
           </a:p>
         </p:txBody>
       </p:sp>
       <p:pic>
         <p:nvPicPr>
-          <p:cNvPr id="5122" name="Picture 2"/>
+          <p:cNvPr id="6146" name="Picture 2"/>
           <p:cNvPicPr>
             <a:picLocks noChangeAspect="1" noChangeArrowheads="1"/>
           </p:cNvPicPr>
@@ -27568,8 +27919,8 @@
         </p:blipFill>
         <p:spPr bwMode="auto">
           <a:xfrm>
-            <a:off x="313147" y="1258956"/>
-            <a:ext cx="8485304" cy="4797287"/>
+            <a:off x="490330" y="2577105"/>
+            <a:ext cx="8269357" cy="4280895"/>
           </a:xfrm>
           <a:prstGeom prst="rect">
             <a:avLst/>
@@ -28019,6 +28370,143 @@
         </p:nvSpPr>
         <p:spPr>
           <a:xfrm>
+            <a:off x="685798" y="266699"/>
+            <a:ext cx="7772404" cy="899915"/>
+          </a:xfrm>
+          <a:prstGeom prst="rect">
+            <a:avLst/>
+          </a:prstGeom>
+        </p:spPr>
+        <p:txBody>
+          <a:bodyPr>
+            <a:normAutofit fontScale="90000"/>
+          </a:bodyPr>
+          <a:lstStyle>
+            <a:lvl1pPr algn="ctr">
+              <a:defRPr sz="4800" b="0" cap="none">
+                <a:solidFill>
+                  <a:srgbClr val="FFFFFF"/>
+                </a:solidFill>
+              </a:defRPr>
+            </a:lvl1pPr>
+          </a:lstStyle>
+          <a:p>
+            <a:r>
+              <a:rPr lang="en-US" altLang="zh-TW" dirty="0" err="1" smtClean="0"/>
+              <a:t>WebSocket</a:t>
+            </a:r>
+            <a:r>
+              <a:rPr lang="zh-TW" altLang="en-US" dirty="0" smtClean="0"/>
+              <a:t>客戶端的簡單示例</a:t>
+            </a:r>
+            <a:endParaRPr dirty="0"/>
+          </a:p>
+        </p:txBody>
+      </p:sp>
+      <p:sp>
+        <p:nvSpPr>
+          <p:cNvPr id="498" name="Shape 498"/>
+          <p:cNvSpPr>
+            <a:spLocks noGrp="1"/>
+          </p:cNvSpPr>
+          <p:nvPr>
+            <p:ph type="body" idx="1"/>
+          </p:nvPr>
+        </p:nvSpPr>
+        <p:spPr>
+          <a:xfrm>
+            <a:off x="685798" y="1255562"/>
+            <a:ext cx="7772404" cy="4713390"/>
+          </a:xfrm>
+          <a:prstGeom prst="rect">
+            <a:avLst/>
+          </a:prstGeom>
+        </p:spPr>
+        <p:txBody>
+          <a:bodyPr anchor="t"/>
+          <a:lstStyle/>
+          <a:p>
+            <a:endParaRPr lang="en-US" altLang="zh-TW" b="0" dirty="0"/>
+          </a:p>
+        </p:txBody>
+      </p:sp>
+      <p:pic>
+        <p:nvPicPr>
+          <p:cNvPr id="5122" name="Picture 2"/>
+          <p:cNvPicPr>
+            <a:picLocks noChangeAspect="1" noChangeArrowheads="1"/>
+          </p:cNvPicPr>
+          <p:nvPr/>
+        </p:nvPicPr>
+        <p:blipFill>
+          <a:blip r:embed="rId2" cstate="print"/>
+          <a:srcRect/>
+          <a:stretch>
+            <a:fillRect/>
+          </a:stretch>
+        </p:blipFill>
+        <p:spPr bwMode="auto">
+          <a:xfrm>
+            <a:off x="313147" y="1258956"/>
+            <a:ext cx="8485304" cy="4797287"/>
+          </a:xfrm>
+          <a:prstGeom prst="rect">
+            <a:avLst/>
+          </a:prstGeom>
+          <a:noFill/>
+          <a:ln w="9525">
+            <a:noFill/>
+            <a:miter lim="800000"/>
+            <a:headEnd/>
+            <a:tailEnd/>
+          </a:ln>
+        </p:spPr>
+      </p:pic>
+    </p:spTree>
+  </p:cSld>
+  <p:clrMapOvr>
+    <a:masterClrMapping/>
+  </p:clrMapOvr>
+  <p:transition spd="slow"/>
+  <p:timing>
+    <p:tnLst>
+      <p:par>
+        <p:cTn id="1" dur="indefinite" restart="never" nodeType="tmRoot"/>
+      </p:par>
+    </p:tnLst>
+  </p:timing>
+</p:sld>
+</file>
+
+<file path=ppt/slides/slide61.xml><?xml version="1.0" encoding="utf-8"?>
+<p:sld xmlns:a="http://schemas.openxmlformats.org/drawingml/2006/main" xmlns:r="http://schemas.openxmlformats.org/officeDocument/2006/relationships" xmlns:p="http://schemas.openxmlformats.org/presentationml/2006/main">
+  <p:cSld>
+    <p:spTree>
+      <p:nvGrpSpPr>
+        <p:cNvPr id="1" name=""/>
+        <p:cNvGrpSpPr/>
+        <p:nvPr/>
+      </p:nvGrpSpPr>
+      <p:grpSpPr>
+        <a:xfrm>
+          <a:off x="0" y="0"/>
+          <a:ext cx="0" cy="0"/>
+          <a:chOff x="0" y="0"/>
+          <a:chExt cx="0" cy="0"/>
+        </a:xfrm>
+      </p:grpSpPr>
+      <p:sp>
+        <p:nvSpPr>
+          <p:cNvPr id="497" name="Shape 497"/>
+          <p:cNvSpPr>
+            <a:spLocks noGrp="1"/>
+          </p:cNvSpPr>
+          <p:nvPr>
+            <p:ph type="title"/>
+          </p:nvPr>
+        </p:nvSpPr>
+        <p:spPr>
+          <a:xfrm>
             <a:off x="699050" y="0"/>
             <a:ext cx="7772404" cy="899915"/>
           </a:xfrm>
@@ -30031,7 +30519,7 @@
 </p:sld>
 </file>
 
-<file path=ppt/slides/slide61.xml><?xml version="1.0" encoding="utf-8"?>
+<file path=ppt/slides/slide62.xml><?xml version="1.0" encoding="utf-8"?>
 <p:sld xmlns:a="http://schemas.openxmlformats.org/drawingml/2006/main" xmlns:r="http://schemas.openxmlformats.org/officeDocument/2006/relationships" xmlns:p="http://schemas.openxmlformats.org/presentationml/2006/main">
   <p:cSld>
     <p:spTree>
@@ -30196,7 +30684,7 @@
 </p:sld>
 </file>
 
-<file path=ppt/slides/slide62.xml><?xml version="1.0" encoding="utf-8"?>
+<file path=ppt/slides/slide63.xml><?xml version="1.0" encoding="utf-8"?>
 <p:sld xmlns:a="http://schemas.openxmlformats.org/drawingml/2006/main" xmlns:r="http://schemas.openxmlformats.org/officeDocument/2006/relationships" xmlns:p="http://schemas.openxmlformats.org/presentationml/2006/main">
   <p:cSld>
     <p:spTree>
@@ -30479,7 +30967,7 @@
 </p:sld>
 </file>
 
-<file path=ppt/slides/slide63.xml><?xml version="1.0" encoding="utf-8"?>
+<file path=ppt/slides/slide64.xml><?xml version="1.0" encoding="utf-8"?>
 <p:sld xmlns:a="http://schemas.openxmlformats.org/drawingml/2006/main" xmlns:r="http://schemas.openxmlformats.org/officeDocument/2006/relationships" xmlns:p="http://schemas.openxmlformats.org/presentationml/2006/main">
   <p:cSld>
     <p:spTree>
